--- a/Remise/Remise 1/Presentation_Remise_1.pptx
+++ b/Remise/Remise 1/Presentation_Remise_1.pptx
@@ -831,7 +831,7 @@
           <a:p>
             <a:fld id="{5C8908A9-1E53-4D85-A76B-A28D8BCB5503}" type="datetimeFigureOut">
               <a:rPr lang="en-US" smtClean="0"/>
-              <a:t>1/22/2014</a:t>
+              <a:t>1/24/2014</a:t>
             </a:fld>
             <a:endParaRPr lang="en-US"/>
           </a:p>
@@ -1094,7 +1094,7 @@
           <a:p>
             <a:fld id="{5C8908A9-1E53-4D85-A76B-A28D8BCB5503}" type="datetimeFigureOut">
               <a:rPr lang="en-US" smtClean="0"/>
-              <a:t>1/22/2014</a:t>
+              <a:t>1/24/2014</a:t>
             </a:fld>
             <a:endParaRPr lang="en-US"/>
           </a:p>
@@ -1345,7 +1345,7 @@
           <a:p>
             <a:fld id="{5C8908A9-1E53-4D85-A76B-A28D8BCB5503}" type="datetimeFigureOut">
               <a:rPr lang="en-US" smtClean="0"/>
-              <a:t>1/22/2014</a:t>
+              <a:t>1/24/2014</a:t>
             </a:fld>
             <a:endParaRPr lang="en-US"/>
           </a:p>
@@ -1659,7 +1659,7 @@
           <a:p>
             <a:fld id="{5C8908A9-1E53-4D85-A76B-A28D8BCB5503}" type="datetimeFigureOut">
               <a:rPr lang="en-US" smtClean="0"/>
-              <a:t>1/22/2014</a:t>
+              <a:t>1/24/2014</a:t>
             </a:fld>
             <a:endParaRPr lang="en-US"/>
           </a:p>
@@ -2000,7 +2000,7 @@
           <a:p>
             <a:fld id="{5C8908A9-1E53-4D85-A76B-A28D8BCB5503}" type="datetimeFigureOut">
               <a:rPr lang="en-US" smtClean="0"/>
-              <a:t>1/22/2014</a:t>
+              <a:t>1/24/2014</a:t>
             </a:fld>
             <a:endParaRPr lang="en-US"/>
           </a:p>
@@ -2314,7 +2314,7 @@
           <a:p>
             <a:fld id="{5C8908A9-1E53-4D85-A76B-A28D8BCB5503}" type="datetimeFigureOut">
               <a:rPr lang="en-US" smtClean="0"/>
-              <a:t>1/22/2014</a:t>
+              <a:t>1/24/2014</a:t>
             </a:fld>
             <a:endParaRPr lang="en-US"/>
           </a:p>
@@ -2707,7 +2707,7 @@
           <a:p>
             <a:fld id="{5C8908A9-1E53-4D85-A76B-A28D8BCB5503}" type="datetimeFigureOut">
               <a:rPr lang="en-US" smtClean="0"/>
-              <a:t>1/22/2014</a:t>
+              <a:t>1/24/2014</a:t>
             </a:fld>
             <a:endParaRPr lang="en-US"/>
           </a:p>
@@ -2877,7 +2877,7 @@
           <a:p>
             <a:fld id="{5C8908A9-1E53-4D85-A76B-A28D8BCB5503}" type="datetimeFigureOut">
               <a:rPr lang="en-US" smtClean="0"/>
-              <a:t>1/22/2014</a:t>
+              <a:t>1/24/2014</a:t>
             </a:fld>
             <a:endParaRPr lang="en-US"/>
           </a:p>
@@ -3057,7 +3057,7 @@
           <a:p>
             <a:fld id="{5C8908A9-1E53-4D85-A76B-A28D8BCB5503}" type="datetimeFigureOut">
               <a:rPr lang="en-US" smtClean="0"/>
-              <a:t>1/22/2014</a:t>
+              <a:t>1/24/2014</a:t>
             </a:fld>
             <a:endParaRPr lang="en-US"/>
           </a:p>
@@ -3233,7 +3233,7 @@
           <a:p>
             <a:fld id="{5C8908A9-1E53-4D85-A76B-A28D8BCB5503}" type="datetimeFigureOut">
               <a:rPr lang="en-US" smtClean="0"/>
-              <a:t>1/22/2014</a:t>
+              <a:t>1/24/2014</a:t>
             </a:fld>
             <a:endParaRPr lang="en-US"/>
           </a:p>
@@ -3480,7 +3480,7 @@
           <a:p>
             <a:fld id="{5C8908A9-1E53-4D85-A76B-A28D8BCB5503}" type="datetimeFigureOut">
               <a:rPr lang="en-US" smtClean="0"/>
-              <a:t>1/22/2014</a:t>
+              <a:t>1/24/2014</a:t>
             </a:fld>
             <a:endParaRPr lang="en-US"/>
           </a:p>
@@ -3712,7 +3712,7 @@
           <a:p>
             <a:fld id="{5C8908A9-1E53-4D85-A76B-A28D8BCB5503}" type="datetimeFigureOut">
               <a:rPr lang="en-US" smtClean="0"/>
-              <a:t>1/22/2014</a:t>
+              <a:t>1/24/2014</a:t>
             </a:fld>
             <a:endParaRPr lang="en-US"/>
           </a:p>
@@ -4086,7 +4086,7 @@
           <a:p>
             <a:fld id="{5C8908A9-1E53-4D85-A76B-A28D8BCB5503}" type="datetimeFigureOut">
               <a:rPr lang="en-US" smtClean="0"/>
-              <a:t>1/22/2014</a:t>
+              <a:t>1/24/2014</a:t>
             </a:fld>
             <a:endParaRPr lang="en-US"/>
           </a:p>
@@ -4209,7 +4209,7 @@
           <a:p>
             <a:fld id="{5C8908A9-1E53-4D85-A76B-A28D8BCB5503}" type="datetimeFigureOut">
               <a:rPr lang="en-US" smtClean="0"/>
-              <a:t>1/22/2014</a:t>
+              <a:t>1/24/2014</a:t>
             </a:fld>
             <a:endParaRPr lang="en-US"/>
           </a:p>
@@ -4304,7 +4304,7 @@
           <a:p>
             <a:fld id="{5C8908A9-1E53-4D85-A76B-A28D8BCB5503}" type="datetimeFigureOut">
               <a:rPr lang="en-US" smtClean="0"/>
-              <a:t>1/22/2014</a:t>
+              <a:t>1/24/2014</a:t>
             </a:fld>
             <a:endParaRPr lang="en-US"/>
           </a:p>
@@ -4404,7 +4404,7 @@
           <a:p>
             <a:fld id="{5C8908A9-1E53-4D85-A76B-A28D8BCB5503}" type="datetimeFigureOut">
               <a:rPr lang="en-US" smtClean="0"/>
-              <a:t>1/22/2014</a:t>
+              <a:t>1/24/2014</a:t>
             </a:fld>
             <a:endParaRPr lang="en-US" dirty="0"/>
           </a:p>
@@ -5199,7 +5199,7 @@
           <a:p>
             <a:fld id="{5C8908A9-1E53-4D85-A76B-A28D8BCB5503}" type="datetimeFigureOut">
               <a:rPr lang="en-US" smtClean="0"/>
-              <a:t>1/22/2014</a:t>
+              <a:t>1/24/2014</a:t>
             </a:fld>
             <a:endParaRPr lang="en-US"/>
           </a:p>
@@ -5961,7 +5961,7 @@
           <a:p>
             <a:fld id="{5C8908A9-1E53-4D85-A76B-A28D8BCB5503}" type="datetimeFigureOut">
               <a:rPr lang="en-US" smtClean="0"/>
-              <a:t>1/22/2014</a:t>
+              <a:t>1/24/2014</a:t>
             </a:fld>
             <a:endParaRPr lang="en-US"/>
           </a:p>
@@ -6534,6 +6534,13 @@
   <p:clrMapOvr>
     <a:masterClrMapping/>
   </p:clrMapOvr>
+  <p:timing>
+    <p:tnLst>
+      <p:par>
+        <p:cTn xmlns:p14="http://schemas.microsoft.com/office/powerpoint/2010/main" id="1" dur="indefinite" restart="never" nodeType="tmRoot"/>
+      </p:par>
+    </p:tnLst>
+  </p:timing>
 </p:sld>
 </file>
 
@@ -6564,6 +6571,13 @@
   <p:clrMapOvr>
     <a:masterClrMapping/>
   </p:clrMapOvr>
+  <p:timing>
+    <p:tnLst>
+      <p:par>
+        <p:cTn xmlns:p14="http://schemas.microsoft.com/office/powerpoint/2010/main" id="1" dur="indefinite" restart="never" nodeType="tmRoot"/>
+      </p:par>
+    </p:tnLst>
+  </p:timing>
 </p:sld>
 </file>
 
@@ -6594,13 +6608,20 @@
   <p:clrMapOvr>
     <a:masterClrMapping/>
   </p:clrMapOvr>
+  <p:timing>
+    <p:tnLst>
+      <p:par>
+        <p:cTn xmlns:p14="http://schemas.microsoft.com/office/powerpoint/2010/main" id="1" dur="indefinite" restart="never" nodeType="tmRoot"/>
+      </p:par>
+    </p:tnLst>
+  </p:timing>
 </p:sld>
 </file>
 
 <file path=ppt/theme/theme1.xml><?xml version="1.0" encoding="utf-8"?>
 <a:theme xmlns:a="http://schemas.openxmlformats.org/drawingml/2006/main" name="Facet">
   <a:themeElements>
-    <a:clrScheme name="Facet">
+    <a:clrScheme name="Breeze">
       <a:dk1>
         <a:sysClr val="windowText" lastClr="000000"/>
       </a:dk1>
@@ -6608,39 +6629,39 @@
         <a:sysClr val="window" lastClr="FFFFFF"/>
       </a:lt1>
       <a:dk2>
-        <a:srgbClr val="2C3C43"/>
+        <a:srgbClr val="09213B"/>
       </a:dk2>
       <a:lt2>
-        <a:srgbClr val="EBEBEB"/>
+        <a:srgbClr val="D5EDF4"/>
       </a:lt2>
       <a:accent1>
-        <a:srgbClr val="90C226"/>
+        <a:srgbClr val="2C7C9F"/>
       </a:accent1>
       <a:accent2>
-        <a:srgbClr val="54A021"/>
+        <a:srgbClr val="244A58"/>
       </a:accent2>
       <a:accent3>
-        <a:srgbClr val="E6B91E"/>
+        <a:srgbClr val="E2751D"/>
       </a:accent3>
       <a:accent4>
-        <a:srgbClr val="E76618"/>
+        <a:srgbClr val="FFB400"/>
       </a:accent4>
       <a:accent5>
-        <a:srgbClr val="C42F1A"/>
+        <a:srgbClr val="7EB606"/>
       </a:accent5>
       <a:accent6>
-        <a:srgbClr val="918655"/>
+        <a:srgbClr val="C00000"/>
       </a:accent6>
       <a:hlink>
-        <a:srgbClr val="99CA3C"/>
+        <a:srgbClr val="7030A0"/>
       </a:hlink>
       <a:folHlink>
-        <a:srgbClr val="B9D181"/>
+        <a:srgbClr val="00B0F0"/>
       </a:folHlink>
     </a:clrScheme>
     <a:fontScheme name="Facet">
       <a:majorFont>
-        <a:latin typeface="Trebuchet MS" panose="020B0603020202020204"/>
+        <a:latin typeface="Trebuchet MS"/>
         <a:ea typeface=""/>
         <a:cs typeface=""/>
         <a:font script="Jpan" typeface="メイリオ"/>
@@ -6675,7 +6696,7 @@
         <a:font script="Geor" typeface="Sylfaen"/>
       </a:majorFont>
       <a:minorFont>
-        <a:latin typeface="Trebuchet MS" panose="020B0603020202020204"/>
+        <a:latin typeface="Trebuchet MS"/>
         <a:ea typeface=""/>
         <a:cs typeface=""/>
         <a:font script="Jpan" typeface="メイリオ"/>
@@ -6848,7 +6869,7 @@
   <a:extraClrSchemeLst/>
   <a:extLst>
     <a:ext uri="{05A4C25C-085E-4340-85A3-A5531E510DB2}">
-      <thm15:themeFamily xmlns:thm15="http://schemas.microsoft.com/office/thememl/2012/main" name="Facet" id="{C0C680CD-088A-49FC-A102-D699147F32B2}" vid="{CFBC31BA-B70F-4F30-BCAA-4F3011E16C4D}"/>
+      <thm15:themeFamily xmlns:thm15="http://schemas.microsoft.com/office/thememl/2012/main" xmlns="" name="Facet" id="{C0C680CD-088A-49FC-A102-D699147F32B2}" vid="{CFBC31BA-B70F-4F30-BCAA-4F3011E16C4D}"/>
     </a:ext>
   </a:extLst>
 </a:theme>

--- a/Remise/Remise 1/Presentation_Remise_1.pptx
+++ b/Remise/Remise 1/Presentation_Remise_1.pptx
@@ -7,7 +7,16 @@
   <p:sldIdLst>
     <p:sldId id="256" r:id="rId2"/>
     <p:sldId id="258" r:id="rId3"/>
-    <p:sldId id="257" r:id="rId4"/>
+    <p:sldId id="259" r:id="rId4"/>
+    <p:sldId id="257" r:id="rId5"/>
+    <p:sldId id="260" r:id="rId6"/>
+    <p:sldId id="261" r:id="rId7"/>
+    <p:sldId id="262" r:id="rId8"/>
+    <p:sldId id="263" r:id="rId9"/>
+    <p:sldId id="264" r:id="rId10"/>
+    <p:sldId id="265" r:id="rId11"/>
+    <p:sldId id="266" r:id="rId12"/>
+    <p:sldId id="267" r:id="rId13"/>
   </p:sldIdLst>
   <p:sldSz cx="12192000" cy="6858000"/>
   <p:notesSz cx="6858000" cy="9144000"/>
@@ -6501,7 +6510,23 @@
           <a:bodyPr/>
           <a:lstStyle/>
           <a:p>
-            <a:endParaRPr lang="en-US"/>
+            <a:r>
+              <a:rPr lang="fr-CA" dirty="0"/>
+              <a:t>Simulation d’une alimentation des électroaimants d’un accélérateur de</a:t>
+            </a:r>
+            <a:r>
+              <a:rPr lang="fr-CA" b="1" cap="all" dirty="0"/>
+              <a:t> </a:t>
+            </a:r>
+            <a:r>
+              <a:rPr lang="fr-CA" dirty="0"/>
+              <a:t>particules.</a:t>
+            </a:r>
+            <a:r>
+              <a:rPr lang="en-US" dirty="0"/>
+              <a:t> </a:t>
+            </a:r>
+            <a:endParaRPr lang="en-US" dirty="0"/>
           </a:p>
         </p:txBody>
       </p:sp>
@@ -6520,7 +6545,15 @@
           <a:bodyPr/>
           <a:lstStyle/>
           <a:p>
-            <a:endParaRPr lang="en-US"/>
+            <a:r>
+              <a:rPr lang="fr-FR" dirty="0" smtClean="0"/>
+              <a:t>Par l’équipe </a:t>
+            </a:r>
+            <a:r>
+              <a:rPr lang="fr-FR" dirty="0" err="1" smtClean="0"/>
+              <a:t>Électrosim</a:t>
+            </a:r>
+            <a:endParaRPr lang="fr-FR" dirty="0"/>
           </a:p>
         </p:txBody>
       </p:sp>
@@ -6544,6 +6577,294 @@
 </p:sld>
 </file>
 
+<file path=ppt/slides/slide10.xml><?xml version="1.0" encoding="utf-8"?>
+<p:sld xmlns:a="http://schemas.openxmlformats.org/drawingml/2006/main" xmlns:r="http://schemas.openxmlformats.org/officeDocument/2006/relationships" xmlns:p="http://schemas.openxmlformats.org/presentationml/2006/main">
+  <p:cSld>
+    <p:spTree>
+      <p:nvGrpSpPr>
+        <p:cNvPr id="1" name=""/>
+        <p:cNvGrpSpPr/>
+        <p:nvPr/>
+      </p:nvGrpSpPr>
+      <p:grpSpPr>
+        <a:xfrm>
+          <a:off x="0" y="0"/>
+          <a:ext cx="0" cy="0"/>
+          <a:chOff x="0" y="0"/>
+          <a:chExt cx="0" cy="0"/>
+        </a:xfrm>
+      </p:grpSpPr>
+      <p:sp>
+        <p:nvSpPr>
+          <p:cNvPr id="4" name="Title 1"/>
+          <p:cNvSpPr>
+            <a:spLocks noGrp="1"/>
+          </p:cNvSpPr>
+          <p:nvPr>
+            <p:ph type="title"/>
+          </p:nvPr>
+        </p:nvSpPr>
+        <p:spPr>
+          <a:xfrm>
+            <a:off x="677334" y="609600"/>
+            <a:ext cx="8596668" cy="1320800"/>
+          </a:xfrm>
+        </p:spPr>
+        <p:txBody>
+          <a:bodyPr/>
+          <a:lstStyle/>
+          <a:p>
+            <a:r>
+              <a:rPr lang="en-US" dirty="0" err="1" smtClean="0"/>
+              <a:t>État</a:t>
+            </a:r>
+            <a:r>
+              <a:rPr lang="en-US" dirty="0" smtClean="0"/>
+              <a:t> de la situation (2/2)</a:t>
+            </a:r>
+            <a:endParaRPr lang="en-US" dirty="0"/>
+          </a:p>
+        </p:txBody>
+      </p:sp>
+      <p:sp>
+        <p:nvSpPr>
+          <p:cNvPr id="5" name="Content Placeholder 2"/>
+          <p:cNvSpPr>
+            <a:spLocks noGrp="1"/>
+          </p:cNvSpPr>
+          <p:nvPr>
+            <p:ph idx="1"/>
+          </p:nvPr>
+        </p:nvSpPr>
+        <p:spPr>
+          <a:xfrm>
+            <a:off x="677334" y="2160589"/>
+            <a:ext cx="8596668" cy="3880773"/>
+          </a:xfrm>
+        </p:spPr>
+        <p:txBody>
+          <a:bodyPr>
+            <a:normAutofit/>
+          </a:bodyPr>
+          <a:lstStyle/>
+          <a:p>
+            <a:pPr marL="0" indent="0">
+              <a:buNone/>
+            </a:pPr>
+            <a:r>
+              <a:rPr lang="en-US" sz="2800" dirty="0" smtClean="0"/>
+              <a:t>Tests </a:t>
+            </a:r>
+            <a:r>
+              <a:rPr lang="en-US" sz="2800" dirty="0" err="1" smtClean="0"/>
+              <a:t>préliminaires</a:t>
+            </a:r>
+            <a:endParaRPr lang="en-US" sz="2800" dirty="0"/>
+          </a:p>
+        </p:txBody>
+      </p:sp>
+    </p:spTree>
+    <p:extLst>
+      <p:ext uri="{BB962C8B-B14F-4D97-AF65-F5344CB8AC3E}">
+        <p14:creationId xmlns:p14="http://schemas.microsoft.com/office/powerpoint/2010/main" val="3692122036"/>
+      </p:ext>
+    </p:extLst>
+  </p:cSld>
+  <p:clrMapOvr>
+    <a:masterClrMapping/>
+  </p:clrMapOvr>
+</p:sld>
+</file>
+
+<file path=ppt/slides/slide11.xml><?xml version="1.0" encoding="utf-8"?>
+<p:sld xmlns:a="http://schemas.openxmlformats.org/drawingml/2006/main" xmlns:r="http://schemas.openxmlformats.org/officeDocument/2006/relationships" xmlns:p="http://schemas.openxmlformats.org/presentationml/2006/main">
+  <p:cSld>
+    <p:spTree>
+      <p:nvGrpSpPr>
+        <p:cNvPr id="1" name=""/>
+        <p:cNvGrpSpPr/>
+        <p:nvPr/>
+      </p:nvGrpSpPr>
+      <p:grpSpPr>
+        <a:xfrm>
+          <a:off x="0" y="0"/>
+          <a:ext cx="0" cy="0"/>
+          <a:chOff x="0" y="0"/>
+          <a:chExt cx="0" cy="0"/>
+        </a:xfrm>
+      </p:grpSpPr>
+      <p:sp>
+        <p:nvSpPr>
+          <p:cNvPr id="2" name="Title 1"/>
+          <p:cNvSpPr>
+            <a:spLocks noGrp="1"/>
+          </p:cNvSpPr>
+          <p:nvPr>
+            <p:ph type="title"/>
+          </p:nvPr>
+        </p:nvSpPr>
+        <p:spPr/>
+        <p:txBody>
+          <a:bodyPr/>
+          <a:lstStyle/>
+          <a:p>
+            <a:r>
+              <a:rPr lang="fr-FR" b="1" dirty="0"/>
+              <a:t>Diagramme de </a:t>
+            </a:r>
+            <a:r>
+              <a:rPr lang="fr-FR" b="1" dirty="0" smtClean="0"/>
+              <a:t>contexte</a:t>
+            </a:r>
+            <a:r>
+              <a:rPr lang="fr-FR" dirty="0"/>
+              <a:t/>
+            </a:r>
+            <a:br>
+              <a:rPr lang="fr-FR" dirty="0"/>
+            </a:br>
+            <a:endParaRPr lang="en-US" dirty="0"/>
+          </a:p>
+        </p:txBody>
+      </p:sp>
+      <p:sp>
+        <p:nvSpPr>
+          <p:cNvPr id="4" name="TextBox 3"/>
+          <p:cNvSpPr txBox="1"/>
+          <p:nvPr/>
+        </p:nvSpPr>
+        <p:spPr>
+          <a:xfrm flipH="1">
+            <a:off x="4806735" y="-989472"/>
+            <a:ext cx="3521850" cy="4179537"/>
+          </a:xfrm>
+          <a:prstGeom prst="rect">
+            <a:avLst/>
+          </a:prstGeom>
+          <a:noFill/>
+        </p:spPr>
+        <p:txBody>
+          <a:bodyPr wrap="square" rtlCol="0">
+            <a:spAutoFit/>
+          </a:bodyPr>
+          <a:lstStyle/>
+          <a:p>
+            <a:endParaRPr lang="fr-CA"/>
+          </a:p>
+        </p:txBody>
+      </p:sp>
+      <p:pic>
+        <p:nvPicPr>
+          <p:cNvPr id="6" name="Picture 5" descr="Contexte_D4 - New Page.png"/>
+          <p:cNvPicPr>
+            <a:picLocks noChangeAspect="1"/>
+          </p:cNvPicPr>
+          <p:nvPr/>
+        </p:nvPicPr>
+        <p:blipFill>
+          <a:blip r:embed="rId2">
+            <a:extLst>
+              <a:ext uri="{28A0092B-C50C-407E-A947-70E740481C1C}">
+                <a14:useLocalDpi xmlns:a14="http://schemas.microsoft.com/office/drawing/2010/main" val="0"/>
+              </a:ext>
+            </a:extLst>
+          </a:blip>
+          <a:stretch>
+            <a:fillRect/>
+          </a:stretch>
+        </p:blipFill>
+        <p:spPr>
+          <a:xfrm>
+            <a:off x="343790" y="1314373"/>
+            <a:ext cx="9839897" cy="4982184"/>
+          </a:xfrm>
+          <a:prstGeom prst="rect">
+            <a:avLst/>
+          </a:prstGeom>
+        </p:spPr>
+      </p:pic>
+    </p:spTree>
+    <p:extLst>
+      <p:ext uri="{BB962C8B-B14F-4D97-AF65-F5344CB8AC3E}">
+        <p14:creationId xmlns:p14="http://schemas.microsoft.com/office/powerpoint/2010/main" val="3337306044"/>
+      </p:ext>
+    </p:extLst>
+  </p:cSld>
+  <p:clrMapOvr>
+    <a:masterClrMapping/>
+  </p:clrMapOvr>
+</p:sld>
+</file>
+
+<file path=ppt/slides/slide12.xml><?xml version="1.0" encoding="utf-8"?>
+<p:sld xmlns:a="http://schemas.openxmlformats.org/drawingml/2006/main" xmlns:r="http://schemas.openxmlformats.org/officeDocument/2006/relationships" xmlns:p="http://schemas.openxmlformats.org/presentationml/2006/main">
+  <p:cSld>
+    <p:spTree>
+      <p:nvGrpSpPr>
+        <p:cNvPr id="1" name=""/>
+        <p:cNvGrpSpPr/>
+        <p:nvPr/>
+      </p:nvGrpSpPr>
+      <p:grpSpPr>
+        <a:xfrm>
+          <a:off x="0" y="0"/>
+          <a:ext cx="0" cy="0"/>
+          <a:chOff x="0" y="0"/>
+          <a:chExt cx="0" cy="0"/>
+        </a:xfrm>
+      </p:grpSpPr>
+      <p:sp>
+        <p:nvSpPr>
+          <p:cNvPr id="2" name="Title 1"/>
+          <p:cNvSpPr>
+            <a:spLocks noGrp="1"/>
+          </p:cNvSpPr>
+          <p:nvPr>
+            <p:ph type="title"/>
+          </p:nvPr>
+        </p:nvSpPr>
+        <p:spPr/>
+        <p:txBody>
+          <a:bodyPr/>
+          <a:lstStyle/>
+          <a:p>
+            <a:r>
+              <a:rPr lang="en-US" dirty="0" err="1" smtClean="0"/>
+              <a:t>Diagramme</a:t>
+            </a:r>
+            <a:r>
+              <a:rPr lang="en-US" dirty="0" smtClean="0"/>
+              <a:t> des </a:t>
+            </a:r>
+            <a:r>
+              <a:rPr lang="en-US" dirty="0" err="1" smtClean="0"/>
+              <a:t>propriétés</a:t>
+            </a:r>
+            <a:r>
+              <a:rPr lang="en-US" dirty="0" smtClean="0"/>
+              <a:t> </a:t>
+            </a:r>
+            <a:r>
+              <a:rPr lang="en-US" dirty="0" err="1" smtClean="0"/>
+              <a:t>fonctionnelles</a:t>
+            </a:r>
+            <a:endParaRPr lang="en-US" dirty="0"/>
+          </a:p>
+        </p:txBody>
+      </p:sp>
+    </p:spTree>
+    <p:extLst>
+      <p:ext uri="{BB962C8B-B14F-4D97-AF65-F5344CB8AC3E}">
+        <p14:creationId xmlns:p14="http://schemas.microsoft.com/office/powerpoint/2010/main" val="261770818"/>
+      </p:ext>
+    </p:extLst>
+  </p:cSld>
+  <p:clrMapOvr>
+    <a:masterClrMapping/>
+  </p:clrMapOvr>
+</p:sld>
+</file>
+
 <file path=ppt/slides/slide2.xml><?xml version="1.0" encoding="utf-8"?>
 <p:sld xmlns:a="http://schemas.openxmlformats.org/drawingml/2006/main" xmlns:r="http://schemas.openxmlformats.org/officeDocument/2006/relationships" xmlns:p="http://schemas.openxmlformats.org/presentationml/2006/main">
   <p:cSld>
@@ -6561,6 +6882,102 @@
           <a:chExt cx="0" cy="0"/>
         </a:xfrm>
       </p:grpSpPr>
+      <p:sp>
+        <p:nvSpPr>
+          <p:cNvPr id="3" name="Title 2"/>
+          <p:cNvSpPr>
+            <a:spLocks noGrp="1"/>
+          </p:cNvSpPr>
+          <p:nvPr>
+            <p:ph type="title"/>
+          </p:nvPr>
+        </p:nvSpPr>
+        <p:spPr/>
+        <p:txBody>
+          <a:bodyPr/>
+          <a:lstStyle/>
+          <a:p>
+            <a:r>
+              <a:rPr lang="fr-FR" dirty="0" smtClean="0"/>
+              <a:t>Contexte et problématique</a:t>
+            </a:r>
+            <a:endParaRPr lang="fr-FR" dirty="0"/>
+          </a:p>
+        </p:txBody>
+      </p:sp>
+      <p:sp>
+        <p:nvSpPr>
+          <p:cNvPr id="4" name="Content Placeholder 3"/>
+          <p:cNvSpPr>
+            <a:spLocks noGrp="1"/>
+          </p:cNvSpPr>
+          <p:nvPr>
+            <p:ph idx="1"/>
+          </p:nvPr>
+        </p:nvSpPr>
+        <p:spPr/>
+        <p:txBody>
+          <a:bodyPr>
+            <a:normAutofit fontScale="92500"/>
+          </a:bodyPr>
+          <a:lstStyle/>
+          <a:p>
+            <a:r>
+              <a:rPr lang="fr-CA" dirty="0" smtClean="0"/>
+              <a:t>Le CERN: Organisation européenne pour la recherche nucléaire</a:t>
+            </a:r>
+          </a:p>
+          <a:p>
+            <a:pPr lvl="1"/>
+            <a:r>
+              <a:rPr lang="fr-CA" dirty="0" smtClean="0"/>
+              <a:t>Recherche sur les particules fondamentales</a:t>
+            </a:r>
+          </a:p>
+          <a:p>
+            <a:pPr lvl="1"/>
+            <a:r>
+              <a:rPr lang="fr-CA" dirty="0" smtClean="0"/>
+              <a:t>Utilisation d’accélérateurs de particules pour créer des collisions à haute énergie (~8TeV total)</a:t>
+            </a:r>
+          </a:p>
+          <a:p>
+            <a:pPr lvl="1"/>
+            <a:r>
+              <a:rPr lang="fr-CA" dirty="0" smtClean="0"/>
+              <a:t>Nécessite des alimentations électroniques de haute puissance</a:t>
+            </a:r>
+          </a:p>
+          <a:p>
+            <a:r>
+              <a:rPr lang="fr-CA" dirty="0" smtClean="0"/>
+              <a:t>Le laboratoire du CERN désir remplacer l’alimentation actuelle du Booster du Synchrotron.</a:t>
+            </a:r>
+          </a:p>
+          <a:p>
+            <a:pPr lvl="1"/>
+            <a:r>
+              <a:rPr lang="fr-CA" dirty="0" smtClean="0"/>
+              <a:t>Nécessite la conception d’une nouvelle alimentation électronique à haute puissance </a:t>
+            </a:r>
+          </a:p>
+          <a:p>
+            <a:pPr lvl="1"/>
+            <a:r>
+              <a:rPr lang="fr-CA" dirty="0" smtClean="0"/>
+              <a:t>La nouvelle alimentation doit permettre une augmentation de puissance et une meilleure efficacité.</a:t>
+            </a:r>
+          </a:p>
+          <a:p>
+            <a:pPr lvl="1"/>
+            <a:r>
+              <a:rPr lang="fr-CA" dirty="0" smtClean="0"/>
+              <a:t>Une telle conception requiert un outil de CAO permettant de tester plusieurs configurations</a:t>
+            </a:r>
+            <a:endParaRPr lang="fr-CA" dirty="0"/>
+          </a:p>
+        </p:txBody>
+      </p:sp>
     </p:spTree>
     <p:extLst>
       <p:ext uri="{BB962C8B-B14F-4D97-AF65-F5344CB8AC3E}">
@@ -6598,6 +7015,258 @@
           <a:chExt cx="0" cy="0"/>
         </a:xfrm>
       </p:grpSpPr>
+      <p:sp>
+        <p:nvSpPr>
+          <p:cNvPr id="2" name="Title 1"/>
+          <p:cNvSpPr>
+            <a:spLocks noGrp="1"/>
+          </p:cNvSpPr>
+          <p:nvPr>
+            <p:ph type="title"/>
+          </p:nvPr>
+        </p:nvSpPr>
+        <p:spPr/>
+        <p:txBody>
+          <a:bodyPr/>
+          <a:lstStyle/>
+          <a:p>
+            <a:r>
+              <a:rPr lang="en-US" dirty="0" err="1" smtClean="0"/>
+              <a:t>Objectifs</a:t>
+            </a:r>
+            <a:endParaRPr lang="en-US" dirty="0"/>
+          </a:p>
+        </p:txBody>
+      </p:sp>
+      <p:sp>
+        <p:nvSpPr>
+          <p:cNvPr id="3" name="Content Placeholder 2"/>
+          <p:cNvSpPr>
+            <a:spLocks noGrp="1"/>
+          </p:cNvSpPr>
+          <p:nvPr>
+            <p:ph idx="1"/>
+          </p:nvPr>
+        </p:nvSpPr>
+        <p:spPr/>
+        <p:txBody>
+          <a:bodyPr>
+            <a:normAutofit/>
+          </a:bodyPr>
+          <a:lstStyle/>
+          <a:p>
+            <a:r>
+              <a:rPr lang="fr-CA" dirty="0"/>
+              <a:t>Livrer </a:t>
+            </a:r>
+            <a:r>
+              <a:rPr lang="fr-CA" dirty="0" smtClean="0"/>
+              <a:t>3 outils </a:t>
+            </a:r>
+            <a:r>
+              <a:rPr lang="fr-CA" dirty="0"/>
+              <a:t>de </a:t>
+            </a:r>
+            <a:r>
+              <a:rPr lang="fr-CA" dirty="0" smtClean="0"/>
+              <a:t>dimensionnement</a:t>
+            </a:r>
+          </a:p>
+          <a:p>
+            <a:pPr lvl="1"/>
+            <a:r>
+              <a:rPr lang="fr-CA" dirty="0" smtClean="0"/>
+              <a:t>Convivial</a:t>
+            </a:r>
+          </a:p>
+          <a:p>
+            <a:pPr lvl="1"/>
+            <a:r>
+              <a:rPr lang="fr-CA" dirty="0" smtClean="0"/>
+              <a:t>Utilise des paramètres usuels </a:t>
+            </a:r>
+          </a:p>
+          <a:p>
+            <a:r>
+              <a:rPr lang="fr-CA" dirty="0" smtClean="0"/>
+              <a:t>Livrer 3 outils de simulation</a:t>
+            </a:r>
+          </a:p>
+          <a:p>
+            <a:pPr marL="742950" lvl="2" indent="-342900"/>
+            <a:r>
+              <a:rPr lang="fr-CA" dirty="0" err="1"/>
+              <a:t>Matlab</a:t>
+            </a:r>
+            <a:r>
+              <a:rPr lang="fr-CA" dirty="0"/>
+              <a:t> (Simulink), </a:t>
+            </a:r>
+            <a:r>
+              <a:rPr lang="fr-CA" dirty="0" err="1"/>
+              <a:t>Opal</a:t>
+            </a:r>
+            <a:r>
+              <a:rPr lang="fr-CA" dirty="0"/>
+              <a:t>-RT, </a:t>
+            </a:r>
+            <a:r>
+              <a:rPr lang="fr-CA" dirty="0" smtClean="0"/>
+              <a:t>PSIM</a:t>
+            </a:r>
+          </a:p>
+          <a:p>
+            <a:r>
+              <a:rPr lang="fr-CA" dirty="0" smtClean="0"/>
+              <a:t>Documenter le fonctionnement des outils de dimensionnement et de simulation</a:t>
+            </a:r>
+          </a:p>
+          <a:p>
+            <a:pPr lvl="1"/>
+            <a:r>
+              <a:rPr lang="fr-CA" dirty="0" smtClean="0"/>
+              <a:t>Présenter des exemples d’utilisation</a:t>
+            </a:r>
+          </a:p>
+        </p:txBody>
+      </p:sp>
+    </p:spTree>
+    <p:extLst>
+      <p:ext uri="{BB962C8B-B14F-4D97-AF65-F5344CB8AC3E}">
+        <p14:creationId xmlns:p14="http://schemas.microsoft.com/office/powerpoint/2010/main" val="1618535019"/>
+      </p:ext>
+    </p:extLst>
+  </p:cSld>
+  <p:clrMapOvr>
+    <a:masterClrMapping/>
+  </p:clrMapOvr>
+  <p:timing>
+    <p:tnLst>
+      <p:par>
+        <p:cTn xmlns:p14="http://schemas.microsoft.com/office/powerpoint/2010/main" id="1" dur="indefinite" restart="never" nodeType="tmRoot"/>
+      </p:par>
+    </p:tnLst>
+  </p:timing>
+</p:sld>
+</file>
+
+<file path=ppt/slides/slide4.xml><?xml version="1.0" encoding="utf-8"?>
+<p:sld xmlns:a="http://schemas.openxmlformats.org/drawingml/2006/main" xmlns:r="http://schemas.openxmlformats.org/officeDocument/2006/relationships" xmlns:p="http://schemas.openxmlformats.org/presentationml/2006/main">
+  <p:cSld>
+    <p:spTree>
+      <p:nvGrpSpPr>
+        <p:cNvPr id="1" name=""/>
+        <p:cNvGrpSpPr/>
+        <p:nvPr/>
+      </p:nvGrpSpPr>
+      <p:grpSpPr>
+        <a:xfrm>
+          <a:off x="0" y="0"/>
+          <a:ext cx="0" cy="0"/>
+          <a:chOff x="0" y="0"/>
+          <a:chExt cx="0" cy="0"/>
+        </a:xfrm>
+      </p:grpSpPr>
+      <p:sp>
+        <p:nvSpPr>
+          <p:cNvPr id="2" name="Title 1"/>
+          <p:cNvSpPr>
+            <a:spLocks noGrp="1"/>
+          </p:cNvSpPr>
+          <p:nvPr>
+            <p:ph type="title"/>
+          </p:nvPr>
+        </p:nvSpPr>
+        <p:spPr/>
+        <p:txBody>
+          <a:bodyPr/>
+          <a:lstStyle/>
+          <a:p>
+            <a:r>
+              <a:rPr lang="en-US" dirty="0" err="1" smtClean="0"/>
+              <a:t>Exigences</a:t>
+            </a:r>
+            <a:r>
+              <a:rPr lang="en-US" dirty="0" smtClean="0"/>
+              <a:t> du client (1/2)</a:t>
+            </a:r>
+            <a:endParaRPr lang="en-US" dirty="0"/>
+          </a:p>
+        </p:txBody>
+      </p:sp>
+      <p:sp>
+        <p:nvSpPr>
+          <p:cNvPr id="3" name="Content Placeholder 2"/>
+          <p:cNvSpPr>
+            <a:spLocks noGrp="1"/>
+          </p:cNvSpPr>
+          <p:nvPr>
+            <p:ph idx="1"/>
+          </p:nvPr>
+        </p:nvSpPr>
+        <p:spPr>
+          <a:xfrm>
+            <a:off x="677334" y="1801726"/>
+            <a:ext cx="10811388" cy="5419942"/>
+          </a:xfrm>
+        </p:spPr>
+        <p:txBody>
+          <a:bodyPr>
+            <a:normAutofit/>
+          </a:bodyPr>
+          <a:lstStyle/>
+          <a:p>
+            <a:r>
+              <a:rPr lang="fr-FR" sz="2000" dirty="0"/>
+              <a:t>Modéliser une cellule de base d'un onduleur triphasé à 3 niveaux de type NPC</a:t>
+            </a:r>
+          </a:p>
+          <a:p>
+            <a:r>
+              <a:rPr lang="fr-FR" sz="2000" dirty="0"/>
+              <a:t>Modéliser la commande dans le cas de l'onduleur de type AFE.</a:t>
+            </a:r>
+          </a:p>
+          <a:p>
+            <a:r>
+              <a:rPr lang="fr-FR" sz="2000" dirty="0"/>
+              <a:t>Implanter le modèle de la configuration de base d'un onduleur triphasé à 3 niveaux NPC dans un simulateur</a:t>
+            </a:r>
+          </a:p>
+          <a:p>
+            <a:r>
+              <a:rPr lang="fr-FR" sz="2000" dirty="0"/>
+              <a:t>Implanter le modèle de la commande dans le cas de l'onduleur de type AFE dans un simulateur</a:t>
+            </a:r>
+          </a:p>
+          <a:p>
+            <a:r>
+              <a:rPr lang="fr-FR" sz="2000" dirty="0"/>
+              <a:t>Fournir un outil de </a:t>
+            </a:r>
+            <a:r>
+              <a:rPr lang="fr-FR" sz="2000" dirty="0" smtClean="0"/>
+              <a:t>dimensionnement </a:t>
+            </a:r>
+            <a:r>
+              <a:rPr lang="fr-FR" sz="2000" dirty="0"/>
+              <a:t>pour l'onduleur de type AFE</a:t>
+            </a:r>
+          </a:p>
+          <a:p>
+            <a:r>
+              <a:rPr lang="fr-FR" sz="2000" dirty="0"/>
+              <a:t>Modéliser un convertisseur CC-CC à 4 quadrants à l'aide de plusieurs cellules de type onduleur NPC</a:t>
+            </a:r>
+          </a:p>
+          <a:p>
+            <a:r>
+              <a:rPr lang="fr-FR" sz="2000" dirty="0"/>
+              <a:t>Modéliser la commande d'un convertisseur CC-CC à 4 quadrants </a:t>
+            </a:r>
+          </a:p>
+        </p:txBody>
+      </p:sp>
     </p:spTree>
     <p:extLst>
       <p:ext uri="{BB962C8B-B14F-4D97-AF65-F5344CB8AC3E}">
@@ -6615,6 +7284,733 @@
       </p:par>
     </p:tnLst>
   </p:timing>
+</p:sld>
+</file>
+
+<file path=ppt/slides/slide5.xml><?xml version="1.0" encoding="utf-8"?>
+<p:sld xmlns:a="http://schemas.openxmlformats.org/drawingml/2006/main" xmlns:r="http://schemas.openxmlformats.org/officeDocument/2006/relationships" xmlns:p="http://schemas.openxmlformats.org/presentationml/2006/main">
+  <p:cSld>
+    <p:spTree>
+      <p:nvGrpSpPr>
+        <p:cNvPr id="1" name=""/>
+        <p:cNvGrpSpPr/>
+        <p:nvPr/>
+      </p:nvGrpSpPr>
+      <p:grpSpPr>
+        <a:xfrm>
+          <a:off x="0" y="0"/>
+          <a:ext cx="0" cy="0"/>
+          <a:chOff x="0" y="0"/>
+          <a:chExt cx="0" cy="0"/>
+        </a:xfrm>
+      </p:grpSpPr>
+      <p:sp>
+        <p:nvSpPr>
+          <p:cNvPr id="2" name="Title 1"/>
+          <p:cNvSpPr>
+            <a:spLocks noGrp="1"/>
+          </p:cNvSpPr>
+          <p:nvPr>
+            <p:ph type="title"/>
+          </p:nvPr>
+        </p:nvSpPr>
+        <p:spPr/>
+        <p:txBody>
+          <a:bodyPr/>
+          <a:lstStyle/>
+          <a:p>
+            <a:r>
+              <a:rPr lang="en-US" dirty="0" err="1" smtClean="0"/>
+              <a:t>Exigences</a:t>
+            </a:r>
+            <a:r>
+              <a:rPr lang="en-US" dirty="0" smtClean="0"/>
+              <a:t> du client (2/2)</a:t>
+            </a:r>
+            <a:endParaRPr lang="en-US" dirty="0"/>
+          </a:p>
+        </p:txBody>
+      </p:sp>
+      <p:sp>
+        <p:nvSpPr>
+          <p:cNvPr id="3" name="Content Placeholder 2"/>
+          <p:cNvSpPr>
+            <a:spLocks noGrp="1"/>
+          </p:cNvSpPr>
+          <p:nvPr>
+            <p:ph idx="1"/>
+          </p:nvPr>
+        </p:nvSpPr>
+        <p:spPr>
+          <a:xfrm>
+            <a:off x="677333" y="1683575"/>
+            <a:ext cx="9378989" cy="4932595"/>
+          </a:xfrm>
+        </p:spPr>
+        <p:txBody>
+          <a:bodyPr>
+            <a:normAutofit/>
+          </a:bodyPr>
+          <a:lstStyle/>
+          <a:p>
+            <a:r>
+              <a:rPr lang="fr-FR" sz="2000" dirty="0"/>
+              <a:t>Implanter le modèle d'un convertisseur CC-CC à 4 quadrants à l'aide de plusieurs cellules de type onduleur NPC avec des inductances de découplage dans un simulateur</a:t>
+            </a:r>
+          </a:p>
+          <a:p>
+            <a:r>
+              <a:rPr lang="fr-FR" sz="2000" dirty="0"/>
+              <a:t>Implanter le modèle de la commande d'un convertisseur CC-CC à 4 quadrants alimentant la charge spécifiée dans un simulateur</a:t>
+            </a:r>
+          </a:p>
+          <a:p>
+            <a:r>
+              <a:rPr lang="fr-FR" sz="2000" dirty="0"/>
+              <a:t>Fournir un outil de </a:t>
+            </a:r>
+            <a:r>
+              <a:rPr lang="fr-FR" sz="2000" dirty="0" smtClean="0"/>
+              <a:t>dimensionnement </a:t>
+            </a:r>
+            <a:r>
+              <a:rPr lang="fr-FR" sz="2000" dirty="0"/>
+              <a:t>pour le convertisseur CC-CC  à 4 quadrants</a:t>
+            </a:r>
+          </a:p>
+          <a:p>
+            <a:r>
+              <a:rPr lang="fr-FR" sz="2000" dirty="0"/>
+              <a:t>Implanter le modèle complet de l'alimentation du Booster</a:t>
+            </a:r>
+          </a:p>
+          <a:p>
+            <a:r>
+              <a:rPr lang="fr-FR" sz="2000" dirty="0"/>
+              <a:t>Effectuer la validation croisée des configurations implantées à l'aide de 3 simulateurs (PSIM, </a:t>
+            </a:r>
+            <a:r>
+              <a:rPr lang="fr-FR" sz="2000" dirty="0" err="1"/>
+              <a:t>SimPowerSystems</a:t>
+            </a:r>
+            <a:r>
+              <a:rPr lang="fr-FR" sz="2000" dirty="0"/>
+              <a:t>, </a:t>
+            </a:r>
+            <a:r>
+              <a:rPr lang="fr-FR" sz="2000" dirty="0" err="1"/>
+              <a:t>Opal</a:t>
+            </a:r>
+            <a:r>
+              <a:rPr lang="fr-FR" sz="2000" dirty="0"/>
+              <a:t>-RT)</a:t>
+            </a:r>
+          </a:p>
+          <a:p>
+            <a:r>
+              <a:rPr lang="fr-FR" sz="2000" dirty="0"/>
+              <a:t>Livrer une documentation pédagogique pour les divers outils de dimensionnement et de simulation</a:t>
+            </a:r>
+            <a:endParaRPr lang="en-US" sz="2000" dirty="0"/>
+          </a:p>
+          <a:p>
+            <a:endParaRPr lang="en-US" sz="1600" dirty="0"/>
+          </a:p>
+        </p:txBody>
+      </p:sp>
+    </p:spTree>
+    <p:extLst>
+      <p:ext uri="{BB962C8B-B14F-4D97-AF65-F5344CB8AC3E}">
+        <p14:creationId xmlns:p14="http://schemas.microsoft.com/office/powerpoint/2010/main" val="2996529324"/>
+      </p:ext>
+    </p:extLst>
+  </p:cSld>
+  <p:clrMapOvr>
+    <a:masterClrMapping/>
+  </p:clrMapOvr>
+</p:sld>
+</file>
+
+<file path=ppt/slides/slide6.xml><?xml version="1.0" encoding="utf-8"?>
+<p:sld xmlns:a="http://schemas.openxmlformats.org/drawingml/2006/main" xmlns:r="http://schemas.openxmlformats.org/officeDocument/2006/relationships" xmlns:p="http://schemas.openxmlformats.org/presentationml/2006/main">
+  <p:cSld>
+    <p:spTree>
+      <p:nvGrpSpPr>
+        <p:cNvPr id="1" name=""/>
+        <p:cNvGrpSpPr/>
+        <p:nvPr/>
+      </p:nvGrpSpPr>
+      <p:grpSpPr>
+        <a:xfrm>
+          <a:off x="0" y="0"/>
+          <a:ext cx="0" cy="0"/>
+          <a:chOff x="0" y="0"/>
+          <a:chExt cx="0" cy="0"/>
+        </a:xfrm>
+      </p:grpSpPr>
+      <p:sp>
+        <p:nvSpPr>
+          <p:cNvPr id="2" name="Title 1"/>
+          <p:cNvSpPr>
+            <a:spLocks noGrp="1"/>
+          </p:cNvSpPr>
+          <p:nvPr>
+            <p:ph type="title"/>
+          </p:nvPr>
+        </p:nvSpPr>
+        <p:spPr/>
+        <p:txBody>
+          <a:bodyPr/>
+          <a:lstStyle/>
+          <a:p>
+            <a:r>
+              <a:rPr lang="en-US" dirty="0" err="1" smtClean="0"/>
+              <a:t>Méthodologie</a:t>
+            </a:r>
+            <a:r>
+              <a:rPr lang="en-US" dirty="0" smtClean="0"/>
+              <a:t> </a:t>
+            </a:r>
+            <a:r>
+              <a:rPr lang="en-US" dirty="0" err="1" smtClean="0"/>
+              <a:t>planifiée</a:t>
+            </a:r>
+            <a:r>
+              <a:rPr lang="en-US" dirty="0" smtClean="0"/>
+              <a:t> (1/3)</a:t>
+            </a:r>
+            <a:endParaRPr lang="en-US" dirty="0"/>
+          </a:p>
+        </p:txBody>
+      </p:sp>
+      <p:sp>
+        <p:nvSpPr>
+          <p:cNvPr id="3" name="Content Placeholder 2"/>
+          <p:cNvSpPr>
+            <a:spLocks noGrp="1"/>
+          </p:cNvSpPr>
+          <p:nvPr>
+            <p:ph idx="1"/>
+          </p:nvPr>
+        </p:nvSpPr>
+        <p:spPr/>
+        <p:txBody>
+          <a:bodyPr>
+            <a:normAutofit fontScale="92500" lnSpcReduction="10000"/>
+          </a:bodyPr>
+          <a:lstStyle/>
+          <a:p>
+            <a:pPr marL="0" indent="0">
+              <a:buNone/>
+            </a:pPr>
+            <a:r>
+              <a:rPr lang="en-US" sz="2800" dirty="0" err="1" smtClean="0"/>
+              <a:t>Gestion</a:t>
+            </a:r>
+            <a:endParaRPr lang="en-US" sz="2800" dirty="0" smtClean="0"/>
+          </a:p>
+          <a:p>
+            <a:r>
+              <a:rPr lang="en-US" dirty="0" err="1" smtClean="0"/>
+              <a:t>Réunions</a:t>
+            </a:r>
+            <a:r>
+              <a:rPr lang="en-US" dirty="0" smtClean="0"/>
+              <a:t> </a:t>
+            </a:r>
+            <a:r>
+              <a:rPr lang="en-US" dirty="0" err="1" smtClean="0"/>
+              <a:t>hebdomadaires</a:t>
+            </a:r>
+            <a:endParaRPr lang="en-US" dirty="0"/>
+          </a:p>
+          <a:p>
+            <a:r>
+              <a:rPr lang="fr-FR" dirty="0"/>
+              <a:t>T</a:t>
+            </a:r>
+            <a:r>
+              <a:rPr lang="fr-FR" dirty="0" smtClean="0"/>
+              <a:t>âches de chacun des membres sont tenues à jour au moyen d’un fichier </a:t>
+            </a:r>
+            <a:r>
+              <a:rPr lang="fr-FR" dirty="0" err="1" smtClean="0"/>
+              <a:t>excel</a:t>
+            </a:r>
+            <a:r>
+              <a:rPr lang="fr-FR" dirty="0" smtClean="0"/>
+              <a:t> de gestion hebdomadaire</a:t>
+            </a:r>
+          </a:p>
+          <a:p>
+            <a:pPr lvl="1"/>
+            <a:r>
+              <a:rPr lang="fr-FR" dirty="0" smtClean="0"/>
+              <a:t>Gain en souplesse et en efficacité de gestion</a:t>
+            </a:r>
+          </a:p>
+          <a:p>
+            <a:pPr lvl="1"/>
+            <a:r>
+              <a:rPr lang="fr-FR" dirty="0" smtClean="0"/>
+              <a:t>Adapté pour la taille de l’équipe</a:t>
+            </a:r>
+          </a:p>
+          <a:p>
+            <a:pPr lvl="1"/>
+            <a:r>
+              <a:rPr lang="fr-FR" dirty="0" smtClean="0"/>
+              <a:t>Maximise l’efficacité des réunions</a:t>
+            </a:r>
+          </a:p>
+          <a:p>
+            <a:r>
+              <a:rPr lang="fr-FR" dirty="0" smtClean="0"/>
+              <a:t>Mise à jour de révision et suivi effectué au moyen de la plateforme </a:t>
+            </a:r>
+            <a:r>
+              <a:rPr lang="fr-FR" dirty="0" err="1" smtClean="0"/>
+              <a:t>GitHub</a:t>
+            </a:r>
+            <a:endParaRPr lang="fr-FR" dirty="0" smtClean="0"/>
+          </a:p>
+          <a:p>
+            <a:pPr lvl="1"/>
+            <a:r>
+              <a:rPr lang="fr-FR" dirty="0" smtClean="0"/>
+              <a:t>Données sécurisées sur un serveur privé</a:t>
+            </a:r>
+          </a:p>
+          <a:p>
+            <a:pPr lvl="1"/>
+            <a:r>
+              <a:rPr lang="fr-FR" dirty="0" smtClean="0"/>
+              <a:t>Permet le travail collaboratif</a:t>
+            </a:r>
+          </a:p>
+          <a:p>
+            <a:pPr lvl="1"/>
+            <a:r>
+              <a:rPr lang="fr-FR" dirty="0" err="1" smtClean="0"/>
+              <a:t>Multi-plateforme</a:t>
+            </a:r>
+            <a:endParaRPr lang="fr-FR" dirty="0" smtClean="0"/>
+          </a:p>
+          <a:p>
+            <a:pPr lvl="1"/>
+            <a:endParaRPr lang="fr-FR" dirty="0" smtClean="0"/>
+          </a:p>
+          <a:p>
+            <a:pPr marL="457200" lvl="1" indent="0">
+              <a:buNone/>
+            </a:pPr>
+            <a:endParaRPr lang="en-US" dirty="0" smtClean="0"/>
+          </a:p>
+        </p:txBody>
+      </p:sp>
+    </p:spTree>
+    <p:extLst>
+      <p:ext uri="{BB962C8B-B14F-4D97-AF65-F5344CB8AC3E}">
+        <p14:creationId xmlns:p14="http://schemas.microsoft.com/office/powerpoint/2010/main" val="483988721"/>
+      </p:ext>
+    </p:extLst>
+  </p:cSld>
+  <p:clrMapOvr>
+    <a:masterClrMapping/>
+  </p:clrMapOvr>
+</p:sld>
+</file>
+
+<file path=ppt/slides/slide7.xml><?xml version="1.0" encoding="utf-8"?>
+<p:sld xmlns:a="http://schemas.openxmlformats.org/drawingml/2006/main" xmlns:r="http://schemas.openxmlformats.org/officeDocument/2006/relationships" xmlns:p="http://schemas.openxmlformats.org/presentationml/2006/main">
+  <p:cSld>
+    <p:spTree>
+      <p:nvGrpSpPr>
+        <p:cNvPr id="1" name=""/>
+        <p:cNvGrpSpPr/>
+        <p:nvPr/>
+      </p:nvGrpSpPr>
+      <p:grpSpPr>
+        <a:xfrm>
+          <a:off x="0" y="0"/>
+          <a:ext cx="0" cy="0"/>
+          <a:chOff x="0" y="0"/>
+          <a:chExt cx="0" cy="0"/>
+        </a:xfrm>
+      </p:grpSpPr>
+      <p:sp>
+        <p:nvSpPr>
+          <p:cNvPr id="4" name="Title 3"/>
+          <p:cNvSpPr>
+            <a:spLocks noGrp="1"/>
+          </p:cNvSpPr>
+          <p:nvPr>
+            <p:ph type="title"/>
+          </p:nvPr>
+        </p:nvSpPr>
+        <p:spPr/>
+        <p:txBody>
+          <a:bodyPr/>
+          <a:lstStyle/>
+          <a:p>
+            <a:r>
+              <a:rPr lang="fr-FR" dirty="0" smtClean="0"/>
+              <a:t>Méthodologie planifiée (2/3)</a:t>
+            </a:r>
+            <a:endParaRPr lang="fr-FR" dirty="0"/>
+          </a:p>
+        </p:txBody>
+      </p:sp>
+      <p:sp>
+        <p:nvSpPr>
+          <p:cNvPr id="5" name="Content Placeholder 4"/>
+          <p:cNvSpPr>
+            <a:spLocks noGrp="1"/>
+          </p:cNvSpPr>
+          <p:nvPr>
+            <p:ph idx="1"/>
+          </p:nvPr>
+        </p:nvSpPr>
+        <p:spPr>
+          <a:xfrm>
+            <a:off x="573965" y="1314373"/>
+            <a:ext cx="9925368" cy="5543627"/>
+          </a:xfrm>
+        </p:spPr>
+        <p:txBody>
+          <a:bodyPr>
+            <a:normAutofit lnSpcReduction="10000"/>
+          </a:bodyPr>
+          <a:lstStyle/>
+          <a:p>
+            <a:pPr marL="0" indent="0">
+              <a:buNone/>
+            </a:pPr>
+            <a:r>
+              <a:rPr lang="fr-FR" sz="2800" dirty="0" smtClean="0"/>
+              <a:t>Réalisation pratique</a:t>
+            </a:r>
+          </a:p>
+          <a:p>
+            <a:r>
+              <a:rPr lang="fr-FR" sz="2200" dirty="0" smtClean="0"/>
+              <a:t>Modélisation de chacune des composantes en employant d’abord les modèles idéaux, puis en y ajoutant des caractéristiques linéaires et non linéaires jusqu’à représenter, de manière la plus exacte possible (en prenant en compte les limitations techniques liées à l’exécution du simulation), le comportement de la composante en question</a:t>
+            </a:r>
+          </a:p>
+          <a:p>
+            <a:r>
+              <a:rPr lang="fr-FR" sz="2200" dirty="0" smtClean="0"/>
+              <a:t>Intégration du modèle de composante dans un sous-bloc paramétrable et aisément </a:t>
+            </a:r>
+            <a:r>
+              <a:rPr lang="fr-FR" sz="2200" dirty="0" err="1" smtClean="0"/>
+              <a:t>duplicable</a:t>
+            </a:r>
+            <a:endParaRPr lang="fr-FR" sz="2200" dirty="0" smtClean="0"/>
+          </a:p>
+          <a:p>
+            <a:pPr lvl="1"/>
+            <a:r>
+              <a:rPr lang="fr-FR" sz="2200" dirty="0" smtClean="0"/>
+              <a:t>Essais sur les différents simulateurs pour valider le comportement</a:t>
+            </a:r>
+          </a:p>
+          <a:p>
+            <a:r>
+              <a:rPr lang="fr-FR" sz="2200" dirty="0" smtClean="0"/>
+              <a:t>Intégration des différents </a:t>
+            </a:r>
+            <a:r>
+              <a:rPr lang="fr-FR" sz="2200" dirty="0" err="1" smtClean="0"/>
+              <a:t>modèl</a:t>
+            </a:r>
+            <a:r>
+              <a:rPr lang="fr-FR" sz="2200" dirty="0" smtClean="0"/>
+              <a:t> es de composantes de manière à réaliser le redresseur NPC</a:t>
+            </a:r>
+          </a:p>
+          <a:p>
+            <a:r>
+              <a:rPr lang="fr-FR" sz="2200" dirty="0" smtClean="0"/>
+              <a:t>Modélisation d’une commande “</a:t>
+            </a:r>
+            <a:r>
+              <a:rPr lang="fr-FR" sz="2200" dirty="0" err="1" smtClean="0"/>
+              <a:t>Multilevel</a:t>
+            </a:r>
+            <a:r>
+              <a:rPr lang="fr-FR" sz="2200" dirty="0" smtClean="0"/>
+              <a:t> </a:t>
+            </a:r>
+            <a:r>
+              <a:rPr lang="fr-FR" sz="2200" dirty="0" err="1" smtClean="0"/>
+              <a:t>Space</a:t>
+            </a:r>
+            <a:r>
+              <a:rPr lang="fr-FR" sz="2200" dirty="0" smtClean="0"/>
+              <a:t> </a:t>
+            </a:r>
+            <a:r>
+              <a:rPr lang="fr-FR" sz="2200" dirty="0" err="1" smtClean="0"/>
+              <a:t>Vector</a:t>
+            </a:r>
+            <a:r>
+              <a:rPr lang="fr-FR" sz="2200" dirty="0" smtClean="0"/>
+              <a:t> PWM” et intégration au redresseur NPC</a:t>
+            </a:r>
+          </a:p>
+          <a:p>
+            <a:pPr marL="742950" lvl="2" indent="-342900"/>
+            <a:r>
+              <a:rPr lang="fr-FR" sz="2000" dirty="0" smtClean="0"/>
+              <a:t>Essais sur les différents simulateurs pour valider le comportement</a:t>
+            </a:r>
+          </a:p>
+          <a:p>
+            <a:endParaRPr lang="en-US" dirty="0"/>
+          </a:p>
+          <a:p>
+            <a:pPr lvl="1"/>
+            <a:endParaRPr lang="fr-FR" dirty="0"/>
+          </a:p>
+          <a:p>
+            <a:pPr marL="457200" lvl="1" indent="0">
+              <a:buNone/>
+            </a:pPr>
+            <a:endParaRPr lang="en-US" dirty="0"/>
+          </a:p>
+          <a:p>
+            <a:endParaRPr lang="en-US" dirty="0"/>
+          </a:p>
+        </p:txBody>
+      </p:sp>
+    </p:spTree>
+    <p:extLst>
+      <p:ext uri="{BB962C8B-B14F-4D97-AF65-F5344CB8AC3E}">
+        <p14:creationId xmlns:p14="http://schemas.microsoft.com/office/powerpoint/2010/main" val="1125282991"/>
+      </p:ext>
+    </p:extLst>
+  </p:cSld>
+  <p:clrMapOvr>
+    <a:masterClrMapping/>
+  </p:clrMapOvr>
+</p:sld>
+</file>
+
+<file path=ppt/slides/slide8.xml><?xml version="1.0" encoding="utf-8"?>
+<p:sld xmlns:a="http://schemas.openxmlformats.org/drawingml/2006/main" xmlns:r="http://schemas.openxmlformats.org/officeDocument/2006/relationships" xmlns:p="http://schemas.openxmlformats.org/presentationml/2006/main">
+  <p:cSld>
+    <p:spTree>
+      <p:nvGrpSpPr>
+        <p:cNvPr id="1" name=""/>
+        <p:cNvGrpSpPr/>
+        <p:nvPr/>
+      </p:nvGrpSpPr>
+      <p:grpSpPr>
+        <a:xfrm>
+          <a:off x="0" y="0"/>
+          <a:ext cx="0" cy="0"/>
+          <a:chOff x="0" y="0"/>
+          <a:chExt cx="0" cy="0"/>
+        </a:xfrm>
+      </p:grpSpPr>
+      <p:sp>
+        <p:nvSpPr>
+          <p:cNvPr id="2" name="Title 1"/>
+          <p:cNvSpPr>
+            <a:spLocks noGrp="1"/>
+          </p:cNvSpPr>
+          <p:nvPr>
+            <p:ph type="title"/>
+          </p:nvPr>
+        </p:nvSpPr>
+        <p:spPr/>
+        <p:txBody>
+          <a:bodyPr/>
+          <a:lstStyle/>
+          <a:p>
+            <a:r>
+              <a:rPr lang="fr-FR" dirty="0"/>
+              <a:t>Méthodologie planifiée </a:t>
+            </a:r>
+            <a:r>
+              <a:rPr lang="fr-FR" dirty="0" smtClean="0"/>
+              <a:t>(3/</a:t>
+            </a:r>
+            <a:r>
+              <a:rPr lang="fr-FR" dirty="0"/>
+              <a:t>3)</a:t>
+            </a:r>
+            <a:endParaRPr lang="en-US" dirty="0"/>
+          </a:p>
+        </p:txBody>
+      </p:sp>
+      <p:sp>
+        <p:nvSpPr>
+          <p:cNvPr id="3" name="Content Placeholder 2"/>
+          <p:cNvSpPr>
+            <a:spLocks noGrp="1"/>
+          </p:cNvSpPr>
+          <p:nvPr>
+            <p:ph idx="1"/>
+          </p:nvPr>
+        </p:nvSpPr>
+        <p:spPr/>
+        <p:txBody>
+          <a:bodyPr>
+            <a:normAutofit lnSpcReduction="10000"/>
+          </a:bodyPr>
+          <a:lstStyle/>
+          <a:p>
+            <a:r>
+              <a:rPr lang="fr-FR" sz="2200" dirty="0"/>
+              <a:t>Réalisation d’une boucle de contrôle permettant de maintenir la tension aux bornes de la banque de condensateurs constante selon l’appel de puissance</a:t>
+            </a:r>
+          </a:p>
+          <a:p>
+            <a:pPr marL="800100" lvl="3" indent="-342900"/>
+            <a:r>
+              <a:rPr lang="fr-FR" sz="1800" dirty="0"/>
+              <a:t>Essais sur les différents simulateurs pour valider le comportement</a:t>
+            </a:r>
+          </a:p>
+          <a:p>
+            <a:r>
+              <a:rPr lang="fr-FR" sz="2200" dirty="0"/>
+              <a:t>Adaptation du redresseur de manière à le convertir en onduleur pour le convertisseur 4 cadrans</a:t>
+            </a:r>
+          </a:p>
+          <a:p>
+            <a:r>
+              <a:rPr lang="fr-FR" sz="2200" dirty="0"/>
+              <a:t>Adaptation de la commande pour le convertisseur 4 cadrans</a:t>
+            </a:r>
+          </a:p>
+          <a:p>
+            <a:r>
+              <a:rPr lang="fr-FR" sz="2200" dirty="0"/>
+              <a:t>Réalisation d’une boucle de contrôle globale permettant de réinjecter la puissance des électroaimants dans le réseau</a:t>
+            </a:r>
+          </a:p>
+          <a:p>
+            <a:pPr marL="800100" lvl="3" indent="-342900"/>
+            <a:r>
+              <a:rPr lang="fr-FR" sz="1800" dirty="0"/>
+              <a:t>Essais sur les différents simulateurs pour valider le comportement</a:t>
+            </a:r>
+          </a:p>
+          <a:p>
+            <a:endParaRPr lang="en-US" dirty="0"/>
+          </a:p>
+        </p:txBody>
+      </p:sp>
+    </p:spTree>
+    <p:extLst>
+      <p:ext uri="{BB962C8B-B14F-4D97-AF65-F5344CB8AC3E}">
+        <p14:creationId xmlns:p14="http://schemas.microsoft.com/office/powerpoint/2010/main" val="2026603226"/>
+      </p:ext>
+    </p:extLst>
+  </p:cSld>
+  <p:clrMapOvr>
+    <a:masterClrMapping/>
+  </p:clrMapOvr>
+</p:sld>
+</file>
+
+<file path=ppt/slides/slide9.xml><?xml version="1.0" encoding="utf-8"?>
+<p:sld xmlns:a="http://schemas.openxmlformats.org/drawingml/2006/main" xmlns:r="http://schemas.openxmlformats.org/officeDocument/2006/relationships" xmlns:p="http://schemas.openxmlformats.org/presentationml/2006/main">
+  <p:cSld>
+    <p:spTree>
+      <p:nvGrpSpPr>
+        <p:cNvPr id="1" name=""/>
+        <p:cNvGrpSpPr/>
+        <p:nvPr/>
+      </p:nvGrpSpPr>
+      <p:grpSpPr>
+        <a:xfrm>
+          <a:off x="0" y="0"/>
+          <a:ext cx="0" cy="0"/>
+          <a:chOff x="0" y="0"/>
+          <a:chExt cx="0" cy="0"/>
+        </a:xfrm>
+      </p:grpSpPr>
+      <p:sp>
+        <p:nvSpPr>
+          <p:cNvPr id="2" name="Title 1"/>
+          <p:cNvSpPr>
+            <a:spLocks noGrp="1"/>
+          </p:cNvSpPr>
+          <p:nvPr>
+            <p:ph type="title"/>
+          </p:nvPr>
+        </p:nvSpPr>
+        <p:spPr/>
+        <p:txBody>
+          <a:bodyPr/>
+          <a:lstStyle/>
+          <a:p>
+            <a:r>
+              <a:rPr lang="en-US" dirty="0" err="1" smtClean="0"/>
+              <a:t>État</a:t>
+            </a:r>
+            <a:r>
+              <a:rPr lang="en-US" dirty="0" smtClean="0"/>
+              <a:t> de la situation (1/2)</a:t>
+            </a:r>
+            <a:endParaRPr lang="en-US" dirty="0"/>
+          </a:p>
+        </p:txBody>
+      </p:sp>
+      <p:sp>
+        <p:nvSpPr>
+          <p:cNvPr id="3" name="Content Placeholder 2"/>
+          <p:cNvSpPr>
+            <a:spLocks noGrp="1"/>
+          </p:cNvSpPr>
+          <p:nvPr>
+            <p:ph idx="1"/>
+          </p:nvPr>
+        </p:nvSpPr>
+        <p:spPr/>
+        <p:txBody>
+          <a:bodyPr>
+            <a:normAutofit/>
+          </a:bodyPr>
+          <a:lstStyle/>
+          <a:p>
+            <a:pPr marL="0" indent="0">
+              <a:buNone/>
+            </a:pPr>
+            <a:r>
+              <a:rPr lang="en-US" sz="2800" dirty="0" smtClean="0"/>
+              <a:t>Revue de </a:t>
+            </a:r>
+            <a:r>
+              <a:rPr lang="en-US" sz="2800" dirty="0" err="1" smtClean="0"/>
+              <a:t>l’état</a:t>
+            </a:r>
+            <a:r>
+              <a:rPr lang="en-US" sz="2800" dirty="0" smtClean="0"/>
+              <a:t> de </a:t>
+            </a:r>
+            <a:r>
+              <a:rPr lang="en-US" sz="2800" dirty="0" err="1" smtClean="0"/>
+              <a:t>l’art</a:t>
+            </a:r>
+            <a:endParaRPr lang="en-US" sz="2800" dirty="0"/>
+          </a:p>
+        </p:txBody>
+      </p:sp>
+    </p:spTree>
+    <p:extLst>
+      <p:ext uri="{BB962C8B-B14F-4D97-AF65-F5344CB8AC3E}">
+        <p14:creationId xmlns:p14="http://schemas.microsoft.com/office/powerpoint/2010/main" val="3915706220"/>
+      </p:ext>
+    </p:extLst>
+  </p:cSld>
+  <p:clrMapOvr>
+    <a:masterClrMapping/>
+  </p:clrMapOvr>
 </p:sld>
 </file>
 
@@ -6869,7 +8265,7 @@
   <a:extraClrSchemeLst/>
   <a:extLst>
     <a:ext uri="{05A4C25C-085E-4340-85A3-A5531E510DB2}">
-      <thm15:themeFamily xmlns:thm15="http://schemas.microsoft.com/office/thememl/2012/main" xmlns="" name="Facet" id="{C0C680CD-088A-49FC-A102-D699147F32B2}" vid="{CFBC31BA-B70F-4F30-BCAA-4F3011E16C4D}"/>
+      <thm15:themeFamily xmlns="" xmlns:thm15="http://schemas.microsoft.com/office/thememl/2012/main" name="Facet" id="{C0C680CD-088A-49FC-A102-D699147F32B2}" vid="{CFBC31BA-B70F-4F30-BCAA-4F3011E16C4D}"/>
     </a:ext>
   </a:extLst>
 </a:theme>

--- a/Remise/Remise 1/Presentation_Remise_1.pptx
+++ b/Remise/Remise 1/Presentation_Remise_1.pptx
@@ -17,6 +17,13 @@
     <p:sldId id="265" r:id="rId11"/>
     <p:sldId id="266" r:id="rId12"/>
     <p:sldId id="267" r:id="rId13"/>
+    <p:sldId id="271" r:id="rId14"/>
+    <p:sldId id="272" r:id="rId15"/>
+    <p:sldId id="273" r:id="rId16"/>
+    <p:sldId id="274" r:id="rId17"/>
+    <p:sldId id="268" r:id="rId18"/>
+    <p:sldId id="269" r:id="rId19"/>
+    <p:sldId id="270" r:id="rId20"/>
   </p:sldIdLst>
   <p:sldSz cx="12192000" cy="6858000"/>
   <p:notesSz cx="6858000" cy="9144000"/>
@@ -6526,7 +6533,6 @@
               <a:rPr lang="en-US" dirty="0"/>
               <a:t> </a:t>
             </a:r>
-            <a:endParaRPr lang="en-US" dirty="0"/>
           </a:p>
         </p:txBody>
       </p:sp>
@@ -6828,27 +6834,115 @@
           <a:bodyPr/>
           <a:lstStyle/>
           <a:p>
-            <a:r>
-              <a:rPr lang="en-US" dirty="0" err="1" smtClean="0"/>
-              <a:t>Diagramme</a:t>
-            </a:r>
-            <a:r>
-              <a:rPr lang="en-US" dirty="0" smtClean="0"/>
-              <a:t> des </a:t>
-            </a:r>
-            <a:r>
-              <a:rPr lang="en-US" dirty="0" err="1" smtClean="0"/>
-              <a:t>propriétés</a:t>
-            </a:r>
-            <a:r>
-              <a:rPr lang="en-US" dirty="0" smtClean="0"/>
-              <a:t> </a:t>
-            </a:r>
-            <a:r>
-              <a:rPr lang="en-US" dirty="0" err="1" smtClean="0"/>
-              <a:t>fonctionnelles</a:t>
-            </a:r>
-            <a:endParaRPr lang="en-US" dirty="0"/>
+            <a:pPr algn="r"/>
+            <a:r>
+              <a:rPr lang="fr-CA" dirty="0" smtClean="0"/>
+              <a:t>Diagramme des propriétés fonctionnelles</a:t>
+            </a:r>
+            <a:br>
+              <a:rPr lang="fr-CA" dirty="0" smtClean="0"/>
+            </a:br>
+            <a:r>
+              <a:rPr lang="fr-CA" sz="1800" i="1" dirty="0" smtClean="0"/>
+              <a:t>*Version complète à la fin</a:t>
+            </a:r>
+            <a:endParaRPr lang="fr-CA" sz="1800" i="1" dirty="0"/>
+          </a:p>
+        </p:txBody>
+      </p:sp>
+      <p:sp>
+        <p:nvSpPr>
+          <p:cNvPr id="3" name="Content Placeholder 2"/>
+          <p:cNvSpPr>
+            <a:spLocks noGrp="1"/>
+          </p:cNvSpPr>
+          <p:nvPr>
+            <p:ph idx="1"/>
+          </p:nvPr>
+        </p:nvSpPr>
+        <p:spPr>
+          <a:xfrm>
+            <a:off x="618265" y="1835687"/>
+            <a:ext cx="10087805" cy="4810020"/>
+          </a:xfrm>
+        </p:spPr>
+        <p:txBody>
+          <a:bodyPr>
+            <a:normAutofit lnSpcReduction="10000"/>
+          </a:bodyPr>
+          <a:lstStyle/>
+          <a:p>
+            <a:r>
+              <a:rPr lang="fr-FR" sz="2800" dirty="0" smtClean="0"/>
+              <a:t>Fonctionnalités rattachées au simulateur (1/2)</a:t>
+            </a:r>
+          </a:p>
+          <a:p>
+            <a:pPr lvl="1"/>
+            <a:r>
+              <a:rPr lang="fr-FR" sz="2600" dirty="0" smtClean="0"/>
+              <a:t>Accepter des paramètres de modélisation</a:t>
+            </a:r>
+          </a:p>
+          <a:p>
+            <a:pPr lvl="1"/>
+            <a:r>
+              <a:rPr lang="fr-FR" sz="2600" dirty="0" smtClean="0"/>
+              <a:t>Abaisser la tension du réseau alternatif</a:t>
+            </a:r>
+          </a:p>
+          <a:p>
+            <a:pPr lvl="2"/>
+            <a:r>
+              <a:rPr lang="fr-FR" sz="2400" dirty="0" smtClean="0"/>
+              <a:t>Rendement (%), Ratio (%)</a:t>
+            </a:r>
+          </a:p>
+          <a:p>
+            <a:pPr lvl="1"/>
+            <a:r>
+              <a:rPr lang="fr-FR" sz="2600" dirty="0" smtClean="0"/>
+              <a:t>Redresser le signal d’entrée à la sortie du transformateur</a:t>
+            </a:r>
+          </a:p>
+          <a:p>
+            <a:pPr lvl="2"/>
+            <a:r>
+              <a:rPr lang="fr-FR" sz="2400" dirty="0" smtClean="0"/>
+              <a:t>Ondulation de tension (%)</a:t>
+            </a:r>
+          </a:p>
+          <a:p>
+            <a:pPr lvl="2"/>
+            <a:r>
+              <a:rPr lang="fr-FR" sz="2400" dirty="0" smtClean="0"/>
+              <a:t>Niveau moyen (kV)</a:t>
+            </a:r>
+          </a:p>
+          <a:p>
+            <a:pPr lvl="2"/>
+            <a:r>
+              <a:rPr lang="fr-FR" sz="2400" dirty="0" smtClean="0"/>
+              <a:t>Rendement (%)</a:t>
+            </a:r>
+          </a:p>
+          <a:p>
+            <a:pPr lvl="2"/>
+            <a:r>
+              <a:rPr lang="fr-FR" sz="2400" dirty="0" smtClean="0"/>
+              <a:t>Puissance moyenne (MW)</a:t>
+            </a:r>
+          </a:p>
+          <a:p>
+            <a:pPr lvl="2"/>
+            <a:r>
+              <a:rPr lang="fr-FR" sz="2400" dirty="0" smtClean="0"/>
+              <a:t>Puissance cr</a:t>
+            </a:r>
+            <a:r>
+              <a:rPr lang="fr-FR" sz="2400" dirty="0" smtClean="0"/>
+              <a:t>ête (MW)</a:t>
+            </a:r>
           </a:p>
         </p:txBody>
       </p:sp>
@@ -6856,6 +6950,2857 @@
     <p:extLst>
       <p:ext uri="{BB962C8B-B14F-4D97-AF65-F5344CB8AC3E}">
         <p14:creationId xmlns:p14="http://schemas.microsoft.com/office/powerpoint/2010/main" val="261770818"/>
+      </p:ext>
+    </p:extLst>
+  </p:cSld>
+  <p:clrMapOvr>
+    <a:masterClrMapping/>
+  </p:clrMapOvr>
+</p:sld>
+</file>
+
+<file path=ppt/slides/slide13.xml><?xml version="1.0" encoding="utf-8"?>
+<p:sld xmlns:a="http://schemas.openxmlformats.org/drawingml/2006/main" xmlns:r="http://schemas.openxmlformats.org/officeDocument/2006/relationships" xmlns:p="http://schemas.openxmlformats.org/presentationml/2006/main">
+  <p:cSld>
+    <p:spTree>
+      <p:nvGrpSpPr>
+        <p:cNvPr id="1" name=""/>
+        <p:cNvGrpSpPr/>
+        <p:nvPr/>
+      </p:nvGrpSpPr>
+      <p:grpSpPr>
+        <a:xfrm>
+          <a:off x="0" y="0"/>
+          <a:ext cx="0" cy="0"/>
+          <a:chOff x="0" y="0"/>
+          <a:chExt cx="0" cy="0"/>
+        </a:xfrm>
+      </p:grpSpPr>
+      <p:sp>
+        <p:nvSpPr>
+          <p:cNvPr id="2" name="Title 1"/>
+          <p:cNvSpPr>
+            <a:spLocks noGrp="1"/>
+          </p:cNvSpPr>
+          <p:nvPr>
+            <p:ph type="title"/>
+          </p:nvPr>
+        </p:nvSpPr>
+        <p:spPr/>
+        <p:txBody>
+          <a:bodyPr/>
+          <a:lstStyle/>
+          <a:p>
+            <a:pPr algn="r"/>
+            <a:r>
+              <a:rPr lang="fr-CA" dirty="0" smtClean="0"/>
+              <a:t>Diagramme des propriétés fonctionnelles</a:t>
+            </a:r>
+            <a:br>
+              <a:rPr lang="fr-CA" dirty="0" smtClean="0"/>
+            </a:br>
+            <a:r>
+              <a:rPr lang="fr-CA" sz="1800" i="1" dirty="0" smtClean="0"/>
+              <a:t>*Version complète à la fin</a:t>
+            </a:r>
+            <a:endParaRPr lang="fr-CA" sz="1800" i="1" dirty="0"/>
+          </a:p>
+        </p:txBody>
+      </p:sp>
+      <p:sp>
+        <p:nvSpPr>
+          <p:cNvPr id="3" name="Content Placeholder 2"/>
+          <p:cNvSpPr>
+            <a:spLocks noGrp="1"/>
+          </p:cNvSpPr>
+          <p:nvPr>
+            <p:ph idx="1"/>
+          </p:nvPr>
+        </p:nvSpPr>
+        <p:spPr>
+          <a:xfrm>
+            <a:off x="618265" y="1835687"/>
+            <a:ext cx="10087805" cy="4810020"/>
+          </a:xfrm>
+        </p:spPr>
+        <p:txBody>
+          <a:bodyPr>
+            <a:normAutofit fontScale="62500" lnSpcReduction="20000"/>
+          </a:bodyPr>
+          <a:lstStyle/>
+          <a:p>
+            <a:r>
+              <a:rPr lang="fr-FR" sz="2800" dirty="0" smtClean="0"/>
+              <a:t>Fonctionnalités rattachées au simulateur (2/2)</a:t>
+            </a:r>
+          </a:p>
+          <a:p>
+            <a:pPr lvl="1"/>
+            <a:r>
+              <a:rPr lang="fr-FR" sz="2600" dirty="0" smtClean="0"/>
+              <a:t>Commander un onduleur triphasé de type NPC</a:t>
+            </a:r>
+          </a:p>
+          <a:p>
+            <a:pPr lvl="2"/>
+            <a:r>
+              <a:rPr lang="fr-FR" sz="2400" dirty="0" smtClean="0"/>
+              <a:t>Effort du contr</a:t>
+            </a:r>
+            <a:r>
+              <a:rPr lang="fr-FR" sz="2400" dirty="0" smtClean="0"/>
+              <a:t>ôleur (% par seconde de la variation de la commande)</a:t>
+            </a:r>
+          </a:p>
+          <a:p>
+            <a:pPr lvl="1"/>
+            <a:r>
+              <a:rPr lang="fr-FR" sz="2600" dirty="0" smtClean="0"/>
+              <a:t>Charger un banc de condensateur</a:t>
+            </a:r>
+          </a:p>
+          <a:p>
+            <a:pPr lvl="2"/>
+            <a:r>
+              <a:rPr lang="fr-FR" sz="2400" dirty="0" smtClean="0"/>
+              <a:t>Temps de charge (s)</a:t>
+            </a:r>
+          </a:p>
+          <a:p>
+            <a:pPr lvl="1"/>
+            <a:r>
+              <a:rPr lang="fr-FR" sz="2600" dirty="0" smtClean="0"/>
+              <a:t>Commander un convertisseur CC-CC à quatre quadrants </a:t>
+            </a:r>
+            <a:r>
+              <a:rPr lang="fr-FR" sz="2600" dirty="0" err="1" smtClean="0"/>
+              <a:t>multicellules</a:t>
+            </a:r>
+            <a:endParaRPr lang="fr-FR" sz="2600" dirty="0" smtClean="0"/>
+          </a:p>
+          <a:p>
+            <a:pPr lvl="2"/>
+            <a:r>
+              <a:rPr lang="fr-FR" sz="2400" dirty="0"/>
+              <a:t>Effort du contrôleur (% par seconde de la variation de la commande</a:t>
+            </a:r>
+            <a:r>
+              <a:rPr lang="fr-FR" sz="2400" dirty="0" smtClean="0"/>
+              <a:t>)</a:t>
+            </a:r>
+          </a:p>
+          <a:p>
+            <a:pPr lvl="1"/>
+            <a:r>
+              <a:rPr lang="fr-FR" sz="2600" dirty="0" smtClean="0"/>
+              <a:t>Alimenter les électroaimants de l’accélérateur de particules</a:t>
+            </a:r>
+          </a:p>
+          <a:p>
+            <a:pPr lvl="2"/>
+            <a:r>
+              <a:rPr lang="fr-FR" sz="2400" dirty="0" smtClean="0"/>
+              <a:t>Rendement (%)</a:t>
+            </a:r>
+          </a:p>
+          <a:p>
+            <a:pPr lvl="2"/>
+            <a:r>
+              <a:rPr lang="fr-FR" sz="2400" dirty="0" smtClean="0"/>
+              <a:t>Ondulation de courant (%)</a:t>
+            </a:r>
+          </a:p>
+          <a:p>
+            <a:pPr lvl="2"/>
+            <a:r>
+              <a:rPr lang="fr-FR" sz="2400" dirty="0" smtClean="0"/>
+              <a:t>Ondulation de tension (%)</a:t>
+            </a:r>
+          </a:p>
+          <a:p>
+            <a:pPr lvl="2"/>
+            <a:r>
+              <a:rPr lang="fr-FR" sz="2400" dirty="0" smtClean="0"/>
+              <a:t>Puissance moyenne (MW)</a:t>
+            </a:r>
+          </a:p>
+          <a:p>
+            <a:pPr lvl="2"/>
+            <a:r>
+              <a:rPr lang="fr-FR" sz="2400" dirty="0" smtClean="0"/>
+              <a:t>Puissance cr</a:t>
+            </a:r>
+            <a:r>
+              <a:rPr lang="fr-FR" sz="2400" dirty="0" smtClean="0"/>
+              <a:t>ête (MW)</a:t>
+            </a:r>
+          </a:p>
+          <a:p>
+            <a:pPr lvl="1"/>
+            <a:r>
+              <a:rPr lang="fr-FR" sz="2600" dirty="0" smtClean="0"/>
+              <a:t>Afficher les résultats de simulation </a:t>
+            </a:r>
+            <a:r>
+              <a:rPr lang="fr-FR" sz="2600" dirty="0" err="1" smtClean="0"/>
+              <a:t>personalisés</a:t>
+            </a:r>
+            <a:endParaRPr lang="fr-FR" sz="2600" dirty="0" smtClean="0"/>
+          </a:p>
+          <a:p>
+            <a:pPr lvl="2"/>
+            <a:r>
+              <a:rPr lang="fr-FR" sz="2400" dirty="0" smtClean="0"/>
+              <a:t>Convivialité (1 à 5)</a:t>
+            </a:r>
+            <a:endParaRPr lang="fr-FR" sz="2400" dirty="0"/>
+          </a:p>
+          <a:p>
+            <a:pPr lvl="2"/>
+            <a:endParaRPr lang="fr-FR" sz="2400" dirty="0" smtClean="0"/>
+          </a:p>
+        </p:txBody>
+      </p:sp>
+    </p:spTree>
+    <p:extLst>
+      <p:ext uri="{BB962C8B-B14F-4D97-AF65-F5344CB8AC3E}">
+        <p14:creationId xmlns:p14="http://schemas.microsoft.com/office/powerpoint/2010/main" val="1009669938"/>
+      </p:ext>
+    </p:extLst>
+  </p:cSld>
+  <p:clrMapOvr>
+    <a:masterClrMapping/>
+  </p:clrMapOvr>
+</p:sld>
+</file>
+
+<file path=ppt/slides/slide14.xml><?xml version="1.0" encoding="utf-8"?>
+<p:sld xmlns:a="http://schemas.openxmlformats.org/drawingml/2006/main" xmlns:r="http://schemas.openxmlformats.org/officeDocument/2006/relationships" xmlns:p="http://schemas.openxmlformats.org/presentationml/2006/main">
+  <p:cSld>
+    <p:spTree>
+      <p:nvGrpSpPr>
+        <p:cNvPr id="1" name=""/>
+        <p:cNvGrpSpPr/>
+        <p:nvPr/>
+      </p:nvGrpSpPr>
+      <p:grpSpPr>
+        <a:xfrm>
+          <a:off x="0" y="0"/>
+          <a:ext cx="0" cy="0"/>
+          <a:chOff x="0" y="0"/>
+          <a:chExt cx="0" cy="0"/>
+        </a:xfrm>
+      </p:grpSpPr>
+      <p:sp>
+        <p:nvSpPr>
+          <p:cNvPr id="2" name="Title 1"/>
+          <p:cNvSpPr>
+            <a:spLocks noGrp="1"/>
+          </p:cNvSpPr>
+          <p:nvPr>
+            <p:ph type="title"/>
+          </p:nvPr>
+        </p:nvSpPr>
+        <p:spPr/>
+        <p:txBody>
+          <a:bodyPr/>
+          <a:lstStyle/>
+          <a:p>
+            <a:pPr algn="r"/>
+            <a:r>
+              <a:rPr lang="fr-CA" dirty="0" smtClean="0"/>
+              <a:t>Diagramme des propriétés fonctionnelles</a:t>
+            </a:r>
+            <a:br>
+              <a:rPr lang="fr-CA" dirty="0" smtClean="0"/>
+            </a:br>
+            <a:r>
+              <a:rPr lang="fr-CA" sz="1800" i="1" dirty="0" smtClean="0"/>
+              <a:t>*Version complète à la fin</a:t>
+            </a:r>
+            <a:endParaRPr lang="fr-CA" sz="1800" i="1" dirty="0"/>
+          </a:p>
+        </p:txBody>
+      </p:sp>
+      <p:sp>
+        <p:nvSpPr>
+          <p:cNvPr id="3" name="Content Placeholder 2"/>
+          <p:cNvSpPr>
+            <a:spLocks noGrp="1"/>
+          </p:cNvSpPr>
+          <p:nvPr>
+            <p:ph idx="1"/>
+          </p:nvPr>
+        </p:nvSpPr>
+        <p:spPr>
+          <a:xfrm>
+            <a:off x="618265" y="1835687"/>
+            <a:ext cx="10087805" cy="4810020"/>
+          </a:xfrm>
+        </p:spPr>
+        <p:txBody>
+          <a:bodyPr>
+            <a:normAutofit lnSpcReduction="10000"/>
+          </a:bodyPr>
+          <a:lstStyle/>
+          <a:p>
+            <a:r>
+              <a:rPr lang="fr-FR" sz="2800" dirty="0" smtClean="0"/>
+              <a:t>Outil de dimensionnement </a:t>
+            </a:r>
+          </a:p>
+          <a:p>
+            <a:pPr lvl="1"/>
+            <a:r>
+              <a:rPr lang="fr-FR" sz="2200" dirty="0" smtClean="0"/>
+              <a:t>Accepter des paramètres de dimensionnement usuels</a:t>
+            </a:r>
+          </a:p>
+          <a:p>
+            <a:pPr lvl="2"/>
+            <a:r>
+              <a:rPr lang="fr-FR" sz="2200" dirty="0" smtClean="0"/>
+              <a:t>Choix disponibles (1 à 5)</a:t>
+            </a:r>
+          </a:p>
+          <a:p>
+            <a:pPr lvl="1"/>
+            <a:r>
+              <a:rPr lang="fr-FR" sz="2400" dirty="0" smtClean="0"/>
+              <a:t>Déterminer le nombre de composantes nécessaires dans les cellules de type NPC</a:t>
+            </a:r>
+          </a:p>
+          <a:p>
+            <a:pPr lvl="1"/>
+            <a:r>
+              <a:rPr lang="fr-FR" sz="2400" dirty="0" smtClean="0"/>
+              <a:t>Déterminer les valeurs des condensateurs utilisés dans les cellules de type NPC</a:t>
+            </a:r>
+          </a:p>
+          <a:p>
+            <a:pPr lvl="1"/>
+            <a:r>
+              <a:rPr lang="fr-FR" sz="2400" dirty="0" smtClean="0"/>
+              <a:t>Déterminer les valeurs des inductances de découplage</a:t>
+            </a:r>
+          </a:p>
+          <a:p>
+            <a:pPr lvl="1"/>
+            <a:r>
+              <a:rPr lang="fr-FR" sz="2400" dirty="0" smtClean="0"/>
+              <a:t>Déterminer le nombre de cellules de type NPC nécessaire</a:t>
+            </a:r>
+          </a:p>
+          <a:p>
+            <a:pPr lvl="1"/>
+            <a:r>
+              <a:rPr lang="fr-FR" sz="2400" dirty="0" smtClean="0"/>
+              <a:t>Fournir les paramètres de modélisation utilisé par le simulateur</a:t>
+            </a:r>
+          </a:p>
+          <a:p>
+            <a:pPr lvl="2"/>
+            <a:r>
+              <a:rPr lang="fr-FR" sz="2200" dirty="0" smtClean="0"/>
+              <a:t>Convivialité et choix disponibles (1 à 5)</a:t>
+            </a:r>
+          </a:p>
+        </p:txBody>
+      </p:sp>
+    </p:spTree>
+    <p:extLst>
+      <p:ext uri="{BB962C8B-B14F-4D97-AF65-F5344CB8AC3E}">
+        <p14:creationId xmlns:p14="http://schemas.microsoft.com/office/powerpoint/2010/main" val="4073286745"/>
+      </p:ext>
+    </p:extLst>
+  </p:cSld>
+  <p:clrMapOvr>
+    <a:masterClrMapping/>
+  </p:clrMapOvr>
+</p:sld>
+</file>
+
+<file path=ppt/slides/slide15.xml><?xml version="1.0" encoding="utf-8"?>
+<p:sld xmlns:a="http://schemas.openxmlformats.org/drawingml/2006/main" xmlns:r="http://schemas.openxmlformats.org/officeDocument/2006/relationships" xmlns:p="http://schemas.openxmlformats.org/presentationml/2006/main">
+  <p:cSld>
+    <p:spTree>
+      <p:nvGrpSpPr>
+        <p:cNvPr id="1" name=""/>
+        <p:cNvGrpSpPr/>
+        <p:nvPr/>
+      </p:nvGrpSpPr>
+      <p:grpSpPr>
+        <a:xfrm>
+          <a:off x="0" y="0"/>
+          <a:ext cx="0" cy="0"/>
+          <a:chOff x="0" y="0"/>
+          <a:chExt cx="0" cy="0"/>
+        </a:xfrm>
+      </p:grpSpPr>
+      <p:sp>
+        <p:nvSpPr>
+          <p:cNvPr id="2" name="Title 1"/>
+          <p:cNvSpPr>
+            <a:spLocks noGrp="1"/>
+          </p:cNvSpPr>
+          <p:nvPr>
+            <p:ph type="title"/>
+          </p:nvPr>
+        </p:nvSpPr>
+        <p:spPr/>
+        <p:txBody>
+          <a:bodyPr/>
+          <a:lstStyle/>
+          <a:p>
+            <a:pPr algn="r"/>
+            <a:r>
+              <a:rPr lang="fr-CA" dirty="0" smtClean="0"/>
+              <a:t>Diagramme des propriétés fonctionnelles</a:t>
+            </a:r>
+            <a:br>
+              <a:rPr lang="fr-CA" dirty="0" smtClean="0"/>
+            </a:br>
+            <a:r>
+              <a:rPr lang="fr-CA" sz="1800" i="1" dirty="0" smtClean="0"/>
+              <a:t>*Version complète à la fin</a:t>
+            </a:r>
+            <a:endParaRPr lang="fr-CA" sz="1800" i="1" dirty="0"/>
+          </a:p>
+        </p:txBody>
+      </p:sp>
+      <p:sp>
+        <p:nvSpPr>
+          <p:cNvPr id="3" name="Content Placeholder 2"/>
+          <p:cNvSpPr>
+            <a:spLocks noGrp="1"/>
+          </p:cNvSpPr>
+          <p:nvPr>
+            <p:ph idx="1"/>
+          </p:nvPr>
+        </p:nvSpPr>
+        <p:spPr>
+          <a:xfrm>
+            <a:off x="618265" y="1835687"/>
+            <a:ext cx="10087805" cy="4810020"/>
+          </a:xfrm>
+        </p:spPr>
+        <p:txBody>
+          <a:bodyPr>
+            <a:normAutofit lnSpcReduction="10000"/>
+          </a:bodyPr>
+          <a:lstStyle/>
+          <a:p>
+            <a:r>
+              <a:rPr lang="fr-FR" sz="2800" dirty="0" smtClean="0"/>
+              <a:t>Documentation</a:t>
+            </a:r>
+          </a:p>
+          <a:p>
+            <a:pPr lvl="1"/>
+            <a:r>
+              <a:rPr lang="fr-FR" sz="2200" dirty="0" smtClean="0"/>
+              <a:t>Présenter le fonctionnement de l’outil de dimensionnement de chacun des simulateurs</a:t>
+            </a:r>
+          </a:p>
+          <a:p>
+            <a:pPr lvl="2"/>
+            <a:r>
+              <a:rPr lang="fr-FR" sz="2200" dirty="0" smtClean="0"/>
+              <a:t>Précision de l’information et convivialité (1 à 5)</a:t>
+            </a:r>
+          </a:p>
+          <a:p>
+            <a:pPr lvl="1"/>
+            <a:r>
+              <a:rPr lang="fr-FR" sz="2400" dirty="0" smtClean="0"/>
+              <a:t>Présenter les modèles mathématiques utilisés dans chacun des simulateurs</a:t>
+            </a:r>
+          </a:p>
+          <a:p>
+            <a:pPr lvl="1"/>
+            <a:r>
+              <a:rPr lang="fr-FR" sz="2400" dirty="0" smtClean="0"/>
+              <a:t>Présenter l’utilisation de chacun des simulateurs</a:t>
+            </a:r>
+          </a:p>
+          <a:p>
+            <a:pPr lvl="2"/>
+            <a:r>
+              <a:rPr lang="fr-FR" sz="2200" dirty="0" smtClean="0"/>
+              <a:t>Précision de l’information et convivialité (1 à 5)</a:t>
+            </a:r>
+          </a:p>
+          <a:p>
+            <a:pPr lvl="1"/>
+            <a:r>
+              <a:rPr lang="fr-FR" sz="2400" dirty="0" smtClean="0"/>
+              <a:t>Présenter les procédures de validation croisées de chacun des simulateurs</a:t>
+            </a:r>
+          </a:p>
+          <a:p>
+            <a:pPr lvl="2"/>
+            <a:r>
+              <a:rPr lang="fr-FR" sz="2200" dirty="0" smtClean="0"/>
+              <a:t>Présentation de l’information et convivialité (1 à 5)</a:t>
+            </a:r>
+          </a:p>
+        </p:txBody>
+      </p:sp>
+    </p:spTree>
+    <p:extLst>
+      <p:ext uri="{BB962C8B-B14F-4D97-AF65-F5344CB8AC3E}">
+        <p14:creationId xmlns:p14="http://schemas.microsoft.com/office/powerpoint/2010/main" val="2852438436"/>
+      </p:ext>
+    </p:extLst>
+  </p:cSld>
+  <p:clrMapOvr>
+    <a:masterClrMapping/>
+  </p:clrMapOvr>
+</p:sld>
+</file>
+
+<file path=ppt/slides/slide16.xml><?xml version="1.0" encoding="utf-8"?>
+<p:sld xmlns:a="http://schemas.openxmlformats.org/drawingml/2006/main" xmlns:r="http://schemas.openxmlformats.org/officeDocument/2006/relationships" xmlns:p="http://schemas.openxmlformats.org/presentationml/2006/main">
+  <p:cSld>
+    <p:spTree>
+      <p:nvGrpSpPr>
+        <p:cNvPr id="1" name=""/>
+        <p:cNvGrpSpPr/>
+        <p:nvPr/>
+      </p:nvGrpSpPr>
+      <p:grpSpPr>
+        <a:xfrm>
+          <a:off x="0" y="0"/>
+          <a:ext cx="0" cy="0"/>
+          <a:chOff x="0" y="0"/>
+          <a:chExt cx="0" cy="0"/>
+        </a:xfrm>
+      </p:grpSpPr>
+      <p:sp>
+        <p:nvSpPr>
+          <p:cNvPr id="4" name="Title 3"/>
+          <p:cNvSpPr>
+            <a:spLocks noGrp="1"/>
+          </p:cNvSpPr>
+          <p:nvPr>
+            <p:ph type="title"/>
+          </p:nvPr>
+        </p:nvSpPr>
+        <p:spPr/>
+        <p:txBody>
+          <a:bodyPr/>
+          <a:lstStyle/>
+          <a:p>
+            <a:r>
+              <a:rPr lang="fr-CA" dirty="0"/>
+              <a:t>Diagramme des propriétés fonctionnelles</a:t>
+            </a:r>
+            <a:endParaRPr lang="en-US" dirty="0"/>
+          </a:p>
+        </p:txBody>
+      </p:sp>
+      <p:sp>
+        <p:nvSpPr>
+          <p:cNvPr id="5" name="Content Placeholder 4"/>
+          <p:cNvSpPr>
+            <a:spLocks noGrp="1"/>
+          </p:cNvSpPr>
+          <p:nvPr>
+            <p:ph idx="1"/>
+          </p:nvPr>
+        </p:nvSpPr>
+        <p:spPr/>
+        <p:txBody>
+          <a:bodyPr>
+            <a:normAutofit/>
+          </a:bodyPr>
+          <a:lstStyle/>
+          <a:p>
+            <a:r>
+              <a:rPr lang="fr-FR" sz="2800" dirty="0" smtClean="0"/>
+              <a:t>Objectifs de performances</a:t>
+            </a:r>
+          </a:p>
+          <a:p>
+            <a:pPr lvl="1"/>
+            <a:r>
+              <a:rPr lang="fr-FR" sz="2600" dirty="0" smtClean="0"/>
+              <a:t>Minimiser le temps de simulation</a:t>
+            </a:r>
+          </a:p>
+          <a:p>
+            <a:pPr lvl="1"/>
+            <a:r>
+              <a:rPr lang="fr-FR" sz="2600" dirty="0" smtClean="0"/>
+              <a:t>Maximiser la précision des simulations</a:t>
+            </a:r>
+          </a:p>
+          <a:p>
+            <a:pPr lvl="1"/>
+            <a:r>
+              <a:rPr lang="fr-FR" sz="2600" dirty="0" smtClean="0"/>
+              <a:t>Minimiser la complexité d’utilisation du simulateur et de l’outil de dimensionnement</a:t>
+            </a:r>
+          </a:p>
+          <a:p>
+            <a:pPr lvl="1"/>
+            <a:r>
+              <a:rPr lang="fr-FR" sz="2600" dirty="0" smtClean="0"/>
+              <a:t>Maximiser la qualité et la précision de la documentation</a:t>
+            </a:r>
+          </a:p>
+          <a:p>
+            <a:pPr lvl="1"/>
+            <a:endParaRPr lang="fr-FR" sz="2600" dirty="0"/>
+          </a:p>
+        </p:txBody>
+      </p:sp>
+    </p:spTree>
+    <p:extLst>
+      <p:ext uri="{BB962C8B-B14F-4D97-AF65-F5344CB8AC3E}">
+        <p14:creationId xmlns:p14="http://schemas.microsoft.com/office/powerpoint/2010/main" val="3256449772"/>
+      </p:ext>
+    </p:extLst>
+  </p:cSld>
+  <p:clrMapOvr>
+    <a:masterClrMapping/>
+  </p:clrMapOvr>
+</p:sld>
+</file>
+
+<file path=ppt/slides/slide17.xml><?xml version="1.0" encoding="utf-8"?>
+<p:sld xmlns:a="http://schemas.openxmlformats.org/drawingml/2006/main" xmlns:r="http://schemas.openxmlformats.org/officeDocument/2006/relationships" xmlns:p="http://schemas.openxmlformats.org/presentationml/2006/main">
+  <p:cSld>
+    <p:spTree>
+      <p:nvGrpSpPr>
+        <p:cNvPr id="1" name=""/>
+        <p:cNvGrpSpPr/>
+        <p:nvPr/>
+      </p:nvGrpSpPr>
+      <p:grpSpPr>
+        <a:xfrm>
+          <a:off x="0" y="0"/>
+          <a:ext cx="0" cy="0"/>
+          <a:chOff x="0" y="0"/>
+          <a:chExt cx="0" cy="0"/>
+        </a:xfrm>
+      </p:grpSpPr>
+      <p:sp>
+        <p:nvSpPr>
+          <p:cNvPr id="2" name="Title 1"/>
+          <p:cNvSpPr>
+            <a:spLocks noGrp="1"/>
+          </p:cNvSpPr>
+          <p:nvPr>
+            <p:ph type="title"/>
+          </p:nvPr>
+        </p:nvSpPr>
+        <p:spPr/>
+        <p:txBody>
+          <a:bodyPr/>
+          <a:lstStyle/>
+          <a:p>
+            <a:r>
+              <a:rPr lang="en-US" dirty="0" err="1" smtClean="0"/>
+              <a:t>Registre</a:t>
+            </a:r>
+            <a:r>
+              <a:rPr lang="en-US" dirty="0" smtClean="0"/>
+              <a:t> des </a:t>
+            </a:r>
+            <a:r>
+              <a:rPr lang="en-US" dirty="0" err="1" smtClean="0"/>
+              <a:t>risques</a:t>
+            </a:r>
+            <a:r>
+              <a:rPr lang="en-US" dirty="0" smtClean="0"/>
+              <a:t> (1/3)</a:t>
+            </a:r>
+            <a:endParaRPr lang="en-US" dirty="0"/>
+          </a:p>
+        </p:txBody>
+      </p:sp>
+      <p:graphicFrame>
+        <p:nvGraphicFramePr>
+          <p:cNvPr id="4" name="Content Placeholder 3"/>
+          <p:cNvGraphicFramePr>
+            <a:graphicFrameLocks noGrp="1"/>
+          </p:cNvGraphicFramePr>
+          <p:nvPr>
+            <p:ph idx="1"/>
+            <p:extLst>
+              <p:ext uri="{D42A27DB-BD31-4B8C-83A1-F6EECF244321}">
+                <p14:modId xmlns:p14="http://schemas.microsoft.com/office/powerpoint/2010/main" val="1921849713"/>
+              </p:ext>
+            </p:extLst>
+          </p:nvPr>
+        </p:nvGraphicFramePr>
+        <p:xfrm>
+          <a:off x="677863" y="1314373"/>
+          <a:ext cx="10382617" cy="5360871"/>
+        </p:xfrm>
+        <a:graphic>
+          <a:graphicData uri="http://schemas.openxmlformats.org/drawingml/2006/table">
+            <a:tbl>
+              <a:tblPr firstRow="1" bandRow="1">
+                <a:tableStyleId>{5C22544A-7EE6-4342-B048-85BDC9FD1C3A}</a:tableStyleId>
+              </a:tblPr>
+              <a:tblGrid>
+                <a:gridCol w="1483231"/>
+                <a:gridCol w="1483231"/>
+                <a:gridCol w="1483231"/>
+                <a:gridCol w="1483231"/>
+                <a:gridCol w="1483231"/>
+                <a:gridCol w="1483231"/>
+                <a:gridCol w="1483231"/>
+              </a:tblGrid>
+              <a:tr h="906127">
+                <a:tc>
+                  <a:txBody>
+                    <a:bodyPr/>
+                    <a:lstStyle/>
+                    <a:p>
+                      <a:pPr algn="ctr" fontAlgn="ctr"/>
+                      <a:r>
+                        <a:rPr lang="fr-FR" sz="1100" b="1" i="0" u="none" strike="noStrike" dirty="0">
+                          <a:solidFill>
+                            <a:srgbClr val="000000"/>
+                          </a:solidFill>
+                          <a:effectLst/>
+                          <a:latin typeface="Calibri"/>
+                        </a:rPr>
+                        <a:t>Type de risque</a:t>
+                      </a:r>
+                    </a:p>
+                  </a:txBody>
+                  <a:tcPr marL="12700" marR="12700" marT="12700" marB="0" anchor="ctr"/>
+                </a:tc>
+                <a:tc>
+                  <a:txBody>
+                    <a:bodyPr/>
+                    <a:lstStyle/>
+                    <a:p>
+                      <a:pPr algn="ctr" fontAlgn="ctr"/>
+                      <a:r>
+                        <a:rPr lang="fr-FR" sz="1100" b="1" i="0" u="none" strike="noStrike" dirty="0">
+                          <a:solidFill>
+                            <a:srgbClr val="000000"/>
+                          </a:solidFill>
+                          <a:effectLst/>
+                          <a:latin typeface="Calibri"/>
+                        </a:rPr>
+                        <a:t>Niveau de priorité</a:t>
+                      </a:r>
+                      <a:br>
+                        <a:rPr lang="fr-FR" sz="1100" b="1" i="0" u="none" strike="noStrike" dirty="0">
+                          <a:solidFill>
+                            <a:srgbClr val="000000"/>
+                          </a:solidFill>
+                          <a:effectLst/>
+                          <a:latin typeface="Calibri"/>
+                        </a:rPr>
+                      </a:br>
+                      <a:r>
+                        <a:rPr lang="fr-FR" sz="1100" b="1" i="0" u="none" strike="noStrike" dirty="0">
+                          <a:solidFill>
+                            <a:srgbClr val="000000"/>
+                          </a:solidFill>
+                          <a:effectLst/>
+                          <a:latin typeface="Calibri"/>
+                        </a:rPr>
+                        <a:t>(1 faible, 5 élevé)</a:t>
+                      </a:r>
+                    </a:p>
+                  </a:txBody>
+                  <a:tcPr marL="12700" marR="12700" marT="12700" marB="0" anchor="ctr"/>
+                </a:tc>
+                <a:tc>
+                  <a:txBody>
+                    <a:bodyPr/>
+                    <a:lstStyle/>
+                    <a:p>
+                      <a:pPr algn="ctr" fontAlgn="ctr"/>
+                      <a:r>
+                        <a:rPr lang="fr-FR" sz="1100" b="1" i="0" u="none" strike="noStrike" dirty="0">
+                          <a:solidFill>
+                            <a:srgbClr val="000000"/>
+                          </a:solidFill>
+                          <a:effectLst/>
+                          <a:latin typeface="Calibri"/>
+                        </a:rPr>
+                        <a:t>Conséquence de</a:t>
+                      </a:r>
+                      <a:br>
+                        <a:rPr lang="fr-FR" sz="1100" b="1" i="0" u="none" strike="noStrike" dirty="0">
+                          <a:solidFill>
+                            <a:srgbClr val="000000"/>
+                          </a:solidFill>
+                          <a:effectLst/>
+                          <a:latin typeface="Calibri"/>
+                        </a:rPr>
+                      </a:br>
+                      <a:r>
+                        <a:rPr lang="fr-FR" sz="1100" b="1" i="0" u="none" strike="noStrike" dirty="0">
+                          <a:solidFill>
+                            <a:srgbClr val="000000"/>
+                          </a:solidFill>
+                          <a:effectLst/>
+                          <a:latin typeface="Calibri"/>
+                        </a:rPr>
+                        <a:t> l'occurrence du risque</a:t>
+                      </a:r>
+                    </a:p>
+                  </a:txBody>
+                  <a:tcPr marL="12700" marR="12700" marT="12700" marB="0" anchor="ctr"/>
+                </a:tc>
+                <a:tc>
+                  <a:txBody>
+                    <a:bodyPr/>
+                    <a:lstStyle/>
+                    <a:p>
+                      <a:pPr algn="ctr" fontAlgn="ctr"/>
+                      <a:r>
+                        <a:rPr lang="fr-FR" sz="1100" b="1" i="0" u="none" strike="noStrike" dirty="0">
+                          <a:solidFill>
+                            <a:srgbClr val="000000"/>
+                          </a:solidFill>
+                          <a:effectLst/>
+                          <a:latin typeface="Calibri"/>
+                        </a:rPr>
+                        <a:t>Coût en performance</a:t>
+                      </a:r>
+                      <a:br>
+                        <a:rPr lang="fr-FR" sz="1100" b="1" i="0" u="none" strike="noStrike" dirty="0">
+                          <a:solidFill>
+                            <a:srgbClr val="000000"/>
+                          </a:solidFill>
+                          <a:effectLst/>
+                          <a:latin typeface="Calibri"/>
+                        </a:rPr>
+                      </a:br>
+                      <a:r>
+                        <a:rPr lang="fr-FR" sz="1100" b="1" i="0" u="none" strike="noStrike" dirty="0">
+                          <a:solidFill>
+                            <a:srgbClr val="000000"/>
+                          </a:solidFill>
+                          <a:effectLst/>
+                          <a:latin typeface="Calibri"/>
+                        </a:rPr>
+                        <a:t> associé au risque</a:t>
+                      </a:r>
+                    </a:p>
+                  </a:txBody>
+                  <a:tcPr marL="12700" marR="12700" marT="12700" marB="0" anchor="ctr"/>
+                </a:tc>
+                <a:tc>
+                  <a:txBody>
+                    <a:bodyPr/>
+                    <a:lstStyle/>
+                    <a:p>
+                      <a:pPr algn="ctr" fontAlgn="ctr"/>
+                      <a:r>
+                        <a:rPr lang="fr-FR" sz="1100" b="1" i="0" u="none" strike="noStrike" dirty="0">
+                          <a:solidFill>
+                            <a:srgbClr val="000000"/>
+                          </a:solidFill>
+                          <a:effectLst/>
+                          <a:latin typeface="Calibri"/>
+                        </a:rPr>
+                        <a:t>Probabilité d'occurrence</a:t>
+                      </a:r>
+                    </a:p>
+                  </a:txBody>
+                  <a:tcPr marL="12700" marR="12700" marT="12700" marB="0" anchor="ctr"/>
+                </a:tc>
+                <a:tc>
+                  <a:txBody>
+                    <a:bodyPr/>
+                    <a:lstStyle/>
+                    <a:p>
+                      <a:pPr algn="ctr" fontAlgn="ctr"/>
+                      <a:r>
+                        <a:rPr lang="fr-FR" sz="1100" b="1" i="0" u="none" strike="noStrike" dirty="0">
+                          <a:solidFill>
+                            <a:srgbClr val="000000"/>
+                          </a:solidFill>
+                          <a:effectLst/>
+                          <a:latin typeface="Calibri"/>
+                        </a:rPr>
+                        <a:t>Plan de réduction</a:t>
+                      </a:r>
+                      <a:br>
+                        <a:rPr lang="fr-FR" sz="1100" b="1" i="0" u="none" strike="noStrike" dirty="0">
+                          <a:solidFill>
+                            <a:srgbClr val="000000"/>
+                          </a:solidFill>
+                          <a:effectLst/>
+                          <a:latin typeface="Calibri"/>
+                        </a:rPr>
+                      </a:br>
+                      <a:r>
+                        <a:rPr lang="fr-FR" sz="1100" b="1" i="0" u="none" strike="noStrike" dirty="0">
+                          <a:solidFill>
+                            <a:srgbClr val="000000"/>
+                          </a:solidFill>
+                          <a:effectLst/>
+                          <a:latin typeface="Calibri"/>
+                        </a:rPr>
+                        <a:t> du risque</a:t>
+                      </a:r>
+                    </a:p>
+                  </a:txBody>
+                  <a:tcPr marL="12700" marR="12700" marT="12700" marB="0" anchor="ctr"/>
+                </a:tc>
+                <a:tc>
+                  <a:txBody>
+                    <a:bodyPr/>
+                    <a:lstStyle/>
+                    <a:p>
+                      <a:pPr algn="ctr" fontAlgn="ctr"/>
+                      <a:r>
+                        <a:rPr lang="fr-FR" sz="1100" b="1" i="0" u="none" strike="noStrike" dirty="0">
+                          <a:solidFill>
+                            <a:srgbClr val="000000"/>
+                          </a:solidFill>
+                          <a:effectLst/>
+                          <a:latin typeface="Calibri"/>
+                        </a:rPr>
+                        <a:t>Responsable du risque</a:t>
+                      </a:r>
+                    </a:p>
+                  </a:txBody>
+                  <a:tcPr marL="12700" marR="12700" marT="12700" marB="0" anchor="ctr"/>
+                </a:tc>
+              </a:tr>
+              <a:tr h="906127">
+                <a:tc>
+                  <a:txBody>
+                    <a:bodyPr/>
+                    <a:lstStyle/>
+                    <a:p>
+                      <a:pPr algn="ctr" fontAlgn="ctr"/>
+                      <a:r>
+                        <a:rPr lang="fr-FR" sz="1100" b="0" i="0" u="none" strike="noStrike">
+                          <a:solidFill>
+                            <a:srgbClr val="000000"/>
+                          </a:solidFill>
+                          <a:effectLst/>
+                          <a:latin typeface="Calibri"/>
+                        </a:rPr>
+                        <a:t>Maladies ou </a:t>
+                      </a:r>
+                      <a:br>
+                        <a:rPr lang="fr-FR" sz="1100" b="0" i="0" u="none" strike="noStrike">
+                          <a:solidFill>
+                            <a:srgbClr val="000000"/>
+                          </a:solidFill>
+                          <a:effectLst/>
+                          <a:latin typeface="Calibri"/>
+                        </a:rPr>
+                      </a:br>
+                      <a:r>
+                        <a:rPr lang="fr-FR" sz="1100" b="0" i="0" u="none" strike="noStrike">
+                          <a:solidFill>
+                            <a:srgbClr val="000000"/>
+                          </a:solidFill>
+                          <a:effectLst/>
+                          <a:latin typeface="Calibri"/>
+                        </a:rPr>
+                        <a:t>incapacité d'un membre à continuer le projet</a:t>
+                      </a:r>
+                    </a:p>
+                  </a:txBody>
+                  <a:tcPr marL="12700" marR="12700" marT="12700" marB="0" anchor="ctr"/>
+                </a:tc>
+                <a:tc>
+                  <a:txBody>
+                    <a:bodyPr/>
+                    <a:lstStyle/>
+                    <a:p>
+                      <a:pPr algn="ctr" fontAlgn="ctr"/>
+                      <a:r>
+                        <a:rPr lang="en-US" sz="1100" b="0" i="0" u="none" strike="noStrike">
+                          <a:solidFill>
+                            <a:srgbClr val="000000"/>
+                          </a:solidFill>
+                          <a:effectLst/>
+                          <a:latin typeface="Calibri"/>
+                        </a:rPr>
+                        <a:t>1</a:t>
+                      </a:r>
+                    </a:p>
+                  </a:txBody>
+                  <a:tcPr marL="12700" marR="12700" marT="12700" marB="0" anchor="ctr"/>
+                </a:tc>
+                <a:tc>
+                  <a:txBody>
+                    <a:bodyPr/>
+                    <a:lstStyle/>
+                    <a:p>
+                      <a:pPr algn="ctr" fontAlgn="ctr"/>
+                      <a:r>
+                        <a:rPr lang="fr-FR" sz="1100" b="0" i="0" u="none" strike="noStrike">
+                          <a:solidFill>
+                            <a:srgbClr val="000000"/>
+                          </a:solidFill>
+                          <a:effectLst/>
+                          <a:latin typeface="Calibri"/>
+                        </a:rPr>
+                        <a:t>Travail en surplus</a:t>
+                      </a:r>
+                      <a:br>
+                        <a:rPr lang="fr-FR" sz="1100" b="0" i="0" u="none" strike="noStrike">
+                          <a:solidFill>
+                            <a:srgbClr val="000000"/>
+                          </a:solidFill>
+                          <a:effectLst/>
+                          <a:latin typeface="Calibri"/>
+                        </a:rPr>
+                      </a:br>
+                      <a:r>
+                        <a:rPr lang="fr-FR" sz="1100" b="0" i="0" u="none" strike="noStrike">
+                          <a:solidFill>
+                            <a:srgbClr val="000000"/>
+                          </a:solidFill>
+                          <a:effectLst/>
+                          <a:latin typeface="Calibri"/>
+                        </a:rPr>
+                        <a:t> à exécuter</a:t>
+                      </a:r>
+                    </a:p>
+                  </a:txBody>
+                  <a:tcPr marL="12700" marR="12700" marT="12700" marB="0" anchor="ctr"/>
+                </a:tc>
+                <a:tc>
+                  <a:txBody>
+                    <a:bodyPr/>
+                    <a:lstStyle/>
+                    <a:p>
+                      <a:pPr algn="ctr" fontAlgn="ctr"/>
+                      <a:r>
+                        <a:rPr lang="fr-FR" sz="1100" b="0" i="0" u="none" strike="noStrike">
+                          <a:solidFill>
+                            <a:srgbClr val="000000"/>
+                          </a:solidFill>
+                          <a:effectLst/>
+                          <a:latin typeface="Calibri"/>
+                        </a:rPr>
+                        <a:t>Retard sur le projet</a:t>
+                      </a:r>
+                    </a:p>
+                  </a:txBody>
+                  <a:tcPr marL="12700" marR="12700" marT="12700" marB="0" anchor="ctr"/>
+                </a:tc>
+                <a:tc>
+                  <a:txBody>
+                    <a:bodyPr/>
+                    <a:lstStyle/>
+                    <a:p>
+                      <a:pPr algn="ctr" fontAlgn="ctr"/>
+                      <a:r>
+                        <a:rPr lang="en-US" sz="1100" b="0" i="0" u="none" strike="noStrike">
+                          <a:solidFill>
+                            <a:srgbClr val="000000"/>
+                          </a:solidFill>
+                          <a:effectLst/>
+                          <a:latin typeface="Calibri"/>
+                        </a:rPr>
+                        <a:t>10%</a:t>
+                      </a:r>
+                    </a:p>
+                  </a:txBody>
+                  <a:tcPr marL="12700" marR="12700" marT="12700" marB="0" anchor="ctr"/>
+                </a:tc>
+                <a:tc>
+                  <a:txBody>
+                    <a:bodyPr/>
+                    <a:lstStyle/>
+                    <a:p>
+                      <a:pPr algn="ctr" fontAlgn="ctr"/>
+                      <a:r>
+                        <a:rPr lang="fr-FR" sz="1100" b="0" i="0" u="none" strike="noStrike">
+                          <a:solidFill>
+                            <a:srgbClr val="000000"/>
+                          </a:solidFill>
+                          <a:effectLst/>
+                          <a:latin typeface="Calibri"/>
+                        </a:rPr>
+                        <a:t>Répartir le travail</a:t>
+                      </a:r>
+                      <a:br>
+                        <a:rPr lang="fr-FR" sz="1100" b="0" i="0" u="none" strike="noStrike">
+                          <a:solidFill>
+                            <a:srgbClr val="000000"/>
+                          </a:solidFill>
+                          <a:effectLst/>
+                          <a:latin typeface="Calibri"/>
+                        </a:rPr>
+                      </a:br>
+                      <a:r>
+                        <a:rPr lang="fr-FR" sz="1100" b="0" i="0" u="none" strike="noStrike">
+                          <a:solidFill>
+                            <a:srgbClr val="000000"/>
+                          </a:solidFill>
+                          <a:effectLst/>
+                          <a:latin typeface="Calibri"/>
+                        </a:rPr>
+                        <a:t> dans l'équipe</a:t>
+                      </a:r>
+                    </a:p>
+                  </a:txBody>
+                  <a:tcPr marL="12700" marR="12700" marT="12700" marB="0" anchor="ctr"/>
+                </a:tc>
+                <a:tc>
+                  <a:txBody>
+                    <a:bodyPr/>
+                    <a:lstStyle/>
+                    <a:p>
+                      <a:pPr algn="ctr" fontAlgn="ctr"/>
+                      <a:r>
+                        <a:rPr lang="en-US" sz="1100" b="0" i="0" u="none" strike="noStrike">
+                          <a:solidFill>
+                            <a:srgbClr val="000000"/>
+                          </a:solidFill>
+                          <a:effectLst/>
+                          <a:latin typeface="Calibri"/>
+                        </a:rPr>
+                        <a:t>Daniel Thibodeau</a:t>
+                      </a:r>
+                    </a:p>
+                  </a:txBody>
+                  <a:tcPr marL="12700" marR="12700" marT="12700" marB="0" anchor="ctr"/>
+                </a:tc>
+              </a:tr>
+              <a:tr h="1257063">
+                <a:tc>
+                  <a:txBody>
+                    <a:bodyPr/>
+                    <a:lstStyle/>
+                    <a:p>
+                      <a:pPr algn="ctr" fontAlgn="ctr"/>
+                      <a:r>
+                        <a:rPr lang="fr-FR" sz="1100" b="0" i="0" u="none" strike="noStrike">
+                          <a:solidFill>
+                            <a:srgbClr val="000000"/>
+                          </a:solidFill>
+                          <a:effectLst/>
+                          <a:latin typeface="Calibri"/>
+                        </a:rPr>
+                        <a:t>Délai de livraison</a:t>
+                      </a:r>
+                      <a:br>
+                        <a:rPr lang="fr-FR" sz="1100" b="0" i="0" u="none" strike="noStrike">
+                          <a:solidFill>
+                            <a:srgbClr val="000000"/>
+                          </a:solidFill>
+                          <a:effectLst/>
+                          <a:latin typeface="Calibri"/>
+                        </a:rPr>
+                      </a:br>
+                      <a:r>
+                        <a:rPr lang="fr-FR" sz="1100" b="0" i="0" u="none" strike="noStrike">
+                          <a:solidFill>
+                            <a:srgbClr val="000000"/>
+                          </a:solidFill>
+                          <a:effectLst/>
+                          <a:latin typeface="Calibri"/>
+                        </a:rPr>
+                        <a:t> du simulateur en temps réel non respecté</a:t>
+                      </a:r>
+                    </a:p>
+                  </a:txBody>
+                  <a:tcPr marL="12700" marR="12700" marT="12700" marB="0" anchor="ctr"/>
+                </a:tc>
+                <a:tc>
+                  <a:txBody>
+                    <a:bodyPr/>
+                    <a:lstStyle/>
+                    <a:p>
+                      <a:pPr algn="ctr" fontAlgn="ctr"/>
+                      <a:r>
+                        <a:rPr lang="en-US" sz="1100" b="0" i="0" u="none" strike="noStrike">
+                          <a:solidFill>
+                            <a:srgbClr val="000000"/>
+                          </a:solidFill>
+                          <a:effectLst/>
+                          <a:latin typeface="Calibri"/>
+                        </a:rPr>
+                        <a:t>5</a:t>
+                      </a:r>
+                    </a:p>
+                  </a:txBody>
+                  <a:tcPr marL="12700" marR="12700" marT="12700" marB="0" anchor="ctr"/>
+                </a:tc>
+                <a:tc>
+                  <a:txBody>
+                    <a:bodyPr/>
+                    <a:lstStyle/>
+                    <a:p>
+                      <a:pPr algn="ctr" fontAlgn="ctr"/>
+                      <a:r>
+                        <a:rPr lang="fr-FR" sz="1100" b="0" i="0" u="none" strike="noStrike">
+                          <a:solidFill>
+                            <a:srgbClr val="000000"/>
+                          </a:solidFill>
+                          <a:effectLst/>
+                          <a:latin typeface="Calibri"/>
+                        </a:rPr>
+                        <a:t>Impossibilité de</a:t>
+                      </a:r>
+                      <a:br>
+                        <a:rPr lang="fr-FR" sz="1100" b="0" i="0" u="none" strike="noStrike">
+                          <a:solidFill>
+                            <a:srgbClr val="000000"/>
+                          </a:solidFill>
+                          <a:effectLst/>
+                          <a:latin typeface="Calibri"/>
+                        </a:rPr>
+                      </a:br>
+                      <a:r>
+                        <a:rPr lang="fr-FR" sz="1100" b="0" i="0" u="none" strike="noStrike">
+                          <a:solidFill>
+                            <a:srgbClr val="000000"/>
+                          </a:solidFill>
+                          <a:effectLst/>
+                          <a:latin typeface="Calibri"/>
+                        </a:rPr>
+                        <a:t> faire la simulation en temps réel</a:t>
+                      </a:r>
+                    </a:p>
+                  </a:txBody>
+                  <a:tcPr marL="12700" marR="12700" marT="12700" marB="0" anchor="ctr"/>
+                </a:tc>
+                <a:tc>
+                  <a:txBody>
+                    <a:bodyPr/>
+                    <a:lstStyle/>
+                    <a:p>
+                      <a:pPr algn="ctr" fontAlgn="ctr"/>
+                      <a:r>
+                        <a:rPr lang="fr-FR" sz="1100" b="0" i="0" u="none" strike="noStrike">
+                          <a:solidFill>
+                            <a:srgbClr val="000000"/>
+                          </a:solidFill>
+                          <a:effectLst/>
+                          <a:latin typeface="Calibri"/>
+                        </a:rPr>
+                        <a:t>Échéancier du projet</a:t>
+                      </a:r>
+                      <a:br>
+                        <a:rPr lang="fr-FR" sz="1100" b="0" i="0" u="none" strike="noStrike">
+                          <a:solidFill>
+                            <a:srgbClr val="000000"/>
+                          </a:solidFill>
+                          <a:effectLst/>
+                          <a:latin typeface="Calibri"/>
+                        </a:rPr>
+                      </a:br>
+                      <a:r>
+                        <a:rPr lang="fr-FR" sz="1100" b="0" i="0" u="none" strike="noStrike">
+                          <a:solidFill>
+                            <a:srgbClr val="000000"/>
+                          </a:solidFill>
+                          <a:effectLst/>
+                          <a:latin typeface="Calibri"/>
+                        </a:rPr>
+                        <a:t> non respecté</a:t>
+                      </a:r>
+                    </a:p>
+                  </a:txBody>
+                  <a:tcPr marL="12700" marR="12700" marT="12700" marB="0" anchor="ctr"/>
+                </a:tc>
+                <a:tc>
+                  <a:txBody>
+                    <a:bodyPr/>
+                    <a:lstStyle/>
+                    <a:p>
+                      <a:pPr algn="ctr" fontAlgn="ctr"/>
+                      <a:r>
+                        <a:rPr lang="en-US" sz="1100" b="0" i="0" u="none" strike="noStrike">
+                          <a:solidFill>
+                            <a:srgbClr val="000000"/>
+                          </a:solidFill>
+                          <a:effectLst/>
+                          <a:latin typeface="Calibri"/>
+                        </a:rPr>
+                        <a:t>10%</a:t>
+                      </a:r>
+                    </a:p>
+                  </a:txBody>
+                  <a:tcPr marL="12700" marR="12700" marT="12700" marB="0" anchor="ctr"/>
+                </a:tc>
+                <a:tc>
+                  <a:txBody>
+                    <a:bodyPr/>
+                    <a:lstStyle/>
+                    <a:p>
+                      <a:pPr algn="ctr" fontAlgn="ctr"/>
+                      <a:r>
+                        <a:rPr lang="fr-FR" sz="1100" b="0" i="0" u="none" strike="noStrike">
+                          <a:solidFill>
+                            <a:srgbClr val="000000"/>
+                          </a:solidFill>
+                          <a:effectLst/>
+                          <a:latin typeface="Calibri"/>
+                        </a:rPr>
+                        <a:t>Maintenir une communication efficace avec le LEEPCI dans l'optique de se servir du simulateur dès son arrivée</a:t>
+                      </a:r>
+                    </a:p>
+                  </a:txBody>
+                  <a:tcPr marL="12700" marR="12700" marT="12700" marB="0" anchor="ctr"/>
+                </a:tc>
+                <a:tc>
+                  <a:txBody>
+                    <a:bodyPr/>
+                    <a:lstStyle/>
+                    <a:p>
+                      <a:pPr algn="ctr" fontAlgn="ctr"/>
+                      <a:r>
+                        <a:rPr lang="fi-FI" sz="1100" b="0" i="0" u="none" strike="noStrike">
+                          <a:solidFill>
+                            <a:srgbClr val="000000"/>
+                          </a:solidFill>
+                          <a:effectLst/>
+                          <a:latin typeface="Calibri"/>
+                        </a:rPr>
+                        <a:t>Gabriel Boivin</a:t>
+                      </a:r>
+                    </a:p>
+                  </a:txBody>
+                  <a:tcPr marL="12700" marR="12700" marT="12700" marB="0" anchor="ctr"/>
+                </a:tc>
+              </a:tr>
+              <a:tr h="2291554">
+                <a:tc>
+                  <a:txBody>
+                    <a:bodyPr/>
+                    <a:lstStyle/>
+                    <a:p>
+                      <a:pPr algn="ctr" fontAlgn="ctr"/>
+                      <a:r>
+                        <a:rPr lang="fr-FR" sz="1100" b="0" i="0" u="none" strike="noStrike">
+                          <a:solidFill>
+                            <a:srgbClr val="000000"/>
+                          </a:solidFill>
+                          <a:effectLst/>
+                          <a:latin typeface="Calibri"/>
+                        </a:rPr>
+                        <a:t>Pertes des données liées aux simulateurs</a:t>
+                      </a:r>
+                    </a:p>
+                  </a:txBody>
+                  <a:tcPr marL="12700" marR="12700" marT="12700" marB="0" anchor="ctr"/>
+                </a:tc>
+                <a:tc>
+                  <a:txBody>
+                    <a:bodyPr/>
+                    <a:lstStyle/>
+                    <a:p>
+                      <a:pPr algn="ctr" fontAlgn="ctr"/>
+                      <a:r>
+                        <a:rPr lang="en-US" sz="1100" b="0" i="0" u="none" strike="noStrike">
+                          <a:solidFill>
+                            <a:srgbClr val="000000"/>
+                          </a:solidFill>
+                          <a:effectLst/>
+                          <a:latin typeface="Calibri"/>
+                        </a:rPr>
+                        <a:t>5</a:t>
+                      </a:r>
+                    </a:p>
+                  </a:txBody>
+                  <a:tcPr marL="12700" marR="12700" marT="12700" marB="0" anchor="ctr"/>
+                </a:tc>
+                <a:tc>
+                  <a:txBody>
+                    <a:bodyPr/>
+                    <a:lstStyle/>
+                    <a:p>
+                      <a:pPr algn="ctr" fontAlgn="ctr"/>
+                      <a:r>
+                        <a:rPr lang="fr-FR" sz="1100" b="0" i="0" u="none" strike="noStrike">
+                          <a:solidFill>
+                            <a:srgbClr val="000000"/>
+                          </a:solidFill>
+                          <a:effectLst/>
+                          <a:latin typeface="Calibri"/>
+                        </a:rPr>
+                        <a:t>Retard sur le projet mineur s'il existe une révision récente et retards majeurs dans le cas échéant</a:t>
+                      </a:r>
+                    </a:p>
+                  </a:txBody>
+                  <a:tcPr marL="12700" marR="12700" marT="12700" marB="0" anchor="ctr"/>
+                </a:tc>
+                <a:tc>
+                  <a:txBody>
+                    <a:bodyPr/>
+                    <a:lstStyle/>
+                    <a:p>
+                      <a:pPr algn="ctr" fontAlgn="ctr"/>
+                      <a:r>
+                        <a:rPr lang="fr-FR" sz="1100" b="0" i="0" u="none" strike="noStrike">
+                          <a:solidFill>
+                            <a:srgbClr val="000000"/>
+                          </a:solidFill>
+                          <a:effectLst/>
+                          <a:latin typeface="Calibri"/>
+                        </a:rPr>
+                        <a:t>Certains objectifs ne seront pas atteints dans les temps initiaux prescrits</a:t>
+                      </a:r>
+                    </a:p>
+                  </a:txBody>
+                  <a:tcPr marL="12700" marR="12700" marT="12700" marB="0" anchor="ctr"/>
+                </a:tc>
+                <a:tc>
+                  <a:txBody>
+                    <a:bodyPr/>
+                    <a:lstStyle/>
+                    <a:p>
+                      <a:pPr algn="ctr" fontAlgn="ctr"/>
+                      <a:r>
+                        <a:rPr lang="en-US" sz="1100" b="0" i="0" u="none" strike="noStrike">
+                          <a:solidFill>
+                            <a:srgbClr val="000000"/>
+                          </a:solidFill>
+                          <a:effectLst/>
+                          <a:latin typeface="Calibri"/>
+                        </a:rPr>
+                        <a:t>20%</a:t>
+                      </a:r>
+                    </a:p>
+                  </a:txBody>
+                  <a:tcPr marL="12700" marR="12700" marT="12700" marB="0" anchor="ctr"/>
+                </a:tc>
+                <a:tc>
+                  <a:txBody>
+                    <a:bodyPr/>
+                    <a:lstStyle/>
+                    <a:p>
+                      <a:pPr algn="ctr" fontAlgn="ctr"/>
+                      <a:r>
+                        <a:rPr lang="fr-FR" sz="1100" b="0" i="0" u="none" strike="noStrike" dirty="0">
+                          <a:solidFill>
+                            <a:srgbClr val="000000"/>
+                          </a:solidFill>
+                          <a:effectLst/>
+                          <a:latin typeface="Calibri"/>
+                        </a:rPr>
+                        <a:t>S'assurer de bien maintenir les révisions à jour, travaille collaboratif mis fréquemment à jour et dont les changements sont réversibles au moyen d'une synchronisation sur un serveur web protégé (</a:t>
+                      </a:r>
+                      <a:r>
+                        <a:rPr lang="fr-FR" sz="1100" b="0" i="0" u="none" strike="noStrike" dirty="0" err="1">
+                          <a:solidFill>
+                            <a:srgbClr val="000000"/>
+                          </a:solidFill>
+                          <a:effectLst/>
+                          <a:latin typeface="Calibri"/>
+                        </a:rPr>
+                        <a:t>GitHub</a:t>
+                      </a:r>
+                      <a:r>
+                        <a:rPr lang="fr-FR" sz="1100" b="0" i="0" u="none" strike="noStrike" dirty="0">
+                          <a:solidFill>
+                            <a:srgbClr val="000000"/>
+                          </a:solidFill>
+                          <a:effectLst/>
+                          <a:latin typeface="Calibri"/>
+                        </a:rPr>
+                        <a:t>)</a:t>
+                      </a:r>
+                    </a:p>
+                  </a:txBody>
+                  <a:tcPr marL="12700" marR="12700" marT="12700" marB="0" anchor="ctr"/>
+                </a:tc>
+                <a:tc>
+                  <a:txBody>
+                    <a:bodyPr/>
+                    <a:lstStyle/>
+                    <a:p>
+                      <a:pPr algn="ctr" fontAlgn="ctr"/>
+                      <a:r>
+                        <a:rPr lang="fi-FI" sz="1100" b="0" i="0" u="none" strike="noStrike" dirty="0">
+                          <a:solidFill>
+                            <a:srgbClr val="000000"/>
+                          </a:solidFill>
+                          <a:effectLst/>
+                          <a:latin typeface="Calibri"/>
+                        </a:rPr>
+                        <a:t>Francis </a:t>
+                      </a:r>
+                      <a:r>
+                        <a:rPr lang="fi-FI" sz="1100" b="0" i="0" u="none" strike="noStrike" dirty="0" err="1">
+                          <a:solidFill>
+                            <a:srgbClr val="000000"/>
+                          </a:solidFill>
+                          <a:effectLst/>
+                          <a:latin typeface="Calibri"/>
+                        </a:rPr>
+                        <a:t>Valois</a:t>
+                      </a:r>
+                      <a:endParaRPr lang="fi-FI" sz="1100" b="0" i="0" u="none" strike="noStrike" dirty="0">
+                        <a:solidFill>
+                          <a:srgbClr val="000000"/>
+                        </a:solidFill>
+                        <a:effectLst/>
+                        <a:latin typeface="Calibri"/>
+                      </a:endParaRPr>
+                    </a:p>
+                  </a:txBody>
+                  <a:tcPr marL="12700" marR="12700" marT="12700" marB="0" anchor="ctr"/>
+                </a:tc>
+              </a:tr>
+            </a:tbl>
+          </a:graphicData>
+        </a:graphic>
+      </p:graphicFrame>
+    </p:spTree>
+    <p:extLst>
+      <p:ext uri="{BB962C8B-B14F-4D97-AF65-F5344CB8AC3E}">
+        <p14:creationId xmlns:p14="http://schemas.microsoft.com/office/powerpoint/2010/main" val="3181824677"/>
+      </p:ext>
+    </p:extLst>
+  </p:cSld>
+  <p:clrMapOvr>
+    <a:masterClrMapping/>
+  </p:clrMapOvr>
+</p:sld>
+</file>
+
+<file path=ppt/slides/slide18.xml><?xml version="1.0" encoding="utf-8"?>
+<p:sld xmlns:a="http://schemas.openxmlformats.org/drawingml/2006/main" xmlns:r="http://schemas.openxmlformats.org/officeDocument/2006/relationships" xmlns:p="http://schemas.openxmlformats.org/presentationml/2006/main">
+  <p:cSld>
+    <p:spTree>
+      <p:nvGrpSpPr>
+        <p:cNvPr id="1" name=""/>
+        <p:cNvGrpSpPr/>
+        <p:nvPr/>
+      </p:nvGrpSpPr>
+      <p:grpSpPr>
+        <a:xfrm>
+          <a:off x="0" y="0"/>
+          <a:ext cx="0" cy="0"/>
+          <a:chOff x="0" y="0"/>
+          <a:chExt cx="0" cy="0"/>
+        </a:xfrm>
+      </p:grpSpPr>
+      <p:sp>
+        <p:nvSpPr>
+          <p:cNvPr id="2" name="Title 1"/>
+          <p:cNvSpPr>
+            <a:spLocks noGrp="1"/>
+          </p:cNvSpPr>
+          <p:nvPr>
+            <p:ph type="title"/>
+          </p:nvPr>
+        </p:nvSpPr>
+        <p:spPr/>
+        <p:txBody>
+          <a:bodyPr/>
+          <a:lstStyle/>
+          <a:p>
+            <a:r>
+              <a:rPr lang="en-US" dirty="0" err="1"/>
+              <a:t>Registre</a:t>
+            </a:r>
+            <a:r>
+              <a:rPr lang="en-US" dirty="0"/>
+              <a:t> des </a:t>
+            </a:r>
+            <a:r>
+              <a:rPr lang="en-US" dirty="0" err="1"/>
+              <a:t>risques</a:t>
+            </a:r>
+            <a:r>
+              <a:rPr lang="en-US" dirty="0"/>
+              <a:t> </a:t>
+            </a:r>
+            <a:r>
+              <a:rPr lang="en-US" dirty="0" smtClean="0"/>
+              <a:t>(2/3)</a:t>
+            </a:r>
+            <a:endParaRPr lang="en-US" dirty="0"/>
+          </a:p>
+        </p:txBody>
+      </p:sp>
+      <p:graphicFrame>
+        <p:nvGraphicFramePr>
+          <p:cNvPr id="4" name="Content Placeholder 3"/>
+          <p:cNvGraphicFramePr>
+            <a:graphicFrameLocks noGrp="1"/>
+          </p:cNvGraphicFramePr>
+          <p:nvPr>
+            <p:ph idx="1"/>
+            <p:extLst>
+              <p:ext uri="{D42A27DB-BD31-4B8C-83A1-F6EECF244321}">
+                <p14:modId xmlns:p14="http://schemas.microsoft.com/office/powerpoint/2010/main" val="4126102908"/>
+              </p:ext>
+            </p:extLst>
+          </p:nvPr>
+        </p:nvGraphicFramePr>
+        <p:xfrm>
+          <a:off x="677863" y="1373443"/>
+          <a:ext cx="10766560" cy="5257496"/>
+        </p:xfrm>
+        <a:graphic>
+          <a:graphicData uri="http://schemas.openxmlformats.org/drawingml/2006/table">
+            <a:tbl>
+              <a:tblPr firstRow="1" bandRow="1">
+                <a:tableStyleId>{5C22544A-7EE6-4342-B048-85BDC9FD1C3A}</a:tableStyleId>
+              </a:tblPr>
+              <a:tblGrid>
+                <a:gridCol w="1538080"/>
+                <a:gridCol w="1538080"/>
+                <a:gridCol w="1538080"/>
+                <a:gridCol w="1538080"/>
+                <a:gridCol w="1538080"/>
+                <a:gridCol w="1538080"/>
+                <a:gridCol w="1538080"/>
+              </a:tblGrid>
+              <a:tr h="1125374">
+                <a:tc>
+                  <a:txBody>
+                    <a:bodyPr/>
+                    <a:lstStyle/>
+                    <a:p>
+                      <a:pPr algn="ctr" fontAlgn="ctr"/>
+                      <a:r>
+                        <a:rPr lang="fr-FR" sz="1100" b="1" i="0" u="none" strike="noStrike" dirty="0">
+                          <a:solidFill>
+                            <a:srgbClr val="000000"/>
+                          </a:solidFill>
+                          <a:effectLst/>
+                          <a:latin typeface="Calibri"/>
+                        </a:rPr>
+                        <a:t>Type de risque</a:t>
+                      </a:r>
+                    </a:p>
+                  </a:txBody>
+                  <a:tcPr marL="12700" marR="12700" marT="12700" marB="0" anchor="ctr"/>
+                </a:tc>
+                <a:tc>
+                  <a:txBody>
+                    <a:bodyPr/>
+                    <a:lstStyle/>
+                    <a:p>
+                      <a:pPr algn="ctr" fontAlgn="ctr"/>
+                      <a:r>
+                        <a:rPr lang="fr-FR" sz="1100" b="1" i="0" u="none" strike="noStrike">
+                          <a:solidFill>
+                            <a:srgbClr val="000000"/>
+                          </a:solidFill>
+                          <a:effectLst/>
+                          <a:latin typeface="Calibri"/>
+                        </a:rPr>
+                        <a:t>Niveau de priorité</a:t>
+                      </a:r>
+                      <a:br>
+                        <a:rPr lang="fr-FR" sz="1100" b="1" i="0" u="none" strike="noStrike">
+                          <a:solidFill>
+                            <a:srgbClr val="000000"/>
+                          </a:solidFill>
+                          <a:effectLst/>
+                          <a:latin typeface="Calibri"/>
+                        </a:rPr>
+                      </a:br>
+                      <a:r>
+                        <a:rPr lang="fr-FR" sz="1100" b="1" i="0" u="none" strike="noStrike">
+                          <a:solidFill>
+                            <a:srgbClr val="000000"/>
+                          </a:solidFill>
+                          <a:effectLst/>
+                          <a:latin typeface="Calibri"/>
+                        </a:rPr>
+                        <a:t>(1 faible, 5 élevé)</a:t>
+                      </a:r>
+                    </a:p>
+                  </a:txBody>
+                  <a:tcPr marL="12700" marR="12700" marT="12700" marB="0" anchor="ctr"/>
+                </a:tc>
+                <a:tc>
+                  <a:txBody>
+                    <a:bodyPr/>
+                    <a:lstStyle/>
+                    <a:p>
+                      <a:pPr algn="ctr" fontAlgn="ctr"/>
+                      <a:r>
+                        <a:rPr lang="fr-FR" sz="1100" b="1" i="0" u="none" strike="noStrike">
+                          <a:solidFill>
+                            <a:srgbClr val="000000"/>
+                          </a:solidFill>
+                          <a:effectLst/>
+                          <a:latin typeface="Calibri"/>
+                        </a:rPr>
+                        <a:t>Conséquence de</a:t>
+                      </a:r>
+                      <a:br>
+                        <a:rPr lang="fr-FR" sz="1100" b="1" i="0" u="none" strike="noStrike">
+                          <a:solidFill>
+                            <a:srgbClr val="000000"/>
+                          </a:solidFill>
+                          <a:effectLst/>
+                          <a:latin typeface="Calibri"/>
+                        </a:rPr>
+                      </a:br>
+                      <a:r>
+                        <a:rPr lang="fr-FR" sz="1100" b="1" i="0" u="none" strike="noStrike">
+                          <a:solidFill>
+                            <a:srgbClr val="000000"/>
+                          </a:solidFill>
+                          <a:effectLst/>
+                          <a:latin typeface="Calibri"/>
+                        </a:rPr>
+                        <a:t> l'occurrence du risque</a:t>
+                      </a:r>
+                    </a:p>
+                  </a:txBody>
+                  <a:tcPr marL="12700" marR="12700" marT="12700" marB="0" anchor="ctr"/>
+                </a:tc>
+                <a:tc>
+                  <a:txBody>
+                    <a:bodyPr/>
+                    <a:lstStyle/>
+                    <a:p>
+                      <a:pPr algn="ctr" fontAlgn="ctr"/>
+                      <a:r>
+                        <a:rPr lang="fr-FR" sz="1100" b="1" i="0" u="none" strike="noStrike">
+                          <a:solidFill>
+                            <a:srgbClr val="000000"/>
+                          </a:solidFill>
+                          <a:effectLst/>
+                          <a:latin typeface="Calibri"/>
+                        </a:rPr>
+                        <a:t>Coût en performance</a:t>
+                      </a:r>
+                      <a:br>
+                        <a:rPr lang="fr-FR" sz="1100" b="1" i="0" u="none" strike="noStrike">
+                          <a:solidFill>
+                            <a:srgbClr val="000000"/>
+                          </a:solidFill>
+                          <a:effectLst/>
+                          <a:latin typeface="Calibri"/>
+                        </a:rPr>
+                      </a:br>
+                      <a:r>
+                        <a:rPr lang="fr-FR" sz="1100" b="1" i="0" u="none" strike="noStrike">
+                          <a:solidFill>
+                            <a:srgbClr val="000000"/>
+                          </a:solidFill>
+                          <a:effectLst/>
+                          <a:latin typeface="Calibri"/>
+                        </a:rPr>
+                        <a:t> associé au risque</a:t>
+                      </a:r>
+                    </a:p>
+                  </a:txBody>
+                  <a:tcPr marL="12700" marR="12700" marT="12700" marB="0" anchor="ctr"/>
+                </a:tc>
+                <a:tc>
+                  <a:txBody>
+                    <a:bodyPr/>
+                    <a:lstStyle/>
+                    <a:p>
+                      <a:pPr algn="ctr" fontAlgn="ctr"/>
+                      <a:r>
+                        <a:rPr lang="fr-FR" sz="1100" b="1" i="0" u="none" strike="noStrike">
+                          <a:solidFill>
+                            <a:srgbClr val="000000"/>
+                          </a:solidFill>
+                          <a:effectLst/>
+                          <a:latin typeface="Calibri"/>
+                        </a:rPr>
+                        <a:t>Probabilité d'occurrence</a:t>
+                      </a:r>
+                    </a:p>
+                  </a:txBody>
+                  <a:tcPr marL="12700" marR="12700" marT="12700" marB="0" anchor="ctr"/>
+                </a:tc>
+                <a:tc>
+                  <a:txBody>
+                    <a:bodyPr/>
+                    <a:lstStyle/>
+                    <a:p>
+                      <a:pPr algn="ctr" fontAlgn="ctr"/>
+                      <a:r>
+                        <a:rPr lang="fr-FR" sz="1100" b="1" i="0" u="none" strike="noStrike">
+                          <a:solidFill>
+                            <a:srgbClr val="000000"/>
+                          </a:solidFill>
+                          <a:effectLst/>
+                          <a:latin typeface="Calibri"/>
+                        </a:rPr>
+                        <a:t>Plan de réduction</a:t>
+                      </a:r>
+                      <a:br>
+                        <a:rPr lang="fr-FR" sz="1100" b="1" i="0" u="none" strike="noStrike">
+                          <a:solidFill>
+                            <a:srgbClr val="000000"/>
+                          </a:solidFill>
+                          <a:effectLst/>
+                          <a:latin typeface="Calibri"/>
+                        </a:rPr>
+                      </a:br>
+                      <a:r>
+                        <a:rPr lang="fr-FR" sz="1100" b="1" i="0" u="none" strike="noStrike">
+                          <a:solidFill>
+                            <a:srgbClr val="000000"/>
+                          </a:solidFill>
+                          <a:effectLst/>
+                          <a:latin typeface="Calibri"/>
+                        </a:rPr>
+                        <a:t> du risque</a:t>
+                      </a:r>
+                    </a:p>
+                  </a:txBody>
+                  <a:tcPr marL="12700" marR="12700" marT="12700" marB="0" anchor="ctr"/>
+                </a:tc>
+                <a:tc>
+                  <a:txBody>
+                    <a:bodyPr/>
+                    <a:lstStyle/>
+                    <a:p>
+                      <a:pPr algn="ctr" fontAlgn="ctr"/>
+                      <a:r>
+                        <a:rPr lang="fr-FR" sz="1100" b="1" i="0" u="none" strike="noStrike" dirty="0">
+                          <a:solidFill>
+                            <a:srgbClr val="000000"/>
+                          </a:solidFill>
+                          <a:effectLst/>
+                          <a:latin typeface="Calibri"/>
+                        </a:rPr>
+                        <a:t>Responsable du risque</a:t>
+                      </a:r>
+                    </a:p>
+                  </a:txBody>
+                  <a:tcPr marL="12700" marR="12700" marT="12700" marB="0" anchor="ctr"/>
+                </a:tc>
+              </a:tr>
+              <a:tr h="1879522">
+                <a:tc>
+                  <a:txBody>
+                    <a:bodyPr/>
+                    <a:lstStyle/>
+                    <a:p>
+                      <a:pPr algn="ctr" fontAlgn="ctr"/>
+                      <a:r>
+                        <a:rPr lang="fr-FR" sz="1100" b="0" i="0" u="none" strike="noStrike">
+                          <a:solidFill>
+                            <a:srgbClr val="000000"/>
+                          </a:solidFill>
+                          <a:effectLst/>
+                          <a:latin typeface="Calibri"/>
+                        </a:rPr>
+                        <a:t>Pertes des données liées aux simulateurs</a:t>
+                      </a:r>
+                    </a:p>
+                  </a:txBody>
+                  <a:tcPr marL="12700" marR="12700" marT="12700" marB="0" anchor="ctr"/>
+                </a:tc>
+                <a:tc>
+                  <a:txBody>
+                    <a:bodyPr/>
+                    <a:lstStyle/>
+                    <a:p>
+                      <a:pPr algn="ctr" fontAlgn="ctr"/>
+                      <a:r>
+                        <a:rPr lang="en-US" sz="1100" b="0" i="0" u="none" strike="noStrike">
+                          <a:solidFill>
+                            <a:srgbClr val="000000"/>
+                          </a:solidFill>
+                          <a:effectLst/>
+                          <a:latin typeface="Calibri"/>
+                        </a:rPr>
+                        <a:t>5</a:t>
+                      </a:r>
+                    </a:p>
+                  </a:txBody>
+                  <a:tcPr marL="12700" marR="12700" marT="12700" marB="0" anchor="ctr"/>
+                </a:tc>
+                <a:tc>
+                  <a:txBody>
+                    <a:bodyPr/>
+                    <a:lstStyle/>
+                    <a:p>
+                      <a:pPr algn="ctr" fontAlgn="ctr"/>
+                      <a:r>
+                        <a:rPr lang="fr-FR" sz="1100" b="0" i="0" u="none" strike="noStrike">
+                          <a:solidFill>
+                            <a:srgbClr val="000000"/>
+                          </a:solidFill>
+                          <a:effectLst/>
+                          <a:latin typeface="Calibri"/>
+                        </a:rPr>
+                        <a:t>Retard sur le projet mineur s'il existe une révision récente et retards majeurs dans le cas échéant</a:t>
+                      </a:r>
+                    </a:p>
+                  </a:txBody>
+                  <a:tcPr marL="12700" marR="12700" marT="12700" marB="0" anchor="ctr"/>
+                </a:tc>
+                <a:tc>
+                  <a:txBody>
+                    <a:bodyPr/>
+                    <a:lstStyle/>
+                    <a:p>
+                      <a:pPr algn="ctr" fontAlgn="ctr"/>
+                      <a:r>
+                        <a:rPr lang="fr-FR" sz="1100" b="0" i="0" u="none" strike="noStrike">
+                          <a:solidFill>
+                            <a:srgbClr val="000000"/>
+                          </a:solidFill>
+                          <a:effectLst/>
+                          <a:latin typeface="Calibri"/>
+                        </a:rPr>
+                        <a:t>Certains objectifs ne seront pas atteints dans les temps initiaux prescrits</a:t>
+                      </a:r>
+                    </a:p>
+                  </a:txBody>
+                  <a:tcPr marL="12700" marR="12700" marT="12700" marB="0" anchor="ctr"/>
+                </a:tc>
+                <a:tc>
+                  <a:txBody>
+                    <a:bodyPr/>
+                    <a:lstStyle/>
+                    <a:p>
+                      <a:pPr algn="ctr" fontAlgn="ctr"/>
+                      <a:r>
+                        <a:rPr lang="en-US" sz="1100" b="0" i="0" u="none" strike="noStrike">
+                          <a:solidFill>
+                            <a:srgbClr val="000000"/>
+                          </a:solidFill>
+                          <a:effectLst/>
+                          <a:latin typeface="Calibri"/>
+                        </a:rPr>
+                        <a:t>20%</a:t>
+                      </a:r>
+                    </a:p>
+                  </a:txBody>
+                  <a:tcPr marL="12700" marR="12700" marT="12700" marB="0" anchor="ctr"/>
+                </a:tc>
+                <a:tc>
+                  <a:txBody>
+                    <a:bodyPr/>
+                    <a:lstStyle/>
+                    <a:p>
+                      <a:pPr algn="ctr" fontAlgn="ctr"/>
+                      <a:r>
+                        <a:rPr lang="fr-FR" sz="1100" b="0" i="0" u="none" strike="noStrike">
+                          <a:solidFill>
+                            <a:srgbClr val="000000"/>
+                          </a:solidFill>
+                          <a:effectLst/>
+                          <a:latin typeface="Calibri"/>
+                        </a:rPr>
+                        <a:t>S'assurer de bien maintenir les révisions à jour, travaille collaboratif mis fréquemment à jour et dont les changements sont réversibles au moyen d'une synchronisation sur un serveur web protégé (GitHub)</a:t>
+                      </a:r>
+                    </a:p>
+                  </a:txBody>
+                  <a:tcPr marL="12700" marR="12700" marT="12700" marB="0" anchor="ctr"/>
+                </a:tc>
+                <a:tc>
+                  <a:txBody>
+                    <a:bodyPr/>
+                    <a:lstStyle/>
+                    <a:p>
+                      <a:pPr algn="ctr" fontAlgn="ctr"/>
+                      <a:r>
+                        <a:rPr lang="fi-FI" sz="1100" b="0" i="0" u="none" strike="noStrike" dirty="0">
+                          <a:solidFill>
+                            <a:srgbClr val="000000"/>
+                          </a:solidFill>
+                          <a:effectLst/>
+                          <a:latin typeface="Calibri"/>
+                        </a:rPr>
+                        <a:t>Francis </a:t>
+                      </a:r>
+                      <a:r>
+                        <a:rPr lang="fi-FI" sz="1100" b="0" i="0" u="none" strike="noStrike" dirty="0" err="1">
+                          <a:solidFill>
+                            <a:srgbClr val="000000"/>
+                          </a:solidFill>
+                          <a:effectLst/>
+                          <a:latin typeface="Calibri"/>
+                        </a:rPr>
+                        <a:t>Valois</a:t>
+                      </a:r>
+                      <a:endParaRPr lang="fi-FI" sz="1100" b="0" i="0" u="none" strike="noStrike" dirty="0">
+                        <a:solidFill>
+                          <a:srgbClr val="000000"/>
+                        </a:solidFill>
+                        <a:effectLst/>
+                        <a:latin typeface="Calibri"/>
+                      </a:endParaRPr>
+                    </a:p>
+                  </a:txBody>
+                  <a:tcPr marL="12700" marR="12700" marT="12700" marB="0" anchor="ctr"/>
+                </a:tc>
+              </a:tr>
+              <a:tr h="2252600">
+                <a:tc>
+                  <a:txBody>
+                    <a:bodyPr/>
+                    <a:lstStyle/>
+                    <a:p>
+                      <a:pPr algn="ctr" fontAlgn="ctr"/>
+                      <a:r>
+                        <a:rPr lang="fr-FR" sz="1100" b="0" i="0" u="none" strike="noStrike">
+                          <a:solidFill>
+                            <a:srgbClr val="000000"/>
+                          </a:solidFill>
+                          <a:effectLst/>
+                          <a:latin typeface="Calibri"/>
+                        </a:rPr>
+                        <a:t>Versions  de développement et d'utilisation différentes de Matlab </a:t>
+                      </a:r>
+                    </a:p>
+                  </a:txBody>
+                  <a:tcPr marL="12700" marR="12700" marT="12700" marB="0" anchor="ctr"/>
+                </a:tc>
+                <a:tc>
+                  <a:txBody>
+                    <a:bodyPr/>
+                    <a:lstStyle/>
+                    <a:p>
+                      <a:pPr algn="ctr" fontAlgn="ctr"/>
+                      <a:r>
+                        <a:rPr lang="en-US" sz="1100" b="0" i="0" u="none" strike="noStrike">
+                          <a:solidFill>
+                            <a:srgbClr val="000000"/>
+                          </a:solidFill>
+                          <a:effectLst/>
+                          <a:latin typeface="Calibri"/>
+                        </a:rPr>
+                        <a:t>4</a:t>
+                      </a:r>
+                    </a:p>
+                  </a:txBody>
+                  <a:tcPr marL="12700" marR="12700" marT="12700" marB="0" anchor="ctr"/>
+                </a:tc>
+                <a:tc>
+                  <a:txBody>
+                    <a:bodyPr/>
+                    <a:lstStyle/>
+                    <a:p>
+                      <a:pPr algn="ctr" fontAlgn="ctr"/>
+                      <a:r>
+                        <a:rPr lang="fr-FR" sz="1100" b="0" i="0" u="none" strike="noStrike">
+                          <a:solidFill>
+                            <a:srgbClr val="000000"/>
+                          </a:solidFill>
+                          <a:effectLst/>
+                          <a:latin typeface="Calibri"/>
+                        </a:rPr>
+                        <a:t>Certaines fonctionnalités du simulateur en temps réel ne pourraient pas concorder, certains modules de simulink ou certaines fonctionnalités de Matlab pourraient ne pas être compatibles</a:t>
+                      </a:r>
+                      <a:br>
+                        <a:rPr lang="fr-FR" sz="1100" b="0" i="0" u="none" strike="noStrike">
+                          <a:solidFill>
+                            <a:srgbClr val="000000"/>
+                          </a:solidFill>
+                          <a:effectLst/>
+                          <a:latin typeface="Calibri"/>
+                        </a:rPr>
+                      </a:br>
+                      <a:endParaRPr lang="fr-FR" sz="1100" b="0" i="0" u="none" strike="noStrike">
+                        <a:solidFill>
+                          <a:srgbClr val="000000"/>
+                        </a:solidFill>
+                        <a:effectLst/>
+                        <a:latin typeface="Calibri"/>
+                      </a:endParaRPr>
+                    </a:p>
+                  </a:txBody>
+                  <a:tcPr marL="12700" marR="12700" marT="12700" marB="0" anchor="ctr"/>
+                </a:tc>
+                <a:tc>
+                  <a:txBody>
+                    <a:bodyPr/>
+                    <a:lstStyle/>
+                    <a:p>
+                      <a:pPr algn="ctr" fontAlgn="ctr"/>
+                      <a:r>
+                        <a:rPr lang="fr-FR" sz="1100" b="0" i="0" u="none" strike="noStrike">
+                          <a:solidFill>
+                            <a:srgbClr val="000000"/>
+                          </a:solidFill>
+                          <a:effectLst/>
+                          <a:latin typeface="Calibri"/>
+                        </a:rPr>
+                        <a:t>Incapacité de fournir un simulateur fonctionnant explicitement comme décrit dans la documentation, besoin d'effectuer des modifications internes importantes, du côté du client, pour maintenir le fonctionnement désiré du simulateur</a:t>
+                      </a:r>
+                      <a:br>
+                        <a:rPr lang="fr-FR" sz="1100" b="0" i="0" u="none" strike="noStrike">
+                          <a:solidFill>
+                            <a:srgbClr val="000000"/>
+                          </a:solidFill>
+                          <a:effectLst/>
+                          <a:latin typeface="Calibri"/>
+                        </a:rPr>
+                      </a:br>
+                      <a:endParaRPr lang="fr-FR" sz="1100" b="0" i="0" u="none" strike="noStrike">
+                        <a:solidFill>
+                          <a:srgbClr val="000000"/>
+                        </a:solidFill>
+                        <a:effectLst/>
+                        <a:latin typeface="Calibri"/>
+                      </a:endParaRPr>
+                    </a:p>
+                  </a:txBody>
+                  <a:tcPr marL="12700" marR="12700" marT="12700" marB="0" anchor="ctr"/>
+                </a:tc>
+                <a:tc>
+                  <a:txBody>
+                    <a:bodyPr/>
+                    <a:lstStyle/>
+                    <a:p>
+                      <a:pPr algn="ctr" fontAlgn="ctr"/>
+                      <a:r>
+                        <a:rPr lang="en-US" sz="1100" b="0" i="0" u="none" strike="noStrike" dirty="0">
+                          <a:solidFill>
+                            <a:srgbClr val="000000"/>
+                          </a:solidFill>
+                          <a:effectLst/>
+                          <a:latin typeface="Calibri"/>
+                        </a:rPr>
+                        <a:t>15%</a:t>
+                      </a:r>
+                    </a:p>
+                  </a:txBody>
+                  <a:tcPr marL="12700" marR="12700" marT="12700" marB="0" anchor="ctr"/>
+                </a:tc>
+                <a:tc>
+                  <a:txBody>
+                    <a:bodyPr/>
+                    <a:lstStyle/>
+                    <a:p>
+                      <a:pPr algn="ctr" fontAlgn="ctr"/>
+                      <a:r>
+                        <a:rPr lang="fr-FR" sz="1100" b="0" i="0" u="none" strike="noStrike">
+                          <a:solidFill>
+                            <a:srgbClr val="000000"/>
+                          </a:solidFill>
+                          <a:effectLst/>
+                          <a:latin typeface="Calibri"/>
+                        </a:rPr>
+                        <a:t>Faire des tests à partir de différentes plateformes et à partir de différents systèmes d'exploitation de manière à s'assurer l'homogénéité dans le fonctionnement de Matlab</a:t>
+                      </a:r>
+                    </a:p>
+                  </a:txBody>
+                  <a:tcPr marL="12700" marR="12700" marT="12700" marB="0" anchor="ctr"/>
+                </a:tc>
+                <a:tc>
+                  <a:txBody>
+                    <a:bodyPr/>
+                    <a:lstStyle/>
+                    <a:p>
+                      <a:pPr algn="ctr" fontAlgn="ctr"/>
+                      <a:r>
+                        <a:rPr lang="fi-FI" sz="1100" b="0" i="0" u="none" strike="noStrike" dirty="0">
+                          <a:solidFill>
+                            <a:srgbClr val="000000"/>
+                          </a:solidFill>
+                          <a:effectLst/>
+                          <a:latin typeface="Calibri"/>
+                        </a:rPr>
+                        <a:t>Francis </a:t>
+                      </a:r>
+                      <a:r>
+                        <a:rPr lang="fi-FI" sz="1100" b="0" i="0" u="none" strike="noStrike" dirty="0" err="1">
+                          <a:solidFill>
+                            <a:srgbClr val="000000"/>
+                          </a:solidFill>
+                          <a:effectLst/>
+                          <a:latin typeface="Calibri"/>
+                        </a:rPr>
+                        <a:t>Valois</a:t>
+                      </a:r>
+                      <a:endParaRPr lang="fi-FI" sz="1100" b="0" i="0" u="none" strike="noStrike" dirty="0">
+                        <a:solidFill>
+                          <a:srgbClr val="000000"/>
+                        </a:solidFill>
+                        <a:effectLst/>
+                        <a:latin typeface="Calibri"/>
+                      </a:endParaRPr>
+                    </a:p>
+                  </a:txBody>
+                  <a:tcPr marL="12700" marR="12700" marT="12700" marB="0" anchor="ctr"/>
+                </a:tc>
+              </a:tr>
+            </a:tbl>
+          </a:graphicData>
+        </a:graphic>
+      </p:graphicFrame>
+    </p:spTree>
+    <p:extLst>
+      <p:ext uri="{BB962C8B-B14F-4D97-AF65-F5344CB8AC3E}">
+        <p14:creationId xmlns:p14="http://schemas.microsoft.com/office/powerpoint/2010/main" val="299696814"/>
+      </p:ext>
+    </p:extLst>
+  </p:cSld>
+  <p:clrMapOvr>
+    <a:masterClrMapping/>
+  </p:clrMapOvr>
+</p:sld>
+</file>
+
+<file path=ppt/slides/slide19.xml><?xml version="1.0" encoding="utf-8"?>
+<p:sld xmlns:a="http://schemas.openxmlformats.org/drawingml/2006/main" xmlns:r="http://schemas.openxmlformats.org/officeDocument/2006/relationships" xmlns:p="http://schemas.openxmlformats.org/presentationml/2006/main">
+  <p:cSld>
+    <p:spTree>
+      <p:nvGrpSpPr>
+        <p:cNvPr id="1" name=""/>
+        <p:cNvGrpSpPr/>
+        <p:nvPr/>
+      </p:nvGrpSpPr>
+      <p:grpSpPr>
+        <a:xfrm>
+          <a:off x="0" y="0"/>
+          <a:ext cx="0" cy="0"/>
+          <a:chOff x="0" y="0"/>
+          <a:chExt cx="0" cy="0"/>
+        </a:xfrm>
+      </p:grpSpPr>
+      <p:sp>
+        <p:nvSpPr>
+          <p:cNvPr id="2" name="Title 1"/>
+          <p:cNvSpPr>
+            <a:spLocks noGrp="1"/>
+          </p:cNvSpPr>
+          <p:nvPr>
+            <p:ph type="title"/>
+          </p:nvPr>
+        </p:nvSpPr>
+        <p:spPr/>
+        <p:txBody>
+          <a:bodyPr/>
+          <a:lstStyle/>
+          <a:p>
+            <a:r>
+              <a:rPr lang="en-US" dirty="0" err="1" smtClean="0"/>
+              <a:t>Registre</a:t>
+            </a:r>
+            <a:r>
+              <a:rPr lang="en-US" dirty="0" smtClean="0"/>
+              <a:t> des </a:t>
+            </a:r>
+            <a:r>
+              <a:rPr lang="en-US" dirty="0" err="1" smtClean="0"/>
+              <a:t>risques</a:t>
+            </a:r>
+            <a:r>
+              <a:rPr lang="en-US" dirty="0" smtClean="0"/>
+              <a:t> (3/3)</a:t>
+            </a:r>
+            <a:endParaRPr lang="en-US" dirty="0"/>
+          </a:p>
+        </p:txBody>
+      </p:sp>
+      <p:graphicFrame>
+        <p:nvGraphicFramePr>
+          <p:cNvPr id="4" name="Content Placeholder 3"/>
+          <p:cNvGraphicFramePr>
+            <a:graphicFrameLocks noGrp="1"/>
+          </p:cNvGraphicFramePr>
+          <p:nvPr>
+            <p:ph idx="1"/>
+            <p:extLst>
+              <p:ext uri="{D42A27DB-BD31-4B8C-83A1-F6EECF244321}">
+                <p14:modId xmlns:p14="http://schemas.microsoft.com/office/powerpoint/2010/main" val="317251936"/>
+              </p:ext>
+            </p:extLst>
+          </p:nvPr>
+        </p:nvGraphicFramePr>
+        <p:xfrm>
+          <a:off x="677863" y="1314373"/>
+          <a:ext cx="11091430" cy="5331333"/>
+        </p:xfrm>
+        <a:graphic>
+          <a:graphicData uri="http://schemas.openxmlformats.org/drawingml/2006/table">
+            <a:tbl>
+              <a:tblPr firstRow="1" bandRow="1">
+                <a:tableStyleId>{5C22544A-7EE6-4342-B048-85BDC9FD1C3A}</a:tableStyleId>
+              </a:tblPr>
+              <a:tblGrid>
+                <a:gridCol w="1584490"/>
+                <a:gridCol w="1584490"/>
+                <a:gridCol w="1584490"/>
+                <a:gridCol w="1584490"/>
+                <a:gridCol w="1584490"/>
+                <a:gridCol w="1584490"/>
+                <a:gridCol w="1584490"/>
+              </a:tblGrid>
+              <a:tr h="650006">
+                <a:tc>
+                  <a:txBody>
+                    <a:bodyPr/>
+                    <a:lstStyle/>
+                    <a:p>
+                      <a:pPr algn="ctr" fontAlgn="ctr"/>
+                      <a:r>
+                        <a:rPr lang="fr-FR" sz="1100" b="1" i="0" u="none" strike="noStrike" dirty="0">
+                          <a:solidFill>
+                            <a:srgbClr val="000000"/>
+                          </a:solidFill>
+                          <a:effectLst/>
+                          <a:latin typeface="Calibri"/>
+                        </a:rPr>
+                        <a:t>Type de risque</a:t>
+                      </a:r>
+                    </a:p>
+                  </a:txBody>
+                  <a:tcPr marL="12700" marR="12700" marT="12700" marB="0" anchor="ctr"/>
+                </a:tc>
+                <a:tc>
+                  <a:txBody>
+                    <a:bodyPr/>
+                    <a:lstStyle/>
+                    <a:p>
+                      <a:pPr algn="ctr" fontAlgn="ctr"/>
+                      <a:r>
+                        <a:rPr lang="fr-FR" sz="1100" b="1" i="0" u="none" strike="noStrike">
+                          <a:solidFill>
+                            <a:srgbClr val="000000"/>
+                          </a:solidFill>
+                          <a:effectLst/>
+                          <a:latin typeface="Calibri"/>
+                        </a:rPr>
+                        <a:t>Niveau de priorité</a:t>
+                      </a:r>
+                      <a:br>
+                        <a:rPr lang="fr-FR" sz="1100" b="1" i="0" u="none" strike="noStrike">
+                          <a:solidFill>
+                            <a:srgbClr val="000000"/>
+                          </a:solidFill>
+                          <a:effectLst/>
+                          <a:latin typeface="Calibri"/>
+                        </a:rPr>
+                      </a:br>
+                      <a:r>
+                        <a:rPr lang="fr-FR" sz="1100" b="1" i="0" u="none" strike="noStrike">
+                          <a:solidFill>
+                            <a:srgbClr val="000000"/>
+                          </a:solidFill>
+                          <a:effectLst/>
+                          <a:latin typeface="Calibri"/>
+                        </a:rPr>
+                        <a:t>(1 faible, 5 élevé)</a:t>
+                      </a:r>
+                    </a:p>
+                  </a:txBody>
+                  <a:tcPr marL="12700" marR="12700" marT="12700" marB="0" anchor="ctr"/>
+                </a:tc>
+                <a:tc>
+                  <a:txBody>
+                    <a:bodyPr/>
+                    <a:lstStyle/>
+                    <a:p>
+                      <a:pPr algn="ctr" fontAlgn="ctr"/>
+                      <a:r>
+                        <a:rPr lang="fr-FR" sz="1100" b="1" i="0" u="none" strike="noStrike">
+                          <a:solidFill>
+                            <a:srgbClr val="000000"/>
+                          </a:solidFill>
+                          <a:effectLst/>
+                          <a:latin typeface="Calibri"/>
+                        </a:rPr>
+                        <a:t>Conséquence de</a:t>
+                      </a:r>
+                      <a:br>
+                        <a:rPr lang="fr-FR" sz="1100" b="1" i="0" u="none" strike="noStrike">
+                          <a:solidFill>
+                            <a:srgbClr val="000000"/>
+                          </a:solidFill>
+                          <a:effectLst/>
+                          <a:latin typeface="Calibri"/>
+                        </a:rPr>
+                      </a:br>
+                      <a:r>
+                        <a:rPr lang="fr-FR" sz="1100" b="1" i="0" u="none" strike="noStrike">
+                          <a:solidFill>
+                            <a:srgbClr val="000000"/>
+                          </a:solidFill>
+                          <a:effectLst/>
+                          <a:latin typeface="Calibri"/>
+                        </a:rPr>
+                        <a:t> l'occurrence du risque</a:t>
+                      </a:r>
+                    </a:p>
+                  </a:txBody>
+                  <a:tcPr marL="12700" marR="12700" marT="12700" marB="0" anchor="ctr"/>
+                </a:tc>
+                <a:tc>
+                  <a:txBody>
+                    <a:bodyPr/>
+                    <a:lstStyle/>
+                    <a:p>
+                      <a:pPr algn="ctr" fontAlgn="ctr"/>
+                      <a:r>
+                        <a:rPr lang="fr-FR" sz="1100" b="1" i="0" u="none" strike="noStrike">
+                          <a:solidFill>
+                            <a:srgbClr val="000000"/>
+                          </a:solidFill>
+                          <a:effectLst/>
+                          <a:latin typeface="Calibri"/>
+                        </a:rPr>
+                        <a:t>Coût en performance</a:t>
+                      </a:r>
+                      <a:br>
+                        <a:rPr lang="fr-FR" sz="1100" b="1" i="0" u="none" strike="noStrike">
+                          <a:solidFill>
+                            <a:srgbClr val="000000"/>
+                          </a:solidFill>
+                          <a:effectLst/>
+                          <a:latin typeface="Calibri"/>
+                        </a:rPr>
+                      </a:br>
+                      <a:r>
+                        <a:rPr lang="fr-FR" sz="1100" b="1" i="0" u="none" strike="noStrike">
+                          <a:solidFill>
+                            <a:srgbClr val="000000"/>
+                          </a:solidFill>
+                          <a:effectLst/>
+                          <a:latin typeface="Calibri"/>
+                        </a:rPr>
+                        <a:t> associé au risque</a:t>
+                      </a:r>
+                    </a:p>
+                  </a:txBody>
+                  <a:tcPr marL="12700" marR="12700" marT="12700" marB="0" anchor="ctr"/>
+                </a:tc>
+                <a:tc>
+                  <a:txBody>
+                    <a:bodyPr/>
+                    <a:lstStyle/>
+                    <a:p>
+                      <a:pPr algn="ctr" fontAlgn="ctr"/>
+                      <a:r>
+                        <a:rPr lang="fr-FR" sz="1100" b="1" i="0" u="none" strike="noStrike">
+                          <a:solidFill>
+                            <a:srgbClr val="000000"/>
+                          </a:solidFill>
+                          <a:effectLst/>
+                          <a:latin typeface="Calibri"/>
+                        </a:rPr>
+                        <a:t>Probabilité d'occurrence</a:t>
+                      </a:r>
+                    </a:p>
+                  </a:txBody>
+                  <a:tcPr marL="12700" marR="12700" marT="12700" marB="0" anchor="ctr"/>
+                </a:tc>
+                <a:tc>
+                  <a:txBody>
+                    <a:bodyPr/>
+                    <a:lstStyle/>
+                    <a:p>
+                      <a:pPr algn="ctr" fontAlgn="ctr"/>
+                      <a:r>
+                        <a:rPr lang="fr-FR" sz="1100" b="1" i="0" u="none" strike="noStrike">
+                          <a:solidFill>
+                            <a:srgbClr val="000000"/>
+                          </a:solidFill>
+                          <a:effectLst/>
+                          <a:latin typeface="Calibri"/>
+                        </a:rPr>
+                        <a:t>Plan de réduction</a:t>
+                      </a:r>
+                      <a:br>
+                        <a:rPr lang="fr-FR" sz="1100" b="1" i="0" u="none" strike="noStrike">
+                          <a:solidFill>
+                            <a:srgbClr val="000000"/>
+                          </a:solidFill>
+                          <a:effectLst/>
+                          <a:latin typeface="Calibri"/>
+                        </a:rPr>
+                      </a:br>
+                      <a:r>
+                        <a:rPr lang="fr-FR" sz="1100" b="1" i="0" u="none" strike="noStrike">
+                          <a:solidFill>
+                            <a:srgbClr val="000000"/>
+                          </a:solidFill>
+                          <a:effectLst/>
+                          <a:latin typeface="Calibri"/>
+                        </a:rPr>
+                        <a:t> du risque</a:t>
+                      </a:r>
+                    </a:p>
+                  </a:txBody>
+                  <a:tcPr marL="12700" marR="12700" marT="12700" marB="0" anchor="ctr"/>
+                </a:tc>
+                <a:tc>
+                  <a:txBody>
+                    <a:bodyPr/>
+                    <a:lstStyle/>
+                    <a:p>
+                      <a:pPr algn="ctr" fontAlgn="ctr"/>
+                      <a:r>
+                        <a:rPr lang="fr-FR" sz="1100" b="1" i="0" u="none" strike="noStrike" dirty="0">
+                          <a:solidFill>
+                            <a:srgbClr val="000000"/>
+                          </a:solidFill>
+                          <a:effectLst/>
+                          <a:latin typeface="Calibri"/>
+                        </a:rPr>
+                        <a:t>Responsable du risque</a:t>
+                      </a:r>
+                    </a:p>
+                  </a:txBody>
+                  <a:tcPr marL="12700" marR="12700" marT="12700" marB="0" anchor="ctr"/>
+                </a:tc>
+              </a:tr>
+              <a:tr h="1917999">
+                <a:tc>
+                  <a:txBody>
+                    <a:bodyPr/>
+                    <a:lstStyle/>
+                    <a:p>
+                      <a:pPr algn="ctr" fontAlgn="ctr"/>
+                      <a:r>
+                        <a:rPr lang="fr-FR" sz="1100" b="0" i="0" u="none" strike="noStrike" dirty="0" err="1">
+                          <a:solidFill>
+                            <a:srgbClr val="000000"/>
+                          </a:solidFill>
+                          <a:effectLst/>
+                          <a:latin typeface="Calibri"/>
+                        </a:rPr>
+                        <a:t>Disconcordance</a:t>
+                      </a:r>
+                      <a:r>
+                        <a:rPr lang="fr-FR" sz="1100" b="0" i="0" u="none" strike="noStrike" dirty="0">
+                          <a:solidFill>
+                            <a:srgbClr val="000000"/>
+                          </a:solidFill>
+                          <a:effectLst/>
+                          <a:latin typeface="Calibri"/>
+                        </a:rPr>
+                        <a:t> dans les versions de PSIM </a:t>
+                      </a:r>
+                    </a:p>
+                  </a:txBody>
+                  <a:tcPr marL="12700" marR="12700" marT="12700" marB="0" anchor="ctr"/>
+                </a:tc>
+                <a:tc>
+                  <a:txBody>
+                    <a:bodyPr/>
+                    <a:lstStyle/>
+                    <a:p>
+                      <a:pPr algn="ctr" fontAlgn="ctr"/>
+                      <a:r>
+                        <a:rPr lang="en-US" sz="1100" b="0" i="0" u="none" strike="noStrike">
+                          <a:solidFill>
+                            <a:srgbClr val="000000"/>
+                          </a:solidFill>
+                          <a:effectLst/>
+                          <a:latin typeface="Calibri"/>
+                        </a:rPr>
+                        <a:t>3</a:t>
+                      </a:r>
+                    </a:p>
+                  </a:txBody>
+                  <a:tcPr marL="12700" marR="12700" marT="12700" marB="0" anchor="ctr"/>
+                </a:tc>
+                <a:tc>
+                  <a:txBody>
+                    <a:bodyPr/>
+                    <a:lstStyle/>
+                    <a:p>
+                      <a:pPr algn="ctr" fontAlgn="ctr"/>
+                      <a:r>
+                        <a:rPr lang="fr-FR" sz="1100" b="0" i="0" u="none" strike="noStrike">
+                          <a:solidFill>
+                            <a:srgbClr val="000000"/>
+                          </a:solidFill>
+                          <a:effectLst/>
+                          <a:latin typeface="Calibri"/>
+                        </a:rPr>
+                        <a:t>Certaines fonctionnalités du simulateur implanté sur PSIM pourraient être différentes selon la version employée.</a:t>
+                      </a:r>
+                      <a:br>
+                        <a:rPr lang="fr-FR" sz="1100" b="0" i="0" u="none" strike="noStrike">
+                          <a:solidFill>
+                            <a:srgbClr val="000000"/>
+                          </a:solidFill>
+                          <a:effectLst/>
+                          <a:latin typeface="Calibri"/>
+                        </a:rPr>
+                      </a:br>
+                      <a:endParaRPr lang="fr-FR" sz="1100" b="0" i="0" u="none" strike="noStrike">
+                        <a:solidFill>
+                          <a:srgbClr val="000000"/>
+                        </a:solidFill>
+                        <a:effectLst/>
+                        <a:latin typeface="Calibri"/>
+                      </a:endParaRPr>
+                    </a:p>
+                  </a:txBody>
+                  <a:tcPr marL="12700" marR="12700" marT="12700" marB="0" anchor="ctr"/>
+                </a:tc>
+                <a:tc>
+                  <a:txBody>
+                    <a:bodyPr/>
+                    <a:lstStyle/>
+                    <a:p>
+                      <a:pPr algn="ctr" fontAlgn="ctr"/>
+                      <a:r>
+                        <a:rPr lang="fr-FR" sz="1100" b="0" i="0" u="none" strike="noStrike">
+                          <a:solidFill>
+                            <a:srgbClr val="000000"/>
+                          </a:solidFill>
+                          <a:effectLst/>
+                          <a:latin typeface="Calibri"/>
+                        </a:rPr>
+                        <a:t>Différence dans les résultats produits à partir du simulateur implanté sur PSIM, il se peut que les résultats ne concordent plus avec les autres simulateurs</a:t>
+                      </a:r>
+                    </a:p>
+                  </a:txBody>
+                  <a:tcPr marL="12700" marR="12700" marT="12700" marB="0" anchor="ctr"/>
+                </a:tc>
+                <a:tc>
+                  <a:txBody>
+                    <a:bodyPr/>
+                    <a:lstStyle/>
+                    <a:p>
+                      <a:pPr algn="ctr" fontAlgn="ctr"/>
+                      <a:r>
+                        <a:rPr lang="en-US" sz="1100" b="0" i="0" u="none" strike="noStrike">
+                          <a:solidFill>
+                            <a:srgbClr val="000000"/>
+                          </a:solidFill>
+                          <a:effectLst/>
+                          <a:latin typeface="Calibri"/>
+                        </a:rPr>
+                        <a:t>10%</a:t>
+                      </a:r>
+                    </a:p>
+                  </a:txBody>
+                  <a:tcPr marL="12700" marR="12700" marT="12700" marB="0" anchor="ctr"/>
+                </a:tc>
+                <a:tc>
+                  <a:txBody>
+                    <a:bodyPr/>
+                    <a:lstStyle/>
+                    <a:p>
+                      <a:pPr algn="ctr" fontAlgn="ctr"/>
+                      <a:r>
+                        <a:rPr lang="fr-FR" sz="1100" b="0" i="0" u="none" strike="noStrike">
+                          <a:solidFill>
+                            <a:srgbClr val="000000"/>
+                          </a:solidFill>
+                          <a:effectLst/>
+                          <a:latin typeface="Calibri"/>
+                        </a:rPr>
+                        <a:t>Tester le simulateur sur le plus de versions différentes de PSIM</a:t>
+                      </a:r>
+                    </a:p>
+                  </a:txBody>
+                  <a:tcPr marL="12700" marR="12700" marT="12700" marB="0" anchor="ctr"/>
+                </a:tc>
+                <a:tc>
+                  <a:txBody>
+                    <a:bodyPr/>
+                    <a:lstStyle/>
+                    <a:p>
+                      <a:pPr algn="ctr" fontAlgn="ctr"/>
+                      <a:r>
+                        <a:rPr lang="fi-FI" sz="1100" b="0" i="0" u="none" strike="noStrike">
+                          <a:solidFill>
+                            <a:srgbClr val="000000"/>
+                          </a:solidFill>
+                          <a:effectLst/>
+                          <a:latin typeface="Calibri"/>
+                        </a:rPr>
+                        <a:t>Gabriel Boivin</a:t>
+                      </a:r>
+                    </a:p>
+                  </a:txBody>
+                  <a:tcPr marL="12700" marR="12700" marT="12700" marB="0" anchor="ctr"/>
+                </a:tc>
+              </a:tr>
+              <a:tr h="2763328">
+                <a:tc>
+                  <a:txBody>
+                    <a:bodyPr/>
+                    <a:lstStyle/>
+                    <a:p>
+                      <a:pPr algn="ctr" fontAlgn="ctr"/>
+                      <a:r>
+                        <a:rPr lang="fr-FR" sz="1100" b="0" i="0" u="none" strike="noStrike">
+                          <a:solidFill>
+                            <a:srgbClr val="000000"/>
+                          </a:solidFill>
+                          <a:effectLst/>
+                          <a:latin typeface="Calibri"/>
+                        </a:rPr>
+                        <a:t>Utilisation </a:t>
+                      </a:r>
+                      <a:br>
+                        <a:rPr lang="fr-FR" sz="1100" b="0" i="0" u="none" strike="noStrike">
+                          <a:solidFill>
+                            <a:srgbClr val="000000"/>
+                          </a:solidFill>
+                          <a:effectLst/>
+                          <a:latin typeface="Calibri"/>
+                        </a:rPr>
+                      </a:br>
+                      <a:r>
+                        <a:rPr lang="fr-FR" sz="1100" b="0" i="0" u="none" strike="noStrike">
+                          <a:solidFill>
+                            <a:srgbClr val="000000"/>
+                          </a:solidFill>
+                          <a:effectLst/>
+                          <a:latin typeface="Calibri"/>
+                        </a:rPr>
+                        <a:t>entrainant une modification non désirée sur les simulateurs</a:t>
+                      </a:r>
+                    </a:p>
+                  </a:txBody>
+                  <a:tcPr marL="12700" marR="12700" marT="12700" marB="0" anchor="ctr"/>
+                </a:tc>
+                <a:tc>
+                  <a:txBody>
+                    <a:bodyPr/>
+                    <a:lstStyle/>
+                    <a:p>
+                      <a:pPr algn="ctr" fontAlgn="ctr"/>
+                      <a:r>
+                        <a:rPr lang="en-US" sz="1100" b="0" i="0" u="none" strike="noStrike">
+                          <a:solidFill>
+                            <a:srgbClr val="000000"/>
+                          </a:solidFill>
+                          <a:effectLst/>
+                          <a:latin typeface="Calibri"/>
+                        </a:rPr>
+                        <a:t>3</a:t>
+                      </a:r>
+                    </a:p>
+                  </a:txBody>
+                  <a:tcPr marL="12700" marR="12700" marT="12700" marB="0" anchor="ctr"/>
+                </a:tc>
+                <a:tc>
+                  <a:txBody>
+                    <a:bodyPr/>
+                    <a:lstStyle/>
+                    <a:p>
+                      <a:pPr algn="ctr" fontAlgn="ctr"/>
+                      <a:r>
+                        <a:rPr lang="fr-FR" sz="1100" b="0" i="0" u="none" strike="noStrike">
+                          <a:solidFill>
+                            <a:srgbClr val="000000"/>
+                          </a:solidFill>
+                          <a:effectLst/>
+                          <a:latin typeface="Calibri"/>
+                        </a:rPr>
+                        <a:t>Les simulations</a:t>
+                      </a:r>
+                      <a:br>
+                        <a:rPr lang="fr-FR" sz="1100" b="0" i="0" u="none" strike="noStrike">
+                          <a:solidFill>
+                            <a:srgbClr val="000000"/>
+                          </a:solidFill>
+                          <a:effectLst/>
+                          <a:latin typeface="Calibri"/>
+                        </a:rPr>
+                      </a:br>
+                      <a:r>
+                        <a:rPr lang="fr-FR" sz="1100" b="0" i="0" u="none" strike="noStrike">
+                          <a:solidFill>
+                            <a:srgbClr val="000000"/>
+                          </a:solidFill>
+                          <a:effectLst/>
+                          <a:latin typeface="Calibri"/>
+                        </a:rPr>
+                        <a:t>ne fonctionnent plus correctement </a:t>
+                      </a:r>
+                    </a:p>
+                  </a:txBody>
+                  <a:tcPr marL="12700" marR="12700" marT="12700" marB="0" anchor="ctr"/>
+                </a:tc>
+                <a:tc>
+                  <a:txBody>
+                    <a:bodyPr/>
+                    <a:lstStyle/>
+                    <a:p>
+                      <a:pPr algn="ctr" fontAlgn="ctr"/>
+                      <a:r>
+                        <a:rPr lang="fr-FR" sz="1100" b="0" i="0" u="none" strike="noStrike">
+                          <a:solidFill>
+                            <a:srgbClr val="000000"/>
+                          </a:solidFill>
+                          <a:effectLst/>
+                          <a:latin typeface="Calibri"/>
+                        </a:rPr>
+                        <a:t>Le simulateur ne s'amorçe plus correctement, les affichages ne sont plus fonctionnels, les données ne concordent plus</a:t>
+                      </a:r>
+                    </a:p>
+                  </a:txBody>
+                  <a:tcPr marL="12700" marR="12700" marT="12700" marB="0" anchor="ctr"/>
+                </a:tc>
+                <a:tc>
+                  <a:txBody>
+                    <a:bodyPr/>
+                    <a:lstStyle/>
+                    <a:p>
+                      <a:pPr algn="ctr" fontAlgn="ctr"/>
+                      <a:r>
+                        <a:rPr lang="en-US" sz="1100" b="0" i="0" u="none" strike="noStrike">
+                          <a:solidFill>
+                            <a:srgbClr val="000000"/>
+                          </a:solidFill>
+                          <a:effectLst/>
+                          <a:latin typeface="Calibri"/>
+                        </a:rPr>
+                        <a:t>20%</a:t>
+                      </a:r>
+                    </a:p>
+                  </a:txBody>
+                  <a:tcPr marL="12700" marR="12700" marT="12700" marB="0" anchor="ctr"/>
+                </a:tc>
+                <a:tc>
+                  <a:txBody>
+                    <a:bodyPr/>
+                    <a:lstStyle/>
+                    <a:p>
+                      <a:pPr algn="ctr" fontAlgn="ctr"/>
+                      <a:r>
+                        <a:rPr lang="fr-FR" sz="1100" b="0" i="0" u="none" strike="noStrike">
+                          <a:solidFill>
+                            <a:srgbClr val="000000"/>
+                          </a:solidFill>
+                          <a:effectLst/>
+                          <a:latin typeface="Calibri"/>
+                        </a:rPr>
+                        <a:t>Toujours garder plusieurs copies de la simulation à différentes étapes du projet et limiter l'utilisateur dans les manipulations potentiellement néfastes pour le fonctionnement du simulateur (avertissements dans la documentation)</a:t>
+                      </a:r>
+                    </a:p>
+                  </a:txBody>
+                  <a:tcPr marL="12700" marR="12700" marT="12700" marB="0" anchor="ctr"/>
+                </a:tc>
+                <a:tc>
+                  <a:txBody>
+                    <a:bodyPr/>
+                    <a:lstStyle/>
+                    <a:p>
+                      <a:pPr algn="ctr" fontAlgn="ctr"/>
+                      <a:r>
+                        <a:rPr lang="en-US" sz="1100" b="0" i="0" u="none" strike="noStrike" dirty="0">
+                          <a:solidFill>
+                            <a:srgbClr val="000000"/>
+                          </a:solidFill>
+                          <a:effectLst/>
+                          <a:latin typeface="Calibri"/>
+                        </a:rPr>
+                        <a:t>Daniel Thibodeau</a:t>
+                      </a:r>
+                    </a:p>
+                  </a:txBody>
+                  <a:tcPr marL="12700" marR="12700" marT="12700" marB="0" anchor="ctr"/>
+                </a:tc>
+              </a:tr>
+            </a:tbl>
+          </a:graphicData>
+        </a:graphic>
+      </p:graphicFrame>
+    </p:spTree>
+    <p:extLst>
+      <p:ext uri="{BB962C8B-B14F-4D97-AF65-F5344CB8AC3E}">
+        <p14:creationId xmlns:p14="http://schemas.microsoft.com/office/powerpoint/2010/main" val="1136454317"/>
       </p:ext>
     </p:extLst>
   </p:cSld>
@@ -8265,7 +11210,7 @@
   <a:extraClrSchemeLst/>
   <a:extLst>
     <a:ext uri="{05A4C25C-085E-4340-85A3-A5531E510DB2}">
-      <thm15:themeFamily xmlns="" xmlns:thm15="http://schemas.microsoft.com/office/thememl/2012/main" name="Facet" id="{C0C680CD-088A-49FC-A102-D699147F32B2}" vid="{CFBC31BA-B70F-4F30-BCAA-4F3011E16C4D}"/>
+      <thm15:themeFamily xmlns:thm15="http://schemas.microsoft.com/office/thememl/2012/main" xmlns="" name="Facet" id="{C0C680CD-088A-49FC-A102-D699147F32B2}" vid="{CFBC31BA-B70F-4F30-BCAA-4F3011E16C4D}"/>
     </a:ext>
   </a:extLst>
 </a:theme>

--- a/Remise/Remise 1/Presentation_Remise_1.pptx
+++ b/Remise/Remise 1/Presentation_Remise_1.pptx
@@ -847,7 +847,7 @@
           <a:p>
             <a:fld id="{5C8908A9-1E53-4D85-A76B-A28D8BCB5503}" type="datetimeFigureOut">
               <a:rPr lang="en-US" smtClean="0"/>
-              <a:t>1/24/2014</a:t>
+              <a:t>1/25/2014</a:t>
             </a:fld>
             <a:endParaRPr lang="en-US"/>
           </a:p>
@@ -889,7 +889,7 @@
           <a:p>
             <a:fld id="{83CAF439-82BC-4083-ACA7-1FC901220AC7}" type="slidenum">
               <a:rPr lang="en-US" smtClean="0"/>
-              <a:t>‹#›</a:t>
+              <a:t>‹N°›</a:t>
             </a:fld>
             <a:endParaRPr lang="en-US"/>
           </a:p>
@@ -1110,7 +1110,7 @@
           <a:p>
             <a:fld id="{5C8908A9-1E53-4D85-A76B-A28D8BCB5503}" type="datetimeFigureOut">
               <a:rPr lang="en-US" smtClean="0"/>
-              <a:t>1/24/2014</a:t>
+              <a:t>1/25/2014</a:t>
             </a:fld>
             <a:endParaRPr lang="en-US"/>
           </a:p>
@@ -1152,7 +1152,7 @@
           <a:p>
             <a:fld id="{83CAF439-82BC-4083-ACA7-1FC901220AC7}" type="slidenum">
               <a:rPr lang="en-US" smtClean="0"/>
-              <a:t>‹#›</a:t>
+              <a:t>‹N°›</a:t>
             </a:fld>
             <a:endParaRPr lang="en-US"/>
           </a:p>
@@ -1361,7 +1361,7 @@
           <a:p>
             <a:fld id="{5C8908A9-1E53-4D85-A76B-A28D8BCB5503}" type="datetimeFigureOut">
               <a:rPr lang="en-US" smtClean="0"/>
-              <a:t>1/24/2014</a:t>
+              <a:t>1/25/2014</a:t>
             </a:fld>
             <a:endParaRPr lang="en-US"/>
           </a:p>
@@ -1403,7 +1403,7 @@
           <a:p>
             <a:fld id="{83CAF439-82BC-4083-ACA7-1FC901220AC7}" type="slidenum">
               <a:rPr lang="en-US" smtClean="0"/>
-              <a:t>‹#›</a:t>
+              <a:t>‹N°›</a:t>
             </a:fld>
             <a:endParaRPr lang="en-US"/>
           </a:p>
@@ -1675,7 +1675,7 @@
           <a:p>
             <a:fld id="{5C8908A9-1E53-4D85-A76B-A28D8BCB5503}" type="datetimeFigureOut">
               <a:rPr lang="en-US" smtClean="0"/>
-              <a:t>1/24/2014</a:t>
+              <a:t>1/25/2014</a:t>
             </a:fld>
             <a:endParaRPr lang="en-US"/>
           </a:p>
@@ -1717,7 +1717,7 @@
           <a:p>
             <a:fld id="{83CAF439-82BC-4083-ACA7-1FC901220AC7}" type="slidenum">
               <a:rPr lang="en-US" smtClean="0"/>
-              <a:t>‹#›</a:t>
+              <a:t>‹N°›</a:t>
             </a:fld>
             <a:endParaRPr lang="en-US"/>
           </a:p>
@@ -2016,7 +2016,7 @@
           <a:p>
             <a:fld id="{5C8908A9-1E53-4D85-A76B-A28D8BCB5503}" type="datetimeFigureOut">
               <a:rPr lang="en-US" smtClean="0"/>
-              <a:t>1/24/2014</a:t>
+              <a:t>1/25/2014</a:t>
             </a:fld>
             <a:endParaRPr lang="en-US"/>
           </a:p>
@@ -2058,7 +2058,7 @@
           <a:p>
             <a:fld id="{83CAF439-82BC-4083-ACA7-1FC901220AC7}" type="slidenum">
               <a:rPr lang="en-US" smtClean="0"/>
-              <a:t>‹#›</a:t>
+              <a:t>‹N°›</a:t>
             </a:fld>
             <a:endParaRPr lang="en-US"/>
           </a:p>
@@ -2330,7 +2330,7 @@
           <a:p>
             <a:fld id="{5C8908A9-1E53-4D85-A76B-A28D8BCB5503}" type="datetimeFigureOut">
               <a:rPr lang="en-US" smtClean="0"/>
-              <a:t>1/24/2014</a:t>
+              <a:t>1/25/2014</a:t>
             </a:fld>
             <a:endParaRPr lang="en-US"/>
           </a:p>
@@ -2372,7 +2372,7 @@
           <a:p>
             <a:fld id="{83CAF439-82BC-4083-ACA7-1FC901220AC7}" type="slidenum">
               <a:rPr lang="en-US" smtClean="0"/>
-              <a:t>‹#›</a:t>
+              <a:t>‹N°›</a:t>
             </a:fld>
             <a:endParaRPr lang="en-US"/>
           </a:p>
@@ -2723,7 +2723,7 @@
           <a:p>
             <a:fld id="{5C8908A9-1E53-4D85-A76B-A28D8BCB5503}" type="datetimeFigureOut">
               <a:rPr lang="en-US" smtClean="0"/>
-              <a:t>1/24/2014</a:t>
+              <a:t>1/25/2014</a:t>
             </a:fld>
             <a:endParaRPr lang="en-US"/>
           </a:p>
@@ -2765,7 +2765,7 @@
           <a:p>
             <a:fld id="{83CAF439-82BC-4083-ACA7-1FC901220AC7}" type="slidenum">
               <a:rPr lang="en-US" smtClean="0"/>
-              <a:t>‹#›</a:t>
+              <a:t>‹N°›</a:t>
             </a:fld>
             <a:endParaRPr lang="en-US"/>
           </a:p>
@@ -2893,7 +2893,7 @@
           <a:p>
             <a:fld id="{5C8908A9-1E53-4D85-A76B-A28D8BCB5503}" type="datetimeFigureOut">
               <a:rPr lang="en-US" smtClean="0"/>
-              <a:t>1/24/2014</a:t>
+              <a:t>1/25/2014</a:t>
             </a:fld>
             <a:endParaRPr lang="en-US"/>
           </a:p>
@@ -2935,7 +2935,7 @@
           <a:p>
             <a:fld id="{83CAF439-82BC-4083-ACA7-1FC901220AC7}" type="slidenum">
               <a:rPr lang="en-US" smtClean="0"/>
-              <a:t>‹#›</a:t>
+              <a:t>‹N°›</a:t>
             </a:fld>
             <a:endParaRPr lang="en-US"/>
           </a:p>
@@ -3073,7 +3073,7 @@
           <a:p>
             <a:fld id="{5C8908A9-1E53-4D85-A76B-A28D8BCB5503}" type="datetimeFigureOut">
               <a:rPr lang="en-US" smtClean="0"/>
-              <a:t>1/24/2014</a:t>
+              <a:t>1/25/2014</a:t>
             </a:fld>
             <a:endParaRPr lang="en-US"/>
           </a:p>
@@ -3115,7 +3115,7 @@
           <a:p>
             <a:fld id="{83CAF439-82BC-4083-ACA7-1FC901220AC7}" type="slidenum">
               <a:rPr lang="en-US" smtClean="0"/>
-              <a:t>‹#›</a:t>
+              <a:t>‹N°›</a:t>
             </a:fld>
             <a:endParaRPr lang="en-US"/>
           </a:p>
@@ -3249,7 +3249,7 @@
           <a:p>
             <a:fld id="{5C8908A9-1E53-4D85-A76B-A28D8BCB5503}" type="datetimeFigureOut">
               <a:rPr lang="en-US" smtClean="0"/>
-              <a:t>1/24/2014</a:t>
+              <a:t>1/25/2014</a:t>
             </a:fld>
             <a:endParaRPr lang="en-US"/>
           </a:p>
@@ -3291,7 +3291,7 @@
           <a:p>
             <a:fld id="{83CAF439-82BC-4083-ACA7-1FC901220AC7}" type="slidenum">
               <a:rPr lang="en-US" smtClean="0"/>
-              <a:t>‹#›</a:t>
+              <a:t>‹N°›</a:t>
             </a:fld>
             <a:endParaRPr lang="en-US"/>
           </a:p>
@@ -3496,7 +3496,7 @@
           <a:p>
             <a:fld id="{5C8908A9-1E53-4D85-A76B-A28D8BCB5503}" type="datetimeFigureOut">
               <a:rPr lang="en-US" smtClean="0"/>
-              <a:t>1/24/2014</a:t>
+              <a:t>1/25/2014</a:t>
             </a:fld>
             <a:endParaRPr lang="en-US"/>
           </a:p>
@@ -3538,7 +3538,7 @@
           <a:p>
             <a:fld id="{83CAF439-82BC-4083-ACA7-1FC901220AC7}" type="slidenum">
               <a:rPr lang="en-US" smtClean="0"/>
-              <a:t>‹#›</a:t>
+              <a:t>‹N°›</a:t>
             </a:fld>
             <a:endParaRPr lang="en-US"/>
           </a:p>
@@ -3728,7 +3728,7 @@
           <a:p>
             <a:fld id="{5C8908A9-1E53-4D85-A76B-A28D8BCB5503}" type="datetimeFigureOut">
               <a:rPr lang="en-US" smtClean="0"/>
-              <a:t>1/24/2014</a:t>
+              <a:t>1/25/2014</a:t>
             </a:fld>
             <a:endParaRPr lang="en-US"/>
           </a:p>
@@ -3770,7 +3770,7 @@
           <a:p>
             <a:fld id="{83CAF439-82BC-4083-ACA7-1FC901220AC7}" type="slidenum">
               <a:rPr lang="en-US" smtClean="0"/>
-              <a:t>‹#›</a:t>
+              <a:t>‹N°›</a:t>
             </a:fld>
             <a:endParaRPr lang="en-US"/>
           </a:p>
@@ -4102,7 +4102,7 @@
           <a:p>
             <a:fld id="{5C8908A9-1E53-4D85-A76B-A28D8BCB5503}" type="datetimeFigureOut">
               <a:rPr lang="en-US" smtClean="0"/>
-              <a:t>1/24/2014</a:t>
+              <a:t>1/25/2014</a:t>
             </a:fld>
             <a:endParaRPr lang="en-US"/>
           </a:p>
@@ -4144,7 +4144,7 @@
           <a:p>
             <a:fld id="{83CAF439-82BC-4083-ACA7-1FC901220AC7}" type="slidenum">
               <a:rPr lang="en-US" smtClean="0"/>
-              <a:t>‹#›</a:t>
+              <a:t>‹N°›</a:t>
             </a:fld>
             <a:endParaRPr lang="en-US"/>
           </a:p>
@@ -4225,7 +4225,7 @@
           <a:p>
             <a:fld id="{5C8908A9-1E53-4D85-A76B-A28D8BCB5503}" type="datetimeFigureOut">
               <a:rPr lang="en-US" smtClean="0"/>
-              <a:t>1/24/2014</a:t>
+              <a:t>1/25/2014</a:t>
             </a:fld>
             <a:endParaRPr lang="en-US"/>
           </a:p>
@@ -4267,7 +4267,7 @@
           <a:p>
             <a:fld id="{83CAF439-82BC-4083-ACA7-1FC901220AC7}" type="slidenum">
               <a:rPr lang="en-US" smtClean="0"/>
-              <a:t>‹#›</a:t>
+              <a:t>‹N°›</a:t>
             </a:fld>
             <a:endParaRPr lang="en-US"/>
           </a:p>
@@ -4320,7 +4320,7 @@
           <a:p>
             <a:fld id="{5C8908A9-1E53-4D85-A76B-A28D8BCB5503}" type="datetimeFigureOut">
               <a:rPr lang="en-US" smtClean="0"/>
-              <a:t>1/24/2014</a:t>
+              <a:t>1/25/2014</a:t>
             </a:fld>
             <a:endParaRPr lang="en-US"/>
           </a:p>
@@ -4362,7 +4362,7 @@
           <a:p>
             <a:fld id="{83CAF439-82BC-4083-ACA7-1FC901220AC7}" type="slidenum">
               <a:rPr lang="en-US" smtClean="0"/>
-              <a:t>‹#›</a:t>
+              <a:t>‹N°›</a:t>
             </a:fld>
             <a:endParaRPr lang="en-US"/>
           </a:p>
@@ -4420,7 +4420,7 @@
           <a:p>
             <a:fld id="{5C8908A9-1E53-4D85-A76B-A28D8BCB5503}" type="datetimeFigureOut">
               <a:rPr lang="en-US" smtClean="0"/>
-              <a:t>1/24/2014</a:t>
+              <a:t>1/25/2014</a:t>
             </a:fld>
             <a:endParaRPr lang="en-US" dirty="0"/>
           </a:p>
@@ -4472,7 +4472,7 @@
           <a:p>
             <a:fld id="{83CAF439-82BC-4083-ACA7-1FC901220AC7}" type="slidenum">
               <a:rPr lang="en-US" smtClean="0"/>
-              <a:t>‹#›</a:t>
+              <a:t>‹N°›</a:t>
             </a:fld>
             <a:endParaRPr lang="en-US"/>
           </a:p>
@@ -5215,7 +5215,7 @@
           <a:p>
             <a:fld id="{5C8908A9-1E53-4D85-A76B-A28D8BCB5503}" type="datetimeFigureOut">
               <a:rPr lang="en-US" smtClean="0"/>
-              <a:t>1/24/2014</a:t>
+              <a:t>1/25/2014</a:t>
             </a:fld>
             <a:endParaRPr lang="en-US"/>
           </a:p>
@@ -5257,7 +5257,7 @@
           <a:p>
             <a:fld id="{83CAF439-82BC-4083-ACA7-1FC901220AC7}" type="slidenum">
               <a:rPr lang="en-US" smtClean="0"/>
-              <a:t>‹#›</a:t>
+              <a:t>‹N°›</a:t>
             </a:fld>
             <a:endParaRPr lang="en-US"/>
           </a:p>
@@ -5977,7 +5977,7 @@
           <a:p>
             <a:fld id="{5C8908A9-1E53-4D85-A76B-A28D8BCB5503}" type="datetimeFigureOut">
               <a:rPr lang="en-US" smtClean="0"/>
-              <a:t>1/24/2014</a:t>
+              <a:t>1/25/2014</a:t>
             </a:fld>
             <a:endParaRPr lang="en-US"/>
           </a:p>
@@ -6053,7 +6053,7 @@
           <a:p>
             <a:fld id="{83CAF439-82BC-4083-ACA7-1FC901220AC7}" type="slidenum">
               <a:rPr lang="en-US" smtClean="0"/>
-              <a:t>‹#›</a:t>
+              <a:t>‹N°›</a:t>
             </a:fld>
             <a:endParaRPr lang="en-US"/>
           </a:p>
@@ -6576,7 +6576,7 @@
   <p:timing>
     <p:tnLst>
       <p:par>
-        <p:cTn xmlns:p14="http://schemas.microsoft.com/office/powerpoint/2010/main" id="1" dur="indefinite" restart="never" nodeType="tmRoot"/>
+        <p:cTn id="1" dur="indefinite" restart="never" nodeType="tmRoot"/>
       </p:par>
     </p:tnLst>
   </p:timing>
@@ -6657,18 +6657,92 @@
             <a:pPr marL="0" indent="0">
               <a:buNone/>
             </a:pPr>
-            <a:r>
-              <a:rPr lang="en-US" sz="2800" dirty="0" smtClean="0"/>
-              <a:t>Tests </a:t>
-            </a:r>
-            <a:r>
-              <a:rPr lang="en-US" sz="2800" dirty="0" err="1" smtClean="0"/>
-              <a:t>préliminaires</a:t>
-            </a:r>
             <a:endParaRPr lang="en-US" sz="2800" dirty="0"/>
           </a:p>
         </p:txBody>
       </p:sp>
+      <p:pic>
+        <p:nvPicPr>
+          <p:cNvPr id="2050" name="Picture 2" descr="D:\LiberT\Desktop\simu.png"/>
+          <p:cNvPicPr>
+            <a:picLocks noChangeAspect="1" noChangeArrowheads="1"/>
+          </p:cNvPicPr>
+          <p:nvPr/>
+        </p:nvPicPr>
+        <p:blipFill>
+          <a:blip r:embed="rId2">
+            <a:extLst>
+              <a:ext uri="{28A0092B-C50C-407E-A947-70E740481C1C}">
+                <a14:useLocalDpi xmlns:a14="http://schemas.microsoft.com/office/drawing/2010/main" val="0"/>
+              </a:ext>
+            </a:extLst>
+          </a:blip>
+          <a:srcRect/>
+          <a:stretch>
+            <a:fillRect/>
+          </a:stretch>
+        </p:blipFill>
+        <p:spPr bwMode="auto">
+          <a:xfrm>
+            <a:off x="304799" y="1473201"/>
+            <a:ext cx="6950628" cy="3589866"/>
+          </a:xfrm>
+          <a:prstGeom prst="rect">
+            <a:avLst/>
+          </a:prstGeom>
+          <a:noFill/>
+          <a:extLst>
+            <a:ext uri="{909E8E84-426E-40DD-AFC4-6F175D3DCCD1}">
+              <a14:hiddenFill xmlns:a14="http://schemas.microsoft.com/office/drawing/2010/main">
+                <a:solidFill>
+                  <a:srgbClr val="FFFFFF"/>
+                </a:solidFill>
+              </a14:hiddenFill>
+            </a:ext>
+          </a:extLst>
+        </p:spPr>
+      </p:pic>
+      <p:pic>
+        <p:nvPicPr>
+          <p:cNvPr id="2051" name="Picture 3" descr="D:\LiberT\Desktop\à la source.JPG"/>
+          <p:cNvPicPr>
+            <a:picLocks noChangeAspect="1" noChangeArrowheads="1"/>
+          </p:cNvPicPr>
+          <p:nvPr/>
+        </p:nvPicPr>
+        <p:blipFill>
+          <a:blip r:embed="rId3">
+            <a:extLst>
+              <a:ext uri="{28A0092B-C50C-407E-A947-70E740481C1C}">
+                <a14:useLocalDpi xmlns:a14="http://schemas.microsoft.com/office/drawing/2010/main" val="0"/>
+              </a:ext>
+            </a:extLst>
+          </a:blip>
+          <a:srcRect/>
+          <a:stretch>
+            <a:fillRect/>
+          </a:stretch>
+        </p:blipFill>
+        <p:spPr bwMode="auto">
+          <a:xfrm>
+            <a:off x="6129867" y="2759075"/>
+            <a:ext cx="7104062" cy="3829050"/>
+          </a:xfrm>
+          <a:prstGeom prst="rect">
+            <a:avLst/>
+          </a:prstGeom>
+          <a:noFill/>
+          <a:extLst>
+            <a:ext uri="{909E8E84-426E-40DD-AFC4-6F175D3DCCD1}">
+              <a14:hiddenFill xmlns:a14="http://schemas.microsoft.com/office/drawing/2010/main">
+                <a:solidFill>
+                  <a:srgbClr val="FFFFFF"/>
+                </a:solidFill>
+              </a14:hiddenFill>
+            </a:ext>
+          </a:extLst>
+        </p:spPr>
+      </p:pic>
     </p:spTree>
     <p:extLst>
       <p:ext uri="{BB962C8B-B14F-4D97-AF65-F5344CB8AC3E}">
@@ -6768,7 +6842,7 @@
           <p:nvPr/>
         </p:nvPicPr>
         <p:blipFill>
-          <a:blip r:embed="rId2">
+          <a:blip r:embed="rId2" cstate="print">
             <a:extLst>
               <a:ext uri="{28A0092B-C50C-407E-A947-70E740481C1C}">
                 <a14:useLocalDpi xmlns:a14="http://schemas.microsoft.com/office/drawing/2010/main" val="0"/>
@@ -6831,7 +6905,9 @@
         </p:nvSpPr>
         <p:spPr/>
         <p:txBody>
-          <a:bodyPr/>
+          <a:bodyPr>
+            <a:normAutofit fontScale="90000"/>
+          </a:bodyPr>
           <a:lstStyle/>
           <a:p>
             <a:pPr algn="r"/>
@@ -6937,11 +7013,7 @@
             <a:pPr lvl="2"/>
             <a:r>
               <a:rPr lang="fr-FR" sz="2400" dirty="0" smtClean="0"/>
-              <a:t>Puissance cr</a:t>
-            </a:r>
-            <a:r>
-              <a:rPr lang="fr-FR" sz="2400" dirty="0" smtClean="0"/>
-              <a:t>ête (MW)</a:t>
+              <a:t>Puissance crête (MW)</a:t>
             </a:r>
           </a:p>
         </p:txBody>
@@ -6988,7 +7060,9 @@
         </p:nvSpPr>
         <p:spPr/>
         <p:txBody>
-          <a:bodyPr/>
+          <a:bodyPr>
+            <a:normAutofit fontScale="90000"/>
+          </a:bodyPr>
           <a:lstStyle/>
           <a:p>
             <a:pPr algn="r"/>
@@ -7045,11 +7119,7 @@
             <a:pPr lvl="2"/>
             <a:r>
               <a:rPr lang="fr-FR" sz="2400" dirty="0" smtClean="0"/>
-              <a:t>Effort du contr</a:t>
-            </a:r>
-            <a:r>
-              <a:rPr lang="fr-FR" sz="2400" dirty="0" smtClean="0"/>
-              <a:t>ôleur (% par seconde de la variation de la commande)</a:t>
+              <a:t>Effort du contrôleur (% par seconde de la variation de la commande)</a:t>
             </a:r>
           </a:p>
           <a:p>
@@ -7128,11 +7198,7 @@
             <a:pPr lvl="2"/>
             <a:r>
               <a:rPr lang="fr-FR" sz="2400" dirty="0" smtClean="0"/>
-              <a:t>Puissance cr</a:t>
-            </a:r>
-            <a:r>
-              <a:rPr lang="fr-FR" sz="2400" dirty="0" smtClean="0"/>
-              <a:t>ête (MW)</a:t>
+              <a:t>Puissance crête (MW)</a:t>
             </a:r>
           </a:p>
           <a:p>
@@ -7203,7 +7269,9 @@
         </p:nvSpPr>
         <p:spPr/>
         <p:txBody>
-          <a:bodyPr/>
+          <a:bodyPr>
+            <a:normAutofit fontScale="90000"/>
+          </a:bodyPr>
           <a:lstStyle/>
           <a:p>
             <a:pPr algn="r"/>
@@ -7349,7 +7417,9 @@
         </p:nvSpPr>
         <p:spPr/>
         <p:txBody>
-          <a:bodyPr/>
+          <a:bodyPr>
+            <a:normAutofit fontScale="90000"/>
+          </a:bodyPr>
           <a:lstStyle/>
           <a:p>
             <a:pPr algn="r"/>
@@ -9936,7 +10006,7 @@
   <p:timing>
     <p:tnLst>
       <p:par>
-        <p:cTn xmlns:p14="http://schemas.microsoft.com/office/powerpoint/2010/main" id="1" dur="indefinite" restart="never" nodeType="tmRoot"/>
+        <p:cTn id="1" dur="indefinite" restart="never" nodeType="tmRoot"/>
       </p:par>
     </p:tnLst>
   </p:timing>
@@ -10088,7 +10158,7 @@
   <p:timing>
     <p:tnLst>
       <p:par>
-        <p:cTn xmlns:p14="http://schemas.microsoft.com/office/powerpoint/2010/main" id="1" dur="indefinite" restart="never" nodeType="tmRoot"/>
+        <p:cTn id="1" dur="indefinite" restart="never" nodeType="tmRoot"/>
       </p:par>
     </p:tnLst>
   </p:timing>
@@ -10225,7 +10295,7 @@
   <p:timing>
     <p:tnLst>
       <p:par>
-        <p:cTn xmlns:p14="http://schemas.microsoft.com/office/powerpoint/2010/main" id="1" dur="indefinite" restart="never" nodeType="tmRoot"/>
+        <p:cTn id="1" dur="indefinite" restart="never" nodeType="tmRoot"/>
       </p:par>
     </p:tnLst>
   </p:timing>
@@ -10906,6 +10976,47 @@
           </a:p>
         </p:txBody>
       </p:sp>
+      <p:pic>
+        <p:nvPicPr>
+          <p:cNvPr id="1026" name="Picture 2" descr="D:\LiberT\Desktop\schéma.png"/>
+          <p:cNvPicPr>
+            <a:picLocks noChangeAspect="1" noChangeArrowheads="1"/>
+          </p:cNvPicPr>
+          <p:nvPr/>
+        </p:nvPicPr>
+        <p:blipFill>
+          <a:blip r:embed="rId2">
+            <a:extLst>
+              <a:ext uri="{28A0092B-C50C-407E-A947-70E740481C1C}">
+                <a14:useLocalDpi xmlns:a14="http://schemas.microsoft.com/office/drawing/2010/main" val="0"/>
+              </a:ext>
+            </a:extLst>
+          </a:blip>
+          <a:srcRect/>
+          <a:stretch>
+            <a:fillRect/>
+          </a:stretch>
+        </p:blipFill>
+        <p:spPr bwMode="auto">
+          <a:xfrm>
+            <a:off x="1574800" y="1371599"/>
+            <a:ext cx="9245600" cy="5137679"/>
+          </a:xfrm>
+          <a:prstGeom prst="rect">
+            <a:avLst/>
+          </a:prstGeom>
+          <a:noFill/>
+          <a:extLst>
+            <a:ext uri="{909E8E84-426E-40DD-AFC4-6F175D3DCCD1}">
+              <a14:hiddenFill xmlns:a14="http://schemas.microsoft.com/office/drawing/2010/main">
+                <a:solidFill>
+                  <a:srgbClr val="FFFFFF"/>
+                </a:solidFill>
+              </a14:hiddenFill>
+            </a:ext>
+          </a:extLst>
+        </p:spPr>
+      </p:pic>
       <p:sp>
         <p:nvSpPr>
           <p:cNvPr id="3" name="Content Placeholder 2"/>
@@ -10916,7 +11027,12 @@
             <p:ph idx="1"/>
           </p:nvPr>
         </p:nvSpPr>
-        <p:spPr/>
+        <p:spPr>
+          <a:xfrm>
+            <a:off x="663132" y="4233333"/>
+            <a:ext cx="3516669" cy="3264295"/>
+          </a:xfrm>
+        </p:spPr>
         <p:txBody>
           <a:bodyPr>
             <a:normAutofit/>
@@ -10927,20 +11043,12 @@
               <a:buNone/>
             </a:pPr>
             <a:r>
+              <a:rPr lang="en-US" sz="2800" dirty="0" err="1" smtClean="0"/>
+              <a:t>Schéma</a:t>
+            </a:r>
+            <a:r>
               <a:rPr lang="en-US" sz="2800" dirty="0" smtClean="0"/>
-              <a:t>Revue de </a:t>
-            </a:r>
-            <a:r>
-              <a:rPr lang="en-US" sz="2800" dirty="0" err="1" smtClean="0"/>
-              <a:t>l’état</a:t>
-            </a:r>
-            <a:r>
-              <a:rPr lang="en-US" sz="2800" dirty="0" smtClean="0"/>
-              <a:t> de </a:t>
-            </a:r>
-            <a:r>
-              <a:rPr lang="en-US" sz="2800" dirty="0" err="1" smtClean="0"/>
-              <a:t>l’art</a:t>
+              <a:t> d’un NPC à 3 Level de base</a:t>
             </a:r>
             <a:endParaRPr lang="en-US" sz="2800" dirty="0"/>
           </a:p>
@@ -11210,7 +11318,7 @@
   <a:extraClrSchemeLst/>
   <a:extLst>
     <a:ext uri="{05A4C25C-085E-4340-85A3-A5531E510DB2}">
-      <thm15:themeFamily xmlns:thm15="http://schemas.microsoft.com/office/thememl/2012/main" xmlns="" name="Facet" id="{C0C680CD-088A-49FC-A102-D699147F32B2}" vid="{CFBC31BA-B70F-4F30-BCAA-4F3011E16C4D}"/>
+      <thm15:themeFamily xmlns="" xmlns:thm15="http://schemas.microsoft.com/office/thememl/2012/main" name="Facet" id="{C0C680CD-088A-49FC-A102-D699147F32B2}" vid="{CFBC31BA-B70F-4F30-BCAA-4F3011E16C4D}"/>
     </a:ext>
   </a:extLst>
 </a:theme>

--- a/Remise/Remise 1/Presentation_Remise_1.pptx
+++ b/Remise/Remise 1/Presentation_Remise_1.pptx
@@ -122,6 +122,22 @@
       </a:defRPr>
     </a:lvl9pPr>
   </p:defaultTextStyle>
+  <p:extLst>
+    <p:ext uri="{EFAFB233-063F-42B5-8137-9DF3F51BA10A}">
+      <p15:sldGuideLst xmlns:p15="http://schemas.microsoft.com/office/powerpoint/2012/main">
+        <p15:guide id="1" orient="horz" pos="2160">
+          <p15:clr>
+            <a:srgbClr val="A4A3A4"/>
+          </p15:clr>
+        </p15:guide>
+        <p15:guide id="2" pos="3840">
+          <p15:clr>
+            <a:srgbClr val="A4A3A4"/>
+          </p15:clr>
+        </p15:guide>
+      </p15:sldGuideLst>
+    </p:ext>
+  </p:extLst>
 </p:presentation>
 </file>
 
@@ -889,7 +905,7 @@
           <a:p>
             <a:fld id="{83CAF439-82BC-4083-ACA7-1FC901220AC7}" type="slidenum">
               <a:rPr lang="en-US" smtClean="0"/>
-              <a:t>‹N°›</a:t>
+              <a:t>‹#›</a:t>
             </a:fld>
             <a:endParaRPr lang="en-US"/>
           </a:p>
@@ -1152,7 +1168,7 @@
           <a:p>
             <a:fld id="{83CAF439-82BC-4083-ACA7-1FC901220AC7}" type="slidenum">
               <a:rPr lang="en-US" smtClean="0"/>
-              <a:t>‹N°›</a:t>
+              <a:t>‹#›</a:t>
             </a:fld>
             <a:endParaRPr lang="en-US"/>
           </a:p>
@@ -1403,7 +1419,7 @@
           <a:p>
             <a:fld id="{83CAF439-82BC-4083-ACA7-1FC901220AC7}" type="slidenum">
               <a:rPr lang="en-US" smtClean="0"/>
-              <a:t>‹N°›</a:t>
+              <a:t>‹#›</a:t>
             </a:fld>
             <a:endParaRPr lang="en-US"/>
           </a:p>
@@ -1717,7 +1733,7 @@
           <a:p>
             <a:fld id="{83CAF439-82BC-4083-ACA7-1FC901220AC7}" type="slidenum">
               <a:rPr lang="en-US" smtClean="0"/>
-              <a:t>‹N°›</a:t>
+              <a:t>‹#›</a:t>
             </a:fld>
             <a:endParaRPr lang="en-US"/>
           </a:p>
@@ -2058,7 +2074,7 @@
           <a:p>
             <a:fld id="{83CAF439-82BC-4083-ACA7-1FC901220AC7}" type="slidenum">
               <a:rPr lang="en-US" smtClean="0"/>
-              <a:t>‹N°›</a:t>
+              <a:t>‹#›</a:t>
             </a:fld>
             <a:endParaRPr lang="en-US"/>
           </a:p>
@@ -2372,7 +2388,7 @@
           <a:p>
             <a:fld id="{83CAF439-82BC-4083-ACA7-1FC901220AC7}" type="slidenum">
               <a:rPr lang="en-US" smtClean="0"/>
-              <a:t>‹N°›</a:t>
+              <a:t>‹#›</a:t>
             </a:fld>
             <a:endParaRPr lang="en-US"/>
           </a:p>
@@ -2765,7 +2781,7 @@
           <a:p>
             <a:fld id="{83CAF439-82BC-4083-ACA7-1FC901220AC7}" type="slidenum">
               <a:rPr lang="en-US" smtClean="0"/>
-              <a:t>‹N°›</a:t>
+              <a:t>‹#›</a:t>
             </a:fld>
             <a:endParaRPr lang="en-US"/>
           </a:p>
@@ -2935,7 +2951,7 @@
           <a:p>
             <a:fld id="{83CAF439-82BC-4083-ACA7-1FC901220AC7}" type="slidenum">
               <a:rPr lang="en-US" smtClean="0"/>
-              <a:t>‹N°›</a:t>
+              <a:t>‹#›</a:t>
             </a:fld>
             <a:endParaRPr lang="en-US"/>
           </a:p>
@@ -3115,7 +3131,7 @@
           <a:p>
             <a:fld id="{83CAF439-82BC-4083-ACA7-1FC901220AC7}" type="slidenum">
               <a:rPr lang="en-US" smtClean="0"/>
-              <a:t>‹N°›</a:t>
+              <a:t>‹#›</a:t>
             </a:fld>
             <a:endParaRPr lang="en-US"/>
           </a:p>
@@ -3291,7 +3307,7 @@
           <a:p>
             <a:fld id="{83CAF439-82BC-4083-ACA7-1FC901220AC7}" type="slidenum">
               <a:rPr lang="en-US" smtClean="0"/>
-              <a:t>‹N°›</a:t>
+              <a:t>‹#›</a:t>
             </a:fld>
             <a:endParaRPr lang="en-US"/>
           </a:p>
@@ -3538,7 +3554,7 @@
           <a:p>
             <a:fld id="{83CAF439-82BC-4083-ACA7-1FC901220AC7}" type="slidenum">
               <a:rPr lang="en-US" smtClean="0"/>
-              <a:t>‹N°›</a:t>
+              <a:t>‹#›</a:t>
             </a:fld>
             <a:endParaRPr lang="en-US"/>
           </a:p>
@@ -3770,7 +3786,7 @@
           <a:p>
             <a:fld id="{83CAF439-82BC-4083-ACA7-1FC901220AC7}" type="slidenum">
               <a:rPr lang="en-US" smtClean="0"/>
-              <a:t>‹N°›</a:t>
+              <a:t>‹#›</a:t>
             </a:fld>
             <a:endParaRPr lang="en-US"/>
           </a:p>
@@ -4144,7 +4160,7 @@
           <a:p>
             <a:fld id="{83CAF439-82BC-4083-ACA7-1FC901220AC7}" type="slidenum">
               <a:rPr lang="en-US" smtClean="0"/>
-              <a:t>‹N°›</a:t>
+              <a:t>‹#›</a:t>
             </a:fld>
             <a:endParaRPr lang="en-US"/>
           </a:p>
@@ -4267,7 +4283,7 @@
           <a:p>
             <a:fld id="{83CAF439-82BC-4083-ACA7-1FC901220AC7}" type="slidenum">
               <a:rPr lang="en-US" smtClean="0"/>
-              <a:t>‹N°›</a:t>
+              <a:t>‹#›</a:t>
             </a:fld>
             <a:endParaRPr lang="en-US"/>
           </a:p>
@@ -4362,7 +4378,7 @@
           <a:p>
             <a:fld id="{83CAF439-82BC-4083-ACA7-1FC901220AC7}" type="slidenum">
               <a:rPr lang="en-US" smtClean="0"/>
-              <a:t>‹N°›</a:t>
+              <a:t>‹#›</a:t>
             </a:fld>
             <a:endParaRPr lang="en-US"/>
           </a:p>
@@ -4472,7 +4488,7 @@
           <a:p>
             <a:fld id="{83CAF439-82BC-4083-ACA7-1FC901220AC7}" type="slidenum">
               <a:rPr lang="en-US" smtClean="0"/>
-              <a:t>‹N°›</a:t>
+              <a:t>‹#›</a:t>
             </a:fld>
             <a:endParaRPr lang="en-US"/>
           </a:p>
@@ -5257,7 +5273,7 @@
           <a:p>
             <a:fld id="{83CAF439-82BC-4083-ACA7-1FC901220AC7}" type="slidenum">
               <a:rPr lang="en-US" smtClean="0"/>
-              <a:t>‹N°›</a:t>
+              <a:t>‹#›</a:t>
             </a:fld>
             <a:endParaRPr lang="en-US"/>
           </a:p>
@@ -6053,7 +6069,7 @@
           <a:p>
             <a:fld id="{83CAF439-82BC-4083-ACA7-1FC901220AC7}" type="slidenum">
               <a:rPr lang="en-US" smtClean="0"/>
-              <a:t>‹N°›</a:t>
+              <a:t>‹#›</a:t>
             </a:fld>
             <a:endParaRPr lang="en-US"/>
           </a:p>
@@ -6725,7 +6741,7 @@
         </p:blipFill>
         <p:spPr bwMode="auto">
           <a:xfrm>
-            <a:off x="6129867" y="2759075"/>
+            <a:off x="4975668" y="2794001"/>
             <a:ext cx="7104062" cy="3829050"/>
           </a:xfrm>
           <a:prstGeom prst="rect">
@@ -10999,13 +11015,21 @@
         </p:blipFill>
         <p:spPr bwMode="auto">
           <a:xfrm>
-            <a:off x="1574800" y="1371599"/>
-            <a:ext cx="9245600" cy="5137679"/>
+            <a:off x="1193800" y="1930400"/>
+            <a:ext cx="9245600" cy="4720393"/>
           </a:xfrm>
           <a:prstGeom prst="rect">
             <a:avLst/>
           </a:prstGeom>
           <a:noFill/>
+          <a:ln w="19050">
+            <a:solidFill>
+              <a:schemeClr val="accent1">
+                <a:lumMod val="60000"/>
+                <a:lumOff val="40000"/>
+              </a:schemeClr>
+            </a:solidFill>
+          </a:ln>
           <a:extLst>
             <a:ext uri="{909E8E84-426E-40DD-AFC4-6F175D3DCCD1}">
               <a14:hiddenFill xmlns:a14="http://schemas.microsoft.com/office/drawing/2010/main">
@@ -11019,38 +11043,123 @@
       </p:pic>
       <p:sp>
         <p:nvSpPr>
-          <p:cNvPr id="3" name="Content Placeholder 2"/>
-          <p:cNvSpPr>
-            <a:spLocks noGrp="1"/>
-          </p:cNvSpPr>
-          <p:nvPr>
-            <p:ph idx="1"/>
-          </p:nvPr>
+          <p:cNvPr id="5" name="Title 1"/>
+          <p:cNvSpPr txBox="1">
+            <a:spLocks/>
+          </p:cNvSpPr>
+          <p:nvPr/>
         </p:nvSpPr>
         <p:spPr>
           <a:xfrm>
-            <a:off x="663132" y="4233333"/>
-            <a:ext cx="3516669" cy="3264295"/>
+            <a:off x="1200476" y="1426029"/>
+            <a:ext cx="9238924" cy="1320800"/>
           </a:xfrm>
+          <a:prstGeom prst="rect">
+            <a:avLst/>
+          </a:prstGeom>
         </p:spPr>
         <p:txBody>
-          <a:bodyPr>
+          <a:bodyPr vert="horz" lIns="91440" tIns="45720" rIns="91440" bIns="45720" rtlCol="0" anchor="t">
             <a:normAutofit/>
           </a:bodyPr>
-          <a:lstStyle/>
-          <a:p>
-            <a:pPr marL="0" indent="0">
-              <a:buNone/>
-            </a:pPr>
-            <a:r>
-              <a:rPr lang="en-US" sz="2800" dirty="0" err="1" smtClean="0"/>
+          <a:lstStyle>
+            <a:lvl1pPr algn="l" defTabSz="457200" rtl="0" eaLnBrk="1" latinLnBrk="0" hangingPunct="1">
+              <a:spcBef>
+                <a:spcPct val="0"/>
+              </a:spcBef>
+              <a:buNone/>
+              <a:defRPr sz="3600" kern="1200">
+                <a:solidFill>
+                  <a:schemeClr val="accent1"/>
+                </a:solidFill>
+                <a:latin typeface="+mj-lt"/>
+                <a:ea typeface="+mj-ea"/>
+                <a:cs typeface="+mj-cs"/>
+              </a:defRPr>
+            </a:lvl1pPr>
+            <a:lvl2pPr eaLnBrk="1" hangingPunct="1">
+              <a:defRPr>
+                <a:solidFill>
+                  <a:schemeClr val="tx2"/>
+                </a:solidFill>
+              </a:defRPr>
+            </a:lvl2pPr>
+            <a:lvl3pPr eaLnBrk="1" hangingPunct="1">
+              <a:defRPr>
+                <a:solidFill>
+                  <a:schemeClr val="tx2"/>
+                </a:solidFill>
+              </a:defRPr>
+            </a:lvl3pPr>
+            <a:lvl4pPr eaLnBrk="1" hangingPunct="1">
+              <a:defRPr>
+                <a:solidFill>
+                  <a:schemeClr val="tx2"/>
+                </a:solidFill>
+              </a:defRPr>
+            </a:lvl4pPr>
+            <a:lvl5pPr eaLnBrk="1" hangingPunct="1">
+              <a:defRPr>
+                <a:solidFill>
+                  <a:schemeClr val="tx2"/>
+                </a:solidFill>
+              </a:defRPr>
+            </a:lvl5pPr>
+            <a:lvl6pPr eaLnBrk="1" hangingPunct="1">
+              <a:defRPr>
+                <a:solidFill>
+                  <a:schemeClr val="tx2"/>
+                </a:solidFill>
+              </a:defRPr>
+            </a:lvl6pPr>
+            <a:lvl7pPr eaLnBrk="1" hangingPunct="1">
+              <a:defRPr>
+                <a:solidFill>
+                  <a:schemeClr val="tx2"/>
+                </a:solidFill>
+              </a:defRPr>
+            </a:lvl7pPr>
+            <a:lvl8pPr eaLnBrk="1" hangingPunct="1">
+              <a:defRPr>
+                <a:solidFill>
+                  <a:schemeClr val="tx2"/>
+                </a:solidFill>
+              </a:defRPr>
+            </a:lvl8pPr>
+            <a:lvl9pPr eaLnBrk="1" hangingPunct="1">
+              <a:defRPr>
+                <a:solidFill>
+                  <a:schemeClr val="tx2"/>
+                </a:solidFill>
+              </a:defRPr>
+            </a:lvl9pPr>
+          </a:lstStyle>
+          <a:p>
+            <a:pPr algn="ctr"/>
+            <a:r>
+              <a:rPr lang="en-US" sz="2400" dirty="0" err="1" smtClean="0"/>
               <a:t>Schéma</a:t>
             </a:r>
             <a:r>
-              <a:rPr lang="en-US" sz="2800" dirty="0" smtClean="0"/>
-              <a:t> d’un NPC à 3 Level de base</a:t>
-            </a:r>
-            <a:endParaRPr lang="en-US" sz="2800" dirty="0"/>
+              <a:rPr lang="en-US" sz="2400" dirty="0" smtClean="0"/>
+              <a:t> d’un </a:t>
+            </a:r>
+            <a:r>
+              <a:rPr lang="en-US" sz="2400" dirty="0" err="1" smtClean="0"/>
+              <a:t>redresseur</a:t>
+            </a:r>
+            <a:r>
+              <a:rPr lang="en-US" sz="2400" dirty="0" smtClean="0"/>
+              <a:t> NPC à 3 </a:t>
+            </a:r>
+            <a:r>
+              <a:rPr lang="en-US" sz="2400" dirty="0" err="1" smtClean="0"/>
+              <a:t>niveaux</a:t>
+            </a:r>
+            <a:r>
+              <a:rPr lang="en-US" sz="2400" dirty="0" smtClean="0"/>
+              <a:t> de base</a:t>
+            </a:r>
           </a:p>
         </p:txBody>
       </p:sp>
@@ -11318,7 +11427,7 @@
   <a:extraClrSchemeLst/>
   <a:extLst>
     <a:ext uri="{05A4C25C-085E-4340-85A3-A5531E510DB2}">
-      <thm15:themeFamily xmlns="" xmlns:thm15="http://schemas.microsoft.com/office/thememl/2012/main" name="Facet" id="{C0C680CD-088A-49FC-A102-D699147F32B2}" vid="{CFBC31BA-B70F-4F30-BCAA-4F3011E16C4D}"/>
+      <thm15:themeFamily xmlns:thm15="http://schemas.microsoft.com/office/thememl/2012/main" name="Facet" id="{C0C680CD-088A-49FC-A102-D699147F32B2}" vid="{CFBC31BA-B70F-4F30-BCAA-4F3011E16C4D}"/>
     </a:ext>
   </a:extLst>
 </a:theme>

--- a/Remise/Remise 1/Presentation_Remise_1.pptx
+++ b/Remise/Remise 1/Presentation_Remise_1.pptx
@@ -24,6 +24,9 @@
     <p:sldId id="268" r:id="rId18"/>
     <p:sldId id="269" r:id="rId19"/>
     <p:sldId id="270" r:id="rId20"/>
+    <p:sldId id="275" r:id="rId21"/>
+    <p:sldId id="276" r:id="rId22"/>
+    <p:sldId id="277" r:id="rId23"/>
   </p:sldIdLst>
   <p:sldSz cx="12192000" cy="6858000"/>
   <p:notesSz cx="6858000" cy="9144000"/>
@@ -9893,6 +9896,13 @@
   <p:clrMapOvr>
     <a:masterClrMapping/>
   </p:clrMapOvr>
+  <p:timing>
+    <p:tnLst>
+      <p:par>
+        <p:cTn id="1" dur="indefinite" restart="never" nodeType="tmRoot"/>
+      </p:par>
+    </p:tnLst>
+  </p:timing>
 </p:sld>
 </file>
 
@@ -10013,6 +10023,297 @@
     <p:extLst>
       <p:ext uri="{BB962C8B-B14F-4D97-AF65-F5344CB8AC3E}">
         <p14:creationId xmlns:p14="http://schemas.microsoft.com/office/powerpoint/2010/main" val="1400082593"/>
+      </p:ext>
+    </p:extLst>
+  </p:cSld>
+  <p:clrMapOvr>
+    <a:masterClrMapping/>
+  </p:clrMapOvr>
+  <p:timing>
+    <p:tnLst>
+      <p:par>
+        <p:cTn id="1" dur="indefinite" restart="never" nodeType="tmRoot"/>
+      </p:par>
+    </p:tnLst>
+  </p:timing>
+</p:sld>
+</file>
+
+<file path=ppt/slides/slide20.xml><?xml version="1.0" encoding="utf-8"?>
+<p:sld xmlns:a="http://schemas.openxmlformats.org/drawingml/2006/main" xmlns:r="http://schemas.openxmlformats.org/officeDocument/2006/relationships" xmlns:p="http://schemas.openxmlformats.org/presentationml/2006/main">
+  <p:cSld>
+    <p:spTree>
+      <p:nvGrpSpPr>
+        <p:cNvPr id="1" name=""/>
+        <p:cNvGrpSpPr/>
+        <p:nvPr/>
+      </p:nvGrpSpPr>
+      <p:grpSpPr>
+        <a:xfrm>
+          <a:off x="0" y="0"/>
+          <a:ext cx="0" cy="0"/>
+          <a:chOff x="0" y="0"/>
+          <a:chExt cx="0" cy="0"/>
+        </a:xfrm>
+      </p:grpSpPr>
+      <p:sp>
+        <p:nvSpPr>
+          <p:cNvPr id="2" name="Title 1"/>
+          <p:cNvSpPr>
+            <a:spLocks noGrp="1"/>
+          </p:cNvSpPr>
+          <p:nvPr>
+            <p:ph type="title"/>
+          </p:nvPr>
+        </p:nvSpPr>
+        <p:spPr/>
+        <p:txBody>
+          <a:bodyPr/>
+          <a:lstStyle/>
+          <a:p>
+            <a:r>
+              <a:rPr lang="fr-CA" dirty="0" smtClean="0"/>
+              <a:t>WBS (1/3)</a:t>
+            </a:r>
+            <a:endParaRPr lang="en-US" dirty="0"/>
+          </a:p>
+        </p:txBody>
+      </p:sp>
+      <p:pic>
+        <p:nvPicPr>
+          <p:cNvPr id="6" name="Picture 5"/>
+          <p:cNvPicPr>
+            <a:picLocks noChangeAspect="1"/>
+          </p:cNvPicPr>
+          <p:nvPr/>
+        </p:nvPicPr>
+        <p:blipFill>
+          <a:blip r:embed="rId2">
+            <a:extLst>
+              <a:ext uri="{28A0092B-C50C-407E-A947-70E740481C1C}">
+                <a14:useLocalDpi xmlns:a14="http://schemas.microsoft.com/office/drawing/2010/main" val="0"/>
+              </a:ext>
+            </a:extLst>
+          </a:blip>
+          <a:stretch>
+            <a:fillRect/>
+          </a:stretch>
+        </p:blipFill>
+        <p:spPr>
+          <a:xfrm>
+            <a:off x="264670" y="1270000"/>
+            <a:ext cx="11662659" cy="5352752"/>
+          </a:xfrm>
+          <a:prstGeom prst="rect">
+            <a:avLst/>
+          </a:prstGeom>
+          <a:ln w="28575">
+            <a:solidFill>
+              <a:schemeClr val="bg2">
+                <a:lumMod val="50000"/>
+              </a:schemeClr>
+            </a:solidFill>
+          </a:ln>
+        </p:spPr>
+      </p:pic>
+    </p:spTree>
+    <p:extLst>
+      <p:ext uri="{BB962C8B-B14F-4D97-AF65-F5344CB8AC3E}">
+        <p14:creationId xmlns:p14="http://schemas.microsoft.com/office/powerpoint/2010/main" val="4010260281"/>
+      </p:ext>
+    </p:extLst>
+  </p:cSld>
+  <p:clrMapOvr>
+    <a:masterClrMapping/>
+  </p:clrMapOvr>
+  <p:timing>
+    <p:tnLst>
+      <p:par>
+        <p:cTn id="1" dur="indefinite" restart="never" nodeType="tmRoot"/>
+      </p:par>
+    </p:tnLst>
+  </p:timing>
+</p:sld>
+</file>
+
+<file path=ppt/slides/slide21.xml><?xml version="1.0" encoding="utf-8"?>
+<p:sld xmlns:a="http://schemas.openxmlformats.org/drawingml/2006/main" xmlns:r="http://schemas.openxmlformats.org/officeDocument/2006/relationships" xmlns:p="http://schemas.openxmlformats.org/presentationml/2006/main">
+  <p:cSld>
+    <p:spTree>
+      <p:nvGrpSpPr>
+        <p:cNvPr id="1" name=""/>
+        <p:cNvGrpSpPr/>
+        <p:nvPr/>
+      </p:nvGrpSpPr>
+      <p:grpSpPr>
+        <a:xfrm>
+          <a:off x="0" y="0"/>
+          <a:ext cx="0" cy="0"/>
+          <a:chOff x="0" y="0"/>
+          <a:chExt cx="0" cy="0"/>
+        </a:xfrm>
+      </p:grpSpPr>
+      <p:sp>
+        <p:nvSpPr>
+          <p:cNvPr id="2" name="Title 1"/>
+          <p:cNvSpPr>
+            <a:spLocks noGrp="1"/>
+          </p:cNvSpPr>
+          <p:nvPr>
+            <p:ph type="title"/>
+          </p:nvPr>
+        </p:nvSpPr>
+        <p:spPr/>
+        <p:txBody>
+          <a:bodyPr/>
+          <a:lstStyle/>
+          <a:p>
+            <a:r>
+              <a:rPr lang="fr-CA" dirty="0" smtClean="0"/>
+              <a:t>WBS (2/3)</a:t>
+            </a:r>
+            <a:endParaRPr lang="en-US" dirty="0"/>
+          </a:p>
+        </p:txBody>
+      </p:sp>
+      <p:pic>
+        <p:nvPicPr>
+          <p:cNvPr id="4" name="Picture 3"/>
+          <p:cNvPicPr>
+            <a:picLocks noChangeAspect="1"/>
+          </p:cNvPicPr>
+          <p:nvPr/>
+        </p:nvPicPr>
+        <p:blipFill>
+          <a:blip r:embed="rId2">
+            <a:extLst>
+              <a:ext uri="{28A0092B-C50C-407E-A947-70E740481C1C}">
+                <a14:useLocalDpi xmlns:a14="http://schemas.microsoft.com/office/drawing/2010/main" val="0"/>
+              </a:ext>
+            </a:extLst>
+          </a:blip>
+          <a:stretch>
+            <a:fillRect/>
+          </a:stretch>
+        </p:blipFill>
+        <p:spPr>
+          <a:xfrm>
+            <a:off x="413657" y="85780"/>
+            <a:ext cx="11125199" cy="6685134"/>
+          </a:xfrm>
+          <a:prstGeom prst="rect">
+            <a:avLst/>
+          </a:prstGeom>
+          <a:ln w="28575">
+            <a:solidFill>
+              <a:schemeClr val="bg2">
+                <a:lumMod val="50000"/>
+              </a:schemeClr>
+            </a:solidFill>
+          </a:ln>
+        </p:spPr>
+      </p:pic>
+    </p:spTree>
+    <p:extLst>
+      <p:ext uri="{BB962C8B-B14F-4D97-AF65-F5344CB8AC3E}">
+        <p14:creationId xmlns:p14="http://schemas.microsoft.com/office/powerpoint/2010/main" val="1942866811"/>
+      </p:ext>
+    </p:extLst>
+  </p:cSld>
+  <p:clrMapOvr>
+    <a:masterClrMapping/>
+  </p:clrMapOvr>
+  <p:timing>
+    <p:tnLst>
+      <p:par>
+        <p:cTn id="1" dur="indefinite" restart="never" nodeType="tmRoot"/>
+      </p:par>
+    </p:tnLst>
+  </p:timing>
+</p:sld>
+</file>
+
+<file path=ppt/slides/slide22.xml><?xml version="1.0" encoding="utf-8"?>
+<p:sld xmlns:a="http://schemas.openxmlformats.org/drawingml/2006/main" xmlns:r="http://schemas.openxmlformats.org/officeDocument/2006/relationships" xmlns:p="http://schemas.openxmlformats.org/presentationml/2006/main">
+  <p:cSld>
+    <p:spTree>
+      <p:nvGrpSpPr>
+        <p:cNvPr id="1" name=""/>
+        <p:cNvGrpSpPr/>
+        <p:nvPr/>
+      </p:nvGrpSpPr>
+      <p:grpSpPr>
+        <a:xfrm>
+          <a:off x="0" y="0"/>
+          <a:ext cx="0" cy="0"/>
+          <a:chOff x="0" y="0"/>
+          <a:chExt cx="0" cy="0"/>
+        </a:xfrm>
+      </p:grpSpPr>
+      <p:sp>
+        <p:nvSpPr>
+          <p:cNvPr id="2" name="Title 1"/>
+          <p:cNvSpPr>
+            <a:spLocks noGrp="1"/>
+          </p:cNvSpPr>
+          <p:nvPr>
+            <p:ph type="title"/>
+          </p:nvPr>
+        </p:nvSpPr>
+        <p:spPr/>
+        <p:txBody>
+          <a:bodyPr/>
+          <a:lstStyle/>
+          <a:p>
+            <a:r>
+              <a:rPr lang="fr-CA" dirty="0" smtClean="0"/>
+              <a:t>WBS (3/3)</a:t>
+            </a:r>
+            <a:endParaRPr lang="en-US" dirty="0"/>
+          </a:p>
+        </p:txBody>
+      </p:sp>
+      <p:pic>
+        <p:nvPicPr>
+          <p:cNvPr id="7" name="Picture 6"/>
+          <p:cNvPicPr>
+            <a:picLocks noChangeAspect="1"/>
+          </p:cNvPicPr>
+          <p:nvPr/>
+        </p:nvPicPr>
+        <p:blipFill>
+          <a:blip r:embed="rId2">
+            <a:extLst>
+              <a:ext uri="{28A0092B-C50C-407E-A947-70E740481C1C}">
+                <a14:useLocalDpi xmlns:a14="http://schemas.microsoft.com/office/drawing/2010/main" val="0"/>
+              </a:ext>
+            </a:extLst>
+          </a:blip>
+          <a:stretch>
+            <a:fillRect/>
+          </a:stretch>
+        </p:blipFill>
+        <p:spPr>
+          <a:xfrm>
+            <a:off x="250371" y="1767113"/>
+            <a:ext cx="11638808" cy="4472523"/>
+          </a:xfrm>
+          <a:prstGeom prst="rect">
+            <a:avLst/>
+          </a:prstGeom>
+          <a:ln w="28575">
+            <a:solidFill>
+              <a:schemeClr val="bg2">
+                <a:lumMod val="50000"/>
+              </a:schemeClr>
+            </a:solidFill>
+          </a:ln>
+        </p:spPr>
+      </p:pic>
+    </p:spTree>
+    <p:extLst>
+      <p:ext uri="{BB962C8B-B14F-4D97-AF65-F5344CB8AC3E}">
+        <p14:creationId xmlns:p14="http://schemas.microsoft.com/office/powerpoint/2010/main" val="1864288484"/>
       </p:ext>
     </p:extLst>
   </p:cSld>

--- a/Remise/Remise 1/Presentation_Remise_1.pptx
+++ b/Remise/Remise 1/Presentation_Remise_1.pptx
@@ -24,9 +24,11 @@
     <p:sldId id="268" r:id="rId18"/>
     <p:sldId id="269" r:id="rId19"/>
     <p:sldId id="270" r:id="rId20"/>
-    <p:sldId id="275" r:id="rId21"/>
-    <p:sldId id="276" r:id="rId22"/>
-    <p:sldId id="277" r:id="rId23"/>
+    <p:sldId id="278" r:id="rId21"/>
+    <p:sldId id="279" r:id="rId22"/>
+    <p:sldId id="275" r:id="rId23"/>
+    <p:sldId id="276" r:id="rId24"/>
+    <p:sldId id="277" r:id="rId25"/>
   </p:sldIdLst>
   <p:sldSz cx="12192000" cy="6858000"/>
   <p:notesSz cx="6858000" cy="9144000"/>
@@ -6529,9 +6531,17 @@
           </p:cNvSpPr>
           <p:nvPr>
             <p:ph type="ctrTitle"/>
-          </p:nvPr>
-        </p:nvSpPr>
-        <p:spPr/>
+            <p:custDataLst>
+              <p:tags r:id="rId1"/>
+            </p:custDataLst>
+          </p:nvPr>
+        </p:nvSpPr>
+        <p:spPr>
+          <a:xfrm>
+            <a:off x="1507067" y="3093025"/>
+            <a:ext cx="7766936" cy="1646302"/>
+          </a:xfrm>
+        </p:spPr>
         <p:txBody>
           <a:bodyPr/>
           <a:lstStyle/>
@@ -6563,9 +6573,17 @@
           </p:cNvSpPr>
           <p:nvPr>
             <p:ph type="subTitle" idx="1"/>
-          </p:nvPr>
-        </p:nvSpPr>
-        <p:spPr/>
+            <p:custDataLst>
+              <p:tags r:id="rId2"/>
+            </p:custDataLst>
+          </p:nvPr>
+        </p:nvSpPr>
+        <p:spPr>
+          <a:xfrm>
+            <a:off x="1507067" y="4739324"/>
+            <a:ext cx="7766936" cy="1096899"/>
+          </a:xfrm>
+        </p:spPr>
         <p:txBody>
           <a:bodyPr/>
           <a:lstStyle/>
@@ -6627,6 +6645,9 @@
           </p:cNvSpPr>
           <p:nvPr>
             <p:ph type="title"/>
+            <p:custDataLst>
+              <p:tags r:id="rId1"/>
+            </p:custDataLst>
           </p:nvPr>
         </p:nvSpPr>
         <p:spPr>
@@ -6659,6 +6680,9 @@
           </p:cNvSpPr>
           <p:nvPr>
             <p:ph idx="1"/>
+            <p:custDataLst>
+              <p:tags r:id="rId2"/>
+            </p:custDataLst>
           </p:nvPr>
         </p:nvSpPr>
         <p:spPr>
@@ -6686,10 +6710,14 @@
           <p:cNvPicPr>
             <a:picLocks noChangeAspect="1" noChangeArrowheads="1"/>
           </p:cNvPicPr>
-          <p:nvPr/>
+          <p:nvPr>
+            <p:custDataLst>
+              <p:tags r:id="rId3"/>
+            </p:custDataLst>
+          </p:nvPr>
         </p:nvPicPr>
         <p:blipFill>
-          <a:blip r:embed="rId2">
+          <a:blip r:embed="rId6">
             <a:extLst>
               <a:ext uri="{28A0092B-C50C-407E-A947-70E740481C1C}">
                 <a14:useLocalDpi xmlns:a14="http://schemas.microsoft.com/office/drawing/2010/main" val="0"/>
@@ -6727,10 +6755,14 @@
           <p:cNvPicPr>
             <a:picLocks noChangeAspect="1" noChangeArrowheads="1"/>
           </p:cNvPicPr>
-          <p:nvPr/>
+          <p:nvPr>
+            <p:custDataLst>
+              <p:tags r:id="rId4"/>
+            </p:custDataLst>
+          </p:nvPr>
         </p:nvPicPr>
         <p:blipFill>
-          <a:blip r:embed="rId3">
+          <a:blip r:embed="rId7">
             <a:extLst>
               <a:ext uri="{28A0092B-C50C-407E-A947-70E740481C1C}">
                 <a14:useLocalDpi xmlns:a14="http://schemas.microsoft.com/office/drawing/2010/main" val="0"/>
@@ -6800,6 +6832,9 @@
           </p:cNvSpPr>
           <p:nvPr>
             <p:ph type="title"/>
+            <p:custDataLst>
+              <p:tags r:id="rId1"/>
+            </p:custDataLst>
           </p:nvPr>
         </p:nvSpPr>
         <p:spPr/>
@@ -6830,7 +6865,11 @@
         <p:nvSpPr>
           <p:cNvPr id="4" name="TextBox 3"/>
           <p:cNvSpPr txBox="1"/>
-          <p:nvPr/>
+          <p:nvPr>
+            <p:custDataLst>
+              <p:tags r:id="rId2"/>
+            </p:custDataLst>
+          </p:nvPr>
         </p:nvSpPr>
         <p:spPr>
           <a:xfrm flipH="1">
@@ -6858,10 +6897,14 @@
           <p:cNvPicPr>
             <a:picLocks noChangeAspect="1"/>
           </p:cNvPicPr>
-          <p:nvPr/>
+          <p:nvPr>
+            <p:custDataLst>
+              <p:tags r:id="rId3"/>
+            </p:custDataLst>
+          </p:nvPr>
         </p:nvPicPr>
         <p:blipFill>
-          <a:blip r:embed="rId2" cstate="print">
+          <a:blip r:embed="rId5" cstate="print">
             <a:extLst>
               <a:ext uri="{28A0092B-C50C-407E-A947-70E740481C1C}">
                 <a14:useLocalDpi xmlns:a14="http://schemas.microsoft.com/office/drawing/2010/main" val="0"/>
@@ -6920,6 +6963,9 @@
           </p:cNvSpPr>
           <p:nvPr>
             <p:ph type="title"/>
+            <p:custDataLst>
+              <p:tags r:id="rId1"/>
+            </p:custDataLst>
           </p:nvPr>
         </p:nvSpPr>
         <p:spPr/>
@@ -6953,6 +6999,9 @@
           </p:cNvSpPr>
           <p:nvPr>
             <p:ph idx="1"/>
+            <p:custDataLst>
+              <p:tags r:id="rId2"/>
+            </p:custDataLst>
           </p:nvPr>
         </p:nvSpPr>
         <p:spPr>
@@ -7075,6 +7124,9 @@
           </p:cNvSpPr>
           <p:nvPr>
             <p:ph type="title"/>
+            <p:custDataLst>
+              <p:tags r:id="rId1"/>
+            </p:custDataLst>
           </p:nvPr>
         </p:nvSpPr>
         <p:spPr/>
@@ -7108,6 +7160,9 @@
           </p:cNvSpPr>
           <p:nvPr>
             <p:ph idx="1"/>
+            <p:custDataLst>
+              <p:tags r:id="rId2"/>
+            </p:custDataLst>
           </p:nvPr>
         </p:nvSpPr>
         <p:spPr>
@@ -7224,13 +7279,8 @@
             <a:pPr lvl="1"/>
             <a:r>
               <a:rPr lang="fr-FR" sz="2600" dirty="0" smtClean="0"/>
-              <a:t>Afficher les résultats de simulation </a:t>
-            </a:r>
-            <a:r>
-              <a:rPr lang="fr-FR" sz="2600" dirty="0" err="1" smtClean="0"/>
-              <a:t>personalisés</a:t>
-            </a:r>
-            <a:endParaRPr lang="fr-FR" sz="2600" dirty="0" smtClean="0"/>
+              <a:t>Afficher les résultats de simulation personnalisés</a:t>
+            </a:r>
           </a:p>
           <a:p>
             <a:pPr lvl="2"/>
@@ -7284,6 +7334,9 @@
           </p:cNvSpPr>
           <p:nvPr>
             <p:ph type="title"/>
+            <p:custDataLst>
+              <p:tags r:id="rId1"/>
+            </p:custDataLst>
           </p:nvPr>
         </p:nvSpPr>
         <p:spPr/>
@@ -7317,6 +7370,9 @@
           </p:cNvSpPr>
           <p:nvPr>
             <p:ph idx="1"/>
+            <p:custDataLst>
+              <p:tags r:id="rId2"/>
+            </p:custDataLst>
           </p:nvPr>
         </p:nvSpPr>
         <p:spPr>
@@ -7382,7 +7438,7 @@
             <a:pPr lvl="1"/>
             <a:r>
               <a:rPr lang="fr-FR" sz="2400" dirty="0" smtClean="0"/>
-              <a:t>Fournir les paramètres de modélisation utilisé par le simulateur</a:t>
+              <a:t>Fournir les paramètres de modélisation utilisés par le simulateur</a:t>
             </a:r>
           </a:p>
           <a:p>
@@ -7432,6 +7488,9 @@
           </p:cNvSpPr>
           <p:nvPr>
             <p:ph type="title"/>
+            <p:custDataLst>
+              <p:tags r:id="rId1"/>
+            </p:custDataLst>
           </p:nvPr>
         </p:nvSpPr>
         <p:spPr/>
@@ -7465,6 +7524,9 @@
           </p:cNvSpPr>
           <p:nvPr>
             <p:ph idx="1"/>
+            <p:custDataLst>
+              <p:tags r:id="rId2"/>
+            </p:custDataLst>
           </p:nvPr>
         </p:nvSpPr>
         <p:spPr>
@@ -7573,6 +7635,9 @@
           </p:cNvSpPr>
           <p:nvPr>
             <p:ph type="title"/>
+            <p:custDataLst>
+              <p:tags r:id="rId1"/>
+            </p:custDataLst>
           </p:nvPr>
         </p:nvSpPr>
         <p:spPr/>
@@ -7596,6 +7661,9 @@
           </p:cNvSpPr>
           <p:nvPr>
             <p:ph idx="1"/>
+            <p:custDataLst>
+              <p:tags r:id="rId2"/>
+            </p:custDataLst>
           </p:nvPr>
         </p:nvSpPr>
         <p:spPr/>
@@ -7682,6 +7750,9 @@
           </p:cNvSpPr>
           <p:nvPr>
             <p:ph type="title"/>
+            <p:custDataLst>
+              <p:tags r:id="rId1"/>
+            </p:custDataLst>
           </p:nvPr>
         </p:nvSpPr>
         <p:spPr/>
@@ -7717,9 +7788,12 @@
           </p:cNvGraphicFramePr>
           <p:nvPr>
             <p:ph idx="1"/>
+            <p:custDataLst>
+              <p:tags r:id="rId2"/>
+            </p:custDataLst>
             <p:extLst>
               <p:ext uri="{D42A27DB-BD31-4B8C-83A1-F6EECF244321}">
-                <p14:modId xmlns:p14="http://schemas.microsoft.com/office/powerpoint/2010/main" val="1921849713"/>
+                <p14:modId xmlns:p14="http://schemas.microsoft.com/office/powerpoint/2010/main" val="912066936"/>
               </p:ext>
             </p:extLst>
           </p:nvPr>
@@ -7969,7 +8043,7 @@
                     <a:p>
                       <a:pPr algn="ctr" fontAlgn="ctr"/>
                       <a:r>
-                        <a:rPr lang="fr-FR" sz="1100" b="0" i="0" u="none" strike="noStrike">
+                        <a:rPr lang="fr-FR" sz="1100" b="0" i="0" u="none" strike="noStrike" dirty="0">
                           <a:solidFill>
                             <a:srgbClr val="000000"/>
                           </a:solidFill>
@@ -7979,7 +8053,7 @@
                         <a:t>Maladies ou </a:t>
                       </a:r>
                       <a:br>
-                        <a:rPr lang="fr-FR" sz="1100" b="0" i="0" u="none" strike="noStrike">
+                        <a:rPr lang="fr-FR" sz="1100" b="0" i="0" u="none" strike="noStrike" dirty="0">
                           <a:solidFill>
                             <a:srgbClr val="000000"/>
                           </a:solidFill>
@@ -7988,7 +8062,7 @@
                         </a:rPr>
                       </a:br>
                       <a:r>
-                        <a:rPr lang="fr-FR" sz="1100" b="0" i="0" u="none" strike="noStrike">
+                        <a:rPr lang="fr-FR" sz="1100" b="0" i="0" u="none" strike="noStrike" dirty="0">
                           <a:solidFill>
                             <a:srgbClr val="000000"/>
                           </a:solidFill>
@@ -8168,7 +8242,7 @@
                     <a:p>
                       <a:pPr algn="ctr" fontAlgn="ctr"/>
                       <a:r>
-                        <a:rPr lang="fr-FR" sz="1100" b="0" i="0" u="none" strike="noStrike">
+                        <a:rPr lang="fr-FR" sz="1100" b="0" i="0" u="none" strike="noStrike" dirty="0">
                           <a:solidFill>
                             <a:srgbClr val="000000"/>
                           </a:solidFill>
@@ -8178,7 +8252,7 @@
                         <a:t>Délai de livraison</a:t>
                       </a:r>
                       <a:br>
-                        <a:rPr lang="fr-FR" sz="1100" b="0" i="0" u="none" strike="noStrike">
+                        <a:rPr lang="fr-FR" sz="1100" b="0" i="0" u="none" strike="noStrike" dirty="0">
                           <a:solidFill>
                             <a:srgbClr val="000000"/>
                           </a:solidFill>
@@ -8187,7 +8261,7 @@
                         </a:rPr>
                       </a:br>
                       <a:r>
-                        <a:rPr lang="fr-FR" sz="1100" b="0" i="0" u="none" strike="noStrike">
+                        <a:rPr lang="fr-FR" sz="1100" b="0" i="0" u="none" strike="noStrike" dirty="0">
                           <a:solidFill>
                             <a:srgbClr val="000000"/>
                           </a:solidFill>
@@ -8542,6 +8616,36 @@
           </a:graphicData>
         </a:graphic>
       </p:graphicFrame>
+      <p:sp>
+        <p:nvSpPr>
+          <p:cNvPr id="3" name="TextBox 2"/>
+          <p:cNvSpPr txBox="1"/>
+          <p:nvPr>
+            <p:custDataLst>
+              <p:tags r:id="rId3"/>
+            </p:custDataLst>
+          </p:nvPr>
+        </p:nvSpPr>
+        <p:spPr>
+          <a:xfrm>
+            <a:off x="0" y="0"/>
+            <a:ext cx="3810000" cy="1270000"/>
+          </a:xfrm>
+          <a:prstGeom prst="rect">
+            <a:avLst/>
+          </a:prstGeom>
+          <a:noFill/>
+        </p:spPr>
+        <p:txBody>
+          <a:bodyPr vert="horz" rtlCol="0">
+            <a:spAutoFit/>
+          </a:bodyPr>
+          <a:lstStyle/>
+          <a:p>
+            <a:endParaRPr lang="en-US"/>
+          </a:p>
+        </p:txBody>
+      </p:sp>
     </p:spTree>
     <p:extLst>
       <p:ext uri="{BB962C8B-B14F-4D97-AF65-F5344CB8AC3E}">
@@ -8580,6 +8684,9 @@
           </p:cNvSpPr>
           <p:nvPr>
             <p:ph type="title"/>
+            <p:custDataLst>
+              <p:tags r:id="rId1"/>
+            </p:custDataLst>
           </p:nvPr>
         </p:nvSpPr>
         <p:spPr/>
@@ -8619,6 +8726,9 @@
           </p:cNvGraphicFramePr>
           <p:nvPr>
             <p:ph idx="1"/>
+            <p:custDataLst>
+              <p:tags r:id="rId2"/>
+            </p:custDataLst>
             <p:extLst>
               <p:ext uri="{D42A27DB-BD31-4B8C-83A1-F6EECF244321}">
                 <p14:modId xmlns:p14="http://schemas.microsoft.com/office/powerpoint/2010/main" val="4126102908"/>
@@ -9255,6 +9365,9 @@
           </p:cNvSpPr>
           <p:nvPr>
             <p:ph type="title"/>
+            <p:custDataLst>
+              <p:tags r:id="rId1"/>
+            </p:custDataLst>
           </p:nvPr>
         </p:nvSpPr>
         <p:spPr/>
@@ -9290,6 +9403,9 @@
           </p:cNvGraphicFramePr>
           <p:nvPr>
             <p:ph idx="1"/>
+            <p:custDataLst>
+              <p:tags r:id="rId2"/>
+            </p:custDataLst>
             <p:extLst>
               <p:ext uri="{D42A27DB-BD31-4B8C-83A1-F6EECF244321}">
                 <p14:modId xmlns:p14="http://schemas.microsoft.com/office/powerpoint/2010/main" val="317251936"/>
@@ -9931,6 +10047,9 @@
           </p:cNvSpPr>
           <p:nvPr>
             <p:ph type="title"/>
+            <p:custDataLst>
+              <p:tags r:id="rId1"/>
+            </p:custDataLst>
           </p:nvPr>
         </p:nvSpPr>
         <p:spPr/>
@@ -9954,6 +10073,9 @@
           </p:cNvSpPr>
           <p:nvPr>
             <p:ph idx="1"/>
+            <p:custDataLst>
+              <p:tags r:id="rId2"/>
+            </p:custDataLst>
           </p:nvPr>
         </p:nvSpPr>
         <p:spPr/>
@@ -9992,7 +10114,7 @@
           <a:p>
             <a:r>
               <a:rPr lang="fr-CA" dirty="0" smtClean="0"/>
-              <a:t>Le laboratoire du CERN désir remplacer l’alimentation actuelle du Booster du Synchrotron.</a:t>
+              <a:t>Le laboratoire du CERN désire remplacer l’alimentation actuelle du Booster du Synchrotron.</a:t>
             </a:r>
           </a:p>
           <a:p>
@@ -10064,18 +10186,526 @@
           </p:cNvSpPr>
           <p:nvPr>
             <p:ph type="title"/>
+            <p:custDataLst>
+              <p:tags r:id="rId1"/>
+            </p:custDataLst>
+          </p:nvPr>
+        </p:nvSpPr>
+        <p:spPr>
+          <a:xfrm>
+            <a:off x="677333" y="609600"/>
+            <a:ext cx="10832495" cy="1320800"/>
+          </a:xfrm>
+        </p:spPr>
+        <p:txBody>
+          <a:bodyPr>
+            <a:normAutofit/>
+          </a:bodyPr>
+          <a:lstStyle/>
+          <a:p>
+            <a:r>
+              <a:rPr lang="fr-CA" dirty="0" smtClean="0"/>
+              <a:t>Gantt (1/2)</a:t>
+            </a:r>
+            <a:br>
+              <a:rPr lang="fr-CA" dirty="0" smtClean="0"/>
+            </a:br>
+            <a:r>
+              <a:rPr lang="fr-CA" sz="1800" i="1" dirty="0" smtClean="0"/>
+              <a:t>*Voir les dernières pages du PDF pour plus de précision</a:t>
+            </a:r>
+            <a:endParaRPr lang="en-US" sz="1800" i="1" dirty="0"/>
+          </a:p>
+        </p:txBody>
+      </p:sp>
+      <p:grpSp>
+        <p:nvGrpSpPr>
+          <p:cNvPr id="11" name="Group 8"/>
+          <p:cNvGrpSpPr>
+            <a:grpSpLocks noChangeAspect="1"/>
+          </p:cNvGrpSpPr>
+          <p:nvPr>
+            <p:custDataLst>
+              <p:tags r:id="rId2"/>
+            </p:custDataLst>
+          </p:nvPr>
+        </p:nvGrpSpPr>
+        <p:grpSpPr bwMode="auto">
+          <a:xfrm>
+            <a:off x="194734" y="1930400"/>
+            <a:ext cx="11790625" cy="3771900"/>
+            <a:chOff x="-877" y="651"/>
+            <a:chExt cx="9434" cy="3018"/>
+          </a:xfrm>
+        </p:grpSpPr>
+        <p:sp>
+          <p:nvSpPr>
+            <p:cNvPr id="12" name="AutoShape 7"/>
+            <p:cNvSpPr>
+              <a:spLocks noChangeAspect="1" noChangeArrowheads="1" noTextEdit="1"/>
+            </p:cNvSpPr>
+            <p:nvPr/>
+          </p:nvSpPr>
+          <p:spPr bwMode="auto">
+            <a:xfrm>
+              <a:off x="-877" y="651"/>
+              <a:ext cx="9434" cy="3018"/>
+            </a:xfrm>
+            <a:prstGeom prst="rect">
+              <a:avLst/>
+            </a:prstGeom>
+            <a:noFill/>
+            <a:ln w="28575">
+              <a:solidFill>
+                <a:schemeClr val="accent1"/>
+              </a:solidFill>
+              <a:miter lim="800000"/>
+              <a:headEnd/>
+              <a:tailEnd/>
+            </a:ln>
+            <a:extLst>
+              <a:ext uri="{909E8E84-426E-40DD-AFC4-6F175D3DCCD1}">
+                <a14:hiddenFill xmlns:a14="http://schemas.microsoft.com/office/drawing/2010/main">
+                  <a:solidFill>
+                    <a:srgbClr val="FFFFFF"/>
+                  </a:solidFill>
+                </a14:hiddenFill>
+              </a:ext>
+            </a:extLst>
+          </p:spPr>
+          <p:txBody>
+            <a:bodyPr vert="horz" wrap="square" lIns="91440" tIns="45720" rIns="91440" bIns="45720" numCol="1" anchor="t" anchorCtr="0" compatLnSpc="1">
+              <a:prstTxWarp prst="textNoShape">
+                <a:avLst/>
+              </a:prstTxWarp>
+            </a:bodyPr>
+            <a:lstStyle/>
+            <a:p>
+              <a:endParaRPr lang="en-US"/>
+            </a:p>
+          </p:txBody>
+        </p:sp>
+        <p:pic>
+          <p:nvPicPr>
+            <p:cNvPr id="1033" name="Picture 9"/>
+            <p:cNvPicPr>
+              <a:picLocks noChangeAspect="1" noChangeArrowheads="1"/>
+            </p:cNvPicPr>
+            <p:nvPr/>
+          </p:nvPicPr>
+          <p:blipFill>
+            <a:blip r:embed="rId4">
+              <a:extLst>
+                <a:ext uri="{28A0092B-C50C-407E-A947-70E740481C1C}">
+                  <a14:useLocalDpi xmlns:a14="http://schemas.microsoft.com/office/drawing/2010/main" val="0"/>
+                </a:ext>
+              </a:extLst>
+            </a:blip>
+            <a:srcRect/>
+            <a:stretch>
+              <a:fillRect/>
+            </a:stretch>
+          </p:blipFill>
+          <p:spPr bwMode="auto">
+            <a:xfrm>
+              <a:off x="-877" y="651"/>
+              <a:ext cx="9440" cy="3024"/>
+            </a:xfrm>
+            <a:prstGeom prst="rect">
+              <a:avLst/>
+            </a:prstGeom>
+            <a:noFill/>
+            <a:ln w="28575">
+              <a:solidFill>
+                <a:schemeClr val="accent1"/>
+              </a:solidFill>
+              <a:miter lim="800000"/>
+              <a:headEnd/>
+              <a:tailEnd/>
+            </a:ln>
+            <a:extLst>
+              <a:ext uri="{909E8E84-426E-40DD-AFC4-6F175D3DCCD1}">
+                <a14:hiddenFill xmlns:a14="http://schemas.microsoft.com/office/drawing/2010/main">
+                  <a:solidFill>
+                    <a:srgbClr val="FFFFFF"/>
+                  </a:solidFill>
+                </a14:hiddenFill>
+              </a:ext>
+            </a:extLst>
+          </p:spPr>
+        </p:pic>
+      </p:grpSp>
+    </p:spTree>
+    <p:extLst>
+      <p:ext uri="{BB962C8B-B14F-4D97-AF65-F5344CB8AC3E}">
+        <p14:creationId xmlns:p14="http://schemas.microsoft.com/office/powerpoint/2010/main" val="2246319519"/>
+      </p:ext>
+    </p:extLst>
+  </p:cSld>
+  <p:clrMapOvr>
+    <a:masterClrMapping/>
+  </p:clrMapOvr>
+</p:sld>
+</file>
+
+<file path=ppt/slides/slide21.xml><?xml version="1.0" encoding="utf-8"?>
+<p:sld xmlns:a="http://schemas.openxmlformats.org/drawingml/2006/main" xmlns:r="http://schemas.openxmlformats.org/officeDocument/2006/relationships" xmlns:p="http://schemas.openxmlformats.org/presentationml/2006/main">
+  <p:cSld>
+    <p:spTree>
+      <p:nvGrpSpPr>
+        <p:cNvPr id="1" name=""/>
+        <p:cNvGrpSpPr/>
+        <p:nvPr/>
+      </p:nvGrpSpPr>
+      <p:grpSpPr>
+        <a:xfrm>
+          <a:off x="0" y="0"/>
+          <a:ext cx="0" cy="0"/>
+          <a:chOff x="0" y="0"/>
+          <a:chExt cx="0" cy="0"/>
+        </a:xfrm>
+      </p:grpSpPr>
+      <p:sp>
+        <p:nvSpPr>
+          <p:cNvPr id="2" name="Title 1"/>
+          <p:cNvSpPr>
+            <a:spLocks noGrp="1"/>
+          </p:cNvSpPr>
+          <p:nvPr>
+            <p:ph type="title"/>
+            <p:custDataLst>
+              <p:tags r:id="rId1"/>
+            </p:custDataLst>
+          </p:nvPr>
+        </p:nvSpPr>
+        <p:spPr>
+          <a:xfrm>
+            <a:off x="239549" y="127000"/>
+            <a:ext cx="10979993" cy="1320800"/>
+          </a:xfrm>
+        </p:spPr>
+        <p:txBody>
+          <a:bodyPr>
+            <a:normAutofit/>
+          </a:bodyPr>
+          <a:lstStyle/>
+          <a:p>
+            <a:r>
+              <a:rPr lang="fr-CA" dirty="0" smtClean="0"/>
+              <a:t>Gantt (2/2)</a:t>
+            </a:r>
+            <a:br>
+              <a:rPr lang="fr-CA" dirty="0" smtClean="0"/>
+            </a:br>
+            <a:r>
+              <a:rPr lang="fr-CA" sz="2000" i="1" dirty="0"/>
+              <a:t>*Voir les dernières pages du PDF pour plus de précision</a:t>
+            </a:r>
+            <a:endParaRPr lang="en-US" sz="2000" dirty="0"/>
+          </a:p>
+        </p:txBody>
+      </p:sp>
+      <p:grpSp>
+        <p:nvGrpSpPr>
+          <p:cNvPr id="5" name="Group 4"/>
+          <p:cNvGrpSpPr>
+            <a:grpSpLocks noChangeAspect="1"/>
+          </p:cNvGrpSpPr>
+          <p:nvPr>
+            <p:custDataLst>
+              <p:tags r:id="rId2"/>
+            </p:custDataLst>
+          </p:nvPr>
+        </p:nvGrpSpPr>
+        <p:grpSpPr bwMode="auto">
+          <a:xfrm>
+            <a:off x="239550" y="1195615"/>
+            <a:ext cx="11838150" cy="3684588"/>
+            <a:chOff x="134" y="1143"/>
+            <a:chExt cx="8180" cy="2546"/>
+          </a:xfrm>
+        </p:grpSpPr>
+        <p:sp>
+          <p:nvSpPr>
+            <p:cNvPr id="6" name="AutoShape 3"/>
+            <p:cNvSpPr>
+              <a:spLocks noChangeAspect="1" noChangeArrowheads="1" noTextEdit="1"/>
+            </p:cNvSpPr>
+            <p:nvPr/>
+          </p:nvSpPr>
+          <p:spPr bwMode="auto">
+            <a:xfrm>
+              <a:off x="134" y="1143"/>
+              <a:ext cx="8180" cy="2546"/>
+            </a:xfrm>
+            <a:prstGeom prst="rect">
+              <a:avLst/>
+            </a:prstGeom>
+            <a:noFill/>
+            <a:ln w="28575">
+              <a:solidFill>
+                <a:schemeClr val="accent1"/>
+              </a:solidFill>
+              <a:miter lim="800000"/>
+              <a:headEnd/>
+              <a:tailEnd/>
+            </a:ln>
+            <a:extLst>
+              <a:ext uri="{909E8E84-426E-40DD-AFC4-6F175D3DCCD1}">
+                <a14:hiddenFill xmlns:a14="http://schemas.microsoft.com/office/drawing/2010/main">
+                  <a:solidFill>
+                    <a:srgbClr val="FFFFFF"/>
+                  </a:solidFill>
+                </a14:hiddenFill>
+              </a:ext>
+            </a:extLst>
+          </p:spPr>
+          <p:txBody>
+            <a:bodyPr vert="horz" wrap="square" lIns="91440" tIns="45720" rIns="91440" bIns="45720" numCol="1" anchor="t" anchorCtr="0" compatLnSpc="1">
+              <a:prstTxWarp prst="textNoShape">
+                <a:avLst/>
+              </a:prstTxWarp>
+            </a:bodyPr>
+            <a:lstStyle/>
+            <a:p>
+              <a:endParaRPr lang="en-US"/>
+            </a:p>
+          </p:txBody>
+        </p:sp>
+        <p:pic>
+          <p:nvPicPr>
+            <p:cNvPr id="2053" name="Picture 5"/>
+            <p:cNvPicPr>
+              <a:picLocks noChangeAspect="1" noChangeArrowheads="1"/>
+            </p:cNvPicPr>
+            <p:nvPr/>
+          </p:nvPicPr>
+          <p:blipFill>
+            <a:blip r:embed="rId5">
+              <a:extLst>
+                <a:ext uri="{28A0092B-C50C-407E-A947-70E740481C1C}">
+                  <a14:useLocalDpi xmlns:a14="http://schemas.microsoft.com/office/drawing/2010/main" val="0"/>
+                </a:ext>
+              </a:extLst>
+            </a:blip>
+            <a:srcRect/>
+            <a:stretch>
+              <a:fillRect/>
+            </a:stretch>
+          </p:blipFill>
+          <p:spPr bwMode="auto">
+            <a:xfrm>
+              <a:off x="134" y="1143"/>
+              <a:ext cx="8186" cy="2552"/>
+            </a:xfrm>
+            <a:prstGeom prst="rect">
+              <a:avLst/>
+            </a:prstGeom>
+            <a:noFill/>
+            <a:ln w="28575">
+              <a:solidFill>
+                <a:schemeClr val="accent1"/>
+              </a:solidFill>
+              <a:miter lim="800000"/>
+              <a:headEnd/>
+              <a:tailEnd/>
+            </a:ln>
+            <a:extLst>
+              <a:ext uri="{909E8E84-426E-40DD-AFC4-6F175D3DCCD1}">
+                <a14:hiddenFill xmlns:a14="http://schemas.microsoft.com/office/drawing/2010/main">
+                  <a:solidFill>
+                    <a:srgbClr val="FFFFFF"/>
+                  </a:solidFill>
+                </a14:hiddenFill>
+              </a:ext>
+            </a:extLst>
+          </p:spPr>
+        </p:pic>
+      </p:grpSp>
+      <p:grpSp>
+        <p:nvGrpSpPr>
+          <p:cNvPr id="8" name="Group 8"/>
+          <p:cNvGrpSpPr>
+            <a:grpSpLocks noChangeAspect="1"/>
+          </p:cNvGrpSpPr>
+          <p:nvPr>
+            <p:custDataLst>
+              <p:tags r:id="rId3"/>
+            </p:custDataLst>
+          </p:nvPr>
+        </p:nvGrpSpPr>
+        <p:grpSpPr bwMode="auto">
+          <a:xfrm>
+            <a:off x="271935" y="4972029"/>
+            <a:ext cx="11805765" cy="2037010"/>
+            <a:chOff x="125" y="2942"/>
+            <a:chExt cx="8763" cy="1512"/>
+          </a:xfrm>
+        </p:grpSpPr>
+        <p:sp>
+          <p:nvSpPr>
+            <p:cNvPr id="9" name="AutoShape 7"/>
+            <p:cNvSpPr>
+              <a:spLocks noChangeAspect="1" noChangeArrowheads="1" noTextEdit="1"/>
+            </p:cNvSpPr>
+            <p:nvPr/>
+          </p:nvSpPr>
+          <p:spPr bwMode="auto">
+            <a:xfrm>
+              <a:off x="142" y="3130"/>
+              <a:ext cx="8746" cy="1324"/>
+            </a:xfrm>
+            <a:prstGeom prst="rect">
+              <a:avLst/>
+            </a:prstGeom>
+            <a:noFill/>
+            <a:ln>
+              <a:noFill/>
+            </a:ln>
+            <a:extLst>
+              <a:ext uri="{909E8E84-426E-40DD-AFC4-6F175D3DCCD1}">
+                <a14:hiddenFill xmlns:a14="http://schemas.microsoft.com/office/drawing/2010/main">
+                  <a:solidFill>
+                    <a:srgbClr val="FFFFFF"/>
+                  </a:solidFill>
+                </a14:hiddenFill>
+              </a:ext>
+              <a:ext uri="{91240B29-F687-4F45-9708-019B960494DF}">
+                <a14:hiddenLine xmlns:a14="http://schemas.microsoft.com/office/drawing/2010/main" w="9525">
+                  <a:solidFill>
+                    <a:srgbClr val="000000"/>
+                  </a:solidFill>
+                  <a:miter lim="800000"/>
+                  <a:headEnd/>
+                  <a:tailEnd/>
+                </a14:hiddenLine>
+              </a:ext>
+            </a:extLst>
+          </p:spPr>
+          <p:txBody>
+            <a:bodyPr vert="horz" wrap="square" lIns="91440" tIns="45720" rIns="91440" bIns="45720" numCol="1" anchor="t" anchorCtr="0" compatLnSpc="1">
+              <a:prstTxWarp prst="textNoShape">
+                <a:avLst/>
+              </a:prstTxWarp>
+            </a:bodyPr>
+            <a:lstStyle/>
+            <a:p>
+              <a:endParaRPr lang="en-US"/>
+            </a:p>
+          </p:txBody>
+        </p:sp>
+        <p:pic>
+          <p:nvPicPr>
+            <p:cNvPr id="2057" name="Picture 9"/>
+            <p:cNvPicPr>
+              <a:picLocks noChangeAspect="1" noChangeArrowheads="1"/>
+            </p:cNvPicPr>
+            <p:nvPr/>
+          </p:nvPicPr>
+          <p:blipFill>
+            <a:blip r:embed="rId6">
+              <a:extLst>
+                <a:ext uri="{28A0092B-C50C-407E-A947-70E740481C1C}">
+                  <a14:useLocalDpi xmlns:a14="http://schemas.microsoft.com/office/drawing/2010/main" val="0"/>
+                </a:ext>
+              </a:extLst>
+            </a:blip>
+            <a:srcRect/>
+            <a:stretch>
+              <a:fillRect/>
+            </a:stretch>
+          </p:blipFill>
+          <p:spPr bwMode="auto">
+            <a:xfrm>
+              <a:off x="125" y="2942"/>
+              <a:ext cx="8752" cy="1330"/>
+            </a:xfrm>
+            <a:prstGeom prst="rect">
+              <a:avLst/>
+            </a:prstGeom>
+            <a:noFill/>
+            <a:ln w="28575">
+              <a:solidFill>
+                <a:schemeClr val="accent1"/>
+              </a:solidFill>
+              <a:miter lim="800000"/>
+              <a:headEnd/>
+              <a:tailEnd/>
+            </a:ln>
+            <a:extLst>
+              <a:ext uri="{909E8E84-426E-40DD-AFC4-6F175D3DCCD1}">
+                <a14:hiddenFill xmlns:a14="http://schemas.microsoft.com/office/drawing/2010/main">
+                  <a:solidFill>
+                    <a:srgbClr val="FFFFFF"/>
+                  </a:solidFill>
+                </a14:hiddenFill>
+              </a:ext>
+            </a:extLst>
+          </p:spPr>
+        </p:pic>
+      </p:grpSp>
+    </p:spTree>
+    <p:extLst>
+      <p:ext uri="{BB962C8B-B14F-4D97-AF65-F5344CB8AC3E}">
+        <p14:creationId xmlns:p14="http://schemas.microsoft.com/office/powerpoint/2010/main" val="3253125310"/>
+      </p:ext>
+    </p:extLst>
+  </p:cSld>
+  <p:clrMapOvr>
+    <a:masterClrMapping/>
+  </p:clrMapOvr>
+</p:sld>
+</file>
+
+<file path=ppt/slides/slide22.xml><?xml version="1.0" encoding="utf-8"?>
+<p:sld xmlns:a="http://schemas.openxmlformats.org/drawingml/2006/main" xmlns:r="http://schemas.openxmlformats.org/officeDocument/2006/relationships" xmlns:p="http://schemas.openxmlformats.org/presentationml/2006/main">
+  <p:cSld>
+    <p:spTree>
+      <p:nvGrpSpPr>
+        <p:cNvPr id="1" name=""/>
+        <p:cNvGrpSpPr/>
+        <p:nvPr/>
+      </p:nvGrpSpPr>
+      <p:grpSpPr>
+        <a:xfrm>
+          <a:off x="0" y="0"/>
+          <a:ext cx="0" cy="0"/>
+          <a:chOff x="0" y="0"/>
+          <a:chExt cx="0" cy="0"/>
+        </a:xfrm>
+      </p:grpSpPr>
+      <p:sp>
+        <p:nvSpPr>
+          <p:cNvPr id="2" name="Title 1"/>
+          <p:cNvSpPr>
+            <a:spLocks noGrp="1"/>
+          </p:cNvSpPr>
+          <p:nvPr>
+            <p:ph type="title"/>
+            <p:custDataLst>
+              <p:tags r:id="rId1"/>
+            </p:custDataLst>
           </p:nvPr>
         </p:nvSpPr>
         <p:spPr/>
         <p:txBody>
-          <a:bodyPr/>
+          <a:bodyPr>
+            <a:normAutofit/>
+          </a:bodyPr>
           <a:lstStyle/>
           <a:p>
             <a:r>
               <a:rPr lang="fr-CA" dirty="0" smtClean="0"/>
               <a:t>WBS (1/3)</a:t>
             </a:r>
-            <a:endParaRPr lang="en-US" dirty="0"/>
+            <a:br>
+              <a:rPr lang="fr-CA" dirty="0" smtClean="0"/>
+            </a:br>
+            <a:r>
+              <a:rPr lang="fr-CA" sz="2200" i="1" dirty="0"/>
+              <a:t>*Voir les dernières pages du PDF pour plus de précision</a:t>
+            </a:r>
+            <a:endParaRPr lang="en-US" sz="2200" dirty="0"/>
           </a:p>
         </p:txBody>
       </p:sp>
@@ -10085,24 +10715,27 @@
           <p:cNvPicPr>
             <a:picLocks noChangeAspect="1"/>
           </p:cNvPicPr>
-          <p:nvPr/>
+          <p:nvPr>
+            <p:custDataLst>
+              <p:tags r:id="rId2"/>
+            </p:custDataLst>
+          </p:nvPr>
         </p:nvPicPr>
-        <p:blipFill>
-          <a:blip r:embed="rId2">
+        <p:blipFill rotWithShape="1">
+          <a:blip r:embed="rId4">
             <a:extLst>
               <a:ext uri="{28A0092B-C50C-407E-A947-70E740481C1C}">
                 <a14:useLocalDpi xmlns:a14="http://schemas.microsoft.com/office/drawing/2010/main" val="0"/>
               </a:ext>
             </a:extLst>
           </a:blip>
-          <a:stretch>
-            <a:fillRect/>
-          </a:stretch>
+          <a:srcRect b="25568"/>
+          <a:stretch/>
         </p:blipFill>
         <p:spPr>
           <a:xfrm>
-            <a:off x="264670" y="1270000"/>
-            <a:ext cx="11662659" cy="5352752"/>
+            <a:off x="351756" y="1930400"/>
+            <a:ext cx="11662659" cy="3984173"/>
           </a:xfrm>
           <a:prstGeom prst="rect">
             <a:avLst/>
@@ -10136,7 +10769,7 @@
 </p:sld>
 </file>
 
-<file path=ppt/slides/slide21.xml><?xml version="1.0" encoding="utf-8"?>
+<file path=ppt/slides/slide23.xml><?xml version="1.0" encoding="utf-8"?>
 <p:sld xmlns:a="http://schemas.openxmlformats.org/drawingml/2006/main" xmlns:r="http://schemas.openxmlformats.org/officeDocument/2006/relationships" xmlns:p="http://schemas.openxmlformats.org/presentationml/2006/main">
   <p:cSld>
     <p:spTree>
@@ -10161,6 +10794,9 @@
           </p:cNvSpPr>
           <p:nvPr>
             <p:ph type="title"/>
+            <p:custDataLst>
+              <p:tags r:id="rId1"/>
+            </p:custDataLst>
           </p:nvPr>
         </p:nvSpPr>
         <p:spPr/>
@@ -10182,24 +10818,27 @@
           <p:cNvPicPr>
             <a:picLocks noChangeAspect="1"/>
           </p:cNvPicPr>
-          <p:nvPr/>
+          <p:nvPr>
+            <p:custDataLst>
+              <p:tags r:id="rId2"/>
+            </p:custDataLst>
+          </p:nvPr>
         </p:nvPicPr>
-        <p:blipFill>
-          <a:blip r:embed="rId2">
+        <p:blipFill rotWithShape="1">
+          <a:blip r:embed="rId4">
             <a:extLst>
               <a:ext uri="{28A0092B-C50C-407E-A947-70E740481C1C}">
                 <a14:useLocalDpi xmlns:a14="http://schemas.microsoft.com/office/drawing/2010/main" val="0"/>
               </a:ext>
             </a:extLst>
           </a:blip>
-          <a:stretch>
-            <a:fillRect/>
-          </a:stretch>
+          <a:srcRect b="5536"/>
+          <a:stretch/>
         </p:blipFill>
         <p:spPr>
           <a:xfrm>
-            <a:off x="413657" y="85780"/>
-            <a:ext cx="11125199" cy="6685134"/>
+            <a:off x="341087" y="85779"/>
+            <a:ext cx="11611026" cy="6590791"/>
           </a:xfrm>
           <a:prstGeom prst="rect">
             <a:avLst/>
@@ -10233,7 +10872,7 @@
 </p:sld>
 </file>
 
-<file path=ppt/slides/slide22.xml><?xml version="1.0" encoding="utf-8"?>
+<file path=ppt/slides/slide24.xml><?xml version="1.0" encoding="utf-8"?>
 <p:sld xmlns:a="http://schemas.openxmlformats.org/drawingml/2006/main" xmlns:r="http://schemas.openxmlformats.org/officeDocument/2006/relationships" xmlns:p="http://schemas.openxmlformats.org/presentationml/2006/main">
   <p:cSld>
     <p:spTree>
@@ -10258,16 +10897,28 @@
           </p:cNvSpPr>
           <p:nvPr>
             <p:ph type="title"/>
+            <p:custDataLst>
+              <p:tags r:id="rId1"/>
+            </p:custDataLst>
           </p:nvPr>
         </p:nvSpPr>
         <p:spPr/>
         <p:txBody>
-          <a:bodyPr/>
+          <a:bodyPr>
+            <a:normAutofit/>
+          </a:bodyPr>
           <a:lstStyle/>
           <a:p>
             <a:r>
-              <a:rPr lang="fr-CA" dirty="0" smtClean="0"/>
-              <a:t>WBS (3/3)</a:t>
+              <a:rPr lang="fr-CA" dirty="0"/>
+              <a:t>WBS (1/3)</a:t>
+            </a:r>
+            <a:br>
+              <a:rPr lang="fr-CA" dirty="0"/>
+            </a:br>
+            <a:r>
+              <a:rPr lang="fr-CA" sz="2000" i="1" dirty="0"/>
+              <a:t>*Voir les dernières pages du PDF pour plus de précision</a:t>
             </a:r>
             <a:endParaRPr lang="en-US" dirty="0"/>
           </a:p>
@@ -10279,10 +10930,14 @@
           <p:cNvPicPr>
             <a:picLocks noChangeAspect="1"/>
           </p:cNvPicPr>
-          <p:nvPr/>
+          <p:nvPr>
+            <p:custDataLst>
+              <p:tags r:id="rId2"/>
+            </p:custDataLst>
+          </p:nvPr>
         </p:nvPicPr>
         <p:blipFill>
-          <a:blip r:embed="rId2">
+          <a:blip r:embed="rId4">
             <a:extLst>
               <a:ext uri="{28A0092B-C50C-407E-A947-70E740481C1C}">
                 <a14:useLocalDpi xmlns:a14="http://schemas.microsoft.com/office/drawing/2010/main" val="0"/>
@@ -10355,6 +11010,9 @@
           </p:cNvSpPr>
           <p:nvPr>
             <p:ph type="title"/>
+            <p:custDataLst>
+              <p:tags r:id="rId1"/>
+            </p:custDataLst>
           </p:nvPr>
         </p:nvSpPr>
         <p:spPr/>
@@ -10378,6 +11036,9 @@
           </p:cNvSpPr>
           <p:nvPr>
             <p:ph idx="1"/>
+            <p:custDataLst>
+              <p:tags r:id="rId2"/>
+            </p:custDataLst>
           </p:nvPr>
         </p:nvSpPr>
         <p:spPr/>
@@ -10507,6 +11168,9 @@
           </p:cNvSpPr>
           <p:nvPr>
             <p:ph type="title"/>
+            <p:custDataLst>
+              <p:tags r:id="rId1"/>
+            </p:custDataLst>
           </p:nvPr>
         </p:nvSpPr>
         <p:spPr/>
@@ -10534,6 +11198,9 @@
           </p:cNvSpPr>
           <p:nvPr>
             <p:ph idx="1"/>
+            <p:custDataLst>
+              <p:tags r:id="rId2"/>
+            </p:custDataLst>
           </p:nvPr>
         </p:nvSpPr>
         <p:spPr>
@@ -10644,6 +11311,9 @@
           </p:cNvSpPr>
           <p:nvPr>
             <p:ph type="title"/>
+            <p:custDataLst>
+              <p:tags r:id="rId1"/>
+            </p:custDataLst>
           </p:nvPr>
         </p:nvSpPr>
         <p:spPr/>
@@ -10671,6 +11341,9 @@
           </p:cNvSpPr>
           <p:nvPr>
             <p:ph idx="1"/>
+            <p:custDataLst>
+              <p:tags r:id="rId2"/>
+            </p:custDataLst>
           </p:nvPr>
         </p:nvSpPr>
         <p:spPr>
@@ -10788,6 +11461,9 @@
           </p:cNvSpPr>
           <p:nvPr>
             <p:ph type="title"/>
+            <p:custDataLst>
+              <p:tags r:id="rId1"/>
+            </p:custDataLst>
           </p:nvPr>
         </p:nvSpPr>
         <p:spPr/>
@@ -10823,6 +11499,9 @@
           </p:cNvSpPr>
           <p:nvPr>
             <p:ph idx="1"/>
+            <p:custDataLst>
+              <p:tags r:id="rId2"/>
+            </p:custDataLst>
           </p:nvPr>
         </p:nvSpPr>
         <p:spPr/>
@@ -10863,15 +11542,7 @@
             </a:r>
             <a:r>
               <a:rPr lang="fr-FR" dirty="0" smtClean="0"/>
-              <a:t>âches de chacun des membres sont tenues à jour au moyen d’un fichier </a:t>
-            </a:r>
-            <a:r>
-              <a:rPr lang="fr-FR" dirty="0" err="1" smtClean="0"/>
-              <a:t>excel</a:t>
-            </a:r>
-            <a:r>
-              <a:rPr lang="fr-FR" dirty="0" smtClean="0"/>
-              <a:t> de gestion hebdomadaire</a:t>
+              <a:t>âches de chacun des membres sont tenues à jour au moyen d’un fichier Excel de gestion hebdomadaire</a:t>
             </a:r>
           </a:p>
           <a:p>
@@ -10917,16 +11588,15 @@
             <a:pPr lvl="1"/>
             <a:r>
               <a:rPr lang="fr-FR" dirty="0" smtClean="0"/>
-              <a:t>Permet le travail collaboratif</a:t>
+              <a:t>Permets le travail collaboratif</a:t>
             </a:r>
           </a:p>
           <a:p>
             <a:pPr lvl="1"/>
             <a:r>
-              <a:rPr lang="fr-FR" dirty="0" err="1" smtClean="0"/>
-              <a:t>Multi-plateforme</a:t>
-            </a:r>
-            <a:endParaRPr lang="fr-FR" dirty="0" smtClean="0"/>
+              <a:rPr lang="fr-FR" dirty="0" smtClean="0"/>
+              <a:t>Multiplateforme</a:t>
+            </a:r>
           </a:p>
           <a:p>
             <a:pPr lvl="1"/>
@@ -10978,6 +11648,9 @@
           </p:cNvSpPr>
           <p:nvPr>
             <p:ph type="title"/>
+            <p:custDataLst>
+              <p:tags r:id="rId1"/>
+            </p:custDataLst>
           </p:nvPr>
         </p:nvSpPr>
         <p:spPr/>
@@ -11001,6 +11674,9 @@
           </p:cNvSpPr>
           <p:nvPr>
             <p:ph idx="1"/>
+            <p:custDataLst>
+              <p:tags r:id="rId2"/>
+            </p:custDataLst>
           </p:nvPr>
         </p:nvSpPr>
         <p:spPr>
@@ -11026,7 +11702,7 @@
           <a:p>
             <a:r>
               <a:rPr lang="fr-FR" sz="2200" dirty="0" smtClean="0"/>
-              <a:t>Modélisation de chacune des composantes en employant d’abord les modèles idéaux, puis en y ajoutant des caractéristiques linéaires et non linéaires jusqu’à représenter, de manière la plus exacte possible (en prenant en compte les limitations techniques liées à l’exécution du simulation), le comportement de la composante en question</a:t>
+              <a:t>Modélisation de chacune des composantes en employant d’abord, les modèles idéaux, puis en y ajoutant des caractéristiques linéaires et non linéaires jusqu’à représenter de manière la plus exacte possible (en prenant en compte les limitations techniques liées à l’exécution de la simulation), le comportement de la composante en question</a:t>
             </a:r>
           </a:p>
           <a:p>
@@ -11050,15 +11726,7 @@
           <a:p>
             <a:r>
               <a:rPr lang="fr-FR" sz="2200" dirty="0" smtClean="0"/>
-              <a:t>Intégration des différents </a:t>
-            </a:r>
-            <a:r>
-              <a:rPr lang="fr-FR" sz="2200" dirty="0" err="1" smtClean="0"/>
-              <a:t>modèl</a:t>
-            </a:r>
-            <a:r>
-              <a:rPr lang="fr-FR" sz="2200" dirty="0" smtClean="0"/>
-              <a:t> es de composantes de manière à réaliser le redresseur NPC</a:t>
+              <a:t>Intégration des différents modèles de composantes de manière à réaliser le redresseur NPC</a:t>
             </a:r>
           </a:p>
           <a:p>
@@ -11154,6 +11822,9 @@
           </p:cNvSpPr>
           <p:nvPr>
             <p:ph type="title"/>
+            <p:custDataLst>
+              <p:tags r:id="rId1"/>
+            </p:custDataLst>
           </p:nvPr>
         </p:nvSpPr>
         <p:spPr/>
@@ -11185,6 +11856,9 @@
           </p:cNvSpPr>
           <p:nvPr>
             <p:ph idx="1"/>
+            <p:custDataLst>
+              <p:tags r:id="rId2"/>
+            </p:custDataLst>
           </p:nvPr>
         </p:nvSpPr>
         <p:spPr/>
@@ -11274,6 +11948,9 @@
           </p:cNvSpPr>
           <p:nvPr>
             <p:ph type="title"/>
+            <p:custDataLst>
+              <p:tags r:id="rId1"/>
+            </p:custDataLst>
           </p:nvPr>
         </p:nvSpPr>
         <p:spPr/>
@@ -11299,10 +11976,14 @@
           <p:cNvPicPr>
             <a:picLocks noChangeAspect="1" noChangeArrowheads="1"/>
           </p:cNvPicPr>
-          <p:nvPr/>
+          <p:nvPr>
+            <p:custDataLst>
+              <p:tags r:id="rId2"/>
+            </p:custDataLst>
+          </p:nvPr>
         </p:nvPicPr>
         <p:blipFill>
-          <a:blip r:embed="rId2">
+          <a:blip r:embed="rId5">
             <a:extLst>
               <a:ext uri="{28A0092B-C50C-407E-A947-70E740481C1C}">
                 <a14:useLocalDpi xmlns:a14="http://schemas.microsoft.com/office/drawing/2010/main" val="0"/>
@@ -11348,7 +12029,11 @@
           <p:cNvSpPr txBox="1">
             <a:spLocks/>
           </p:cNvSpPr>
-          <p:nvPr/>
+          <p:nvPr>
+            <p:custDataLst>
+              <p:tags r:id="rId3"/>
+            </p:custDataLst>
+          </p:nvPr>
         </p:nvSpPr>
         <p:spPr>
           <a:xfrm>
@@ -11475,6 +12160,330 @@
     <a:masterClrMapping/>
   </p:clrMapOvr>
 </p:sld>
+</file>
+
+<file path=ppt/tags/tag1.xml><?xml version="1.0" encoding="utf-8"?>
+<p:tagLst xmlns:a="http://schemas.openxmlformats.org/drawingml/2006/main" xmlns:r="http://schemas.openxmlformats.org/officeDocument/2006/relationships" xmlns:p="http://schemas.openxmlformats.org/presentationml/2006/main">
+  <p:tag name="NUM" val="1"/>
+</p:tagLst>
+</file>
+
+<file path=ppt/tags/tag10.xml><?xml version="1.0" encoding="utf-8"?>
+<p:tagLst xmlns:a="http://schemas.openxmlformats.org/drawingml/2006/main" xmlns:r="http://schemas.openxmlformats.org/officeDocument/2006/relationships" xmlns:p="http://schemas.openxmlformats.org/presentationml/2006/main">
+  <p:tag name="NUM" val="2"/>
+</p:tagLst>
+</file>
+
+<file path=ppt/tags/tag11.xml><?xml version="1.0" encoding="utf-8"?>
+<p:tagLst xmlns:a="http://schemas.openxmlformats.org/drawingml/2006/main" xmlns:r="http://schemas.openxmlformats.org/officeDocument/2006/relationships" xmlns:p="http://schemas.openxmlformats.org/presentationml/2006/main">
+  <p:tag name="NUM" val="1"/>
+</p:tagLst>
+</file>
+
+<file path=ppt/tags/tag12.xml><?xml version="1.0" encoding="utf-8"?>
+<p:tagLst xmlns:a="http://schemas.openxmlformats.org/drawingml/2006/main" xmlns:r="http://schemas.openxmlformats.org/officeDocument/2006/relationships" xmlns:p="http://schemas.openxmlformats.org/presentationml/2006/main">
+  <p:tag name="NUM" val="2"/>
+</p:tagLst>
+</file>
+
+<file path=ppt/tags/tag13.xml><?xml version="1.0" encoding="utf-8"?>
+<p:tagLst xmlns:a="http://schemas.openxmlformats.org/drawingml/2006/main" xmlns:r="http://schemas.openxmlformats.org/officeDocument/2006/relationships" xmlns:p="http://schemas.openxmlformats.org/presentationml/2006/main">
+  <p:tag name="NUM" val="1"/>
+</p:tagLst>
+</file>
+
+<file path=ppt/tags/tag14.xml><?xml version="1.0" encoding="utf-8"?>
+<p:tagLst xmlns:a="http://schemas.openxmlformats.org/drawingml/2006/main" xmlns:r="http://schemas.openxmlformats.org/officeDocument/2006/relationships" xmlns:p="http://schemas.openxmlformats.org/presentationml/2006/main">
+  <p:tag name="NUM" val="2"/>
+</p:tagLst>
+</file>
+
+<file path=ppt/tags/tag15.xml><?xml version="1.0" encoding="utf-8"?>
+<p:tagLst xmlns:a="http://schemas.openxmlformats.org/drawingml/2006/main" xmlns:r="http://schemas.openxmlformats.org/officeDocument/2006/relationships" xmlns:p="http://schemas.openxmlformats.org/presentationml/2006/main">
+  <p:tag name="NUM" val="1"/>
+</p:tagLst>
+</file>
+
+<file path=ppt/tags/tag16.xml><?xml version="1.0" encoding="utf-8"?>
+<p:tagLst xmlns:a="http://schemas.openxmlformats.org/drawingml/2006/main" xmlns:r="http://schemas.openxmlformats.org/officeDocument/2006/relationships" xmlns:p="http://schemas.openxmlformats.org/presentationml/2006/main">
+  <p:tag name="NUM" val="2"/>
+</p:tagLst>
+</file>
+
+<file path=ppt/tags/tag17.xml><?xml version="1.0" encoding="utf-8"?>
+<p:tagLst xmlns:a="http://schemas.openxmlformats.org/drawingml/2006/main" xmlns:r="http://schemas.openxmlformats.org/officeDocument/2006/relationships" xmlns:p="http://schemas.openxmlformats.org/presentationml/2006/main">
+  <p:tag name="NUM" val="1"/>
+</p:tagLst>
+</file>
+
+<file path=ppt/tags/tag18.xml><?xml version="1.0" encoding="utf-8"?>
+<p:tagLst xmlns:a="http://schemas.openxmlformats.org/drawingml/2006/main" xmlns:r="http://schemas.openxmlformats.org/officeDocument/2006/relationships" xmlns:p="http://schemas.openxmlformats.org/presentationml/2006/main">
+  <p:tag name="NUM" val="2"/>
+</p:tagLst>
+</file>
+
+<file path=ppt/tags/tag19.xml><?xml version="1.0" encoding="utf-8"?>
+<p:tagLst xmlns:a="http://schemas.openxmlformats.org/drawingml/2006/main" xmlns:r="http://schemas.openxmlformats.org/officeDocument/2006/relationships" xmlns:p="http://schemas.openxmlformats.org/presentationml/2006/main">
+  <p:tag name="NUM" val="3"/>
+</p:tagLst>
+</file>
+
+<file path=ppt/tags/tag2.xml><?xml version="1.0" encoding="utf-8"?>
+<p:tagLst xmlns:a="http://schemas.openxmlformats.org/drawingml/2006/main" xmlns:r="http://schemas.openxmlformats.org/officeDocument/2006/relationships" xmlns:p="http://schemas.openxmlformats.org/presentationml/2006/main">
+  <p:tag name="NUM" val="2"/>
+</p:tagLst>
+</file>
+
+<file path=ppt/tags/tag20.xml><?xml version="1.0" encoding="utf-8"?>
+<p:tagLst xmlns:a="http://schemas.openxmlformats.org/drawingml/2006/main" xmlns:r="http://schemas.openxmlformats.org/officeDocument/2006/relationships" xmlns:p="http://schemas.openxmlformats.org/presentationml/2006/main">
+  <p:tag name="NUM" val="1"/>
+</p:tagLst>
+</file>
+
+<file path=ppt/tags/tag21.xml><?xml version="1.0" encoding="utf-8"?>
+<p:tagLst xmlns:a="http://schemas.openxmlformats.org/drawingml/2006/main" xmlns:r="http://schemas.openxmlformats.org/officeDocument/2006/relationships" xmlns:p="http://schemas.openxmlformats.org/presentationml/2006/main">
+  <p:tag name="NUM" val="2"/>
+</p:tagLst>
+</file>
+
+<file path=ppt/tags/tag22.xml><?xml version="1.0" encoding="utf-8"?>
+<p:tagLst xmlns:a="http://schemas.openxmlformats.org/drawingml/2006/main" xmlns:r="http://schemas.openxmlformats.org/officeDocument/2006/relationships" xmlns:p="http://schemas.openxmlformats.org/presentationml/2006/main">
+  <p:tag name="NUM" val="3"/>
+</p:tagLst>
+</file>
+
+<file path=ppt/tags/tag23.xml><?xml version="1.0" encoding="utf-8"?>
+<p:tagLst xmlns:a="http://schemas.openxmlformats.org/drawingml/2006/main" xmlns:r="http://schemas.openxmlformats.org/officeDocument/2006/relationships" xmlns:p="http://schemas.openxmlformats.org/presentationml/2006/main">
+  <p:tag name="NUM" val="4"/>
+</p:tagLst>
+</file>
+
+<file path=ppt/tags/tag24.xml><?xml version="1.0" encoding="utf-8"?>
+<p:tagLst xmlns:a="http://schemas.openxmlformats.org/drawingml/2006/main" xmlns:r="http://schemas.openxmlformats.org/officeDocument/2006/relationships" xmlns:p="http://schemas.openxmlformats.org/presentationml/2006/main">
+  <p:tag name="NUM" val="1"/>
+</p:tagLst>
+</file>
+
+<file path=ppt/tags/tag25.xml><?xml version="1.0" encoding="utf-8"?>
+<p:tagLst xmlns:a="http://schemas.openxmlformats.org/drawingml/2006/main" xmlns:r="http://schemas.openxmlformats.org/officeDocument/2006/relationships" xmlns:p="http://schemas.openxmlformats.org/presentationml/2006/main">
+  <p:tag name="NUM" val="2"/>
+</p:tagLst>
+</file>
+
+<file path=ppt/tags/tag26.xml><?xml version="1.0" encoding="utf-8"?>
+<p:tagLst xmlns:a="http://schemas.openxmlformats.org/drawingml/2006/main" xmlns:r="http://schemas.openxmlformats.org/officeDocument/2006/relationships" xmlns:p="http://schemas.openxmlformats.org/presentationml/2006/main">
+  <p:tag name="NUM" val="3"/>
+</p:tagLst>
+</file>
+
+<file path=ppt/tags/tag27.xml><?xml version="1.0" encoding="utf-8"?>
+<p:tagLst xmlns:a="http://schemas.openxmlformats.org/drawingml/2006/main" xmlns:r="http://schemas.openxmlformats.org/officeDocument/2006/relationships" xmlns:p="http://schemas.openxmlformats.org/presentationml/2006/main">
+  <p:tag name="NUM" val="1"/>
+</p:tagLst>
+</file>
+
+<file path=ppt/tags/tag28.xml><?xml version="1.0" encoding="utf-8"?>
+<p:tagLst xmlns:a="http://schemas.openxmlformats.org/drawingml/2006/main" xmlns:r="http://schemas.openxmlformats.org/officeDocument/2006/relationships" xmlns:p="http://schemas.openxmlformats.org/presentationml/2006/main">
+  <p:tag name="NUM" val="2"/>
+</p:tagLst>
+</file>
+
+<file path=ppt/tags/tag29.xml><?xml version="1.0" encoding="utf-8"?>
+<p:tagLst xmlns:a="http://schemas.openxmlformats.org/drawingml/2006/main" xmlns:r="http://schemas.openxmlformats.org/officeDocument/2006/relationships" xmlns:p="http://schemas.openxmlformats.org/presentationml/2006/main">
+  <p:tag name="NUM" val="1"/>
+</p:tagLst>
+</file>
+
+<file path=ppt/tags/tag3.xml><?xml version="1.0" encoding="utf-8"?>
+<p:tagLst xmlns:a="http://schemas.openxmlformats.org/drawingml/2006/main" xmlns:r="http://schemas.openxmlformats.org/officeDocument/2006/relationships" xmlns:p="http://schemas.openxmlformats.org/presentationml/2006/main">
+  <p:tag name="NUM" val="1"/>
+</p:tagLst>
+</file>
+
+<file path=ppt/tags/tag30.xml><?xml version="1.0" encoding="utf-8"?>
+<p:tagLst xmlns:a="http://schemas.openxmlformats.org/drawingml/2006/main" xmlns:r="http://schemas.openxmlformats.org/officeDocument/2006/relationships" xmlns:p="http://schemas.openxmlformats.org/presentationml/2006/main">
+  <p:tag name="NUM" val="2"/>
+</p:tagLst>
+</file>
+
+<file path=ppt/tags/tag31.xml><?xml version="1.0" encoding="utf-8"?>
+<p:tagLst xmlns:a="http://schemas.openxmlformats.org/drawingml/2006/main" xmlns:r="http://schemas.openxmlformats.org/officeDocument/2006/relationships" xmlns:p="http://schemas.openxmlformats.org/presentationml/2006/main">
+  <p:tag name="NUM" val="1"/>
+</p:tagLst>
+</file>
+
+<file path=ppt/tags/tag32.xml><?xml version="1.0" encoding="utf-8"?>
+<p:tagLst xmlns:a="http://schemas.openxmlformats.org/drawingml/2006/main" xmlns:r="http://schemas.openxmlformats.org/officeDocument/2006/relationships" xmlns:p="http://schemas.openxmlformats.org/presentationml/2006/main">
+  <p:tag name="NUM" val="2"/>
+</p:tagLst>
+</file>
+
+<file path=ppt/tags/tag33.xml><?xml version="1.0" encoding="utf-8"?>
+<p:tagLst xmlns:a="http://schemas.openxmlformats.org/drawingml/2006/main" xmlns:r="http://schemas.openxmlformats.org/officeDocument/2006/relationships" xmlns:p="http://schemas.openxmlformats.org/presentationml/2006/main">
+  <p:tag name="NUM" val="1"/>
+</p:tagLst>
+</file>
+
+<file path=ppt/tags/tag34.xml><?xml version="1.0" encoding="utf-8"?>
+<p:tagLst xmlns:a="http://schemas.openxmlformats.org/drawingml/2006/main" xmlns:r="http://schemas.openxmlformats.org/officeDocument/2006/relationships" xmlns:p="http://schemas.openxmlformats.org/presentationml/2006/main">
+  <p:tag name="NUM" val="2"/>
+</p:tagLst>
+</file>
+
+<file path=ppt/tags/tag35.xml><?xml version="1.0" encoding="utf-8"?>
+<p:tagLst xmlns:a="http://schemas.openxmlformats.org/drawingml/2006/main" xmlns:r="http://schemas.openxmlformats.org/officeDocument/2006/relationships" xmlns:p="http://schemas.openxmlformats.org/presentationml/2006/main">
+  <p:tag name="NUM" val="1"/>
+</p:tagLst>
+</file>
+
+<file path=ppt/tags/tag36.xml><?xml version="1.0" encoding="utf-8"?>
+<p:tagLst xmlns:a="http://schemas.openxmlformats.org/drawingml/2006/main" xmlns:r="http://schemas.openxmlformats.org/officeDocument/2006/relationships" xmlns:p="http://schemas.openxmlformats.org/presentationml/2006/main">
+  <p:tag name="NUM" val="2"/>
+</p:tagLst>
+</file>
+
+<file path=ppt/tags/tag37.xml><?xml version="1.0" encoding="utf-8"?>
+<p:tagLst xmlns:a="http://schemas.openxmlformats.org/drawingml/2006/main" xmlns:r="http://schemas.openxmlformats.org/officeDocument/2006/relationships" xmlns:p="http://schemas.openxmlformats.org/presentationml/2006/main">
+  <p:tag name="NUM" val="1"/>
+</p:tagLst>
+</file>
+
+<file path=ppt/tags/tag38.xml><?xml version="1.0" encoding="utf-8"?>
+<p:tagLst xmlns:a="http://schemas.openxmlformats.org/drawingml/2006/main" xmlns:r="http://schemas.openxmlformats.org/officeDocument/2006/relationships" xmlns:p="http://schemas.openxmlformats.org/presentationml/2006/main">
+  <p:tag name="NUM" val="2"/>
+</p:tagLst>
+</file>
+
+<file path=ppt/tags/tag39.xml><?xml version="1.0" encoding="utf-8"?>
+<p:tagLst xmlns:a="http://schemas.openxmlformats.org/drawingml/2006/main" xmlns:r="http://schemas.openxmlformats.org/officeDocument/2006/relationships" xmlns:p="http://schemas.openxmlformats.org/presentationml/2006/main">
+  <p:tag name="NUM" val="3"/>
+</p:tagLst>
+</file>
+
+<file path=ppt/tags/tag4.xml><?xml version="1.0" encoding="utf-8"?>
+<p:tagLst xmlns:a="http://schemas.openxmlformats.org/drawingml/2006/main" xmlns:r="http://schemas.openxmlformats.org/officeDocument/2006/relationships" xmlns:p="http://schemas.openxmlformats.org/presentationml/2006/main">
+  <p:tag name="NUM" val="2"/>
+</p:tagLst>
+</file>
+
+<file path=ppt/tags/tag40.xml><?xml version="1.0" encoding="utf-8"?>
+<p:tagLst xmlns:a="http://schemas.openxmlformats.org/drawingml/2006/main" xmlns:r="http://schemas.openxmlformats.org/officeDocument/2006/relationships" xmlns:p="http://schemas.openxmlformats.org/presentationml/2006/main">
+  <p:tag name="NUM" val="1"/>
+</p:tagLst>
+</file>
+
+<file path=ppt/tags/tag41.xml><?xml version="1.0" encoding="utf-8"?>
+<p:tagLst xmlns:a="http://schemas.openxmlformats.org/drawingml/2006/main" xmlns:r="http://schemas.openxmlformats.org/officeDocument/2006/relationships" xmlns:p="http://schemas.openxmlformats.org/presentationml/2006/main">
+  <p:tag name="NUM" val="2"/>
+</p:tagLst>
+</file>
+
+<file path=ppt/tags/tag42.xml><?xml version="1.0" encoding="utf-8"?>
+<p:tagLst xmlns:a="http://schemas.openxmlformats.org/drawingml/2006/main" xmlns:r="http://schemas.openxmlformats.org/officeDocument/2006/relationships" xmlns:p="http://schemas.openxmlformats.org/presentationml/2006/main">
+  <p:tag name="NUM" val="1"/>
+</p:tagLst>
+</file>
+
+<file path=ppt/tags/tag43.xml><?xml version="1.0" encoding="utf-8"?>
+<p:tagLst xmlns:a="http://schemas.openxmlformats.org/drawingml/2006/main" xmlns:r="http://schemas.openxmlformats.org/officeDocument/2006/relationships" xmlns:p="http://schemas.openxmlformats.org/presentationml/2006/main">
+  <p:tag name="NUM" val="2"/>
+</p:tagLst>
+</file>
+
+<file path=ppt/tags/tag44.xml><?xml version="1.0" encoding="utf-8"?>
+<p:tagLst xmlns:a="http://schemas.openxmlformats.org/drawingml/2006/main" xmlns:r="http://schemas.openxmlformats.org/officeDocument/2006/relationships" xmlns:p="http://schemas.openxmlformats.org/presentationml/2006/main">
+  <p:tag name="NUM" val="1"/>
+</p:tagLst>
+</file>
+
+<file path=ppt/tags/tag45.xml><?xml version="1.0" encoding="utf-8"?>
+<p:tagLst xmlns:a="http://schemas.openxmlformats.org/drawingml/2006/main" xmlns:r="http://schemas.openxmlformats.org/officeDocument/2006/relationships" xmlns:p="http://schemas.openxmlformats.org/presentationml/2006/main">
+  <p:tag name="NUM" val="2"/>
+</p:tagLst>
+</file>
+
+<file path=ppt/tags/tag46.xml><?xml version="1.0" encoding="utf-8"?>
+<p:tagLst xmlns:a="http://schemas.openxmlformats.org/drawingml/2006/main" xmlns:r="http://schemas.openxmlformats.org/officeDocument/2006/relationships" xmlns:p="http://schemas.openxmlformats.org/presentationml/2006/main">
+  <p:tag name="NUM" val="1"/>
+</p:tagLst>
+</file>
+
+<file path=ppt/tags/tag47.xml><?xml version="1.0" encoding="utf-8"?>
+<p:tagLst xmlns:a="http://schemas.openxmlformats.org/drawingml/2006/main" xmlns:r="http://schemas.openxmlformats.org/officeDocument/2006/relationships" xmlns:p="http://schemas.openxmlformats.org/presentationml/2006/main">
+  <p:tag name="NUM" val="2"/>
+</p:tagLst>
+</file>
+
+<file path=ppt/tags/tag48.xml><?xml version="1.0" encoding="utf-8"?>
+<p:tagLst xmlns:a="http://schemas.openxmlformats.org/drawingml/2006/main" xmlns:r="http://schemas.openxmlformats.org/officeDocument/2006/relationships" xmlns:p="http://schemas.openxmlformats.org/presentationml/2006/main">
+  <p:tag name="NUM" val="3"/>
+</p:tagLst>
+</file>
+
+<file path=ppt/tags/tag49.xml><?xml version="1.0" encoding="utf-8"?>
+<p:tagLst xmlns:a="http://schemas.openxmlformats.org/drawingml/2006/main" xmlns:r="http://schemas.openxmlformats.org/officeDocument/2006/relationships" xmlns:p="http://schemas.openxmlformats.org/presentationml/2006/main">
+  <p:tag name="NUM" val="1"/>
+</p:tagLst>
+</file>
+
+<file path=ppt/tags/tag5.xml><?xml version="1.0" encoding="utf-8"?>
+<p:tagLst xmlns:a="http://schemas.openxmlformats.org/drawingml/2006/main" xmlns:r="http://schemas.openxmlformats.org/officeDocument/2006/relationships" xmlns:p="http://schemas.openxmlformats.org/presentationml/2006/main">
+  <p:tag name="NUM" val="1"/>
+</p:tagLst>
+</file>
+
+<file path=ppt/tags/tag50.xml><?xml version="1.0" encoding="utf-8"?>
+<p:tagLst xmlns:a="http://schemas.openxmlformats.org/drawingml/2006/main" xmlns:r="http://schemas.openxmlformats.org/officeDocument/2006/relationships" xmlns:p="http://schemas.openxmlformats.org/presentationml/2006/main">
+  <p:tag name="NUM" val="2"/>
+</p:tagLst>
+</file>
+
+<file path=ppt/tags/tag51.xml><?xml version="1.0" encoding="utf-8"?>
+<p:tagLst xmlns:a="http://schemas.openxmlformats.org/drawingml/2006/main" xmlns:r="http://schemas.openxmlformats.org/officeDocument/2006/relationships" xmlns:p="http://schemas.openxmlformats.org/presentationml/2006/main">
+  <p:tag name="NUM" val="1"/>
+</p:tagLst>
+</file>
+
+<file path=ppt/tags/tag52.xml><?xml version="1.0" encoding="utf-8"?>
+<p:tagLst xmlns:a="http://schemas.openxmlformats.org/drawingml/2006/main" xmlns:r="http://schemas.openxmlformats.org/officeDocument/2006/relationships" xmlns:p="http://schemas.openxmlformats.org/presentationml/2006/main">
+  <p:tag name="NUM" val="2"/>
+</p:tagLst>
+</file>
+
+<file path=ppt/tags/tag53.xml><?xml version="1.0" encoding="utf-8"?>
+<p:tagLst xmlns:a="http://schemas.openxmlformats.org/drawingml/2006/main" xmlns:r="http://schemas.openxmlformats.org/officeDocument/2006/relationships" xmlns:p="http://schemas.openxmlformats.org/presentationml/2006/main">
+  <p:tag name="NUM" val="1"/>
+</p:tagLst>
+</file>
+
+<file path=ppt/tags/tag54.xml><?xml version="1.0" encoding="utf-8"?>
+<p:tagLst xmlns:a="http://schemas.openxmlformats.org/drawingml/2006/main" xmlns:r="http://schemas.openxmlformats.org/officeDocument/2006/relationships" xmlns:p="http://schemas.openxmlformats.org/presentationml/2006/main">
+  <p:tag name="NUM" val="2"/>
+</p:tagLst>
+</file>
+
+<file path=ppt/tags/tag6.xml><?xml version="1.0" encoding="utf-8"?>
+<p:tagLst xmlns:a="http://schemas.openxmlformats.org/drawingml/2006/main" xmlns:r="http://schemas.openxmlformats.org/officeDocument/2006/relationships" xmlns:p="http://schemas.openxmlformats.org/presentationml/2006/main">
+  <p:tag name="NUM" val="2"/>
+</p:tagLst>
+</file>
+
+<file path=ppt/tags/tag7.xml><?xml version="1.0" encoding="utf-8"?>
+<p:tagLst xmlns:a="http://schemas.openxmlformats.org/drawingml/2006/main" xmlns:r="http://schemas.openxmlformats.org/officeDocument/2006/relationships" xmlns:p="http://schemas.openxmlformats.org/presentationml/2006/main">
+  <p:tag name="NUM" val="1"/>
+</p:tagLst>
+</file>
+
+<file path=ppt/tags/tag8.xml><?xml version="1.0" encoding="utf-8"?>
+<p:tagLst xmlns:a="http://schemas.openxmlformats.org/drawingml/2006/main" xmlns:r="http://schemas.openxmlformats.org/officeDocument/2006/relationships" xmlns:p="http://schemas.openxmlformats.org/presentationml/2006/main">
+  <p:tag name="NUM" val="2"/>
+</p:tagLst>
+</file>
+
+<file path=ppt/tags/tag9.xml><?xml version="1.0" encoding="utf-8"?>
+<p:tagLst xmlns:a="http://schemas.openxmlformats.org/drawingml/2006/main" xmlns:r="http://schemas.openxmlformats.org/officeDocument/2006/relationships" xmlns:p="http://schemas.openxmlformats.org/presentationml/2006/main">
+  <p:tag name="NUM" val="1"/>
+</p:tagLst>
 </file>
 
 <file path=ppt/theme/theme1.xml><?xml version="1.0" encoding="utf-8"?>

--- a/Remise/Remise 1/Presentation_Remise_1.pptx
+++ b/Remise/Remise 1/Presentation_Remise_1.pptx
@@ -7,28 +7,30 @@
   <p:sldIdLst>
     <p:sldId id="256" r:id="rId2"/>
     <p:sldId id="258" r:id="rId3"/>
-    <p:sldId id="259" r:id="rId4"/>
-    <p:sldId id="257" r:id="rId5"/>
-    <p:sldId id="260" r:id="rId6"/>
-    <p:sldId id="261" r:id="rId7"/>
-    <p:sldId id="262" r:id="rId8"/>
-    <p:sldId id="263" r:id="rId9"/>
-    <p:sldId id="264" r:id="rId10"/>
-    <p:sldId id="265" r:id="rId11"/>
-    <p:sldId id="266" r:id="rId12"/>
-    <p:sldId id="267" r:id="rId13"/>
-    <p:sldId id="271" r:id="rId14"/>
-    <p:sldId id="272" r:id="rId15"/>
-    <p:sldId id="273" r:id="rId16"/>
-    <p:sldId id="274" r:id="rId17"/>
-    <p:sldId id="268" r:id="rId18"/>
-    <p:sldId id="269" r:id="rId19"/>
-    <p:sldId id="270" r:id="rId20"/>
-    <p:sldId id="278" r:id="rId21"/>
-    <p:sldId id="279" r:id="rId22"/>
-    <p:sldId id="275" r:id="rId23"/>
-    <p:sldId id="276" r:id="rId24"/>
-    <p:sldId id="277" r:id="rId25"/>
+    <p:sldId id="275" r:id="rId4"/>
+    <p:sldId id="276" r:id="rId5"/>
+    <p:sldId id="277" r:id="rId6"/>
+    <p:sldId id="278" r:id="rId7"/>
+    <p:sldId id="279" r:id="rId8"/>
+    <p:sldId id="280" r:id="rId9"/>
+    <p:sldId id="281" r:id="rId10"/>
+    <p:sldId id="259" r:id="rId11"/>
+    <p:sldId id="257" r:id="rId12"/>
+    <p:sldId id="260" r:id="rId13"/>
+    <p:sldId id="261" r:id="rId14"/>
+    <p:sldId id="262" r:id="rId15"/>
+    <p:sldId id="263" r:id="rId16"/>
+    <p:sldId id="264" r:id="rId17"/>
+    <p:sldId id="265" r:id="rId18"/>
+    <p:sldId id="266" r:id="rId19"/>
+    <p:sldId id="267" r:id="rId20"/>
+    <p:sldId id="271" r:id="rId21"/>
+    <p:sldId id="272" r:id="rId22"/>
+    <p:sldId id="273" r:id="rId23"/>
+    <p:sldId id="274" r:id="rId24"/>
+    <p:sldId id="268" r:id="rId25"/>
+    <p:sldId id="269" r:id="rId26"/>
+    <p:sldId id="270" r:id="rId27"/>
   </p:sldIdLst>
   <p:sldSz cx="12192000" cy="6858000"/>
   <p:notesSz cx="6858000" cy="9144000"/>
@@ -127,22 +129,6 @@
       </a:defRPr>
     </a:lvl9pPr>
   </p:defaultTextStyle>
-  <p:extLst>
-    <p:ext uri="{EFAFB233-063F-42B5-8137-9DF3F51BA10A}">
-      <p15:sldGuideLst xmlns:p15="http://schemas.microsoft.com/office/powerpoint/2012/main">
-        <p15:guide id="1" orient="horz" pos="2160">
-          <p15:clr>
-            <a:srgbClr val="A4A3A4"/>
-          </p15:clr>
-        </p15:guide>
-        <p15:guide id="2" pos="3840">
-          <p15:clr>
-            <a:srgbClr val="A4A3A4"/>
-          </p15:clr>
-        </p15:guide>
-      </p15:sldGuideLst>
-    </p:ext>
-  </p:extLst>
 </p:presentation>
 </file>
 
@@ -6531,17 +6517,9 @@
           </p:cNvSpPr>
           <p:nvPr>
             <p:ph type="ctrTitle"/>
-            <p:custDataLst>
-              <p:tags r:id="rId1"/>
-            </p:custDataLst>
-          </p:nvPr>
-        </p:nvSpPr>
-        <p:spPr>
-          <a:xfrm>
-            <a:off x="1507067" y="3093025"/>
-            <a:ext cx="7766936" cy="1646302"/>
-          </a:xfrm>
-        </p:spPr>
+          </p:nvPr>
+        </p:nvSpPr>
+        <p:spPr/>
         <p:txBody>
           <a:bodyPr/>
           <a:lstStyle/>
@@ -6573,17 +6551,9 @@
           </p:cNvSpPr>
           <p:nvPr>
             <p:ph type="subTitle" idx="1"/>
-            <p:custDataLst>
-              <p:tags r:id="rId2"/>
-            </p:custDataLst>
-          </p:nvPr>
-        </p:nvSpPr>
-        <p:spPr>
-          <a:xfrm>
-            <a:off x="1507067" y="4739324"/>
-            <a:ext cx="7766936" cy="1096899"/>
-          </a:xfrm>
-        </p:spPr>
+          </p:nvPr>
+        </p:nvSpPr>
+        <p:spPr/>
         <p:txBody>
           <a:bodyPr/>
           <a:lstStyle/>
@@ -6613,7 +6583,7 @@
   <p:timing>
     <p:tnLst>
       <p:par>
-        <p:cTn id="1" dur="indefinite" restart="never" nodeType="tmRoot"/>
+        <p:cTn xmlns:p14="http://schemas.microsoft.com/office/powerpoint/2010/main" id="1" dur="indefinite" restart="never" nodeType="tmRoot"/>
       </p:par>
     </p:tnLst>
   </p:timing>
@@ -6639,34 +6609,22 @@
       </p:grpSpPr>
       <p:sp>
         <p:nvSpPr>
-          <p:cNvPr id="4" name="Title 1"/>
+          <p:cNvPr id="2" name="Title 1"/>
           <p:cNvSpPr>
             <a:spLocks noGrp="1"/>
           </p:cNvSpPr>
           <p:nvPr>
             <p:ph type="title"/>
-            <p:custDataLst>
-              <p:tags r:id="rId1"/>
-            </p:custDataLst>
-          </p:nvPr>
-        </p:nvSpPr>
-        <p:spPr>
-          <a:xfrm>
-            <a:off x="677334" y="609600"/>
-            <a:ext cx="8596668" cy="1320800"/>
-          </a:xfrm>
-        </p:spPr>
+          </p:nvPr>
+        </p:nvSpPr>
+        <p:spPr/>
         <p:txBody>
           <a:bodyPr/>
           <a:lstStyle/>
           <a:p>
             <a:r>
               <a:rPr lang="en-US" dirty="0" err="1" smtClean="0"/>
-              <a:t>État</a:t>
-            </a:r>
-            <a:r>
-              <a:rPr lang="en-US" dirty="0" smtClean="0"/>
-              <a:t> de la situation (2/2)</a:t>
+              <a:t>Objectifs</a:t>
             </a:r>
             <a:endParaRPr lang="en-US" dirty="0"/>
           </a:p>
@@ -6674,136 +6632,113 @@
       </p:sp>
       <p:sp>
         <p:nvSpPr>
-          <p:cNvPr id="5" name="Content Placeholder 2"/>
+          <p:cNvPr id="3" name="Content Placeholder 2"/>
           <p:cNvSpPr>
             <a:spLocks noGrp="1"/>
           </p:cNvSpPr>
           <p:nvPr>
             <p:ph idx="1"/>
-            <p:custDataLst>
-              <p:tags r:id="rId2"/>
-            </p:custDataLst>
-          </p:nvPr>
-        </p:nvSpPr>
-        <p:spPr>
-          <a:xfrm>
-            <a:off x="677334" y="2160589"/>
-            <a:ext cx="8596668" cy="3880773"/>
-          </a:xfrm>
-        </p:spPr>
+          </p:nvPr>
+        </p:nvSpPr>
+        <p:spPr/>
         <p:txBody>
           <a:bodyPr>
             <a:normAutofit/>
           </a:bodyPr>
           <a:lstStyle/>
           <a:p>
-            <a:pPr marL="0" indent="0">
-              <a:buNone/>
-            </a:pPr>
-            <a:endParaRPr lang="en-US" sz="2800" dirty="0"/>
-          </a:p>
-        </p:txBody>
-      </p:sp>
-      <p:pic>
-        <p:nvPicPr>
-          <p:cNvPr id="2050" name="Picture 2" descr="D:\LiberT\Desktop\simu.png"/>
-          <p:cNvPicPr>
-            <a:picLocks noChangeAspect="1" noChangeArrowheads="1"/>
-          </p:cNvPicPr>
-          <p:nvPr>
-            <p:custDataLst>
-              <p:tags r:id="rId3"/>
-            </p:custDataLst>
-          </p:nvPr>
-        </p:nvPicPr>
-        <p:blipFill>
-          <a:blip r:embed="rId6">
-            <a:extLst>
-              <a:ext uri="{28A0092B-C50C-407E-A947-70E740481C1C}">
-                <a14:useLocalDpi xmlns:a14="http://schemas.microsoft.com/office/drawing/2010/main" val="0"/>
-              </a:ext>
-            </a:extLst>
-          </a:blip>
-          <a:srcRect/>
-          <a:stretch>
-            <a:fillRect/>
-          </a:stretch>
-        </p:blipFill>
-        <p:spPr bwMode="auto">
-          <a:xfrm>
-            <a:off x="304799" y="1473201"/>
-            <a:ext cx="6950628" cy="3589866"/>
-          </a:xfrm>
-          <a:prstGeom prst="rect">
-            <a:avLst/>
-          </a:prstGeom>
-          <a:noFill/>
-          <a:extLst>
-            <a:ext uri="{909E8E84-426E-40DD-AFC4-6F175D3DCCD1}">
-              <a14:hiddenFill xmlns:a14="http://schemas.microsoft.com/office/drawing/2010/main">
-                <a:solidFill>
-                  <a:srgbClr val="FFFFFF"/>
-                </a:solidFill>
-              </a14:hiddenFill>
-            </a:ext>
-          </a:extLst>
-        </p:spPr>
-      </p:pic>
-      <p:pic>
-        <p:nvPicPr>
-          <p:cNvPr id="2051" name="Picture 3" descr="D:\LiberT\Desktop\à la source.JPG"/>
-          <p:cNvPicPr>
-            <a:picLocks noChangeAspect="1" noChangeArrowheads="1"/>
-          </p:cNvPicPr>
-          <p:nvPr>
-            <p:custDataLst>
-              <p:tags r:id="rId4"/>
-            </p:custDataLst>
-          </p:nvPr>
-        </p:nvPicPr>
-        <p:blipFill>
-          <a:blip r:embed="rId7">
-            <a:extLst>
-              <a:ext uri="{28A0092B-C50C-407E-A947-70E740481C1C}">
-                <a14:useLocalDpi xmlns:a14="http://schemas.microsoft.com/office/drawing/2010/main" val="0"/>
-              </a:ext>
-            </a:extLst>
-          </a:blip>
-          <a:srcRect/>
-          <a:stretch>
-            <a:fillRect/>
-          </a:stretch>
-        </p:blipFill>
-        <p:spPr bwMode="auto">
-          <a:xfrm>
-            <a:off x="4975668" y="2794001"/>
-            <a:ext cx="7104062" cy="3829050"/>
-          </a:xfrm>
-          <a:prstGeom prst="rect">
-            <a:avLst/>
-          </a:prstGeom>
-          <a:noFill/>
-          <a:extLst>
-            <a:ext uri="{909E8E84-426E-40DD-AFC4-6F175D3DCCD1}">
-              <a14:hiddenFill xmlns:a14="http://schemas.microsoft.com/office/drawing/2010/main">
-                <a:solidFill>
-                  <a:srgbClr val="FFFFFF"/>
-                </a:solidFill>
-              </a14:hiddenFill>
-            </a:ext>
-          </a:extLst>
-        </p:spPr>
-      </p:pic>
+            <a:r>
+              <a:rPr lang="fr-CA" dirty="0"/>
+              <a:t>Livrer </a:t>
+            </a:r>
+            <a:r>
+              <a:rPr lang="fr-CA" dirty="0" smtClean="0"/>
+              <a:t>3 outils </a:t>
+            </a:r>
+            <a:r>
+              <a:rPr lang="fr-CA" dirty="0"/>
+              <a:t>de </a:t>
+            </a:r>
+            <a:r>
+              <a:rPr lang="fr-CA" dirty="0" smtClean="0"/>
+              <a:t>dimensionnement</a:t>
+            </a:r>
+          </a:p>
+          <a:p>
+            <a:pPr lvl="1"/>
+            <a:r>
+              <a:rPr lang="fr-CA" dirty="0" smtClean="0"/>
+              <a:t>Convivial</a:t>
+            </a:r>
+          </a:p>
+          <a:p>
+            <a:pPr lvl="1"/>
+            <a:r>
+              <a:rPr lang="fr-CA" dirty="0" smtClean="0"/>
+              <a:t>Utilise des paramètres usuels </a:t>
+            </a:r>
+          </a:p>
+          <a:p>
+            <a:r>
+              <a:rPr lang="fr-CA" dirty="0" smtClean="0"/>
+              <a:t>Livrer 3 outils de simulation</a:t>
+            </a:r>
+          </a:p>
+          <a:p>
+            <a:pPr marL="742950" lvl="2" indent="-342900"/>
+            <a:r>
+              <a:rPr lang="fr-CA" dirty="0" err="1"/>
+              <a:t>Matlab</a:t>
+            </a:r>
+            <a:r>
+              <a:rPr lang="fr-CA" dirty="0"/>
+              <a:t> (Simulink), </a:t>
+            </a:r>
+            <a:r>
+              <a:rPr lang="fr-CA" dirty="0" err="1"/>
+              <a:t>Opal</a:t>
+            </a:r>
+            <a:r>
+              <a:rPr lang="fr-CA" dirty="0"/>
+              <a:t>-RT, </a:t>
+            </a:r>
+            <a:r>
+              <a:rPr lang="fr-CA" dirty="0" smtClean="0"/>
+              <a:t>PSIM</a:t>
+            </a:r>
+          </a:p>
+          <a:p>
+            <a:r>
+              <a:rPr lang="fr-CA" dirty="0" smtClean="0"/>
+              <a:t>Documenter le fonctionnement des outils de dimensionnement et de simulation</a:t>
+            </a:r>
+          </a:p>
+          <a:p>
+            <a:pPr lvl="1"/>
+            <a:r>
+              <a:rPr lang="fr-CA" dirty="0" smtClean="0"/>
+              <a:t>Présenter des exemples d’utilisation</a:t>
+            </a:r>
+          </a:p>
+        </p:txBody>
+      </p:sp>
     </p:spTree>
     <p:extLst>
       <p:ext uri="{BB962C8B-B14F-4D97-AF65-F5344CB8AC3E}">
-        <p14:creationId xmlns:p14="http://schemas.microsoft.com/office/powerpoint/2010/main" val="3692122036"/>
+        <p14:creationId xmlns:p14="http://schemas.microsoft.com/office/powerpoint/2010/main" val="1618535019"/>
       </p:ext>
     </p:extLst>
   </p:cSld>
   <p:clrMapOvr>
     <a:masterClrMapping/>
   </p:clrMapOvr>
+  <p:timing>
+    <p:tnLst>
+      <p:par>
+        <p:cTn xmlns:p14="http://schemas.microsoft.com/office/powerpoint/2010/main" id="1" dur="indefinite" restart="never" nodeType="tmRoot"/>
+      </p:par>
+    </p:tnLst>
+  </p:timing>
 </p:sld>
 </file>
 
@@ -6832,9 +6767,969 @@
           </p:cNvSpPr>
           <p:nvPr>
             <p:ph type="title"/>
-            <p:custDataLst>
-              <p:tags r:id="rId1"/>
-            </p:custDataLst>
+          </p:nvPr>
+        </p:nvSpPr>
+        <p:spPr/>
+        <p:txBody>
+          <a:bodyPr/>
+          <a:lstStyle/>
+          <a:p>
+            <a:r>
+              <a:rPr lang="en-US" dirty="0" err="1" smtClean="0"/>
+              <a:t>Exigences</a:t>
+            </a:r>
+            <a:r>
+              <a:rPr lang="en-US" dirty="0" smtClean="0"/>
+              <a:t> du client (1/2)</a:t>
+            </a:r>
+            <a:endParaRPr lang="en-US" dirty="0"/>
+          </a:p>
+        </p:txBody>
+      </p:sp>
+      <p:sp>
+        <p:nvSpPr>
+          <p:cNvPr id="3" name="Content Placeholder 2"/>
+          <p:cNvSpPr>
+            <a:spLocks noGrp="1"/>
+          </p:cNvSpPr>
+          <p:nvPr>
+            <p:ph idx="1"/>
+          </p:nvPr>
+        </p:nvSpPr>
+        <p:spPr>
+          <a:xfrm>
+            <a:off x="677334" y="1801726"/>
+            <a:ext cx="10811388" cy="5419942"/>
+          </a:xfrm>
+        </p:spPr>
+        <p:txBody>
+          <a:bodyPr>
+            <a:normAutofit/>
+          </a:bodyPr>
+          <a:lstStyle/>
+          <a:p>
+            <a:r>
+              <a:rPr lang="fr-FR" sz="2000" dirty="0"/>
+              <a:t>Modéliser une cellule de base d'un onduleur triphasé à 3 niveaux de type NPC</a:t>
+            </a:r>
+          </a:p>
+          <a:p>
+            <a:r>
+              <a:rPr lang="fr-FR" sz="2000" dirty="0"/>
+              <a:t>Modéliser la commande dans le cas de l'onduleur de type AFE.</a:t>
+            </a:r>
+          </a:p>
+          <a:p>
+            <a:r>
+              <a:rPr lang="fr-FR" sz="2000" dirty="0"/>
+              <a:t>Implanter le modèle de la configuration de base d'un onduleur triphasé à 3 niveaux NPC dans un simulateur</a:t>
+            </a:r>
+          </a:p>
+          <a:p>
+            <a:r>
+              <a:rPr lang="fr-FR" sz="2000" dirty="0"/>
+              <a:t>Implanter le modèle de la commande dans le cas de l'onduleur de type AFE dans un simulateur</a:t>
+            </a:r>
+          </a:p>
+          <a:p>
+            <a:r>
+              <a:rPr lang="fr-FR" sz="2000" dirty="0"/>
+              <a:t>Fournir un outil de </a:t>
+            </a:r>
+            <a:r>
+              <a:rPr lang="fr-FR" sz="2000" dirty="0" smtClean="0"/>
+              <a:t>dimensionnement </a:t>
+            </a:r>
+            <a:r>
+              <a:rPr lang="fr-FR" sz="2000" dirty="0"/>
+              <a:t>pour l'onduleur de type AFE</a:t>
+            </a:r>
+          </a:p>
+          <a:p>
+            <a:r>
+              <a:rPr lang="fr-FR" sz="2000" dirty="0"/>
+              <a:t>Modéliser un convertisseur CC-CC à 4 quadrants à l'aide de plusieurs cellules de type onduleur NPC</a:t>
+            </a:r>
+          </a:p>
+          <a:p>
+            <a:r>
+              <a:rPr lang="fr-FR" sz="2000" dirty="0"/>
+              <a:t>Modéliser la commande d'un convertisseur CC-CC à 4 quadrants </a:t>
+            </a:r>
+          </a:p>
+        </p:txBody>
+      </p:sp>
+    </p:spTree>
+    <p:extLst>
+      <p:ext uri="{BB962C8B-B14F-4D97-AF65-F5344CB8AC3E}">
+        <p14:creationId xmlns:p14="http://schemas.microsoft.com/office/powerpoint/2010/main" val="3082063891"/>
+      </p:ext>
+    </p:extLst>
+  </p:cSld>
+  <p:clrMapOvr>
+    <a:masterClrMapping/>
+  </p:clrMapOvr>
+  <p:timing>
+    <p:tnLst>
+      <p:par>
+        <p:cTn xmlns:p14="http://schemas.microsoft.com/office/powerpoint/2010/main" id="1" dur="indefinite" restart="never" nodeType="tmRoot"/>
+      </p:par>
+    </p:tnLst>
+  </p:timing>
+</p:sld>
+</file>
+
+<file path=ppt/slides/slide12.xml><?xml version="1.0" encoding="utf-8"?>
+<p:sld xmlns:a="http://schemas.openxmlformats.org/drawingml/2006/main" xmlns:r="http://schemas.openxmlformats.org/officeDocument/2006/relationships" xmlns:p="http://schemas.openxmlformats.org/presentationml/2006/main">
+  <p:cSld>
+    <p:spTree>
+      <p:nvGrpSpPr>
+        <p:cNvPr id="1" name=""/>
+        <p:cNvGrpSpPr/>
+        <p:nvPr/>
+      </p:nvGrpSpPr>
+      <p:grpSpPr>
+        <a:xfrm>
+          <a:off x="0" y="0"/>
+          <a:ext cx="0" cy="0"/>
+          <a:chOff x="0" y="0"/>
+          <a:chExt cx="0" cy="0"/>
+        </a:xfrm>
+      </p:grpSpPr>
+      <p:sp>
+        <p:nvSpPr>
+          <p:cNvPr id="2" name="Title 1"/>
+          <p:cNvSpPr>
+            <a:spLocks noGrp="1"/>
+          </p:cNvSpPr>
+          <p:nvPr>
+            <p:ph type="title"/>
+          </p:nvPr>
+        </p:nvSpPr>
+        <p:spPr/>
+        <p:txBody>
+          <a:bodyPr/>
+          <a:lstStyle/>
+          <a:p>
+            <a:r>
+              <a:rPr lang="en-US" dirty="0" err="1" smtClean="0"/>
+              <a:t>Exigences</a:t>
+            </a:r>
+            <a:r>
+              <a:rPr lang="en-US" dirty="0" smtClean="0"/>
+              <a:t> du client (2/2)</a:t>
+            </a:r>
+            <a:endParaRPr lang="en-US" dirty="0"/>
+          </a:p>
+        </p:txBody>
+      </p:sp>
+      <p:sp>
+        <p:nvSpPr>
+          <p:cNvPr id="3" name="Content Placeholder 2"/>
+          <p:cNvSpPr>
+            <a:spLocks noGrp="1"/>
+          </p:cNvSpPr>
+          <p:nvPr>
+            <p:ph idx="1"/>
+          </p:nvPr>
+        </p:nvSpPr>
+        <p:spPr>
+          <a:xfrm>
+            <a:off x="677333" y="1683575"/>
+            <a:ext cx="9378989" cy="4932595"/>
+          </a:xfrm>
+        </p:spPr>
+        <p:txBody>
+          <a:bodyPr>
+            <a:normAutofit/>
+          </a:bodyPr>
+          <a:lstStyle/>
+          <a:p>
+            <a:r>
+              <a:rPr lang="fr-FR" sz="2000" dirty="0"/>
+              <a:t>Implanter le modèle d'un convertisseur CC-CC à 4 quadrants à l'aide de plusieurs cellules de type onduleur NPC avec des inductances de découplage dans un simulateur</a:t>
+            </a:r>
+          </a:p>
+          <a:p>
+            <a:r>
+              <a:rPr lang="fr-FR" sz="2000" dirty="0"/>
+              <a:t>Implanter le modèle de la commande d'un convertisseur CC-CC à 4 quadrants alimentant la charge spécifiée dans un simulateur</a:t>
+            </a:r>
+          </a:p>
+          <a:p>
+            <a:r>
+              <a:rPr lang="fr-FR" sz="2000" dirty="0"/>
+              <a:t>Fournir un outil de </a:t>
+            </a:r>
+            <a:r>
+              <a:rPr lang="fr-FR" sz="2000" dirty="0" smtClean="0"/>
+              <a:t>dimensionnement </a:t>
+            </a:r>
+            <a:r>
+              <a:rPr lang="fr-FR" sz="2000" dirty="0"/>
+              <a:t>pour le convertisseur CC-CC  à 4 quadrants</a:t>
+            </a:r>
+          </a:p>
+          <a:p>
+            <a:r>
+              <a:rPr lang="fr-FR" sz="2000" dirty="0"/>
+              <a:t>Implanter le modèle complet de l'alimentation du Booster</a:t>
+            </a:r>
+          </a:p>
+          <a:p>
+            <a:r>
+              <a:rPr lang="fr-FR" sz="2000" dirty="0"/>
+              <a:t>Effectuer la validation croisée des configurations implantées à l'aide de 3 simulateurs (PSIM, </a:t>
+            </a:r>
+            <a:r>
+              <a:rPr lang="fr-FR" sz="2000" dirty="0" err="1"/>
+              <a:t>SimPowerSystems</a:t>
+            </a:r>
+            <a:r>
+              <a:rPr lang="fr-FR" sz="2000" dirty="0"/>
+              <a:t>, </a:t>
+            </a:r>
+            <a:r>
+              <a:rPr lang="fr-FR" sz="2000" dirty="0" err="1"/>
+              <a:t>Opal</a:t>
+            </a:r>
+            <a:r>
+              <a:rPr lang="fr-FR" sz="2000" dirty="0"/>
+              <a:t>-RT)</a:t>
+            </a:r>
+          </a:p>
+          <a:p>
+            <a:r>
+              <a:rPr lang="fr-FR" sz="2000" dirty="0"/>
+              <a:t>Livrer une documentation pédagogique pour les divers outils de dimensionnement et de simulation</a:t>
+            </a:r>
+            <a:endParaRPr lang="en-US" sz="2000" dirty="0"/>
+          </a:p>
+          <a:p>
+            <a:endParaRPr lang="en-US" sz="1600" dirty="0"/>
+          </a:p>
+        </p:txBody>
+      </p:sp>
+    </p:spTree>
+    <p:extLst>
+      <p:ext uri="{BB962C8B-B14F-4D97-AF65-F5344CB8AC3E}">
+        <p14:creationId xmlns:p14="http://schemas.microsoft.com/office/powerpoint/2010/main" val="2996529324"/>
+      </p:ext>
+    </p:extLst>
+  </p:cSld>
+  <p:clrMapOvr>
+    <a:masterClrMapping/>
+  </p:clrMapOvr>
+</p:sld>
+</file>
+
+<file path=ppt/slides/slide13.xml><?xml version="1.0" encoding="utf-8"?>
+<p:sld xmlns:a="http://schemas.openxmlformats.org/drawingml/2006/main" xmlns:r="http://schemas.openxmlformats.org/officeDocument/2006/relationships" xmlns:p="http://schemas.openxmlformats.org/presentationml/2006/main">
+  <p:cSld>
+    <p:spTree>
+      <p:nvGrpSpPr>
+        <p:cNvPr id="1" name=""/>
+        <p:cNvGrpSpPr/>
+        <p:nvPr/>
+      </p:nvGrpSpPr>
+      <p:grpSpPr>
+        <a:xfrm>
+          <a:off x="0" y="0"/>
+          <a:ext cx="0" cy="0"/>
+          <a:chOff x="0" y="0"/>
+          <a:chExt cx="0" cy="0"/>
+        </a:xfrm>
+      </p:grpSpPr>
+      <p:sp>
+        <p:nvSpPr>
+          <p:cNvPr id="2" name="Title 1"/>
+          <p:cNvSpPr>
+            <a:spLocks noGrp="1"/>
+          </p:cNvSpPr>
+          <p:nvPr>
+            <p:ph type="title"/>
+          </p:nvPr>
+        </p:nvSpPr>
+        <p:spPr/>
+        <p:txBody>
+          <a:bodyPr/>
+          <a:lstStyle/>
+          <a:p>
+            <a:r>
+              <a:rPr lang="en-US" dirty="0" err="1" smtClean="0"/>
+              <a:t>Méthodologie</a:t>
+            </a:r>
+            <a:r>
+              <a:rPr lang="en-US" dirty="0" smtClean="0"/>
+              <a:t> </a:t>
+            </a:r>
+            <a:r>
+              <a:rPr lang="en-US" dirty="0" err="1" smtClean="0"/>
+              <a:t>planifiée</a:t>
+            </a:r>
+            <a:r>
+              <a:rPr lang="en-US" dirty="0" smtClean="0"/>
+              <a:t> (1/3)</a:t>
+            </a:r>
+            <a:endParaRPr lang="en-US" dirty="0"/>
+          </a:p>
+        </p:txBody>
+      </p:sp>
+      <p:sp>
+        <p:nvSpPr>
+          <p:cNvPr id="3" name="Content Placeholder 2"/>
+          <p:cNvSpPr>
+            <a:spLocks noGrp="1"/>
+          </p:cNvSpPr>
+          <p:nvPr>
+            <p:ph idx="1"/>
+          </p:nvPr>
+        </p:nvSpPr>
+        <p:spPr/>
+        <p:txBody>
+          <a:bodyPr>
+            <a:normAutofit fontScale="92500" lnSpcReduction="10000"/>
+          </a:bodyPr>
+          <a:lstStyle/>
+          <a:p>
+            <a:pPr marL="0" indent="0">
+              <a:buNone/>
+            </a:pPr>
+            <a:r>
+              <a:rPr lang="en-US" sz="2800" dirty="0" err="1" smtClean="0"/>
+              <a:t>Gestion</a:t>
+            </a:r>
+            <a:endParaRPr lang="en-US" sz="2800" dirty="0" smtClean="0"/>
+          </a:p>
+          <a:p>
+            <a:r>
+              <a:rPr lang="en-US" dirty="0" err="1" smtClean="0"/>
+              <a:t>Réunions</a:t>
+            </a:r>
+            <a:r>
+              <a:rPr lang="en-US" dirty="0" smtClean="0"/>
+              <a:t> </a:t>
+            </a:r>
+            <a:r>
+              <a:rPr lang="en-US" dirty="0" err="1" smtClean="0"/>
+              <a:t>hebdomadaires</a:t>
+            </a:r>
+            <a:endParaRPr lang="en-US" dirty="0"/>
+          </a:p>
+          <a:p>
+            <a:r>
+              <a:rPr lang="fr-FR" dirty="0"/>
+              <a:t>T</a:t>
+            </a:r>
+            <a:r>
+              <a:rPr lang="fr-FR" dirty="0" smtClean="0"/>
+              <a:t>âches de chacun des membres sont tenues à jour au moyen d’un fichier </a:t>
+            </a:r>
+            <a:r>
+              <a:rPr lang="fr-FR" dirty="0" err="1" smtClean="0"/>
+              <a:t>excel</a:t>
+            </a:r>
+            <a:r>
+              <a:rPr lang="fr-FR" dirty="0" smtClean="0"/>
+              <a:t> de gestion hebdomadaire</a:t>
+            </a:r>
+          </a:p>
+          <a:p>
+            <a:pPr lvl="1"/>
+            <a:r>
+              <a:rPr lang="fr-FR" dirty="0" smtClean="0"/>
+              <a:t>Gain en souplesse et en efficacité de gestion</a:t>
+            </a:r>
+          </a:p>
+          <a:p>
+            <a:pPr lvl="1"/>
+            <a:r>
+              <a:rPr lang="fr-FR" dirty="0" smtClean="0"/>
+              <a:t>Adapté pour la taille de l’équipe</a:t>
+            </a:r>
+          </a:p>
+          <a:p>
+            <a:pPr lvl="1"/>
+            <a:r>
+              <a:rPr lang="fr-FR" dirty="0" smtClean="0"/>
+              <a:t>Maximise l’efficacité des réunions</a:t>
+            </a:r>
+          </a:p>
+          <a:p>
+            <a:r>
+              <a:rPr lang="fr-FR" dirty="0" smtClean="0"/>
+              <a:t>Mise à jour de révision et suivi effectué au moyen de la plateforme </a:t>
+            </a:r>
+            <a:r>
+              <a:rPr lang="fr-FR" dirty="0" err="1" smtClean="0"/>
+              <a:t>GitHub</a:t>
+            </a:r>
+            <a:endParaRPr lang="fr-FR" dirty="0" smtClean="0"/>
+          </a:p>
+          <a:p>
+            <a:pPr lvl="1"/>
+            <a:r>
+              <a:rPr lang="fr-FR" dirty="0" smtClean="0"/>
+              <a:t>Données sécurisées sur un serveur privé</a:t>
+            </a:r>
+          </a:p>
+          <a:p>
+            <a:pPr lvl="1"/>
+            <a:r>
+              <a:rPr lang="fr-FR" dirty="0" smtClean="0"/>
+              <a:t>Permet le travail collaboratif</a:t>
+            </a:r>
+          </a:p>
+          <a:p>
+            <a:pPr lvl="1"/>
+            <a:r>
+              <a:rPr lang="fr-FR" dirty="0" err="1" smtClean="0"/>
+              <a:t>Multi-plateforme</a:t>
+            </a:r>
+            <a:endParaRPr lang="fr-FR" dirty="0" smtClean="0"/>
+          </a:p>
+          <a:p>
+            <a:pPr lvl="1"/>
+            <a:endParaRPr lang="fr-FR" dirty="0" smtClean="0"/>
+          </a:p>
+          <a:p>
+            <a:pPr marL="457200" lvl="1" indent="0">
+              <a:buNone/>
+            </a:pPr>
+            <a:endParaRPr lang="en-US" dirty="0" smtClean="0"/>
+          </a:p>
+        </p:txBody>
+      </p:sp>
+    </p:spTree>
+    <p:extLst>
+      <p:ext uri="{BB962C8B-B14F-4D97-AF65-F5344CB8AC3E}">
+        <p14:creationId xmlns:p14="http://schemas.microsoft.com/office/powerpoint/2010/main" val="483988721"/>
+      </p:ext>
+    </p:extLst>
+  </p:cSld>
+  <p:clrMapOvr>
+    <a:masterClrMapping/>
+  </p:clrMapOvr>
+</p:sld>
+</file>
+
+<file path=ppt/slides/slide14.xml><?xml version="1.0" encoding="utf-8"?>
+<p:sld xmlns:a="http://schemas.openxmlformats.org/drawingml/2006/main" xmlns:r="http://schemas.openxmlformats.org/officeDocument/2006/relationships" xmlns:p="http://schemas.openxmlformats.org/presentationml/2006/main">
+  <p:cSld>
+    <p:spTree>
+      <p:nvGrpSpPr>
+        <p:cNvPr id="1" name=""/>
+        <p:cNvGrpSpPr/>
+        <p:nvPr/>
+      </p:nvGrpSpPr>
+      <p:grpSpPr>
+        <a:xfrm>
+          <a:off x="0" y="0"/>
+          <a:ext cx="0" cy="0"/>
+          <a:chOff x="0" y="0"/>
+          <a:chExt cx="0" cy="0"/>
+        </a:xfrm>
+      </p:grpSpPr>
+      <p:sp>
+        <p:nvSpPr>
+          <p:cNvPr id="4" name="Title 3"/>
+          <p:cNvSpPr>
+            <a:spLocks noGrp="1"/>
+          </p:cNvSpPr>
+          <p:nvPr>
+            <p:ph type="title"/>
+          </p:nvPr>
+        </p:nvSpPr>
+        <p:spPr/>
+        <p:txBody>
+          <a:bodyPr/>
+          <a:lstStyle/>
+          <a:p>
+            <a:r>
+              <a:rPr lang="fr-FR" dirty="0" smtClean="0"/>
+              <a:t>Méthodologie planifiée (2/3)</a:t>
+            </a:r>
+            <a:endParaRPr lang="fr-FR" dirty="0"/>
+          </a:p>
+        </p:txBody>
+      </p:sp>
+      <p:sp>
+        <p:nvSpPr>
+          <p:cNvPr id="5" name="Content Placeholder 4"/>
+          <p:cNvSpPr>
+            <a:spLocks noGrp="1"/>
+          </p:cNvSpPr>
+          <p:nvPr>
+            <p:ph idx="1"/>
+          </p:nvPr>
+        </p:nvSpPr>
+        <p:spPr>
+          <a:xfrm>
+            <a:off x="573965" y="1314373"/>
+            <a:ext cx="9925368" cy="5543627"/>
+          </a:xfrm>
+        </p:spPr>
+        <p:txBody>
+          <a:bodyPr>
+            <a:normAutofit lnSpcReduction="10000"/>
+          </a:bodyPr>
+          <a:lstStyle/>
+          <a:p>
+            <a:pPr marL="0" indent="0">
+              <a:buNone/>
+            </a:pPr>
+            <a:r>
+              <a:rPr lang="fr-FR" sz="2800" dirty="0" smtClean="0"/>
+              <a:t>Réalisation pratique</a:t>
+            </a:r>
+          </a:p>
+          <a:p>
+            <a:r>
+              <a:rPr lang="fr-FR" sz="2200" dirty="0" smtClean="0"/>
+              <a:t>Modélisation de chacune des composantes en employant d’abord les modèles idéaux, puis en y ajoutant des caractéristiques linéaires et non linéaires jusqu’à représenter, de manière la plus exacte possible (en prenant en compte les limitations techniques liées à l’exécution du simulation), le comportement de la composante en question</a:t>
+            </a:r>
+          </a:p>
+          <a:p>
+            <a:r>
+              <a:rPr lang="fr-FR" sz="2200" dirty="0" smtClean="0"/>
+              <a:t>Intégration du modèle de composante dans un sous-bloc paramétrable et aisément </a:t>
+            </a:r>
+            <a:r>
+              <a:rPr lang="fr-FR" sz="2200" dirty="0" err="1" smtClean="0"/>
+              <a:t>duplicable</a:t>
+            </a:r>
+            <a:endParaRPr lang="fr-FR" sz="2200" dirty="0" smtClean="0"/>
+          </a:p>
+          <a:p>
+            <a:pPr lvl="1"/>
+            <a:r>
+              <a:rPr lang="fr-FR" sz="2200" dirty="0" smtClean="0"/>
+              <a:t>Essais sur les différents simulateurs pour valider le comportement</a:t>
+            </a:r>
+          </a:p>
+          <a:p>
+            <a:r>
+              <a:rPr lang="fr-FR" sz="2200" dirty="0" smtClean="0"/>
+              <a:t>Intégration des différents </a:t>
+            </a:r>
+            <a:r>
+              <a:rPr lang="fr-FR" sz="2200" dirty="0" err="1" smtClean="0"/>
+              <a:t>modèl</a:t>
+            </a:r>
+            <a:r>
+              <a:rPr lang="fr-FR" sz="2200" dirty="0" smtClean="0"/>
+              <a:t> es de composantes de manière à réaliser le redresseur NPC</a:t>
+            </a:r>
+          </a:p>
+          <a:p>
+            <a:r>
+              <a:rPr lang="fr-FR" sz="2200" dirty="0" smtClean="0"/>
+              <a:t>Modélisation d’une commande “</a:t>
+            </a:r>
+            <a:r>
+              <a:rPr lang="fr-FR" sz="2200" dirty="0" err="1" smtClean="0"/>
+              <a:t>Multilevel</a:t>
+            </a:r>
+            <a:r>
+              <a:rPr lang="fr-FR" sz="2200" dirty="0" smtClean="0"/>
+              <a:t> </a:t>
+            </a:r>
+            <a:r>
+              <a:rPr lang="fr-FR" sz="2200" dirty="0" err="1" smtClean="0"/>
+              <a:t>Space</a:t>
+            </a:r>
+            <a:r>
+              <a:rPr lang="fr-FR" sz="2200" dirty="0" smtClean="0"/>
+              <a:t> </a:t>
+            </a:r>
+            <a:r>
+              <a:rPr lang="fr-FR" sz="2200" dirty="0" err="1" smtClean="0"/>
+              <a:t>Vector</a:t>
+            </a:r>
+            <a:r>
+              <a:rPr lang="fr-FR" sz="2200" dirty="0" smtClean="0"/>
+              <a:t> PWM” et intégration au redresseur NPC</a:t>
+            </a:r>
+          </a:p>
+          <a:p>
+            <a:pPr marL="742950" lvl="2" indent="-342900"/>
+            <a:r>
+              <a:rPr lang="fr-FR" sz="2000" dirty="0" smtClean="0"/>
+              <a:t>Essais sur les différents simulateurs pour valider le comportement</a:t>
+            </a:r>
+          </a:p>
+          <a:p>
+            <a:endParaRPr lang="en-US" dirty="0"/>
+          </a:p>
+          <a:p>
+            <a:pPr lvl="1"/>
+            <a:endParaRPr lang="fr-FR" dirty="0"/>
+          </a:p>
+          <a:p>
+            <a:pPr marL="457200" lvl="1" indent="0">
+              <a:buNone/>
+            </a:pPr>
+            <a:endParaRPr lang="en-US" dirty="0"/>
+          </a:p>
+          <a:p>
+            <a:endParaRPr lang="en-US" dirty="0"/>
+          </a:p>
+        </p:txBody>
+      </p:sp>
+    </p:spTree>
+    <p:extLst>
+      <p:ext uri="{BB962C8B-B14F-4D97-AF65-F5344CB8AC3E}">
+        <p14:creationId xmlns:p14="http://schemas.microsoft.com/office/powerpoint/2010/main" val="1125282991"/>
+      </p:ext>
+    </p:extLst>
+  </p:cSld>
+  <p:clrMapOvr>
+    <a:masterClrMapping/>
+  </p:clrMapOvr>
+</p:sld>
+</file>
+
+<file path=ppt/slides/slide15.xml><?xml version="1.0" encoding="utf-8"?>
+<p:sld xmlns:a="http://schemas.openxmlformats.org/drawingml/2006/main" xmlns:r="http://schemas.openxmlformats.org/officeDocument/2006/relationships" xmlns:p="http://schemas.openxmlformats.org/presentationml/2006/main">
+  <p:cSld>
+    <p:spTree>
+      <p:nvGrpSpPr>
+        <p:cNvPr id="1" name=""/>
+        <p:cNvGrpSpPr/>
+        <p:nvPr/>
+      </p:nvGrpSpPr>
+      <p:grpSpPr>
+        <a:xfrm>
+          <a:off x="0" y="0"/>
+          <a:ext cx="0" cy="0"/>
+          <a:chOff x="0" y="0"/>
+          <a:chExt cx="0" cy="0"/>
+        </a:xfrm>
+      </p:grpSpPr>
+      <p:sp>
+        <p:nvSpPr>
+          <p:cNvPr id="2" name="Title 1"/>
+          <p:cNvSpPr>
+            <a:spLocks noGrp="1"/>
+          </p:cNvSpPr>
+          <p:nvPr>
+            <p:ph type="title"/>
+          </p:nvPr>
+        </p:nvSpPr>
+        <p:spPr/>
+        <p:txBody>
+          <a:bodyPr/>
+          <a:lstStyle/>
+          <a:p>
+            <a:r>
+              <a:rPr lang="fr-FR" dirty="0"/>
+              <a:t>Méthodologie planifiée </a:t>
+            </a:r>
+            <a:r>
+              <a:rPr lang="fr-FR" dirty="0" smtClean="0"/>
+              <a:t>(3/</a:t>
+            </a:r>
+            <a:r>
+              <a:rPr lang="fr-FR" dirty="0"/>
+              <a:t>3)</a:t>
+            </a:r>
+            <a:endParaRPr lang="en-US" dirty="0"/>
+          </a:p>
+        </p:txBody>
+      </p:sp>
+      <p:sp>
+        <p:nvSpPr>
+          <p:cNvPr id="3" name="Content Placeholder 2"/>
+          <p:cNvSpPr>
+            <a:spLocks noGrp="1"/>
+          </p:cNvSpPr>
+          <p:nvPr>
+            <p:ph idx="1"/>
+          </p:nvPr>
+        </p:nvSpPr>
+        <p:spPr/>
+        <p:txBody>
+          <a:bodyPr>
+            <a:normAutofit lnSpcReduction="10000"/>
+          </a:bodyPr>
+          <a:lstStyle/>
+          <a:p>
+            <a:r>
+              <a:rPr lang="fr-FR" sz="2200" dirty="0"/>
+              <a:t>Réalisation d’une boucle de contrôle permettant de maintenir la tension aux bornes de la banque de condensateurs constante selon l’appel de puissance</a:t>
+            </a:r>
+          </a:p>
+          <a:p>
+            <a:pPr marL="800100" lvl="3" indent="-342900"/>
+            <a:r>
+              <a:rPr lang="fr-FR" sz="1800" dirty="0"/>
+              <a:t>Essais sur les différents simulateurs pour valider le comportement</a:t>
+            </a:r>
+          </a:p>
+          <a:p>
+            <a:r>
+              <a:rPr lang="fr-FR" sz="2200" dirty="0"/>
+              <a:t>Adaptation du redresseur de manière à le convertir en onduleur pour le convertisseur 4 cadrans</a:t>
+            </a:r>
+          </a:p>
+          <a:p>
+            <a:r>
+              <a:rPr lang="fr-FR" sz="2200" dirty="0"/>
+              <a:t>Adaptation de la commande pour le convertisseur 4 cadrans</a:t>
+            </a:r>
+          </a:p>
+          <a:p>
+            <a:r>
+              <a:rPr lang="fr-FR" sz="2200" dirty="0"/>
+              <a:t>Réalisation d’une boucle de contrôle globale permettant de réinjecter la puissance des électroaimants dans le réseau</a:t>
+            </a:r>
+          </a:p>
+          <a:p>
+            <a:pPr marL="800100" lvl="3" indent="-342900"/>
+            <a:r>
+              <a:rPr lang="fr-FR" sz="1800" dirty="0"/>
+              <a:t>Essais sur les différents simulateurs pour valider le comportement</a:t>
+            </a:r>
+          </a:p>
+          <a:p>
+            <a:endParaRPr lang="en-US" dirty="0"/>
+          </a:p>
+        </p:txBody>
+      </p:sp>
+    </p:spTree>
+    <p:extLst>
+      <p:ext uri="{BB962C8B-B14F-4D97-AF65-F5344CB8AC3E}">
+        <p14:creationId xmlns:p14="http://schemas.microsoft.com/office/powerpoint/2010/main" val="2026603226"/>
+      </p:ext>
+    </p:extLst>
+  </p:cSld>
+  <p:clrMapOvr>
+    <a:masterClrMapping/>
+  </p:clrMapOvr>
+</p:sld>
+</file>
+
+<file path=ppt/slides/slide16.xml><?xml version="1.0" encoding="utf-8"?>
+<p:sld xmlns:a="http://schemas.openxmlformats.org/drawingml/2006/main" xmlns:r="http://schemas.openxmlformats.org/officeDocument/2006/relationships" xmlns:p="http://schemas.openxmlformats.org/presentationml/2006/main">
+  <p:cSld>
+    <p:spTree>
+      <p:nvGrpSpPr>
+        <p:cNvPr id="1" name=""/>
+        <p:cNvGrpSpPr/>
+        <p:nvPr/>
+      </p:nvGrpSpPr>
+      <p:grpSpPr>
+        <a:xfrm>
+          <a:off x="0" y="0"/>
+          <a:ext cx="0" cy="0"/>
+          <a:chOff x="0" y="0"/>
+          <a:chExt cx="0" cy="0"/>
+        </a:xfrm>
+      </p:grpSpPr>
+      <p:sp>
+        <p:nvSpPr>
+          <p:cNvPr id="2" name="Title 1"/>
+          <p:cNvSpPr>
+            <a:spLocks noGrp="1"/>
+          </p:cNvSpPr>
+          <p:nvPr>
+            <p:ph type="title"/>
+          </p:nvPr>
+        </p:nvSpPr>
+        <p:spPr/>
+        <p:txBody>
+          <a:bodyPr/>
+          <a:lstStyle/>
+          <a:p>
+            <a:r>
+              <a:rPr lang="en-US" dirty="0" err="1" smtClean="0"/>
+              <a:t>État</a:t>
+            </a:r>
+            <a:r>
+              <a:rPr lang="en-US" dirty="0" smtClean="0"/>
+              <a:t> de la situation (1/2)</a:t>
+            </a:r>
+            <a:endParaRPr lang="en-US" dirty="0"/>
+          </a:p>
+        </p:txBody>
+      </p:sp>
+      <p:sp>
+        <p:nvSpPr>
+          <p:cNvPr id="3" name="Content Placeholder 2"/>
+          <p:cNvSpPr>
+            <a:spLocks noGrp="1"/>
+          </p:cNvSpPr>
+          <p:nvPr>
+            <p:ph idx="1"/>
+          </p:nvPr>
+        </p:nvSpPr>
+        <p:spPr/>
+        <p:txBody>
+          <a:bodyPr>
+            <a:normAutofit/>
+          </a:bodyPr>
+          <a:lstStyle/>
+          <a:p>
+            <a:pPr marL="0" indent="0">
+              <a:buNone/>
+            </a:pPr>
+            <a:r>
+              <a:rPr lang="en-US" sz="2800" dirty="0" smtClean="0"/>
+              <a:t>Revue de </a:t>
+            </a:r>
+            <a:r>
+              <a:rPr lang="en-US" sz="2800" dirty="0" err="1" smtClean="0"/>
+              <a:t>l’état</a:t>
+            </a:r>
+            <a:r>
+              <a:rPr lang="en-US" sz="2800" dirty="0" smtClean="0"/>
+              <a:t> de </a:t>
+            </a:r>
+            <a:r>
+              <a:rPr lang="en-US" sz="2800" dirty="0" err="1" smtClean="0"/>
+              <a:t>l’art</a:t>
+            </a:r>
+            <a:endParaRPr lang="en-US" sz="2800" dirty="0"/>
+          </a:p>
+        </p:txBody>
+      </p:sp>
+    </p:spTree>
+    <p:extLst>
+      <p:ext uri="{BB962C8B-B14F-4D97-AF65-F5344CB8AC3E}">
+        <p14:creationId xmlns:p14="http://schemas.microsoft.com/office/powerpoint/2010/main" val="3915706220"/>
+      </p:ext>
+    </p:extLst>
+  </p:cSld>
+  <p:clrMapOvr>
+    <a:masterClrMapping/>
+  </p:clrMapOvr>
+</p:sld>
+</file>
+
+<file path=ppt/slides/slide17.xml><?xml version="1.0" encoding="utf-8"?>
+<p:sld xmlns:a="http://schemas.openxmlformats.org/drawingml/2006/main" xmlns:r="http://schemas.openxmlformats.org/officeDocument/2006/relationships" xmlns:p="http://schemas.openxmlformats.org/presentationml/2006/main">
+  <p:cSld>
+    <p:spTree>
+      <p:nvGrpSpPr>
+        <p:cNvPr id="1" name=""/>
+        <p:cNvGrpSpPr/>
+        <p:nvPr/>
+      </p:nvGrpSpPr>
+      <p:grpSpPr>
+        <a:xfrm>
+          <a:off x="0" y="0"/>
+          <a:ext cx="0" cy="0"/>
+          <a:chOff x="0" y="0"/>
+          <a:chExt cx="0" cy="0"/>
+        </a:xfrm>
+      </p:grpSpPr>
+      <p:sp>
+        <p:nvSpPr>
+          <p:cNvPr id="4" name="Title 1"/>
+          <p:cNvSpPr>
+            <a:spLocks noGrp="1"/>
+          </p:cNvSpPr>
+          <p:nvPr>
+            <p:ph type="title"/>
+          </p:nvPr>
+        </p:nvSpPr>
+        <p:spPr>
+          <a:xfrm>
+            <a:off x="677334" y="609600"/>
+            <a:ext cx="8596668" cy="1320800"/>
+          </a:xfrm>
+        </p:spPr>
+        <p:txBody>
+          <a:bodyPr/>
+          <a:lstStyle/>
+          <a:p>
+            <a:r>
+              <a:rPr lang="en-US" dirty="0" err="1" smtClean="0"/>
+              <a:t>État</a:t>
+            </a:r>
+            <a:r>
+              <a:rPr lang="en-US" dirty="0" smtClean="0"/>
+              <a:t> de la situation (2/2)</a:t>
+            </a:r>
+            <a:endParaRPr lang="en-US" dirty="0"/>
+          </a:p>
+        </p:txBody>
+      </p:sp>
+      <p:sp>
+        <p:nvSpPr>
+          <p:cNvPr id="5" name="Content Placeholder 2"/>
+          <p:cNvSpPr>
+            <a:spLocks noGrp="1"/>
+          </p:cNvSpPr>
+          <p:nvPr>
+            <p:ph idx="1"/>
+          </p:nvPr>
+        </p:nvSpPr>
+        <p:spPr>
+          <a:xfrm>
+            <a:off x="677334" y="2160589"/>
+            <a:ext cx="8596668" cy="3880773"/>
+          </a:xfrm>
+        </p:spPr>
+        <p:txBody>
+          <a:bodyPr>
+            <a:normAutofit/>
+          </a:bodyPr>
+          <a:lstStyle/>
+          <a:p>
+            <a:pPr marL="0" indent="0">
+              <a:buNone/>
+            </a:pPr>
+            <a:r>
+              <a:rPr lang="en-US" sz="2800" dirty="0" smtClean="0"/>
+              <a:t>Tests </a:t>
+            </a:r>
+            <a:r>
+              <a:rPr lang="en-US" sz="2800" dirty="0" err="1" smtClean="0"/>
+              <a:t>préliminaires</a:t>
+            </a:r>
+            <a:endParaRPr lang="en-US" sz="2800" dirty="0"/>
+          </a:p>
+        </p:txBody>
+      </p:sp>
+    </p:spTree>
+    <p:extLst>
+      <p:ext uri="{BB962C8B-B14F-4D97-AF65-F5344CB8AC3E}">
+        <p14:creationId xmlns:p14="http://schemas.microsoft.com/office/powerpoint/2010/main" val="3692122036"/>
+      </p:ext>
+    </p:extLst>
+  </p:cSld>
+  <p:clrMapOvr>
+    <a:masterClrMapping/>
+  </p:clrMapOvr>
+</p:sld>
+</file>
+
+<file path=ppt/slides/slide18.xml><?xml version="1.0" encoding="utf-8"?>
+<p:sld xmlns:a="http://schemas.openxmlformats.org/drawingml/2006/main" xmlns:r="http://schemas.openxmlformats.org/officeDocument/2006/relationships" xmlns:p="http://schemas.openxmlformats.org/presentationml/2006/main">
+  <p:cSld>
+    <p:spTree>
+      <p:nvGrpSpPr>
+        <p:cNvPr id="1" name=""/>
+        <p:cNvGrpSpPr/>
+        <p:nvPr/>
+      </p:nvGrpSpPr>
+      <p:grpSpPr>
+        <a:xfrm>
+          <a:off x="0" y="0"/>
+          <a:ext cx="0" cy="0"/>
+          <a:chOff x="0" y="0"/>
+          <a:chExt cx="0" cy="0"/>
+        </a:xfrm>
+      </p:grpSpPr>
+      <p:sp>
+        <p:nvSpPr>
+          <p:cNvPr id="2" name="Title 1"/>
+          <p:cNvSpPr>
+            <a:spLocks noGrp="1"/>
+          </p:cNvSpPr>
+          <p:nvPr>
+            <p:ph type="title"/>
           </p:nvPr>
         </p:nvSpPr>
         <p:spPr/>
@@ -6865,11 +7760,7 @@
         <p:nvSpPr>
           <p:cNvPr id="4" name="TextBox 3"/>
           <p:cNvSpPr txBox="1"/>
-          <p:nvPr>
-            <p:custDataLst>
-              <p:tags r:id="rId2"/>
-            </p:custDataLst>
-          </p:nvPr>
+          <p:nvPr/>
         </p:nvSpPr>
         <p:spPr>
           <a:xfrm flipH="1">
@@ -6897,14 +7788,10 @@
           <p:cNvPicPr>
             <a:picLocks noChangeAspect="1"/>
           </p:cNvPicPr>
-          <p:nvPr>
-            <p:custDataLst>
-              <p:tags r:id="rId3"/>
-            </p:custDataLst>
-          </p:nvPr>
+          <p:nvPr/>
         </p:nvPicPr>
         <p:blipFill>
-          <a:blip r:embed="rId5" cstate="print">
+          <a:blip r:embed="rId2">
             <a:extLst>
               <a:ext uri="{28A0092B-C50C-407E-A947-70E740481C1C}">
                 <a14:useLocalDpi xmlns:a14="http://schemas.microsoft.com/office/drawing/2010/main" val="0"/>
@@ -6938,7 +7825,7 @@
 </p:sld>
 </file>
 
-<file path=ppt/slides/slide12.xml><?xml version="1.0" encoding="utf-8"?>
+<file path=ppt/slides/slide19.xml><?xml version="1.0" encoding="utf-8"?>
 <p:sld xmlns:a="http://schemas.openxmlformats.org/drawingml/2006/main" xmlns:r="http://schemas.openxmlformats.org/officeDocument/2006/relationships" xmlns:p="http://schemas.openxmlformats.org/presentationml/2006/main">
   <p:cSld>
     <p:spTree>
@@ -6963,16 +7850,11 @@
           </p:cNvSpPr>
           <p:nvPr>
             <p:ph type="title"/>
-            <p:custDataLst>
-              <p:tags r:id="rId1"/>
-            </p:custDataLst>
           </p:nvPr>
         </p:nvSpPr>
         <p:spPr/>
         <p:txBody>
-          <a:bodyPr>
-            <a:normAutofit fontScale="90000"/>
-          </a:bodyPr>
+          <a:bodyPr/>
           <a:lstStyle/>
           <a:p>
             <a:pPr algn="r"/>
@@ -6999,9 +7881,6 @@
           </p:cNvSpPr>
           <p:nvPr>
             <p:ph idx="1"/>
-            <p:custDataLst>
-              <p:tags r:id="rId2"/>
-            </p:custDataLst>
           </p:nvPr>
         </p:nvSpPr>
         <p:spPr>
@@ -7099,7 +7978,7 @@
 </p:sld>
 </file>
 
-<file path=ppt/slides/slide13.xml><?xml version="1.0" encoding="utf-8"?>
+<file path=ppt/slides/slide2.xml><?xml version="1.0" encoding="utf-8"?>
 <p:sld xmlns:a="http://schemas.openxmlformats.org/drawingml/2006/main" xmlns:r="http://schemas.openxmlformats.org/officeDocument/2006/relationships" xmlns:p="http://schemas.openxmlformats.org/presentationml/2006/main">
   <p:cSld>
     <p:spTree>
@@ -7118,198 +7997,277 @@
       </p:grpSpPr>
       <p:sp>
         <p:nvSpPr>
-          <p:cNvPr id="2" name="Title 1"/>
+          <p:cNvPr id="3" name="Title 2"/>
           <p:cNvSpPr>
             <a:spLocks noGrp="1"/>
           </p:cNvSpPr>
           <p:nvPr>
             <p:ph type="title"/>
-            <p:custDataLst>
-              <p:tags r:id="rId1"/>
-            </p:custDataLst>
           </p:nvPr>
         </p:nvSpPr>
         <p:spPr/>
         <p:txBody>
-          <a:bodyPr>
-            <a:normAutofit fontScale="90000"/>
+          <a:bodyPr/>
+          <a:lstStyle/>
+          <a:p>
+            <a:r>
+              <a:rPr lang="fr-FR" dirty="0" smtClean="0"/>
+              <a:t>Contexte et problématique</a:t>
+            </a:r>
+            <a:endParaRPr lang="fr-FR" dirty="0"/>
+          </a:p>
+        </p:txBody>
+      </p:sp>
+      <p:sp>
+        <p:nvSpPr>
+          <p:cNvPr id="10" name="Content Placeholder 9"/>
+          <p:cNvSpPr>
+            <a:spLocks noGrp="1"/>
+          </p:cNvSpPr>
+          <p:nvPr>
+            <p:ph idx="1"/>
+          </p:nvPr>
+        </p:nvSpPr>
+        <p:spPr>
+          <a:xfrm>
+            <a:off x="4779748" y="1398354"/>
+            <a:ext cx="6236753" cy="4842773"/>
+          </a:xfrm>
+        </p:spPr>
+        <p:txBody>
+          <a:bodyPr/>
+          <a:lstStyle/>
+          <a:p>
+            <a:r>
+              <a:rPr lang="fr-CA" dirty="0" smtClean="0"/>
+              <a:t>Le CERN est un laboratoire de recherche multidisciplinaire sur la physique fondamentale</a:t>
+            </a:r>
+          </a:p>
+          <a:p>
+            <a:pPr lvl="1"/>
+            <a:r>
+              <a:rPr lang="fr-CA" dirty="0" smtClean="0"/>
+              <a:t>Le CERN est situé en Suisse (Genève)</a:t>
+            </a:r>
+          </a:p>
+          <a:p>
+            <a:pPr lvl="1"/>
+            <a:r>
+              <a:rPr lang="fr-CA" dirty="0" smtClean="0"/>
+              <a:t>Le laboratoire est constitué d’une cha</a:t>
+            </a:r>
+            <a:r>
+              <a:rPr lang="fr-CA" dirty="0" smtClean="0"/>
+              <a:t>îne complexe d’accélérateurs de particules</a:t>
+            </a:r>
+          </a:p>
+          <a:p>
+            <a:r>
+              <a:rPr lang="fr-CA" dirty="0" smtClean="0"/>
+              <a:t>Le LEEPCI est un laboratoire de recherche de l’université Laval et se concentre sur la</a:t>
+            </a:r>
+          </a:p>
+          <a:p>
+            <a:pPr lvl="1"/>
+            <a:r>
+              <a:rPr lang="fr-CA" dirty="0" smtClean="0"/>
+              <a:t>simulation de réseaux électriques;</a:t>
+            </a:r>
+          </a:p>
+          <a:p>
+            <a:pPr lvl="1"/>
+            <a:r>
+              <a:rPr lang="fr-CA" dirty="0" smtClean="0"/>
+              <a:t>modélisation et conception de machines électriques;</a:t>
+            </a:r>
+          </a:p>
+          <a:p>
+            <a:pPr lvl="1"/>
+            <a:r>
+              <a:rPr lang="fr-CA" dirty="0" smtClean="0"/>
+              <a:t>modélisation et conception de convertisseurs d’électronique de puissance.</a:t>
+            </a:r>
+          </a:p>
+          <a:p>
+            <a:r>
+              <a:rPr lang="fr-CA" dirty="0" smtClean="0"/>
+              <a:t>OPAL-RT est une compagnie spécialisée dans la développement de simulateurs temps réel PC/FPGA</a:t>
+            </a:r>
+          </a:p>
+          <a:p>
+            <a:endParaRPr lang="en-US" dirty="0" smtClean="0"/>
+          </a:p>
+          <a:p>
+            <a:pPr lvl="1"/>
+            <a:endParaRPr lang="en-US" dirty="0" smtClean="0"/>
+          </a:p>
+          <a:p>
+            <a:pPr lvl="1"/>
+            <a:endParaRPr lang="en-US" dirty="0"/>
+          </a:p>
+        </p:txBody>
+      </p:sp>
+      <p:pic>
+        <p:nvPicPr>
+          <p:cNvPr id="6" name="Picture 9" descr="CERN144"/>
+          <p:cNvPicPr>
+            <a:picLocks noChangeAspect="1" noChangeArrowheads="1"/>
+          </p:cNvPicPr>
+          <p:nvPr/>
+        </p:nvPicPr>
+        <p:blipFill>
+          <a:blip r:embed="rId2" cstate="print"/>
+          <a:srcRect/>
+          <a:stretch>
+            <a:fillRect/>
+          </a:stretch>
+        </p:blipFill>
+        <p:spPr bwMode="auto">
+          <a:xfrm>
+            <a:off x="1200351" y="3498478"/>
+            <a:ext cx="434975" cy="489522"/>
+          </a:xfrm>
+          <a:prstGeom prst="rect">
+            <a:avLst/>
+          </a:prstGeom>
+          <a:noFill/>
+          <a:ln w="9525">
+            <a:noFill/>
+            <a:miter lim="800000"/>
+            <a:headEnd/>
+            <a:tailEnd/>
+          </a:ln>
+        </p:spPr>
+      </p:pic>
+      <p:pic>
+        <p:nvPicPr>
+          <p:cNvPr id="7" name="Image 12" descr="logo-leepci-s.gif"/>
+          <p:cNvPicPr>
+            <a:picLocks noChangeAspect="1"/>
+          </p:cNvPicPr>
+          <p:nvPr/>
+        </p:nvPicPr>
+        <p:blipFill>
+          <a:blip r:embed="rId3" cstate="print">
+            <a:extLst>
+              <a:ext uri="{28A0092B-C50C-407E-A947-70E740481C1C}">
+                <a14:useLocalDpi xmlns:a14="http://schemas.microsoft.com/office/drawing/2010/main" val="0"/>
+              </a:ext>
+            </a:extLst>
+          </a:blip>
+          <a:srcRect/>
+          <a:stretch>
+            <a:fillRect/>
+          </a:stretch>
+        </p:blipFill>
+        <p:spPr bwMode="auto">
+          <a:xfrm>
+            <a:off x="1867380" y="3512747"/>
+            <a:ext cx="1833298" cy="412750"/>
+          </a:xfrm>
+          <a:prstGeom prst="rect">
+            <a:avLst/>
+          </a:prstGeom>
+          <a:noFill/>
+          <a:ln>
+            <a:noFill/>
+          </a:ln>
+          <a:extLst>
+            <a:ext uri="{909E8E84-426E-40dd-AFC4-6F175D3DCCD1}">
+              <a14:hiddenFill xmlns:a14="http://schemas.microsoft.com/office/drawing/2010/main">
+                <a:solidFill>
+                  <a:srgbClr val="FFFFFF"/>
+                </a:solidFill>
+              </a14:hiddenFill>
+            </a:ext>
+            <a:ext uri="{91240B29-F687-4f45-9708-019B960494DF}">
+              <a14:hiddenLine xmlns:a14="http://schemas.microsoft.com/office/drawing/2010/main" w="9525">
+                <a:solidFill>
+                  <a:srgbClr val="000000"/>
+                </a:solidFill>
+                <a:miter lim="800000"/>
+                <a:headEnd/>
+                <a:tailEnd/>
+              </a14:hiddenLine>
+            </a:ext>
+          </a:extLst>
+        </p:spPr>
+      </p:pic>
+      <p:pic>
+        <p:nvPicPr>
+          <p:cNvPr id="8" name="Image 5"/>
+          <p:cNvPicPr>
+            <a:picLocks noChangeAspect="1"/>
+          </p:cNvPicPr>
+          <p:nvPr/>
+        </p:nvPicPr>
+        <p:blipFill>
+          <a:blip r:embed="rId4"/>
+          <a:stretch>
+            <a:fillRect/>
+          </a:stretch>
+        </p:blipFill>
+        <p:spPr>
+          <a:xfrm>
+            <a:off x="3927588" y="3441402"/>
+            <a:ext cx="655695" cy="606423"/>
+          </a:xfrm>
+          <a:prstGeom prst="rect">
+            <a:avLst/>
+          </a:prstGeom>
+        </p:spPr>
+      </p:pic>
+      <p:sp>
+        <p:nvSpPr>
+          <p:cNvPr id="2" name="TextBox 1"/>
+          <p:cNvSpPr txBox="1"/>
+          <p:nvPr/>
+        </p:nvSpPr>
+        <p:spPr>
+          <a:xfrm>
+            <a:off x="1441278" y="2639750"/>
+            <a:ext cx="2903359" cy="523220"/>
+          </a:xfrm>
+          <a:prstGeom prst="rect">
+            <a:avLst/>
+          </a:prstGeom>
+          <a:noFill/>
+        </p:spPr>
+        <p:txBody>
+          <a:bodyPr wrap="none" rtlCol="0">
+            <a:spAutoFit/>
           </a:bodyPr>
           <a:lstStyle/>
           <a:p>
-            <a:pPr algn="r"/>
-            <a:r>
-              <a:rPr lang="fr-CA" dirty="0" smtClean="0"/>
-              <a:t>Diagramme des propriétés fonctionnelles</a:t>
-            </a:r>
-            <a:br>
-              <a:rPr lang="fr-CA" dirty="0" smtClean="0"/>
-            </a:br>
-            <a:r>
-              <a:rPr lang="fr-CA" sz="1800" i="1" dirty="0" smtClean="0"/>
-              <a:t>*Version complète à la fin</a:t>
-            </a:r>
-            <a:endParaRPr lang="fr-CA" sz="1800" i="1" dirty="0"/>
-          </a:p>
-        </p:txBody>
-      </p:sp>
-      <p:sp>
-        <p:nvSpPr>
-          <p:cNvPr id="3" name="Content Placeholder 2"/>
-          <p:cNvSpPr>
-            <a:spLocks noGrp="1"/>
-          </p:cNvSpPr>
-          <p:nvPr>
-            <p:ph idx="1"/>
-            <p:custDataLst>
-              <p:tags r:id="rId2"/>
-            </p:custDataLst>
-          </p:nvPr>
-        </p:nvSpPr>
-        <p:spPr>
-          <a:xfrm>
-            <a:off x="618265" y="1835687"/>
-            <a:ext cx="10087805" cy="4810020"/>
-          </a:xfrm>
-        </p:spPr>
-        <p:txBody>
-          <a:bodyPr>
-            <a:normAutofit fontScale="62500" lnSpcReduction="20000"/>
-          </a:bodyPr>
-          <a:lstStyle/>
-          <a:p>
-            <a:r>
-              <a:rPr lang="fr-FR" sz="2800" dirty="0" smtClean="0"/>
-              <a:t>Fonctionnalités rattachées au simulateur (2/2)</a:t>
-            </a:r>
-          </a:p>
-          <a:p>
-            <a:pPr lvl="1"/>
-            <a:r>
-              <a:rPr lang="fr-FR" sz="2600" dirty="0" smtClean="0"/>
-              <a:t>Commander un onduleur triphasé de type NPC</a:t>
-            </a:r>
-          </a:p>
-          <a:p>
-            <a:pPr lvl="2"/>
-            <a:r>
-              <a:rPr lang="fr-FR" sz="2400" dirty="0" smtClean="0"/>
-              <a:t>Effort du contrôleur (% par seconde de la variation de la commande)</a:t>
-            </a:r>
-          </a:p>
-          <a:p>
-            <a:pPr lvl="1"/>
-            <a:r>
-              <a:rPr lang="fr-FR" sz="2600" dirty="0" smtClean="0"/>
-              <a:t>Charger un banc de condensateur</a:t>
-            </a:r>
-          </a:p>
-          <a:p>
-            <a:pPr lvl="2"/>
-            <a:r>
-              <a:rPr lang="fr-FR" sz="2400" dirty="0" smtClean="0"/>
-              <a:t>Temps de charge (s)</a:t>
-            </a:r>
-          </a:p>
-          <a:p>
-            <a:pPr lvl="1"/>
-            <a:r>
-              <a:rPr lang="fr-FR" sz="2600" dirty="0" smtClean="0"/>
-              <a:t>Commander un convertisseur CC-CC à quatre quadrants </a:t>
-            </a:r>
-            <a:r>
-              <a:rPr lang="fr-FR" sz="2600" dirty="0" err="1" smtClean="0"/>
-              <a:t>multicellules</a:t>
-            </a:r>
-            <a:endParaRPr lang="fr-FR" sz="2600" dirty="0" smtClean="0"/>
-          </a:p>
-          <a:p>
-            <a:pPr lvl="2"/>
-            <a:r>
-              <a:rPr lang="fr-FR" sz="2400" dirty="0"/>
-              <a:t>Effort du contrôleur (% par seconde de la variation de la commande</a:t>
-            </a:r>
-            <a:r>
-              <a:rPr lang="fr-FR" sz="2400" dirty="0" smtClean="0"/>
-              <a:t>)</a:t>
-            </a:r>
-          </a:p>
-          <a:p>
-            <a:pPr lvl="1"/>
-            <a:r>
-              <a:rPr lang="fr-FR" sz="2600" dirty="0" smtClean="0"/>
-              <a:t>Alimenter les électroaimants de l’accélérateur de particules</a:t>
-            </a:r>
-          </a:p>
-          <a:p>
-            <a:pPr lvl="2"/>
-            <a:r>
-              <a:rPr lang="fr-FR" sz="2400" dirty="0" smtClean="0"/>
-              <a:t>Rendement (%)</a:t>
-            </a:r>
-          </a:p>
-          <a:p>
-            <a:pPr lvl="2"/>
-            <a:r>
-              <a:rPr lang="fr-FR" sz="2400" dirty="0" smtClean="0"/>
-              <a:t>Ondulation de courant (%)</a:t>
-            </a:r>
-          </a:p>
-          <a:p>
-            <a:pPr lvl="2"/>
-            <a:r>
-              <a:rPr lang="fr-FR" sz="2400" dirty="0" smtClean="0"/>
-              <a:t>Ondulation de tension (%)</a:t>
-            </a:r>
-          </a:p>
-          <a:p>
-            <a:pPr lvl="2"/>
-            <a:r>
-              <a:rPr lang="fr-FR" sz="2400" dirty="0" smtClean="0"/>
-              <a:t>Puissance moyenne (MW)</a:t>
-            </a:r>
-          </a:p>
-          <a:p>
-            <a:pPr lvl="2"/>
-            <a:r>
-              <a:rPr lang="fr-FR" sz="2400" dirty="0" smtClean="0"/>
-              <a:t>Puissance crête (MW)</a:t>
-            </a:r>
-          </a:p>
-          <a:p>
-            <a:pPr lvl="1"/>
-            <a:r>
-              <a:rPr lang="fr-FR" sz="2600" dirty="0" smtClean="0"/>
-              <a:t>Afficher les résultats de simulation personnalisés</a:t>
-            </a:r>
-          </a:p>
-          <a:p>
-            <a:pPr lvl="2"/>
-            <a:r>
-              <a:rPr lang="fr-FR" sz="2400" dirty="0" smtClean="0"/>
-              <a:t>Convivialité (1 à 5)</a:t>
-            </a:r>
-            <a:endParaRPr lang="fr-FR" sz="2400" dirty="0"/>
-          </a:p>
-          <a:p>
-            <a:pPr lvl="2"/>
-            <a:endParaRPr lang="fr-FR" sz="2400" dirty="0" smtClean="0"/>
+            <a:r>
+              <a:rPr lang="fr-CA" sz="2800" dirty="0" smtClean="0"/>
+              <a:t>Clients du projet</a:t>
+            </a:r>
+            <a:endParaRPr lang="fr-CA" sz="2800" dirty="0"/>
           </a:p>
         </p:txBody>
       </p:sp>
     </p:spTree>
     <p:extLst>
       <p:ext uri="{BB962C8B-B14F-4D97-AF65-F5344CB8AC3E}">
-        <p14:creationId xmlns:p14="http://schemas.microsoft.com/office/powerpoint/2010/main" val="1009669938"/>
+        <p14:creationId xmlns:p14="http://schemas.microsoft.com/office/powerpoint/2010/main" val="1400082593"/>
       </p:ext>
     </p:extLst>
   </p:cSld>
   <p:clrMapOvr>
     <a:masterClrMapping/>
   </p:clrMapOvr>
+  <p:timing>
+    <p:tnLst>
+      <p:par>
+        <p:cTn xmlns:p14="http://schemas.microsoft.com/office/powerpoint/2010/main" id="1" dur="indefinite" restart="never" nodeType="tmRoot"/>
+      </p:par>
+    </p:tnLst>
+  </p:timing>
 </p:sld>
 </file>
 
-<file path=ppt/slides/slide14.xml><?xml version="1.0" encoding="utf-8"?>
+<file path=ppt/slides/slide20.xml><?xml version="1.0" encoding="utf-8"?>
 <p:sld xmlns:a="http://schemas.openxmlformats.org/drawingml/2006/main" xmlns:r="http://schemas.openxmlformats.org/officeDocument/2006/relationships" xmlns:p="http://schemas.openxmlformats.org/presentationml/2006/main">
   <p:cSld>
     <p:spTree>
@@ -7334,16 +8292,11 @@
           </p:cNvSpPr>
           <p:nvPr>
             <p:ph type="title"/>
-            <p:custDataLst>
-              <p:tags r:id="rId1"/>
-            </p:custDataLst>
           </p:nvPr>
         </p:nvSpPr>
         <p:spPr/>
         <p:txBody>
-          <a:bodyPr>
-            <a:normAutofit fontScale="90000"/>
-          </a:bodyPr>
+          <a:bodyPr/>
           <a:lstStyle/>
           <a:p>
             <a:pPr algn="r"/>
@@ -7370,9 +8323,6 @@
           </p:cNvSpPr>
           <p:nvPr>
             <p:ph idx="1"/>
-            <p:custDataLst>
-              <p:tags r:id="rId2"/>
-            </p:custDataLst>
           </p:nvPr>
         </p:nvSpPr>
         <p:spPr>
@@ -7383,77 +8333,138 @@
         </p:spPr>
         <p:txBody>
           <a:bodyPr>
-            <a:normAutofit lnSpcReduction="10000"/>
+            <a:normAutofit fontScale="62500" lnSpcReduction="20000"/>
           </a:bodyPr>
           <a:lstStyle/>
           <a:p>
             <a:r>
               <a:rPr lang="fr-FR" sz="2800" dirty="0" smtClean="0"/>
-              <a:t>Outil de dimensionnement </a:t>
+              <a:t>Fonctionnalités rattachées au simulateur (2/2)</a:t>
             </a:r>
           </a:p>
           <a:p>
             <a:pPr lvl="1"/>
             <a:r>
-              <a:rPr lang="fr-FR" sz="2200" dirty="0" smtClean="0"/>
-              <a:t>Accepter des paramètres de dimensionnement usuels</a:t>
+              <a:rPr lang="fr-FR" sz="2600" dirty="0" smtClean="0"/>
+              <a:t>Commander un onduleur triphasé de type NPC</a:t>
             </a:r>
           </a:p>
           <a:p>
             <a:pPr lvl="2"/>
             <a:r>
-              <a:rPr lang="fr-FR" sz="2200" dirty="0" smtClean="0"/>
-              <a:t>Choix disponibles (1 à 5)</a:t>
+              <a:rPr lang="fr-FR" sz="2400" dirty="0" smtClean="0"/>
+              <a:t>Effort du contrôleur (% par seconde de la variation de la commande)</a:t>
             </a:r>
           </a:p>
           <a:p>
             <a:pPr lvl="1"/>
             <a:r>
+              <a:rPr lang="fr-FR" sz="2600" dirty="0" smtClean="0"/>
+              <a:t>Charger un banc de condensateur</a:t>
+            </a:r>
+          </a:p>
+          <a:p>
+            <a:pPr lvl="2"/>
+            <a:r>
               <a:rPr lang="fr-FR" sz="2400" dirty="0" smtClean="0"/>
-              <a:t>Déterminer le nombre de composantes nécessaires dans les cellules de type NPC</a:t>
+              <a:t>Temps de charge (s)</a:t>
             </a:r>
           </a:p>
           <a:p>
             <a:pPr lvl="1"/>
             <a:r>
+              <a:rPr lang="fr-FR" sz="2600" dirty="0" smtClean="0"/>
+              <a:t>Commander un convertisseur CC-CC à quatre quadrants </a:t>
+            </a:r>
+            <a:r>
+              <a:rPr lang="fr-FR" sz="2600" dirty="0" err="1" smtClean="0"/>
+              <a:t>multicellules</a:t>
+            </a:r>
+            <a:endParaRPr lang="fr-FR" sz="2600" dirty="0" smtClean="0"/>
+          </a:p>
+          <a:p>
+            <a:pPr lvl="2"/>
+            <a:r>
+              <a:rPr lang="fr-FR" sz="2400" dirty="0"/>
+              <a:t>Effort du contrôleur (% par seconde de la variation de la commande</a:t>
+            </a:r>
+            <a:r>
               <a:rPr lang="fr-FR" sz="2400" dirty="0" smtClean="0"/>
-              <a:t>Déterminer les valeurs des condensateurs utilisés dans les cellules de type NPC</a:t>
+              <a:t>)</a:t>
             </a:r>
           </a:p>
           <a:p>
             <a:pPr lvl="1"/>
             <a:r>
+              <a:rPr lang="fr-FR" sz="2600" dirty="0" smtClean="0"/>
+              <a:t>Alimenter les électroaimants de l’accélérateur de particules</a:t>
+            </a:r>
+          </a:p>
+          <a:p>
+            <a:pPr lvl="2"/>
+            <a:r>
               <a:rPr lang="fr-FR" sz="2400" dirty="0" smtClean="0"/>
-              <a:t>Déterminer les valeurs des inductances de découplage</a:t>
+              <a:t>Rendement (%)</a:t>
+            </a:r>
+          </a:p>
+          <a:p>
+            <a:pPr lvl="2"/>
+            <a:r>
+              <a:rPr lang="fr-FR" sz="2400" dirty="0" smtClean="0"/>
+              <a:t>Ondulation de courant (%)</a:t>
+            </a:r>
+          </a:p>
+          <a:p>
+            <a:pPr lvl="2"/>
+            <a:r>
+              <a:rPr lang="fr-FR" sz="2400" dirty="0" smtClean="0"/>
+              <a:t>Ondulation de tension (%)</a:t>
+            </a:r>
+          </a:p>
+          <a:p>
+            <a:pPr lvl="2"/>
+            <a:r>
+              <a:rPr lang="fr-FR" sz="2400" dirty="0" smtClean="0"/>
+              <a:t>Puissance moyenne (MW)</a:t>
+            </a:r>
+          </a:p>
+          <a:p>
+            <a:pPr lvl="2"/>
+            <a:r>
+              <a:rPr lang="fr-FR" sz="2400" dirty="0" smtClean="0"/>
+              <a:t>Puissance crête (MW)</a:t>
             </a:r>
           </a:p>
           <a:p>
             <a:pPr lvl="1"/>
             <a:r>
+              <a:rPr lang="fr-FR" sz="2600" dirty="0" smtClean="0"/>
+              <a:t>Afficher les résultats de simulation </a:t>
+            </a:r>
+            <a:r>
+              <a:rPr lang="fr-FR" sz="2600" dirty="0" err="1" smtClean="0"/>
+              <a:t>personalisés</a:t>
+            </a:r>
+            <a:endParaRPr lang="fr-FR" sz="2600" dirty="0" smtClean="0"/>
+          </a:p>
+          <a:p>
+            <a:pPr lvl="2"/>
+            <a:r>
               <a:rPr lang="fr-FR" sz="2400" dirty="0" smtClean="0"/>
-              <a:t>Déterminer le nombre de cellules de type NPC nécessaire</a:t>
-            </a:r>
-          </a:p>
-          <a:p>
-            <a:pPr lvl="1"/>
-            <a:r>
-              <a:rPr lang="fr-FR" sz="2400" dirty="0" smtClean="0"/>
-              <a:t>Fournir les paramètres de modélisation utilisés par le simulateur</a:t>
-            </a:r>
+              <a:t>Convivialité (1 à 5)</a:t>
+            </a:r>
+            <a:endParaRPr lang="fr-FR" sz="2400" dirty="0"/>
           </a:p>
           <a:p>
             <a:pPr lvl="2"/>
-            <a:r>
-              <a:rPr lang="fr-FR" sz="2200" dirty="0" smtClean="0"/>
-              <a:t>Convivialité et choix disponibles (1 à 5)</a:t>
-            </a:r>
+            <a:endParaRPr lang="fr-FR" sz="2400" dirty="0" smtClean="0"/>
           </a:p>
         </p:txBody>
       </p:sp>
     </p:spTree>
     <p:extLst>
       <p:ext uri="{BB962C8B-B14F-4D97-AF65-F5344CB8AC3E}">
-        <p14:creationId xmlns:p14="http://schemas.microsoft.com/office/powerpoint/2010/main" val="4073286745"/>
+        <p14:creationId xmlns:p14="http://schemas.microsoft.com/office/powerpoint/2010/main" val="1009669938"/>
       </p:ext>
     </p:extLst>
   </p:cSld>
@@ -7463,7 +8474,7 @@
 </p:sld>
 </file>
 
-<file path=ppt/slides/slide15.xml><?xml version="1.0" encoding="utf-8"?>
+<file path=ppt/slides/slide21.xml><?xml version="1.0" encoding="utf-8"?>
 <p:sld xmlns:a="http://schemas.openxmlformats.org/drawingml/2006/main" xmlns:r="http://schemas.openxmlformats.org/officeDocument/2006/relationships" xmlns:p="http://schemas.openxmlformats.org/presentationml/2006/main">
   <p:cSld>
     <p:spTree>
@@ -7488,16 +8499,11 @@
           </p:cNvSpPr>
           <p:nvPr>
             <p:ph type="title"/>
-            <p:custDataLst>
-              <p:tags r:id="rId1"/>
-            </p:custDataLst>
           </p:nvPr>
         </p:nvSpPr>
         <p:spPr/>
         <p:txBody>
-          <a:bodyPr>
-            <a:normAutofit fontScale="90000"/>
-          </a:bodyPr>
+          <a:bodyPr/>
           <a:lstStyle/>
           <a:p>
             <a:pPr algn="r"/>
@@ -7524,9 +8530,6 @@
           </p:cNvSpPr>
           <p:nvPr>
             <p:ph idx="1"/>
-            <p:custDataLst>
-              <p:tags r:id="rId2"/>
-            </p:custDataLst>
           </p:nvPr>
         </p:nvSpPr>
         <p:spPr>
@@ -7543,56 +8546,63 @@
           <a:p>
             <a:r>
               <a:rPr lang="fr-FR" sz="2800" dirty="0" smtClean="0"/>
-              <a:t>Documentation</a:t>
+              <a:t>Outil de dimensionnement </a:t>
             </a:r>
           </a:p>
           <a:p>
             <a:pPr lvl="1"/>
             <a:r>
               <a:rPr lang="fr-FR" sz="2200" dirty="0" smtClean="0"/>
-              <a:t>Présenter le fonctionnement de l’outil de dimensionnement de chacun des simulateurs</a:t>
+              <a:t>Accepter des paramètres de dimensionnement usuels</a:t>
             </a:r>
           </a:p>
           <a:p>
             <a:pPr lvl="2"/>
             <a:r>
               <a:rPr lang="fr-FR" sz="2200" dirty="0" smtClean="0"/>
-              <a:t>Précision de l’information et convivialité (1 à 5)</a:t>
+              <a:t>Choix disponibles (1 à 5)</a:t>
             </a:r>
           </a:p>
           <a:p>
             <a:pPr lvl="1"/>
             <a:r>
               <a:rPr lang="fr-FR" sz="2400" dirty="0" smtClean="0"/>
-              <a:t>Présenter les modèles mathématiques utilisés dans chacun des simulateurs</a:t>
+              <a:t>Déterminer le nombre de composantes nécessaires dans les cellules de type NPC</a:t>
             </a:r>
           </a:p>
           <a:p>
             <a:pPr lvl="1"/>
             <a:r>
               <a:rPr lang="fr-FR" sz="2400" dirty="0" smtClean="0"/>
-              <a:t>Présenter l’utilisation de chacun des simulateurs</a:t>
+              <a:t>Déterminer les valeurs des condensateurs utilisés dans les cellules de type NPC</a:t>
+            </a:r>
+          </a:p>
+          <a:p>
+            <a:pPr lvl="1"/>
+            <a:r>
+              <a:rPr lang="fr-FR" sz="2400" dirty="0" smtClean="0"/>
+              <a:t>Déterminer les valeurs des inductances de découplage</a:t>
+            </a:r>
+          </a:p>
+          <a:p>
+            <a:pPr lvl="1"/>
+            <a:r>
+              <a:rPr lang="fr-FR" sz="2400" dirty="0" smtClean="0"/>
+              <a:t>Déterminer le nombre de cellules de type NPC nécessaire</a:t>
+            </a:r>
+          </a:p>
+          <a:p>
+            <a:pPr lvl="1"/>
+            <a:r>
+              <a:rPr lang="fr-FR" sz="2400" dirty="0" smtClean="0"/>
+              <a:t>Fournir les paramètres de modélisation utilisé par le simulateur</a:t>
             </a:r>
           </a:p>
           <a:p>
             <a:pPr lvl="2"/>
             <a:r>
               <a:rPr lang="fr-FR" sz="2200" dirty="0" smtClean="0"/>
-              <a:t>Précision de l’information et convivialité (1 à 5)</a:t>
-            </a:r>
-          </a:p>
-          <a:p>
-            <a:pPr lvl="1"/>
-            <a:r>
-              <a:rPr lang="fr-FR" sz="2400" dirty="0" smtClean="0"/>
-              <a:t>Présenter les procédures de validation croisées de chacun des simulateurs</a:t>
-            </a:r>
-          </a:p>
-          <a:p>
-            <a:pPr lvl="2"/>
-            <a:r>
-              <a:rPr lang="fr-FR" sz="2200" dirty="0" smtClean="0"/>
-              <a:t>Présentation de l’information et convivialité (1 à 5)</a:t>
+              <a:t>Convivialité et choix disponibles (1 à 5)</a:t>
             </a:r>
           </a:p>
         </p:txBody>
@@ -7600,7 +8610,7 @@
     </p:spTree>
     <p:extLst>
       <p:ext uri="{BB962C8B-B14F-4D97-AF65-F5344CB8AC3E}">
-        <p14:creationId xmlns:p14="http://schemas.microsoft.com/office/powerpoint/2010/main" val="2852438436"/>
+        <p14:creationId xmlns:p14="http://schemas.microsoft.com/office/powerpoint/2010/main" val="4073286745"/>
       </p:ext>
     </p:extLst>
   </p:cSld>
@@ -7610,7 +8620,7 @@
 </p:sld>
 </file>
 
-<file path=ppt/slides/slide16.xml><?xml version="1.0" encoding="utf-8"?>
+<file path=ppt/slides/slide22.xml><?xml version="1.0" encoding="utf-8"?>
 <p:sld xmlns:a="http://schemas.openxmlformats.org/drawingml/2006/main" xmlns:r="http://schemas.openxmlformats.org/officeDocument/2006/relationships" xmlns:p="http://schemas.openxmlformats.org/presentationml/2006/main">
   <p:cSld>
     <p:spTree>
@@ -7629,15 +8639,12 @@
       </p:grpSpPr>
       <p:sp>
         <p:nvSpPr>
-          <p:cNvPr id="4" name="Title 3"/>
+          <p:cNvPr id="2" name="Title 1"/>
           <p:cNvSpPr>
             <a:spLocks noGrp="1"/>
           </p:cNvSpPr>
           <p:nvPr>
             <p:ph type="title"/>
-            <p:custDataLst>
-              <p:tags r:id="rId1"/>
-            </p:custDataLst>
           </p:nvPr>
         </p:nvSpPr>
         <p:spPr/>
@@ -7645,77 +8652,104 @@
           <a:bodyPr/>
           <a:lstStyle/>
           <a:p>
-            <a:r>
-              <a:rPr lang="fr-CA" dirty="0"/>
+            <a:pPr algn="r"/>
+            <a:r>
+              <a:rPr lang="fr-CA" dirty="0" smtClean="0"/>
               <a:t>Diagramme des propriétés fonctionnelles</a:t>
             </a:r>
-            <a:endParaRPr lang="en-US" dirty="0"/>
-          </a:p>
-        </p:txBody>
-      </p:sp>
-      <p:sp>
-        <p:nvSpPr>
-          <p:cNvPr id="5" name="Content Placeholder 4"/>
+            <a:br>
+              <a:rPr lang="fr-CA" dirty="0" smtClean="0"/>
+            </a:br>
+            <a:r>
+              <a:rPr lang="fr-CA" sz="1800" i="1" dirty="0" smtClean="0"/>
+              <a:t>*Version complète à la fin</a:t>
+            </a:r>
+            <a:endParaRPr lang="fr-CA" sz="1800" i="1" dirty="0"/>
+          </a:p>
+        </p:txBody>
+      </p:sp>
+      <p:sp>
+        <p:nvSpPr>
+          <p:cNvPr id="3" name="Content Placeholder 2"/>
           <p:cNvSpPr>
             <a:spLocks noGrp="1"/>
           </p:cNvSpPr>
           <p:nvPr>
             <p:ph idx="1"/>
-            <p:custDataLst>
-              <p:tags r:id="rId2"/>
-            </p:custDataLst>
-          </p:nvPr>
-        </p:nvSpPr>
-        <p:spPr/>
+          </p:nvPr>
+        </p:nvSpPr>
+        <p:spPr>
+          <a:xfrm>
+            <a:off x="618265" y="1835687"/>
+            <a:ext cx="10087805" cy="4810020"/>
+          </a:xfrm>
+        </p:spPr>
         <p:txBody>
           <a:bodyPr>
-            <a:normAutofit/>
+            <a:normAutofit lnSpcReduction="10000"/>
           </a:bodyPr>
           <a:lstStyle/>
           <a:p>
             <a:r>
               <a:rPr lang="fr-FR" sz="2800" dirty="0" smtClean="0"/>
-              <a:t>Objectifs de performances</a:t>
+              <a:t>Documentation</a:t>
             </a:r>
           </a:p>
           <a:p>
             <a:pPr lvl="1"/>
             <a:r>
-              <a:rPr lang="fr-FR" sz="2600" dirty="0" smtClean="0"/>
-              <a:t>Minimiser le temps de simulation</a:t>
+              <a:rPr lang="fr-FR" sz="2200" dirty="0" smtClean="0"/>
+              <a:t>Présenter le fonctionnement de l’outil de dimensionnement de chacun des simulateurs</a:t>
+            </a:r>
+          </a:p>
+          <a:p>
+            <a:pPr lvl="2"/>
+            <a:r>
+              <a:rPr lang="fr-FR" sz="2200" dirty="0" smtClean="0"/>
+              <a:t>Précision de l’information et convivialité (1 à 5)</a:t>
             </a:r>
           </a:p>
           <a:p>
             <a:pPr lvl="1"/>
             <a:r>
-              <a:rPr lang="fr-FR" sz="2600" dirty="0" smtClean="0"/>
-              <a:t>Maximiser la précision des simulations</a:t>
+              <a:rPr lang="fr-FR" sz="2400" dirty="0" smtClean="0"/>
+              <a:t>Présenter les modèles mathématiques utilisés dans chacun des simulateurs</a:t>
             </a:r>
           </a:p>
           <a:p>
             <a:pPr lvl="1"/>
             <a:r>
-              <a:rPr lang="fr-FR" sz="2600" dirty="0" smtClean="0"/>
-              <a:t>Minimiser la complexité d’utilisation du simulateur et de l’outil de dimensionnement</a:t>
+              <a:rPr lang="fr-FR" sz="2400" dirty="0" smtClean="0"/>
+              <a:t>Présenter l’utilisation de chacun des simulateurs</a:t>
+            </a:r>
+          </a:p>
+          <a:p>
+            <a:pPr lvl="2"/>
+            <a:r>
+              <a:rPr lang="fr-FR" sz="2200" dirty="0" smtClean="0"/>
+              <a:t>Précision de l’information et convivialité (1 à 5)</a:t>
             </a:r>
           </a:p>
           <a:p>
             <a:pPr lvl="1"/>
             <a:r>
-              <a:rPr lang="fr-FR" sz="2600" dirty="0" smtClean="0"/>
-              <a:t>Maximiser la qualité et la précision de la documentation</a:t>
-            </a:r>
-          </a:p>
-          <a:p>
-            <a:pPr lvl="1"/>
-            <a:endParaRPr lang="fr-FR" sz="2600" dirty="0"/>
+              <a:rPr lang="fr-FR" sz="2400" dirty="0" smtClean="0"/>
+              <a:t>Présenter les procédures de validation croisées de chacun des simulateurs</a:t>
+            </a:r>
+          </a:p>
+          <a:p>
+            <a:pPr lvl="2"/>
+            <a:r>
+              <a:rPr lang="fr-FR" sz="2200" dirty="0" smtClean="0"/>
+              <a:t>Présentation de l’information et convivialité (1 à 5)</a:t>
+            </a:r>
           </a:p>
         </p:txBody>
       </p:sp>
     </p:spTree>
     <p:extLst>
       <p:ext uri="{BB962C8B-B14F-4D97-AF65-F5344CB8AC3E}">
-        <p14:creationId xmlns:p14="http://schemas.microsoft.com/office/powerpoint/2010/main" val="3256449772"/>
+        <p14:creationId xmlns:p14="http://schemas.microsoft.com/office/powerpoint/2010/main" val="2852438436"/>
       </p:ext>
     </p:extLst>
   </p:cSld>
@@ -7725,7 +8759,7 @@
 </p:sld>
 </file>
 
-<file path=ppt/slides/slide17.xml><?xml version="1.0" encoding="utf-8"?>
+<file path=ppt/slides/slide23.xml><?xml version="1.0" encoding="utf-8"?>
 <p:sld xmlns:a="http://schemas.openxmlformats.org/drawingml/2006/main" xmlns:r="http://schemas.openxmlformats.org/officeDocument/2006/relationships" xmlns:p="http://schemas.openxmlformats.org/presentationml/2006/main">
   <p:cSld>
     <p:spTree>
@@ -7744,15 +8778,121 @@
       </p:grpSpPr>
       <p:sp>
         <p:nvSpPr>
+          <p:cNvPr id="4" name="Title 3"/>
+          <p:cNvSpPr>
+            <a:spLocks noGrp="1"/>
+          </p:cNvSpPr>
+          <p:nvPr>
+            <p:ph type="title"/>
+          </p:nvPr>
+        </p:nvSpPr>
+        <p:spPr/>
+        <p:txBody>
+          <a:bodyPr/>
+          <a:lstStyle/>
+          <a:p>
+            <a:r>
+              <a:rPr lang="fr-CA" dirty="0"/>
+              <a:t>Diagramme des propriétés fonctionnelles</a:t>
+            </a:r>
+            <a:endParaRPr lang="en-US" dirty="0"/>
+          </a:p>
+        </p:txBody>
+      </p:sp>
+      <p:sp>
+        <p:nvSpPr>
+          <p:cNvPr id="5" name="Content Placeholder 4"/>
+          <p:cNvSpPr>
+            <a:spLocks noGrp="1"/>
+          </p:cNvSpPr>
+          <p:nvPr>
+            <p:ph idx="1"/>
+          </p:nvPr>
+        </p:nvSpPr>
+        <p:spPr/>
+        <p:txBody>
+          <a:bodyPr>
+            <a:normAutofit/>
+          </a:bodyPr>
+          <a:lstStyle/>
+          <a:p>
+            <a:r>
+              <a:rPr lang="fr-FR" sz="2800" dirty="0" smtClean="0"/>
+              <a:t>Objectifs de performances</a:t>
+            </a:r>
+          </a:p>
+          <a:p>
+            <a:pPr lvl="1"/>
+            <a:r>
+              <a:rPr lang="fr-FR" sz="2600" dirty="0" smtClean="0"/>
+              <a:t>Minimiser le temps de simulation</a:t>
+            </a:r>
+          </a:p>
+          <a:p>
+            <a:pPr lvl="1"/>
+            <a:r>
+              <a:rPr lang="fr-FR" sz="2600" dirty="0" smtClean="0"/>
+              <a:t>Maximiser la précision des simulations</a:t>
+            </a:r>
+          </a:p>
+          <a:p>
+            <a:pPr lvl="1"/>
+            <a:r>
+              <a:rPr lang="fr-FR" sz="2600" dirty="0" smtClean="0"/>
+              <a:t>Minimiser la complexité d’utilisation du simulateur et de l’outil de dimensionnement</a:t>
+            </a:r>
+          </a:p>
+          <a:p>
+            <a:pPr lvl="1"/>
+            <a:r>
+              <a:rPr lang="fr-FR" sz="2600" dirty="0" smtClean="0"/>
+              <a:t>Maximiser la qualité et la précision de la documentation</a:t>
+            </a:r>
+          </a:p>
+          <a:p>
+            <a:pPr lvl="1"/>
+            <a:endParaRPr lang="fr-FR" sz="2600" dirty="0"/>
+          </a:p>
+        </p:txBody>
+      </p:sp>
+    </p:spTree>
+    <p:extLst>
+      <p:ext uri="{BB962C8B-B14F-4D97-AF65-F5344CB8AC3E}">
+        <p14:creationId xmlns:p14="http://schemas.microsoft.com/office/powerpoint/2010/main" val="3256449772"/>
+      </p:ext>
+    </p:extLst>
+  </p:cSld>
+  <p:clrMapOvr>
+    <a:masterClrMapping/>
+  </p:clrMapOvr>
+</p:sld>
+</file>
+
+<file path=ppt/slides/slide24.xml><?xml version="1.0" encoding="utf-8"?>
+<p:sld xmlns:a="http://schemas.openxmlformats.org/drawingml/2006/main" xmlns:r="http://schemas.openxmlformats.org/officeDocument/2006/relationships" xmlns:p="http://schemas.openxmlformats.org/presentationml/2006/main">
+  <p:cSld>
+    <p:spTree>
+      <p:nvGrpSpPr>
+        <p:cNvPr id="1" name=""/>
+        <p:cNvGrpSpPr/>
+        <p:nvPr/>
+      </p:nvGrpSpPr>
+      <p:grpSpPr>
+        <a:xfrm>
+          <a:off x="0" y="0"/>
+          <a:ext cx="0" cy="0"/>
+          <a:chOff x="0" y="0"/>
+          <a:chExt cx="0" cy="0"/>
+        </a:xfrm>
+      </p:grpSpPr>
+      <p:sp>
+        <p:nvSpPr>
           <p:cNvPr id="2" name="Title 1"/>
           <p:cNvSpPr>
             <a:spLocks noGrp="1"/>
           </p:cNvSpPr>
           <p:nvPr>
             <p:ph type="title"/>
-            <p:custDataLst>
-              <p:tags r:id="rId1"/>
-            </p:custDataLst>
           </p:nvPr>
         </p:nvSpPr>
         <p:spPr/>
@@ -7788,12 +8928,9 @@
           </p:cNvGraphicFramePr>
           <p:nvPr>
             <p:ph idx="1"/>
-            <p:custDataLst>
-              <p:tags r:id="rId2"/>
-            </p:custDataLst>
             <p:extLst>
               <p:ext uri="{D42A27DB-BD31-4B8C-83A1-F6EECF244321}">
-                <p14:modId xmlns:p14="http://schemas.microsoft.com/office/powerpoint/2010/main" val="912066936"/>
+                <p14:modId xmlns:p14="http://schemas.microsoft.com/office/powerpoint/2010/main" val="1921849713"/>
               </p:ext>
             </p:extLst>
           </p:nvPr>
@@ -8043,7 +9180,7 @@
                     <a:p>
                       <a:pPr algn="ctr" fontAlgn="ctr"/>
                       <a:r>
-                        <a:rPr lang="fr-FR" sz="1100" b="0" i="0" u="none" strike="noStrike" dirty="0">
+                        <a:rPr lang="fr-FR" sz="1100" b="0" i="0" u="none" strike="noStrike">
                           <a:solidFill>
                             <a:srgbClr val="000000"/>
                           </a:solidFill>
@@ -8053,7 +9190,7 @@
                         <a:t>Maladies ou </a:t>
                       </a:r>
                       <a:br>
-                        <a:rPr lang="fr-FR" sz="1100" b="0" i="0" u="none" strike="noStrike" dirty="0">
+                        <a:rPr lang="fr-FR" sz="1100" b="0" i="0" u="none" strike="noStrike">
                           <a:solidFill>
                             <a:srgbClr val="000000"/>
                           </a:solidFill>
@@ -8062,7 +9199,7 @@
                         </a:rPr>
                       </a:br>
                       <a:r>
-                        <a:rPr lang="fr-FR" sz="1100" b="0" i="0" u="none" strike="noStrike" dirty="0">
+                        <a:rPr lang="fr-FR" sz="1100" b="0" i="0" u="none" strike="noStrike">
                           <a:solidFill>
                             <a:srgbClr val="000000"/>
                           </a:solidFill>
@@ -8242,7 +9379,7 @@
                     <a:p>
                       <a:pPr algn="ctr" fontAlgn="ctr"/>
                       <a:r>
-                        <a:rPr lang="fr-FR" sz="1100" b="0" i="0" u="none" strike="noStrike" dirty="0">
+                        <a:rPr lang="fr-FR" sz="1100" b="0" i="0" u="none" strike="noStrike">
                           <a:solidFill>
                             <a:srgbClr val="000000"/>
                           </a:solidFill>
@@ -8252,7 +9389,7 @@
                         <a:t>Délai de livraison</a:t>
                       </a:r>
                       <a:br>
-                        <a:rPr lang="fr-FR" sz="1100" b="0" i="0" u="none" strike="noStrike" dirty="0">
+                        <a:rPr lang="fr-FR" sz="1100" b="0" i="0" u="none" strike="noStrike">
                           <a:solidFill>
                             <a:srgbClr val="000000"/>
                           </a:solidFill>
@@ -8261,7 +9398,7 @@
                         </a:rPr>
                       </a:br>
                       <a:r>
-                        <a:rPr lang="fr-FR" sz="1100" b="0" i="0" u="none" strike="noStrike" dirty="0">
+                        <a:rPr lang="fr-FR" sz="1100" b="0" i="0" u="none" strike="noStrike">
                           <a:solidFill>
                             <a:srgbClr val="000000"/>
                           </a:solidFill>
@@ -8616,36 +9753,6 @@
           </a:graphicData>
         </a:graphic>
       </p:graphicFrame>
-      <p:sp>
-        <p:nvSpPr>
-          <p:cNvPr id="3" name="TextBox 2"/>
-          <p:cNvSpPr txBox="1"/>
-          <p:nvPr>
-            <p:custDataLst>
-              <p:tags r:id="rId3"/>
-            </p:custDataLst>
-          </p:nvPr>
-        </p:nvSpPr>
-        <p:spPr>
-          <a:xfrm>
-            <a:off x="0" y="0"/>
-            <a:ext cx="3810000" cy="1270000"/>
-          </a:xfrm>
-          <a:prstGeom prst="rect">
-            <a:avLst/>
-          </a:prstGeom>
-          <a:noFill/>
-        </p:spPr>
-        <p:txBody>
-          <a:bodyPr vert="horz" rtlCol="0">
-            <a:spAutoFit/>
-          </a:bodyPr>
-          <a:lstStyle/>
-          <a:p>
-            <a:endParaRPr lang="en-US"/>
-          </a:p>
-        </p:txBody>
-      </p:sp>
     </p:spTree>
     <p:extLst>
       <p:ext uri="{BB962C8B-B14F-4D97-AF65-F5344CB8AC3E}">
@@ -8659,7 +9766,7 @@
 </p:sld>
 </file>
 
-<file path=ppt/slides/slide18.xml><?xml version="1.0" encoding="utf-8"?>
+<file path=ppt/slides/slide25.xml><?xml version="1.0" encoding="utf-8"?>
 <p:sld xmlns:a="http://schemas.openxmlformats.org/drawingml/2006/main" xmlns:r="http://schemas.openxmlformats.org/officeDocument/2006/relationships" xmlns:p="http://schemas.openxmlformats.org/presentationml/2006/main">
   <p:cSld>
     <p:spTree>
@@ -8684,9 +9791,6 @@
           </p:cNvSpPr>
           <p:nvPr>
             <p:ph type="title"/>
-            <p:custDataLst>
-              <p:tags r:id="rId1"/>
-            </p:custDataLst>
           </p:nvPr>
         </p:nvSpPr>
         <p:spPr/>
@@ -8726,9 +9830,6 @@
           </p:cNvGraphicFramePr>
           <p:nvPr>
             <p:ph idx="1"/>
-            <p:custDataLst>
-              <p:tags r:id="rId2"/>
-            </p:custDataLst>
             <p:extLst>
               <p:ext uri="{D42A27DB-BD31-4B8C-83A1-F6EECF244321}">
                 <p14:modId xmlns:p14="http://schemas.microsoft.com/office/powerpoint/2010/main" val="4126102908"/>
@@ -9340,7 +10441,7 @@
 </p:sld>
 </file>
 
-<file path=ppt/slides/slide19.xml><?xml version="1.0" encoding="utf-8"?>
+<file path=ppt/slides/slide26.xml><?xml version="1.0" encoding="utf-8"?>
 <p:sld xmlns:a="http://schemas.openxmlformats.org/drawingml/2006/main" xmlns:r="http://schemas.openxmlformats.org/officeDocument/2006/relationships" xmlns:p="http://schemas.openxmlformats.org/presentationml/2006/main">
   <p:cSld>
     <p:spTree>
@@ -9365,9 +10466,6 @@
           </p:cNvSpPr>
           <p:nvPr>
             <p:ph type="title"/>
-            <p:custDataLst>
-              <p:tags r:id="rId1"/>
-            </p:custDataLst>
           </p:nvPr>
         </p:nvSpPr>
         <p:spPr/>
@@ -9403,9 +10501,6 @@
           </p:cNvGraphicFramePr>
           <p:nvPr>
             <p:ph idx="1"/>
-            <p:custDataLst>
-              <p:tags r:id="rId2"/>
-            </p:custDataLst>
             <p:extLst>
               <p:ext uri="{D42A27DB-BD31-4B8C-83A1-F6EECF244321}">
                 <p14:modId xmlns:p14="http://schemas.microsoft.com/office/powerpoint/2010/main" val="317251936"/>
@@ -10012,976 +11107,6 @@
   <p:clrMapOvr>
     <a:masterClrMapping/>
   </p:clrMapOvr>
-  <p:timing>
-    <p:tnLst>
-      <p:par>
-        <p:cTn id="1" dur="indefinite" restart="never" nodeType="tmRoot"/>
-      </p:par>
-    </p:tnLst>
-  </p:timing>
-</p:sld>
-</file>
-
-<file path=ppt/slides/slide2.xml><?xml version="1.0" encoding="utf-8"?>
-<p:sld xmlns:a="http://schemas.openxmlformats.org/drawingml/2006/main" xmlns:r="http://schemas.openxmlformats.org/officeDocument/2006/relationships" xmlns:p="http://schemas.openxmlformats.org/presentationml/2006/main">
-  <p:cSld>
-    <p:spTree>
-      <p:nvGrpSpPr>
-        <p:cNvPr id="1" name=""/>
-        <p:cNvGrpSpPr/>
-        <p:nvPr/>
-      </p:nvGrpSpPr>
-      <p:grpSpPr>
-        <a:xfrm>
-          <a:off x="0" y="0"/>
-          <a:ext cx="0" cy="0"/>
-          <a:chOff x="0" y="0"/>
-          <a:chExt cx="0" cy="0"/>
-        </a:xfrm>
-      </p:grpSpPr>
-      <p:sp>
-        <p:nvSpPr>
-          <p:cNvPr id="3" name="Title 2"/>
-          <p:cNvSpPr>
-            <a:spLocks noGrp="1"/>
-          </p:cNvSpPr>
-          <p:nvPr>
-            <p:ph type="title"/>
-            <p:custDataLst>
-              <p:tags r:id="rId1"/>
-            </p:custDataLst>
-          </p:nvPr>
-        </p:nvSpPr>
-        <p:spPr/>
-        <p:txBody>
-          <a:bodyPr/>
-          <a:lstStyle/>
-          <a:p>
-            <a:r>
-              <a:rPr lang="fr-FR" dirty="0" smtClean="0"/>
-              <a:t>Contexte et problématique</a:t>
-            </a:r>
-            <a:endParaRPr lang="fr-FR" dirty="0"/>
-          </a:p>
-        </p:txBody>
-      </p:sp>
-      <p:sp>
-        <p:nvSpPr>
-          <p:cNvPr id="4" name="Content Placeholder 3"/>
-          <p:cNvSpPr>
-            <a:spLocks noGrp="1"/>
-          </p:cNvSpPr>
-          <p:nvPr>
-            <p:ph idx="1"/>
-            <p:custDataLst>
-              <p:tags r:id="rId2"/>
-            </p:custDataLst>
-          </p:nvPr>
-        </p:nvSpPr>
-        <p:spPr/>
-        <p:txBody>
-          <a:bodyPr>
-            <a:normAutofit fontScale="92500"/>
-          </a:bodyPr>
-          <a:lstStyle/>
-          <a:p>
-            <a:r>
-              <a:rPr lang="fr-CA" dirty="0" smtClean="0"/>
-              <a:t>Le CERN: Organisation européenne pour la recherche nucléaire</a:t>
-            </a:r>
-          </a:p>
-          <a:p>
-            <a:pPr lvl="1"/>
-            <a:r>
-              <a:rPr lang="fr-CA" dirty="0" smtClean="0"/>
-              <a:t>Recherche sur les particules fondamentales</a:t>
-            </a:r>
-          </a:p>
-          <a:p>
-            <a:pPr lvl="1"/>
-            <a:r>
-              <a:rPr lang="fr-CA" dirty="0" smtClean="0"/>
-              <a:t>Utilisation d’accélérateurs de particules pour créer des collisions à haute énergie (~8TeV total)</a:t>
-            </a:r>
-          </a:p>
-          <a:p>
-            <a:pPr lvl="1"/>
-            <a:r>
-              <a:rPr lang="fr-CA" dirty="0" smtClean="0"/>
-              <a:t>Nécessite des alimentations électroniques de haute puissance</a:t>
-            </a:r>
-          </a:p>
-          <a:p>
-            <a:r>
-              <a:rPr lang="fr-CA" dirty="0" smtClean="0"/>
-              <a:t>Le laboratoire du CERN désire remplacer l’alimentation actuelle du Booster du Synchrotron.</a:t>
-            </a:r>
-          </a:p>
-          <a:p>
-            <a:pPr lvl="1"/>
-            <a:r>
-              <a:rPr lang="fr-CA" dirty="0" smtClean="0"/>
-              <a:t>Nécessite la conception d’une nouvelle alimentation électronique à haute puissance </a:t>
-            </a:r>
-          </a:p>
-          <a:p>
-            <a:pPr lvl="1"/>
-            <a:r>
-              <a:rPr lang="fr-CA" dirty="0" smtClean="0"/>
-              <a:t>La nouvelle alimentation doit permettre une augmentation de puissance et une meilleure efficacité.</a:t>
-            </a:r>
-          </a:p>
-          <a:p>
-            <a:pPr lvl="1"/>
-            <a:r>
-              <a:rPr lang="fr-CA" dirty="0" smtClean="0"/>
-              <a:t>Une telle conception requiert un outil de CAO permettant de tester plusieurs configurations</a:t>
-            </a:r>
-            <a:endParaRPr lang="fr-CA" dirty="0"/>
-          </a:p>
-        </p:txBody>
-      </p:sp>
-    </p:spTree>
-    <p:extLst>
-      <p:ext uri="{BB962C8B-B14F-4D97-AF65-F5344CB8AC3E}">
-        <p14:creationId xmlns:p14="http://schemas.microsoft.com/office/powerpoint/2010/main" val="1400082593"/>
-      </p:ext>
-    </p:extLst>
-  </p:cSld>
-  <p:clrMapOvr>
-    <a:masterClrMapping/>
-  </p:clrMapOvr>
-  <p:timing>
-    <p:tnLst>
-      <p:par>
-        <p:cTn id="1" dur="indefinite" restart="never" nodeType="tmRoot"/>
-      </p:par>
-    </p:tnLst>
-  </p:timing>
-</p:sld>
-</file>
-
-<file path=ppt/slides/slide20.xml><?xml version="1.0" encoding="utf-8"?>
-<p:sld xmlns:a="http://schemas.openxmlformats.org/drawingml/2006/main" xmlns:r="http://schemas.openxmlformats.org/officeDocument/2006/relationships" xmlns:p="http://schemas.openxmlformats.org/presentationml/2006/main">
-  <p:cSld>
-    <p:spTree>
-      <p:nvGrpSpPr>
-        <p:cNvPr id="1" name=""/>
-        <p:cNvGrpSpPr/>
-        <p:nvPr/>
-      </p:nvGrpSpPr>
-      <p:grpSpPr>
-        <a:xfrm>
-          <a:off x="0" y="0"/>
-          <a:ext cx="0" cy="0"/>
-          <a:chOff x="0" y="0"/>
-          <a:chExt cx="0" cy="0"/>
-        </a:xfrm>
-      </p:grpSpPr>
-      <p:sp>
-        <p:nvSpPr>
-          <p:cNvPr id="2" name="Title 1"/>
-          <p:cNvSpPr>
-            <a:spLocks noGrp="1"/>
-          </p:cNvSpPr>
-          <p:nvPr>
-            <p:ph type="title"/>
-            <p:custDataLst>
-              <p:tags r:id="rId1"/>
-            </p:custDataLst>
-          </p:nvPr>
-        </p:nvSpPr>
-        <p:spPr>
-          <a:xfrm>
-            <a:off x="677333" y="609600"/>
-            <a:ext cx="10832495" cy="1320800"/>
-          </a:xfrm>
-        </p:spPr>
-        <p:txBody>
-          <a:bodyPr>
-            <a:normAutofit/>
-          </a:bodyPr>
-          <a:lstStyle/>
-          <a:p>
-            <a:r>
-              <a:rPr lang="fr-CA" dirty="0" smtClean="0"/>
-              <a:t>Gantt (1/2)</a:t>
-            </a:r>
-            <a:br>
-              <a:rPr lang="fr-CA" dirty="0" smtClean="0"/>
-            </a:br>
-            <a:r>
-              <a:rPr lang="fr-CA" sz="1800" i="1" dirty="0" smtClean="0"/>
-              <a:t>*Voir les dernières pages du PDF pour plus de précision</a:t>
-            </a:r>
-            <a:endParaRPr lang="en-US" sz="1800" i="1" dirty="0"/>
-          </a:p>
-        </p:txBody>
-      </p:sp>
-      <p:grpSp>
-        <p:nvGrpSpPr>
-          <p:cNvPr id="11" name="Group 8"/>
-          <p:cNvGrpSpPr>
-            <a:grpSpLocks noChangeAspect="1"/>
-          </p:cNvGrpSpPr>
-          <p:nvPr>
-            <p:custDataLst>
-              <p:tags r:id="rId2"/>
-            </p:custDataLst>
-          </p:nvPr>
-        </p:nvGrpSpPr>
-        <p:grpSpPr bwMode="auto">
-          <a:xfrm>
-            <a:off x="194734" y="1930400"/>
-            <a:ext cx="11790625" cy="3771900"/>
-            <a:chOff x="-877" y="651"/>
-            <a:chExt cx="9434" cy="3018"/>
-          </a:xfrm>
-        </p:grpSpPr>
-        <p:sp>
-          <p:nvSpPr>
-            <p:cNvPr id="12" name="AutoShape 7"/>
-            <p:cNvSpPr>
-              <a:spLocks noChangeAspect="1" noChangeArrowheads="1" noTextEdit="1"/>
-            </p:cNvSpPr>
-            <p:nvPr/>
-          </p:nvSpPr>
-          <p:spPr bwMode="auto">
-            <a:xfrm>
-              <a:off x="-877" y="651"/>
-              <a:ext cx="9434" cy="3018"/>
-            </a:xfrm>
-            <a:prstGeom prst="rect">
-              <a:avLst/>
-            </a:prstGeom>
-            <a:noFill/>
-            <a:ln w="28575">
-              <a:solidFill>
-                <a:schemeClr val="accent1"/>
-              </a:solidFill>
-              <a:miter lim="800000"/>
-              <a:headEnd/>
-              <a:tailEnd/>
-            </a:ln>
-            <a:extLst>
-              <a:ext uri="{909E8E84-426E-40DD-AFC4-6F175D3DCCD1}">
-                <a14:hiddenFill xmlns:a14="http://schemas.microsoft.com/office/drawing/2010/main">
-                  <a:solidFill>
-                    <a:srgbClr val="FFFFFF"/>
-                  </a:solidFill>
-                </a14:hiddenFill>
-              </a:ext>
-            </a:extLst>
-          </p:spPr>
-          <p:txBody>
-            <a:bodyPr vert="horz" wrap="square" lIns="91440" tIns="45720" rIns="91440" bIns="45720" numCol="1" anchor="t" anchorCtr="0" compatLnSpc="1">
-              <a:prstTxWarp prst="textNoShape">
-                <a:avLst/>
-              </a:prstTxWarp>
-            </a:bodyPr>
-            <a:lstStyle/>
-            <a:p>
-              <a:endParaRPr lang="en-US"/>
-            </a:p>
-          </p:txBody>
-        </p:sp>
-        <p:pic>
-          <p:nvPicPr>
-            <p:cNvPr id="1033" name="Picture 9"/>
-            <p:cNvPicPr>
-              <a:picLocks noChangeAspect="1" noChangeArrowheads="1"/>
-            </p:cNvPicPr>
-            <p:nvPr/>
-          </p:nvPicPr>
-          <p:blipFill>
-            <a:blip r:embed="rId4">
-              <a:extLst>
-                <a:ext uri="{28A0092B-C50C-407E-A947-70E740481C1C}">
-                  <a14:useLocalDpi xmlns:a14="http://schemas.microsoft.com/office/drawing/2010/main" val="0"/>
-                </a:ext>
-              </a:extLst>
-            </a:blip>
-            <a:srcRect/>
-            <a:stretch>
-              <a:fillRect/>
-            </a:stretch>
-          </p:blipFill>
-          <p:spPr bwMode="auto">
-            <a:xfrm>
-              <a:off x="-877" y="651"/>
-              <a:ext cx="9440" cy="3024"/>
-            </a:xfrm>
-            <a:prstGeom prst="rect">
-              <a:avLst/>
-            </a:prstGeom>
-            <a:noFill/>
-            <a:ln w="28575">
-              <a:solidFill>
-                <a:schemeClr val="accent1"/>
-              </a:solidFill>
-              <a:miter lim="800000"/>
-              <a:headEnd/>
-              <a:tailEnd/>
-            </a:ln>
-            <a:extLst>
-              <a:ext uri="{909E8E84-426E-40DD-AFC4-6F175D3DCCD1}">
-                <a14:hiddenFill xmlns:a14="http://schemas.microsoft.com/office/drawing/2010/main">
-                  <a:solidFill>
-                    <a:srgbClr val="FFFFFF"/>
-                  </a:solidFill>
-                </a14:hiddenFill>
-              </a:ext>
-            </a:extLst>
-          </p:spPr>
-        </p:pic>
-      </p:grpSp>
-    </p:spTree>
-    <p:extLst>
-      <p:ext uri="{BB962C8B-B14F-4D97-AF65-F5344CB8AC3E}">
-        <p14:creationId xmlns:p14="http://schemas.microsoft.com/office/powerpoint/2010/main" val="2246319519"/>
-      </p:ext>
-    </p:extLst>
-  </p:cSld>
-  <p:clrMapOvr>
-    <a:masterClrMapping/>
-  </p:clrMapOvr>
-</p:sld>
-</file>
-
-<file path=ppt/slides/slide21.xml><?xml version="1.0" encoding="utf-8"?>
-<p:sld xmlns:a="http://schemas.openxmlformats.org/drawingml/2006/main" xmlns:r="http://schemas.openxmlformats.org/officeDocument/2006/relationships" xmlns:p="http://schemas.openxmlformats.org/presentationml/2006/main">
-  <p:cSld>
-    <p:spTree>
-      <p:nvGrpSpPr>
-        <p:cNvPr id="1" name=""/>
-        <p:cNvGrpSpPr/>
-        <p:nvPr/>
-      </p:nvGrpSpPr>
-      <p:grpSpPr>
-        <a:xfrm>
-          <a:off x="0" y="0"/>
-          <a:ext cx="0" cy="0"/>
-          <a:chOff x="0" y="0"/>
-          <a:chExt cx="0" cy="0"/>
-        </a:xfrm>
-      </p:grpSpPr>
-      <p:sp>
-        <p:nvSpPr>
-          <p:cNvPr id="2" name="Title 1"/>
-          <p:cNvSpPr>
-            <a:spLocks noGrp="1"/>
-          </p:cNvSpPr>
-          <p:nvPr>
-            <p:ph type="title"/>
-            <p:custDataLst>
-              <p:tags r:id="rId1"/>
-            </p:custDataLst>
-          </p:nvPr>
-        </p:nvSpPr>
-        <p:spPr>
-          <a:xfrm>
-            <a:off x="239549" y="127000"/>
-            <a:ext cx="10979993" cy="1320800"/>
-          </a:xfrm>
-        </p:spPr>
-        <p:txBody>
-          <a:bodyPr>
-            <a:normAutofit/>
-          </a:bodyPr>
-          <a:lstStyle/>
-          <a:p>
-            <a:r>
-              <a:rPr lang="fr-CA" dirty="0" smtClean="0"/>
-              <a:t>Gantt (2/2)</a:t>
-            </a:r>
-            <a:br>
-              <a:rPr lang="fr-CA" dirty="0" smtClean="0"/>
-            </a:br>
-            <a:r>
-              <a:rPr lang="fr-CA" sz="2000" i="1" dirty="0"/>
-              <a:t>*Voir les dernières pages du PDF pour plus de précision</a:t>
-            </a:r>
-            <a:endParaRPr lang="en-US" sz="2000" dirty="0"/>
-          </a:p>
-        </p:txBody>
-      </p:sp>
-      <p:grpSp>
-        <p:nvGrpSpPr>
-          <p:cNvPr id="5" name="Group 4"/>
-          <p:cNvGrpSpPr>
-            <a:grpSpLocks noChangeAspect="1"/>
-          </p:cNvGrpSpPr>
-          <p:nvPr>
-            <p:custDataLst>
-              <p:tags r:id="rId2"/>
-            </p:custDataLst>
-          </p:nvPr>
-        </p:nvGrpSpPr>
-        <p:grpSpPr bwMode="auto">
-          <a:xfrm>
-            <a:off x="239550" y="1195615"/>
-            <a:ext cx="11838150" cy="3684588"/>
-            <a:chOff x="134" y="1143"/>
-            <a:chExt cx="8180" cy="2546"/>
-          </a:xfrm>
-        </p:grpSpPr>
-        <p:sp>
-          <p:nvSpPr>
-            <p:cNvPr id="6" name="AutoShape 3"/>
-            <p:cNvSpPr>
-              <a:spLocks noChangeAspect="1" noChangeArrowheads="1" noTextEdit="1"/>
-            </p:cNvSpPr>
-            <p:nvPr/>
-          </p:nvSpPr>
-          <p:spPr bwMode="auto">
-            <a:xfrm>
-              <a:off x="134" y="1143"/>
-              <a:ext cx="8180" cy="2546"/>
-            </a:xfrm>
-            <a:prstGeom prst="rect">
-              <a:avLst/>
-            </a:prstGeom>
-            <a:noFill/>
-            <a:ln w="28575">
-              <a:solidFill>
-                <a:schemeClr val="accent1"/>
-              </a:solidFill>
-              <a:miter lim="800000"/>
-              <a:headEnd/>
-              <a:tailEnd/>
-            </a:ln>
-            <a:extLst>
-              <a:ext uri="{909E8E84-426E-40DD-AFC4-6F175D3DCCD1}">
-                <a14:hiddenFill xmlns:a14="http://schemas.microsoft.com/office/drawing/2010/main">
-                  <a:solidFill>
-                    <a:srgbClr val="FFFFFF"/>
-                  </a:solidFill>
-                </a14:hiddenFill>
-              </a:ext>
-            </a:extLst>
-          </p:spPr>
-          <p:txBody>
-            <a:bodyPr vert="horz" wrap="square" lIns="91440" tIns="45720" rIns="91440" bIns="45720" numCol="1" anchor="t" anchorCtr="0" compatLnSpc="1">
-              <a:prstTxWarp prst="textNoShape">
-                <a:avLst/>
-              </a:prstTxWarp>
-            </a:bodyPr>
-            <a:lstStyle/>
-            <a:p>
-              <a:endParaRPr lang="en-US"/>
-            </a:p>
-          </p:txBody>
-        </p:sp>
-        <p:pic>
-          <p:nvPicPr>
-            <p:cNvPr id="2053" name="Picture 5"/>
-            <p:cNvPicPr>
-              <a:picLocks noChangeAspect="1" noChangeArrowheads="1"/>
-            </p:cNvPicPr>
-            <p:nvPr/>
-          </p:nvPicPr>
-          <p:blipFill>
-            <a:blip r:embed="rId5">
-              <a:extLst>
-                <a:ext uri="{28A0092B-C50C-407E-A947-70E740481C1C}">
-                  <a14:useLocalDpi xmlns:a14="http://schemas.microsoft.com/office/drawing/2010/main" val="0"/>
-                </a:ext>
-              </a:extLst>
-            </a:blip>
-            <a:srcRect/>
-            <a:stretch>
-              <a:fillRect/>
-            </a:stretch>
-          </p:blipFill>
-          <p:spPr bwMode="auto">
-            <a:xfrm>
-              <a:off x="134" y="1143"/>
-              <a:ext cx="8186" cy="2552"/>
-            </a:xfrm>
-            <a:prstGeom prst="rect">
-              <a:avLst/>
-            </a:prstGeom>
-            <a:noFill/>
-            <a:ln w="28575">
-              <a:solidFill>
-                <a:schemeClr val="accent1"/>
-              </a:solidFill>
-              <a:miter lim="800000"/>
-              <a:headEnd/>
-              <a:tailEnd/>
-            </a:ln>
-            <a:extLst>
-              <a:ext uri="{909E8E84-426E-40DD-AFC4-6F175D3DCCD1}">
-                <a14:hiddenFill xmlns:a14="http://schemas.microsoft.com/office/drawing/2010/main">
-                  <a:solidFill>
-                    <a:srgbClr val="FFFFFF"/>
-                  </a:solidFill>
-                </a14:hiddenFill>
-              </a:ext>
-            </a:extLst>
-          </p:spPr>
-        </p:pic>
-      </p:grpSp>
-      <p:grpSp>
-        <p:nvGrpSpPr>
-          <p:cNvPr id="8" name="Group 8"/>
-          <p:cNvGrpSpPr>
-            <a:grpSpLocks noChangeAspect="1"/>
-          </p:cNvGrpSpPr>
-          <p:nvPr>
-            <p:custDataLst>
-              <p:tags r:id="rId3"/>
-            </p:custDataLst>
-          </p:nvPr>
-        </p:nvGrpSpPr>
-        <p:grpSpPr bwMode="auto">
-          <a:xfrm>
-            <a:off x="271935" y="4972029"/>
-            <a:ext cx="11805765" cy="2037010"/>
-            <a:chOff x="125" y="2942"/>
-            <a:chExt cx="8763" cy="1512"/>
-          </a:xfrm>
-        </p:grpSpPr>
-        <p:sp>
-          <p:nvSpPr>
-            <p:cNvPr id="9" name="AutoShape 7"/>
-            <p:cNvSpPr>
-              <a:spLocks noChangeAspect="1" noChangeArrowheads="1" noTextEdit="1"/>
-            </p:cNvSpPr>
-            <p:nvPr/>
-          </p:nvSpPr>
-          <p:spPr bwMode="auto">
-            <a:xfrm>
-              <a:off x="142" y="3130"/>
-              <a:ext cx="8746" cy="1324"/>
-            </a:xfrm>
-            <a:prstGeom prst="rect">
-              <a:avLst/>
-            </a:prstGeom>
-            <a:noFill/>
-            <a:ln>
-              <a:noFill/>
-            </a:ln>
-            <a:extLst>
-              <a:ext uri="{909E8E84-426E-40DD-AFC4-6F175D3DCCD1}">
-                <a14:hiddenFill xmlns:a14="http://schemas.microsoft.com/office/drawing/2010/main">
-                  <a:solidFill>
-                    <a:srgbClr val="FFFFFF"/>
-                  </a:solidFill>
-                </a14:hiddenFill>
-              </a:ext>
-              <a:ext uri="{91240B29-F687-4F45-9708-019B960494DF}">
-                <a14:hiddenLine xmlns:a14="http://schemas.microsoft.com/office/drawing/2010/main" w="9525">
-                  <a:solidFill>
-                    <a:srgbClr val="000000"/>
-                  </a:solidFill>
-                  <a:miter lim="800000"/>
-                  <a:headEnd/>
-                  <a:tailEnd/>
-                </a14:hiddenLine>
-              </a:ext>
-            </a:extLst>
-          </p:spPr>
-          <p:txBody>
-            <a:bodyPr vert="horz" wrap="square" lIns="91440" tIns="45720" rIns="91440" bIns="45720" numCol="1" anchor="t" anchorCtr="0" compatLnSpc="1">
-              <a:prstTxWarp prst="textNoShape">
-                <a:avLst/>
-              </a:prstTxWarp>
-            </a:bodyPr>
-            <a:lstStyle/>
-            <a:p>
-              <a:endParaRPr lang="en-US"/>
-            </a:p>
-          </p:txBody>
-        </p:sp>
-        <p:pic>
-          <p:nvPicPr>
-            <p:cNvPr id="2057" name="Picture 9"/>
-            <p:cNvPicPr>
-              <a:picLocks noChangeAspect="1" noChangeArrowheads="1"/>
-            </p:cNvPicPr>
-            <p:nvPr/>
-          </p:nvPicPr>
-          <p:blipFill>
-            <a:blip r:embed="rId6">
-              <a:extLst>
-                <a:ext uri="{28A0092B-C50C-407E-A947-70E740481C1C}">
-                  <a14:useLocalDpi xmlns:a14="http://schemas.microsoft.com/office/drawing/2010/main" val="0"/>
-                </a:ext>
-              </a:extLst>
-            </a:blip>
-            <a:srcRect/>
-            <a:stretch>
-              <a:fillRect/>
-            </a:stretch>
-          </p:blipFill>
-          <p:spPr bwMode="auto">
-            <a:xfrm>
-              <a:off x="125" y="2942"/>
-              <a:ext cx="8752" cy="1330"/>
-            </a:xfrm>
-            <a:prstGeom prst="rect">
-              <a:avLst/>
-            </a:prstGeom>
-            <a:noFill/>
-            <a:ln w="28575">
-              <a:solidFill>
-                <a:schemeClr val="accent1"/>
-              </a:solidFill>
-              <a:miter lim="800000"/>
-              <a:headEnd/>
-              <a:tailEnd/>
-            </a:ln>
-            <a:extLst>
-              <a:ext uri="{909E8E84-426E-40DD-AFC4-6F175D3DCCD1}">
-                <a14:hiddenFill xmlns:a14="http://schemas.microsoft.com/office/drawing/2010/main">
-                  <a:solidFill>
-                    <a:srgbClr val="FFFFFF"/>
-                  </a:solidFill>
-                </a14:hiddenFill>
-              </a:ext>
-            </a:extLst>
-          </p:spPr>
-        </p:pic>
-      </p:grpSp>
-    </p:spTree>
-    <p:extLst>
-      <p:ext uri="{BB962C8B-B14F-4D97-AF65-F5344CB8AC3E}">
-        <p14:creationId xmlns:p14="http://schemas.microsoft.com/office/powerpoint/2010/main" val="3253125310"/>
-      </p:ext>
-    </p:extLst>
-  </p:cSld>
-  <p:clrMapOvr>
-    <a:masterClrMapping/>
-  </p:clrMapOvr>
-</p:sld>
-</file>
-
-<file path=ppt/slides/slide22.xml><?xml version="1.0" encoding="utf-8"?>
-<p:sld xmlns:a="http://schemas.openxmlformats.org/drawingml/2006/main" xmlns:r="http://schemas.openxmlformats.org/officeDocument/2006/relationships" xmlns:p="http://schemas.openxmlformats.org/presentationml/2006/main">
-  <p:cSld>
-    <p:spTree>
-      <p:nvGrpSpPr>
-        <p:cNvPr id="1" name=""/>
-        <p:cNvGrpSpPr/>
-        <p:nvPr/>
-      </p:nvGrpSpPr>
-      <p:grpSpPr>
-        <a:xfrm>
-          <a:off x="0" y="0"/>
-          <a:ext cx="0" cy="0"/>
-          <a:chOff x="0" y="0"/>
-          <a:chExt cx="0" cy="0"/>
-        </a:xfrm>
-      </p:grpSpPr>
-      <p:sp>
-        <p:nvSpPr>
-          <p:cNvPr id="2" name="Title 1"/>
-          <p:cNvSpPr>
-            <a:spLocks noGrp="1"/>
-          </p:cNvSpPr>
-          <p:nvPr>
-            <p:ph type="title"/>
-            <p:custDataLst>
-              <p:tags r:id="rId1"/>
-            </p:custDataLst>
-          </p:nvPr>
-        </p:nvSpPr>
-        <p:spPr/>
-        <p:txBody>
-          <a:bodyPr>
-            <a:normAutofit/>
-          </a:bodyPr>
-          <a:lstStyle/>
-          <a:p>
-            <a:r>
-              <a:rPr lang="fr-CA" dirty="0" smtClean="0"/>
-              <a:t>WBS (1/3)</a:t>
-            </a:r>
-            <a:br>
-              <a:rPr lang="fr-CA" dirty="0" smtClean="0"/>
-            </a:br>
-            <a:r>
-              <a:rPr lang="fr-CA" sz="2200" i="1" dirty="0"/>
-              <a:t>*Voir les dernières pages du PDF pour plus de précision</a:t>
-            </a:r>
-            <a:endParaRPr lang="en-US" sz="2200" dirty="0"/>
-          </a:p>
-        </p:txBody>
-      </p:sp>
-      <p:pic>
-        <p:nvPicPr>
-          <p:cNvPr id="6" name="Picture 5"/>
-          <p:cNvPicPr>
-            <a:picLocks noChangeAspect="1"/>
-          </p:cNvPicPr>
-          <p:nvPr>
-            <p:custDataLst>
-              <p:tags r:id="rId2"/>
-            </p:custDataLst>
-          </p:nvPr>
-        </p:nvPicPr>
-        <p:blipFill rotWithShape="1">
-          <a:blip r:embed="rId4">
-            <a:extLst>
-              <a:ext uri="{28A0092B-C50C-407E-A947-70E740481C1C}">
-                <a14:useLocalDpi xmlns:a14="http://schemas.microsoft.com/office/drawing/2010/main" val="0"/>
-              </a:ext>
-            </a:extLst>
-          </a:blip>
-          <a:srcRect b="25568"/>
-          <a:stretch/>
-        </p:blipFill>
-        <p:spPr>
-          <a:xfrm>
-            <a:off x="351756" y="1930400"/>
-            <a:ext cx="11662659" cy="3984173"/>
-          </a:xfrm>
-          <a:prstGeom prst="rect">
-            <a:avLst/>
-          </a:prstGeom>
-          <a:ln w="28575">
-            <a:solidFill>
-              <a:schemeClr val="bg2">
-                <a:lumMod val="50000"/>
-              </a:schemeClr>
-            </a:solidFill>
-          </a:ln>
-        </p:spPr>
-      </p:pic>
-    </p:spTree>
-    <p:extLst>
-      <p:ext uri="{BB962C8B-B14F-4D97-AF65-F5344CB8AC3E}">
-        <p14:creationId xmlns:p14="http://schemas.microsoft.com/office/powerpoint/2010/main" val="4010260281"/>
-      </p:ext>
-    </p:extLst>
-  </p:cSld>
-  <p:clrMapOvr>
-    <a:masterClrMapping/>
-  </p:clrMapOvr>
-  <p:timing>
-    <p:tnLst>
-      <p:par>
-        <p:cTn id="1" dur="indefinite" restart="never" nodeType="tmRoot"/>
-      </p:par>
-    </p:tnLst>
-  </p:timing>
-</p:sld>
-</file>
-
-<file path=ppt/slides/slide23.xml><?xml version="1.0" encoding="utf-8"?>
-<p:sld xmlns:a="http://schemas.openxmlformats.org/drawingml/2006/main" xmlns:r="http://schemas.openxmlformats.org/officeDocument/2006/relationships" xmlns:p="http://schemas.openxmlformats.org/presentationml/2006/main">
-  <p:cSld>
-    <p:spTree>
-      <p:nvGrpSpPr>
-        <p:cNvPr id="1" name=""/>
-        <p:cNvGrpSpPr/>
-        <p:nvPr/>
-      </p:nvGrpSpPr>
-      <p:grpSpPr>
-        <a:xfrm>
-          <a:off x="0" y="0"/>
-          <a:ext cx="0" cy="0"/>
-          <a:chOff x="0" y="0"/>
-          <a:chExt cx="0" cy="0"/>
-        </a:xfrm>
-      </p:grpSpPr>
-      <p:sp>
-        <p:nvSpPr>
-          <p:cNvPr id="2" name="Title 1"/>
-          <p:cNvSpPr>
-            <a:spLocks noGrp="1"/>
-          </p:cNvSpPr>
-          <p:nvPr>
-            <p:ph type="title"/>
-            <p:custDataLst>
-              <p:tags r:id="rId1"/>
-            </p:custDataLst>
-          </p:nvPr>
-        </p:nvSpPr>
-        <p:spPr/>
-        <p:txBody>
-          <a:bodyPr/>
-          <a:lstStyle/>
-          <a:p>
-            <a:r>
-              <a:rPr lang="fr-CA" dirty="0" smtClean="0"/>
-              <a:t>WBS (2/3)</a:t>
-            </a:r>
-            <a:endParaRPr lang="en-US" dirty="0"/>
-          </a:p>
-        </p:txBody>
-      </p:sp>
-      <p:pic>
-        <p:nvPicPr>
-          <p:cNvPr id="4" name="Picture 3"/>
-          <p:cNvPicPr>
-            <a:picLocks noChangeAspect="1"/>
-          </p:cNvPicPr>
-          <p:nvPr>
-            <p:custDataLst>
-              <p:tags r:id="rId2"/>
-            </p:custDataLst>
-          </p:nvPr>
-        </p:nvPicPr>
-        <p:blipFill rotWithShape="1">
-          <a:blip r:embed="rId4">
-            <a:extLst>
-              <a:ext uri="{28A0092B-C50C-407E-A947-70E740481C1C}">
-                <a14:useLocalDpi xmlns:a14="http://schemas.microsoft.com/office/drawing/2010/main" val="0"/>
-              </a:ext>
-            </a:extLst>
-          </a:blip>
-          <a:srcRect b="5536"/>
-          <a:stretch/>
-        </p:blipFill>
-        <p:spPr>
-          <a:xfrm>
-            <a:off x="341087" y="85779"/>
-            <a:ext cx="11611026" cy="6590791"/>
-          </a:xfrm>
-          <a:prstGeom prst="rect">
-            <a:avLst/>
-          </a:prstGeom>
-          <a:ln w="28575">
-            <a:solidFill>
-              <a:schemeClr val="bg2">
-                <a:lumMod val="50000"/>
-              </a:schemeClr>
-            </a:solidFill>
-          </a:ln>
-        </p:spPr>
-      </p:pic>
-    </p:spTree>
-    <p:extLst>
-      <p:ext uri="{BB962C8B-B14F-4D97-AF65-F5344CB8AC3E}">
-        <p14:creationId xmlns:p14="http://schemas.microsoft.com/office/powerpoint/2010/main" val="1942866811"/>
-      </p:ext>
-    </p:extLst>
-  </p:cSld>
-  <p:clrMapOvr>
-    <a:masterClrMapping/>
-  </p:clrMapOvr>
-  <p:timing>
-    <p:tnLst>
-      <p:par>
-        <p:cTn id="1" dur="indefinite" restart="never" nodeType="tmRoot"/>
-      </p:par>
-    </p:tnLst>
-  </p:timing>
-</p:sld>
-</file>
-
-<file path=ppt/slides/slide24.xml><?xml version="1.0" encoding="utf-8"?>
-<p:sld xmlns:a="http://schemas.openxmlformats.org/drawingml/2006/main" xmlns:r="http://schemas.openxmlformats.org/officeDocument/2006/relationships" xmlns:p="http://schemas.openxmlformats.org/presentationml/2006/main">
-  <p:cSld>
-    <p:spTree>
-      <p:nvGrpSpPr>
-        <p:cNvPr id="1" name=""/>
-        <p:cNvGrpSpPr/>
-        <p:nvPr/>
-      </p:nvGrpSpPr>
-      <p:grpSpPr>
-        <a:xfrm>
-          <a:off x="0" y="0"/>
-          <a:ext cx="0" cy="0"/>
-          <a:chOff x="0" y="0"/>
-          <a:chExt cx="0" cy="0"/>
-        </a:xfrm>
-      </p:grpSpPr>
-      <p:sp>
-        <p:nvSpPr>
-          <p:cNvPr id="2" name="Title 1"/>
-          <p:cNvSpPr>
-            <a:spLocks noGrp="1"/>
-          </p:cNvSpPr>
-          <p:nvPr>
-            <p:ph type="title"/>
-            <p:custDataLst>
-              <p:tags r:id="rId1"/>
-            </p:custDataLst>
-          </p:nvPr>
-        </p:nvSpPr>
-        <p:spPr/>
-        <p:txBody>
-          <a:bodyPr>
-            <a:normAutofit/>
-          </a:bodyPr>
-          <a:lstStyle/>
-          <a:p>
-            <a:r>
-              <a:rPr lang="fr-CA" dirty="0"/>
-              <a:t>WBS (1/3)</a:t>
-            </a:r>
-            <a:br>
-              <a:rPr lang="fr-CA" dirty="0"/>
-            </a:br>
-            <a:r>
-              <a:rPr lang="fr-CA" sz="2000" i="1" dirty="0"/>
-              <a:t>*Voir les dernières pages du PDF pour plus de précision</a:t>
-            </a:r>
-            <a:endParaRPr lang="en-US" dirty="0"/>
-          </a:p>
-        </p:txBody>
-      </p:sp>
-      <p:pic>
-        <p:nvPicPr>
-          <p:cNvPr id="7" name="Picture 6"/>
-          <p:cNvPicPr>
-            <a:picLocks noChangeAspect="1"/>
-          </p:cNvPicPr>
-          <p:nvPr>
-            <p:custDataLst>
-              <p:tags r:id="rId2"/>
-            </p:custDataLst>
-          </p:nvPr>
-        </p:nvPicPr>
-        <p:blipFill>
-          <a:blip r:embed="rId4">
-            <a:extLst>
-              <a:ext uri="{28A0092B-C50C-407E-A947-70E740481C1C}">
-                <a14:useLocalDpi xmlns:a14="http://schemas.microsoft.com/office/drawing/2010/main" val="0"/>
-              </a:ext>
-            </a:extLst>
-          </a:blip>
-          <a:stretch>
-            <a:fillRect/>
-          </a:stretch>
-        </p:blipFill>
-        <p:spPr>
-          <a:xfrm>
-            <a:off x="250371" y="1767113"/>
-            <a:ext cx="11638808" cy="4472523"/>
-          </a:xfrm>
-          <a:prstGeom prst="rect">
-            <a:avLst/>
-          </a:prstGeom>
-          <a:ln w="28575">
-            <a:solidFill>
-              <a:schemeClr val="bg2">
-                <a:lumMod val="50000"/>
-              </a:schemeClr>
-            </a:solidFill>
-          </a:ln>
-        </p:spPr>
-      </p:pic>
-    </p:spTree>
-    <p:extLst>
-      <p:ext uri="{BB962C8B-B14F-4D97-AF65-F5344CB8AC3E}">
-        <p14:creationId xmlns:p14="http://schemas.microsoft.com/office/powerpoint/2010/main" val="1864288484"/>
-      </p:ext>
-    </p:extLst>
-  </p:cSld>
-  <p:clrMapOvr>
-    <a:masterClrMapping/>
-  </p:clrMapOvr>
-  <p:timing>
-    <p:tnLst>
-      <p:par>
-        <p:cTn id="1" dur="indefinite" restart="never" nodeType="tmRoot"/>
-      </p:par>
-    </p:tnLst>
-  </p:timing>
 </p:sld>
 </file>
 
@@ -11004,15 +11129,12 @@
       </p:grpSpPr>
       <p:sp>
         <p:nvSpPr>
-          <p:cNvPr id="2" name="Title 1"/>
+          <p:cNvPr id="3" name="Title 2"/>
           <p:cNvSpPr>
             <a:spLocks noGrp="1"/>
           </p:cNvSpPr>
           <p:nvPr>
             <p:ph type="title"/>
-            <p:custDataLst>
-              <p:tags r:id="rId1"/>
-            </p:custDataLst>
           </p:nvPr>
         </p:nvSpPr>
         <p:spPr/>
@@ -11021,27 +11143,29 @@
           <a:lstStyle/>
           <a:p>
             <a:r>
-              <a:rPr lang="en-US" dirty="0" err="1" smtClean="0"/>
-              <a:t>Objectifs</a:t>
-            </a:r>
-            <a:endParaRPr lang="en-US" dirty="0"/>
-          </a:p>
-        </p:txBody>
-      </p:sp>
-      <p:sp>
-        <p:nvSpPr>
-          <p:cNvPr id="3" name="Content Placeholder 2"/>
+              <a:rPr lang="fr-FR" dirty="0" smtClean="0"/>
+              <a:t>Complexe du CERN</a:t>
+            </a:r>
+            <a:endParaRPr lang="fr-FR" dirty="0"/>
+          </a:p>
+        </p:txBody>
+      </p:sp>
+      <p:sp>
+        <p:nvSpPr>
+          <p:cNvPr id="4" name="Content Placeholder 3"/>
           <p:cNvSpPr>
             <a:spLocks noGrp="1"/>
           </p:cNvSpPr>
           <p:nvPr>
             <p:ph idx="1"/>
-            <p:custDataLst>
-              <p:tags r:id="rId2"/>
-            </p:custDataLst>
-          </p:nvPr>
-        </p:nvSpPr>
-        <p:spPr/>
+          </p:nvPr>
+        </p:nvSpPr>
+        <p:spPr>
+          <a:xfrm>
+            <a:off x="5456151" y="2578184"/>
+            <a:ext cx="5794202" cy="2415939"/>
+          </a:xfrm>
+        </p:spPr>
         <p:txBody>
           <a:bodyPr>
             <a:normAutofit/>
@@ -11049,84 +11173,75 @@
           <a:lstStyle/>
           <a:p>
             <a:r>
-              <a:rPr lang="fr-CA" dirty="0"/>
-              <a:t>Livrer </a:t>
-            </a:r>
-            <a:r>
               <a:rPr lang="fr-CA" dirty="0" smtClean="0"/>
-              <a:t>3 outils </a:t>
-            </a:r>
-            <a:r>
-              <a:rPr lang="fr-CA" dirty="0"/>
-              <a:t>de </a:t>
-            </a:r>
+              <a:t>Le complexe d’accélérateurs du CERN est composé de différentes sous-sections ayant pour objectifs :</a:t>
+            </a:r>
+          </a:p>
+          <a:p>
+            <a:pPr lvl="1"/>
             <a:r>
               <a:rPr lang="fr-CA" dirty="0" smtClean="0"/>
-              <a:t>dimensionnement</a:t>
+              <a:t>accélérer des faisceaux de particules jusqu’à la vitesse de la lumière </a:t>
             </a:r>
           </a:p>
           <a:p>
             <a:pPr lvl="1"/>
             <a:r>
               <a:rPr lang="fr-CA" dirty="0" smtClean="0"/>
-              <a:t>Convivial</a:t>
+              <a:t>a</a:t>
+            </a:r>
+            <a:r>
+              <a:rPr lang="fr-CA" dirty="0" smtClean="0"/>
+              <a:t>ugmenter la masse des particules</a:t>
             </a:r>
           </a:p>
           <a:p>
             <a:pPr lvl="1"/>
             <a:r>
               <a:rPr lang="fr-CA" dirty="0" smtClean="0"/>
-              <a:t>Utilise des paramètres usuels </a:t>
-            </a:r>
-          </a:p>
-          <a:p>
-            <a:r>
-              <a:rPr lang="fr-CA" dirty="0" smtClean="0"/>
-              <a:t>Livrer 3 outils de simulation</a:t>
-            </a:r>
-          </a:p>
-          <a:p>
-            <a:pPr marL="742950" lvl="2" indent="-342900"/>
-            <a:r>
-              <a:rPr lang="fr-CA" dirty="0" err="1"/>
-              <a:t>Matlab</a:t>
-            </a:r>
-            <a:r>
-              <a:rPr lang="fr-CA" dirty="0"/>
-              <a:t> (Simulink), </a:t>
-            </a:r>
-            <a:r>
-              <a:rPr lang="fr-CA" dirty="0" err="1"/>
-              <a:t>Opal</a:t>
-            </a:r>
-            <a:r>
-              <a:rPr lang="fr-CA" dirty="0"/>
-              <a:t>-RT, </a:t>
-            </a:r>
-            <a:r>
-              <a:rPr lang="fr-CA" dirty="0" smtClean="0"/>
-              <a:t>PSIM</a:t>
-            </a:r>
-          </a:p>
-          <a:p>
-            <a:r>
-              <a:rPr lang="fr-CA" dirty="0" smtClean="0"/>
-              <a:t>Documenter le fonctionnement des outils de dimensionnement et de simulation</a:t>
-            </a:r>
-          </a:p>
-          <a:p>
-            <a:pPr lvl="1"/>
-            <a:r>
-              <a:rPr lang="fr-CA" dirty="0" smtClean="0"/>
-              <a:t>Présenter des exemples d’utilisation</a:t>
-            </a:r>
-          </a:p>
-        </p:txBody>
-      </p:sp>
+              <a:t>étudier les collisions jusqu’à ~8 </a:t>
+            </a:r>
+            <a:r>
+              <a:rPr lang="fr-CA" dirty="0" err="1" smtClean="0"/>
+              <a:t>TeV</a:t>
+            </a:r>
+            <a:endParaRPr lang="fr-CA" dirty="0" smtClean="0"/>
+          </a:p>
+        </p:txBody>
+      </p:sp>
+      <p:pic>
+        <p:nvPicPr>
+          <p:cNvPr id="9" name="Espace réservé du contenu 6"/>
+          <p:cNvPicPr>
+            <a:picLocks noChangeAspect="1"/>
+          </p:cNvPicPr>
+          <p:nvPr/>
+        </p:nvPicPr>
+        <p:blipFill rotWithShape="1">
+          <a:blip r:embed="rId2" cstate="screen">
+            <a:extLst>
+              <a:ext uri="{28A0092B-C50C-407E-A947-70E740481C1C}">
+                <a14:useLocalDpi xmlns:a14="http://schemas.microsoft.com/office/drawing/2010/main"/>
+              </a:ext>
+            </a:extLst>
+          </a:blip>
+          <a:srcRect/>
+          <a:stretch/>
+        </p:blipFill>
+        <p:spPr>
+          <a:xfrm>
+            <a:off x="162703" y="1337121"/>
+            <a:ext cx="5613712" cy="5126700"/>
+          </a:xfrm>
+          <a:prstGeom prst="rect">
+            <a:avLst/>
+          </a:prstGeom>
+        </p:spPr>
+      </p:pic>
     </p:spTree>
     <p:extLst>
       <p:ext uri="{BB962C8B-B14F-4D97-AF65-F5344CB8AC3E}">
-        <p14:creationId xmlns:p14="http://schemas.microsoft.com/office/powerpoint/2010/main" val="1618535019"/>
+        <p14:creationId xmlns:p14="http://schemas.microsoft.com/office/powerpoint/2010/main" val="1623931377"/>
       </p:ext>
     </p:extLst>
   </p:cSld>
@@ -11136,7 +11251,7 @@
   <p:timing>
     <p:tnLst>
       <p:par>
-        <p:cTn id="1" dur="indefinite" restart="never" nodeType="tmRoot"/>
+        <p:cTn xmlns:p14="http://schemas.microsoft.com/office/powerpoint/2010/main" id="1" dur="indefinite" restart="never" nodeType="tmRoot"/>
       </p:par>
     </p:tnLst>
   </p:timing>
@@ -11162,114 +11277,182 @@
       </p:grpSpPr>
       <p:sp>
         <p:nvSpPr>
-          <p:cNvPr id="2" name="Title 1"/>
+          <p:cNvPr id="3" name="Title 2"/>
           <p:cNvSpPr>
             <a:spLocks noGrp="1"/>
           </p:cNvSpPr>
           <p:nvPr>
             <p:ph type="title"/>
-            <p:custDataLst>
-              <p:tags r:id="rId1"/>
-            </p:custDataLst>
-          </p:nvPr>
-        </p:nvSpPr>
-        <p:spPr/>
+          </p:nvPr>
+        </p:nvSpPr>
+        <p:spPr>
+          <a:xfrm>
+            <a:off x="677334" y="609600"/>
+            <a:ext cx="10239278" cy="1320800"/>
+          </a:xfrm>
+        </p:spPr>
         <p:txBody>
           <a:bodyPr/>
           <a:lstStyle/>
           <a:p>
             <a:r>
-              <a:rPr lang="en-US" dirty="0" err="1" smtClean="0"/>
-              <a:t>Exigences</a:t>
-            </a:r>
-            <a:r>
-              <a:rPr lang="en-US" dirty="0" smtClean="0"/>
-              <a:t> du client (1/2)</a:t>
-            </a:r>
-            <a:endParaRPr lang="en-US" dirty="0"/>
-          </a:p>
-        </p:txBody>
-      </p:sp>
-      <p:sp>
-        <p:nvSpPr>
-          <p:cNvPr id="3" name="Content Placeholder 2"/>
+              <a:rPr lang="fr-FR" dirty="0" smtClean="0"/>
+              <a:t>Booster du Synchrotron à protons (PS-Booster)</a:t>
+            </a:r>
+            <a:endParaRPr lang="fr-FR" dirty="0"/>
+          </a:p>
+        </p:txBody>
+      </p:sp>
+      <p:sp>
+        <p:nvSpPr>
+          <p:cNvPr id="4" name="Content Placeholder 3"/>
           <p:cNvSpPr>
             <a:spLocks noGrp="1"/>
           </p:cNvSpPr>
           <p:nvPr>
             <p:ph idx="1"/>
-            <p:custDataLst>
-              <p:tags r:id="rId2"/>
-            </p:custDataLst>
           </p:nvPr>
         </p:nvSpPr>
         <p:spPr>
           <a:xfrm>
-            <a:off x="677334" y="1801726"/>
-            <a:ext cx="10811388" cy="5419942"/>
+            <a:off x="5456151" y="1236905"/>
+            <a:ext cx="5794202" cy="5298261"/>
           </a:xfrm>
         </p:spPr>
         <p:txBody>
           <a:bodyPr>
-            <a:normAutofit/>
+            <a:normAutofit fontScale="92500" lnSpcReduction="10000"/>
           </a:bodyPr>
           <a:lstStyle/>
           <a:p>
             <a:r>
-              <a:rPr lang="fr-FR" sz="2000" dirty="0"/>
-              <a:t>Modéliser une cellule de base d'un onduleur triphasé à 3 niveaux de type NPC</a:t>
-            </a:r>
-          </a:p>
-          <a:p>
-            <a:r>
-              <a:rPr lang="fr-FR" sz="2000" dirty="0"/>
-              <a:t>Modéliser la commande dans le cas de l'onduleur de type AFE.</a:t>
-            </a:r>
-          </a:p>
-          <a:p>
-            <a:r>
-              <a:rPr lang="fr-FR" sz="2000" dirty="0"/>
-              <a:t>Implanter le modèle de la configuration de base d'un onduleur triphasé à 3 niveaux NPC dans un simulateur</a:t>
-            </a:r>
-          </a:p>
-          <a:p>
-            <a:r>
-              <a:rPr lang="fr-FR" sz="2000" dirty="0"/>
-              <a:t>Implanter le modèle de la commande dans le cas de l'onduleur de type AFE dans un simulateur</a:t>
-            </a:r>
-          </a:p>
-          <a:p>
-            <a:r>
-              <a:rPr lang="fr-FR" sz="2000" dirty="0"/>
-              <a:t>Fournir un outil de </a:t>
-            </a:r>
-            <a:r>
-              <a:rPr lang="fr-FR" sz="2000" dirty="0" smtClean="0"/>
-              <a:t>dimensionnement </a:t>
-            </a:r>
-            <a:r>
-              <a:rPr lang="fr-FR" sz="2000" dirty="0"/>
-              <a:t>pour l'onduleur de type AFE</a:t>
-            </a:r>
-          </a:p>
-          <a:p>
-            <a:r>
-              <a:rPr lang="fr-FR" sz="2000" dirty="0"/>
-              <a:t>Modéliser un convertisseur CC-CC à 4 quadrants à l'aide de plusieurs cellules de type onduleur NPC</a:t>
-            </a:r>
-          </a:p>
-          <a:p>
-            <a:r>
-              <a:rPr lang="fr-FR" sz="2000" dirty="0"/>
-              <a:t>Modéliser la commande d'un convertisseur CC-CC à 4 quadrants </a:t>
-            </a:r>
-          </a:p>
-        </p:txBody>
-      </p:sp>
+              <a:rPr lang="fr-CA" dirty="0" smtClean="0"/>
+              <a:t>Le Booster du Synchrotron à protons (construit en 1972) est constitué de 4 anneaux superposés.</a:t>
+            </a:r>
+          </a:p>
+          <a:p>
+            <a:r>
+              <a:rPr lang="fr-CA" dirty="0" smtClean="0"/>
+              <a:t>Accélère  actuellement les particules provenant du Linac-2 jusqu’à 1.4GeV</a:t>
+            </a:r>
+          </a:p>
+          <a:p>
+            <a:pPr lvl="1"/>
+            <a:r>
+              <a:rPr lang="fr-CA" dirty="0" smtClean="0"/>
+              <a:t>Les particules sont accélérées avec la combinaison d’un champ électrique pulsé haute fréquence et d’un champ magnétique créé par des électroaimants bipolaires et quadripolaires.</a:t>
+            </a:r>
+          </a:p>
+          <a:p>
+            <a:pPr lvl="1"/>
+            <a:r>
+              <a:rPr lang="fr-CA" dirty="0" smtClean="0"/>
+              <a:t>Le projet porte sur l’alimentation des électroaimants.</a:t>
+            </a:r>
+          </a:p>
+          <a:p>
+            <a:r>
+              <a:rPr lang="fr-CA" dirty="0" smtClean="0"/>
+              <a:t>Des travaux sont en cours pour changer l’injecteur (Linac-2 50MeV) vers le Linac-4 160MeV.</a:t>
+            </a:r>
+          </a:p>
+          <a:p>
+            <a:r>
+              <a:rPr lang="fr-CA" dirty="0" smtClean="0"/>
+              <a:t>Le CERN désire augmenter l’énergie des particules à 2GeV</a:t>
+            </a:r>
+          </a:p>
+          <a:p>
+            <a:pPr lvl="1"/>
+            <a:r>
+              <a:rPr lang="fr-CA" dirty="0" smtClean="0"/>
+              <a:t>L’alimentation principale des électroaimants doit </a:t>
+            </a:r>
+            <a:r>
+              <a:rPr lang="fr-CA" dirty="0" smtClean="0"/>
+              <a:t>être changée afin de fournir (6MW en moyenne et 18MW crête)</a:t>
+            </a:r>
+          </a:p>
+          <a:p>
+            <a:pPr lvl="1"/>
+            <a:r>
+              <a:rPr lang="fr-CA" dirty="0" smtClean="0"/>
+              <a:t>Les électroaimants de l’accélérateur doivent être modifiés pour remplir la nouvelle spécification</a:t>
+            </a:r>
+            <a:endParaRPr lang="fr-CA" dirty="0" smtClean="0"/>
+          </a:p>
+        </p:txBody>
+      </p:sp>
+      <p:pic>
+        <p:nvPicPr>
+          <p:cNvPr id="5" name="Picture 3"/>
+          <p:cNvPicPr>
+            <a:picLocks noChangeAspect="1" noChangeArrowheads="1"/>
+          </p:cNvPicPr>
+          <p:nvPr/>
+        </p:nvPicPr>
+        <p:blipFill>
+          <a:blip r:embed="rId2" cstate="screen">
+            <a:extLst>
+              <a:ext uri="{28A0092B-C50C-407E-A947-70E740481C1C}">
+                <a14:useLocalDpi xmlns:a14="http://schemas.microsoft.com/office/drawing/2010/main"/>
+              </a:ext>
+            </a:extLst>
+          </a:blip>
+          <a:srcRect/>
+          <a:stretch>
+            <a:fillRect/>
+          </a:stretch>
+        </p:blipFill>
+        <p:spPr bwMode="auto">
+          <a:xfrm>
+            <a:off x="241987" y="1241872"/>
+            <a:ext cx="4809621" cy="5390028"/>
+          </a:xfrm>
+          <a:prstGeom prst="rect">
+            <a:avLst/>
+          </a:prstGeom>
+          <a:noFill/>
+          <a:ln>
+            <a:noFill/>
+          </a:ln>
+          <a:effectLst/>
+          <a:extLst>
+            <a:ext uri="{909E8E84-426E-40dd-AFC4-6F175D3DCCD1}">
+              <a14:hiddenFill xmlns:a14="http://schemas.microsoft.com/office/drawing/2010/main">
+                <a:solidFill>
+                  <a:schemeClr val="accent1"/>
+                </a:solidFill>
+              </a14:hiddenFill>
+            </a:ext>
+            <a:ext uri="{91240B29-F687-4f45-9708-019B960494DF}">
+              <a14:hiddenLine xmlns:a14="http://schemas.microsoft.com/office/drawing/2010/main" w="9525">
+                <a:solidFill>
+                  <a:schemeClr val="tx1"/>
+                </a:solidFill>
+                <a:miter lim="800000"/>
+                <a:headEnd/>
+                <a:tailEnd/>
+              </a14:hiddenLine>
+            </a:ext>
+            <a:ext uri="{AF507438-7753-43e0-B8FC-AC1667EBCBE1}">
+              <a14:hiddenEffects xmlns:a14="http://schemas.microsoft.com/office/drawing/2010/main">
+                <a:effectLst>
+                  <a:outerShdw blurRad="63500" dist="38099" dir="2700000" algn="ctr" rotWithShape="0">
+                    <a:schemeClr val="bg2">
+                      <a:alpha val="74998"/>
+                    </a:schemeClr>
+                  </a:outerShdw>
+                </a:effectLst>
+              </a14:hiddenEffects>
+            </a:ext>
+          </a:extLst>
+        </p:spPr>
+      </p:pic>
     </p:spTree>
     <p:extLst>
       <p:ext uri="{BB962C8B-B14F-4D97-AF65-F5344CB8AC3E}">
-        <p14:creationId xmlns:p14="http://schemas.microsoft.com/office/powerpoint/2010/main" val="3082063891"/>
+        <p14:creationId xmlns:p14="http://schemas.microsoft.com/office/powerpoint/2010/main" val="34056035"/>
       </p:ext>
     </p:extLst>
   </p:cSld>
@@ -11279,7 +11462,7 @@
   <p:timing>
     <p:tnLst>
       <p:par>
-        <p:cTn id="1" dur="indefinite" restart="never" nodeType="tmRoot"/>
+        <p:cTn xmlns:p14="http://schemas.microsoft.com/office/powerpoint/2010/main" id="1" dur="indefinite" restart="never" nodeType="tmRoot"/>
       </p:par>
     </p:tnLst>
   </p:timing>
@@ -11305,15 +11488,12 @@
       </p:grpSpPr>
       <p:sp>
         <p:nvSpPr>
-          <p:cNvPr id="2" name="Title 1"/>
+          <p:cNvPr id="3" name="Title 2"/>
           <p:cNvSpPr>
             <a:spLocks noGrp="1"/>
           </p:cNvSpPr>
           <p:nvPr>
             <p:ph type="title"/>
-            <p:custDataLst>
-              <p:tags r:id="rId1"/>
-            </p:custDataLst>
           </p:nvPr>
         </p:nvSpPr>
         <p:spPr/>
@@ -11322,117 +11502,186 @@
           <a:lstStyle/>
           <a:p>
             <a:r>
-              <a:rPr lang="en-US" dirty="0" err="1" smtClean="0"/>
-              <a:t>Exigences</a:t>
-            </a:r>
-            <a:r>
-              <a:rPr lang="en-US" dirty="0" smtClean="0"/>
-              <a:t> du client (2/2)</a:t>
-            </a:r>
-            <a:endParaRPr lang="en-US" dirty="0"/>
-          </a:p>
-        </p:txBody>
-      </p:sp>
-      <p:sp>
-        <p:nvSpPr>
-          <p:cNvPr id="3" name="Content Placeholder 2"/>
+              <a:rPr lang="fr-FR" dirty="0" smtClean="0"/>
+              <a:t>Nouvelle alimentation du PS-Booster</a:t>
+            </a:r>
+            <a:endParaRPr lang="fr-FR" dirty="0"/>
+          </a:p>
+        </p:txBody>
+      </p:sp>
+      <p:sp>
+        <p:nvSpPr>
+          <p:cNvPr id="4" name="Content Placeholder 3"/>
           <p:cNvSpPr>
             <a:spLocks noGrp="1"/>
           </p:cNvSpPr>
           <p:nvPr>
             <p:ph idx="1"/>
-            <p:custDataLst>
-              <p:tags r:id="rId2"/>
-            </p:custDataLst>
           </p:nvPr>
         </p:nvSpPr>
         <p:spPr>
           <a:xfrm>
-            <a:off x="677333" y="1683575"/>
-            <a:ext cx="9378989" cy="4932595"/>
+            <a:off x="242591" y="3766995"/>
+            <a:ext cx="11007762" cy="3091005"/>
           </a:xfrm>
         </p:spPr>
         <p:txBody>
           <a:bodyPr>
-            <a:normAutofit/>
+            <a:normAutofit fontScale="70000" lnSpcReduction="20000"/>
           </a:bodyPr>
           <a:lstStyle/>
           <a:p>
             <a:r>
-              <a:rPr lang="fr-FR" sz="2000" dirty="0"/>
-              <a:t>Implanter le modèle d'un convertisseur CC-CC à 4 quadrants à l'aide de plusieurs cellules de type onduleur NPC avec des inductances de découplage dans un simulateur</a:t>
-            </a:r>
-          </a:p>
-          <a:p>
-            <a:r>
-              <a:rPr lang="fr-FR" sz="2000" dirty="0"/>
-              <a:t>Implanter le modèle de la commande d'un convertisseur CC-CC à 4 quadrants alimentant la charge spécifiée dans un simulateur</a:t>
-            </a:r>
-          </a:p>
-          <a:p>
-            <a:r>
-              <a:rPr lang="fr-FR" sz="2000" dirty="0"/>
-              <a:t>Fournir un outil de </a:t>
-            </a:r>
-            <a:r>
-              <a:rPr lang="fr-FR" sz="2000" dirty="0" smtClean="0"/>
-              <a:t>dimensionnement </a:t>
-            </a:r>
-            <a:r>
-              <a:rPr lang="fr-FR" sz="2000" dirty="0"/>
-              <a:t>pour le convertisseur CC-CC  à 4 quadrants</a:t>
-            </a:r>
-          </a:p>
-          <a:p>
-            <a:r>
-              <a:rPr lang="fr-FR" sz="2000" dirty="0"/>
-              <a:t>Implanter le modèle complet de l'alimentation du Booster</a:t>
-            </a:r>
-          </a:p>
-          <a:p>
-            <a:r>
-              <a:rPr lang="fr-FR" sz="2000" dirty="0"/>
-              <a:t>Effectuer la validation croisée des configurations implantées à l'aide de 3 simulateurs (PSIM, </a:t>
-            </a:r>
-            <a:r>
-              <a:rPr lang="fr-FR" sz="2000" dirty="0" err="1"/>
-              <a:t>SimPowerSystems</a:t>
-            </a:r>
-            <a:r>
-              <a:rPr lang="fr-FR" sz="2000" dirty="0"/>
-              <a:t>, </a:t>
-            </a:r>
-            <a:r>
-              <a:rPr lang="fr-FR" sz="2000" dirty="0" err="1"/>
-              <a:t>Opal</a:t>
-            </a:r>
-            <a:r>
-              <a:rPr lang="fr-FR" sz="2000" dirty="0"/>
-              <a:t>-RT)</a:t>
-            </a:r>
-          </a:p>
-          <a:p>
-            <a:r>
-              <a:rPr lang="fr-FR" sz="2000" dirty="0"/>
-              <a:t>Livrer une documentation pédagogique pour les divers outils de dimensionnement et de simulation</a:t>
-            </a:r>
-            <a:endParaRPr lang="en-US" sz="2000" dirty="0"/>
-          </a:p>
-          <a:p>
-            <a:endParaRPr lang="en-US" sz="1600" dirty="0"/>
-          </a:p>
-        </p:txBody>
-      </p:sp>
+              <a:rPr lang="fr-CA" sz="2600" dirty="0" smtClean="0"/>
+              <a:t>Le réseau alternatif du Booster possède une tension de 18kV qui sera abaissée par un transformateur à 2kV (2.5MVA).</a:t>
+            </a:r>
+          </a:p>
+          <a:p>
+            <a:r>
+              <a:rPr lang="fr-CA" sz="2600" dirty="0" smtClean="0"/>
+              <a:t>L’AFE (Active Front End) est un redresseur constituée de cellules de base NPC (</a:t>
+            </a:r>
+            <a:r>
+              <a:rPr lang="fr-CA" sz="2600" dirty="0" err="1" smtClean="0"/>
+              <a:t>Neutral</a:t>
+            </a:r>
+            <a:r>
+              <a:rPr lang="fr-CA" sz="2600" dirty="0" smtClean="0"/>
+              <a:t> Point </a:t>
+            </a:r>
+            <a:r>
+              <a:rPr lang="fr-CA" sz="2600" dirty="0" err="1" smtClean="0"/>
+              <a:t>Clamped</a:t>
+            </a:r>
+            <a:r>
+              <a:rPr lang="fr-CA" sz="2600" dirty="0" smtClean="0"/>
+              <a:t> </a:t>
+            </a:r>
+            <a:r>
+              <a:rPr lang="fr-CA" sz="2600" i="1" dirty="0" smtClean="0"/>
+              <a:t>voir diapositive suivante</a:t>
+            </a:r>
+            <a:r>
+              <a:rPr lang="fr-CA" sz="2600" dirty="0" smtClean="0"/>
+              <a:t>).</a:t>
+            </a:r>
+          </a:p>
+          <a:p>
+            <a:r>
+              <a:rPr lang="fr-CA" sz="2600" dirty="0" smtClean="0"/>
+              <a:t>Le condensateur C est un grand banc de capacités de stockage de 300mF permettant de fournir la puissance excédentaire requise, car le réseau est limité à 3.6MW cr</a:t>
+            </a:r>
+            <a:r>
+              <a:rPr lang="fr-CA" sz="2600" dirty="0" smtClean="0"/>
+              <a:t>ête</a:t>
+            </a:r>
+            <a:r>
+              <a:rPr lang="fr-CA" sz="2600" dirty="0" smtClean="0"/>
+              <a:t>.</a:t>
+            </a:r>
+          </a:p>
+          <a:p>
+            <a:r>
+              <a:rPr lang="fr-CA" sz="2600" dirty="0" err="1" smtClean="0"/>
+              <a:t>DC</a:t>
+            </a:r>
+            <a:r>
+              <a:rPr lang="fr-CA" sz="2600" baseline="-25000" dirty="0" err="1" smtClean="0"/>
+              <a:t>p</a:t>
+            </a:r>
+            <a:r>
+              <a:rPr lang="fr-CA" sz="2600" dirty="0" smtClean="0"/>
+              <a:t> et </a:t>
+            </a:r>
+            <a:r>
+              <a:rPr lang="fr-CA" sz="2600" dirty="0" err="1" smtClean="0"/>
+              <a:t>DC</a:t>
+            </a:r>
+            <a:r>
+              <a:rPr lang="fr-CA" sz="2600" baseline="-25000" dirty="0" err="1" smtClean="0"/>
+              <a:t>n</a:t>
+            </a:r>
+            <a:r>
+              <a:rPr lang="fr-CA" sz="2600" dirty="0" smtClean="0"/>
+              <a:t> constituent un convertisseur CC-CC à 4 quadrants permettant d’aliment les électroaimants du PS-Booster avec forme de courant précise (détaillée plus loin). Doit fournir une puissance cr</a:t>
+            </a:r>
+            <a:r>
+              <a:rPr lang="fr-CA" sz="2600" dirty="0" smtClean="0"/>
+              <a:t>ête de 18MW.</a:t>
+            </a:r>
+            <a:endParaRPr lang="fr-CA" sz="2600" dirty="0" smtClean="0"/>
+          </a:p>
+          <a:p>
+            <a:r>
+              <a:rPr lang="fr-CA" sz="2600" dirty="0" smtClean="0"/>
+              <a:t>Les </a:t>
+            </a:r>
+            <a:r>
+              <a:rPr lang="fr-CA" sz="2600" dirty="0" smtClean="0"/>
+              <a:t>3 phases des cellules </a:t>
+            </a:r>
+            <a:r>
+              <a:rPr lang="fr-CA" sz="2600" dirty="0" smtClean="0"/>
+              <a:t>NPC du convertisseur CC-CC sont associ</a:t>
+            </a:r>
+            <a:r>
+              <a:rPr lang="fr-CA" sz="2600" dirty="0" smtClean="0"/>
+              <a:t>ée par les inductances de découplage (permettant aux différentes cellules d’alimenter simultanément l’électroaimant)</a:t>
+            </a:r>
+            <a:endParaRPr lang="fr-CA" sz="2600" dirty="0" smtClean="0"/>
+          </a:p>
+          <a:p>
+            <a:endParaRPr lang="fr-CA" dirty="0" smtClean="0"/>
+          </a:p>
+        </p:txBody>
+      </p:sp>
+      <p:pic>
+        <p:nvPicPr>
+          <p:cNvPr id="2" name="Picture 1" descr="Screen Shot 2014-01-27 at 9.15.13 AM.png"/>
+          <p:cNvPicPr>
+            <a:picLocks noChangeAspect="1"/>
+          </p:cNvPicPr>
+          <p:nvPr/>
+        </p:nvPicPr>
+        <p:blipFill>
+          <a:blip r:embed="rId2">
+            <a:extLst>
+              <a:ext uri="{28A0092B-C50C-407E-A947-70E740481C1C}">
+                <a14:useLocalDpi xmlns:a14="http://schemas.microsoft.com/office/drawing/2010/main" val="0"/>
+              </a:ext>
+            </a:extLst>
+          </a:blip>
+          <a:stretch>
+            <a:fillRect/>
+          </a:stretch>
+        </p:blipFill>
+        <p:spPr>
+          <a:xfrm>
+            <a:off x="1740950" y="1248332"/>
+            <a:ext cx="8647668" cy="2475889"/>
+          </a:xfrm>
+          <a:prstGeom prst="rect">
+            <a:avLst/>
+          </a:prstGeom>
+        </p:spPr>
+      </p:pic>
     </p:spTree>
     <p:extLst>
       <p:ext uri="{BB962C8B-B14F-4D97-AF65-F5344CB8AC3E}">
-        <p14:creationId xmlns:p14="http://schemas.microsoft.com/office/powerpoint/2010/main" val="2996529324"/>
+        <p14:creationId xmlns:p14="http://schemas.microsoft.com/office/powerpoint/2010/main" val="1322387467"/>
       </p:ext>
     </p:extLst>
   </p:cSld>
   <p:clrMapOvr>
     <a:masterClrMapping/>
   </p:clrMapOvr>
+  <p:timing>
+    <p:tnLst>
+      <p:par>
+        <p:cTn xmlns:p14="http://schemas.microsoft.com/office/powerpoint/2010/main" id="1" dur="indefinite" restart="never" nodeType="tmRoot"/>
+      </p:par>
+    </p:tnLst>
+  </p:timing>
 </p:sld>
 </file>
 
@@ -11455,15 +11704,12 @@
       </p:grpSpPr>
       <p:sp>
         <p:nvSpPr>
-          <p:cNvPr id="2" name="Title 1"/>
+          <p:cNvPr id="3" name="Title 2"/>
           <p:cNvSpPr>
             <a:spLocks noGrp="1"/>
           </p:cNvSpPr>
           <p:nvPr>
             <p:ph type="title"/>
-            <p:custDataLst>
-              <p:tags r:id="rId1"/>
-            </p:custDataLst>
           </p:nvPr>
         </p:nvSpPr>
         <p:spPr/>
@@ -11472,154 +11718,165 @@
           <a:lstStyle/>
           <a:p>
             <a:r>
-              <a:rPr lang="en-US" dirty="0" err="1" smtClean="0"/>
-              <a:t>Méthodologie</a:t>
-            </a:r>
-            <a:r>
-              <a:rPr lang="en-US" dirty="0" smtClean="0"/>
-              <a:t> </a:t>
-            </a:r>
-            <a:r>
-              <a:rPr lang="en-US" dirty="0" err="1" smtClean="0"/>
-              <a:t>planifiée</a:t>
-            </a:r>
-            <a:r>
-              <a:rPr lang="en-US" dirty="0" smtClean="0"/>
-              <a:t> (1/3)</a:t>
-            </a:r>
-            <a:endParaRPr lang="en-US" dirty="0"/>
-          </a:p>
-        </p:txBody>
-      </p:sp>
-      <p:sp>
-        <p:nvSpPr>
-          <p:cNvPr id="3" name="Content Placeholder 2"/>
+              <a:rPr lang="fr-FR" dirty="0" smtClean="0"/>
+              <a:t>Cellule NPC de base</a:t>
+            </a:r>
+            <a:endParaRPr lang="fr-FR" dirty="0"/>
+          </a:p>
+        </p:txBody>
+      </p:sp>
+      <p:sp>
+        <p:nvSpPr>
+          <p:cNvPr id="4" name="Content Placeholder 3"/>
           <p:cNvSpPr>
             <a:spLocks noGrp="1"/>
           </p:cNvSpPr>
           <p:nvPr>
             <p:ph idx="1"/>
-            <p:custDataLst>
-              <p:tags r:id="rId2"/>
-            </p:custDataLst>
-          </p:nvPr>
-        </p:nvSpPr>
-        <p:spPr/>
+          </p:nvPr>
+        </p:nvSpPr>
+        <p:spPr>
+          <a:xfrm>
+            <a:off x="5793653" y="1398354"/>
+            <a:ext cx="5456700" cy="5165350"/>
+          </a:xfrm>
+        </p:spPr>
         <p:txBody>
           <a:bodyPr>
-            <a:normAutofit fontScale="92500" lnSpcReduction="10000"/>
+            <a:normAutofit lnSpcReduction="10000"/>
           </a:bodyPr>
           <a:lstStyle/>
           <a:p>
-            <a:pPr marL="0" indent="0">
-              <a:buNone/>
-            </a:pPr>
-            <a:r>
-              <a:rPr lang="en-US" sz="2800" dirty="0" err="1" smtClean="0"/>
-              <a:t>Gestion</a:t>
-            </a:r>
-            <a:endParaRPr lang="en-US" sz="2800" dirty="0" smtClean="0"/>
-          </a:p>
-          <a:p>
-            <a:r>
-              <a:rPr lang="en-US" dirty="0" err="1" smtClean="0"/>
-              <a:t>Réunions</a:t>
-            </a:r>
-            <a:r>
-              <a:rPr lang="en-US" dirty="0" smtClean="0"/>
-              <a:t> </a:t>
-            </a:r>
-            <a:r>
-              <a:rPr lang="en-US" dirty="0" err="1" smtClean="0"/>
-              <a:t>hebdomadaires</a:t>
-            </a:r>
-            <a:endParaRPr lang="en-US" dirty="0"/>
-          </a:p>
-          <a:p>
-            <a:r>
-              <a:rPr lang="fr-FR" dirty="0"/>
-              <a:t>T</a:t>
-            </a:r>
-            <a:r>
-              <a:rPr lang="fr-FR" dirty="0" smtClean="0"/>
-              <a:t>âches de chacun des membres sont tenues à jour au moyen d’un fichier Excel de gestion hebdomadaire</a:t>
+            <a:r>
+              <a:rPr lang="fr-CA" dirty="0" smtClean="0"/>
+              <a:t>Les cellules NPC de base employées dans l’alimentation du PS-Booster sont constituées de 3 bras.</a:t>
             </a:r>
           </a:p>
           <a:p>
             <a:pPr lvl="1"/>
             <a:r>
-              <a:rPr lang="fr-FR" dirty="0" smtClean="0"/>
-              <a:t>Gain en souplesse et en efficacité de gestion</a:t>
+              <a:rPr lang="fr-CA" dirty="0" smtClean="0"/>
+              <a:t>Chaque bras est constitué de 4 transistors (IGBT) et de 2 diodes pour obtenir 5 niveaux de tensions distincts ( -2Vdc,-Vdc,0,Vdc,2Vdc)</a:t>
             </a:r>
           </a:p>
           <a:p>
             <a:pPr lvl="1"/>
             <a:r>
-              <a:rPr lang="fr-FR" dirty="0" smtClean="0"/>
-              <a:t>Adapté pour la taille de l’équipe</a:t>
+              <a:rPr lang="fr-CA" dirty="0" smtClean="0"/>
+              <a:t>Il est possible de moduler le temps de conduction afin d’interpoler les niveaux (voir figure à gauche)</a:t>
+            </a:r>
+          </a:p>
+          <a:p>
+            <a:r>
+              <a:rPr lang="fr-CA" dirty="0" smtClean="0"/>
+              <a:t>La commande d’une cellule NPC de base utilise une modulation temporelle par vecteurs (voir diapositive suivante)</a:t>
             </a:r>
           </a:p>
           <a:p>
             <a:pPr lvl="1"/>
             <a:r>
-              <a:rPr lang="fr-FR" dirty="0" smtClean="0"/>
-              <a:t>Maximise l’efficacité des réunions</a:t>
-            </a:r>
-          </a:p>
-          <a:p>
-            <a:r>
-              <a:rPr lang="fr-FR" dirty="0" smtClean="0"/>
-              <a:t>Mise à jour de révision et suivi effectué au moyen de la plateforme </a:t>
-            </a:r>
-            <a:r>
-              <a:rPr lang="fr-FR" dirty="0" err="1" smtClean="0"/>
-              <a:t>GitHub</a:t>
-            </a:r>
-            <a:endParaRPr lang="fr-FR" dirty="0" smtClean="0"/>
+              <a:rPr lang="fr-CA" dirty="0" smtClean="0"/>
+              <a:t>La fréquence de hachage est limitée à 333Hz, pour des considérations d’usure des composantes.</a:t>
+            </a:r>
           </a:p>
           <a:p>
             <a:pPr lvl="1"/>
             <a:r>
-              <a:rPr lang="fr-FR" dirty="0" smtClean="0"/>
-              <a:t>Données sécurisées sur un serveur privé</a:t>
+              <a:rPr lang="fr-CA" dirty="0" smtClean="0"/>
+              <a:t>La fréquence de MLI est de 1kHz</a:t>
             </a:r>
           </a:p>
           <a:p>
             <a:pPr lvl="1"/>
             <a:r>
-              <a:rPr lang="fr-FR" dirty="0" smtClean="0"/>
-              <a:t>Permets le travail collaboratif</a:t>
-            </a:r>
-          </a:p>
-          <a:p>
-            <a:pPr lvl="1"/>
-            <a:r>
-              <a:rPr lang="fr-FR" dirty="0" smtClean="0"/>
-              <a:t>Multiplateforme</a:t>
-            </a:r>
-          </a:p>
-          <a:p>
-            <a:pPr lvl="1"/>
-            <a:endParaRPr lang="fr-FR" dirty="0" smtClean="0"/>
-          </a:p>
-          <a:p>
-            <a:pPr marL="457200" lvl="1" indent="0">
-              <a:buNone/>
-            </a:pPr>
-            <a:endParaRPr lang="en-US" dirty="0" smtClean="0"/>
-          </a:p>
-        </p:txBody>
-      </p:sp>
+              <a:rPr lang="fr-CA" dirty="0" smtClean="0"/>
+              <a:t>La commande des </a:t>
+            </a:r>
+            <a:r>
+              <a:rPr lang="fr-CA" dirty="0" smtClean="0"/>
+              <a:t>IGBT est décalée de 120°</a:t>
+            </a:r>
+            <a:endParaRPr lang="fr-CA" dirty="0" smtClean="0"/>
+          </a:p>
+        </p:txBody>
+      </p:sp>
+      <p:pic>
+        <p:nvPicPr>
+          <p:cNvPr id="5" name="Picture 4" descr="Screen Shot 2014-01-27 at 9.28.06 AM.png"/>
+          <p:cNvPicPr>
+            <a:picLocks noChangeAspect="1"/>
+          </p:cNvPicPr>
+          <p:nvPr/>
+        </p:nvPicPr>
+        <p:blipFill>
+          <a:blip r:embed="rId2">
+            <a:extLst>
+              <a:ext uri="{28A0092B-C50C-407E-A947-70E740481C1C}">
+                <a14:useLocalDpi xmlns:a14="http://schemas.microsoft.com/office/drawing/2010/main" val="0"/>
+              </a:ext>
+            </a:extLst>
+          </a:blip>
+          <a:stretch>
+            <a:fillRect/>
+          </a:stretch>
+        </p:blipFill>
+        <p:spPr>
+          <a:xfrm>
+            <a:off x="830694" y="1272014"/>
+            <a:ext cx="4130236" cy="3265503"/>
+          </a:xfrm>
+          <a:prstGeom prst="rect">
+            <a:avLst/>
+          </a:prstGeom>
+        </p:spPr>
+      </p:pic>
+      <p:pic>
+        <p:nvPicPr>
+          <p:cNvPr id="7" name="Picture 6" descr="Screen Shot 2014-01-27 at 9.41.24 AM.png"/>
+          <p:cNvPicPr>
+            <a:picLocks noChangeAspect="1"/>
+          </p:cNvPicPr>
+          <p:nvPr/>
+        </p:nvPicPr>
+        <p:blipFill>
+          <a:blip r:embed="rId3">
+            <a:extLst>
+              <a:ext uri="{28A0092B-C50C-407E-A947-70E740481C1C}">
+                <a14:useLocalDpi xmlns:a14="http://schemas.microsoft.com/office/drawing/2010/main" val="0"/>
+              </a:ext>
+            </a:extLst>
+          </a:blip>
+          <a:stretch>
+            <a:fillRect/>
+          </a:stretch>
+        </p:blipFill>
+        <p:spPr>
+          <a:xfrm>
+            <a:off x="200821" y="4548483"/>
+            <a:ext cx="5270500" cy="2184400"/>
+          </a:xfrm>
+          <a:prstGeom prst="rect">
+            <a:avLst/>
+          </a:prstGeom>
+        </p:spPr>
+      </p:pic>
     </p:spTree>
     <p:extLst>
       <p:ext uri="{BB962C8B-B14F-4D97-AF65-F5344CB8AC3E}">
-        <p14:creationId xmlns:p14="http://schemas.microsoft.com/office/powerpoint/2010/main" val="483988721"/>
+        <p14:creationId xmlns:p14="http://schemas.microsoft.com/office/powerpoint/2010/main" val="4214791547"/>
       </p:ext>
     </p:extLst>
   </p:cSld>
   <p:clrMapOvr>
     <a:masterClrMapping/>
   </p:clrMapOvr>
+  <p:timing>
+    <p:tnLst>
+      <p:par>
+        <p:cTn xmlns:p14="http://schemas.microsoft.com/office/powerpoint/2010/main" id="1" dur="indefinite" restart="never" nodeType="tmRoot"/>
+      </p:par>
+    </p:tnLst>
+  </p:timing>
 </p:sld>
 </file>
 
@@ -11642,15 +11899,12 @@
       </p:grpSpPr>
       <p:sp>
         <p:nvSpPr>
-          <p:cNvPr id="4" name="Title 3"/>
+          <p:cNvPr id="16" name="Title 2"/>
           <p:cNvSpPr>
             <a:spLocks noGrp="1"/>
           </p:cNvSpPr>
           <p:nvPr>
             <p:ph type="title"/>
-            <p:custDataLst>
-              <p:tags r:id="rId1"/>
-            </p:custDataLst>
           </p:nvPr>
         </p:nvSpPr>
         <p:spPr/>
@@ -11660,7 +11914,7 @@
           <a:p>
             <a:r>
               <a:rPr lang="fr-FR" dirty="0" smtClean="0"/>
-              <a:t>Méthodologie planifiée (2/3)</a:t>
+              <a:t>Commande d’un bloc NPC</a:t>
             </a:r>
             <a:endParaRPr lang="fr-FR" dirty="0"/>
           </a:p>
@@ -11668,132 +11922,123 @@
       </p:sp>
       <p:sp>
         <p:nvSpPr>
-          <p:cNvPr id="5" name="Content Placeholder 4"/>
+          <p:cNvPr id="19" name="Content Placeholder 18"/>
           <p:cNvSpPr>
             <a:spLocks noGrp="1"/>
           </p:cNvSpPr>
           <p:nvPr>
             <p:ph idx="1"/>
-            <p:custDataLst>
-              <p:tags r:id="rId2"/>
-            </p:custDataLst>
           </p:nvPr>
         </p:nvSpPr>
         <p:spPr>
           <a:xfrm>
-            <a:off x="573965" y="1314373"/>
-            <a:ext cx="9925368" cy="5543627"/>
+            <a:off x="827664" y="4771802"/>
+            <a:ext cx="8788819" cy="1706288"/>
           </a:xfrm>
         </p:spPr>
         <p:txBody>
           <a:bodyPr>
-            <a:normAutofit lnSpcReduction="10000"/>
+            <a:normAutofit fontScale="92500"/>
           </a:bodyPr>
           <a:lstStyle/>
           <a:p>
-            <a:pPr marL="0" indent="0">
-              <a:buNone/>
-            </a:pPr>
-            <a:r>
-              <a:rPr lang="fr-FR" sz="2800" dirty="0" smtClean="0"/>
-              <a:t>Réalisation pratique</a:t>
-            </a:r>
-          </a:p>
-          <a:p>
-            <a:r>
-              <a:rPr lang="fr-FR" sz="2200" dirty="0" smtClean="0"/>
-              <a:t>Modélisation de chacune des composantes en employant d’abord, les modèles idéaux, puis en y ajoutant des caractéristiques linéaires et non linéaires jusqu’à représenter de manière la plus exacte possible (en prenant en compte les limitations techniques liées à l’exécution de la simulation), le comportement de la composante en question</a:t>
-            </a:r>
-          </a:p>
-          <a:p>
-            <a:r>
-              <a:rPr lang="fr-FR" sz="2200" dirty="0" smtClean="0"/>
-              <a:t>Intégration du modèle de composante dans un sous-bloc paramétrable et aisément </a:t>
-            </a:r>
-            <a:r>
-              <a:rPr lang="fr-FR" sz="2200" dirty="0" err="1" smtClean="0"/>
-              <a:t>duplicable</a:t>
-            </a:r>
-            <a:endParaRPr lang="fr-FR" sz="2200" dirty="0" smtClean="0"/>
-          </a:p>
-          <a:p>
-            <a:pPr lvl="1"/>
-            <a:r>
-              <a:rPr lang="fr-FR" sz="2200" dirty="0" smtClean="0"/>
-              <a:t>Essais sur les différents simulateurs pour valider le comportement</a:t>
-            </a:r>
-          </a:p>
-          <a:p>
-            <a:r>
-              <a:rPr lang="fr-FR" sz="2200" dirty="0" smtClean="0"/>
-              <a:t>Intégration des différents modèles de composantes de manière à réaliser le redresseur NPC</a:t>
-            </a:r>
-          </a:p>
-          <a:p>
-            <a:r>
-              <a:rPr lang="fr-FR" sz="2200" dirty="0" smtClean="0"/>
-              <a:t>Modélisation d’une commande “</a:t>
-            </a:r>
-            <a:r>
-              <a:rPr lang="fr-FR" sz="2200" dirty="0" err="1" smtClean="0"/>
-              <a:t>Multilevel</a:t>
-            </a:r>
-            <a:r>
-              <a:rPr lang="fr-FR" sz="2200" dirty="0" smtClean="0"/>
-              <a:t> </a:t>
-            </a:r>
-            <a:r>
-              <a:rPr lang="fr-FR" sz="2200" dirty="0" err="1" smtClean="0"/>
-              <a:t>Space</a:t>
-            </a:r>
-            <a:r>
-              <a:rPr lang="fr-FR" sz="2200" dirty="0" smtClean="0"/>
-              <a:t> </a:t>
-            </a:r>
-            <a:r>
-              <a:rPr lang="fr-FR" sz="2200" dirty="0" err="1" smtClean="0"/>
-              <a:t>Vector</a:t>
-            </a:r>
-            <a:r>
-              <a:rPr lang="fr-FR" sz="2200" dirty="0" smtClean="0"/>
-              <a:t> PWM” et intégration au redresseur NPC</a:t>
-            </a:r>
-          </a:p>
-          <a:p>
-            <a:pPr marL="742950" lvl="2" indent="-342900"/>
-            <a:r>
-              <a:rPr lang="fr-FR" sz="2000" dirty="0" smtClean="0"/>
-              <a:t>Essais sur les différents simulateurs pour valider le comportement</a:t>
-            </a:r>
-          </a:p>
-          <a:p>
-            <a:endParaRPr lang="en-US" dirty="0"/>
-          </a:p>
-          <a:p>
-            <a:pPr lvl="1"/>
-            <a:endParaRPr lang="fr-FR" dirty="0"/>
-          </a:p>
-          <a:p>
-            <a:pPr marL="457200" lvl="1" indent="0">
-              <a:buNone/>
-            </a:pPr>
-            <a:endParaRPr lang="en-US" dirty="0"/>
-          </a:p>
-          <a:p>
-            <a:endParaRPr lang="en-US" dirty="0"/>
-          </a:p>
-        </p:txBody>
-      </p:sp>
+            <a:r>
+              <a:rPr lang="fr-CA" dirty="0" smtClean="0"/>
+              <a:t>Les états P,O,N correspond à la conduction d’une des paires possibles d’IGBT d’une phase (ABC) donnée</a:t>
+            </a:r>
+          </a:p>
+          <a:p>
+            <a:r>
+              <a:rPr lang="fr-CA" dirty="0" smtClean="0"/>
+              <a:t>Les combinaisons de conductions des paires, combinées à de la modulation temporelle permettent de produire une forme de tension de sortie précise.</a:t>
+            </a:r>
+          </a:p>
+          <a:p>
+            <a:r>
+              <a:rPr lang="fr-CA" dirty="0" smtClean="0"/>
+              <a:t>Ce type de commande offre une très grande diversité de forme d’onde de sortie.</a:t>
+            </a:r>
+            <a:endParaRPr lang="fr-CA" dirty="0"/>
+          </a:p>
+        </p:txBody>
+      </p:sp>
+      <p:pic>
+        <p:nvPicPr>
+          <p:cNvPr id="17" name="Picture 16" descr="Screen Shot 2014-01-27 at 10.03.15 AM.png"/>
+          <p:cNvPicPr>
+            <a:picLocks noChangeAspect="1"/>
+          </p:cNvPicPr>
+          <p:nvPr/>
+        </p:nvPicPr>
+        <p:blipFill>
+          <a:blip r:embed="rId2">
+            <a:extLst>
+              <a:ext uri="{28A0092B-C50C-407E-A947-70E740481C1C}">
+                <a14:useLocalDpi xmlns:a14="http://schemas.microsoft.com/office/drawing/2010/main" val="0"/>
+              </a:ext>
+            </a:extLst>
+          </a:blip>
+          <a:stretch>
+            <a:fillRect/>
+          </a:stretch>
+        </p:blipFill>
+        <p:spPr>
+          <a:xfrm>
+            <a:off x="853965" y="1272989"/>
+            <a:ext cx="4026402" cy="3388184"/>
+          </a:xfrm>
+          <a:prstGeom prst="rect">
+            <a:avLst/>
+          </a:prstGeom>
+        </p:spPr>
+      </p:pic>
+      <p:pic>
+        <p:nvPicPr>
+          <p:cNvPr id="18" name="Picture 17" descr="Screen Shot 2014-01-27 at 10.03.27 AM.png"/>
+          <p:cNvPicPr>
+            <a:picLocks noChangeAspect="1"/>
+          </p:cNvPicPr>
+          <p:nvPr/>
+        </p:nvPicPr>
+        <p:blipFill>
+          <a:blip r:embed="rId3">
+            <a:extLst>
+              <a:ext uri="{28A0092B-C50C-407E-A947-70E740481C1C}">
+                <a14:useLocalDpi xmlns:a14="http://schemas.microsoft.com/office/drawing/2010/main" val="0"/>
+              </a:ext>
+            </a:extLst>
+          </a:blip>
+          <a:stretch>
+            <a:fillRect/>
+          </a:stretch>
+        </p:blipFill>
+        <p:spPr>
+          <a:xfrm>
+            <a:off x="4894638" y="1255435"/>
+            <a:ext cx="3838651" cy="3427366"/>
+          </a:xfrm>
+          <a:prstGeom prst="rect">
+            <a:avLst/>
+          </a:prstGeom>
+        </p:spPr>
+      </p:pic>
     </p:spTree>
     <p:extLst>
       <p:ext uri="{BB962C8B-B14F-4D97-AF65-F5344CB8AC3E}">
-        <p14:creationId xmlns:p14="http://schemas.microsoft.com/office/powerpoint/2010/main" val="1125282991"/>
+        <p14:creationId xmlns:p14="http://schemas.microsoft.com/office/powerpoint/2010/main" val="3237414812"/>
       </p:ext>
     </p:extLst>
   </p:cSld>
   <p:clrMapOvr>
     <a:masterClrMapping/>
   </p:clrMapOvr>
+  <p:timing>
+    <p:tnLst>
+      <p:par>
+        <p:cTn xmlns:p14="http://schemas.microsoft.com/office/powerpoint/2010/main" id="1" dur="indefinite" restart="never" nodeType="tmRoot"/>
+      </p:par>
+    </p:tnLst>
+  </p:timing>
 </p:sld>
 </file>
 
@@ -11816,15 +12061,12 @@
       </p:grpSpPr>
       <p:sp>
         <p:nvSpPr>
-          <p:cNvPr id="2" name="Title 1"/>
+          <p:cNvPr id="16" name="Title 2"/>
           <p:cNvSpPr>
             <a:spLocks noGrp="1"/>
           </p:cNvSpPr>
           <p:nvPr>
             <p:ph type="title"/>
-            <p:custDataLst>
-              <p:tags r:id="rId1"/>
-            </p:custDataLst>
           </p:nvPr>
         </p:nvSpPr>
         <p:spPr/>
@@ -11833,93 +12075,126 @@
           <a:lstStyle/>
           <a:p>
             <a:r>
-              <a:rPr lang="fr-FR" dirty="0"/>
-              <a:t>Méthodologie planifiée </a:t>
-            </a:r>
-            <a:r>
               <a:rPr lang="fr-FR" dirty="0" smtClean="0"/>
-              <a:t>(3/</a:t>
-            </a:r>
-            <a:r>
-              <a:rPr lang="fr-FR" dirty="0"/>
-              <a:t>3)</a:t>
-            </a:r>
-            <a:endParaRPr lang="en-US" dirty="0"/>
-          </a:p>
-        </p:txBody>
-      </p:sp>
-      <p:sp>
-        <p:nvSpPr>
-          <p:cNvPr id="3" name="Content Placeholder 2"/>
+              <a:t>Commande d’un bloc NPC</a:t>
+            </a:r>
+            <a:endParaRPr lang="fr-FR" dirty="0"/>
+          </a:p>
+        </p:txBody>
+      </p:sp>
+      <p:sp>
+        <p:nvSpPr>
+          <p:cNvPr id="19" name="Content Placeholder 18"/>
           <p:cNvSpPr>
             <a:spLocks noGrp="1"/>
           </p:cNvSpPr>
           <p:nvPr>
             <p:ph idx="1"/>
-            <p:custDataLst>
-              <p:tags r:id="rId2"/>
-            </p:custDataLst>
-          </p:nvPr>
-        </p:nvSpPr>
-        <p:spPr/>
+          </p:nvPr>
+        </p:nvSpPr>
+        <p:spPr>
+          <a:xfrm>
+            <a:off x="5936355" y="1270566"/>
+            <a:ext cx="5578050" cy="5487551"/>
+          </a:xfrm>
+        </p:spPr>
         <p:txBody>
           <a:bodyPr>
-            <a:normAutofit lnSpcReduction="10000"/>
+            <a:normAutofit/>
           </a:bodyPr>
           <a:lstStyle/>
           <a:p>
             <a:r>
-              <a:rPr lang="fr-FR" sz="2200" dirty="0"/>
-              <a:t>Réalisation d’une boucle de contrôle permettant de maintenir la tension aux bornes de la banque de condensateurs constante selon l’appel de puissance</a:t>
-            </a:r>
-          </a:p>
-          <a:p>
-            <a:pPr marL="800100" lvl="3" indent="-342900"/>
-            <a:r>
-              <a:rPr lang="fr-FR" sz="1800" dirty="0"/>
-              <a:t>Essais sur les différents simulateurs pour valider le comportement</a:t>
-            </a:r>
-          </a:p>
-          <a:p>
-            <a:r>
-              <a:rPr lang="fr-FR" sz="2200" dirty="0"/>
-              <a:t>Adaptation du redresseur de manière à le convertir en onduleur pour le convertisseur 4 cadrans</a:t>
-            </a:r>
-          </a:p>
-          <a:p>
-            <a:r>
-              <a:rPr lang="fr-FR" sz="2200" dirty="0"/>
-              <a:t>Adaptation de la commande pour le convertisseur 4 cadrans</a:t>
-            </a:r>
-          </a:p>
-          <a:p>
-            <a:r>
-              <a:rPr lang="fr-FR" sz="2200" dirty="0"/>
-              <a:t>Réalisation d’une boucle de contrôle globale permettant de réinjecter la puissance des électroaimants dans le réseau</a:t>
-            </a:r>
-          </a:p>
-          <a:p>
-            <a:pPr marL="800100" lvl="3" indent="-342900"/>
-            <a:r>
-              <a:rPr lang="fr-FR" sz="1800" dirty="0"/>
-              <a:t>Essais sur les différents simulateurs pour valider le comportement</a:t>
-            </a:r>
-          </a:p>
-          <a:p>
-            <a:endParaRPr lang="en-US" dirty="0"/>
-          </a:p>
-        </p:txBody>
-      </p:sp>
+              <a:rPr lang="fr-CA" dirty="0" smtClean="0"/>
+              <a:t>La figure de gauche présente la commande décalée telle qu’appliquée aux bras des onduleurs du projet.</a:t>
+            </a:r>
+          </a:p>
+          <a:p>
+            <a:r>
+              <a:rPr lang="fr-CA" dirty="0" smtClean="0"/>
+              <a:t>On remarque que la fréquence de commutation des IGBT est 3 fois plus petite que la fréquence de modulation en sortie.</a:t>
+            </a:r>
+          </a:p>
+          <a:p>
+            <a:r>
+              <a:rPr lang="fr-CA" dirty="0" smtClean="0"/>
+              <a:t>Si l’on considère la phase A (qui commence à </a:t>
+            </a:r>
+            <a:r>
+              <a:rPr lang="fr-CA" dirty="0" err="1" smtClean="0"/>
+              <a:t>t</a:t>
+            </a:r>
+            <a:r>
+              <a:rPr lang="fr-CA" dirty="0" smtClean="0"/>
+              <a:t>=0), lors de son prochain amor</a:t>
+            </a:r>
+            <a:r>
+              <a:rPr lang="fr-CA" dirty="0" smtClean="0"/>
+              <a:t>çage, il se sera écoulé 3 combinaisons d’états:</a:t>
+            </a:r>
+          </a:p>
+          <a:p>
+            <a:pPr lvl="1"/>
+            <a:r>
+              <a:rPr lang="fr-CA" dirty="0" smtClean="0"/>
+              <a:t>[POO],[PPO],[PPP]</a:t>
+            </a:r>
+          </a:p>
+          <a:p>
+            <a:r>
+              <a:rPr lang="fr-CA" dirty="0" smtClean="0"/>
+              <a:t>Le décalage des commandes permet de tripler la fréquence de sortie, en maximisant la durée de vie des composantes.</a:t>
+            </a:r>
+          </a:p>
+        </p:txBody>
+      </p:sp>
+      <p:pic>
+        <p:nvPicPr>
+          <p:cNvPr id="2" name="Picture 1" descr="Untitled-1.png"/>
+          <p:cNvPicPr>
+            <a:picLocks noChangeAspect="1"/>
+          </p:cNvPicPr>
+          <p:nvPr/>
+        </p:nvPicPr>
+        <p:blipFill>
+          <a:blip r:embed="rId2">
+            <a:extLst>
+              <a:ext uri="{28A0092B-C50C-407E-A947-70E740481C1C}">
+                <a14:useLocalDpi xmlns:a14="http://schemas.microsoft.com/office/drawing/2010/main" val="0"/>
+              </a:ext>
+            </a:extLst>
+          </a:blip>
+          <a:stretch>
+            <a:fillRect/>
+          </a:stretch>
+        </p:blipFill>
+        <p:spPr>
+          <a:xfrm>
+            <a:off x="598360" y="1272016"/>
+            <a:ext cx="4928043" cy="5277419"/>
+          </a:xfrm>
+          <a:prstGeom prst="rect">
+            <a:avLst/>
+          </a:prstGeom>
+        </p:spPr>
+      </p:pic>
     </p:spTree>
     <p:extLst>
       <p:ext uri="{BB962C8B-B14F-4D97-AF65-F5344CB8AC3E}">
-        <p14:creationId xmlns:p14="http://schemas.microsoft.com/office/powerpoint/2010/main" val="2026603226"/>
+        <p14:creationId xmlns:p14="http://schemas.microsoft.com/office/powerpoint/2010/main" val="3388983205"/>
       </p:ext>
     </p:extLst>
   </p:cSld>
   <p:clrMapOvr>
     <a:masterClrMapping/>
   </p:clrMapOvr>
+  <p:timing>
+    <p:tnLst>
+      <p:par>
+        <p:cTn xmlns:p14="http://schemas.microsoft.com/office/powerpoint/2010/main" id="1" dur="indefinite" restart="never" nodeType="tmRoot"/>
+      </p:par>
+    </p:tnLst>
+  </p:timing>
 </p:sld>
 </file>
 
@@ -11942,15 +12217,12 @@
       </p:grpSpPr>
       <p:sp>
         <p:nvSpPr>
-          <p:cNvPr id="2" name="Title 1"/>
+          <p:cNvPr id="16" name="Title 2"/>
           <p:cNvSpPr>
             <a:spLocks noGrp="1"/>
           </p:cNvSpPr>
           <p:nvPr>
             <p:ph type="title"/>
-            <p:custDataLst>
-              <p:tags r:id="rId1"/>
-            </p:custDataLst>
           </p:nvPr>
         </p:nvSpPr>
         <p:spPr/>
@@ -11959,531 +12231,133 @@
           <a:lstStyle/>
           <a:p>
             <a:r>
-              <a:rPr lang="en-US" dirty="0" err="1" smtClean="0"/>
-              <a:t>État</a:t>
-            </a:r>
-            <a:r>
-              <a:rPr lang="en-US" dirty="0" smtClean="0"/>
-              <a:t> de la situation (1/2)</a:t>
-            </a:r>
-            <a:endParaRPr lang="en-US" dirty="0"/>
+              <a:rPr lang="fr-FR" dirty="0" smtClean="0"/>
+              <a:t>Convertisseur CC-CC 4 quadrants</a:t>
+            </a:r>
+            <a:endParaRPr lang="fr-FR" dirty="0"/>
+          </a:p>
+        </p:txBody>
+      </p:sp>
+      <p:sp>
+        <p:nvSpPr>
+          <p:cNvPr id="19" name="Content Placeholder 18"/>
+          <p:cNvSpPr>
+            <a:spLocks noGrp="1"/>
+          </p:cNvSpPr>
+          <p:nvPr>
+            <p:ph idx="1"/>
+          </p:nvPr>
+        </p:nvSpPr>
+        <p:spPr>
+          <a:xfrm>
+            <a:off x="5936355" y="1270566"/>
+            <a:ext cx="5578050" cy="5487551"/>
+          </a:xfrm>
+        </p:spPr>
+        <p:txBody>
+          <a:bodyPr>
+            <a:normAutofit lnSpcReduction="10000"/>
+          </a:bodyPr>
+          <a:lstStyle/>
+          <a:p>
+            <a:r>
+              <a:rPr lang="fr-CA" dirty="0" smtClean="0"/>
+              <a:t>La figure de gauche présente une impulsion envoyée aux électroaimants</a:t>
+            </a:r>
+          </a:p>
+          <a:p>
+            <a:r>
+              <a:rPr lang="fr-CA" dirty="0" smtClean="0"/>
+              <a:t>La courbe rouge présente le courant dans l’électroaimant contr</a:t>
+            </a:r>
+            <a:r>
+              <a:rPr lang="fr-CA" dirty="0" smtClean="0"/>
+              <a:t>ôlée par le convertisseur CC-CC 4 quadrants.</a:t>
+            </a:r>
+          </a:p>
+          <a:p>
+            <a:pPr lvl="1"/>
+            <a:r>
+              <a:rPr lang="fr-CA" dirty="0" smtClean="0"/>
+              <a:t>On remarque que le courant est strictement positif</a:t>
+            </a:r>
+          </a:p>
+          <a:p>
+            <a:r>
+              <a:rPr lang="fr-CA" dirty="0" smtClean="0"/>
+              <a:t>La courbe verte foncée représente la tension aux bornes de l’aimant</a:t>
+            </a:r>
+          </a:p>
+          <a:p>
+            <a:pPr lvl="1"/>
+            <a:r>
+              <a:rPr lang="fr-CA" dirty="0" smtClean="0"/>
+              <a:t>On remarque que l’aimant absorbe de la puissance pendant la phase de montée du courant et réinjecte de la puissance dans le condensateur lors de la phase de descente du courant.</a:t>
+            </a:r>
+          </a:p>
+          <a:p>
+            <a:r>
+              <a:rPr lang="fr-CA" dirty="0" smtClean="0"/>
+              <a:t>La courbe verte pâle représente la tension aux bornes du condensateur</a:t>
+            </a:r>
+          </a:p>
+          <a:p>
+            <a:pPr lvl="1"/>
+            <a:r>
+              <a:rPr lang="fr-CA" dirty="0" smtClean="0"/>
+              <a:t>Quand le réseau ne suffit plus à fournir la puissance, le condensateur se décharge afin de fournir la puissance excédentaire</a:t>
+            </a:r>
           </a:p>
         </p:txBody>
       </p:sp>
       <p:pic>
         <p:nvPicPr>
-          <p:cNvPr id="1026" name="Picture 2" descr="D:\LiberT\Desktop\schéma.png"/>
+          <p:cNvPr id="3" name="Picture 2" descr="Screen Shot 2014-01-27 at 10.22.04 AM.png"/>
           <p:cNvPicPr>
-            <a:picLocks noChangeAspect="1" noChangeArrowheads="1"/>
+            <a:picLocks noChangeAspect="1"/>
           </p:cNvPicPr>
-          <p:nvPr>
-            <p:custDataLst>
-              <p:tags r:id="rId2"/>
-            </p:custDataLst>
-          </p:nvPr>
+          <p:nvPr/>
         </p:nvPicPr>
         <p:blipFill>
-          <a:blip r:embed="rId5">
+          <a:blip r:embed="rId2">
             <a:extLst>
               <a:ext uri="{28A0092B-C50C-407E-A947-70E740481C1C}">
                 <a14:useLocalDpi xmlns:a14="http://schemas.microsoft.com/office/drawing/2010/main" val="0"/>
               </a:ext>
             </a:extLst>
           </a:blip>
-          <a:srcRect/>
           <a:stretch>
             <a:fillRect/>
           </a:stretch>
         </p:blipFill>
-        <p:spPr bwMode="auto">
-          <a:xfrm>
-            <a:off x="1193800" y="1930400"/>
-            <a:ext cx="9245600" cy="4720393"/>
-          </a:xfrm>
-          <a:prstGeom prst="rect">
-            <a:avLst/>
-          </a:prstGeom>
-          <a:noFill/>
-          <a:ln w="19050">
-            <a:solidFill>
-              <a:schemeClr val="accent1">
-                <a:lumMod val="60000"/>
-                <a:lumOff val="40000"/>
-              </a:schemeClr>
-            </a:solidFill>
-          </a:ln>
-          <a:extLst>
-            <a:ext uri="{909E8E84-426E-40DD-AFC4-6F175D3DCCD1}">
-              <a14:hiddenFill xmlns:a14="http://schemas.microsoft.com/office/drawing/2010/main">
-                <a:solidFill>
-                  <a:srgbClr val="FFFFFF"/>
-                </a:solidFill>
-              </a14:hiddenFill>
-            </a:ext>
-          </a:extLst>
-        </p:spPr>
-      </p:pic>
-      <p:sp>
-        <p:nvSpPr>
-          <p:cNvPr id="5" name="Title 1"/>
-          <p:cNvSpPr txBox="1">
-            <a:spLocks/>
-          </p:cNvSpPr>
-          <p:nvPr>
-            <p:custDataLst>
-              <p:tags r:id="rId3"/>
-            </p:custDataLst>
-          </p:nvPr>
-        </p:nvSpPr>
         <p:spPr>
           <a:xfrm>
-            <a:off x="1200476" y="1426029"/>
-            <a:ext cx="9238924" cy="1320800"/>
+            <a:off x="413832" y="1411450"/>
+            <a:ext cx="5281063" cy="4395207"/>
           </a:xfrm>
           <a:prstGeom prst="rect">
             <a:avLst/>
           </a:prstGeom>
         </p:spPr>
-        <p:txBody>
-          <a:bodyPr vert="horz" lIns="91440" tIns="45720" rIns="91440" bIns="45720" rtlCol="0" anchor="t">
-            <a:normAutofit/>
-          </a:bodyPr>
-          <a:lstStyle>
-            <a:lvl1pPr algn="l" defTabSz="457200" rtl="0" eaLnBrk="1" latinLnBrk="0" hangingPunct="1">
-              <a:spcBef>
-                <a:spcPct val="0"/>
-              </a:spcBef>
-              <a:buNone/>
-              <a:defRPr sz="3600" kern="1200">
-                <a:solidFill>
-                  <a:schemeClr val="accent1"/>
-                </a:solidFill>
-                <a:latin typeface="+mj-lt"/>
-                <a:ea typeface="+mj-ea"/>
-                <a:cs typeface="+mj-cs"/>
-              </a:defRPr>
-            </a:lvl1pPr>
-            <a:lvl2pPr eaLnBrk="1" hangingPunct="1">
-              <a:defRPr>
-                <a:solidFill>
-                  <a:schemeClr val="tx2"/>
-                </a:solidFill>
-              </a:defRPr>
-            </a:lvl2pPr>
-            <a:lvl3pPr eaLnBrk="1" hangingPunct="1">
-              <a:defRPr>
-                <a:solidFill>
-                  <a:schemeClr val="tx2"/>
-                </a:solidFill>
-              </a:defRPr>
-            </a:lvl3pPr>
-            <a:lvl4pPr eaLnBrk="1" hangingPunct="1">
-              <a:defRPr>
-                <a:solidFill>
-                  <a:schemeClr val="tx2"/>
-                </a:solidFill>
-              </a:defRPr>
-            </a:lvl4pPr>
-            <a:lvl5pPr eaLnBrk="1" hangingPunct="1">
-              <a:defRPr>
-                <a:solidFill>
-                  <a:schemeClr val="tx2"/>
-                </a:solidFill>
-              </a:defRPr>
-            </a:lvl5pPr>
-            <a:lvl6pPr eaLnBrk="1" hangingPunct="1">
-              <a:defRPr>
-                <a:solidFill>
-                  <a:schemeClr val="tx2"/>
-                </a:solidFill>
-              </a:defRPr>
-            </a:lvl6pPr>
-            <a:lvl7pPr eaLnBrk="1" hangingPunct="1">
-              <a:defRPr>
-                <a:solidFill>
-                  <a:schemeClr val="tx2"/>
-                </a:solidFill>
-              </a:defRPr>
-            </a:lvl7pPr>
-            <a:lvl8pPr eaLnBrk="1" hangingPunct="1">
-              <a:defRPr>
-                <a:solidFill>
-                  <a:schemeClr val="tx2"/>
-                </a:solidFill>
-              </a:defRPr>
-            </a:lvl8pPr>
-            <a:lvl9pPr eaLnBrk="1" hangingPunct="1">
-              <a:defRPr>
-                <a:solidFill>
-                  <a:schemeClr val="tx2"/>
-                </a:solidFill>
-              </a:defRPr>
-            </a:lvl9pPr>
-          </a:lstStyle>
-          <a:p>
-            <a:pPr algn="ctr"/>
-            <a:r>
-              <a:rPr lang="en-US" sz="2400" dirty="0" err="1" smtClean="0"/>
-              <a:t>Schéma</a:t>
-            </a:r>
-            <a:r>
-              <a:rPr lang="en-US" sz="2400" dirty="0" smtClean="0"/>
-              <a:t> d’un </a:t>
-            </a:r>
-            <a:r>
-              <a:rPr lang="en-US" sz="2400" dirty="0" err="1" smtClean="0"/>
-              <a:t>redresseur</a:t>
-            </a:r>
-            <a:r>
-              <a:rPr lang="en-US" sz="2400" dirty="0" smtClean="0"/>
-              <a:t> NPC à 3 </a:t>
-            </a:r>
-            <a:r>
-              <a:rPr lang="en-US" sz="2400" dirty="0" err="1" smtClean="0"/>
-              <a:t>niveaux</a:t>
-            </a:r>
-            <a:r>
-              <a:rPr lang="en-US" sz="2400" dirty="0" smtClean="0"/>
-              <a:t> de base</a:t>
-            </a:r>
-          </a:p>
-        </p:txBody>
-      </p:sp>
+      </p:pic>
     </p:spTree>
     <p:extLst>
       <p:ext uri="{BB962C8B-B14F-4D97-AF65-F5344CB8AC3E}">
-        <p14:creationId xmlns:p14="http://schemas.microsoft.com/office/powerpoint/2010/main" val="3915706220"/>
+        <p14:creationId xmlns:p14="http://schemas.microsoft.com/office/powerpoint/2010/main" val="237693898"/>
       </p:ext>
     </p:extLst>
   </p:cSld>
   <p:clrMapOvr>
     <a:masterClrMapping/>
   </p:clrMapOvr>
+  <p:timing>
+    <p:tnLst>
+      <p:par>
+        <p:cTn xmlns:p14="http://schemas.microsoft.com/office/powerpoint/2010/main" id="1" dur="indefinite" restart="never" nodeType="tmRoot"/>
+      </p:par>
+    </p:tnLst>
+  </p:timing>
 </p:sld>
-</file>
-
-<file path=ppt/tags/tag1.xml><?xml version="1.0" encoding="utf-8"?>
-<p:tagLst xmlns:a="http://schemas.openxmlformats.org/drawingml/2006/main" xmlns:r="http://schemas.openxmlformats.org/officeDocument/2006/relationships" xmlns:p="http://schemas.openxmlformats.org/presentationml/2006/main">
-  <p:tag name="NUM" val="1"/>
-</p:tagLst>
-</file>
-
-<file path=ppt/tags/tag10.xml><?xml version="1.0" encoding="utf-8"?>
-<p:tagLst xmlns:a="http://schemas.openxmlformats.org/drawingml/2006/main" xmlns:r="http://schemas.openxmlformats.org/officeDocument/2006/relationships" xmlns:p="http://schemas.openxmlformats.org/presentationml/2006/main">
-  <p:tag name="NUM" val="2"/>
-</p:tagLst>
-</file>
-
-<file path=ppt/tags/tag11.xml><?xml version="1.0" encoding="utf-8"?>
-<p:tagLst xmlns:a="http://schemas.openxmlformats.org/drawingml/2006/main" xmlns:r="http://schemas.openxmlformats.org/officeDocument/2006/relationships" xmlns:p="http://schemas.openxmlformats.org/presentationml/2006/main">
-  <p:tag name="NUM" val="1"/>
-</p:tagLst>
-</file>
-
-<file path=ppt/tags/tag12.xml><?xml version="1.0" encoding="utf-8"?>
-<p:tagLst xmlns:a="http://schemas.openxmlformats.org/drawingml/2006/main" xmlns:r="http://schemas.openxmlformats.org/officeDocument/2006/relationships" xmlns:p="http://schemas.openxmlformats.org/presentationml/2006/main">
-  <p:tag name="NUM" val="2"/>
-</p:tagLst>
-</file>
-
-<file path=ppt/tags/tag13.xml><?xml version="1.0" encoding="utf-8"?>
-<p:tagLst xmlns:a="http://schemas.openxmlformats.org/drawingml/2006/main" xmlns:r="http://schemas.openxmlformats.org/officeDocument/2006/relationships" xmlns:p="http://schemas.openxmlformats.org/presentationml/2006/main">
-  <p:tag name="NUM" val="1"/>
-</p:tagLst>
-</file>
-
-<file path=ppt/tags/tag14.xml><?xml version="1.0" encoding="utf-8"?>
-<p:tagLst xmlns:a="http://schemas.openxmlformats.org/drawingml/2006/main" xmlns:r="http://schemas.openxmlformats.org/officeDocument/2006/relationships" xmlns:p="http://schemas.openxmlformats.org/presentationml/2006/main">
-  <p:tag name="NUM" val="2"/>
-</p:tagLst>
-</file>
-
-<file path=ppt/tags/tag15.xml><?xml version="1.0" encoding="utf-8"?>
-<p:tagLst xmlns:a="http://schemas.openxmlformats.org/drawingml/2006/main" xmlns:r="http://schemas.openxmlformats.org/officeDocument/2006/relationships" xmlns:p="http://schemas.openxmlformats.org/presentationml/2006/main">
-  <p:tag name="NUM" val="1"/>
-</p:tagLst>
-</file>
-
-<file path=ppt/tags/tag16.xml><?xml version="1.0" encoding="utf-8"?>
-<p:tagLst xmlns:a="http://schemas.openxmlformats.org/drawingml/2006/main" xmlns:r="http://schemas.openxmlformats.org/officeDocument/2006/relationships" xmlns:p="http://schemas.openxmlformats.org/presentationml/2006/main">
-  <p:tag name="NUM" val="2"/>
-</p:tagLst>
-</file>
-
-<file path=ppt/tags/tag17.xml><?xml version="1.0" encoding="utf-8"?>
-<p:tagLst xmlns:a="http://schemas.openxmlformats.org/drawingml/2006/main" xmlns:r="http://schemas.openxmlformats.org/officeDocument/2006/relationships" xmlns:p="http://schemas.openxmlformats.org/presentationml/2006/main">
-  <p:tag name="NUM" val="1"/>
-</p:tagLst>
-</file>
-
-<file path=ppt/tags/tag18.xml><?xml version="1.0" encoding="utf-8"?>
-<p:tagLst xmlns:a="http://schemas.openxmlformats.org/drawingml/2006/main" xmlns:r="http://schemas.openxmlformats.org/officeDocument/2006/relationships" xmlns:p="http://schemas.openxmlformats.org/presentationml/2006/main">
-  <p:tag name="NUM" val="2"/>
-</p:tagLst>
-</file>
-
-<file path=ppt/tags/tag19.xml><?xml version="1.0" encoding="utf-8"?>
-<p:tagLst xmlns:a="http://schemas.openxmlformats.org/drawingml/2006/main" xmlns:r="http://schemas.openxmlformats.org/officeDocument/2006/relationships" xmlns:p="http://schemas.openxmlformats.org/presentationml/2006/main">
-  <p:tag name="NUM" val="3"/>
-</p:tagLst>
-</file>
-
-<file path=ppt/tags/tag2.xml><?xml version="1.0" encoding="utf-8"?>
-<p:tagLst xmlns:a="http://schemas.openxmlformats.org/drawingml/2006/main" xmlns:r="http://schemas.openxmlformats.org/officeDocument/2006/relationships" xmlns:p="http://schemas.openxmlformats.org/presentationml/2006/main">
-  <p:tag name="NUM" val="2"/>
-</p:tagLst>
-</file>
-
-<file path=ppt/tags/tag20.xml><?xml version="1.0" encoding="utf-8"?>
-<p:tagLst xmlns:a="http://schemas.openxmlformats.org/drawingml/2006/main" xmlns:r="http://schemas.openxmlformats.org/officeDocument/2006/relationships" xmlns:p="http://schemas.openxmlformats.org/presentationml/2006/main">
-  <p:tag name="NUM" val="1"/>
-</p:tagLst>
-</file>
-
-<file path=ppt/tags/tag21.xml><?xml version="1.0" encoding="utf-8"?>
-<p:tagLst xmlns:a="http://schemas.openxmlformats.org/drawingml/2006/main" xmlns:r="http://schemas.openxmlformats.org/officeDocument/2006/relationships" xmlns:p="http://schemas.openxmlformats.org/presentationml/2006/main">
-  <p:tag name="NUM" val="2"/>
-</p:tagLst>
-</file>
-
-<file path=ppt/tags/tag22.xml><?xml version="1.0" encoding="utf-8"?>
-<p:tagLst xmlns:a="http://schemas.openxmlformats.org/drawingml/2006/main" xmlns:r="http://schemas.openxmlformats.org/officeDocument/2006/relationships" xmlns:p="http://schemas.openxmlformats.org/presentationml/2006/main">
-  <p:tag name="NUM" val="3"/>
-</p:tagLst>
-</file>
-
-<file path=ppt/tags/tag23.xml><?xml version="1.0" encoding="utf-8"?>
-<p:tagLst xmlns:a="http://schemas.openxmlformats.org/drawingml/2006/main" xmlns:r="http://schemas.openxmlformats.org/officeDocument/2006/relationships" xmlns:p="http://schemas.openxmlformats.org/presentationml/2006/main">
-  <p:tag name="NUM" val="4"/>
-</p:tagLst>
-</file>
-
-<file path=ppt/tags/tag24.xml><?xml version="1.0" encoding="utf-8"?>
-<p:tagLst xmlns:a="http://schemas.openxmlformats.org/drawingml/2006/main" xmlns:r="http://schemas.openxmlformats.org/officeDocument/2006/relationships" xmlns:p="http://schemas.openxmlformats.org/presentationml/2006/main">
-  <p:tag name="NUM" val="1"/>
-</p:tagLst>
-</file>
-
-<file path=ppt/tags/tag25.xml><?xml version="1.0" encoding="utf-8"?>
-<p:tagLst xmlns:a="http://schemas.openxmlformats.org/drawingml/2006/main" xmlns:r="http://schemas.openxmlformats.org/officeDocument/2006/relationships" xmlns:p="http://schemas.openxmlformats.org/presentationml/2006/main">
-  <p:tag name="NUM" val="2"/>
-</p:tagLst>
-</file>
-
-<file path=ppt/tags/tag26.xml><?xml version="1.0" encoding="utf-8"?>
-<p:tagLst xmlns:a="http://schemas.openxmlformats.org/drawingml/2006/main" xmlns:r="http://schemas.openxmlformats.org/officeDocument/2006/relationships" xmlns:p="http://schemas.openxmlformats.org/presentationml/2006/main">
-  <p:tag name="NUM" val="3"/>
-</p:tagLst>
-</file>
-
-<file path=ppt/tags/tag27.xml><?xml version="1.0" encoding="utf-8"?>
-<p:tagLst xmlns:a="http://schemas.openxmlformats.org/drawingml/2006/main" xmlns:r="http://schemas.openxmlformats.org/officeDocument/2006/relationships" xmlns:p="http://schemas.openxmlformats.org/presentationml/2006/main">
-  <p:tag name="NUM" val="1"/>
-</p:tagLst>
-</file>
-
-<file path=ppt/tags/tag28.xml><?xml version="1.0" encoding="utf-8"?>
-<p:tagLst xmlns:a="http://schemas.openxmlformats.org/drawingml/2006/main" xmlns:r="http://schemas.openxmlformats.org/officeDocument/2006/relationships" xmlns:p="http://schemas.openxmlformats.org/presentationml/2006/main">
-  <p:tag name="NUM" val="2"/>
-</p:tagLst>
-</file>
-
-<file path=ppt/tags/tag29.xml><?xml version="1.0" encoding="utf-8"?>
-<p:tagLst xmlns:a="http://schemas.openxmlformats.org/drawingml/2006/main" xmlns:r="http://schemas.openxmlformats.org/officeDocument/2006/relationships" xmlns:p="http://schemas.openxmlformats.org/presentationml/2006/main">
-  <p:tag name="NUM" val="1"/>
-</p:tagLst>
-</file>
-
-<file path=ppt/tags/tag3.xml><?xml version="1.0" encoding="utf-8"?>
-<p:tagLst xmlns:a="http://schemas.openxmlformats.org/drawingml/2006/main" xmlns:r="http://schemas.openxmlformats.org/officeDocument/2006/relationships" xmlns:p="http://schemas.openxmlformats.org/presentationml/2006/main">
-  <p:tag name="NUM" val="1"/>
-</p:tagLst>
-</file>
-
-<file path=ppt/tags/tag30.xml><?xml version="1.0" encoding="utf-8"?>
-<p:tagLst xmlns:a="http://schemas.openxmlformats.org/drawingml/2006/main" xmlns:r="http://schemas.openxmlformats.org/officeDocument/2006/relationships" xmlns:p="http://schemas.openxmlformats.org/presentationml/2006/main">
-  <p:tag name="NUM" val="2"/>
-</p:tagLst>
-</file>
-
-<file path=ppt/tags/tag31.xml><?xml version="1.0" encoding="utf-8"?>
-<p:tagLst xmlns:a="http://schemas.openxmlformats.org/drawingml/2006/main" xmlns:r="http://schemas.openxmlformats.org/officeDocument/2006/relationships" xmlns:p="http://schemas.openxmlformats.org/presentationml/2006/main">
-  <p:tag name="NUM" val="1"/>
-</p:tagLst>
-</file>
-
-<file path=ppt/tags/tag32.xml><?xml version="1.0" encoding="utf-8"?>
-<p:tagLst xmlns:a="http://schemas.openxmlformats.org/drawingml/2006/main" xmlns:r="http://schemas.openxmlformats.org/officeDocument/2006/relationships" xmlns:p="http://schemas.openxmlformats.org/presentationml/2006/main">
-  <p:tag name="NUM" val="2"/>
-</p:tagLst>
-</file>
-
-<file path=ppt/tags/tag33.xml><?xml version="1.0" encoding="utf-8"?>
-<p:tagLst xmlns:a="http://schemas.openxmlformats.org/drawingml/2006/main" xmlns:r="http://schemas.openxmlformats.org/officeDocument/2006/relationships" xmlns:p="http://schemas.openxmlformats.org/presentationml/2006/main">
-  <p:tag name="NUM" val="1"/>
-</p:tagLst>
-</file>
-
-<file path=ppt/tags/tag34.xml><?xml version="1.0" encoding="utf-8"?>
-<p:tagLst xmlns:a="http://schemas.openxmlformats.org/drawingml/2006/main" xmlns:r="http://schemas.openxmlformats.org/officeDocument/2006/relationships" xmlns:p="http://schemas.openxmlformats.org/presentationml/2006/main">
-  <p:tag name="NUM" val="2"/>
-</p:tagLst>
-</file>
-
-<file path=ppt/tags/tag35.xml><?xml version="1.0" encoding="utf-8"?>
-<p:tagLst xmlns:a="http://schemas.openxmlformats.org/drawingml/2006/main" xmlns:r="http://schemas.openxmlformats.org/officeDocument/2006/relationships" xmlns:p="http://schemas.openxmlformats.org/presentationml/2006/main">
-  <p:tag name="NUM" val="1"/>
-</p:tagLst>
-</file>
-
-<file path=ppt/tags/tag36.xml><?xml version="1.0" encoding="utf-8"?>
-<p:tagLst xmlns:a="http://schemas.openxmlformats.org/drawingml/2006/main" xmlns:r="http://schemas.openxmlformats.org/officeDocument/2006/relationships" xmlns:p="http://schemas.openxmlformats.org/presentationml/2006/main">
-  <p:tag name="NUM" val="2"/>
-</p:tagLst>
-</file>
-
-<file path=ppt/tags/tag37.xml><?xml version="1.0" encoding="utf-8"?>
-<p:tagLst xmlns:a="http://schemas.openxmlformats.org/drawingml/2006/main" xmlns:r="http://schemas.openxmlformats.org/officeDocument/2006/relationships" xmlns:p="http://schemas.openxmlformats.org/presentationml/2006/main">
-  <p:tag name="NUM" val="1"/>
-</p:tagLst>
-</file>
-
-<file path=ppt/tags/tag38.xml><?xml version="1.0" encoding="utf-8"?>
-<p:tagLst xmlns:a="http://schemas.openxmlformats.org/drawingml/2006/main" xmlns:r="http://schemas.openxmlformats.org/officeDocument/2006/relationships" xmlns:p="http://schemas.openxmlformats.org/presentationml/2006/main">
-  <p:tag name="NUM" val="2"/>
-</p:tagLst>
-</file>
-
-<file path=ppt/tags/tag39.xml><?xml version="1.0" encoding="utf-8"?>
-<p:tagLst xmlns:a="http://schemas.openxmlformats.org/drawingml/2006/main" xmlns:r="http://schemas.openxmlformats.org/officeDocument/2006/relationships" xmlns:p="http://schemas.openxmlformats.org/presentationml/2006/main">
-  <p:tag name="NUM" val="3"/>
-</p:tagLst>
-</file>
-
-<file path=ppt/tags/tag4.xml><?xml version="1.0" encoding="utf-8"?>
-<p:tagLst xmlns:a="http://schemas.openxmlformats.org/drawingml/2006/main" xmlns:r="http://schemas.openxmlformats.org/officeDocument/2006/relationships" xmlns:p="http://schemas.openxmlformats.org/presentationml/2006/main">
-  <p:tag name="NUM" val="2"/>
-</p:tagLst>
-</file>
-
-<file path=ppt/tags/tag40.xml><?xml version="1.0" encoding="utf-8"?>
-<p:tagLst xmlns:a="http://schemas.openxmlformats.org/drawingml/2006/main" xmlns:r="http://schemas.openxmlformats.org/officeDocument/2006/relationships" xmlns:p="http://schemas.openxmlformats.org/presentationml/2006/main">
-  <p:tag name="NUM" val="1"/>
-</p:tagLst>
-</file>
-
-<file path=ppt/tags/tag41.xml><?xml version="1.0" encoding="utf-8"?>
-<p:tagLst xmlns:a="http://schemas.openxmlformats.org/drawingml/2006/main" xmlns:r="http://schemas.openxmlformats.org/officeDocument/2006/relationships" xmlns:p="http://schemas.openxmlformats.org/presentationml/2006/main">
-  <p:tag name="NUM" val="2"/>
-</p:tagLst>
-</file>
-
-<file path=ppt/tags/tag42.xml><?xml version="1.0" encoding="utf-8"?>
-<p:tagLst xmlns:a="http://schemas.openxmlformats.org/drawingml/2006/main" xmlns:r="http://schemas.openxmlformats.org/officeDocument/2006/relationships" xmlns:p="http://schemas.openxmlformats.org/presentationml/2006/main">
-  <p:tag name="NUM" val="1"/>
-</p:tagLst>
-</file>
-
-<file path=ppt/tags/tag43.xml><?xml version="1.0" encoding="utf-8"?>
-<p:tagLst xmlns:a="http://schemas.openxmlformats.org/drawingml/2006/main" xmlns:r="http://schemas.openxmlformats.org/officeDocument/2006/relationships" xmlns:p="http://schemas.openxmlformats.org/presentationml/2006/main">
-  <p:tag name="NUM" val="2"/>
-</p:tagLst>
-</file>
-
-<file path=ppt/tags/tag44.xml><?xml version="1.0" encoding="utf-8"?>
-<p:tagLst xmlns:a="http://schemas.openxmlformats.org/drawingml/2006/main" xmlns:r="http://schemas.openxmlformats.org/officeDocument/2006/relationships" xmlns:p="http://schemas.openxmlformats.org/presentationml/2006/main">
-  <p:tag name="NUM" val="1"/>
-</p:tagLst>
-</file>
-
-<file path=ppt/tags/tag45.xml><?xml version="1.0" encoding="utf-8"?>
-<p:tagLst xmlns:a="http://schemas.openxmlformats.org/drawingml/2006/main" xmlns:r="http://schemas.openxmlformats.org/officeDocument/2006/relationships" xmlns:p="http://schemas.openxmlformats.org/presentationml/2006/main">
-  <p:tag name="NUM" val="2"/>
-</p:tagLst>
-</file>
-
-<file path=ppt/tags/tag46.xml><?xml version="1.0" encoding="utf-8"?>
-<p:tagLst xmlns:a="http://schemas.openxmlformats.org/drawingml/2006/main" xmlns:r="http://schemas.openxmlformats.org/officeDocument/2006/relationships" xmlns:p="http://schemas.openxmlformats.org/presentationml/2006/main">
-  <p:tag name="NUM" val="1"/>
-</p:tagLst>
-</file>
-
-<file path=ppt/tags/tag47.xml><?xml version="1.0" encoding="utf-8"?>
-<p:tagLst xmlns:a="http://schemas.openxmlformats.org/drawingml/2006/main" xmlns:r="http://schemas.openxmlformats.org/officeDocument/2006/relationships" xmlns:p="http://schemas.openxmlformats.org/presentationml/2006/main">
-  <p:tag name="NUM" val="2"/>
-</p:tagLst>
-</file>
-
-<file path=ppt/tags/tag48.xml><?xml version="1.0" encoding="utf-8"?>
-<p:tagLst xmlns:a="http://schemas.openxmlformats.org/drawingml/2006/main" xmlns:r="http://schemas.openxmlformats.org/officeDocument/2006/relationships" xmlns:p="http://schemas.openxmlformats.org/presentationml/2006/main">
-  <p:tag name="NUM" val="3"/>
-</p:tagLst>
-</file>
-
-<file path=ppt/tags/tag49.xml><?xml version="1.0" encoding="utf-8"?>
-<p:tagLst xmlns:a="http://schemas.openxmlformats.org/drawingml/2006/main" xmlns:r="http://schemas.openxmlformats.org/officeDocument/2006/relationships" xmlns:p="http://schemas.openxmlformats.org/presentationml/2006/main">
-  <p:tag name="NUM" val="1"/>
-</p:tagLst>
-</file>
-
-<file path=ppt/tags/tag5.xml><?xml version="1.0" encoding="utf-8"?>
-<p:tagLst xmlns:a="http://schemas.openxmlformats.org/drawingml/2006/main" xmlns:r="http://schemas.openxmlformats.org/officeDocument/2006/relationships" xmlns:p="http://schemas.openxmlformats.org/presentationml/2006/main">
-  <p:tag name="NUM" val="1"/>
-</p:tagLst>
-</file>
-
-<file path=ppt/tags/tag50.xml><?xml version="1.0" encoding="utf-8"?>
-<p:tagLst xmlns:a="http://schemas.openxmlformats.org/drawingml/2006/main" xmlns:r="http://schemas.openxmlformats.org/officeDocument/2006/relationships" xmlns:p="http://schemas.openxmlformats.org/presentationml/2006/main">
-  <p:tag name="NUM" val="2"/>
-</p:tagLst>
-</file>
-
-<file path=ppt/tags/tag51.xml><?xml version="1.0" encoding="utf-8"?>
-<p:tagLst xmlns:a="http://schemas.openxmlformats.org/drawingml/2006/main" xmlns:r="http://schemas.openxmlformats.org/officeDocument/2006/relationships" xmlns:p="http://schemas.openxmlformats.org/presentationml/2006/main">
-  <p:tag name="NUM" val="1"/>
-</p:tagLst>
-</file>
-
-<file path=ppt/tags/tag52.xml><?xml version="1.0" encoding="utf-8"?>
-<p:tagLst xmlns:a="http://schemas.openxmlformats.org/drawingml/2006/main" xmlns:r="http://schemas.openxmlformats.org/officeDocument/2006/relationships" xmlns:p="http://schemas.openxmlformats.org/presentationml/2006/main">
-  <p:tag name="NUM" val="2"/>
-</p:tagLst>
-</file>
-
-<file path=ppt/tags/tag53.xml><?xml version="1.0" encoding="utf-8"?>
-<p:tagLst xmlns:a="http://schemas.openxmlformats.org/drawingml/2006/main" xmlns:r="http://schemas.openxmlformats.org/officeDocument/2006/relationships" xmlns:p="http://schemas.openxmlformats.org/presentationml/2006/main">
-  <p:tag name="NUM" val="1"/>
-</p:tagLst>
-</file>
-
-<file path=ppt/tags/tag54.xml><?xml version="1.0" encoding="utf-8"?>
-<p:tagLst xmlns:a="http://schemas.openxmlformats.org/drawingml/2006/main" xmlns:r="http://schemas.openxmlformats.org/officeDocument/2006/relationships" xmlns:p="http://schemas.openxmlformats.org/presentationml/2006/main">
-  <p:tag name="NUM" val="2"/>
-</p:tagLst>
-</file>
-
-<file path=ppt/tags/tag6.xml><?xml version="1.0" encoding="utf-8"?>
-<p:tagLst xmlns:a="http://schemas.openxmlformats.org/drawingml/2006/main" xmlns:r="http://schemas.openxmlformats.org/officeDocument/2006/relationships" xmlns:p="http://schemas.openxmlformats.org/presentationml/2006/main">
-  <p:tag name="NUM" val="2"/>
-</p:tagLst>
-</file>
-
-<file path=ppt/tags/tag7.xml><?xml version="1.0" encoding="utf-8"?>
-<p:tagLst xmlns:a="http://schemas.openxmlformats.org/drawingml/2006/main" xmlns:r="http://schemas.openxmlformats.org/officeDocument/2006/relationships" xmlns:p="http://schemas.openxmlformats.org/presentationml/2006/main">
-  <p:tag name="NUM" val="1"/>
-</p:tagLst>
-</file>
-
-<file path=ppt/tags/tag8.xml><?xml version="1.0" encoding="utf-8"?>
-<p:tagLst xmlns:a="http://schemas.openxmlformats.org/drawingml/2006/main" xmlns:r="http://schemas.openxmlformats.org/officeDocument/2006/relationships" xmlns:p="http://schemas.openxmlformats.org/presentationml/2006/main">
-  <p:tag name="NUM" val="2"/>
-</p:tagLst>
-</file>
-
-<file path=ppt/tags/tag9.xml><?xml version="1.0" encoding="utf-8"?>
-<p:tagLst xmlns:a="http://schemas.openxmlformats.org/drawingml/2006/main" xmlns:r="http://schemas.openxmlformats.org/officeDocument/2006/relationships" xmlns:p="http://schemas.openxmlformats.org/presentationml/2006/main">
-  <p:tag name="NUM" val="1"/>
-</p:tagLst>
 </file>
 
 <file path=ppt/theme/theme1.xml><?xml version="1.0" encoding="utf-8"?>
@@ -12737,7 +12611,7 @@
   <a:extraClrSchemeLst/>
   <a:extLst>
     <a:ext uri="{05A4C25C-085E-4340-85A3-A5531E510DB2}">
-      <thm15:themeFamily xmlns:thm15="http://schemas.microsoft.com/office/thememl/2012/main" name="Facet" id="{C0C680CD-088A-49FC-A102-D699147F32B2}" vid="{CFBC31BA-B70F-4F30-BCAA-4F3011E16C4D}"/>
+      <thm15:themeFamily xmlns="" xmlns:thm15="http://schemas.microsoft.com/office/thememl/2012/main" name="Facet" id="{C0C680CD-088A-49FC-A102-D699147F32B2}" vid="{CFBC31BA-B70F-4F30-BCAA-4F3011E16C4D}"/>
     </a:ext>
   </a:extLst>
 </a:theme>

--- a/Remise/Remise 1/Presentation_Remise_1.pptx
+++ b/Remise/Remise 1/Presentation_Remise_1.pptx
@@ -854,7 +854,7 @@
           <a:p>
             <a:fld id="{5C8908A9-1E53-4D85-A76B-A28D8BCB5503}" type="datetimeFigureOut">
               <a:rPr lang="en-US" smtClean="0"/>
-              <a:t>1/25/2014</a:t>
+              <a:t>1/27/2014</a:t>
             </a:fld>
             <a:endParaRPr lang="en-US"/>
           </a:p>
@@ -1117,7 +1117,7 @@
           <a:p>
             <a:fld id="{5C8908A9-1E53-4D85-A76B-A28D8BCB5503}" type="datetimeFigureOut">
               <a:rPr lang="en-US" smtClean="0"/>
-              <a:t>1/25/2014</a:t>
+              <a:t>1/27/2014</a:t>
             </a:fld>
             <a:endParaRPr lang="en-US"/>
           </a:p>
@@ -1368,7 +1368,7 @@
           <a:p>
             <a:fld id="{5C8908A9-1E53-4D85-A76B-A28D8BCB5503}" type="datetimeFigureOut">
               <a:rPr lang="en-US" smtClean="0"/>
-              <a:t>1/25/2014</a:t>
+              <a:t>1/27/2014</a:t>
             </a:fld>
             <a:endParaRPr lang="en-US"/>
           </a:p>
@@ -1682,7 +1682,7 @@
           <a:p>
             <a:fld id="{5C8908A9-1E53-4D85-A76B-A28D8BCB5503}" type="datetimeFigureOut">
               <a:rPr lang="en-US" smtClean="0"/>
-              <a:t>1/25/2014</a:t>
+              <a:t>1/27/2014</a:t>
             </a:fld>
             <a:endParaRPr lang="en-US"/>
           </a:p>
@@ -2023,7 +2023,7 @@
           <a:p>
             <a:fld id="{5C8908A9-1E53-4D85-A76B-A28D8BCB5503}" type="datetimeFigureOut">
               <a:rPr lang="en-US" smtClean="0"/>
-              <a:t>1/25/2014</a:t>
+              <a:t>1/27/2014</a:t>
             </a:fld>
             <a:endParaRPr lang="en-US"/>
           </a:p>
@@ -2337,7 +2337,7 @@
           <a:p>
             <a:fld id="{5C8908A9-1E53-4D85-A76B-A28D8BCB5503}" type="datetimeFigureOut">
               <a:rPr lang="en-US" smtClean="0"/>
-              <a:t>1/25/2014</a:t>
+              <a:t>1/27/2014</a:t>
             </a:fld>
             <a:endParaRPr lang="en-US"/>
           </a:p>
@@ -2730,7 +2730,7 @@
           <a:p>
             <a:fld id="{5C8908A9-1E53-4D85-A76B-A28D8BCB5503}" type="datetimeFigureOut">
               <a:rPr lang="en-US" smtClean="0"/>
-              <a:t>1/25/2014</a:t>
+              <a:t>1/27/2014</a:t>
             </a:fld>
             <a:endParaRPr lang="en-US"/>
           </a:p>
@@ -2900,7 +2900,7 @@
           <a:p>
             <a:fld id="{5C8908A9-1E53-4D85-A76B-A28D8BCB5503}" type="datetimeFigureOut">
               <a:rPr lang="en-US" smtClean="0"/>
-              <a:t>1/25/2014</a:t>
+              <a:t>1/27/2014</a:t>
             </a:fld>
             <a:endParaRPr lang="en-US"/>
           </a:p>
@@ -3080,7 +3080,7 @@
           <a:p>
             <a:fld id="{5C8908A9-1E53-4D85-A76B-A28D8BCB5503}" type="datetimeFigureOut">
               <a:rPr lang="en-US" smtClean="0"/>
-              <a:t>1/25/2014</a:t>
+              <a:t>1/27/2014</a:t>
             </a:fld>
             <a:endParaRPr lang="en-US"/>
           </a:p>
@@ -3256,7 +3256,7 @@
           <a:p>
             <a:fld id="{5C8908A9-1E53-4D85-A76B-A28D8BCB5503}" type="datetimeFigureOut">
               <a:rPr lang="en-US" smtClean="0"/>
-              <a:t>1/25/2014</a:t>
+              <a:t>1/27/2014</a:t>
             </a:fld>
             <a:endParaRPr lang="en-US"/>
           </a:p>
@@ -3503,7 +3503,7 @@
           <a:p>
             <a:fld id="{5C8908A9-1E53-4D85-A76B-A28D8BCB5503}" type="datetimeFigureOut">
               <a:rPr lang="en-US" smtClean="0"/>
-              <a:t>1/25/2014</a:t>
+              <a:t>1/27/2014</a:t>
             </a:fld>
             <a:endParaRPr lang="en-US"/>
           </a:p>
@@ -3735,7 +3735,7 @@
           <a:p>
             <a:fld id="{5C8908A9-1E53-4D85-A76B-A28D8BCB5503}" type="datetimeFigureOut">
               <a:rPr lang="en-US" smtClean="0"/>
-              <a:t>1/25/2014</a:t>
+              <a:t>1/27/2014</a:t>
             </a:fld>
             <a:endParaRPr lang="en-US"/>
           </a:p>
@@ -4109,7 +4109,7 @@
           <a:p>
             <a:fld id="{5C8908A9-1E53-4D85-A76B-A28D8BCB5503}" type="datetimeFigureOut">
               <a:rPr lang="en-US" smtClean="0"/>
-              <a:t>1/25/2014</a:t>
+              <a:t>1/27/2014</a:t>
             </a:fld>
             <a:endParaRPr lang="en-US"/>
           </a:p>
@@ -4232,7 +4232,7 @@
           <a:p>
             <a:fld id="{5C8908A9-1E53-4D85-A76B-A28D8BCB5503}" type="datetimeFigureOut">
               <a:rPr lang="en-US" smtClean="0"/>
-              <a:t>1/25/2014</a:t>
+              <a:t>1/27/2014</a:t>
             </a:fld>
             <a:endParaRPr lang="en-US"/>
           </a:p>
@@ -4327,7 +4327,7 @@
           <a:p>
             <a:fld id="{5C8908A9-1E53-4D85-A76B-A28D8BCB5503}" type="datetimeFigureOut">
               <a:rPr lang="en-US" smtClean="0"/>
-              <a:t>1/25/2014</a:t>
+              <a:t>1/27/2014</a:t>
             </a:fld>
             <a:endParaRPr lang="en-US"/>
           </a:p>
@@ -4427,7 +4427,7 @@
           <a:p>
             <a:fld id="{5C8908A9-1E53-4D85-A76B-A28D8BCB5503}" type="datetimeFigureOut">
               <a:rPr lang="en-US" smtClean="0"/>
-              <a:t>1/25/2014</a:t>
+              <a:t>1/27/2014</a:t>
             </a:fld>
             <a:endParaRPr lang="en-US" dirty="0"/>
           </a:p>
@@ -5222,7 +5222,7 @@
           <a:p>
             <a:fld id="{5C8908A9-1E53-4D85-A76B-A28D8BCB5503}" type="datetimeFigureOut">
               <a:rPr lang="en-US" smtClean="0"/>
-              <a:t>1/25/2014</a:t>
+              <a:t>1/27/2014</a:t>
             </a:fld>
             <a:endParaRPr lang="en-US"/>
           </a:p>
@@ -5984,7 +5984,7 @@
           <a:p>
             <a:fld id="{5C8908A9-1E53-4D85-A76B-A28D8BCB5503}" type="datetimeFigureOut">
               <a:rPr lang="en-US" smtClean="0"/>
-              <a:t>1/25/2014</a:t>
+              <a:t>1/27/2014</a:t>
             </a:fld>
             <a:endParaRPr lang="en-US"/>
           </a:p>
@@ -6623,10 +6623,10 @@
           <a:lstStyle/>
           <a:p>
             <a:r>
-              <a:rPr lang="en-US" dirty="0" err="1" smtClean="0"/>
+              <a:rPr lang="fr-CA" dirty="0" smtClean="0"/>
               <a:t>Objectifs</a:t>
             </a:r>
-            <a:endParaRPr lang="en-US" dirty="0"/>
+            <a:endParaRPr lang="fr-CA" dirty="0"/>
           </a:p>
         </p:txBody>
       </p:sp>
@@ -6718,6 +6718,12 @@
             <a:r>
               <a:rPr lang="fr-CA" dirty="0" smtClean="0"/>
               <a:t>Présenter des exemples d’utilisation</a:t>
+            </a:r>
+          </a:p>
+          <a:p>
+            <a:r>
+              <a:rPr lang="fr-CA" dirty="0" smtClean="0"/>
+              <a:t>Implanter une validation croisée des 3 simulateurs</a:t>
             </a:r>
           </a:p>
         </p:txBody>
@@ -8054,11 +8060,7 @@
             <a:pPr lvl="1"/>
             <a:r>
               <a:rPr lang="fr-CA" dirty="0" smtClean="0"/>
-              <a:t>Le laboratoire est constitué d’une cha</a:t>
-            </a:r>
-            <a:r>
-              <a:rPr lang="fr-CA" dirty="0" smtClean="0"/>
-              <a:t>îne complexe d’accélérateurs de particules</a:t>
+              <a:t>Le laboratoire est constitué d’une chaîne complexe d’accélérateurs de particules</a:t>
             </a:r>
           </a:p>
           <a:p>
@@ -11188,11 +11190,7 @@
             <a:pPr lvl="1"/>
             <a:r>
               <a:rPr lang="fr-CA" dirty="0" smtClean="0"/>
-              <a:t>a</a:t>
-            </a:r>
-            <a:r>
-              <a:rPr lang="fr-CA" dirty="0" smtClean="0"/>
-              <a:t>ugmenter la masse des particules</a:t>
+              <a:t>augmenter la masse des particules</a:t>
             </a:r>
           </a:p>
           <a:p>
@@ -11366,11 +11364,7 @@
             <a:pPr lvl="1"/>
             <a:r>
               <a:rPr lang="fr-CA" dirty="0" smtClean="0"/>
-              <a:t>L’alimentation principale des électroaimants doit </a:t>
-            </a:r>
-            <a:r>
-              <a:rPr lang="fr-CA" dirty="0" smtClean="0"/>
-              <a:t>être changée afin de fournir (6MW en moyenne et 18MW crête)</a:t>
+              <a:t>L’alimentation principale des électroaimants doit être changée afin de fournir (6MW en moyenne et 18MW crête)</a:t>
             </a:r>
           </a:p>
           <a:p>
@@ -11379,7 +11373,6 @@
               <a:rPr lang="fr-CA" dirty="0" smtClean="0"/>
               <a:t>Les électroaimants de l’accélérateur doivent être modifiés pour remplir la nouvelle spécification</a:t>
             </a:r>
-            <a:endParaRPr lang="fr-CA" dirty="0" smtClean="0"/>
           </a:p>
         </p:txBody>
       </p:sp>
@@ -11569,15 +11562,7 @@
           <a:p>
             <a:r>
               <a:rPr lang="fr-CA" sz="2600" dirty="0" smtClean="0"/>
-              <a:t>Le condensateur C est un grand banc de capacités de stockage de 300mF permettant de fournir la puissance excédentaire requise, car le réseau est limité à 3.6MW cr</a:t>
-            </a:r>
-            <a:r>
-              <a:rPr lang="fr-CA" sz="2600" dirty="0" smtClean="0"/>
-              <a:t>ête</a:t>
-            </a:r>
-            <a:r>
-              <a:rPr lang="fr-CA" sz="2600" dirty="0" smtClean="0"/>
-              <a:t>.</a:t>
+              <a:t>Le condensateur C est un grand banc de capacités de stockage de 300mF permettant de fournir la puissance excédentaire requise, car le réseau est limité à 3.6MW crête.</a:t>
             </a:r>
           </a:p>
           <a:p>
@@ -11603,32 +11588,14 @@
             </a:r>
             <a:r>
               <a:rPr lang="fr-CA" sz="2600" dirty="0" smtClean="0"/>
-              <a:t> constituent un convertisseur CC-CC à 4 quadrants permettant d’aliment les électroaimants du PS-Booster avec forme de courant précise (détaillée plus loin). Doit fournir une puissance cr</a:t>
-            </a:r>
+              <a:t> constituent un convertisseur CC-CC à 4 quadrants permettant d’aliment les électroaimants du PS-Booster avec forme de courant précise (détaillée plus loin). Doit fournir une puissance crête de 18MW à une série d’électroaimants correspondant à une charge de 0.1H et de 0.28Ω.</a:t>
+            </a:r>
+          </a:p>
+          <a:p>
             <a:r>
               <a:rPr lang="fr-CA" sz="2600" dirty="0" smtClean="0"/>
-              <a:t>ête de 18MW.</a:t>
-            </a:r>
-            <a:endParaRPr lang="fr-CA" sz="2600" dirty="0" smtClean="0"/>
-          </a:p>
-          <a:p>
-            <a:r>
-              <a:rPr lang="fr-CA" sz="2600" dirty="0" smtClean="0"/>
-              <a:t>Les </a:t>
-            </a:r>
-            <a:r>
-              <a:rPr lang="fr-CA" sz="2600" dirty="0" smtClean="0"/>
-              <a:t>3 phases des cellules </a:t>
-            </a:r>
-            <a:r>
-              <a:rPr lang="fr-CA" sz="2600" dirty="0" smtClean="0"/>
-              <a:t>NPC du convertisseur CC-CC sont associ</a:t>
-            </a:r>
-            <a:r>
-              <a:rPr lang="fr-CA" sz="2600" dirty="0" smtClean="0"/>
-              <a:t>ée par les inductances de découplage (permettant aux différentes cellules d’alimenter simultanément l’électroaimant)</a:t>
-            </a:r>
-            <a:endParaRPr lang="fr-CA" sz="2600" dirty="0" smtClean="0"/>
+              <a:t>Les 3 phases des cellules NPC du convertisseur CC-CC sont associée par les inductances de découplage (permettant aux différentes cellules d’alimenter simultanément l’électroaimant)</a:t>
+            </a:r>
           </a:p>
           <a:p>
             <a:endParaRPr lang="fr-CA" dirty="0" smtClean="0"/>
@@ -11790,13 +11757,8 @@
             <a:pPr lvl="1"/>
             <a:r>
               <a:rPr lang="fr-CA" dirty="0" smtClean="0"/>
-              <a:t>La commande des </a:t>
-            </a:r>
-            <a:r>
-              <a:rPr lang="fr-CA" dirty="0" smtClean="0"/>
-              <a:t>IGBT est décalée de 120°</a:t>
-            </a:r>
-            <a:endParaRPr lang="fr-CA" dirty="0" smtClean="0"/>
+              <a:t>La commande des IGBT est décalée de 120°</a:t>
+            </a:r>
           </a:p>
         </p:txBody>
       </p:sp>
@@ -12126,11 +12088,7 @@
             </a:r>
             <a:r>
               <a:rPr lang="fr-CA" dirty="0" smtClean="0"/>
-              <a:t>=0), lors de son prochain amor</a:t>
-            </a:r>
-            <a:r>
-              <a:rPr lang="fr-CA" dirty="0" smtClean="0"/>
-              <a:t>çage, il se sera écoulé 3 combinaisons d’états:</a:t>
+              <a:t>=0), lors de son prochain amorçage, il se sera écoulé 3 combinaisons d’états:</a:t>
             </a:r>
           </a:p>
           <a:p>
@@ -12268,11 +12226,7 @@
           <a:p>
             <a:r>
               <a:rPr lang="fr-CA" dirty="0" smtClean="0"/>
-              <a:t>La courbe rouge présente le courant dans l’électroaimant contr</a:t>
-            </a:r>
-            <a:r>
-              <a:rPr lang="fr-CA" dirty="0" smtClean="0"/>
-              <a:t>ôlée par le convertisseur CC-CC 4 quadrants.</a:t>
+              <a:t>La courbe rouge présente le courant dans l’électroaimant contrôlée par le convertisseur CC-CC 4 quadrants.</a:t>
             </a:r>
           </a:p>
           <a:p>
@@ -12611,7 +12565,7 @@
   <a:extraClrSchemeLst/>
   <a:extLst>
     <a:ext uri="{05A4C25C-085E-4340-85A3-A5531E510DB2}">
-      <thm15:themeFamily xmlns="" xmlns:thm15="http://schemas.microsoft.com/office/thememl/2012/main" name="Facet" id="{C0C680CD-088A-49FC-A102-D699147F32B2}" vid="{CFBC31BA-B70F-4F30-BCAA-4F3011E16C4D}"/>
+      <thm15:themeFamily xmlns:thm15="http://schemas.microsoft.com/office/thememl/2012/main" xmlns="" name="Facet" id="{C0C680CD-088A-49FC-A102-D699147F32B2}" vid="{CFBC31BA-B70F-4F30-BCAA-4F3011E16C4D}"/>
     </a:ext>
   </a:extLst>
 </a:theme>

--- a/Remise/Remise 1/Presentation_Remise_1.pptx
+++ b/Remise/Remise 1/Presentation_Remise_1.pptx
@@ -20,8 +20,8 @@
     <p:sldId id="261" r:id="rId14"/>
     <p:sldId id="262" r:id="rId15"/>
     <p:sldId id="263" r:id="rId16"/>
-    <p:sldId id="264" r:id="rId17"/>
-    <p:sldId id="265" r:id="rId18"/>
+    <p:sldId id="282" r:id="rId17"/>
+    <p:sldId id="283" r:id="rId18"/>
     <p:sldId id="266" r:id="rId19"/>
     <p:sldId id="267" r:id="rId20"/>
     <p:sldId id="271" r:id="rId21"/>
@@ -129,6 +129,22 @@
       </a:defRPr>
     </a:lvl9pPr>
   </p:defaultTextStyle>
+  <p:extLst>
+    <p:ext uri="{EFAFB233-063F-42B5-8137-9DF3F51BA10A}">
+      <p15:sldGuideLst xmlns:p15="http://schemas.microsoft.com/office/powerpoint/2012/main">
+        <p15:guide id="1" orient="horz" pos="2160">
+          <p15:clr>
+            <a:srgbClr val="A4A3A4"/>
+          </p15:clr>
+        </p15:guide>
+        <p15:guide id="2" pos="3840">
+          <p15:clr>
+            <a:srgbClr val="A4A3A4"/>
+          </p15:clr>
+        </p15:guide>
+      </p15:sldGuideLst>
+    </p:ext>
+  </p:extLst>
 </p:presentation>
 </file>
 
@@ -6583,7 +6599,7 @@
   <p:timing>
     <p:tnLst>
       <p:par>
-        <p:cTn xmlns:p14="http://schemas.microsoft.com/office/powerpoint/2010/main" id="1" dur="indefinite" restart="never" nodeType="tmRoot"/>
+        <p:cTn id="1" dur="indefinite" restart="never" nodeType="tmRoot"/>
       </p:par>
     </p:tnLst>
   </p:timing>
@@ -6741,7 +6757,7 @@
   <p:timing>
     <p:tnLst>
       <p:par>
-        <p:cTn xmlns:p14="http://schemas.microsoft.com/office/powerpoint/2010/main" id="1" dur="indefinite" restart="never" nodeType="tmRoot"/>
+        <p:cTn id="1" dur="indefinite" restart="never" nodeType="tmRoot"/>
       </p:par>
     </p:tnLst>
   </p:timing>
@@ -6878,7 +6894,7 @@
   <p:timing>
     <p:tnLst>
       <p:par>
-        <p:cTn xmlns:p14="http://schemas.microsoft.com/office/powerpoint/2010/main" id="1" dur="indefinite" restart="never" nodeType="tmRoot"/>
+        <p:cTn id="1" dur="indefinite" restart="never" nodeType="tmRoot"/>
       </p:par>
     </p:tnLst>
   </p:timing>
@@ -7540,6 +7556,9 @@
           </p:cNvSpPr>
           <p:nvPr>
             <p:ph type="title"/>
+            <p:custDataLst>
+              <p:tags r:id="rId1"/>
+            </p:custDataLst>
           </p:nvPr>
         </p:nvSpPr>
         <p:spPr/>
@@ -7559,50 +7578,189 @@
           </a:p>
         </p:txBody>
       </p:sp>
-      <p:sp>
-        <p:nvSpPr>
-          <p:cNvPr id="3" name="Content Placeholder 2"/>
-          <p:cNvSpPr>
-            <a:spLocks noGrp="1"/>
-          </p:cNvSpPr>
-          <p:nvPr>
-            <p:ph idx="1"/>
-          </p:nvPr>
-        </p:nvSpPr>
-        <p:spPr/>
-        <p:txBody>
-          <a:bodyPr>
+      <p:pic>
+        <p:nvPicPr>
+          <p:cNvPr id="1026" name="Picture 2" descr="D:\LiberT\Desktop\schéma.png"/>
+          <p:cNvPicPr>
+            <a:picLocks noChangeAspect="1" noChangeArrowheads="1"/>
+          </p:cNvPicPr>
+          <p:nvPr>
+            <p:custDataLst>
+              <p:tags r:id="rId2"/>
+            </p:custDataLst>
+          </p:nvPr>
+        </p:nvPicPr>
+        <p:blipFill>
+          <a:blip r:embed="rId5">
+            <a:extLst>
+              <a:ext uri="{28A0092B-C50C-407E-A947-70E740481C1C}">
+                <a14:useLocalDpi xmlns:a14="http://schemas.microsoft.com/office/drawing/2010/main" val="0"/>
+              </a:ext>
+            </a:extLst>
+          </a:blip>
+          <a:srcRect/>
+          <a:stretch>
+            <a:fillRect/>
+          </a:stretch>
+        </p:blipFill>
+        <p:spPr bwMode="auto">
+          <a:xfrm>
+            <a:off x="1193800" y="1930400"/>
+            <a:ext cx="9245600" cy="4720393"/>
+          </a:xfrm>
+          <a:prstGeom prst="rect">
+            <a:avLst/>
+          </a:prstGeom>
+          <a:noFill/>
+          <a:ln w="19050">
+            <a:solidFill>
+              <a:schemeClr val="accent1">
+                <a:lumMod val="60000"/>
+                <a:lumOff val="40000"/>
+              </a:schemeClr>
+            </a:solidFill>
+          </a:ln>
+          <a:extLst>
+            <a:ext uri="{909E8E84-426E-40DD-AFC4-6F175D3DCCD1}">
+              <a14:hiddenFill xmlns:a14="http://schemas.microsoft.com/office/drawing/2010/main">
+                <a:solidFill>
+                  <a:srgbClr val="FFFFFF"/>
+                </a:solidFill>
+              </a14:hiddenFill>
+            </a:ext>
+          </a:extLst>
+        </p:spPr>
+      </p:pic>
+      <p:sp>
+        <p:nvSpPr>
+          <p:cNvPr id="5" name="Title 1"/>
+          <p:cNvSpPr txBox="1">
+            <a:spLocks/>
+          </p:cNvSpPr>
+          <p:nvPr>
+            <p:custDataLst>
+              <p:tags r:id="rId3"/>
+            </p:custDataLst>
+          </p:nvPr>
+        </p:nvSpPr>
+        <p:spPr>
+          <a:xfrm>
+            <a:off x="1200476" y="1426029"/>
+            <a:ext cx="9238924" cy="1320800"/>
+          </a:xfrm>
+          <a:prstGeom prst="rect">
+            <a:avLst/>
+          </a:prstGeom>
+        </p:spPr>
+        <p:txBody>
+          <a:bodyPr vert="horz" lIns="91440" tIns="45720" rIns="91440" bIns="45720" rtlCol="0" anchor="t">
             <a:normAutofit/>
           </a:bodyPr>
-          <a:lstStyle/>
-          <a:p>
-            <a:pPr marL="0" indent="0">
+          <a:lstStyle>
+            <a:lvl1pPr algn="l" defTabSz="457200" rtl="0" eaLnBrk="1" latinLnBrk="0" hangingPunct="1">
+              <a:spcBef>
+                <a:spcPct val="0"/>
+              </a:spcBef>
               <a:buNone/>
-            </a:pPr>
-            <a:r>
-              <a:rPr lang="en-US" sz="2800" dirty="0" smtClean="0"/>
-              <a:t>Revue de </a:t>
-            </a:r>
-            <a:r>
-              <a:rPr lang="en-US" sz="2800" dirty="0" err="1" smtClean="0"/>
-              <a:t>l’état</a:t>
-            </a:r>
-            <a:r>
-              <a:rPr lang="en-US" sz="2800" dirty="0" smtClean="0"/>
-              <a:t> de </a:t>
-            </a:r>
-            <a:r>
-              <a:rPr lang="en-US" sz="2800" dirty="0" err="1" smtClean="0"/>
-              <a:t>l’art</a:t>
-            </a:r>
-            <a:endParaRPr lang="en-US" sz="2800" dirty="0"/>
+              <a:defRPr sz="3600" kern="1200">
+                <a:solidFill>
+                  <a:schemeClr val="accent1"/>
+                </a:solidFill>
+                <a:latin typeface="+mj-lt"/>
+                <a:ea typeface="+mj-ea"/>
+                <a:cs typeface="+mj-cs"/>
+              </a:defRPr>
+            </a:lvl1pPr>
+            <a:lvl2pPr eaLnBrk="1" hangingPunct="1">
+              <a:defRPr>
+                <a:solidFill>
+                  <a:schemeClr val="tx2"/>
+                </a:solidFill>
+              </a:defRPr>
+            </a:lvl2pPr>
+            <a:lvl3pPr eaLnBrk="1" hangingPunct="1">
+              <a:defRPr>
+                <a:solidFill>
+                  <a:schemeClr val="tx2"/>
+                </a:solidFill>
+              </a:defRPr>
+            </a:lvl3pPr>
+            <a:lvl4pPr eaLnBrk="1" hangingPunct="1">
+              <a:defRPr>
+                <a:solidFill>
+                  <a:schemeClr val="tx2"/>
+                </a:solidFill>
+              </a:defRPr>
+            </a:lvl4pPr>
+            <a:lvl5pPr eaLnBrk="1" hangingPunct="1">
+              <a:defRPr>
+                <a:solidFill>
+                  <a:schemeClr val="tx2"/>
+                </a:solidFill>
+              </a:defRPr>
+            </a:lvl5pPr>
+            <a:lvl6pPr eaLnBrk="1" hangingPunct="1">
+              <a:defRPr>
+                <a:solidFill>
+                  <a:schemeClr val="tx2"/>
+                </a:solidFill>
+              </a:defRPr>
+            </a:lvl6pPr>
+            <a:lvl7pPr eaLnBrk="1" hangingPunct="1">
+              <a:defRPr>
+                <a:solidFill>
+                  <a:schemeClr val="tx2"/>
+                </a:solidFill>
+              </a:defRPr>
+            </a:lvl7pPr>
+            <a:lvl8pPr eaLnBrk="1" hangingPunct="1">
+              <a:defRPr>
+                <a:solidFill>
+                  <a:schemeClr val="tx2"/>
+                </a:solidFill>
+              </a:defRPr>
+            </a:lvl8pPr>
+            <a:lvl9pPr eaLnBrk="1" hangingPunct="1">
+              <a:defRPr>
+                <a:solidFill>
+                  <a:schemeClr val="tx2"/>
+                </a:solidFill>
+              </a:defRPr>
+            </a:lvl9pPr>
+          </a:lstStyle>
+          <a:p>
+            <a:pPr algn="ctr"/>
+            <a:r>
+              <a:rPr lang="en-US" sz="2400" dirty="0" err="1" smtClean="0"/>
+              <a:t>Schéma</a:t>
+            </a:r>
+            <a:r>
+              <a:rPr lang="en-US" sz="2400" dirty="0" smtClean="0"/>
+              <a:t> d’un </a:t>
+            </a:r>
+            <a:r>
+              <a:rPr lang="en-US" sz="2400" dirty="0" err="1" smtClean="0"/>
+              <a:t>redresseur</a:t>
+            </a:r>
+            <a:r>
+              <a:rPr lang="en-US" sz="2400" dirty="0" smtClean="0"/>
+              <a:t> NPC à 3 </a:t>
+            </a:r>
+            <a:r>
+              <a:rPr lang="en-US" sz="2400" dirty="0" err="1" smtClean="0"/>
+              <a:t>niveaux</a:t>
+            </a:r>
+            <a:r>
+              <a:rPr lang="en-US" sz="2400" dirty="0" smtClean="0"/>
+              <a:t> de base</a:t>
+            </a:r>
           </a:p>
         </p:txBody>
       </p:sp>
     </p:spTree>
     <p:extLst>
       <p:ext uri="{BB962C8B-B14F-4D97-AF65-F5344CB8AC3E}">
-        <p14:creationId xmlns:p14="http://schemas.microsoft.com/office/powerpoint/2010/main" val="3915706220"/>
+        <p14:creationId xmlns:p14="http://schemas.microsoft.com/office/powerpoint/2010/main" val="3388709480"/>
       </p:ext>
     </p:extLst>
   </p:cSld>
@@ -7637,6 +7795,9 @@
           </p:cNvSpPr>
           <p:nvPr>
             <p:ph type="title"/>
+            <p:custDataLst>
+              <p:tags r:id="rId1"/>
+            </p:custDataLst>
           </p:nvPr>
         </p:nvSpPr>
         <p:spPr>
@@ -7669,6 +7830,9 @@
           </p:cNvSpPr>
           <p:nvPr>
             <p:ph idx="1"/>
+            <p:custDataLst>
+              <p:tags r:id="rId2"/>
+            </p:custDataLst>
           </p:nvPr>
         </p:nvSpPr>
         <p:spPr>
@@ -7686,22 +7850,104 @@
             <a:pPr marL="0" indent="0">
               <a:buNone/>
             </a:pPr>
-            <a:r>
-              <a:rPr lang="en-US" sz="2800" dirty="0" smtClean="0"/>
-              <a:t>Tests </a:t>
-            </a:r>
-            <a:r>
-              <a:rPr lang="en-US" sz="2800" dirty="0" err="1" smtClean="0"/>
-              <a:t>préliminaires</a:t>
-            </a:r>
             <a:endParaRPr lang="en-US" sz="2800" dirty="0"/>
           </a:p>
         </p:txBody>
       </p:sp>
+      <p:pic>
+        <p:nvPicPr>
+          <p:cNvPr id="2050" name="Picture 2" descr="D:\LiberT\Desktop\simu.png"/>
+          <p:cNvPicPr>
+            <a:picLocks noChangeAspect="1" noChangeArrowheads="1"/>
+          </p:cNvPicPr>
+          <p:nvPr>
+            <p:custDataLst>
+              <p:tags r:id="rId3"/>
+            </p:custDataLst>
+          </p:nvPr>
+        </p:nvPicPr>
+        <p:blipFill>
+          <a:blip r:embed="rId6">
+            <a:extLst>
+              <a:ext uri="{28A0092B-C50C-407E-A947-70E740481C1C}">
+                <a14:useLocalDpi xmlns:a14="http://schemas.microsoft.com/office/drawing/2010/main" val="0"/>
+              </a:ext>
+            </a:extLst>
+          </a:blip>
+          <a:srcRect/>
+          <a:stretch>
+            <a:fillRect/>
+          </a:stretch>
+        </p:blipFill>
+        <p:spPr bwMode="auto">
+          <a:xfrm>
+            <a:off x="304799" y="1473201"/>
+            <a:ext cx="6950628" cy="3589866"/>
+          </a:xfrm>
+          <a:prstGeom prst="rect">
+            <a:avLst/>
+          </a:prstGeom>
+          <a:noFill/>
+          <a:extLst>
+            <a:ext uri="{909E8E84-426E-40DD-AFC4-6F175D3DCCD1}">
+              <a14:hiddenFill xmlns:a14="http://schemas.microsoft.com/office/drawing/2010/main">
+                <a:solidFill>
+                  <a:srgbClr val="FFFFFF"/>
+                </a:solidFill>
+              </a14:hiddenFill>
+            </a:ext>
+          </a:extLst>
+        </p:spPr>
+      </p:pic>
+      <p:pic>
+        <p:nvPicPr>
+          <p:cNvPr id="2051" name="Picture 3" descr="D:\LiberT\Desktop\à la source.JPG"/>
+          <p:cNvPicPr>
+            <a:picLocks noChangeAspect="1" noChangeArrowheads="1"/>
+          </p:cNvPicPr>
+          <p:nvPr>
+            <p:custDataLst>
+              <p:tags r:id="rId4"/>
+            </p:custDataLst>
+          </p:nvPr>
+        </p:nvPicPr>
+        <p:blipFill>
+          <a:blip r:embed="rId7">
+            <a:extLst>
+              <a:ext uri="{28A0092B-C50C-407E-A947-70E740481C1C}">
+                <a14:useLocalDpi xmlns:a14="http://schemas.microsoft.com/office/drawing/2010/main" val="0"/>
+              </a:ext>
+            </a:extLst>
+          </a:blip>
+          <a:srcRect/>
+          <a:stretch>
+            <a:fillRect/>
+          </a:stretch>
+        </p:blipFill>
+        <p:spPr bwMode="auto">
+          <a:xfrm>
+            <a:off x="4975668" y="2794001"/>
+            <a:ext cx="7104062" cy="3829050"/>
+          </a:xfrm>
+          <a:prstGeom prst="rect">
+            <a:avLst/>
+          </a:prstGeom>
+          <a:noFill/>
+          <a:extLst>
+            <a:ext uri="{909E8E84-426E-40DD-AFC4-6F175D3DCCD1}">
+              <a14:hiddenFill xmlns:a14="http://schemas.microsoft.com/office/drawing/2010/main">
+                <a:solidFill>
+                  <a:srgbClr val="FFFFFF"/>
+                </a:solidFill>
+              </a14:hiddenFill>
+            </a:ext>
+          </a:extLst>
+        </p:spPr>
+      </p:pic>
     </p:spTree>
     <p:extLst>
       <p:ext uri="{BB962C8B-B14F-4D97-AF65-F5344CB8AC3E}">
-        <p14:creationId xmlns:p14="http://schemas.microsoft.com/office/powerpoint/2010/main" val="3692122036"/>
+        <p14:creationId xmlns:p14="http://schemas.microsoft.com/office/powerpoint/2010/main" val="2864239534"/>
       </p:ext>
     </p:extLst>
   </p:cSld>
@@ -7797,7 +8043,7 @@
           <p:nvPr/>
         </p:nvPicPr>
         <p:blipFill>
-          <a:blip r:embed="rId2">
+          <a:blip r:embed="rId2" cstate="print">
             <a:extLst>
               <a:ext uri="{28A0092B-C50C-407E-A947-70E740481C1C}">
                 <a14:useLocalDpi xmlns:a14="http://schemas.microsoft.com/office/drawing/2010/main" val="0"/>
@@ -7860,7 +8106,9 @@
         </p:nvSpPr>
         <p:spPr/>
         <p:txBody>
-          <a:bodyPr/>
+          <a:bodyPr>
+            <a:normAutofit fontScale="90000"/>
+          </a:bodyPr>
           <a:lstStyle/>
           <a:p>
             <a:pPr algn="r"/>
@@ -8176,14 +8424,14 @@
           </a:ln>
           <a:extLst>
             <a:ext uri="{909E8E84-426E-40dd-AFC4-6F175D3DCCD1}">
-              <a14:hiddenFill xmlns:a14="http://schemas.microsoft.com/office/drawing/2010/main">
+              <a14:hiddenFill xmlns:a14="http://schemas.microsoft.com/office/drawing/2010/main" xmlns="">
                 <a:solidFill>
                   <a:srgbClr val="FFFFFF"/>
                 </a:solidFill>
               </a14:hiddenFill>
             </a:ext>
             <a:ext uri="{91240B29-F687-4f45-9708-019B960494DF}">
-              <a14:hiddenLine xmlns:a14="http://schemas.microsoft.com/office/drawing/2010/main" w="9525">
+              <a14:hiddenLine xmlns:a14="http://schemas.microsoft.com/office/drawing/2010/main" xmlns="" w="9525">
                 <a:solidFill>
                   <a:srgbClr val="000000"/>
                 </a:solidFill>
@@ -8262,7 +8510,7 @@
   <p:timing>
     <p:tnLst>
       <p:par>
-        <p:cTn xmlns:p14="http://schemas.microsoft.com/office/powerpoint/2010/main" id="1" dur="indefinite" restart="never" nodeType="tmRoot"/>
+        <p:cTn id="1" dur="indefinite" restart="never" nodeType="tmRoot"/>
       </p:par>
     </p:tnLst>
   </p:timing>
@@ -8298,7 +8546,9 @@
         </p:nvSpPr>
         <p:spPr/>
         <p:txBody>
-          <a:bodyPr/>
+          <a:bodyPr>
+            <a:normAutofit fontScale="90000"/>
+          </a:bodyPr>
           <a:lstStyle/>
           <a:p>
             <a:pPr algn="r"/>
@@ -8505,7 +8755,9 @@
         </p:nvSpPr>
         <p:spPr/>
         <p:txBody>
-          <a:bodyPr/>
+          <a:bodyPr>
+            <a:normAutofit fontScale="90000"/>
+          </a:bodyPr>
           <a:lstStyle/>
           <a:p>
             <a:pPr algn="r"/>
@@ -8651,7 +8903,9 @@
         </p:nvSpPr>
         <p:spPr/>
         <p:txBody>
-          <a:bodyPr/>
+          <a:bodyPr>
+            <a:normAutofit fontScale="90000"/>
+          </a:bodyPr>
           <a:lstStyle/>
           <a:p>
             <a:pPr algn="r"/>
@@ -11249,7 +11503,7 @@
   <p:timing>
     <p:tnLst>
       <p:par>
-        <p:cTn xmlns:p14="http://schemas.microsoft.com/office/powerpoint/2010/main" id="1" dur="indefinite" restart="never" nodeType="tmRoot"/>
+        <p:cTn id="1" dur="indefinite" restart="never" nodeType="tmRoot"/>
       </p:par>
     </p:tnLst>
   </p:timing>
@@ -11412,14 +11666,14 @@
           <a:effectLst/>
           <a:extLst>
             <a:ext uri="{909E8E84-426E-40dd-AFC4-6F175D3DCCD1}">
-              <a14:hiddenFill xmlns:a14="http://schemas.microsoft.com/office/drawing/2010/main">
+              <a14:hiddenFill xmlns:a14="http://schemas.microsoft.com/office/drawing/2010/main" xmlns="">
                 <a:solidFill>
                   <a:schemeClr val="accent1"/>
                 </a:solidFill>
               </a14:hiddenFill>
             </a:ext>
             <a:ext uri="{91240B29-F687-4f45-9708-019B960494DF}">
-              <a14:hiddenLine xmlns:a14="http://schemas.microsoft.com/office/drawing/2010/main" w="9525">
+              <a14:hiddenLine xmlns:a14="http://schemas.microsoft.com/office/drawing/2010/main" xmlns="" w="9525">
                 <a:solidFill>
                   <a:schemeClr val="tx1"/>
                 </a:solidFill>
@@ -11429,7 +11683,7 @@
               </a14:hiddenLine>
             </a:ext>
             <a:ext uri="{AF507438-7753-43e0-B8FC-AC1667EBCBE1}">
-              <a14:hiddenEffects xmlns:a14="http://schemas.microsoft.com/office/drawing/2010/main">
+              <a14:hiddenEffects xmlns:a14="http://schemas.microsoft.com/office/drawing/2010/main" xmlns="">
                 <a:effectLst>
                   <a:outerShdw blurRad="63500" dist="38099" dir="2700000" algn="ctr" rotWithShape="0">
                     <a:schemeClr val="bg2">
@@ -11455,7 +11709,7 @@
   <p:timing>
     <p:tnLst>
       <p:par>
-        <p:cTn xmlns:p14="http://schemas.microsoft.com/office/powerpoint/2010/main" id="1" dur="indefinite" restart="never" nodeType="tmRoot"/>
+        <p:cTn id="1" dur="indefinite" restart="never" nodeType="tmRoot"/>
       </p:par>
     </p:tnLst>
   </p:timing>
@@ -11520,7 +11774,7 @@
         </p:spPr>
         <p:txBody>
           <a:bodyPr>
-            <a:normAutofit fontScale="70000" lnSpcReduction="20000"/>
+            <a:normAutofit fontScale="62500" lnSpcReduction="20000"/>
           </a:bodyPr>
           <a:lstStyle/>
           <a:p>
@@ -11645,7 +11899,7 @@
   <p:timing>
     <p:tnLst>
       <p:par>
-        <p:cTn xmlns:p14="http://schemas.microsoft.com/office/powerpoint/2010/main" id="1" dur="indefinite" restart="never" nodeType="tmRoot"/>
+        <p:cTn id="1" dur="indefinite" restart="never" nodeType="tmRoot"/>
       </p:par>
     </p:tnLst>
   </p:timing>
@@ -11835,7 +12089,7 @@
   <p:timing>
     <p:tnLst>
       <p:par>
-        <p:cTn xmlns:p14="http://schemas.microsoft.com/office/powerpoint/2010/main" id="1" dur="indefinite" restart="never" nodeType="tmRoot"/>
+        <p:cTn id="1" dur="indefinite" restart="never" nodeType="tmRoot"/>
       </p:par>
     </p:tnLst>
   </p:timing>
@@ -11997,7 +12251,7 @@
   <p:timing>
     <p:tnLst>
       <p:par>
-        <p:cTn xmlns:p14="http://schemas.microsoft.com/office/powerpoint/2010/main" id="1" dur="indefinite" restart="never" nodeType="tmRoot"/>
+        <p:cTn id="1" dur="indefinite" restart="never" nodeType="tmRoot"/>
       </p:par>
     </p:tnLst>
   </p:timing>
@@ -12149,7 +12403,7 @@
   <p:timing>
     <p:tnLst>
       <p:par>
-        <p:cTn xmlns:p14="http://schemas.microsoft.com/office/powerpoint/2010/main" id="1" dur="indefinite" restart="never" nodeType="tmRoot"/>
+        <p:cTn id="1" dur="indefinite" restart="never" nodeType="tmRoot"/>
       </p:par>
     </p:tnLst>
   </p:timing>
@@ -12307,11 +12561,53 @@
   <p:timing>
     <p:tnLst>
       <p:par>
-        <p:cTn xmlns:p14="http://schemas.microsoft.com/office/powerpoint/2010/main" id="1" dur="indefinite" restart="never" nodeType="tmRoot"/>
+        <p:cTn id="1" dur="indefinite" restart="never" nodeType="tmRoot"/>
       </p:par>
     </p:tnLst>
   </p:timing>
 </p:sld>
+</file>
+
+<file path=ppt/tags/tag1.xml><?xml version="1.0" encoding="utf-8"?>
+<p:tagLst xmlns:a="http://schemas.openxmlformats.org/drawingml/2006/main" xmlns:r="http://schemas.openxmlformats.org/officeDocument/2006/relationships" xmlns:p="http://schemas.openxmlformats.org/presentationml/2006/main">
+  <p:tag name="NUM" val="1"/>
+</p:tagLst>
+</file>
+
+<file path=ppt/tags/tag2.xml><?xml version="1.0" encoding="utf-8"?>
+<p:tagLst xmlns:a="http://schemas.openxmlformats.org/drawingml/2006/main" xmlns:r="http://schemas.openxmlformats.org/officeDocument/2006/relationships" xmlns:p="http://schemas.openxmlformats.org/presentationml/2006/main">
+  <p:tag name="NUM" val="2"/>
+</p:tagLst>
+</file>
+
+<file path=ppt/tags/tag3.xml><?xml version="1.0" encoding="utf-8"?>
+<p:tagLst xmlns:a="http://schemas.openxmlformats.org/drawingml/2006/main" xmlns:r="http://schemas.openxmlformats.org/officeDocument/2006/relationships" xmlns:p="http://schemas.openxmlformats.org/presentationml/2006/main">
+  <p:tag name="NUM" val="3"/>
+</p:tagLst>
+</file>
+
+<file path=ppt/tags/tag4.xml><?xml version="1.0" encoding="utf-8"?>
+<p:tagLst xmlns:a="http://schemas.openxmlformats.org/drawingml/2006/main" xmlns:r="http://schemas.openxmlformats.org/officeDocument/2006/relationships" xmlns:p="http://schemas.openxmlformats.org/presentationml/2006/main">
+  <p:tag name="NUM" val="1"/>
+</p:tagLst>
+</file>
+
+<file path=ppt/tags/tag5.xml><?xml version="1.0" encoding="utf-8"?>
+<p:tagLst xmlns:a="http://schemas.openxmlformats.org/drawingml/2006/main" xmlns:r="http://schemas.openxmlformats.org/officeDocument/2006/relationships" xmlns:p="http://schemas.openxmlformats.org/presentationml/2006/main">
+  <p:tag name="NUM" val="2"/>
+</p:tagLst>
+</file>
+
+<file path=ppt/tags/tag6.xml><?xml version="1.0" encoding="utf-8"?>
+<p:tagLst xmlns:a="http://schemas.openxmlformats.org/drawingml/2006/main" xmlns:r="http://schemas.openxmlformats.org/officeDocument/2006/relationships" xmlns:p="http://schemas.openxmlformats.org/presentationml/2006/main">
+  <p:tag name="NUM" val="3"/>
+</p:tagLst>
+</file>
+
+<file path=ppt/tags/tag7.xml><?xml version="1.0" encoding="utf-8"?>
+<p:tagLst xmlns:a="http://schemas.openxmlformats.org/drawingml/2006/main" xmlns:r="http://schemas.openxmlformats.org/officeDocument/2006/relationships" xmlns:p="http://schemas.openxmlformats.org/presentationml/2006/main">
+  <p:tag name="NUM" val="4"/>
+</p:tagLst>
 </file>
 
 <file path=ppt/theme/theme1.xml><?xml version="1.0" encoding="utf-8"?>
@@ -12565,7 +12861,7 @@
   <a:extraClrSchemeLst/>
   <a:extLst>
     <a:ext uri="{05A4C25C-085E-4340-85A3-A5531E510DB2}">
-      <thm15:themeFamily xmlns:thm15="http://schemas.microsoft.com/office/thememl/2012/main" xmlns="" name="Facet" id="{C0C680CD-088A-49FC-A102-D699147F32B2}" vid="{CFBC31BA-B70F-4F30-BCAA-4F3011E16C4D}"/>
+      <thm15:themeFamily xmlns:thm15="http://schemas.microsoft.com/office/thememl/2012/main" name="Facet" id="{C0C680CD-088A-49FC-A102-D699147F32B2}" vid="{CFBC31BA-B70F-4F30-BCAA-4F3011E16C4D}"/>
     </a:ext>
   </a:extLst>
 </a:theme>

--- a/Remise/Remise 1/Presentation_Remise_1.pptx
+++ b/Remise/Remise 1/Presentation_Remise_1.pptx
@@ -10,27 +10,28 @@
     <p:sldId id="275" r:id="rId4"/>
     <p:sldId id="276" r:id="rId5"/>
     <p:sldId id="277" r:id="rId6"/>
-    <p:sldId id="278" r:id="rId7"/>
-    <p:sldId id="279" r:id="rId8"/>
-    <p:sldId id="280" r:id="rId9"/>
-    <p:sldId id="281" r:id="rId10"/>
-    <p:sldId id="259" r:id="rId11"/>
-    <p:sldId id="257" r:id="rId12"/>
-    <p:sldId id="260" r:id="rId13"/>
-    <p:sldId id="261" r:id="rId14"/>
-    <p:sldId id="262" r:id="rId15"/>
-    <p:sldId id="263" r:id="rId16"/>
-    <p:sldId id="282" r:id="rId17"/>
-    <p:sldId id="283" r:id="rId18"/>
-    <p:sldId id="266" r:id="rId19"/>
-    <p:sldId id="267" r:id="rId20"/>
-    <p:sldId id="271" r:id="rId21"/>
-    <p:sldId id="272" r:id="rId22"/>
-    <p:sldId id="273" r:id="rId23"/>
-    <p:sldId id="274" r:id="rId24"/>
-    <p:sldId id="268" r:id="rId25"/>
-    <p:sldId id="269" r:id="rId26"/>
-    <p:sldId id="270" r:id="rId27"/>
+    <p:sldId id="284" r:id="rId7"/>
+    <p:sldId id="278" r:id="rId8"/>
+    <p:sldId id="279" r:id="rId9"/>
+    <p:sldId id="280" r:id="rId10"/>
+    <p:sldId id="281" r:id="rId11"/>
+    <p:sldId id="259" r:id="rId12"/>
+    <p:sldId id="257" r:id="rId13"/>
+    <p:sldId id="260" r:id="rId14"/>
+    <p:sldId id="261" r:id="rId15"/>
+    <p:sldId id="262" r:id="rId16"/>
+    <p:sldId id="263" r:id="rId17"/>
+    <p:sldId id="282" r:id="rId18"/>
+    <p:sldId id="283" r:id="rId19"/>
+    <p:sldId id="266" r:id="rId20"/>
+    <p:sldId id="267" r:id="rId21"/>
+    <p:sldId id="271" r:id="rId22"/>
+    <p:sldId id="272" r:id="rId23"/>
+    <p:sldId id="273" r:id="rId24"/>
+    <p:sldId id="274" r:id="rId25"/>
+    <p:sldId id="268" r:id="rId26"/>
+    <p:sldId id="269" r:id="rId27"/>
+    <p:sldId id="270" r:id="rId28"/>
   </p:sldIdLst>
   <p:sldSz cx="12192000" cy="6858000"/>
   <p:notesSz cx="6858000" cy="9144000"/>
@@ -6625,7 +6626,7 @@
       </p:grpSpPr>
       <p:sp>
         <p:nvSpPr>
-          <p:cNvPr id="2" name="Title 1"/>
+          <p:cNvPr id="16" name="Title 2"/>
           <p:cNvSpPr>
             <a:spLocks noGrp="1"/>
           </p:cNvSpPr>
@@ -6639,16 +6640,16 @@
           <a:lstStyle/>
           <a:p>
             <a:r>
-              <a:rPr lang="fr-CA" dirty="0" smtClean="0"/>
-              <a:t>Objectifs</a:t>
-            </a:r>
-            <a:endParaRPr lang="fr-CA" dirty="0"/>
-          </a:p>
-        </p:txBody>
-      </p:sp>
-      <p:sp>
-        <p:nvSpPr>
-          <p:cNvPr id="3" name="Content Placeholder 2"/>
+              <a:rPr lang="fr-FR" dirty="0" smtClean="0"/>
+              <a:t>Convertisseur CC-CC 4 quadrants</a:t>
+            </a:r>
+            <a:endParaRPr lang="fr-FR" dirty="0"/>
+          </a:p>
+        </p:txBody>
+      </p:sp>
+      <p:sp>
+        <p:nvSpPr>
+          <p:cNvPr id="19" name="Content Placeholder 18"/>
           <p:cNvSpPr>
             <a:spLocks noGrp="1"/>
           </p:cNvSpPr>
@@ -6656,98 +6657,98 @@
             <p:ph idx="1"/>
           </p:nvPr>
         </p:nvSpPr>
-        <p:spPr/>
+        <p:spPr>
+          <a:xfrm>
+            <a:off x="5936355" y="1270566"/>
+            <a:ext cx="5578050" cy="5487551"/>
+          </a:xfrm>
+        </p:spPr>
         <p:txBody>
           <a:bodyPr>
-            <a:normAutofit/>
+            <a:normAutofit lnSpcReduction="10000"/>
           </a:bodyPr>
           <a:lstStyle/>
           <a:p>
             <a:r>
-              <a:rPr lang="fr-CA" dirty="0"/>
-              <a:t>Livrer </a:t>
-            </a:r>
-            <a:r>
               <a:rPr lang="fr-CA" dirty="0" smtClean="0"/>
-              <a:t>3 outils </a:t>
-            </a:r>
-            <a:r>
-              <a:rPr lang="fr-CA" dirty="0"/>
-              <a:t>de </a:t>
-            </a:r>
+              <a:t>La figure de gauche présente une impulsion envoyée aux électroaimants</a:t>
+            </a:r>
+          </a:p>
+          <a:p>
             <a:r>
               <a:rPr lang="fr-CA" dirty="0" smtClean="0"/>
-              <a:t>dimensionnement</a:t>
+              <a:t>La courbe rouge présente le courant dans l’électroaimant contrôlée par le convertisseur CC-CC 4 quadrants.</a:t>
             </a:r>
           </a:p>
           <a:p>
             <a:pPr lvl="1"/>
             <a:r>
               <a:rPr lang="fr-CA" dirty="0" smtClean="0"/>
-              <a:t>Convivial</a:t>
+              <a:t>On remarque que le courant est strictement positif</a:t>
+            </a:r>
+          </a:p>
+          <a:p>
+            <a:r>
+              <a:rPr lang="fr-CA" dirty="0" smtClean="0"/>
+              <a:t>La courbe verte foncée représente la tension aux bornes de l’aimant</a:t>
             </a:r>
           </a:p>
           <a:p>
             <a:pPr lvl="1"/>
             <a:r>
               <a:rPr lang="fr-CA" dirty="0" smtClean="0"/>
-              <a:t>Utilise des paramètres usuels </a:t>
+              <a:t>On remarque que l’aimant absorbe de la puissance pendant la phase de montée du courant et réinjecte de la puissance dans le condensateur lors de la phase de descente du courant.</a:t>
             </a:r>
           </a:p>
           <a:p>
             <a:r>
               <a:rPr lang="fr-CA" dirty="0" smtClean="0"/>
-              <a:t>Livrer 3 outils de simulation</a:t>
-            </a:r>
-          </a:p>
-          <a:p>
-            <a:pPr marL="742950" lvl="2" indent="-342900"/>
-            <a:r>
-              <a:rPr lang="fr-CA" dirty="0" err="1"/>
-              <a:t>Matlab</a:t>
-            </a:r>
-            <a:r>
-              <a:rPr lang="fr-CA" dirty="0"/>
-              <a:t> (Simulink), </a:t>
-            </a:r>
-            <a:r>
-              <a:rPr lang="fr-CA" dirty="0" err="1"/>
-              <a:t>Opal</a:t>
-            </a:r>
-            <a:r>
-              <a:rPr lang="fr-CA" dirty="0"/>
-              <a:t>-RT, </a:t>
-            </a:r>
+              <a:t>La courbe verte pâle représente la tension aux bornes du condensateur</a:t>
+            </a:r>
+          </a:p>
+          <a:p>
+            <a:pPr lvl="1"/>
             <a:r>
               <a:rPr lang="fr-CA" dirty="0" smtClean="0"/>
-              <a:t>PSIM</a:t>
-            </a:r>
-          </a:p>
-          <a:p>
-            <a:r>
-              <a:rPr lang="fr-CA" dirty="0" smtClean="0"/>
-              <a:t>Documenter le fonctionnement des outils de dimensionnement et de simulation</a:t>
-            </a:r>
-          </a:p>
-          <a:p>
-            <a:pPr lvl="1"/>
-            <a:r>
-              <a:rPr lang="fr-CA" dirty="0" smtClean="0"/>
-              <a:t>Présenter des exemples d’utilisation</a:t>
-            </a:r>
-          </a:p>
-          <a:p>
-            <a:r>
-              <a:rPr lang="fr-CA" dirty="0" smtClean="0"/>
-              <a:t>Implanter une validation croisée des 3 simulateurs</a:t>
-            </a:r>
-          </a:p>
-        </p:txBody>
-      </p:sp>
+              <a:t>Quand le réseau ne suffit plus à fournir la puissance, le condensateur se décharge afin de fournir la puissance excédentaire</a:t>
+            </a:r>
+          </a:p>
+        </p:txBody>
+      </p:sp>
+      <p:pic>
+        <p:nvPicPr>
+          <p:cNvPr id="3" name="Picture 2" descr="Screen Shot 2014-01-27 at 10.22.04 AM.png"/>
+          <p:cNvPicPr>
+            <a:picLocks noChangeAspect="1"/>
+          </p:cNvPicPr>
+          <p:nvPr/>
+        </p:nvPicPr>
+        <p:blipFill>
+          <a:blip r:embed="rId2">
+            <a:extLst>
+              <a:ext uri="{28A0092B-C50C-407E-A947-70E740481C1C}">
+                <a14:useLocalDpi xmlns:a14="http://schemas.microsoft.com/office/drawing/2010/main" val="0"/>
+              </a:ext>
+            </a:extLst>
+          </a:blip>
+          <a:stretch>
+            <a:fillRect/>
+          </a:stretch>
+        </p:blipFill>
+        <p:spPr>
+          <a:xfrm>
+            <a:off x="413832" y="1411450"/>
+            <a:ext cx="5281063" cy="4395207"/>
+          </a:xfrm>
+          <a:prstGeom prst="rect">
+            <a:avLst/>
+          </a:prstGeom>
+        </p:spPr>
+      </p:pic>
     </p:spTree>
     <p:extLst>
       <p:ext uri="{BB962C8B-B14F-4D97-AF65-F5344CB8AC3E}">
-        <p14:creationId xmlns:p14="http://schemas.microsoft.com/office/powerpoint/2010/main" val="1618535019"/>
+        <p14:creationId xmlns:p14="http://schemas.microsoft.com/office/powerpoint/2010/main" val="237693898"/>
       </p:ext>
     </p:extLst>
   </p:cSld>
@@ -6797,14 +6798,10 @@
           <a:lstStyle/>
           <a:p>
             <a:r>
-              <a:rPr lang="en-US" dirty="0" err="1" smtClean="0"/>
-              <a:t>Exigences</a:t>
-            </a:r>
-            <a:r>
-              <a:rPr lang="en-US" dirty="0" smtClean="0"/>
-              <a:t> du client (1/2)</a:t>
-            </a:r>
-            <a:endParaRPr lang="en-US" dirty="0"/>
+              <a:rPr lang="fr-CA" dirty="0" smtClean="0"/>
+              <a:t>Objectifs</a:t>
+            </a:r>
+            <a:endParaRPr lang="fr-CA" dirty="0"/>
           </a:p>
         </p:txBody>
       </p:sp>
@@ -6818,12 +6815,7 @@
             <p:ph idx="1"/>
           </p:nvPr>
         </p:nvSpPr>
-        <p:spPr>
-          <a:xfrm>
-            <a:off x="677334" y="1801726"/>
-            <a:ext cx="10811388" cy="5419942"/>
-          </a:xfrm>
-        </p:spPr>
+        <p:spPr/>
         <p:txBody>
           <a:bodyPr>
             <a:normAutofit/>
@@ -6831,52 +6823,82 @@
           <a:lstStyle/>
           <a:p>
             <a:r>
-              <a:rPr lang="fr-FR" sz="2000" dirty="0"/>
-              <a:t>Modéliser une cellule de base d'un onduleur triphasé à 3 niveaux de type NPC</a:t>
-            </a:r>
-          </a:p>
-          <a:p>
-            <a:r>
-              <a:rPr lang="fr-FR" sz="2000" dirty="0"/>
-              <a:t>Modéliser la commande dans le cas de l'onduleur de type AFE.</a:t>
-            </a:r>
-          </a:p>
-          <a:p>
-            <a:r>
-              <a:rPr lang="fr-FR" sz="2000" dirty="0"/>
-              <a:t>Implanter le modèle de la configuration de base d'un onduleur triphasé à 3 niveaux NPC dans un simulateur</a:t>
-            </a:r>
-          </a:p>
-          <a:p>
-            <a:r>
-              <a:rPr lang="fr-FR" sz="2000" dirty="0"/>
-              <a:t>Implanter le modèle de la commande dans le cas de l'onduleur de type AFE dans un simulateur</a:t>
-            </a:r>
-          </a:p>
-          <a:p>
-            <a:r>
-              <a:rPr lang="fr-FR" sz="2000" dirty="0"/>
-              <a:t>Fournir un outil de </a:t>
-            </a:r>
-            <a:r>
-              <a:rPr lang="fr-FR" sz="2000" dirty="0" smtClean="0"/>
-              <a:t>dimensionnement </a:t>
-            </a:r>
-            <a:r>
-              <a:rPr lang="fr-FR" sz="2000" dirty="0"/>
-              <a:t>pour l'onduleur de type AFE</a:t>
-            </a:r>
-          </a:p>
-          <a:p>
-            <a:r>
-              <a:rPr lang="fr-FR" sz="2000" dirty="0"/>
-              <a:t>Modéliser un convertisseur CC-CC à 4 quadrants à l'aide de plusieurs cellules de type onduleur NPC</a:t>
-            </a:r>
-          </a:p>
-          <a:p>
-            <a:r>
-              <a:rPr lang="fr-FR" sz="2000" dirty="0"/>
-              <a:t>Modéliser la commande d'un convertisseur CC-CC à 4 quadrants </a:t>
+              <a:rPr lang="fr-CA" dirty="0"/>
+              <a:t>Livrer </a:t>
+            </a:r>
+            <a:r>
+              <a:rPr lang="fr-CA" dirty="0" smtClean="0"/>
+              <a:t>3 outils </a:t>
+            </a:r>
+            <a:r>
+              <a:rPr lang="fr-CA" dirty="0"/>
+              <a:t>de </a:t>
+            </a:r>
+            <a:r>
+              <a:rPr lang="fr-CA" dirty="0" smtClean="0"/>
+              <a:t>dimensionnement</a:t>
+            </a:r>
+          </a:p>
+          <a:p>
+            <a:pPr lvl="1"/>
+            <a:r>
+              <a:rPr lang="fr-CA" dirty="0" smtClean="0"/>
+              <a:t>Convivial</a:t>
+            </a:r>
+          </a:p>
+          <a:p>
+            <a:pPr lvl="1"/>
+            <a:r>
+              <a:rPr lang="fr-CA" dirty="0" smtClean="0"/>
+              <a:t>Utilise des paramètres usuels </a:t>
+            </a:r>
+          </a:p>
+          <a:p>
+            <a:r>
+              <a:rPr lang="fr-CA" dirty="0" smtClean="0"/>
+              <a:t>Livrer 3 outils de simulation</a:t>
+            </a:r>
+          </a:p>
+          <a:p>
+            <a:pPr marL="742950" lvl="2" indent="-342900"/>
+            <a:r>
+              <a:rPr lang="fr-CA" dirty="0" err="1"/>
+              <a:t>Matlab</a:t>
+            </a:r>
+            <a:r>
+              <a:rPr lang="fr-CA" dirty="0"/>
+              <a:t> (Simulink), </a:t>
+            </a:r>
+            <a:r>
+              <a:rPr lang="fr-CA" dirty="0" err="1"/>
+              <a:t>Opal</a:t>
+            </a:r>
+            <a:r>
+              <a:rPr lang="fr-CA" dirty="0"/>
+              <a:t>-RT, </a:t>
+            </a:r>
+            <a:r>
+              <a:rPr lang="fr-CA" dirty="0" smtClean="0"/>
+              <a:t>PSIM</a:t>
+            </a:r>
+          </a:p>
+          <a:p>
+            <a:r>
+              <a:rPr lang="fr-CA" dirty="0" smtClean="0"/>
+              <a:t>Documenter le fonctionnement des outils de dimensionnement et de simulation</a:t>
+            </a:r>
+          </a:p>
+          <a:p>
+            <a:pPr lvl="1"/>
+            <a:r>
+              <a:rPr lang="fr-CA" dirty="0" smtClean="0"/>
+              <a:t>Présenter des exemples d’utilisation</a:t>
+            </a:r>
+          </a:p>
+          <a:p>
+            <a:r>
+              <a:rPr lang="fr-CA" dirty="0" smtClean="0"/>
+              <a:t>Implanter une validation croisée des 3 simulateurs</a:t>
             </a:r>
           </a:p>
         </p:txBody>
@@ -6884,7 +6906,7 @@
     </p:spTree>
     <p:extLst>
       <p:ext uri="{BB962C8B-B14F-4D97-AF65-F5344CB8AC3E}">
-        <p14:creationId xmlns:p14="http://schemas.microsoft.com/office/powerpoint/2010/main" val="3082063891"/>
+        <p14:creationId xmlns:p14="http://schemas.microsoft.com/office/powerpoint/2010/main" val="1618535019"/>
       </p:ext>
     </p:extLst>
   </p:cSld>
@@ -6939,7 +6961,7 @@
             </a:r>
             <a:r>
               <a:rPr lang="en-US" dirty="0" smtClean="0"/>
-              <a:t> du client (2/2)</a:t>
+              <a:t> du client (1/2)</a:t>
             </a:r>
             <a:endParaRPr lang="en-US" dirty="0"/>
           </a:p>
@@ -6957,8 +6979,8 @@
         </p:nvSpPr>
         <p:spPr>
           <a:xfrm>
-            <a:off x="677333" y="1683575"/>
-            <a:ext cx="9378989" cy="4932595"/>
+            <a:off x="677334" y="1801726"/>
+            <a:ext cx="10811388" cy="5419942"/>
           </a:xfrm>
         </p:spPr>
         <p:txBody>
@@ -6969,13 +6991,25 @@
           <a:p>
             <a:r>
               <a:rPr lang="fr-FR" sz="2000" dirty="0"/>
-              <a:t>Implanter le modèle d'un convertisseur CC-CC à 4 quadrants à l'aide de plusieurs cellules de type onduleur NPC avec des inductances de découplage dans un simulateur</a:t>
+              <a:t>Modéliser une cellule de base d'un onduleur triphasé à 3 niveaux de type NPC</a:t>
             </a:r>
           </a:p>
           <a:p>
             <a:r>
               <a:rPr lang="fr-FR" sz="2000" dirty="0"/>
-              <a:t>Implanter le modèle de la commande d'un convertisseur CC-CC à 4 quadrants alimentant la charge spécifiée dans un simulateur</a:t>
+              <a:t>Modéliser la commande dans le cas de l'onduleur de type AFE.</a:t>
+            </a:r>
+          </a:p>
+          <a:p>
+            <a:r>
+              <a:rPr lang="fr-FR" sz="2000" dirty="0"/>
+              <a:t>Implanter le modèle de la configuration de base d'un onduleur triphasé à 3 niveaux NPC dans un simulateur</a:t>
+            </a:r>
+          </a:p>
+          <a:p>
+            <a:r>
+              <a:rPr lang="fr-FR" sz="2000" dirty="0"/>
+              <a:t>Implanter le modèle de la commande dans le cas de l'onduleur de type AFE dans un simulateur</a:t>
             </a:r>
           </a:p>
           <a:p>
@@ -6989,59 +7023,40 @@
             </a:r>
             <a:r>
               <a:rPr lang="fr-FR" sz="2000" dirty="0"/>
-              <a:t>pour le convertisseur CC-CC  à 4 quadrants</a:t>
+              <a:t>pour l'onduleur de type AFE</a:t>
             </a:r>
           </a:p>
           <a:p>
             <a:r>
               <a:rPr lang="fr-FR" sz="2000" dirty="0"/>
-              <a:t>Implanter le modèle complet de l'alimentation du Booster</a:t>
+              <a:t>Modéliser un convertisseur CC-CC à 4 quadrants à l'aide de plusieurs cellules de type onduleur NPC</a:t>
             </a:r>
           </a:p>
           <a:p>
             <a:r>
               <a:rPr lang="fr-FR" sz="2000" dirty="0"/>
-              <a:t>Effectuer la validation croisée des configurations implantées à l'aide de 3 simulateurs (PSIM, </a:t>
-            </a:r>
-            <a:r>
-              <a:rPr lang="fr-FR" sz="2000" dirty="0" err="1"/>
-              <a:t>SimPowerSystems</a:t>
-            </a:r>
-            <a:r>
-              <a:rPr lang="fr-FR" sz="2000" dirty="0"/>
-              <a:t>, </a:t>
-            </a:r>
-            <a:r>
-              <a:rPr lang="fr-FR" sz="2000" dirty="0" err="1"/>
-              <a:t>Opal</a:t>
-            </a:r>
-            <a:r>
-              <a:rPr lang="fr-FR" sz="2000" dirty="0"/>
-              <a:t>-RT)</a:t>
-            </a:r>
-          </a:p>
-          <a:p>
-            <a:r>
-              <a:rPr lang="fr-FR" sz="2000" dirty="0"/>
-              <a:t>Livrer une documentation pédagogique pour les divers outils de dimensionnement et de simulation</a:t>
-            </a:r>
-            <a:endParaRPr lang="en-US" sz="2000" dirty="0"/>
-          </a:p>
-          <a:p>
-            <a:endParaRPr lang="en-US" sz="1600" dirty="0"/>
+              <a:t>Modéliser la commande d'un convertisseur CC-CC à 4 quadrants </a:t>
+            </a:r>
           </a:p>
         </p:txBody>
       </p:sp>
     </p:spTree>
     <p:extLst>
       <p:ext uri="{BB962C8B-B14F-4D97-AF65-F5344CB8AC3E}">
-        <p14:creationId xmlns:p14="http://schemas.microsoft.com/office/powerpoint/2010/main" val="2996529324"/>
+        <p14:creationId xmlns:p14="http://schemas.microsoft.com/office/powerpoint/2010/main" val="3082063891"/>
       </p:ext>
     </p:extLst>
   </p:cSld>
   <p:clrMapOvr>
     <a:masterClrMapping/>
   </p:clrMapOvr>
+  <p:timing>
+    <p:tnLst>
+      <p:par>
+        <p:cTn id="1" dur="indefinite" restart="never" nodeType="tmRoot"/>
+      </p:par>
+    </p:tnLst>
+  </p:timing>
 </p:sld>
 </file>
 
@@ -7079,19 +7094,11 @@
           <a:p>
             <a:r>
               <a:rPr lang="en-US" dirty="0" err="1" smtClean="0"/>
-              <a:t>Méthodologie</a:t>
+              <a:t>Exigences</a:t>
             </a:r>
             <a:r>
               <a:rPr lang="en-US" dirty="0" smtClean="0"/>
-              <a:t> </a:t>
-            </a:r>
-            <a:r>
-              <a:rPr lang="en-US" dirty="0" err="1" smtClean="0"/>
-              <a:t>planifiée</a:t>
-            </a:r>
-            <a:r>
-              <a:rPr lang="en-US" dirty="0" smtClean="0"/>
-              <a:t> (1/3)</a:t>
+              <a:t> du client (2/2)</a:t>
             </a:r>
             <a:endParaRPr lang="en-US" dirty="0"/>
           </a:p>
@@ -7107,125 +7114,87 @@
             <p:ph idx="1"/>
           </p:nvPr>
         </p:nvSpPr>
-        <p:spPr/>
+        <p:spPr>
+          <a:xfrm>
+            <a:off x="677333" y="1683575"/>
+            <a:ext cx="9378989" cy="4932595"/>
+          </a:xfrm>
+        </p:spPr>
         <p:txBody>
           <a:bodyPr>
-            <a:normAutofit fontScale="92500" lnSpcReduction="10000"/>
+            <a:normAutofit/>
           </a:bodyPr>
           <a:lstStyle/>
           <a:p>
-            <a:pPr marL="0" indent="0">
-              <a:buNone/>
-            </a:pPr>
-            <a:r>
-              <a:rPr lang="en-US" sz="2800" dirty="0" err="1" smtClean="0"/>
-              <a:t>Gestion</a:t>
-            </a:r>
-            <a:endParaRPr lang="en-US" sz="2800" dirty="0" smtClean="0"/>
-          </a:p>
-          <a:p>
-            <a:r>
-              <a:rPr lang="en-US" dirty="0" err="1" smtClean="0"/>
-              <a:t>Réunions</a:t>
-            </a:r>
-            <a:r>
-              <a:rPr lang="en-US" dirty="0" smtClean="0"/>
-              <a:t> </a:t>
-            </a:r>
-            <a:r>
-              <a:rPr lang="en-US" dirty="0" err="1" smtClean="0"/>
-              <a:t>hebdomadaires</a:t>
-            </a:r>
-            <a:endParaRPr lang="en-US" dirty="0"/>
-          </a:p>
-          <a:p>
-            <a:r>
-              <a:rPr lang="fr-FR" dirty="0"/>
-              <a:t>T</a:t>
-            </a:r>
-            <a:r>
-              <a:rPr lang="fr-FR" dirty="0" smtClean="0"/>
-              <a:t>âches de chacun des membres sont tenues à jour au moyen d’un fichier </a:t>
-            </a:r>
-            <a:r>
-              <a:rPr lang="fr-FR" dirty="0" err="1" smtClean="0"/>
-              <a:t>excel</a:t>
-            </a:r>
-            <a:r>
-              <a:rPr lang="fr-FR" dirty="0" smtClean="0"/>
-              <a:t> de gestion hebdomadaire</a:t>
-            </a:r>
-          </a:p>
-          <a:p>
-            <a:pPr lvl="1"/>
-            <a:r>
-              <a:rPr lang="fr-FR" dirty="0" smtClean="0"/>
-              <a:t>Gain en souplesse et en efficacité de gestion</a:t>
-            </a:r>
-          </a:p>
-          <a:p>
-            <a:pPr lvl="1"/>
-            <a:r>
-              <a:rPr lang="fr-FR" dirty="0" smtClean="0"/>
-              <a:t>Adapté pour la taille de l’équipe</a:t>
-            </a:r>
-          </a:p>
-          <a:p>
-            <a:pPr lvl="1"/>
-            <a:r>
-              <a:rPr lang="fr-FR" dirty="0" smtClean="0"/>
-              <a:t>Maximise l’efficacité des réunions</a:t>
-            </a:r>
-          </a:p>
-          <a:p>
-            <a:r>
-              <a:rPr lang="fr-FR" dirty="0" smtClean="0"/>
-              <a:t>Mise à jour de révision et suivi effectué au moyen de la plateforme </a:t>
-            </a:r>
-            <a:r>
-              <a:rPr lang="fr-FR" dirty="0" err="1" smtClean="0"/>
-              <a:t>GitHub</a:t>
-            </a:r>
-            <a:endParaRPr lang="fr-FR" dirty="0" smtClean="0"/>
-          </a:p>
-          <a:p>
-            <a:pPr lvl="1"/>
-            <a:r>
-              <a:rPr lang="fr-FR" dirty="0" smtClean="0"/>
-              <a:t>Données sécurisées sur un serveur privé</a:t>
-            </a:r>
-          </a:p>
-          <a:p>
-            <a:pPr lvl="1"/>
-            <a:r>
-              <a:rPr lang="fr-FR" dirty="0" smtClean="0"/>
-              <a:t>Permet le travail collaboratif</a:t>
-            </a:r>
-          </a:p>
-          <a:p>
-            <a:pPr lvl="1"/>
-            <a:r>
-              <a:rPr lang="fr-FR" dirty="0" err="1" smtClean="0"/>
-              <a:t>Multi-plateforme</a:t>
-            </a:r>
-            <a:endParaRPr lang="fr-FR" dirty="0" smtClean="0"/>
-          </a:p>
-          <a:p>
-            <a:pPr lvl="1"/>
-            <a:endParaRPr lang="fr-FR" dirty="0" smtClean="0"/>
-          </a:p>
-          <a:p>
-            <a:pPr marL="457200" lvl="1" indent="0">
-              <a:buNone/>
-            </a:pPr>
-            <a:endParaRPr lang="en-US" dirty="0" smtClean="0"/>
+            <a:r>
+              <a:rPr lang="fr-FR" sz="2000" dirty="0"/>
+              <a:t>Implanter le modèle d'un convertisseur CC-CC à 4 quadrants à l'aide de plusieurs cellules de type onduleur NPC avec des inductances de découplage dans un simulateur</a:t>
+            </a:r>
+          </a:p>
+          <a:p>
+            <a:r>
+              <a:rPr lang="fr-FR" sz="2000" dirty="0"/>
+              <a:t>Implanter le modèle de la commande d'un convertisseur CC-CC à 4 quadrants alimentant la charge spécifiée dans un simulateur</a:t>
+            </a:r>
+          </a:p>
+          <a:p>
+            <a:r>
+              <a:rPr lang="fr-FR" sz="2000" dirty="0"/>
+              <a:t>Fournir un outil de </a:t>
+            </a:r>
+            <a:r>
+              <a:rPr lang="fr-FR" sz="2000" dirty="0" smtClean="0"/>
+              <a:t>dimensionnement </a:t>
+            </a:r>
+            <a:r>
+              <a:rPr lang="fr-FR" sz="2000" dirty="0"/>
+              <a:t>pour le convertisseur CC-CC  à 4 quadrants</a:t>
+            </a:r>
+          </a:p>
+          <a:p>
+            <a:r>
+              <a:rPr lang="fr-FR" sz="2000" dirty="0"/>
+              <a:t>Implanter le modèle complet de l'alimentation du Booster</a:t>
+            </a:r>
+          </a:p>
+          <a:p>
+            <a:r>
+              <a:rPr lang="fr-FR" sz="2000" dirty="0"/>
+              <a:t>Effectuer la validation croisée des configurations implantées à l'aide de 3 simulateurs (PSIM, </a:t>
+            </a:r>
+            <a:r>
+              <a:rPr lang="fr-FR" sz="2000" dirty="0" err="1"/>
+              <a:t>SimPowerSystems</a:t>
+            </a:r>
+            <a:r>
+              <a:rPr lang="fr-FR" sz="2000" dirty="0"/>
+              <a:t>, </a:t>
+            </a:r>
+            <a:r>
+              <a:rPr lang="fr-FR" sz="2000" dirty="0" err="1"/>
+              <a:t>Opal</a:t>
+            </a:r>
+            <a:r>
+              <a:rPr lang="fr-FR" sz="2000" dirty="0"/>
+              <a:t>-RT)</a:t>
+            </a:r>
+          </a:p>
+          <a:p>
+            <a:r>
+              <a:rPr lang="fr-FR" sz="2000" dirty="0"/>
+              <a:t>Livrer une documentation pédagogique pour les divers outils de dimensionnement et de simulation</a:t>
+            </a:r>
+            <a:endParaRPr lang="en-US" sz="2000" dirty="0"/>
+          </a:p>
+          <a:p>
+            <a:endParaRPr lang="en-US" sz="1600" dirty="0"/>
           </a:p>
         </p:txBody>
       </p:sp>
     </p:spTree>
     <p:extLst>
       <p:ext uri="{BB962C8B-B14F-4D97-AF65-F5344CB8AC3E}">
-        <p14:creationId xmlns:p14="http://schemas.microsoft.com/office/powerpoint/2010/main" val="483988721"/>
+        <p14:creationId xmlns:p14="http://schemas.microsoft.com/office/powerpoint/2010/main" val="2996529324"/>
       </p:ext>
     </p:extLst>
   </p:cSld>
@@ -7254,7 +7223,7 @@
       </p:grpSpPr>
       <p:sp>
         <p:nvSpPr>
-          <p:cNvPr id="4" name="Title 3"/>
+          <p:cNvPr id="2" name="Title 1"/>
           <p:cNvSpPr>
             <a:spLocks noGrp="1"/>
           </p:cNvSpPr>
@@ -7268,16 +7237,28 @@
           <a:lstStyle/>
           <a:p>
             <a:r>
-              <a:rPr lang="fr-FR" dirty="0" smtClean="0"/>
-              <a:t>Méthodologie planifiée (2/3)</a:t>
-            </a:r>
-            <a:endParaRPr lang="fr-FR" dirty="0"/>
-          </a:p>
-        </p:txBody>
-      </p:sp>
-      <p:sp>
-        <p:nvSpPr>
-          <p:cNvPr id="5" name="Content Placeholder 4"/>
+              <a:rPr lang="en-US" dirty="0" err="1" smtClean="0"/>
+              <a:t>Méthodologie</a:t>
+            </a:r>
+            <a:r>
+              <a:rPr lang="en-US" dirty="0" smtClean="0"/>
+              <a:t> </a:t>
+            </a:r>
+            <a:r>
+              <a:rPr lang="en-US" dirty="0" err="1" smtClean="0"/>
+              <a:t>planifiée</a:t>
+            </a:r>
+            <a:r>
+              <a:rPr lang="en-US" dirty="0" smtClean="0"/>
+              <a:t> (1/3)</a:t>
+            </a:r>
+            <a:endParaRPr lang="en-US" dirty="0"/>
+          </a:p>
+        </p:txBody>
+      </p:sp>
+      <p:sp>
+        <p:nvSpPr>
+          <p:cNvPr id="3" name="Content Placeholder 2"/>
           <p:cNvSpPr>
             <a:spLocks noGrp="1"/>
           </p:cNvSpPr>
@@ -7285,15 +7266,10 @@
             <p:ph idx="1"/>
           </p:nvPr>
         </p:nvSpPr>
-        <p:spPr>
-          <a:xfrm>
-            <a:off x="573965" y="1314373"/>
-            <a:ext cx="9925368" cy="5543627"/>
-          </a:xfrm>
-        </p:spPr>
+        <p:spPr/>
         <p:txBody>
           <a:bodyPr>
-            <a:normAutofit lnSpcReduction="10000"/>
+            <a:normAutofit fontScale="92500" lnSpcReduction="10000"/>
           </a:bodyPr>
           <a:lstStyle/>
           <a:p>
@@ -7301,107 +7277,114 @@
               <a:buNone/>
             </a:pPr>
             <a:r>
-              <a:rPr lang="fr-FR" sz="2800" dirty="0" smtClean="0"/>
-              <a:t>Réalisation pratique</a:t>
-            </a:r>
-          </a:p>
-          <a:p>
-            <a:r>
-              <a:rPr lang="fr-FR" sz="2200" dirty="0" smtClean="0"/>
-              <a:t>Modélisation de chacune des composantes en employant d’abord les modèles idéaux, puis en y ajoutant des caractéristiques linéaires et non linéaires jusqu’à représenter, de manière la plus exacte possible (en prenant en compte les limitations techniques liées à l’exécution du simulation), le comportement de la composante en question</a:t>
-            </a:r>
-          </a:p>
-          <a:p>
-            <a:r>
-              <a:rPr lang="fr-FR" sz="2200" dirty="0" smtClean="0"/>
-              <a:t>Intégration du modèle de composante dans un sous-bloc paramétrable et aisément </a:t>
-            </a:r>
-            <a:r>
-              <a:rPr lang="fr-FR" sz="2200" dirty="0" err="1" smtClean="0"/>
-              <a:t>duplicable</a:t>
-            </a:r>
-            <a:endParaRPr lang="fr-FR" sz="2200" dirty="0" smtClean="0"/>
+              <a:rPr lang="en-US" sz="2800" dirty="0" err="1" smtClean="0"/>
+              <a:t>Gestion</a:t>
+            </a:r>
+            <a:endParaRPr lang="en-US" sz="2800" dirty="0" smtClean="0"/>
+          </a:p>
+          <a:p>
+            <a:r>
+              <a:rPr lang="en-US" dirty="0" err="1" smtClean="0"/>
+              <a:t>Réunions</a:t>
+            </a:r>
+            <a:r>
+              <a:rPr lang="en-US" dirty="0" smtClean="0"/>
+              <a:t> </a:t>
+            </a:r>
+            <a:r>
+              <a:rPr lang="en-US" dirty="0" err="1" smtClean="0"/>
+              <a:t>hebdomadaires</a:t>
+            </a:r>
+            <a:endParaRPr lang="en-US" dirty="0"/>
+          </a:p>
+          <a:p>
+            <a:r>
+              <a:rPr lang="fr-FR" dirty="0"/>
+              <a:t>T</a:t>
+            </a:r>
+            <a:r>
+              <a:rPr lang="fr-FR" dirty="0" smtClean="0"/>
+              <a:t>âches de chacun des membres sont tenues à jour au moyen d’un fichier </a:t>
+            </a:r>
+            <a:r>
+              <a:rPr lang="fr-FR" dirty="0" err="1" smtClean="0"/>
+              <a:t>excel</a:t>
+            </a:r>
+            <a:r>
+              <a:rPr lang="fr-FR" dirty="0" smtClean="0"/>
+              <a:t> de gestion hebdomadaire</a:t>
+            </a:r>
           </a:p>
           <a:p>
             <a:pPr lvl="1"/>
             <a:r>
-              <a:rPr lang="fr-FR" sz="2200" dirty="0" smtClean="0"/>
-              <a:t>Essais sur les différents simulateurs pour valider le comportement</a:t>
-            </a:r>
-          </a:p>
-          <a:p>
-            <a:r>
-              <a:rPr lang="fr-FR" sz="2200" dirty="0" smtClean="0"/>
-              <a:t>Intégration des différents </a:t>
-            </a:r>
-            <a:r>
-              <a:rPr lang="fr-FR" sz="2200" dirty="0" err="1" smtClean="0"/>
-              <a:t>modèl</a:t>
-            </a:r>
-            <a:r>
-              <a:rPr lang="fr-FR" sz="2200" dirty="0" smtClean="0"/>
-              <a:t> es de composantes de manière à réaliser le redresseur NPC</a:t>
-            </a:r>
-          </a:p>
-          <a:p>
-            <a:r>
-              <a:rPr lang="fr-FR" sz="2200" dirty="0" smtClean="0"/>
-              <a:t>Modélisation d’une commande “</a:t>
-            </a:r>
-            <a:r>
-              <a:rPr lang="fr-FR" sz="2200" dirty="0" err="1" smtClean="0"/>
-              <a:t>Multilevel</a:t>
-            </a:r>
-            <a:r>
-              <a:rPr lang="fr-FR" sz="2200" dirty="0" smtClean="0"/>
-              <a:t> </a:t>
-            </a:r>
-            <a:r>
-              <a:rPr lang="fr-FR" sz="2200" dirty="0" err="1" smtClean="0"/>
-              <a:t>Space</a:t>
-            </a:r>
-            <a:r>
-              <a:rPr lang="fr-FR" sz="2200" dirty="0" smtClean="0"/>
-              <a:t> </a:t>
-            </a:r>
-            <a:r>
-              <a:rPr lang="fr-FR" sz="2200" dirty="0" err="1" smtClean="0"/>
-              <a:t>Vector</a:t>
-            </a:r>
-            <a:r>
-              <a:rPr lang="fr-FR" sz="2200" dirty="0" smtClean="0"/>
-              <a:t> PWM” et intégration au redresseur NPC</a:t>
-            </a:r>
-          </a:p>
-          <a:p>
-            <a:pPr marL="742950" lvl="2" indent="-342900"/>
-            <a:r>
-              <a:rPr lang="fr-FR" sz="2000" dirty="0" smtClean="0"/>
-              <a:t>Essais sur les différents simulateurs pour valider le comportement</a:t>
-            </a:r>
-          </a:p>
-          <a:p>
-            <a:endParaRPr lang="en-US" dirty="0"/>
+              <a:rPr lang="fr-FR" dirty="0" smtClean="0"/>
+              <a:t>Gain en souplesse et en efficacité de gestion</a:t>
+            </a:r>
           </a:p>
           <a:p>
             <a:pPr lvl="1"/>
-            <a:endParaRPr lang="fr-FR" dirty="0"/>
+            <a:r>
+              <a:rPr lang="fr-FR" dirty="0" smtClean="0"/>
+              <a:t>Adapté pour la taille de l’équipe</a:t>
+            </a:r>
+          </a:p>
+          <a:p>
+            <a:pPr lvl="1"/>
+            <a:r>
+              <a:rPr lang="fr-FR" dirty="0" smtClean="0"/>
+              <a:t>Maximise l’efficacité des réunions</a:t>
+            </a:r>
+          </a:p>
+          <a:p>
+            <a:r>
+              <a:rPr lang="fr-FR" dirty="0" smtClean="0"/>
+              <a:t>Mise à jour de révision et suivi effectué au moyen de la plateforme </a:t>
+            </a:r>
+            <a:r>
+              <a:rPr lang="fr-FR" dirty="0" err="1" smtClean="0"/>
+              <a:t>GitHub</a:t>
+            </a:r>
+            <a:endParaRPr lang="fr-FR" dirty="0" smtClean="0"/>
+          </a:p>
+          <a:p>
+            <a:pPr lvl="1"/>
+            <a:r>
+              <a:rPr lang="fr-FR" dirty="0" smtClean="0"/>
+              <a:t>Données sécurisées sur un serveur privé</a:t>
+            </a:r>
+          </a:p>
+          <a:p>
+            <a:pPr lvl="1"/>
+            <a:r>
+              <a:rPr lang="fr-FR" dirty="0" smtClean="0"/>
+              <a:t>Permet le travail collaboratif</a:t>
+            </a:r>
+          </a:p>
+          <a:p>
+            <a:pPr lvl="1"/>
+            <a:r>
+              <a:rPr lang="fr-FR" dirty="0" err="1" smtClean="0"/>
+              <a:t>Multi-plateforme</a:t>
+            </a:r>
+            <a:endParaRPr lang="fr-FR" dirty="0" smtClean="0"/>
+          </a:p>
+          <a:p>
+            <a:pPr lvl="1"/>
+            <a:endParaRPr lang="fr-FR" dirty="0" smtClean="0"/>
           </a:p>
           <a:p>
             <a:pPr marL="457200" lvl="1" indent="0">
               <a:buNone/>
             </a:pPr>
-            <a:endParaRPr lang="en-US" dirty="0"/>
-          </a:p>
-          <a:p>
-            <a:endParaRPr lang="en-US" dirty="0"/>
+            <a:endParaRPr lang="en-US" dirty="0" smtClean="0"/>
           </a:p>
         </p:txBody>
       </p:sp>
     </p:spTree>
     <p:extLst>
       <p:ext uri="{BB962C8B-B14F-4D97-AF65-F5344CB8AC3E}">
-        <p14:creationId xmlns:p14="http://schemas.microsoft.com/office/powerpoint/2010/main" val="1125282991"/>
+        <p14:creationId xmlns:p14="http://schemas.microsoft.com/office/powerpoint/2010/main" val="483988721"/>
       </p:ext>
     </p:extLst>
   </p:cSld>
@@ -7430,6 +7413,182 @@
       </p:grpSpPr>
       <p:sp>
         <p:nvSpPr>
+          <p:cNvPr id="4" name="Title 3"/>
+          <p:cNvSpPr>
+            <a:spLocks noGrp="1"/>
+          </p:cNvSpPr>
+          <p:nvPr>
+            <p:ph type="title"/>
+          </p:nvPr>
+        </p:nvSpPr>
+        <p:spPr/>
+        <p:txBody>
+          <a:bodyPr/>
+          <a:lstStyle/>
+          <a:p>
+            <a:r>
+              <a:rPr lang="fr-FR" dirty="0" smtClean="0"/>
+              <a:t>Méthodologie planifiée (2/3)</a:t>
+            </a:r>
+            <a:endParaRPr lang="fr-FR" dirty="0"/>
+          </a:p>
+        </p:txBody>
+      </p:sp>
+      <p:sp>
+        <p:nvSpPr>
+          <p:cNvPr id="5" name="Content Placeholder 4"/>
+          <p:cNvSpPr>
+            <a:spLocks noGrp="1"/>
+          </p:cNvSpPr>
+          <p:nvPr>
+            <p:ph idx="1"/>
+          </p:nvPr>
+        </p:nvSpPr>
+        <p:spPr>
+          <a:xfrm>
+            <a:off x="573965" y="1314373"/>
+            <a:ext cx="9925368" cy="5543627"/>
+          </a:xfrm>
+        </p:spPr>
+        <p:txBody>
+          <a:bodyPr>
+            <a:normAutofit lnSpcReduction="10000"/>
+          </a:bodyPr>
+          <a:lstStyle/>
+          <a:p>
+            <a:pPr marL="0" indent="0">
+              <a:buNone/>
+            </a:pPr>
+            <a:r>
+              <a:rPr lang="fr-FR" sz="2800" dirty="0" smtClean="0"/>
+              <a:t>Réalisation pratique</a:t>
+            </a:r>
+          </a:p>
+          <a:p>
+            <a:r>
+              <a:rPr lang="fr-FR" sz="2200" dirty="0" smtClean="0"/>
+              <a:t>Modélisation de chacune des composantes en employant d’abord les modèles idéaux, puis en y ajoutant des caractéristiques linéaires et non linéaires jusqu’à représenter, de manière la plus exacte possible (en prenant en compte les limitations techniques liées à l’exécution du simulation), le comportement de la composante en question</a:t>
+            </a:r>
+          </a:p>
+          <a:p>
+            <a:r>
+              <a:rPr lang="fr-FR" sz="2200" dirty="0" smtClean="0"/>
+              <a:t>Intégration du modèle de composante dans un sous-bloc paramétrable et aisément </a:t>
+            </a:r>
+            <a:r>
+              <a:rPr lang="fr-FR" sz="2200" dirty="0" err="1" smtClean="0"/>
+              <a:t>duplicable</a:t>
+            </a:r>
+            <a:endParaRPr lang="fr-FR" sz="2200" dirty="0" smtClean="0"/>
+          </a:p>
+          <a:p>
+            <a:pPr lvl="1"/>
+            <a:r>
+              <a:rPr lang="fr-FR" sz="2200" dirty="0" smtClean="0"/>
+              <a:t>Essais sur les différents simulateurs pour valider le comportement</a:t>
+            </a:r>
+          </a:p>
+          <a:p>
+            <a:r>
+              <a:rPr lang="fr-FR" sz="2200" dirty="0" smtClean="0"/>
+              <a:t>Intégration des différents </a:t>
+            </a:r>
+            <a:r>
+              <a:rPr lang="fr-FR" sz="2200" dirty="0" err="1" smtClean="0"/>
+              <a:t>modèl</a:t>
+            </a:r>
+            <a:r>
+              <a:rPr lang="fr-FR" sz="2200" dirty="0" smtClean="0"/>
+              <a:t> es de composantes de manière à réaliser le redresseur NPC</a:t>
+            </a:r>
+          </a:p>
+          <a:p>
+            <a:r>
+              <a:rPr lang="fr-FR" sz="2200" dirty="0" smtClean="0"/>
+              <a:t>Modélisation d’une commande “</a:t>
+            </a:r>
+            <a:r>
+              <a:rPr lang="fr-FR" sz="2200" dirty="0" err="1" smtClean="0"/>
+              <a:t>Multilevel</a:t>
+            </a:r>
+            <a:r>
+              <a:rPr lang="fr-FR" sz="2200" dirty="0" smtClean="0"/>
+              <a:t> </a:t>
+            </a:r>
+            <a:r>
+              <a:rPr lang="fr-FR" sz="2200" dirty="0" err="1" smtClean="0"/>
+              <a:t>Space</a:t>
+            </a:r>
+            <a:r>
+              <a:rPr lang="fr-FR" sz="2200" dirty="0" smtClean="0"/>
+              <a:t> </a:t>
+            </a:r>
+            <a:r>
+              <a:rPr lang="fr-FR" sz="2200" dirty="0" err="1" smtClean="0"/>
+              <a:t>Vector</a:t>
+            </a:r>
+            <a:r>
+              <a:rPr lang="fr-FR" sz="2200" dirty="0" smtClean="0"/>
+              <a:t> PWM” et intégration au redresseur NPC</a:t>
+            </a:r>
+          </a:p>
+          <a:p>
+            <a:pPr marL="742950" lvl="2" indent="-342900"/>
+            <a:r>
+              <a:rPr lang="fr-FR" sz="2000" dirty="0" smtClean="0"/>
+              <a:t>Essais sur les différents simulateurs pour valider le comportement</a:t>
+            </a:r>
+          </a:p>
+          <a:p>
+            <a:endParaRPr lang="en-US" dirty="0"/>
+          </a:p>
+          <a:p>
+            <a:pPr lvl="1"/>
+            <a:endParaRPr lang="fr-FR" dirty="0"/>
+          </a:p>
+          <a:p>
+            <a:pPr marL="457200" lvl="1" indent="0">
+              <a:buNone/>
+            </a:pPr>
+            <a:endParaRPr lang="en-US" dirty="0"/>
+          </a:p>
+          <a:p>
+            <a:endParaRPr lang="en-US" dirty="0"/>
+          </a:p>
+        </p:txBody>
+      </p:sp>
+    </p:spTree>
+    <p:extLst>
+      <p:ext uri="{BB962C8B-B14F-4D97-AF65-F5344CB8AC3E}">
+        <p14:creationId xmlns:p14="http://schemas.microsoft.com/office/powerpoint/2010/main" val="1125282991"/>
+      </p:ext>
+    </p:extLst>
+  </p:cSld>
+  <p:clrMapOvr>
+    <a:masterClrMapping/>
+  </p:clrMapOvr>
+</p:sld>
+</file>
+
+<file path=ppt/slides/slide16.xml><?xml version="1.0" encoding="utf-8"?>
+<p:sld xmlns:a="http://schemas.openxmlformats.org/drawingml/2006/main" xmlns:r="http://schemas.openxmlformats.org/officeDocument/2006/relationships" xmlns:p="http://schemas.openxmlformats.org/presentationml/2006/main">
+  <p:cSld>
+    <p:spTree>
+      <p:nvGrpSpPr>
+        <p:cNvPr id="1" name=""/>
+        <p:cNvGrpSpPr/>
+        <p:nvPr/>
+      </p:nvGrpSpPr>
+      <p:grpSpPr>
+        <a:xfrm>
+          <a:off x="0" y="0"/>
+          <a:ext cx="0" cy="0"/>
+          <a:chOff x="0" y="0"/>
+          <a:chExt cx="0" cy="0"/>
+        </a:xfrm>
+      </p:grpSpPr>
+      <p:sp>
+        <p:nvSpPr>
           <p:cNvPr id="2" name="Title 1"/>
           <p:cNvSpPr>
             <a:spLocks noGrp="1"/>
@@ -7531,7 +7690,7 @@
 </p:sld>
 </file>
 
-<file path=ppt/slides/slide16.xml><?xml version="1.0" encoding="utf-8"?>
+<file path=ppt/slides/slide17.xml><?xml version="1.0" encoding="utf-8"?>
 <p:sld xmlns:a="http://schemas.openxmlformats.org/drawingml/2006/main" xmlns:r="http://schemas.openxmlformats.org/officeDocument/2006/relationships" xmlns:p="http://schemas.openxmlformats.org/presentationml/2006/main">
   <p:cSld>
     <p:spTree>
@@ -7770,7 +7929,7 @@
 </p:sld>
 </file>
 
-<file path=ppt/slides/slide17.xml><?xml version="1.0" encoding="utf-8"?>
+<file path=ppt/slides/slide18.xml><?xml version="1.0" encoding="utf-8"?>
 <p:sld xmlns:a="http://schemas.openxmlformats.org/drawingml/2006/main" xmlns:r="http://schemas.openxmlformats.org/officeDocument/2006/relationships" xmlns:p="http://schemas.openxmlformats.org/presentationml/2006/main">
   <p:cSld>
     <p:spTree>
@@ -7957,7 +8116,7 @@
 </p:sld>
 </file>
 
-<file path=ppt/slides/slide18.xml><?xml version="1.0" encoding="utf-8"?>
+<file path=ppt/slides/slide19.xml><?xml version="1.0" encoding="utf-8"?>
 <p:sld xmlns:a="http://schemas.openxmlformats.org/drawingml/2006/main" xmlns:r="http://schemas.openxmlformats.org/officeDocument/2006/relationships" xmlns:p="http://schemas.openxmlformats.org/presentationml/2006/main">
   <p:cSld>
     <p:spTree>
@@ -8068,161 +8227,6 @@
     <p:extLst>
       <p:ext uri="{BB962C8B-B14F-4D97-AF65-F5344CB8AC3E}">
         <p14:creationId xmlns:p14="http://schemas.microsoft.com/office/powerpoint/2010/main" val="3337306044"/>
-      </p:ext>
-    </p:extLst>
-  </p:cSld>
-  <p:clrMapOvr>
-    <a:masterClrMapping/>
-  </p:clrMapOvr>
-</p:sld>
-</file>
-
-<file path=ppt/slides/slide19.xml><?xml version="1.0" encoding="utf-8"?>
-<p:sld xmlns:a="http://schemas.openxmlformats.org/drawingml/2006/main" xmlns:r="http://schemas.openxmlformats.org/officeDocument/2006/relationships" xmlns:p="http://schemas.openxmlformats.org/presentationml/2006/main">
-  <p:cSld>
-    <p:spTree>
-      <p:nvGrpSpPr>
-        <p:cNvPr id="1" name=""/>
-        <p:cNvGrpSpPr/>
-        <p:nvPr/>
-      </p:nvGrpSpPr>
-      <p:grpSpPr>
-        <a:xfrm>
-          <a:off x="0" y="0"/>
-          <a:ext cx="0" cy="0"/>
-          <a:chOff x="0" y="0"/>
-          <a:chExt cx="0" cy="0"/>
-        </a:xfrm>
-      </p:grpSpPr>
-      <p:sp>
-        <p:nvSpPr>
-          <p:cNvPr id="2" name="Title 1"/>
-          <p:cNvSpPr>
-            <a:spLocks noGrp="1"/>
-          </p:cNvSpPr>
-          <p:nvPr>
-            <p:ph type="title"/>
-          </p:nvPr>
-        </p:nvSpPr>
-        <p:spPr/>
-        <p:txBody>
-          <a:bodyPr>
-            <a:normAutofit fontScale="90000"/>
-          </a:bodyPr>
-          <a:lstStyle/>
-          <a:p>
-            <a:pPr algn="r"/>
-            <a:r>
-              <a:rPr lang="fr-CA" dirty="0" smtClean="0"/>
-              <a:t>Diagramme des propriétés fonctionnelles</a:t>
-            </a:r>
-            <a:br>
-              <a:rPr lang="fr-CA" dirty="0" smtClean="0"/>
-            </a:br>
-            <a:r>
-              <a:rPr lang="fr-CA" sz="1800" i="1" dirty="0" smtClean="0"/>
-              <a:t>*Version complète à la fin</a:t>
-            </a:r>
-            <a:endParaRPr lang="fr-CA" sz="1800" i="1" dirty="0"/>
-          </a:p>
-        </p:txBody>
-      </p:sp>
-      <p:sp>
-        <p:nvSpPr>
-          <p:cNvPr id="3" name="Content Placeholder 2"/>
-          <p:cNvSpPr>
-            <a:spLocks noGrp="1"/>
-          </p:cNvSpPr>
-          <p:nvPr>
-            <p:ph idx="1"/>
-          </p:nvPr>
-        </p:nvSpPr>
-        <p:spPr>
-          <a:xfrm>
-            <a:off x="618265" y="1835687"/>
-            <a:ext cx="10087805" cy="4810020"/>
-          </a:xfrm>
-        </p:spPr>
-        <p:txBody>
-          <a:bodyPr>
-            <a:normAutofit lnSpcReduction="10000"/>
-          </a:bodyPr>
-          <a:lstStyle/>
-          <a:p>
-            <a:r>
-              <a:rPr lang="fr-FR" sz="2800" dirty="0" smtClean="0"/>
-              <a:t>Fonctionnalités rattachées au simulateur (1/2)</a:t>
-            </a:r>
-          </a:p>
-          <a:p>
-            <a:pPr lvl="1"/>
-            <a:r>
-              <a:rPr lang="fr-FR" sz="2600" dirty="0" smtClean="0"/>
-              <a:t>Accepter des paramètres de modélisation</a:t>
-            </a:r>
-          </a:p>
-          <a:p>
-            <a:pPr lvl="1"/>
-            <a:r>
-              <a:rPr lang="fr-FR" sz="2600" dirty="0" smtClean="0"/>
-              <a:t>Abaisser la tension du réseau alternatif</a:t>
-            </a:r>
-          </a:p>
-          <a:p>
-            <a:pPr lvl="2"/>
-            <a:r>
-              <a:rPr lang="fr-FR" sz="2400" dirty="0" smtClean="0"/>
-              <a:t>Rendement (%), Ratio (%)</a:t>
-            </a:r>
-          </a:p>
-          <a:p>
-            <a:pPr lvl="1"/>
-            <a:r>
-              <a:rPr lang="fr-FR" sz="2600" dirty="0" smtClean="0"/>
-              <a:t>Redresser le signal d’entrée à la sortie du transformateur</a:t>
-            </a:r>
-          </a:p>
-          <a:p>
-            <a:pPr lvl="2"/>
-            <a:r>
-              <a:rPr lang="fr-FR" sz="2400" dirty="0" smtClean="0"/>
-              <a:t>Ondulation de tension (%)</a:t>
-            </a:r>
-          </a:p>
-          <a:p>
-            <a:pPr lvl="2"/>
-            <a:r>
-              <a:rPr lang="fr-FR" sz="2400" dirty="0" smtClean="0"/>
-              <a:t>Niveau moyen (kV)</a:t>
-            </a:r>
-          </a:p>
-          <a:p>
-            <a:pPr lvl="2"/>
-            <a:r>
-              <a:rPr lang="fr-FR" sz="2400" dirty="0" smtClean="0"/>
-              <a:t>Rendement (%)</a:t>
-            </a:r>
-          </a:p>
-          <a:p>
-            <a:pPr lvl="2"/>
-            <a:r>
-              <a:rPr lang="fr-FR" sz="2400" dirty="0" smtClean="0"/>
-              <a:t>Puissance moyenne (MW)</a:t>
-            </a:r>
-          </a:p>
-          <a:p>
-            <a:pPr lvl="2"/>
-            <a:r>
-              <a:rPr lang="fr-FR" sz="2400" dirty="0" smtClean="0"/>
-              <a:t>Puissance crête (MW)</a:t>
-            </a:r>
-          </a:p>
-        </p:txBody>
-      </p:sp>
-    </p:spTree>
-    <p:extLst>
-      <p:ext uri="{BB962C8B-B14F-4D97-AF65-F5344CB8AC3E}">
-        <p14:creationId xmlns:p14="http://schemas.microsoft.com/office/powerpoint/2010/main" val="261770818"/>
       </p:ext>
     </p:extLst>
   </p:cSld>
@@ -8585,71 +8589,55 @@
         </p:spPr>
         <p:txBody>
           <a:bodyPr>
-            <a:normAutofit fontScale="62500" lnSpcReduction="20000"/>
+            <a:normAutofit lnSpcReduction="10000"/>
           </a:bodyPr>
           <a:lstStyle/>
           <a:p>
             <a:r>
               <a:rPr lang="fr-FR" sz="2800" dirty="0" smtClean="0"/>
-              <a:t>Fonctionnalités rattachées au simulateur (2/2)</a:t>
+              <a:t>Fonctionnalités rattachées au simulateur (1/2)</a:t>
             </a:r>
           </a:p>
           <a:p>
             <a:pPr lvl="1"/>
             <a:r>
               <a:rPr lang="fr-FR" sz="2600" dirty="0" smtClean="0"/>
-              <a:t>Commander un onduleur triphasé de type NPC</a:t>
+              <a:t>Accepter des paramètres de modélisation</a:t>
+            </a:r>
+          </a:p>
+          <a:p>
+            <a:pPr lvl="1"/>
+            <a:r>
+              <a:rPr lang="fr-FR" sz="2600" dirty="0" smtClean="0"/>
+              <a:t>Abaisser la tension du réseau alternatif</a:t>
             </a:r>
           </a:p>
           <a:p>
             <a:pPr lvl="2"/>
             <a:r>
               <a:rPr lang="fr-FR" sz="2400" dirty="0" smtClean="0"/>
-              <a:t>Effort du contrôleur (% par seconde de la variation de la commande)</a:t>
+              <a:t>Rendement (%), Ratio (%)</a:t>
             </a:r>
           </a:p>
           <a:p>
             <a:pPr lvl="1"/>
             <a:r>
               <a:rPr lang="fr-FR" sz="2600" dirty="0" smtClean="0"/>
-              <a:t>Charger un banc de condensateur</a:t>
+              <a:t>Redresser le signal d’entrée à la sortie du transformateur</a:t>
             </a:r>
           </a:p>
           <a:p>
             <a:pPr lvl="2"/>
             <a:r>
               <a:rPr lang="fr-FR" sz="2400" dirty="0" smtClean="0"/>
-              <a:t>Temps de charge (s)</a:t>
-            </a:r>
-          </a:p>
-          <a:p>
-            <a:pPr lvl="1"/>
-            <a:r>
-              <a:rPr lang="fr-FR" sz="2600" dirty="0" smtClean="0"/>
-              <a:t>Commander un convertisseur CC-CC à quatre quadrants </a:t>
-            </a:r>
-            <a:r>
-              <a:rPr lang="fr-FR" sz="2600" dirty="0" err="1" smtClean="0"/>
-              <a:t>multicellules</a:t>
-            </a:r>
-            <a:endParaRPr lang="fr-FR" sz="2600" dirty="0" smtClean="0"/>
+              <a:t>Ondulation de tension (%)</a:t>
+            </a:r>
           </a:p>
           <a:p>
             <a:pPr lvl="2"/>
             <a:r>
-              <a:rPr lang="fr-FR" sz="2400" dirty="0"/>
-              <a:t>Effort du contrôleur (% par seconde de la variation de la commande</a:t>
-            </a:r>
-            <a:r>
               <a:rPr lang="fr-FR" sz="2400" dirty="0" smtClean="0"/>
-              <a:t>)</a:t>
-            </a:r>
-          </a:p>
-          <a:p>
-            <a:pPr lvl="1"/>
-            <a:r>
-              <a:rPr lang="fr-FR" sz="2600" dirty="0" smtClean="0"/>
-              <a:t>Alimenter les électroaimants de l’accélérateur de particules</a:t>
+              <a:t>Niveau moyen (kV)</a:t>
             </a:r>
           </a:p>
           <a:p>
@@ -8663,20 +8651,6 @@
             <a:pPr lvl="2"/>
             <a:r>
               <a:rPr lang="fr-FR" sz="2400" dirty="0" smtClean="0"/>
-              <a:t>Ondulation de courant (%)</a:t>
-            </a:r>
-          </a:p>
-          <a:p>
-            <a:pPr lvl="2"/>
-            <a:r>
-              <a:rPr lang="fr-FR" sz="2400" dirty="0" smtClean="0"/>
-              <a:t>Ondulation de tension (%)</a:t>
-            </a:r>
-          </a:p>
-          <a:p>
-            <a:pPr lvl="2"/>
-            <a:r>
-              <a:rPr lang="fr-FR" sz="2400" dirty="0" smtClean="0"/>
               <a:t>Puissance moyenne (MW)</a:t>
             </a:r>
           </a:p>
@@ -8686,37 +8660,13 @@
               <a:rPr lang="fr-FR" sz="2400" dirty="0" smtClean="0"/>
               <a:t>Puissance crête (MW)</a:t>
             </a:r>
-          </a:p>
-          <a:p>
-            <a:pPr lvl="1"/>
-            <a:r>
-              <a:rPr lang="fr-FR" sz="2600" dirty="0" smtClean="0"/>
-              <a:t>Afficher les résultats de simulation </a:t>
-            </a:r>
-            <a:r>
-              <a:rPr lang="fr-FR" sz="2600" dirty="0" err="1" smtClean="0"/>
-              <a:t>personalisés</a:t>
-            </a:r>
-            <a:endParaRPr lang="fr-FR" sz="2600" dirty="0" smtClean="0"/>
-          </a:p>
-          <a:p>
-            <a:pPr lvl="2"/>
-            <a:r>
-              <a:rPr lang="fr-FR" sz="2400" dirty="0" smtClean="0"/>
-              <a:t>Convivialité (1 à 5)</a:t>
-            </a:r>
-            <a:endParaRPr lang="fr-FR" sz="2400" dirty="0"/>
-          </a:p>
-          <a:p>
-            <a:pPr lvl="2"/>
-            <a:endParaRPr lang="fr-FR" sz="2400" dirty="0" smtClean="0"/>
           </a:p>
         </p:txBody>
       </p:sp>
     </p:spTree>
     <p:extLst>
       <p:ext uri="{BB962C8B-B14F-4D97-AF65-F5344CB8AC3E}">
-        <p14:creationId xmlns:p14="http://schemas.microsoft.com/office/powerpoint/2010/main" val="1009669938"/>
+        <p14:creationId xmlns:p14="http://schemas.microsoft.com/office/powerpoint/2010/main" val="261770818"/>
       </p:ext>
     </p:extLst>
   </p:cSld>
@@ -8794,77 +8744,138 @@
         </p:spPr>
         <p:txBody>
           <a:bodyPr>
-            <a:normAutofit lnSpcReduction="10000"/>
+            <a:normAutofit fontScale="62500" lnSpcReduction="20000"/>
           </a:bodyPr>
           <a:lstStyle/>
           <a:p>
             <a:r>
               <a:rPr lang="fr-FR" sz="2800" dirty="0" smtClean="0"/>
-              <a:t>Outil de dimensionnement </a:t>
+              <a:t>Fonctionnalités rattachées au simulateur (2/2)</a:t>
             </a:r>
           </a:p>
           <a:p>
             <a:pPr lvl="1"/>
             <a:r>
-              <a:rPr lang="fr-FR" sz="2200" dirty="0" smtClean="0"/>
-              <a:t>Accepter des paramètres de dimensionnement usuels</a:t>
+              <a:rPr lang="fr-FR" sz="2600" dirty="0" smtClean="0"/>
+              <a:t>Commander un onduleur triphasé de type NPC</a:t>
             </a:r>
           </a:p>
           <a:p>
             <a:pPr lvl="2"/>
             <a:r>
-              <a:rPr lang="fr-FR" sz="2200" dirty="0" smtClean="0"/>
-              <a:t>Choix disponibles (1 à 5)</a:t>
+              <a:rPr lang="fr-FR" sz="2400" dirty="0" smtClean="0"/>
+              <a:t>Effort du contrôleur (% par seconde de la variation de la commande)</a:t>
             </a:r>
           </a:p>
           <a:p>
             <a:pPr lvl="1"/>
             <a:r>
+              <a:rPr lang="fr-FR" sz="2600" dirty="0" smtClean="0"/>
+              <a:t>Charger un banc de condensateur</a:t>
+            </a:r>
+          </a:p>
+          <a:p>
+            <a:pPr lvl="2"/>
+            <a:r>
               <a:rPr lang="fr-FR" sz="2400" dirty="0" smtClean="0"/>
-              <a:t>Déterminer le nombre de composantes nécessaires dans les cellules de type NPC</a:t>
+              <a:t>Temps de charge (s)</a:t>
             </a:r>
           </a:p>
           <a:p>
             <a:pPr lvl="1"/>
             <a:r>
+              <a:rPr lang="fr-FR" sz="2600" dirty="0" smtClean="0"/>
+              <a:t>Commander un convertisseur CC-CC à quatre quadrants </a:t>
+            </a:r>
+            <a:r>
+              <a:rPr lang="fr-FR" sz="2600" dirty="0" err="1" smtClean="0"/>
+              <a:t>multicellules</a:t>
+            </a:r>
+            <a:endParaRPr lang="fr-FR" sz="2600" dirty="0" smtClean="0"/>
+          </a:p>
+          <a:p>
+            <a:pPr lvl="2"/>
+            <a:r>
+              <a:rPr lang="fr-FR" sz="2400" dirty="0"/>
+              <a:t>Effort du contrôleur (% par seconde de la variation de la commande</a:t>
+            </a:r>
+            <a:r>
               <a:rPr lang="fr-FR" sz="2400" dirty="0" smtClean="0"/>
-              <a:t>Déterminer les valeurs des condensateurs utilisés dans les cellules de type NPC</a:t>
+              <a:t>)</a:t>
             </a:r>
           </a:p>
           <a:p>
             <a:pPr lvl="1"/>
             <a:r>
+              <a:rPr lang="fr-FR" sz="2600" dirty="0" smtClean="0"/>
+              <a:t>Alimenter les électroaimants de l’accélérateur de particules</a:t>
+            </a:r>
+          </a:p>
+          <a:p>
+            <a:pPr lvl="2"/>
+            <a:r>
               <a:rPr lang="fr-FR" sz="2400" dirty="0" smtClean="0"/>
-              <a:t>Déterminer les valeurs des inductances de découplage</a:t>
+              <a:t>Rendement (%)</a:t>
+            </a:r>
+          </a:p>
+          <a:p>
+            <a:pPr lvl="2"/>
+            <a:r>
+              <a:rPr lang="fr-FR" sz="2400" dirty="0" smtClean="0"/>
+              <a:t>Ondulation de courant (%)</a:t>
+            </a:r>
+          </a:p>
+          <a:p>
+            <a:pPr lvl="2"/>
+            <a:r>
+              <a:rPr lang="fr-FR" sz="2400" dirty="0" smtClean="0"/>
+              <a:t>Ondulation de tension (%)</a:t>
+            </a:r>
+          </a:p>
+          <a:p>
+            <a:pPr lvl="2"/>
+            <a:r>
+              <a:rPr lang="fr-FR" sz="2400" dirty="0" smtClean="0"/>
+              <a:t>Puissance moyenne (MW)</a:t>
+            </a:r>
+          </a:p>
+          <a:p>
+            <a:pPr lvl="2"/>
+            <a:r>
+              <a:rPr lang="fr-FR" sz="2400" dirty="0" smtClean="0"/>
+              <a:t>Puissance crête (MW)</a:t>
             </a:r>
           </a:p>
           <a:p>
             <a:pPr lvl="1"/>
             <a:r>
+              <a:rPr lang="fr-FR" sz="2600" dirty="0" smtClean="0"/>
+              <a:t>Afficher les résultats de simulation </a:t>
+            </a:r>
+            <a:r>
+              <a:rPr lang="fr-FR" sz="2600" dirty="0" err="1" smtClean="0"/>
+              <a:t>personalisés</a:t>
+            </a:r>
+            <a:endParaRPr lang="fr-FR" sz="2600" dirty="0" smtClean="0"/>
+          </a:p>
+          <a:p>
+            <a:pPr lvl="2"/>
+            <a:r>
               <a:rPr lang="fr-FR" sz="2400" dirty="0" smtClean="0"/>
-              <a:t>Déterminer le nombre de cellules de type NPC nécessaire</a:t>
-            </a:r>
-          </a:p>
-          <a:p>
-            <a:pPr lvl="1"/>
-            <a:r>
-              <a:rPr lang="fr-FR" sz="2400" dirty="0" smtClean="0"/>
-              <a:t>Fournir les paramètres de modélisation utilisé par le simulateur</a:t>
-            </a:r>
+              <a:t>Convivialité (1 à 5)</a:t>
+            </a:r>
+            <a:endParaRPr lang="fr-FR" sz="2400" dirty="0"/>
           </a:p>
           <a:p>
             <a:pPr lvl="2"/>
-            <a:r>
-              <a:rPr lang="fr-FR" sz="2200" dirty="0" smtClean="0"/>
-              <a:t>Convivialité et choix disponibles (1 à 5)</a:t>
-            </a:r>
+            <a:endParaRPr lang="fr-FR" sz="2400" dirty="0" smtClean="0"/>
           </a:p>
         </p:txBody>
       </p:sp>
     </p:spTree>
     <p:extLst>
       <p:ext uri="{BB962C8B-B14F-4D97-AF65-F5344CB8AC3E}">
-        <p14:creationId xmlns:p14="http://schemas.microsoft.com/office/powerpoint/2010/main" val="4073286745"/>
+        <p14:creationId xmlns:p14="http://schemas.microsoft.com/office/powerpoint/2010/main" val="1009669938"/>
       </p:ext>
     </p:extLst>
   </p:cSld>
@@ -8948,56 +8959,63 @@
           <a:p>
             <a:r>
               <a:rPr lang="fr-FR" sz="2800" dirty="0" smtClean="0"/>
-              <a:t>Documentation</a:t>
+              <a:t>Outil de dimensionnement </a:t>
             </a:r>
           </a:p>
           <a:p>
             <a:pPr lvl="1"/>
             <a:r>
               <a:rPr lang="fr-FR" sz="2200" dirty="0" smtClean="0"/>
-              <a:t>Présenter le fonctionnement de l’outil de dimensionnement de chacun des simulateurs</a:t>
+              <a:t>Accepter des paramètres de dimensionnement usuels</a:t>
             </a:r>
           </a:p>
           <a:p>
             <a:pPr lvl="2"/>
             <a:r>
               <a:rPr lang="fr-FR" sz="2200" dirty="0" smtClean="0"/>
-              <a:t>Précision de l’information et convivialité (1 à 5)</a:t>
+              <a:t>Choix disponibles (1 à 5)</a:t>
             </a:r>
           </a:p>
           <a:p>
             <a:pPr lvl="1"/>
             <a:r>
               <a:rPr lang="fr-FR" sz="2400" dirty="0" smtClean="0"/>
-              <a:t>Présenter les modèles mathématiques utilisés dans chacun des simulateurs</a:t>
+              <a:t>Déterminer le nombre de composantes nécessaires dans les cellules de type NPC</a:t>
             </a:r>
           </a:p>
           <a:p>
             <a:pPr lvl="1"/>
             <a:r>
               <a:rPr lang="fr-FR" sz="2400" dirty="0" smtClean="0"/>
-              <a:t>Présenter l’utilisation de chacun des simulateurs</a:t>
+              <a:t>Déterminer les valeurs des condensateurs utilisés dans les cellules de type NPC</a:t>
+            </a:r>
+          </a:p>
+          <a:p>
+            <a:pPr lvl="1"/>
+            <a:r>
+              <a:rPr lang="fr-FR" sz="2400" dirty="0" smtClean="0"/>
+              <a:t>Déterminer les valeurs des inductances de découplage</a:t>
+            </a:r>
+          </a:p>
+          <a:p>
+            <a:pPr lvl="1"/>
+            <a:r>
+              <a:rPr lang="fr-FR" sz="2400" dirty="0" smtClean="0"/>
+              <a:t>Déterminer le nombre de cellules de type NPC nécessaire</a:t>
+            </a:r>
+          </a:p>
+          <a:p>
+            <a:pPr lvl="1"/>
+            <a:r>
+              <a:rPr lang="fr-FR" sz="2400" dirty="0" smtClean="0"/>
+              <a:t>Fournir les paramètres de modélisation utilisé par le simulateur</a:t>
             </a:r>
           </a:p>
           <a:p>
             <a:pPr lvl="2"/>
             <a:r>
               <a:rPr lang="fr-FR" sz="2200" dirty="0" smtClean="0"/>
-              <a:t>Précision de l’information et convivialité (1 à 5)</a:t>
-            </a:r>
-          </a:p>
-          <a:p>
-            <a:pPr lvl="1"/>
-            <a:r>
-              <a:rPr lang="fr-FR" sz="2400" dirty="0" smtClean="0"/>
-              <a:t>Présenter les procédures de validation croisées de chacun des simulateurs</a:t>
-            </a:r>
-          </a:p>
-          <a:p>
-            <a:pPr lvl="2"/>
-            <a:r>
-              <a:rPr lang="fr-FR" sz="2200" dirty="0" smtClean="0"/>
-              <a:t>Présentation de l’information et convivialité (1 à 5)</a:t>
+              <a:t>Convivialité et choix disponibles (1 à 5)</a:t>
             </a:r>
           </a:p>
         </p:txBody>
@@ -9005,7 +9023,7 @@
     </p:spTree>
     <p:extLst>
       <p:ext uri="{BB962C8B-B14F-4D97-AF65-F5344CB8AC3E}">
-        <p14:creationId xmlns:p14="http://schemas.microsoft.com/office/powerpoint/2010/main" val="2852438436"/>
+        <p14:creationId xmlns:p14="http://schemas.microsoft.com/office/powerpoint/2010/main" val="4073286745"/>
       </p:ext>
     </p:extLst>
   </p:cSld>
@@ -9034,6 +9052,147 @@
       </p:grpSpPr>
       <p:sp>
         <p:nvSpPr>
+          <p:cNvPr id="2" name="Title 1"/>
+          <p:cNvSpPr>
+            <a:spLocks noGrp="1"/>
+          </p:cNvSpPr>
+          <p:nvPr>
+            <p:ph type="title"/>
+          </p:nvPr>
+        </p:nvSpPr>
+        <p:spPr/>
+        <p:txBody>
+          <a:bodyPr>
+            <a:normAutofit fontScale="90000"/>
+          </a:bodyPr>
+          <a:lstStyle/>
+          <a:p>
+            <a:pPr algn="r"/>
+            <a:r>
+              <a:rPr lang="fr-CA" dirty="0" smtClean="0"/>
+              <a:t>Diagramme des propriétés fonctionnelles</a:t>
+            </a:r>
+            <a:br>
+              <a:rPr lang="fr-CA" dirty="0" smtClean="0"/>
+            </a:br>
+            <a:r>
+              <a:rPr lang="fr-CA" sz="1800" i="1" dirty="0" smtClean="0"/>
+              <a:t>*Version complète à la fin</a:t>
+            </a:r>
+            <a:endParaRPr lang="fr-CA" sz="1800" i="1" dirty="0"/>
+          </a:p>
+        </p:txBody>
+      </p:sp>
+      <p:sp>
+        <p:nvSpPr>
+          <p:cNvPr id="3" name="Content Placeholder 2"/>
+          <p:cNvSpPr>
+            <a:spLocks noGrp="1"/>
+          </p:cNvSpPr>
+          <p:nvPr>
+            <p:ph idx="1"/>
+          </p:nvPr>
+        </p:nvSpPr>
+        <p:spPr>
+          <a:xfrm>
+            <a:off x="618265" y="1835687"/>
+            <a:ext cx="10087805" cy="4810020"/>
+          </a:xfrm>
+        </p:spPr>
+        <p:txBody>
+          <a:bodyPr>
+            <a:normAutofit lnSpcReduction="10000"/>
+          </a:bodyPr>
+          <a:lstStyle/>
+          <a:p>
+            <a:r>
+              <a:rPr lang="fr-FR" sz="2800" dirty="0" smtClean="0"/>
+              <a:t>Documentation</a:t>
+            </a:r>
+          </a:p>
+          <a:p>
+            <a:pPr lvl="1"/>
+            <a:r>
+              <a:rPr lang="fr-FR" sz="2200" dirty="0" smtClean="0"/>
+              <a:t>Présenter le fonctionnement de l’outil de dimensionnement de chacun des simulateurs</a:t>
+            </a:r>
+          </a:p>
+          <a:p>
+            <a:pPr lvl="2"/>
+            <a:r>
+              <a:rPr lang="fr-FR" sz="2200" dirty="0" smtClean="0"/>
+              <a:t>Précision de l’information et convivialité (1 à 5)</a:t>
+            </a:r>
+          </a:p>
+          <a:p>
+            <a:pPr lvl="1"/>
+            <a:r>
+              <a:rPr lang="fr-FR" sz="2400" dirty="0" smtClean="0"/>
+              <a:t>Présenter les modèles mathématiques utilisés dans chacun des simulateurs</a:t>
+            </a:r>
+          </a:p>
+          <a:p>
+            <a:pPr lvl="1"/>
+            <a:r>
+              <a:rPr lang="fr-FR" sz="2400" dirty="0" smtClean="0"/>
+              <a:t>Présenter l’utilisation de chacun des simulateurs</a:t>
+            </a:r>
+          </a:p>
+          <a:p>
+            <a:pPr lvl="2"/>
+            <a:r>
+              <a:rPr lang="fr-FR" sz="2200" dirty="0" smtClean="0"/>
+              <a:t>Précision de l’information et convivialité (1 à 5)</a:t>
+            </a:r>
+          </a:p>
+          <a:p>
+            <a:pPr lvl="1"/>
+            <a:r>
+              <a:rPr lang="fr-FR" sz="2400" dirty="0" smtClean="0"/>
+              <a:t>Présenter les procédures de validation croisées de chacun des simulateurs</a:t>
+            </a:r>
+          </a:p>
+          <a:p>
+            <a:pPr lvl="2"/>
+            <a:r>
+              <a:rPr lang="fr-FR" sz="2200" dirty="0" smtClean="0"/>
+              <a:t>Présentation de l’information et convivialité (1 à 5)</a:t>
+            </a:r>
+          </a:p>
+        </p:txBody>
+      </p:sp>
+    </p:spTree>
+    <p:extLst>
+      <p:ext uri="{BB962C8B-B14F-4D97-AF65-F5344CB8AC3E}">
+        <p14:creationId xmlns:p14="http://schemas.microsoft.com/office/powerpoint/2010/main" val="2852438436"/>
+      </p:ext>
+    </p:extLst>
+  </p:cSld>
+  <p:clrMapOvr>
+    <a:masterClrMapping/>
+  </p:clrMapOvr>
+</p:sld>
+</file>
+
+<file path=ppt/slides/slide24.xml><?xml version="1.0" encoding="utf-8"?>
+<p:sld xmlns:a="http://schemas.openxmlformats.org/drawingml/2006/main" xmlns:r="http://schemas.openxmlformats.org/officeDocument/2006/relationships" xmlns:p="http://schemas.openxmlformats.org/presentationml/2006/main">
+  <p:cSld>
+    <p:spTree>
+      <p:nvGrpSpPr>
+        <p:cNvPr id="1" name=""/>
+        <p:cNvGrpSpPr/>
+        <p:nvPr/>
+      </p:nvGrpSpPr>
+      <p:grpSpPr>
+        <a:xfrm>
+          <a:off x="0" y="0"/>
+          <a:ext cx="0" cy="0"/>
+          <a:chOff x="0" y="0"/>
+          <a:chExt cx="0" cy="0"/>
+        </a:xfrm>
+      </p:grpSpPr>
+      <p:sp>
+        <p:nvSpPr>
           <p:cNvPr id="4" name="Title 3"/>
           <p:cNvSpPr>
             <a:spLocks noGrp="1"/>
@@ -9124,7 +9283,7 @@
 </p:sld>
 </file>
 
-<file path=ppt/slides/slide24.xml><?xml version="1.0" encoding="utf-8"?>
+<file path=ppt/slides/slide25.xml><?xml version="1.0" encoding="utf-8"?>
 <p:sld xmlns:a="http://schemas.openxmlformats.org/drawingml/2006/main" xmlns:r="http://schemas.openxmlformats.org/officeDocument/2006/relationships" xmlns:p="http://schemas.openxmlformats.org/presentationml/2006/main">
   <p:cSld>
     <p:spTree>
@@ -10022,7 +10181,7 @@
 </p:sld>
 </file>
 
-<file path=ppt/slides/slide25.xml><?xml version="1.0" encoding="utf-8"?>
+<file path=ppt/slides/slide26.xml><?xml version="1.0" encoding="utf-8"?>
 <p:sld xmlns:a="http://schemas.openxmlformats.org/drawingml/2006/main" xmlns:r="http://schemas.openxmlformats.org/officeDocument/2006/relationships" xmlns:p="http://schemas.openxmlformats.org/presentationml/2006/main">
   <p:cSld>
     <p:spTree>
@@ -10697,7 +10856,7 @@
 </p:sld>
 </file>
 
-<file path=ppt/slides/slide26.xml><?xml version="1.0" encoding="utf-8"?>
+<file path=ppt/slides/slide27.xml><?xml version="1.0" encoding="utf-8"?>
 <p:sld xmlns:a="http://schemas.openxmlformats.org/drawingml/2006/main" xmlns:r="http://schemas.openxmlformats.org/officeDocument/2006/relationships" xmlns:p="http://schemas.openxmlformats.org/presentationml/2006/main">
   <p:cSld>
     <p:spTree>
@@ -11940,6 +12099,90 @@
           <a:p>
             <a:r>
               <a:rPr lang="fr-FR" dirty="0" smtClean="0"/>
+              <a:t>Nouvelle alimentation du PS-Booster</a:t>
+            </a:r>
+            <a:endParaRPr lang="fr-FR" dirty="0"/>
+          </a:p>
+        </p:txBody>
+      </p:sp>
+      <p:pic>
+        <p:nvPicPr>
+          <p:cNvPr id="5" name="Picture 4"/>
+          <p:cNvPicPr>
+            <a:picLocks noChangeAspect="1"/>
+          </p:cNvPicPr>
+          <p:nvPr/>
+        </p:nvPicPr>
+        <p:blipFill>
+          <a:blip r:embed="rId2"/>
+          <a:stretch>
+            <a:fillRect/>
+          </a:stretch>
+        </p:blipFill>
+        <p:spPr>
+          <a:xfrm>
+            <a:off x="766762" y="1647824"/>
+            <a:ext cx="10592440" cy="4276725"/>
+          </a:xfrm>
+          <a:prstGeom prst="rect">
+            <a:avLst/>
+          </a:prstGeom>
+        </p:spPr>
+      </p:pic>
+    </p:spTree>
+    <p:extLst>
+      <p:ext uri="{BB962C8B-B14F-4D97-AF65-F5344CB8AC3E}">
+        <p14:creationId xmlns:p14="http://schemas.microsoft.com/office/powerpoint/2010/main" val="4162111412"/>
+      </p:ext>
+    </p:extLst>
+  </p:cSld>
+  <p:clrMapOvr>
+    <a:masterClrMapping/>
+  </p:clrMapOvr>
+  <p:timing>
+    <p:tnLst>
+      <p:par>
+        <p:cTn id="1" dur="indefinite" restart="never" nodeType="tmRoot"/>
+      </p:par>
+    </p:tnLst>
+  </p:timing>
+</p:sld>
+</file>
+
+<file path=ppt/slides/slide7.xml><?xml version="1.0" encoding="utf-8"?>
+<p:sld xmlns:a="http://schemas.openxmlformats.org/drawingml/2006/main" xmlns:r="http://schemas.openxmlformats.org/officeDocument/2006/relationships" xmlns:p="http://schemas.openxmlformats.org/presentationml/2006/main">
+  <p:cSld>
+    <p:spTree>
+      <p:nvGrpSpPr>
+        <p:cNvPr id="1" name=""/>
+        <p:cNvGrpSpPr/>
+        <p:nvPr/>
+      </p:nvGrpSpPr>
+      <p:grpSpPr>
+        <a:xfrm>
+          <a:off x="0" y="0"/>
+          <a:ext cx="0" cy="0"/>
+          <a:chOff x="0" y="0"/>
+          <a:chExt cx="0" cy="0"/>
+        </a:xfrm>
+      </p:grpSpPr>
+      <p:sp>
+        <p:nvSpPr>
+          <p:cNvPr id="3" name="Title 2"/>
+          <p:cNvSpPr>
+            <a:spLocks noGrp="1"/>
+          </p:cNvSpPr>
+          <p:nvPr>
+            <p:ph type="title"/>
+          </p:nvPr>
+        </p:nvSpPr>
+        <p:spPr/>
+        <p:txBody>
+          <a:bodyPr/>
+          <a:lstStyle/>
+          <a:p>
+            <a:r>
+              <a:rPr lang="fr-FR" dirty="0" smtClean="0"/>
               <a:t>Cellule NPC de base</a:t>
             </a:r>
             <a:endParaRPr lang="fr-FR" dirty="0"/>
@@ -12096,7 +12339,7 @@
 </p:sld>
 </file>
 
-<file path=ppt/slides/slide7.xml><?xml version="1.0" encoding="utf-8"?>
+<file path=ppt/slides/slide8.xml><?xml version="1.0" encoding="utf-8"?>
 <p:sld xmlns:a="http://schemas.openxmlformats.org/drawingml/2006/main" xmlns:r="http://schemas.openxmlformats.org/officeDocument/2006/relationships" xmlns:p="http://schemas.openxmlformats.org/presentationml/2006/main">
   <p:cSld>
     <p:spTree>
@@ -12258,7 +12501,7 @@
 </p:sld>
 </file>
 
-<file path=ppt/slides/slide8.xml><?xml version="1.0" encoding="utf-8"?>
+<file path=ppt/slides/slide9.xml><?xml version="1.0" encoding="utf-8"?>
 <p:sld xmlns:a="http://schemas.openxmlformats.org/drawingml/2006/main" xmlns:r="http://schemas.openxmlformats.org/officeDocument/2006/relationships" xmlns:p="http://schemas.openxmlformats.org/presentationml/2006/main">
   <p:cSld>
     <p:spTree>
@@ -12394,164 +12637,6 @@
     <p:extLst>
       <p:ext uri="{BB962C8B-B14F-4D97-AF65-F5344CB8AC3E}">
         <p14:creationId xmlns:p14="http://schemas.microsoft.com/office/powerpoint/2010/main" val="3388983205"/>
-      </p:ext>
-    </p:extLst>
-  </p:cSld>
-  <p:clrMapOvr>
-    <a:masterClrMapping/>
-  </p:clrMapOvr>
-  <p:timing>
-    <p:tnLst>
-      <p:par>
-        <p:cTn id="1" dur="indefinite" restart="never" nodeType="tmRoot"/>
-      </p:par>
-    </p:tnLst>
-  </p:timing>
-</p:sld>
-</file>
-
-<file path=ppt/slides/slide9.xml><?xml version="1.0" encoding="utf-8"?>
-<p:sld xmlns:a="http://schemas.openxmlformats.org/drawingml/2006/main" xmlns:r="http://schemas.openxmlformats.org/officeDocument/2006/relationships" xmlns:p="http://schemas.openxmlformats.org/presentationml/2006/main">
-  <p:cSld>
-    <p:spTree>
-      <p:nvGrpSpPr>
-        <p:cNvPr id="1" name=""/>
-        <p:cNvGrpSpPr/>
-        <p:nvPr/>
-      </p:nvGrpSpPr>
-      <p:grpSpPr>
-        <a:xfrm>
-          <a:off x="0" y="0"/>
-          <a:ext cx="0" cy="0"/>
-          <a:chOff x="0" y="0"/>
-          <a:chExt cx="0" cy="0"/>
-        </a:xfrm>
-      </p:grpSpPr>
-      <p:sp>
-        <p:nvSpPr>
-          <p:cNvPr id="16" name="Title 2"/>
-          <p:cNvSpPr>
-            <a:spLocks noGrp="1"/>
-          </p:cNvSpPr>
-          <p:nvPr>
-            <p:ph type="title"/>
-          </p:nvPr>
-        </p:nvSpPr>
-        <p:spPr/>
-        <p:txBody>
-          <a:bodyPr/>
-          <a:lstStyle/>
-          <a:p>
-            <a:r>
-              <a:rPr lang="fr-FR" dirty="0" smtClean="0"/>
-              <a:t>Convertisseur CC-CC 4 quadrants</a:t>
-            </a:r>
-            <a:endParaRPr lang="fr-FR" dirty="0"/>
-          </a:p>
-        </p:txBody>
-      </p:sp>
-      <p:sp>
-        <p:nvSpPr>
-          <p:cNvPr id="19" name="Content Placeholder 18"/>
-          <p:cNvSpPr>
-            <a:spLocks noGrp="1"/>
-          </p:cNvSpPr>
-          <p:nvPr>
-            <p:ph idx="1"/>
-          </p:nvPr>
-        </p:nvSpPr>
-        <p:spPr>
-          <a:xfrm>
-            <a:off x="5936355" y="1270566"/>
-            <a:ext cx="5578050" cy="5487551"/>
-          </a:xfrm>
-        </p:spPr>
-        <p:txBody>
-          <a:bodyPr>
-            <a:normAutofit lnSpcReduction="10000"/>
-          </a:bodyPr>
-          <a:lstStyle/>
-          <a:p>
-            <a:r>
-              <a:rPr lang="fr-CA" dirty="0" smtClean="0"/>
-              <a:t>La figure de gauche présente une impulsion envoyée aux électroaimants</a:t>
-            </a:r>
-          </a:p>
-          <a:p>
-            <a:r>
-              <a:rPr lang="fr-CA" dirty="0" smtClean="0"/>
-              <a:t>La courbe rouge présente le courant dans l’électroaimant contrôlée par le convertisseur CC-CC 4 quadrants.</a:t>
-            </a:r>
-          </a:p>
-          <a:p>
-            <a:pPr lvl="1"/>
-            <a:r>
-              <a:rPr lang="fr-CA" dirty="0" smtClean="0"/>
-              <a:t>On remarque que le courant est strictement positif</a:t>
-            </a:r>
-          </a:p>
-          <a:p>
-            <a:r>
-              <a:rPr lang="fr-CA" dirty="0" smtClean="0"/>
-              <a:t>La courbe verte foncée représente la tension aux bornes de l’aimant</a:t>
-            </a:r>
-          </a:p>
-          <a:p>
-            <a:pPr lvl="1"/>
-            <a:r>
-              <a:rPr lang="fr-CA" dirty="0" smtClean="0"/>
-              <a:t>On remarque que l’aimant absorbe de la puissance pendant la phase de montée du courant et réinjecte de la puissance dans le condensateur lors de la phase de descente du courant.</a:t>
-            </a:r>
-          </a:p>
-          <a:p>
-            <a:r>
-              <a:rPr lang="fr-CA" dirty="0" smtClean="0"/>
-              <a:t>La courbe verte pâle représente la tension aux bornes du condensateur</a:t>
-            </a:r>
-          </a:p>
-          <a:p>
-            <a:pPr lvl="1"/>
-            <a:r>
-              <a:rPr lang="fr-CA" dirty="0" smtClean="0"/>
-              <a:t>Quand le réseau ne suffit plus à fournir la puissance, le condensateur se décharge afin de fournir la puissance excédentaire</a:t>
-            </a:r>
-          </a:p>
-        </p:txBody>
-      </p:sp>
-      <p:pic>
-        <p:nvPicPr>
-          <p:cNvPr id="3" name="Picture 2" descr="Screen Shot 2014-01-27 at 10.22.04 AM.png"/>
-          <p:cNvPicPr>
-            <a:picLocks noChangeAspect="1"/>
-          </p:cNvPicPr>
-          <p:nvPr/>
-        </p:nvPicPr>
-        <p:blipFill>
-          <a:blip r:embed="rId2">
-            <a:extLst>
-              <a:ext uri="{28A0092B-C50C-407E-A947-70E740481C1C}">
-                <a14:useLocalDpi xmlns:a14="http://schemas.microsoft.com/office/drawing/2010/main" val="0"/>
-              </a:ext>
-            </a:extLst>
-          </a:blip>
-          <a:stretch>
-            <a:fillRect/>
-          </a:stretch>
-        </p:blipFill>
-        <p:spPr>
-          <a:xfrm>
-            <a:off x="413832" y="1411450"/>
-            <a:ext cx="5281063" cy="4395207"/>
-          </a:xfrm>
-          <a:prstGeom prst="rect">
-            <a:avLst/>
-          </a:prstGeom>
-        </p:spPr>
-      </p:pic>
-    </p:spTree>
-    <p:extLst>
-      <p:ext uri="{BB962C8B-B14F-4D97-AF65-F5344CB8AC3E}">
-        <p14:creationId xmlns:p14="http://schemas.microsoft.com/office/powerpoint/2010/main" val="237693898"/>
       </p:ext>
     </p:extLst>
   </p:cSld>

--- a/Remise/Remise 1/Presentation_Remise_1.pptx
+++ b/Remise/Remise 1/Presentation_Remise_1.pptx
@@ -16,22 +16,23 @@
     <p:sldId id="280" r:id="rId10"/>
     <p:sldId id="281" r:id="rId11"/>
     <p:sldId id="259" r:id="rId12"/>
-    <p:sldId id="257" r:id="rId13"/>
-    <p:sldId id="260" r:id="rId14"/>
-    <p:sldId id="261" r:id="rId15"/>
-    <p:sldId id="262" r:id="rId16"/>
-    <p:sldId id="263" r:id="rId17"/>
-    <p:sldId id="282" r:id="rId18"/>
-    <p:sldId id="283" r:id="rId19"/>
-    <p:sldId id="266" r:id="rId20"/>
-    <p:sldId id="267" r:id="rId21"/>
-    <p:sldId id="271" r:id="rId22"/>
-    <p:sldId id="272" r:id="rId23"/>
-    <p:sldId id="273" r:id="rId24"/>
-    <p:sldId id="274" r:id="rId25"/>
-    <p:sldId id="268" r:id="rId26"/>
-    <p:sldId id="269" r:id="rId27"/>
-    <p:sldId id="270" r:id="rId28"/>
+    <p:sldId id="285" r:id="rId13"/>
+    <p:sldId id="257" r:id="rId14"/>
+    <p:sldId id="260" r:id="rId15"/>
+    <p:sldId id="261" r:id="rId16"/>
+    <p:sldId id="262" r:id="rId17"/>
+    <p:sldId id="263" r:id="rId18"/>
+    <p:sldId id="282" r:id="rId19"/>
+    <p:sldId id="283" r:id="rId20"/>
+    <p:sldId id="266" r:id="rId21"/>
+    <p:sldId id="267" r:id="rId22"/>
+    <p:sldId id="271" r:id="rId23"/>
+    <p:sldId id="272" r:id="rId24"/>
+    <p:sldId id="273" r:id="rId25"/>
+    <p:sldId id="274" r:id="rId26"/>
+    <p:sldId id="268" r:id="rId27"/>
+    <p:sldId id="269" r:id="rId28"/>
+    <p:sldId id="270" r:id="rId29"/>
   </p:sldIdLst>
   <p:sldSz cx="12192000" cy="6858000"/>
   <p:notesSz cx="6858000" cy="9144000"/>
@@ -6815,28 +6816,21 @@
             <p:ph idx="1"/>
           </p:nvPr>
         </p:nvSpPr>
-        <p:spPr/>
+        <p:spPr>
+          <a:xfrm>
+            <a:off x="677334" y="1360489"/>
+            <a:ext cx="8596668" cy="5173661"/>
+          </a:xfrm>
+        </p:spPr>
         <p:txBody>
           <a:bodyPr>
-            <a:normAutofit/>
+            <a:normAutofit lnSpcReduction="10000"/>
           </a:bodyPr>
           <a:lstStyle/>
           <a:p>
             <a:r>
-              <a:rPr lang="fr-CA" dirty="0"/>
-              <a:t>Livrer </a:t>
-            </a:r>
-            <a:r>
               <a:rPr lang="fr-CA" dirty="0" smtClean="0"/>
-              <a:t>3 outils </a:t>
-            </a:r>
-            <a:r>
-              <a:rPr lang="fr-CA" dirty="0"/>
-              <a:t>de </a:t>
-            </a:r>
-            <a:r>
-              <a:rPr lang="fr-CA" dirty="0" smtClean="0"/>
-              <a:t>dimensionnement</a:t>
+              <a:t>Livrer 3 outils de dimensionnement</a:t>
             </a:r>
           </a:p>
           <a:p>
@@ -6860,46 +6854,78 @@
             </a:r>
           </a:p>
           <a:p>
+            <a:pPr lvl="1"/>
+            <a:r>
+              <a:rPr lang="fr-CA" dirty="0" smtClean="0"/>
+              <a:t>Vont valider que la conception choisie est fonctionnelle</a:t>
+            </a:r>
+          </a:p>
+          <a:p>
+            <a:pPr lvl="1"/>
+            <a:r>
+              <a:rPr lang="fr-CA" dirty="0" smtClean="0"/>
+              <a:t>Vont comparer différents param</a:t>
+            </a:r>
+            <a:r>
+              <a:rPr lang="fr-CA" dirty="0" smtClean="0"/>
+              <a:t>ètres de dimensionnement</a:t>
+            </a:r>
+            <a:endParaRPr lang="fr-CA" dirty="0" smtClean="0"/>
+          </a:p>
+          <a:p>
             <a:pPr marL="742950" lvl="2" indent="-342900"/>
             <a:r>
-              <a:rPr lang="fr-CA" dirty="0" err="1"/>
-              <a:t>Matlab</a:t>
+              <a:rPr lang="fr-CA" dirty="0" smtClean="0"/>
+              <a:t>Matlab (Simulink)</a:t>
+            </a:r>
+          </a:p>
+          <a:p>
+            <a:pPr marL="1200150" lvl="3" indent="-342900"/>
+            <a:r>
+              <a:rPr lang="fr-CA" dirty="0" smtClean="0"/>
+              <a:t>Outil de simulation générique. Permet de simuler tout type de circuits, toutefois ce côté générique cause des temps de simulation beaucoup plus long pour une même précision comparé à des simulateurs spécifique. Problématique au niveau des variations rapides.</a:t>
+            </a:r>
+          </a:p>
+          <a:p>
+            <a:pPr marL="742950" lvl="2" indent="-342900"/>
+            <a:r>
+              <a:rPr lang="fr-CA" dirty="0" err="1" smtClean="0"/>
+              <a:t>Opal</a:t>
+            </a:r>
+            <a:r>
+              <a:rPr lang="fr-CA" dirty="0" smtClean="0"/>
+              <a:t>-RT</a:t>
+            </a:r>
+          </a:p>
+          <a:p>
+            <a:pPr marL="1200150" lvl="3" indent="-342900"/>
+            <a:r>
+              <a:rPr lang="fr-CA" dirty="0" smtClean="0"/>
+              <a:t>Simulateur en temps-réel, permet une comparaison directe avec le procédé implanté. Meilleur pour </a:t>
             </a:r>
             <a:r>
               <a:rPr lang="fr-CA" dirty="0"/>
-              <a:t> (Simulink), </a:t>
-            </a:r>
-            <a:r>
-              <a:rPr lang="fr-CA" dirty="0" err="1"/>
-              <a:t>Opal</a:t>
-            </a:r>
-            <a:r>
-              <a:rPr lang="fr-CA" dirty="0"/>
-              <a:t>-RT, </a:t>
-            </a:r>
+              <a:t>l</a:t>
+            </a:r>
+            <a:r>
+              <a:rPr lang="fr-CA" dirty="0" smtClean="0"/>
+              <a:t>es tests d’intégration (Pas de simulation : &gt; 10 µs dans le cas du HYPERSIM). Permet de réaliser une simulation en temps-réel à partir d’un fichier de simulation Matlab.</a:t>
+            </a:r>
+          </a:p>
+          <a:p>
+            <a:pPr marL="742950" lvl="2" indent="-342900"/>
             <a:r>
               <a:rPr lang="fr-CA" dirty="0" smtClean="0"/>
               <a:t>PSIM</a:t>
             </a:r>
           </a:p>
           <a:p>
+            <a:pPr marL="1200150" lvl="3" indent="-342900"/>
             <a:r>
               <a:rPr lang="fr-CA" dirty="0" smtClean="0"/>
-              <a:t>Documenter le fonctionnement des outils de dimensionnement et de simulation</a:t>
-            </a:r>
-          </a:p>
-          <a:p>
-            <a:pPr lvl="1"/>
-            <a:r>
-              <a:rPr lang="fr-CA" dirty="0" smtClean="0"/>
-              <a:t>Présenter des exemples d’utilisation</a:t>
-            </a:r>
-          </a:p>
-          <a:p>
-            <a:r>
-              <a:rPr lang="fr-CA" dirty="0" smtClean="0"/>
-              <a:t>Implanter une validation croisée des 3 simulateurs</a:t>
-            </a:r>
+              <a:t>PSIM est spécialement conçu pour les circuit d’électronique de puissance et des contrôle de moteur tandis que les simulateurs génériques sont conçu pour les circuit électrique de base. Ceci permet une meilleure rapidité et une meilleure précision. </a:t>
+            </a:r>
+            <a:endParaRPr lang="fr-CA" dirty="0" smtClean="0"/>
           </a:p>
         </p:txBody>
       </p:sp>
@@ -6956,14 +6982,10 @@
           <a:lstStyle/>
           <a:p>
             <a:r>
-              <a:rPr lang="en-US" dirty="0" err="1" smtClean="0"/>
-              <a:t>Exigences</a:t>
-            </a:r>
-            <a:r>
-              <a:rPr lang="en-US" dirty="0" smtClean="0"/>
-              <a:t> du client (1/2)</a:t>
-            </a:r>
-            <a:endParaRPr lang="en-US" dirty="0"/>
+              <a:rPr lang="fr-CA" dirty="0" smtClean="0"/>
+              <a:t>Objectifs</a:t>
+            </a:r>
+            <a:endParaRPr lang="fr-CA" dirty="0"/>
           </a:p>
         </p:txBody>
       </p:sp>
@@ -6979,8 +7001,8 @@
         </p:nvSpPr>
         <p:spPr>
           <a:xfrm>
-            <a:off x="677334" y="1801726"/>
-            <a:ext cx="10811388" cy="5419942"/>
+            <a:off x="677334" y="1360489"/>
+            <a:ext cx="8596668" cy="5173661"/>
           </a:xfrm>
         </p:spPr>
         <p:txBody>
@@ -6990,52 +7012,63 @@
           <a:lstStyle/>
           <a:p>
             <a:r>
-              <a:rPr lang="fr-FR" sz="2000" dirty="0"/>
-              <a:t>Modéliser une cellule de base d'un onduleur triphasé à 3 niveaux de type NPC</a:t>
-            </a:r>
-          </a:p>
-          <a:p>
-            <a:r>
-              <a:rPr lang="fr-FR" sz="2000" dirty="0"/>
-              <a:t>Modéliser la commande dans le cas de l'onduleur de type AFE.</a:t>
-            </a:r>
-          </a:p>
-          <a:p>
-            <a:r>
-              <a:rPr lang="fr-FR" sz="2000" dirty="0"/>
-              <a:t>Implanter le modèle de la configuration de base d'un onduleur triphasé à 3 niveaux NPC dans un simulateur</a:t>
-            </a:r>
-          </a:p>
-          <a:p>
-            <a:r>
-              <a:rPr lang="fr-FR" sz="2000" dirty="0"/>
-              <a:t>Implanter le modèle de la commande dans le cas de l'onduleur de type AFE dans un simulateur</a:t>
-            </a:r>
-          </a:p>
-          <a:p>
-            <a:r>
-              <a:rPr lang="fr-FR" sz="2000" dirty="0"/>
-              <a:t>Fournir un outil de </a:t>
-            </a:r>
-            <a:r>
-              <a:rPr lang="fr-FR" sz="2000" dirty="0" smtClean="0"/>
-              <a:t>dimensionnement </a:t>
-            </a:r>
-            <a:r>
-              <a:rPr lang="fr-FR" sz="2000" dirty="0"/>
-              <a:t>pour l'onduleur de type AFE</a:t>
-            </a:r>
-          </a:p>
-          <a:p>
-            <a:r>
-              <a:rPr lang="fr-FR" sz="2000" dirty="0"/>
-              <a:t>Modéliser un convertisseur CC-CC à 4 quadrants à l'aide de plusieurs cellules de type onduleur NPC</a:t>
-            </a:r>
-          </a:p>
-          <a:p>
-            <a:r>
-              <a:rPr lang="fr-FR" sz="2000" dirty="0"/>
-              <a:t>Modéliser la commande d'un convertisseur CC-CC à 4 quadrants </a:t>
+              <a:rPr lang="fr-CA" dirty="0"/>
+              <a:t>Documenter le fonctionnement des outils de dimensionnement et de simulation</a:t>
+            </a:r>
+          </a:p>
+          <a:p>
+            <a:pPr lvl="1"/>
+            <a:r>
+              <a:rPr lang="fr-CA" dirty="0"/>
+              <a:t>Présenter des exemples d’utilisation</a:t>
+            </a:r>
+          </a:p>
+          <a:p>
+            <a:r>
+              <a:rPr lang="fr-CA" dirty="0"/>
+              <a:t>Implanter une validation croisée des 3 simulateurs</a:t>
+            </a:r>
+          </a:p>
+          <a:p>
+            <a:pPr lvl="1"/>
+            <a:r>
+              <a:rPr lang="fr-CA" dirty="0"/>
+              <a:t>Permet de compenser les faiblesses de chacun des simulateurs</a:t>
+            </a:r>
+          </a:p>
+          <a:p>
+            <a:pPr lvl="1"/>
+            <a:r>
+              <a:rPr lang="fr-CA" dirty="0"/>
+              <a:t>Simulateur Temps-Réel : </a:t>
+            </a:r>
+          </a:p>
+          <a:p>
+            <a:pPr lvl="2"/>
+            <a:r>
+              <a:rPr lang="fr-CA" dirty="0"/>
+              <a:t>Comparaison avec le procédé réel du fait de sa structure de simulation</a:t>
+            </a:r>
+          </a:p>
+          <a:p>
+            <a:pPr lvl="1"/>
+            <a:r>
+              <a:rPr lang="fr-CA" dirty="0"/>
+              <a:t>Simulateur hors-ligne (Simulink, PSIM):</a:t>
+            </a:r>
+          </a:p>
+          <a:p>
+            <a:pPr lvl="2"/>
+            <a:r>
+              <a:rPr lang="fr-CA" dirty="0"/>
+              <a:t>Permet de valider les modèles mathématiques utilisés dans la conception de l’alimentation</a:t>
+            </a:r>
+          </a:p>
+          <a:p>
+            <a:pPr lvl="1"/>
+            <a:r>
+              <a:rPr lang="fr-CA" dirty="0"/>
+              <a:t>Possibilité de différences marquée entre les deux types de simulateurs </a:t>
             </a:r>
           </a:p>
         </p:txBody>
@@ -7043,7 +7076,7 @@
     </p:spTree>
     <p:extLst>
       <p:ext uri="{BB962C8B-B14F-4D97-AF65-F5344CB8AC3E}">
-        <p14:creationId xmlns:p14="http://schemas.microsoft.com/office/powerpoint/2010/main" val="3082063891"/>
+        <p14:creationId xmlns:p14="http://schemas.microsoft.com/office/powerpoint/2010/main" val="758750277"/>
       </p:ext>
     </p:extLst>
   </p:cSld>
@@ -7098,7 +7131,7 @@
             </a:r>
             <a:r>
               <a:rPr lang="en-US" dirty="0" smtClean="0"/>
-              <a:t> du client (2/2)</a:t>
+              <a:t> du client (1/2)</a:t>
             </a:r>
             <a:endParaRPr lang="en-US" dirty="0"/>
           </a:p>
@@ -7116,8 +7149,8 @@
         </p:nvSpPr>
         <p:spPr>
           <a:xfrm>
-            <a:off x="677333" y="1683575"/>
-            <a:ext cx="9378989" cy="4932595"/>
+            <a:off x="677334" y="1801726"/>
+            <a:ext cx="10811388" cy="5419942"/>
           </a:xfrm>
         </p:spPr>
         <p:txBody>
@@ -7128,13 +7161,25 @@
           <a:p>
             <a:r>
               <a:rPr lang="fr-FR" sz="2000" dirty="0"/>
-              <a:t>Implanter le modèle d'un convertisseur CC-CC à 4 quadrants à l'aide de plusieurs cellules de type onduleur NPC avec des inductances de découplage dans un simulateur</a:t>
+              <a:t>Modéliser une cellule de base d'un onduleur triphasé à 3 niveaux de type NPC</a:t>
             </a:r>
           </a:p>
           <a:p>
             <a:r>
               <a:rPr lang="fr-FR" sz="2000" dirty="0"/>
-              <a:t>Implanter le modèle de la commande d'un convertisseur CC-CC à 4 quadrants alimentant la charge spécifiée dans un simulateur</a:t>
+              <a:t>Modéliser la commande dans le cas de l'onduleur de type AFE.</a:t>
+            </a:r>
+          </a:p>
+          <a:p>
+            <a:r>
+              <a:rPr lang="fr-FR" sz="2000" dirty="0"/>
+              <a:t>Implanter le modèle de la configuration de base d'un onduleur triphasé à 3 niveaux NPC dans un simulateur</a:t>
+            </a:r>
+          </a:p>
+          <a:p>
+            <a:r>
+              <a:rPr lang="fr-FR" sz="2000" dirty="0"/>
+              <a:t>Implanter le modèle de la commande dans le cas de l'onduleur de type AFE dans un simulateur</a:t>
             </a:r>
           </a:p>
           <a:p>
@@ -7148,59 +7193,40 @@
             </a:r>
             <a:r>
               <a:rPr lang="fr-FR" sz="2000" dirty="0"/>
-              <a:t>pour le convertisseur CC-CC  à 4 quadrants</a:t>
+              <a:t>pour l'onduleur de type AFE</a:t>
             </a:r>
           </a:p>
           <a:p>
             <a:r>
               <a:rPr lang="fr-FR" sz="2000" dirty="0"/>
-              <a:t>Implanter le modèle complet de l'alimentation du Booster</a:t>
+              <a:t>Modéliser un convertisseur CC-CC à 4 quadrants à l'aide de plusieurs cellules de type onduleur NPC</a:t>
             </a:r>
           </a:p>
           <a:p>
             <a:r>
               <a:rPr lang="fr-FR" sz="2000" dirty="0"/>
-              <a:t>Effectuer la validation croisée des configurations implantées à l'aide de 3 simulateurs (PSIM, </a:t>
-            </a:r>
-            <a:r>
-              <a:rPr lang="fr-FR" sz="2000" dirty="0" err="1"/>
-              <a:t>SimPowerSystems</a:t>
-            </a:r>
-            <a:r>
-              <a:rPr lang="fr-FR" sz="2000" dirty="0"/>
-              <a:t>, </a:t>
-            </a:r>
-            <a:r>
-              <a:rPr lang="fr-FR" sz="2000" dirty="0" err="1"/>
-              <a:t>Opal</a:t>
-            </a:r>
-            <a:r>
-              <a:rPr lang="fr-FR" sz="2000" dirty="0"/>
-              <a:t>-RT)</a:t>
-            </a:r>
-          </a:p>
-          <a:p>
-            <a:r>
-              <a:rPr lang="fr-FR" sz="2000" dirty="0"/>
-              <a:t>Livrer une documentation pédagogique pour les divers outils de dimensionnement et de simulation</a:t>
-            </a:r>
-            <a:endParaRPr lang="en-US" sz="2000" dirty="0"/>
-          </a:p>
-          <a:p>
-            <a:endParaRPr lang="en-US" sz="1600" dirty="0"/>
+              <a:t>Modéliser la commande d'un convertisseur CC-CC à 4 quadrants </a:t>
+            </a:r>
           </a:p>
         </p:txBody>
       </p:sp>
     </p:spTree>
     <p:extLst>
       <p:ext uri="{BB962C8B-B14F-4D97-AF65-F5344CB8AC3E}">
-        <p14:creationId xmlns:p14="http://schemas.microsoft.com/office/powerpoint/2010/main" val="2996529324"/>
+        <p14:creationId xmlns:p14="http://schemas.microsoft.com/office/powerpoint/2010/main" val="3082063891"/>
       </p:ext>
     </p:extLst>
   </p:cSld>
   <p:clrMapOvr>
     <a:masterClrMapping/>
   </p:clrMapOvr>
+  <p:timing>
+    <p:tnLst>
+      <p:par>
+        <p:cTn id="1" dur="indefinite" restart="never" nodeType="tmRoot"/>
+      </p:par>
+    </p:tnLst>
+  </p:timing>
 </p:sld>
 </file>
 
@@ -7238,19 +7264,11 @@
           <a:p>
             <a:r>
               <a:rPr lang="en-US" dirty="0" err="1" smtClean="0"/>
-              <a:t>Méthodologie</a:t>
+              <a:t>Exigences</a:t>
             </a:r>
             <a:r>
               <a:rPr lang="en-US" dirty="0" smtClean="0"/>
-              <a:t> </a:t>
-            </a:r>
-            <a:r>
-              <a:rPr lang="en-US" dirty="0" err="1" smtClean="0"/>
-              <a:t>planifiée</a:t>
-            </a:r>
-            <a:r>
-              <a:rPr lang="en-US" dirty="0" smtClean="0"/>
-              <a:t> (1/3)</a:t>
+              <a:t> du client (2/2)</a:t>
             </a:r>
             <a:endParaRPr lang="en-US" dirty="0"/>
           </a:p>
@@ -7266,125 +7284,87 @@
             <p:ph idx="1"/>
           </p:nvPr>
         </p:nvSpPr>
-        <p:spPr/>
+        <p:spPr>
+          <a:xfrm>
+            <a:off x="677333" y="1683575"/>
+            <a:ext cx="9378989" cy="4932595"/>
+          </a:xfrm>
+        </p:spPr>
         <p:txBody>
           <a:bodyPr>
-            <a:normAutofit fontScale="92500" lnSpcReduction="10000"/>
+            <a:normAutofit/>
           </a:bodyPr>
           <a:lstStyle/>
           <a:p>
-            <a:pPr marL="0" indent="0">
-              <a:buNone/>
-            </a:pPr>
-            <a:r>
-              <a:rPr lang="en-US" sz="2800" dirty="0" err="1" smtClean="0"/>
-              <a:t>Gestion</a:t>
-            </a:r>
-            <a:endParaRPr lang="en-US" sz="2800" dirty="0" smtClean="0"/>
-          </a:p>
-          <a:p>
-            <a:r>
-              <a:rPr lang="en-US" dirty="0" err="1" smtClean="0"/>
-              <a:t>Réunions</a:t>
-            </a:r>
-            <a:r>
-              <a:rPr lang="en-US" dirty="0" smtClean="0"/>
-              <a:t> </a:t>
-            </a:r>
-            <a:r>
-              <a:rPr lang="en-US" dirty="0" err="1" smtClean="0"/>
-              <a:t>hebdomadaires</a:t>
-            </a:r>
-            <a:endParaRPr lang="en-US" dirty="0"/>
-          </a:p>
-          <a:p>
-            <a:r>
-              <a:rPr lang="fr-FR" dirty="0"/>
-              <a:t>T</a:t>
-            </a:r>
-            <a:r>
-              <a:rPr lang="fr-FR" dirty="0" smtClean="0"/>
-              <a:t>âches de chacun des membres sont tenues à jour au moyen d’un fichier </a:t>
-            </a:r>
-            <a:r>
-              <a:rPr lang="fr-FR" dirty="0" err="1" smtClean="0"/>
-              <a:t>excel</a:t>
-            </a:r>
-            <a:r>
-              <a:rPr lang="fr-FR" dirty="0" smtClean="0"/>
-              <a:t> de gestion hebdomadaire</a:t>
-            </a:r>
-          </a:p>
-          <a:p>
-            <a:pPr lvl="1"/>
-            <a:r>
-              <a:rPr lang="fr-FR" dirty="0" smtClean="0"/>
-              <a:t>Gain en souplesse et en efficacité de gestion</a:t>
-            </a:r>
-          </a:p>
-          <a:p>
-            <a:pPr lvl="1"/>
-            <a:r>
-              <a:rPr lang="fr-FR" dirty="0" smtClean="0"/>
-              <a:t>Adapté pour la taille de l’équipe</a:t>
-            </a:r>
-          </a:p>
-          <a:p>
-            <a:pPr lvl="1"/>
-            <a:r>
-              <a:rPr lang="fr-FR" dirty="0" smtClean="0"/>
-              <a:t>Maximise l’efficacité des réunions</a:t>
-            </a:r>
-          </a:p>
-          <a:p>
-            <a:r>
-              <a:rPr lang="fr-FR" dirty="0" smtClean="0"/>
-              <a:t>Mise à jour de révision et suivi effectué au moyen de la plateforme </a:t>
-            </a:r>
-            <a:r>
-              <a:rPr lang="fr-FR" dirty="0" err="1" smtClean="0"/>
-              <a:t>GitHub</a:t>
-            </a:r>
-            <a:endParaRPr lang="fr-FR" dirty="0" smtClean="0"/>
-          </a:p>
-          <a:p>
-            <a:pPr lvl="1"/>
-            <a:r>
-              <a:rPr lang="fr-FR" dirty="0" smtClean="0"/>
-              <a:t>Données sécurisées sur un serveur privé</a:t>
-            </a:r>
-          </a:p>
-          <a:p>
-            <a:pPr lvl="1"/>
-            <a:r>
-              <a:rPr lang="fr-FR" dirty="0" smtClean="0"/>
-              <a:t>Permet le travail collaboratif</a:t>
-            </a:r>
-          </a:p>
-          <a:p>
-            <a:pPr lvl="1"/>
-            <a:r>
-              <a:rPr lang="fr-FR" dirty="0" err="1" smtClean="0"/>
-              <a:t>Multi-plateforme</a:t>
-            </a:r>
-            <a:endParaRPr lang="fr-FR" dirty="0" smtClean="0"/>
-          </a:p>
-          <a:p>
-            <a:pPr lvl="1"/>
-            <a:endParaRPr lang="fr-FR" dirty="0" smtClean="0"/>
-          </a:p>
-          <a:p>
-            <a:pPr marL="457200" lvl="1" indent="0">
-              <a:buNone/>
-            </a:pPr>
-            <a:endParaRPr lang="en-US" dirty="0" smtClean="0"/>
+            <a:r>
+              <a:rPr lang="fr-FR" sz="2000" dirty="0"/>
+              <a:t>Implanter le modèle d'un convertisseur CC-CC à 4 quadrants à l'aide de plusieurs cellules de type onduleur NPC avec des inductances de découplage dans un simulateur</a:t>
+            </a:r>
+          </a:p>
+          <a:p>
+            <a:r>
+              <a:rPr lang="fr-FR" sz="2000" dirty="0"/>
+              <a:t>Implanter le modèle de la commande d'un convertisseur CC-CC à 4 quadrants alimentant la charge spécifiée dans un simulateur</a:t>
+            </a:r>
+          </a:p>
+          <a:p>
+            <a:r>
+              <a:rPr lang="fr-FR" sz="2000" dirty="0"/>
+              <a:t>Fournir un outil de </a:t>
+            </a:r>
+            <a:r>
+              <a:rPr lang="fr-FR" sz="2000" dirty="0" smtClean="0"/>
+              <a:t>dimensionnement </a:t>
+            </a:r>
+            <a:r>
+              <a:rPr lang="fr-FR" sz="2000" dirty="0"/>
+              <a:t>pour le convertisseur CC-CC  à 4 quadrants</a:t>
+            </a:r>
+          </a:p>
+          <a:p>
+            <a:r>
+              <a:rPr lang="fr-FR" sz="2000" dirty="0"/>
+              <a:t>Implanter le modèle complet de l'alimentation du Booster</a:t>
+            </a:r>
+          </a:p>
+          <a:p>
+            <a:r>
+              <a:rPr lang="fr-FR" sz="2000" dirty="0"/>
+              <a:t>Effectuer la validation croisée des configurations implantées à l'aide de 3 simulateurs (PSIM, </a:t>
+            </a:r>
+            <a:r>
+              <a:rPr lang="fr-FR" sz="2000" dirty="0" err="1"/>
+              <a:t>SimPowerSystems</a:t>
+            </a:r>
+            <a:r>
+              <a:rPr lang="fr-FR" sz="2000" dirty="0"/>
+              <a:t>, </a:t>
+            </a:r>
+            <a:r>
+              <a:rPr lang="fr-FR" sz="2000" dirty="0" err="1"/>
+              <a:t>Opal</a:t>
+            </a:r>
+            <a:r>
+              <a:rPr lang="fr-FR" sz="2000" dirty="0"/>
+              <a:t>-RT)</a:t>
+            </a:r>
+          </a:p>
+          <a:p>
+            <a:r>
+              <a:rPr lang="fr-FR" sz="2000" dirty="0"/>
+              <a:t>Livrer une documentation pédagogique pour les divers outils de dimensionnement et de simulation</a:t>
+            </a:r>
+            <a:endParaRPr lang="en-US" sz="2000" dirty="0"/>
+          </a:p>
+          <a:p>
+            <a:endParaRPr lang="en-US" sz="1600" dirty="0"/>
           </a:p>
         </p:txBody>
       </p:sp>
     </p:spTree>
     <p:extLst>
       <p:ext uri="{BB962C8B-B14F-4D97-AF65-F5344CB8AC3E}">
-        <p14:creationId xmlns:p14="http://schemas.microsoft.com/office/powerpoint/2010/main" val="483988721"/>
+        <p14:creationId xmlns:p14="http://schemas.microsoft.com/office/powerpoint/2010/main" val="2996529324"/>
       </p:ext>
     </p:extLst>
   </p:cSld>
@@ -7413,7 +7393,7 @@
       </p:grpSpPr>
       <p:sp>
         <p:nvSpPr>
-          <p:cNvPr id="4" name="Title 3"/>
+          <p:cNvPr id="2" name="Title 1"/>
           <p:cNvSpPr>
             <a:spLocks noGrp="1"/>
           </p:cNvSpPr>
@@ -7427,16 +7407,28 @@
           <a:lstStyle/>
           <a:p>
             <a:r>
-              <a:rPr lang="fr-FR" dirty="0" smtClean="0"/>
-              <a:t>Méthodologie planifiée (2/3)</a:t>
-            </a:r>
-            <a:endParaRPr lang="fr-FR" dirty="0"/>
-          </a:p>
-        </p:txBody>
-      </p:sp>
-      <p:sp>
-        <p:nvSpPr>
-          <p:cNvPr id="5" name="Content Placeholder 4"/>
+              <a:rPr lang="en-US" dirty="0" err="1" smtClean="0"/>
+              <a:t>Méthodologie</a:t>
+            </a:r>
+            <a:r>
+              <a:rPr lang="en-US" dirty="0" smtClean="0"/>
+              <a:t> </a:t>
+            </a:r>
+            <a:r>
+              <a:rPr lang="en-US" dirty="0" err="1" smtClean="0"/>
+              <a:t>planifiée</a:t>
+            </a:r>
+            <a:r>
+              <a:rPr lang="en-US" dirty="0" smtClean="0"/>
+              <a:t> (1/3)</a:t>
+            </a:r>
+            <a:endParaRPr lang="en-US" dirty="0"/>
+          </a:p>
+        </p:txBody>
+      </p:sp>
+      <p:sp>
+        <p:nvSpPr>
+          <p:cNvPr id="3" name="Content Placeholder 2"/>
           <p:cNvSpPr>
             <a:spLocks noGrp="1"/>
           </p:cNvSpPr>
@@ -7444,15 +7436,10 @@
             <p:ph idx="1"/>
           </p:nvPr>
         </p:nvSpPr>
-        <p:spPr>
-          <a:xfrm>
-            <a:off x="573965" y="1314373"/>
-            <a:ext cx="9925368" cy="5543627"/>
-          </a:xfrm>
-        </p:spPr>
+        <p:spPr/>
         <p:txBody>
           <a:bodyPr>
-            <a:normAutofit lnSpcReduction="10000"/>
+            <a:normAutofit fontScale="92500" lnSpcReduction="10000"/>
           </a:bodyPr>
           <a:lstStyle/>
           <a:p>
@@ -7460,107 +7447,114 @@
               <a:buNone/>
             </a:pPr>
             <a:r>
-              <a:rPr lang="fr-FR" sz="2800" dirty="0" smtClean="0"/>
-              <a:t>Réalisation pratique</a:t>
-            </a:r>
-          </a:p>
-          <a:p>
-            <a:r>
-              <a:rPr lang="fr-FR" sz="2200" dirty="0" smtClean="0"/>
-              <a:t>Modélisation de chacune des composantes en employant d’abord les modèles idéaux, puis en y ajoutant des caractéristiques linéaires et non linéaires jusqu’à représenter, de manière la plus exacte possible (en prenant en compte les limitations techniques liées à l’exécution du simulation), le comportement de la composante en question</a:t>
-            </a:r>
-          </a:p>
-          <a:p>
-            <a:r>
-              <a:rPr lang="fr-FR" sz="2200" dirty="0" smtClean="0"/>
-              <a:t>Intégration du modèle de composante dans un sous-bloc paramétrable et aisément </a:t>
-            </a:r>
-            <a:r>
-              <a:rPr lang="fr-FR" sz="2200" dirty="0" err="1" smtClean="0"/>
-              <a:t>duplicable</a:t>
-            </a:r>
-            <a:endParaRPr lang="fr-FR" sz="2200" dirty="0" smtClean="0"/>
+              <a:rPr lang="en-US" sz="2800" dirty="0" err="1" smtClean="0"/>
+              <a:t>Gestion</a:t>
+            </a:r>
+            <a:endParaRPr lang="en-US" sz="2800" dirty="0" smtClean="0"/>
+          </a:p>
+          <a:p>
+            <a:r>
+              <a:rPr lang="en-US" dirty="0" err="1" smtClean="0"/>
+              <a:t>Réunions</a:t>
+            </a:r>
+            <a:r>
+              <a:rPr lang="en-US" dirty="0" smtClean="0"/>
+              <a:t> </a:t>
+            </a:r>
+            <a:r>
+              <a:rPr lang="en-US" dirty="0" err="1" smtClean="0"/>
+              <a:t>hebdomadaires</a:t>
+            </a:r>
+            <a:endParaRPr lang="en-US" dirty="0"/>
+          </a:p>
+          <a:p>
+            <a:r>
+              <a:rPr lang="fr-FR" dirty="0"/>
+              <a:t>T</a:t>
+            </a:r>
+            <a:r>
+              <a:rPr lang="fr-FR" dirty="0" smtClean="0"/>
+              <a:t>âches de chacun des membres sont tenues à jour au moyen d’un fichier </a:t>
+            </a:r>
+            <a:r>
+              <a:rPr lang="fr-FR" dirty="0" err="1" smtClean="0"/>
+              <a:t>excel</a:t>
+            </a:r>
+            <a:r>
+              <a:rPr lang="fr-FR" dirty="0" smtClean="0"/>
+              <a:t> de gestion hebdomadaire</a:t>
+            </a:r>
           </a:p>
           <a:p>
             <a:pPr lvl="1"/>
             <a:r>
-              <a:rPr lang="fr-FR" sz="2200" dirty="0" smtClean="0"/>
-              <a:t>Essais sur les différents simulateurs pour valider le comportement</a:t>
-            </a:r>
-          </a:p>
-          <a:p>
-            <a:r>
-              <a:rPr lang="fr-FR" sz="2200" dirty="0" smtClean="0"/>
-              <a:t>Intégration des différents </a:t>
-            </a:r>
-            <a:r>
-              <a:rPr lang="fr-FR" sz="2200" dirty="0" err="1" smtClean="0"/>
-              <a:t>modèl</a:t>
-            </a:r>
-            <a:r>
-              <a:rPr lang="fr-FR" sz="2200" dirty="0" smtClean="0"/>
-              <a:t> es de composantes de manière à réaliser le redresseur NPC</a:t>
-            </a:r>
-          </a:p>
-          <a:p>
-            <a:r>
-              <a:rPr lang="fr-FR" sz="2200" dirty="0" smtClean="0"/>
-              <a:t>Modélisation d’une commande “</a:t>
-            </a:r>
-            <a:r>
-              <a:rPr lang="fr-FR" sz="2200" dirty="0" err="1" smtClean="0"/>
-              <a:t>Multilevel</a:t>
-            </a:r>
-            <a:r>
-              <a:rPr lang="fr-FR" sz="2200" dirty="0" smtClean="0"/>
-              <a:t> </a:t>
-            </a:r>
-            <a:r>
-              <a:rPr lang="fr-FR" sz="2200" dirty="0" err="1" smtClean="0"/>
-              <a:t>Space</a:t>
-            </a:r>
-            <a:r>
-              <a:rPr lang="fr-FR" sz="2200" dirty="0" smtClean="0"/>
-              <a:t> </a:t>
-            </a:r>
-            <a:r>
-              <a:rPr lang="fr-FR" sz="2200" dirty="0" err="1" smtClean="0"/>
-              <a:t>Vector</a:t>
-            </a:r>
-            <a:r>
-              <a:rPr lang="fr-FR" sz="2200" dirty="0" smtClean="0"/>
-              <a:t> PWM” et intégration au redresseur NPC</a:t>
-            </a:r>
-          </a:p>
-          <a:p>
-            <a:pPr marL="742950" lvl="2" indent="-342900"/>
-            <a:r>
-              <a:rPr lang="fr-FR" sz="2000" dirty="0" smtClean="0"/>
-              <a:t>Essais sur les différents simulateurs pour valider le comportement</a:t>
-            </a:r>
-          </a:p>
-          <a:p>
-            <a:endParaRPr lang="en-US" dirty="0"/>
+              <a:rPr lang="fr-FR" dirty="0" smtClean="0"/>
+              <a:t>Gain en souplesse et en efficacité de gestion</a:t>
+            </a:r>
           </a:p>
           <a:p>
             <a:pPr lvl="1"/>
-            <a:endParaRPr lang="fr-FR" dirty="0"/>
+            <a:r>
+              <a:rPr lang="fr-FR" dirty="0" smtClean="0"/>
+              <a:t>Adapté pour la taille de l’équipe</a:t>
+            </a:r>
+          </a:p>
+          <a:p>
+            <a:pPr lvl="1"/>
+            <a:r>
+              <a:rPr lang="fr-FR" dirty="0" smtClean="0"/>
+              <a:t>Maximise l’efficacité des réunions</a:t>
+            </a:r>
+          </a:p>
+          <a:p>
+            <a:r>
+              <a:rPr lang="fr-FR" dirty="0" smtClean="0"/>
+              <a:t>Mise à jour de révision et suivi effectué au moyen de la plateforme </a:t>
+            </a:r>
+            <a:r>
+              <a:rPr lang="fr-FR" dirty="0" err="1" smtClean="0"/>
+              <a:t>GitHub</a:t>
+            </a:r>
+            <a:endParaRPr lang="fr-FR" dirty="0" smtClean="0"/>
+          </a:p>
+          <a:p>
+            <a:pPr lvl="1"/>
+            <a:r>
+              <a:rPr lang="fr-FR" dirty="0" smtClean="0"/>
+              <a:t>Données sécurisées sur un serveur privé</a:t>
+            </a:r>
+          </a:p>
+          <a:p>
+            <a:pPr lvl="1"/>
+            <a:r>
+              <a:rPr lang="fr-FR" dirty="0" smtClean="0"/>
+              <a:t>Permet le travail collaboratif</a:t>
+            </a:r>
+          </a:p>
+          <a:p>
+            <a:pPr lvl="1"/>
+            <a:r>
+              <a:rPr lang="fr-FR" dirty="0" err="1" smtClean="0"/>
+              <a:t>Multi-plateforme</a:t>
+            </a:r>
+            <a:endParaRPr lang="fr-FR" dirty="0" smtClean="0"/>
+          </a:p>
+          <a:p>
+            <a:pPr lvl="1"/>
+            <a:endParaRPr lang="fr-FR" dirty="0" smtClean="0"/>
           </a:p>
           <a:p>
             <a:pPr marL="457200" lvl="1" indent="0">
               <a:buNone/>
             </a:pPr>
-            <a:endParaRPr lang="en-US" dirty="0"/>
-          </a:p>
-          <a:p>
-            <a:endParaRPr lang="en-US" dirty="0"/>
+            <a:endParaRPr lang="en-US" dirty="0" smtClean="0"/>
           </a:p>
         </p:txBody>
       </p:sp>
     </p:spTree>
     <p:extLst>
       <p:ext uri="{BB962C8B-B14F-4D97-AF65-F5344CB8AC3E}">
-        <p14:creationId xmlns:p14="http://schemas.microsoft.com/office/powerpoint/2010/main" val="1125282991"/>
+        <p14:creationId xmlns:p14="http://schemas.microsoft.com/office/powerpoint/2010/main" val="483988721"/>
       </p:ext>
     </p:extLst>
   </p:cSld>
@@ -7589,6 +7583,182 @@
       </p:grpSpPr>
       <p:sp>
         <p:nvSpPr>
+          <p:cNvPr id="4" name="Title 3"/>
+          <p:cNvSpPr>
+            <a:spLocks noGrp="1"/>
+          </p:cNvSpPr>
+          <p:nvPr>
+            <p:ph type="title"/>
+          </p:nvPr>
+        </p:nvSpPr>
+        <p:spPr/>
+        <p:txBody>
+          <a:bodyPr/>
+          <a:lstStyle/>
+          <a:p>
+            <a:r>
+              <a:rPr lang="fr-FR" dirty="0" smtClean="0"/>
+              <a:t>Méthodologie planifiée (2/3)</a:t>
+            </a:r>
+            <a:endParaRPr lang="fr-FR" dirty="0"/>
+          </a:p>
+        </p:txBody>
+      </p:sp>
+      <p:sp>
+        <p:nvSpPr>
+          <p:cNvPr id="5" name="Content Placeholder 4"/>
+          <p:cNvSpPr>
+            <a:spLocks noGrp="1"/>
+          </p:cNvSpPr>
+          <p:nvPr>
+            <p:ph idx="1"/>
+          </p:nvPr>
+        </p:nvSpPr>
+        <p:spPr>
+          <a:xfrm>
+            <a:off x="573965" y="1314373"/>
+            <a:ext cx="9925368" cy="5543627"/>
+          </a:xfrm>
+        </p:spPr>
+        <p:txBody>
+          <a:bodyPr>
+            <a:normAutofit lnSpcReduction="10000"/>
+          </a:bodyPr>
+          <a:lstStyle/>
+          <a:p>
+            <a:pPr marL="0" indent="0">
+              <a:buNone/>
+            </a:pPr>
+            <a:r>
+              <a:rPr lang="fr-FR" sz="2800" dirty="0" smtClean="0"/>
+              <a:t>Réalisation pratique</a:t>
+            </a:r>
+          </a:p>
+          <a:p>
+            <a:r>
+              <a:rPr lang="fr-FR" sz="2200" dirty="0" smtClean="0"/>
+              <a:t>Modélisation de chacune des composantes en employant d’abord les modèles idéaux, puis en y ajoutant des caractéristiques linéaires et non linéaires jusqu’à représenter, de manière la plus exacte possible (en prenant en compte les limitations techniques liées à l’exécution du simulation), le comportement de la composante en question</a:t>
+            </a:r>
+          </a:p>
+          <a:p>
+            <a:r>
+              <a:rPr lang="fr-FR" sz="2200" dirty="0" smtClean="0"/>
+              <a:t>Intégration du modèle de composante dans un sous-bloc paramétrable et aisément </a:t>
+            </a:r>
+            <a:r>
+              <a:rPr lang="fr-FR" sz="2200" dirty="0" err="1" smtClean="0"/>
+              <a:t>duplicable</a:t>
+            </a:r>
+            <a:endParaRPr lang="fr-FR" sz="2200" dirty="0" smtClean="0"/>
+          </a:p>
+          <a:p>
+            <a:pPr lvl="1"/>
+            <a:r>
+              <a:rPr lang="fr-FR" sz="2200" dirty="0" smtClean="0"/>
+              <a:t>Essais sur les différents simulateurs pour valider le comportement</a:t>
+            </a:r>
+          </a:p>
+          <a:p>
+            <a:r>
+              <a:rPr lang="fr-FR" sz="2200" dirty="0" smtClean="0"/>
+              <a:t>Intégration des différents </a:t>
+            </a:r>
+            <a:r>
+              <a:rPr lang="fr-FR" sz="2200" dirty="0" err="1" smtClean="0"/>
+              <a:t>modèl</a:t>
+            </a:r>
+            <a:r>
+              <a:rPr lang="fr-FR" sz="2200" dirty="0" smtClean="0"/>
+              <a:t> es de composantes de manière à réaliser le redresseur NPC</a:t>
+            </a:r>
+          </a:p>
+          <a:p>
+            <a:r>
+              <a:rPr lang="fr-FR" sz="2200" dirty="0" smtClean="0"/>
+              <a:t>Modélisation d’une commande “</a:t>
+            </a:r>
+            <a:r>
+              <a:rPr lang="fr-FR" sz="2200" dirty="0" err="1" smtClean="0"/>
+              <a:t>Multilevel</a:t>
+            </a:r>
+            <a:r>
+              <a:rPr lang="fr-FR" sz="2200" dirty="0" smtClean="0"/>
+              <a:t> </a:t>
+            </a:r>
+            <a:r>
+              <a:rPr lang="fr-FR" sz="2200" dirty="0" err="1" smtClean="0"/>
+              <a:t>Space</a:t>
+            </a:r>
+            <a:r>
+              <a:rPr lang="fr-FR" sz="2200" dirty="0" smtClean="0"/>
+              <a:t> </a:t>
+            </a:r>
+            <a:r>
+              <a:rPr lang="fr-FR" sz="2200" dirty="0" err="1" smtClean="0"/>
+              <a:t>Vector</a:t>
+            </a:r>
+            <a:r>
+              <a:rPr lang="fr-FR" sz="2200" dirty="0" smtClean="0"/>
+              <a:t> PWM” et intégration au redresseur NPC</a:t>
+            </a:r>
+          </a:p>
+          <a:p>
+            <a:pPr marL="742950" lvl="2" indent="-342900"/>
+            <a:r>
+              <a:rPr lang="fr-FR" sz="2000" dirty="0" smtClean="0"/>
+              <a:t>Essais sur les différents simulateurs pour valider le comportement</a:t>
+            </a:r>
+          </a:p>
+          <a:p>
+            <a:endParaRPr lang="en-US" dirty="0"/>
+          </a:p>
+          <a:p>
+            <a:pPr lvl="1"/>
+            <a:endParaRPr lang="fr-FR" dirty="0"/>
+          </a:p>
+          <a:p>
+            <a:pPr marL="457200" lvl="1" indent="0">
+              <a:buNone/>
+            </a:pPr>
+            <a:endParaRPr lang="en-US" dirty="0"/>
+          </a:p>
+          <a:p>
+            <a:endParaRPr lang="en-US" dirty="0"/>
+          </a:p>
+        </p:txBody>
+      </p:sp>
+    </p:spTree>
+    <p:extLst>
+      <p:ext uri="{BB962C8B-B14F-4D97-AF65-F5344CB8AC3E}">
+        <p14:creationId xmlns:p14="http://schemas.microsoft.com/office/powerpoint/2010/main" val="1125282991"/>
+      </p:ext>
+    </p:extLst>
+  </p:cSld>
+  <p:clrMapOvr>
+    <a:masterClrMapping/>
+  </p:clrMapOvr>
+</p:sld>
+</file>
+
+<file path=ppt/slides/slide17.xml><?xml version="1.0" encoding="utf-8"?>
+<p:sld xmlns:a="http://schemas.openxmlformats.org/drawingml/2006/main" xmlns:r="http://schemas.openxmlformats.org/officeDocument/2006/relationships" xmlns:p="http://schemas.openxmlformats.org/presentationml/2006/main">
+  <p:cSld>
+    <p:spTree>
+      <p:nvGrpSpPr>
+        <p:cNvPr id="1" name=""/>
+        <p:cNvGrpSpPr/>
+        <p:nvPr/>
+      </p:nvGrpSpPr>
+      <p:grpSpPr>
+        <a:xfrm>
+          <a:off x="0" y="0"/>
+          <a:ext cx="0" cy="0"/>
+          <a:chOff x="0" y="0"/>
+          <a:chExt cx="0" cy="0"/>
+        </a:xfrm>
+      </p:grpSpPr>
+      <p:sp>
+        <p:nvSpPr>
           <p:cNvPr id="2" name="Title 1"/>
           <p:cNvSpPr>
             <a:spLocks noGrp="1"/>
@@ -7690,7 +7860,7 @@
 </p:sld>
 </file>
 
-<file path=ppt/slides/slide17.xml><?xml version="1.0" encoding="utf-8"?>
+<file path=ppt/slides/slide18.xml><?xml version="1.0" encoding="utf-8"?>
 <p:sld xmlns:a="http://schemas.openxmlformats.org/drawingml/2006/main" xmlns:r="http://schemas.openxmlformats.org/officeDocument/2006/relationships" xmlns:p="http://schemas.openxmlformats.org/presentationml/2006/main">
   <p:cSld>
     <p:spTree>
@@ -7929,7 +8099,7 @@
 </p:sld>
 </file>
 
-<file path=ppt/slides/slide18.xml><?xml version="1.0" encoding="utf-8"?>
+<file path=ppt/slides/slide19.xml><?xml version="1.0" encoding="utf-8"?>
 <p:sld xmlns:a="http://schemas.openxmlformats.org/drawingml/2006/main" xmlns:r="http://schemas.openxmlformats.org/officeDocument/2006/relationships" xmlns:p="http://schemas.openxmlformats.org/presentationml/2006/main">
   <p:cSld>
     <p:spTree>
@@ -8107,126 +8277,6 @@
     <p:extLst>
       <p:ext uri="{BB962C8B-B14F-4D97-AF65-F5344CB8AC3E}">
         <p14:creationId xmlns:p14="http://schemas.microsoft.com/office/powerpoint/2010/main" val="2864239534"/>
-      </p:ext>
-    </p:extLst>
-  </p:cSld>
-  <p:clrMapOvr>
-    <a:masterClrMapping/>
-  </p:clrMapOvr>
-</p:sld>
-</file>
-
-<file path=ppt/slides/slide19.xml><?xml version="1.0" encoding="utf-8"?>
-<p:sld xmlns:a="http://schemas.openxmlformats.org/drawingml/2006/main" xmlns:r="http://schemas.openxmlformats.org/officeDocument/2006/relationships" xmlns:p="http://schemas.openxmlformats.org/presentationml/2006/main">
-  <p:cSld>
-    <p:spTree>
-      <p:nvGrpSpPr>
-        <p:cNvPr id="1" name=""/>
-        <p:cNvGrpSpPr/>
-        <p:nvPr/>
-      </p:nvGrpSpPr>
-      <p:grpSpPr>
-        <a:xfrm>
-          <a:off x="0" y="0"/>
-          <a:ext cx="0" cy="0"/>
-          <a:chOff x="0" y="0"/>
-          <a:chExt cx="0" cy="0"/>
-        </a:xfrm>
-      </p:grpSpPr>
-      <p:sp>
-        <p:nvSpPr>
-          <p:cNvPr id="2" name="Title 1"/>
-          <p:cNvSpPr>
-            <a:spLocks noGrp="1"/>
-          </p:cNvSpPr>
-          <p:nvPr>
-            <p:ph type="title"/>
-          </p:nvPr>
-        </p:nvSpPr>
-        <p:spPr/>
-        <p:txBody>
-          <a:bodyPr/>
-          <a:lstStyle/>
-          <a:p>
-            <a:r>
-              <a:rPr lang="fr-FR" b="1" dirty="0"/>
-              <a:t>Diagramme de </a:t>
-            </a:r>
-            <a:r>
-              <a:rPr lang="fr-FR" b="1" dirty="0" smtClean="0"/>
-              <a:t>contexte</a:t>
-            </a:r>
-            <a:r>
-              <a:rPr lang="fr-FR" dirty="0"/>
-              <a:t/>
-            </a:r>
-            <a:br>
-              <a:rPr lang="fr-FR" dirty="0"/>
-            </a:br>
-            <a:endParaRPr lang="en-US" dirty="0"/>
-          </a:p>
-        </p:txBody>
-      </p:sp>
-      <p:sp>
-        <p:nvSpPr>
-          <p:cNvPr id="4" name="TextBox 3"/>
-          <p:cNvSpPr txBox="1"/>
-          <p:nvPr/>
-        </p:nvSpPr>
-        <p:spPr>
-          <a:xfrm flipH="1">
-            <a:off x="4806735" y="-989472"/>
-            <a:ext cx="3521850" cy="4179537"/>
-          </a:xfrm>
-          <a:prstGeom prst="rect">
-            <a:avLst/>
-          </a:prstGeom>
-          <a:noFill/>
-        </p:spPr>
-        <p:txBody>
-          <a:bodyPr wrap="square" rtlCol="0">
-            <a:spAutoFit/>
-          </a:bodyPr>
-          <a:lstStyle/>
-          <a:p>
-            <a:endParaRPr lang="fr-CA"/>
-          </a:p>
-        </p:txBody>
-      </p:sp>
-      <p:pic>
-        <p:nvPicPr>
-          <p:cNvPr id="6" name="Picture 5" descr="Contexte_D4 - New Page.png"/>
-          <p:cNvPicPr>
-            <a:picLocks noChangeAspect="1"/>
-          </p:cNvPicPr>
-          <p:nvPr/>
-        </p:nvPicPr>
-        <p:blipFill>
-          <a:blip r:embed="rId2" cstate="print">
-            <a:extLst>
-              <a:ext uri="{28A0092B-C50C-407E-A947-70E740481C1C}">
-                <a14:useLocalDpi xmlns:a14="http://schemas.microsoft.com/office/drawing/2010/main" val="0"/>
-              </a:ext>
-            </a:extLst>
-          </a:blip>
-          <a:stretch>
-            <a:fillRect/>
-          </a:stretch>
-        </p:blipFill>
-        <p:spPr>
-          <a:xfrm>
-            <a:off x="343790" y="1314373"/>
-            <a:ext cx="9839897" cy="4982184"/>
-          </a:xfrm>
-          <a:prstGeom prst="rect">
-            <a:avLst/>
-          </a:prstGeom>
-        </p:spPr>
-      </p:pic>
-    </p:spTree>
-    <p:extLst>
-      <p:ext uri="{BB962C8B-B14F-4D97-AF65-F5344CB8AC3E}">
-        <p14:creationId xmlns:p14="http://schemas.microsoft.com/office/powerpoint/2010/main" val="3337306044"/>
       </p:ext>
     </p:extLst>
   </p:cSld>
@@ -8550,123 +8600,88 @@
         </p:nvSpPr>
         <p:spPr/>
         <p:txBody>
-          <a:bodyPr>
-            <a:normAutofit fontScale="90000"/>
+          <a:bodyPr/>
+          <a:lstStyle/>
+          <a:p>
+            <a:r>
+              <a:rPr lang="fr-FR" b="1" dirty="0"/>
+              <a:t>Diagramme de </a:t>
+            </a:r>
+            <a:r>
+              <a:rPr lang="fr-FR" b="1" dirty="0" smtClean="0"/>
+              <a:t>contexte</a:t>
+            </a:r>
+            <a:r>
+              <a:rPr lang="fr-FR" dirty="0"/>
+              <a:t/>
+            </a:r>
+            <a:br>
+              <a:rPr lang="fr-FR" dirty="0"/>
+            </a:br>
+            <a:endParaRPr lang="en-US" dirty="0"/>
+          </a:p>
+        </p:txBody>
+      </p:sp>
+      <p:sp>
+        <p:nvSpPr>
+          <p:cNvPr id="4" name="TextBox 3"/>
+          <p:cNvSpPr txBox="1"/>
+          <p:nvPr/>
+        </p:nvSpPr>
+        <p:spPr>
+          <a:xfrm flipH="1">
+            <a:off x="4806735" y="-989472"/>
+            <a:ext cx="3521850" cy="4179537"/>
+          </a:xfrm>
+          <a:prstGeom prst="rect">
+            <a:avLst/>
+          </a:prstGeom>
+          <a:noFill/>
+        </p:spPr>
+        <p:txBody>
+          <a:bodyPr wrap="square" rtlCol="0">
+            <a:spAutoFit/>
           </a:bodyPr>
           <a:lstStyle/>
           <a:p>
-            <a:pPr algn="r"/>
-            <a:r>
-              <a:rPr lang="fr-CA" dirty="0" smtClean="0"/>
-              <a:t>Diagramme des propriétés fonctionnelles</a:t>
-            </a:r>
-            <a:br>
-              <a:rPr lang="fr-CA" dirty="0" smtClean="0"/>
-            </a:br>
-            <a:r>
-              <a:rPr lang="fr-CA" sz="1800" i="1" dirty="0" smtClean="0"/>
-              <a:t>*Version complète à la fin</a:t>
-            </a:r>
-            <a:endParaRPr lang="fr-CA" sz="1800" i="1" dirty="0"/>
-          </a:p>
-        </p:txBody>
-      </p:sp>
-      <p:sp>
-        <p:nvSpPr>
-          <p:cNvPr id="3" name="Content Placeholder 2"/>
-          <p:cNvSpPr>
-            <a:spLocks noGrp="1"/>
-          </p:cNvSpPr>
-          <p:nvPr>
-            <p:ph idx="1"/>
-          </p:nvPr>
-        </p:nvSpPr>
+            <a:endParaRPr lang="fr-CA"/>
+          </a:p>
+        </p:txBody>
+      </p:sp>
+      <p:pic>
+        <p:nvPicPr>
+          <p:cNvPr id="6" name="Picture 5" descr="Contexte_D4 - New Page.png"/>
+          <p:cNvPicPr>
+            <a:picLocks noChangeAspect="1"/>
+          </p:cNvPicPr>
+          <p:nvPr/>
+        </p:nvPicPr>
+        <p:blipFill>
+          <a:blip r:embed="rId2" cstate="print">
+            <a:extLst>
+              <a:ext uri="{28A0092B-C50C-407E-A947-70E740481C1C}">
+                <a14:useLocalDpi xmlns:a14="http://schemas.microsoft.com/office/drawing/2010/main" val="0"/>
+              </a:ext>
+            </a:extLst>
+          </a:blip>
+          <a:stretch>
+            <a:fillRect/>
+          </a:stretch>
+        </p:blipFill>
         <p:spPr>
           <a:xfrm>
-            <a:off x="618265" y="1835687"/>
-            <a:ext cx="10087805" cy="4810020"/>
+            <a:off x="343790" y="1314373"/>
+            <a:ext cx="9839897" cy="4982184"/>
           </a:xfrm>
+          <a:prstGeom prst="rect">
+            <a:avLst/>
+          </a:prstGeom>
         </p:spPr>
-        <p:txBody>
-          <a:bodyPr>
-            <a:normAutofit lnSpcReduction="10000"/>
-          </a:bodyPr>
-          <a:lstStyle/>
-          <a:p>
-            <a:r>
-              <a:rPr lang="fr-FR" sz="2800" dirty="0" smtClean="0"/>
-              <a:t>Fonctionnalités rattachées au simulateur (1/2)</a:t>
-            </a:r>
-          </a:p>
-          <a:p>
-            <a:pPr lvl="1"/>
-            <a:r>
-              <a:rPr lang="fr-FR" sz="2600" dirty="0" smtClean="0"/>
-              <a:t>Accepter des paramètres de modélisation</a:t>
-            </a:r>
-          </a:p>
-          <a:p>
-            <a:pPr lvl="1"/>
-            <a:r>
-              <a:rPr lang="fr-FR" sz="2600" dirty="0" smtClean="0"/>
-              <a:t>Abaisser la tension du réseau alternatif</a:t>
-            </a:r>
-          </a:p>
-          <a:p>
-            <a:pPr lvl="2"/>
-            <a:r>
-              <a:rPr lang="fr-FR" sz="2400" dirty="0" smtClean="0"/>
-              <a:t>Rendement (%), Ratio (%)</a:t>
-            </a:r>
-          </a:p>
-          <a:p>
-            <a:pPr lvl="1"/>
-            <a:r>
-              <a:rPr lang="fr-FR" sz="2600" dirty="0" smtClean="0"/>
-              <a:t>Redresser le signal d’entrée à la sortie du transformateur</a:t>
-            </a:r>
-          </a:p>
-          <a:p>
-            <a:pPr lvl="2"/>
-            <a:r>
-              <a:rPr lang="fr-FR" sz="2400" dirty="0" smtClean="0"/>
-              <a:t>Ondulation de tension (%)</a:t>
-            </a:r>
-          </a:p>
-          <a:p>
-            <a:pPr lvl="2"/>
-            <a:r>
-              <a:rPr lang="fr-FR" sz="2400" dirty="0" smtClean="0"/>
-              <a:t>Niveau moyen (kV)</a:t>
-            </a:r>
-          </a:p>
-          <a:p>
-            <a:pPr lvl="2"/>
-            <a:r>
-              <a:rPr lang="fr-FR" sz="2400" dirty="0" smtClean="0"/>
-              <a:t>Rendement (%)</a:t>
-            </a:r>
-          </a:p>
-          <a:p>
-            <a:pPr lvl="2"/>
-            <a:r>
-              <a:rPr lang="fr-FR" sz="2400" dirty="0" smtClean="0"/>
-              <a:t>Puissance moyenne (MW)</a:t>
-            </a:r>
-          </a:p>
-          <a:p>
-            <a:pPr lvl="2"/>
-            <a:r>
-              <a:rPr lang="fr-FR" sz="2400" dirty="0" smtClean="0"/>
-              <a:t>Puissance crête (MW)</a:t>
-            </a:r>
-          </a:p>
-        </p:txBody>
-      </p:sp>
+      </p:pic>
     </p:spTree>
     <p:extLst>
       <p:ext uri="{BB962C8B-B14F-4D97-AF65-F5344CB8AC3E}">
-        <p14:creationId xmlns:p14="http://schemas.microsoft.com/office/powerpoint/2010/main" val="261770818"/>
+        <p14:creationId xmlns:p14="http://schemas.microsoft.com/office/powerpoint/2010/main" val="3337306044"/>
       </p:ext>
     </p:extLst>
   </p:cSld>
@@ -8744,71 +8759,55 @@
         </p:spPr>
         <p:txBody>
           <a:bodyPr>
-            <a:normAutofit fontScale="62500" lnSpcReduction="20000"/>
+            <a:normAutofit lnSpcReduction="10000"/>
           </a:bodyPr>
           <a:lstStyle/>
           <a:p>
             <a:r>
               <a:rPr lang="fr-FR" sz="2800" dirty="0" smtClean="0"/>
-              <a:t>Fonctionnalités rattachées au simulateur (2/2)</a:t>
+              <a:t>Fonctionnalités rattachées au simulateur (1/2)</a:t>
             </a:r>
           </a:p>
           <a:p>
             <a:pPr lvl="1"/>
             <a:r>
               <a:rPr lang="fr-FR" sz="2600" dirty="0" smtClean="0"/>
-              <a:t>Commander un onduleur triphasé de type NPC</a:t>
+              <a:t>Accepter des paramètres de modélisation</a:t>
+            </a:r>
+          </a:p>
+          <a:p>
+            <a:pPr lvl="1"/>
+            <a:r>
+              <a:rPr lang="fr-FR" sz="2600" dirty="0" smtClean="0"/>
+              <a:t>Abaisser la tension du réseau alternatif</a:t>
             </a:r>
           </a:p>
           <a:p>
             <a:pPr lvl="2"/>
             <a:r>
               <a:rPr lang="fr-FR" sz="2400" dirty="0" smtClean="0"/>
-              <a:t>Effort du contrôleur (% par seconde de la variation de la commande)</a:t>
+              <a:t>Rendement (%), Ratio (%)</a:t>
             </a:r>
           </a:p>
           <a:p>
             <a:pPr lvl="1"/>
             <a:r>
               <a:rPr lang="fr-FR" sz="2600" dirty="0" smtClean="0"/>
-              <a:t>Charger un banc de condensateur</a:t>
+              <a:t>Redresser le signal d’entrée à la sortie du transformateur</a:t>
             </a:r>
           </a:p>
           <a:p>
             <a:pPr lvl="2"/>
             <a:r>
               <a:rPr lang="fr-FR" sz="2400" dirty="0" smtClean="0"/>
-              <a:t>Temps de charge (s)</a:t>
-            </a:r>
-          </a:p>
-          <a:p>
-            <a:pPr lvl="1"/>
-            <a:r>
-              <a:rPr lang="fr-FR" sz="2600" dirty="0" smtClean="0"/>
-              <a:t>Commander un convertisseur CC-CC à quatre quadrants </a:t>
-            </a:r>
-            <a:r>
-              <a:rPr lang="fr-FR" sz="2600" dirty="0" err="1" smtClean="0"/>
-              <a:t>multicellules</a:t>
-            </a:r>
-            <a:endParaRPr lang="fr-FR" sz="2600" dirty="0" smtClean="0"/>
+              <a:t>Ondulation de tension (%)</a:t>
+            </a:r>
           </a:p>
           <a:p>
             <a:pPr lvl="2"/>
             <a:r>
-              <a:rPr lang="fr-FR" sz="2400" dirty="0"/>
-              <a:t>Effort du contrôleur (% par seconde de la variation de la commande</a:t>
-            </a:r>
-            <a:r>
               <a:rPr lang="fr-FR" sz="2400" dirty="0" smtClean="0"/>
-              <a:t>)</a:t>
-            </a:r>
-          </a:p>
-          <a:p>
-            <a:pPr lvl="1"/>
-            <a:r>
-              <a:rPr lang="fr-FR" sz="2600" dirty="0" smtClean="0"/>
-              <a:t>Alimenter les électroaimants de l’accélérateur de particules</a:t>
+              <a:t>Niveau moyen (kV)</a:t>
             </a:r>
           </a:p>
           <a:p>
@@ -8822,20 +8821,6 @@
             <a:pPr lvl="2"/>
             <a:r>
               <a:rPr lang="fr-FR" sz="2400" dirty="0" smtClean="0"/>
-              <a:t>Ondulation de courant (%)</a:t>
-            </a:r>
-          </a:p>
-          <a:p>
-            <a:pPr lvl="2"/>
-            <a:r>
-              <a:rPr lang="fr-FR" sz="2400" dirty="0" smtClean="0"/>
-              <a:t>Ondulation de tension (%)</a:t>
-            </a:r>
-          </a:p>
-          <a:p>
-            <a:pPr lvl="2"/>
-            <a:r>
-              <a:rPr lang="fr-FR" sz="2400" dirty="0" smtClean="0"/>
               <a:t>Puissance moyenne (MW)</a:t>
             </a:r>
           </a:p>
@@ -8845,37 +8830,13 @@
               <a:rPr lang="fr-FR" sz="2400" dirty="0" smtClean="0"/>
               <a:t>Puissance crête (MW)</a:t>
             </a:r>
-          </a:p>
-          <a:p>
-            <a:pPr lvl="1"/>
-            <a:r>
-              <a:rPr lang="fr-FR" sz="2600" dirty="0" smtClean="0"/>
-              <a:t>Afficher les résultats de simulation </a:t>
-            </a:r>
-            <a:r>
-              <a:rPr lang="fr-FR" sz="2600" dirty="0" err="1" smtClean="0"/>
-              <a:t>personalisés</a:t>
-            </a:r>
-            <a:endParaRPr lang="fr-FR" sz="2600" dirty="0" smtClean="0"/>
-          </a:p>
-          <a:p>
-            <a:pPr lvl="2"/>
-            <a:r>
-              <a:rPr lang="fr-FR" sz="2400" dirty="0" smtClean="0"/>
-              <a:t>Convivialité (1 à 5)</a:t>
-            </a:r>
-            <a:endParaRPr lang="fr-FR" sz="2400" dirty="0"/>
-          </a:p>
-          <a:p>
-            <a:pPr lvl="2"/>
-            <a:endParaRPr lang="fr-FR" sz="2400" dirty="0" smtClean="0"/>
           </a:p>
         </p:txBody>
       </p:sp>
     </p:spTree>
     <p:extLst>
       <p:ext uri="{BB962C8B-B14F-4D97-AF65-F5344CB8AC3E}">
-        <p14:creationId xmlns:p14="http://schemas.microsoft.com/office/powerpoint/2010/main" val="1009669938"/>
+        <p14:creationId xmlns:p14="http://schemas.microsoft.com/office/powerpoint/2010/main" val="261770818"/>
       </p:ext>
     </p:extLst>
   </p:cSld>
@@ -8953,77 +8914,138 @@
         </p:spPr>
         <p:txBody>
           <a:bodyPr>
-            <a:normAutofit lnSpcReduction="10000"/>
+            <a:normAutofit fontScale="62500" lnSpcReduction="20000"/>
           </a:bodyPr>
           <a:lstStyle/>
           <a:p>
             <a:r>
               <a:rPr lang="fr-FR" sz="2800" dirty="0" smtClean="0"/>
-              <a:t>Outil de dimensionnement </a:t>
+              <a:t>Fonctionnalités rattachées au simulateur (2/2)</a:t>
             </a:r>
           </a:p>
           <a:p>
             <a:pPr lvl="1"/>
             <a:r>
-              <a:rPr lang="fr-FR" sz="2200" dirty="0" smtClean="0"/>
-              <a:t>Accepter des paramètres de dimensionnement usuels</a:t>
+              <a:rPr lang="fr-FR" sz="2600" dirty="0" smtClean="0"/>
+              <a:t>Commander un onduleur triphasé de type NPC</a:t>
             </a:r>
           </a:p>
           <a:p>
             <a:pPr lvl="2"/>
             <a:r>
-              <a:rPr lang="fr-FR" sz="2200" dirty="0" smtClean="0"/>
-              <a:t>Choix disponibles (1 à 5)</a:t>
+              <a:rPr lang="fr-FR" sz="2400" dirty="0" smtClean="0"/>
+              <a:t>Effort du contrôleur (% par seconde de la variation de la commande)</a:t>
             </a:r>
           </a:p>
           <a:p>
             <a:pPr lvl="1"/>
             <a:r>
+              <a:rPr lang="fr-FR" sz="2600" dirty="0" smtClean="0"/>
+              <a:t>Charger un banc de condensateur</a:t>
+            </a:r>
+          </a:p>
+          <a:p>
+            <a:pPr lvl="2"/>
+            <a:r>
               <a:rPr lang="fr-FR" sz="2400" dirty="0" smtClean="0"/>
-              <a:t>Déterminer le nombre de composantes nécessaires dans les cellules de type NPC</a:t>
+              <a:t>Temps de charge (s)</a:t>
             </a:r>
           </a:p>
           <a:p>
             <a:pPr lvl="1"/>
             <a:r>
+              <a:rPr lang="fr-FR" sz="2600" dirty="0" smtClean="0"/>
+              <a:t>Commander un convertisseur CC-CC à quatre quadrants </a:t>
+            </a:r>
+            <a:r>
+              <a:rPr lang="fr-FR" sz="2600" dirty="0" err="1" smtClean="0"/>
+              <a:t>multicellules</a:t>
+            </a:r>
+            <a:endParaRPr lang="fr-FR" sz="2600" dirty="0" smtClean="0"/>
+          </a:p>
+          <a:p>
+            <a:pPr lvl="2"/>
+            <a:r>
+              <a:rPr lang="fr-FR" sz="2400" dirty="0"/>
+              <a:t>Effort du contrôleur (% par seconde de la variation de la commande</a:t>
+            </a:r>
+            <a:r>
               <a:rPr lang="fr-FR" sz="2400" dirty="0" smtClean="0"/>
-              <a:t>Déterminer les valeurs des condensateurs utilisés dans les cellules de type NPC</a:t>
+              <a:t>)</a:t>
             </a:r>
           </a:p>
           <a:p>
             <a:pPr lvl="1"/>
             <a:r>
+              <a:rPr lang="fr-FR" sz="2600" dirty="0" smtClean="0"/>
+              <a:t>Alimenter les électroaimants de l’accélérateur de particules</a:t>
+            </a:r>
+          </a:p>
+          <a:p>
+            <a:pPr lvl="2"/>
+            <a:r>
               <a:rPr lang="fr-FR" sz="2400" dirty="0" smtClean="0"/>
-              <a:t>Déterminer les valeurs des inductances de découplage</a:t>
+              <a:t>Rendement (%)</a:t>
+            </a:r>
+          </a:p>
+          <a:p>
+            <a:pPr lvl="2"/>
+            <a:r>
+              <a:rPr lang="fr-FR" sz="2400" dirty="0" smtClean="0"/>
+              <a:t>Ondulation de courant (%)</a:t>
+            </a:r>
+          </a:p>
+          <a:p>
+            <a:pPr lvl="2"/>
+            <a:r>
+              <a:rPr lang="fr-FR" sz="2400" dirty="0" smtClean="0"/>
+              <a:t>Ondulation de tension (%)</a:t>
+            </a:r>
+          </a:p>
+          <a:p>
+            <a:pPr lvl="2"/>
+            <a:r>
+              <a:rPr lang="fr-FR" sz="2400" dirty="0" smtClean="0"/>
+              <a:t>Puissance moyenne (MW)</a:t>
+            </a:r>
+          </a:p>
+          <a:p>
+            <a:pPr lvl="2"/>
+            <a:r>
+              <a:rPr lang="fr-FR" sz="2400" dirty="0" smtClean="0"/>
+              <a:t>Puissance crête (MW)</a:t>
             </a:r>
           </a:p>
           <a:p>
             <a:pPr lvl="1"/>
             <a:r>
+              <a:rPr lang="fr-FR" sz="2600" dirty="0" smtClean="0"/>
+              <a:t>Afficher les résultats de simulation </a:t>
+            </a:r>
+            <a:r>
+              <a:rPr lang="fr-FR" sz="2600" dirty="0" err="1" smtClean="0"/>
+              <a:t>personalisés</a:t>
+            </a:r>
+            <a:endParaRPr lang="fr-FR" sz="2600" dirty="0" smtClean="0"/>
+          </a:p>
+          <a:p>
+            <a:pPr lvl="2"/>
+            <a:r>
               <a:rPr lang="fr-FR" sz="2400" dirty="0" smtClean="0"/>
-              <a:t>Déterminer le nombre de cellules de type NPC nécessaire</a:t>
-            </a:r>
-          </a:p>
-          <a:p>
-            <a:pPr lvl="1"/>
-            <a:r>
-              <a:rPr lang="fr-FR" sz="2400" dirty="0" smtClean="0"/>
-              <a:t>Fournir les paramètres de modélisation utilisé par le simulateur</a:t>
-            </a:r>
+              <a:t>Convivialité (1 à 5)</a:t>
+            </a:r>
+            <a:endParaRPr lang="fr-FR" sz="2400" dirty="0"/>
           </a:p>
           <a:p>
             <a:pPr lvl="2"/>
-            <a:r>
-              <a:rPr lang="fr-FR" sz="2200" dirty="0" smtClean="0"/>
-              <a:t>Convivialité et choix disponibles (1 à 5)</a:t>
-            </a:r>
+            <a:endParaRPr lang="fr-FR" sz="2400" dirty="0" smtClean="0"/>
           </a:p>
         </p:txBody>
       </p:sp>
     </p:spTree>
     <p:extLst>
       <p:ext uri="{BB962C8B-B14F-4D97-AF65-F5344CB8AC3E}">
-        <p14:creationId xmlns:p14="http://schemas.microsoft.com/office/powerpoint/2010/main" val="4073286745"/>
+        <p14:creationId xmlns:p14="http://schemas.microsoft.com/office/powerpoint/2010/main" val="1009669938"/>
       </p:ext>
     </p:extLst>
   </p:cSld>
@@ -9107,56 +9129,63 @@
           <a:p>
             <a:r>
               <a:rPr lang="fr-FR" sz="2800" dirty="0" smtClean="0"/>
-              <a:t>Documentation</a:t>
+              <a:t>Outil de dimensionnement </a:t>
             </a:r>
           </a:p>
           <a:p>
             <a:pPr lvl="1"/>
             <a:r>
               <a:rPr lang="fr-FR" sz="2200" dirty="0" smtClean="0"/>
-              <a:t>Présenter le fonctionnement de l’outil de dimensionnement de chacun des simulateurs</a:t>
+              <a:t>Accepter des paramètres de dimensionnement usuels</a:t>
             </a:r>
           </a:p>
           <a:p>
             <a:pPr lvl="2"/>
             <a:r>
               <a:rPr lang="fr-FR" sz="2200" dirty="0" smtClean="0"/>
-              <a:t>Précision de l’information et convivialité (1 à 5)</a:t>
+              <a:t>Choix disponibles (1 à 5)</a:t>
             </a:r>
           </a:p>
           <a:p>
             <a:pPr lvl="1"/>
             <a:r>
               <a:rPr lang="fr-FR" sz="2400" dirty="0" smtClean="0"/>
-              <a:t>Présenter les modèles mathématiques utilisés dans chacun des simulateurs</a:t>
+              <a:t>Déterminer le nombre de composantes nécessaires dans les cellules de type NPC</a:t>
             </a:r>
           </a:p>
           <a:p>
             <a:pPr lvl="1"/>
             <a:r>
               <a:rPr lang="fr-FR" sz="2400" dirty="0" smtClean="0"/>
-              <a:t>Présenter l’utilisation de chacun des simulateurs</a:t>
+              <a:t>Déterminer les valeurs des condensateurs utilisés dans les cellules de type NPC</a:t>
+            </a:r>
+          </a:p>
+          <a:p>
+            <a:pPr lvl="1"/>
+            <a:r>
+              <a:rPr lang="fr-FR" sz="2400" dirty="0" smtClean="0"/>
+              <a:t>Déterminer les valeurs des inductances de découplage</a:t>
+            </a:r>
+          </a:p>
+          <a:p>
+            <a:pPr lvl="1"/>
+            <a:r>
+              <a:rPr lang="fr-FR" sz="2400" dirty="0" smtClean="0"/>
+              <a:t>Déterminer le nombre de cellules de type NPC nécessaire</a:t>
+            </a:r>
+          </a:p>
+          <a:p>
+            <a:pPr lvl="1"/>
+            <a:r>
+              <a:rPr lang="fr-FR" sz="2400" dirty="0" smtClean="0"/>
+              <a:t>Fournir les paramètres de modélisation utilisé par le simulateur</a:t>
             </a:r>
           </a:p>
           <a:p>
             <a:pPr lvl="2"/>
             <a:r>
               <a:rPr lang="fr-FR" sz="2200" dirty="0" smtClean="0"/>
-              <a:t>Précision de l’information et convivialité (1 à 5)</a:t>
-            </a:r>
-          </a:p>
-          <a:p>
-            <a:pPr lvl="1"/>
-            <a:r>
-              <a:rPr lang="fr-FR" sz="2400" dirty="0" smtClean="0"/>
-              <a:t>Présenter les procédures de validation croisées de chacun des simulateurs</a:t>
-            </a:r>
-          </a:p>
-          <a:p>
-            <a:pPr lvl="2"/>
-            <a:r>
-              <a:rPr lang="fr-FR" sz="2200" dirty="0" smtClean="0"/>
-              <a:t>Présentation de l’information et convivialité (1 à 5)</a:t>
+              <a:t>Convivialité et choix disponibles (1 à 5)</a:t>
             </a:r>
           </a:p>
         </p:txBody>
@@ -9164,7 +9193,7 @@
     </p:spTree>
     <p:extLst>
       <p:ext uri="{BB962C8B-B14F-4D97-AF65-F5344CB8AC3E}">
-        <p14:creationId xmlns:p14="http://schemas.microsoft.com/office/powerpoint/2010/main" val="2852438436"/>
+        <p14:creationId xmlns:p14="http://schemas.microsoft.com/office/powerpoint/2010/main" val="4073286745"/>
       </p:ext>
     </p:extLst>
   </p:cSld>
@@ -9193,6 +9222,147 @@
       </p:grpSpPr>
       <p:sp>
         <p:nvSpPr>
+          <p:cNvPr id="2" name="Title 1"/>
+          <p:cNvSpPr>
+            <a:spLocks noGrp="1"/>
+          </p:cNvSpPr>
+          <p:nvPr>
+            <p:ph type="title"/>
+          </p:nvPr>
+        </p:nvSpPr>
+        <p:spPr/>
+        <p:txBody>
+          <a:bodyPr>
+            <a:normAutofit fontScale="90000"/>
+          </a:bodyPr>
+          <a:lstStyle/>
+          <a:p>
+            <a:pPr algn="r"/>
+            <a:r>
+              <a:rPr lang="fr-CA" dirty="0" smtClean="0"/>
+              <a:t>Diagramme des propriétés fonctionnelles</a:t>
+            </a:r>
+            <a:br>
+              <a:rPr lang="fr-CA" dirty="0" smtClean="0"/>
+            </a:br>
+            <a:r>
+              <a:rPr lang="fr-CA" sz="1800" i="1" dirty="0" smtClean="0"/>
+              <a:t>*Version complète à la fin</a:t>
+            </a:r>
+            <a:endParaRPr lang="fr-CA" sz="1800" i="1" dirty="0"/>
+          </a:p>
+        </p:txBody>
+      </p:sp>
+      <p:sp>
+        <p:nvSpPr>
+          <p:cNvPr id="3" name="Content Placeholder 2"/>
+          <p:cNvSpPr>
+            <a:spLocks noGrp="1"/>
+          </p:cNvSpPr>
+          <p:nvPr>
+            <p:ph idx="1"/>
+          </p:nvPr>
+        </p:nvSpPr>
+        <p:spPr>
+          <a:xfrm>
+            <a:off x="618265" y="1835687"/>
+            <a:ext cx="10087805" cy="4810020"/>
+          </a:xfrm>
+        </p:spPr>
+        <p:txBody>
+          <a:bodyPr>
+            <a:normAutofit lnSpcReduction="10000"/>
+          </a:bodyPr>
+          <a:lstStyle/>
+          <a:p>
+            <a:r>
+              <a:rPr lang="fr-FR" sz="2800" dirty="0" smtClean="0"/>
+              <a:t>Documentation</a:t>
+            </a:r>
+          </a:p>
+          <a:p>
+            <a:pPr lvl="1"/>
+            <a:r>
+              <a:rPr lang="fr-FR" sz="2200" dirty="0" smtClean="0"/>
+              <a:t>Présenter le fonctionnement de l’outil de dimensionnement de chacun des simulateurs</a:t>
+            </a:r>
+          </a:p>
+          <a:p>
+            <a:pPr lvl="2"/>
+            <a:r>
+              <a:rPr lang="fr-FR" sz="2200" dirty="0" smtClean="0"/>
+              <a:t>Précision de l’information et convivialité (1 à 5)</a:t>
+            </a:r>
+          </a:p>
+          <a:p>
+            <a:pPr lvl="1"/>
+            <a:r>
+              <a:rPr lang="fr-FR" sz="2400" dirty="0" smtClean="0"/>
+              <a:t>Présenter les modèles mathématiques utilisés dans chacun des simulateurs</a:t>
+            </a:r>
+          </a:p>
+          <a:p>
+            <a:pPr lvl="1"/>
+            <a:r>
+              <a:rPr lang="fr-FR" sz="2400" dirty="0" smtClean="0"/>
+              <a:t>Présenter l’utilisation de chacun des simulateurs</a:t>
+            </a:r>
+          </a:p>
+          <a:p>
+            <a:pPr lvl="2"/>
+            <a:r>
+              <a:rPr lang="fr-FR" sz="2200" dirty="0" smtClean="0"/>
+              <a:t>Précision de l’information et convivialité (1 à 5)</a:t>
+            </a:r>
+          </a:p>
+          <a:p>
+            <a:pPr lvl="1"/>
+            <a:r>
+              <a:rPr lang="fr-FR" sz="2400" dirty="0" smtClean="0"/>
+              <a:t>Présenter les procédures de validation croisées de chacun des simulateurs</a:t>
+            </a:r>
+          </a:p>
+          <a:p>
+            <a:pPr lvl="2"/>
+            <a:r>
+              <a:rPr lang="fr-FR" sz="2200" dirty="0" smtClean="0"/>
+              <a:t>Présentation de l’information et convivialité (1 à 5)</a:t>
+            </a:r>
+          </a:p>
+        </p:txBody>
+      </p:sp>
+    </p:spTree>
+    <p:extLst>
+      <p:ext uri="{BB962C8B-B14F-4D97-AF65-F5344CB8AC3E}">
+        <p14:creationId xmlns:p14="http://schemas.microsoft.com/office/powerpoint/2010/main" val="2852438436"/>
+      </p:ext>
+    </p:extLst>
+  </p:cSld>
+  <p:clrMapOvr>
+    <a:masterClrMapping/>
+  </p:clrMapOvr>
+</p:sld>
+</file>
+
+<file path=ppt/slides/slide25.xml><?xml version="1.0" encoding="utf-8"?>
+<p:sld xmlns:a="http://schemas.openxmlformats.org/drawingml/2006/main" xmlns:r="http://schemas.openxmlformats.org/officeDocument/2006/relationships" xmlns:p="http://schemas.openxmlformats.org/presentationml/2006/main">
+  <p:cSld>
+    <p:spTree>
+      <p:nvGrpSpPr>
+        <p:cNvPr id="1" name=""/>
+        <p:cNvGrpSpPr/>
+        <p:nvPr/>
+      </p:nvGrpSpPr>
+      <p:grpSpPr>
+        <a:xfrm>
+          <a:off x="0" y="0"/>
+          <a:ext cx="0" cy="0"/>
+          <a:chOff x="0" y="0"/>
+          <a:chExt cx="0" cy="0"/>
+        </a:xfrm>
+      </p:grpSpPr>
+      <p:sp>
+        <p:nvSpPr>
           <p:cNvPr id="4" name="Title 3"/>
           <p:cNvSpPr>
             <a:spLocks noGrp="1"/>
@@ -9283,7 +9453,7 @@
 </p:sld>
 </file>
 
-<file path=ppt/slides/slide25.xml><?xml version="1.0" encoding="utf-8"?>
+<file path=ppt/slides/slide26.xml><?xml version="1.0" encoding="utf-8"?>
 <p:sld xmlns:a="http://schemas.openxmlformats.org/drawingml/2006/main" xmlns:r="http://schemas.openxmlformats.org/officeDocument/2006/relationships" xmlns:p="http://schemas.openxmlformats.org/presentationml/2006/main">
   <p:cSld>
     <p:spTree>
@@ -10181,7 +10351,7 @@
 </p:sld>
 </file>
 
-<file path=ppt/slides/slide26.xml><?xml version="1.0" encoding="utf-8"?>
+<file path=ppt/slides/slide27.xml><?xml version="1.0" encoding="utf-8"?>
 <p:sld xmlns:a="http://schemas.openxmlformats.org/drawingml/2006/main" xmlns:r="http://schemas.openxmlformats.org/officeDocument/2006/relationships" xmlns:p="http://schemas.openxmlformats.org/presentationml/2006/main">
   <p:cSld>
     <p:spTree>
@@ -10856,7 +11026,7 @@
 </p:sld>
 </file>
 
-<file path=ppt/slides/slide27.xml><?xml version="1.0" encoding="utf-8"?>
+<file path=ppt/slides/slide28.xml><?xml version="1.0" encoding="utf-8"?>
 <p:sld xmlns:a="http://schemas.openxmlformats.org/drawingml/2006/main" xmlns:r="http://schemas.openxmlformats.org/officeDocument/2006/relationships" xmlns:p="http://schemas.openxmlformats.org/presentationml/2006/main">
   <p:cSld>
     <p:spTree>

--- a/Remise/Remise 1/Presentation_Remise_1.pptx
+++ b/Remise/Remise 1/Presentation_Remise_1.pptx
@@ -33,6 +33,11 @@
     <p:sldId id="268" r:id="rId27"/>
     <p:sldId id="269" r:id="rId28"/>
     <p:sldId id="270" r:id="rId29"/>
+    <p:sldId id="286" r:id="rId30"/>
+    <p:sldId id="287" r:id="rId31"/>
+    <p:sldId id="288" r:id="rId32"/>
+    <p:sldId id="289" r:id="rId33"/>
+    <p:sldId id="290" r:id="rId34"/>
   </p:sldIdLst>
   <p:sldSz cx="12192000" cy="6858000"/>
   <p:notesSz cx="6858000" cy="9144000"/>
@@ -6819,7 +6824,7 @@
         <p:spPr>
           <a:xfrm>
             <a:off x="677334" y="1360489"/>
-            <a:ext cx="8596668" cy="5173661"/>
+            <a:ext cx="8596668" cy="5497511"/>
           </a:xfrm>
         </p:spPr>
         <p:txBody>
@@ -6889,6 +6894,21 @@
           <a:p>
             <a:pPr marL="742950" lvl="2" indent="-342900"/>
             <a:r>
+              <a:rPr lang="fr-CA" dirty="0"/>
+              <a:t>PSIM</a:t>
+            </a:r>
+          </a:p>
+          <a:p>
+            <a:pPr marL="1200150" lvl="3" indent="-342900"/>
+            <a:r>
+              <a:rPr lang="fr-CA" dirty="0"/>
+              <a:t>PSIM est spécialement conçu pour les circuit d’électronique de puissance et des contrôle de moteur tandis que les simulateurs génériques sont conçu pour les circuit électrique de base. Ceci permet une meilleure rapidité et une meilleure précision. </a:t>
+            </a:r>
+            <a:endParaRPr lang="fr-CA" dirty="0" smtClean="0"/>
+          </a:p>
+          <a:p>
+            <a:pPr marL="742950" lvl="2" indent="-342900"/>
+            <a:r>
               <a:rPr lang="fr-CA" dirty="0" err="1" smtClean="0"/>
               <a:t>Opal</a:t>
             </a:r>
@@ -6913,19 +6933,15 @@
             </a:r>
           </a:p>
           <a:p>
-            <a:pPr marL="742950" lvl="2" indent="-342900"/>
+            <a:pPr marL="1200150" lvl="3" indent="-342900"/>
+            <a:r>
+              <a:rPr lang="fr-CA" dirty="0"/>
+              <a:t>Implantation du procédé de façon pratique (comme un circuit électrique) au lieu d’une résolution d’équation </a:t>
+            </a:r>
             <a:r>
               <a:rPr lang="fr-CA" dirty="0" smtClean="0"/>
-              <a:t>PSIM</a:t>
-            </a:r>
-          </a:p>
-          <a:p>
-            <a:pPr marL="1200150" lvl="3" indent="-342900"/>
-            <a:r>
-              <a:rPr lang="fr-CA" dirty="0" smtClean="0"/>
-              <a:t>PSIM est spécialement conçu pour les circuit d’électronique de puissance et des contrôle de moteur tandis que les simulateurs génériques sont conçu pour les circuit électrique de base. Ceci permet une meilleure rapidité et une meilleure précision. </a:t>
-            </a:r>
-            <a:endParaRPr lang="fr-CA" dirty="0" smtClean="0"/>
+              <a:t>mathématique comme les simulateurs hors-ligne.</a:t>
+            </a:r>
           </a:p>
         </p:txBody>
       </p:sp>
@@ -7046,15 +7062,27 @@
           <a:p>
             <a:pPr lvl="2"/>
             <a:r>
+              <a:rPr lang="fr-CA" dirty="0" smtClean="0"/>
+              <a:t>Meilleure comparaison </a:t>
+            </a:r>
+            <a:r>
               <a:rPr lang="fr-CA" dirty="0"/>
-              <a:t>Comparaison avec le procédé réel du fait de sa structure de simulation</a:t>
+              <a:t>avec le procédé réel du fait de sa structure de </a:t>
+            </a:r>
+            <a:r>
+              <a:rPr lang="fr-CA" dirty="0" smtClean="0"/>
+              <a:t>simulation</a:t>
             </a:r>
           </a:p>
           <a:p>
             <a:pPr lvl="1"/>
             <a:r>
+              <a:rPr lang="fr-CA" dirty="0" smtClean="0"/>
+              <a:t>Simulateur </a:t>
+            </a:r>
+            <a:r>
               <a:rPr lang="fr-CA" dirty="0"/>
-              <a:t>Simulateur hors-ligne (Simulink, PSIM):</a:t>
+              <a:t>hors-ligne (Simulink, PSIM):</a:t>
             </a:r>
           </a:p>
           <a:p>
@@ -7068,7 +7096,26 @@
             <a:pPr lvl="1"/>
             <a:r>
               <a:rPr lang="fr-CA" dirty="0"/>
-              <a:t>Possibilité de différences marquée entre les deux types de simulateurs </a:t>
+              <a:t>Possibilité de différences </a:t>
+            </a:r>
+            <a:r>
+              <a:rPr lang="fr-CA" dirty="0" smtClean="0"/>
+              <a:t>marquées </a:t>
+            </a:r>
+            <a:r>
+              <a:rPr lang="fr-CA" dirty="0"/>
+              <a:t>entre les deux types de </a:t>
+            </a:r>
+            <a:r>
+              <a:rPr lang="fr-CA" dirty="0" smtClean="0"/>
+              <a:t>simulateurs</a:t>
+            </a:r>
+          </a:p>
+          <a:p>
+            <a:pPr lvl="2"/>
+            <a:r>
+              <a:rPr lang="fr-CA" dirty="0" smtClean="0"/>
+              <a:t>Choix de la meilleure implantation à l’aide de tests pratiques.</a:t>
             </a:r>
           </a:p>
         </p:txBody>
@@ -11695,6 +11742,193 @@
 </p:sld>
 </file>
 
+<file path=ppt/slides/slide29.xml><?xml version="1.0" encoding="utf-8"?>
+<p:sld xmlns:a="http://schemas.openxmlformats.org/drawingml/2006/main" xmlns:r="http://schemas.openxmlformats.org/officeDocument/2006/relationships" xmlns:p="http://schemas.openxmlformats.org/presentationml/2006/main">
+  <p:cSld>
+    <p:spTree>
+      <p:nvGrpSpPr>
+        <p:cNvPr id="1" name=""/>
+        <p:cNvGrpSpPr/>
+        <p:nvPr/>
+      </p:nvGrpSpPr>
+      <p:grpSpPr>
+        <a:xfrm>
+          <a:off x="0" y="0"/>
+          <a:ext cx="0" cy="0"/>
+          <a:chOff x="0" y="0"/>
+          <a:chExt cx="0" cy="0"/>
+        </a:xfrm>
+      </p:grpSpPr>
+      <p:sp>
+        <p:nvSpPr>
+          <p:cNvPr id="2" name="Title 1"/>
+          <p:cNvSpPr>
+            <a:spLocks noGrp="1"/>
+          </p:cNvSpPr>
+          <p:nvPr>
+            <p:ph type="title"/>
+            <p:custDataLst>
+              <p:tags r:id="rId1"/>
+            </p:custDataLst>
+          </p:nvPr>
+        </p:nvSpPr>
+        <p:spPr>
+          <a:xfrm>
+            <a:off x="677333" y="609600"/>
+            <a:ext cx="10832495" cy="1320800"/>
+          </a:xfrm>
+        </p:spPr>
+        <p:txBody>
+          <a:bodyPr>
+            <a:normAutofit/>
+          </a:bodyPr>
+          <a:lstStyle/>
+          <a:p>
+            <a:r>
+              <a:rPr lang="fr-CA" dirty="0" smtClean="0"/>
+              <a:t>Gantt (1/2)</a:t>
+            </a:r>
+            <a:br>
+              <a:rPr lang="fr-CA" dirty="0" smtClean="0"/>
+            </a:br>
+            <a:r>
+              <a:rPr lang="fr-CA" sz="1800" i="1" dirty="0" smtClean="0"/>
+              <a:t>*Voir les dernières pages du PDF pour plus de précision</a:t>
+            </a:r>
+            <a:endParaRPr lang="en-US" sz="1800" i="1" dirty="0"/>
+          </a:p>
+        </p:txBody>
+      </p:sp>
+      <p:grpSp>
+        <p:nvGrpSpPr>
+          <p:cNvPr id="11" name="Group 8"/>
+          <p:cNvGrpSpPr>
+            <a:grpSpLocks noChangeAspect="1"/>
+          </p:cNvGrpSpPr>
+          <p:nvPr>
+            <p:custDataLst>
+              <p:tags r:id="rId2"/>
+            </p:custDataLst>
+          </p:nvPr>
+        </p:nvGrpSpPr>
+        <p:grpSpPr bwMode="auto">
+          <a:xfrm>
+            <a:off x="194734" y="1930400"/>
+            <a:ext cx="11790625" cy="3771900"/>
+            <a:chOff x="-877" y="651"/>
+            <a:chExt cx="9434" cy="3018"/>
+          </a:xfrm>
+        </p:grpSpPr>
+        <p:sp>
+          <p:nvSpPr>
+            <p:cNvPr id="12" name="AutoShape 7"/>
+            <p:cNvSpPr>
+              <a:spLocks noChangeAspect="1" noChangeArrowheads="1" noTextEdit="1"/>
+            </p:cNvSpPr>
+            <p:nvPr/>
+          </p:nvSpPr>
+          <p:spPr bwMode="auto">
+            <a:xfrm>
+              <a:off x="-877" y="651"/>
+              <a:ext cx="9434" cy="3018"/>
+            </a:xfrm>
+            <a:prstGeom prst="rect">
+              <a:avLst/>
+            </a:prstGeom>
+            <a:noFill/>
+            <a:ln w="28575">
+              <a:solidFill>
+                <a:schemeClr val="accent1"/>
+              </a:solidFill>
+              <a:miter lim="800000"/>
+              <a:headEnd/>
+              <a:tailEnd/>
+            </a:ln>
+            <a:extLst>
+              <a:ext uri="{909E8E84-426E-40DD-AFC4-6F175D3DCCD1}">
+                <a14:hiddenFill xmlns:a14="http://schemas.microsoft.com/office/drawing/2010/main">
+                  <a:solidFill>
+                    <a:srgbClr val="FFFFFF"/>
+                  </a:solidFill>
+                </a14:hiddenFill>
+              </a:ext>
+            </a:extLst>
+          </p:spPr>
+          <p:txBody>
+            <a:bodyPr vert="horz" wrap="square" lIns="91440" tIns="45720" rIns="91440" bIns="45720" numCol="1" anchor="t" anchorCtr="0" compatLnSpc="1">
+              <a:prstTxWarp prst="textNoShape">
+                <a:avLst/>
+              </a:prstTxWarp>
+            </a:bodyPr>
+            <a:lstStyle/>
+            <a:p>
+              <a:endParaRPr lang="en-US"/>
+            </a:p>
+          </p:txBody>
+        </p:sp>
+        <p:pic>
+          <p:nvPicPr>
+            <p:cNvPr id="1033" name="Picture 9"/>
+            <p:cNvPicPr>
+              <a:picLocks noChangeAspect="1" noChangeArrowheads="1"/>
+            </p:cNvPicPr>
+            <p:nvPr/>
+          </p:nvPicPr>
+          <p:blipFill>
+            <a:blip r:embed="rId4">
+              <a:extLst>
+                <a:ext uri="{28A0092B-C50C-407E-A947-70E740481C1C}">
+                  <a14:useLocalDpi xmlns:a14="http://schemas.microsoft.com/office/drawing/2010/main" val="0"/>
+                </a:ext>
+              </a:extLst>
+            </a:blip>
+            <a:srcRect/>
+            <a:stretch>
+              <a:fillRect/>
+            </a:stretch>
+          </p:blipFill>
+          <p:spPr bwMode="auto">
+            <a:xfrm>
+              <a:off x="-877" y="651"/>
+              <a:ext cx="9440" cy="3024"/>
+            </a:xfrm>
+            <a:prstGeom prst="rect">
+              <a:avLst/>
+            </a:prstGeom>
+            <a:noFill/>
+            <a:ln w="28575">
+              <a:solidFill>
+                <a:schemeClr val="accent1"/>
+              </a:solidFill>
+              <a:miter lim="800000"/>
+              <a:headEnd/>
+              <a:tailEnd/>
+            </a:ln>
+            <a:extLst>
+              <a:ext uri="{909E8E84-426E-40DD-AFC4-6F175D3DCCD1}">
+                <a14:hiddenFill xmlns:a14="http://schemas.microsoft.com/office/drawing/2010/main">
+                  <a:solidFill>
+                    <a:srgbClr val="FFFFFF"/>
+                  </a:solidFill>
+                </a14:hiddenFill>
+              </a:ext>
+            </a:extLst>
+          </p:spPr>
+        </p:pic>
+      </p:grpSp>
+    </p:spTree>
+    <p:extLst>
+      <p:ext uri="{BB962C8B-B14F-4D97-AF65-F5344CB8AC3E}">
+        <p14:creationId xmlns:p14="http://schemas.microsoft.com/office/powerpoint/2010/main" val="3994253501"/>
+      </p:ext>
+    </p:extLst>
+  </p:cSld>
+  <p:clrMapOvr>
+    <a:masterClrMapping/>
+  </p:clrMapOvr>
+</p:sld>
+</file>
+
 <file path=ppt/slides/slide3.xml><?xml version="1.0" encoding="utf-8"?>
 <p:sld xmlns:a="http://schemas.openxmlformats.org/drawingml/2006/main" xmlns:r="http://schemas.openxmlformats.org/officeDocument/2006/relationships" xmlns:p="http://schemas.openxmlformats.org/presentationml/2006/main">
   <p:cSld>
@@ -11823,6 +12057,643 @@
     <p:extLst>
       <p:ext uri="{BB962C8B-B14F-4D97-AF65-F5344CB8AC3E}">
         <p14:creationId xmlns:p14="http://schemas.microsoft.com/office/powerpoint/2010/main" val="1623931377"/>
+      </p:ext>
+    </p:extLst>
+  </p:cSld>
+  <p:clrMapOvr>
+    <a:masterClrMapping/>
+  </p:clrMapOvr>
+  <p:timing>
+    <p:tnLst>
+      <p:par>
+        <p:cTn id="1" dur="indefinite" restart="never" nodeType="tmRoot"/>
+      </p:par>
+    </p:tnLst>
+  </p:timing>
+</p:sld>
+</file>
+
+<file path=ppt/slides/slide30.xml><?xml version="1.0" encoding="utf-8"?>
+<p:sld xmlns:a="http://schemas.openxmlformats.org/drawingml/2006/main" xmlns:r="http://schemas.openxmlformats.org/officeDocument/2006/relationships" xmlns:p="http://schemas.openxmlformats.org/presentationml/2006/main">
+  <p:cSld>
+    <p:spTree>
+      <p:nvGrpSpPr>
+        <p:cNvPr id="1" name=""/>
+        <p:cNvGrpSpPr/>
+        <p:nvPr/>
+      </p:nvGrpSpPr>
+      <p:grpSpPr>
+        <a:xfrm>
+          <a:off x="0" y="0"/>
+          <a:ext cx="0" cy="0"/>
+          <a:chOff x="0" y="0"/>
+          <a:chExt cx="0" cy="0"/>
+        </a:xfrm>
+      </p:grpSpPr>
+      <p:sp>
+        <p:nvSpPr>
+          <p:cNvPr id="2" name="Title 1"/>
+          <p:cNvSpPr>
+            <a:spLocks noGrp="1"/>
+          </p:cNvSpPr>
+          <p:nvPr>
+            <p:ph type="title"/>
+            <p:custDataLst>
+              <p:tags r:id="rId1"/>
+            </p:custDataLst>
+          </p:nvPr>
+        </p:nvSpPr>
+        <p:spPr>
+          <a:xfrm>
+            <a:off x="239549" y="127000"/>
+            <a:ext cx="10979993" cy="1320800"/>
+          </a:xfrm>
+        </p:spPr>
+        <p:txBody>
+          <a:bodyPr>
+            <a:normAutofit/>
+          </a:bodyPr>
+          <a:lstStyle/>
+          <a:p>
+            <a:r>
+              <a:rPr lang="fr-CA" dirty="0" smtClean="0"/>
+              <a:t>Gantt (2/2)</a:t>
+            </a:r>
+            <a:br>
+              <a:rPr lang="fr-CA" dirty="0" smtClean="0"/>
+            </a:br>
+            <a:r>
+              <a:rPr lang="fr-CA" sz="2000" i="1" dirty="0"/>
+              <a:t>*Voir les dernières pages du PDF pour plus de précision</a:t>
+            </a:r>
+            <a:endParaRPr lang="en-US" sz="2000" dirty="0"/>
+          </a:p>
+        </p:txBody>
+      </p:sp>
+      <p:grpSp>
+        <p:nvGrpSpPr>
+          <p:cNvPr id="5" name="Group 4"/>
+          <p:cNvGrpSpPr>
+            <a:grpSpLocks noChangeAspect="1"/>
+          </p:cNvGrpSpPr>
+          <p:nvPr>
+            <p:custDataLst>
+              <p:tags r:id="rId2"/>
+            </p:custDataLst>
+          </p:nvPr>
+        </p:nvGrpSpPr>
+        <p:grpSpPr bwMode="auto">
+          <a:xfrm>
+            <a:off x="239550" y="1195615"/>
+            <a:ext cx="11838150" cy="3684588"/>
+            <a:chOff x="134" y="1143"/>
+            <a:chExt cx="8180" cy="2546"/>
+          </a:xfrm>
+        </p:grpSpPr>
+        <p:sp>
+          <p:nvSpPr>
+            <p:cNvPr id="6" name="AutoShape 3"/>
+            <p:cNvSpPr>
+              <a:spLocks noChangeAspect="1" noChangeArrowheads="1" noTextEdit="1"/>
+            </p:cNvSpPr>
+            <p:nvPr/>
+          </p:nvSpPr>
+          <p:spPr bwMode="auto">
+            <a:xfrm>
+              <a:off x="134" y="1143"/>
+              <a:ext cx="8180" cy="2546"/>
+            </a:xfrm>
+            <a:prstGeom prst="rect">
+              <a:avLst/>
+            </a:prstGeom>
+            <a:noFill/>
+            <a:ln w="28575">
+              <a:solidFill>
+                <a:schemeClr val="accent1"/>
+              </a:solidFill>
+              <a:miter lim="800000"/>
+              <a:headEnd/>
+              <a:tailEnd/>
+            </a:ln>
+            <a:extLst>
+              <a:ext uri="{909E8E84-426E-40DD-AFC4-6F175D3DCCD1}">
+                <a14:hiddenFill xmlns:a14="http://schemas.microsoft.com/office/drawing/2010/main">
+                  <a:solidFill>
+                    <a:srgbClr val="FFFFFF"/>
+                  </a:solidFill>
+                </a14:hiddenFill>
+              </a:ext>
+            </a:extLst>
+          </p:spPr>
+          <p:txBody>
+            <a:bodyPr vert="horz" wrap="square" lIns="91440" tIns="45720" rIns="91440" bIns="45720" numCol="1" anchor="t" anchorCtr="0" compatLnSpc="1">
+              <a:prstTxWarp prst="textNoShape">
+                <a:avLst/>
+              </a:prstTxWarp>
+            </a:bodyPr>
+            <a:lstStyle/>
+            <a:p>
+              <a:endParaRPr lang="en-US"/>
+            </a:p>
+          </p:txBody>
+        </p:sp>
+        <p:pic>
+          <p:nvPicPr>
+            <p:cNvPr id="2053" name="Picture 5"/>
+            <p:cNvPicPr>
+              <a:picLocks noChangeAspect="1" noChangeArrowheads="1"/>
+            </p:cNvPicPr>
+            <p:nvPr/>
+          </p:nvPicPr>
+          <p:blipFill>
+            <a:blip r:embed="rId5">
+              <a:extLst>
+                <a:ext uri="{28A0092B-C50C-407E-A947-70E740481C1C}">
+                  <a14:useLocalDpi xmlns:a14="http://schemas.microsoft.com/office/drawing/2010/main" val="0"/>
+                </a:ext>
+              </a:extLst>
+            </a:blip>
+            <a:srcRect/>
+            <a:stretch>
+              <a:fillRect/>
+            </a:stretch>
+          </p:blipFill>
+          <p:spPr bwMode="auto">
+            <a:xfrm>
+              <a:off x="134" y="1143"/>
+              <a:ext cx="8186" cy="2552"/>
+            </a:xfrm>
+            <a:prstGeom prst="rect">
+              <a:avLst/>
+            </a:prstGeom>
+            <a:noFill/>
+            <a:ln w="28575">
+              <a:solidFill>
+                <a:schemeClr val="accent1"/>
+              </a:solidFill>
+              <a:miter lim="800000"/>
+              <a:headEnd/>
+              <a:tailEnd/>
+            </a:ln>
+            <a:extLst>
+              <a:ext uri="{909E8E84-426E-40DD-AFC4-6F175D3DCCD1}">
+                <a14:hiddenFill xmlns:a14="http://schemas.microsoft.com/office/drawing/2010/main">
+                  <a:solidFill>
+                    <a:srgbClr val="FFFFFF"/>
+                  </a:solidFill>
+                </a14:hiddenFill>
+              </a:ext>
+            </a:extLst>
+          </p:spPr>
+        </p:pic>
+      </p:grpSp>
+      <p:grpSp>
+        <p:nvGrpSpPr>
+          <p:cNvPr id="8" name="Group 8"/>
+          <p:cNvGrpSpPr>
+            <a:grpSpLocks noChangeAspect="1"/>
+          </p:cNvGrpSpPr>
+          <p:nvPr>
+            <p:custDataLst>
+              <p:tags r:id="rId3"/>
+            </p:custDataLst>
+          </p:nvPr>
+        </p:nvGrpSpPr>
+        <p:grpSpPr bwMode="auto">
+          <a:xfrm>
+            <a:off x="271935" y="4972029"/>
+            <a:ext cx="11805765" cy="2037010"/>
+            <a:chOff x="125" y="2942"/>
+            <a:chExt cx="8763" cy="1512"/>
+          </a:xfrm>
+        </p:grpSpPr>
+        <p:sp>
+          <p:nvSpPr>
+            <p:cNvPr id="9" name="AutoShape 7"/>
+            <p:cNvSpPr>
+              <a:spLocks noChangeAspect="1" noChangeArrowheads="1" noTextEdit="1"/>
+            </p:cNvSpPr>
+            <p:nvPr/>
+          </p:nvSpPr>
+          <p:spPr bwMode="auto">
+            <a:xfrm>
+              <a:off x="142" y="3130"/>
+              <a:ext cx="8746" cy="1324"/>
+            </a:xfrm>
+            <a:prstGeom prst="rect">
+              <a:avLst/>
+            </a:prstGeom>
+            <a:noFill/>
+            <a:ln>
+              <a:noFill/>
+            </a:ln>
+            <a:extLst>
+              <a:ext uri="{909E8E84-426E-40DD-AFC4-6F175D3DCCD1}">
+                <a14:hiddenFill xmlns:a14="http://schemas.microsoft.com/office/drawing/2010/main">
+                  <a:solidFill>
+                    <a:srgbClr val="FFFFFF"/>
+                  </a:solidFill>
+                </a14:hiddenFill>
+              </a:ext>
+              <a:ext uri="{91240B29-F687-4F45-9708-019B960494DF}">
+                <a14:hiddenLine xmlns:a14="http://schemas.microsoft.com/office/drawing/2010/main" w="9525">
+                  <a:solidFill>
+                    <a:srgbClr val="000000"/>
+                  </a:solidFill>
+                  <a:miter lim="800000"/>
+                  <a:headEnd/>
+                  <a:tailEnd/>
+                </a14:hiddenLine>
+              </a:ext>
+            </a:extLst>
+          </p:spPr>
+          <p:txBody>
+            <a:bodyPr vert="horz" wrap="square" lIns="91440" tIns="45720" rIns="91440" bIns="45720" numCol="1" anchor="t" anchorCtr="0" compatLnSpc="1">
+              <a:prstTxWarp prst="textNoShape">
+                <a:avLst/>
+              </a:prstTxWarp>
+            </a:bodyPr>
+            <a:lstStyle/>
+            <a:p>
+              <a:endParaRPr lang="en-US"/>
+            </a:p>
+          </p:txBody>
+        </p:sp>
+        <p:pic>
+          <p:nvPicPr>
+            <p:cNvPr id="2057" name="Picture 9"/>
+            <p:cNvPicPr>
+              <a:picLocks noChangeAspect="1" noChangeArrowheads="1"/>
+            </p:cNvPicPr>
+            <p:nvPr/>
+          </p:nvPicPr>
+          <p:blipFill>
+            <a:blip r:embed="rId6">
+              <a:extLst>
+                <a:ext uri="{28A0092B-C50C-407E-A947-70E740481C1C}">
+                  <a14:useLocalDpi xmlns:a14="http://schemas.microsoft.com/office/drawing/2010/main" val="0"/>
+                </a:ext>
+              </a:extLst>
+            </a:blip>
+            <a:srcRect/>
+            <a:stretch>
+              <a:fillRect/>
+            </a:stretch>
+          </p:blipFill>
+          <p:spPr bwMode="auto">
+            <a:xfrm>
+              <a:off x="125" y="2942"/>
+              <a:ext cx="8752" cy="1330"/>
+            </a:xfrm>
+            <a:prstGeom prst="rect">
+              <a:avLst/>
+            </a:prstGeom>
+            <a:noFill/>
+            <a:ln w="28575">
+              <a:solidFill>
+                <a:schemeClr val="accent1"/>
+              </a:solidFill>
+              <a:miter lim="800000"/>
+              <a:headEnd/>
+              <a:tailEnd/>
+            </a:ln>
+            <a:extLst>
+              <a:ext uri="{909E8E84-426E-40DD-AFC4-6F175D3DCCD1}">
+                <a14:hiddenFill xmlns:a14="http://schemas.microsoft.com/office/drawing/2010/main">
+                  <a:solidFill>
+                    <a:srgbClr val="FFFFFF"/>
+                  </a:solidFill>
+                </a14:hiddenFill>
+              </a:ext>
+            </a:extLst>
+          </p:spPr>
+        </p:pic>
+      </p:grpSp>
+    </p:spTree>
+    <p:extLst>
+      <p:ext uri="{BB962C8B-B14F-4D97-AF65-F5344CB8AC3E}">
+        <p14:creationId xmlns:p14="http://schemas.microsoft.com/office/powerpoint/2010/main" val="2853946640"/>
+      </p:ext>
+    </p:extLst>
+  </p:cSld>
+  <p:clrMapOvr>
+    <a:masterClrMapping/>
+  </p:clrMapOvr>
+</p:sld>
+</file>
+
+<file path=ppt/slides/slide31.xml><?xml version="1.0" encoding="utf-8"?>
+<p:sld xmlns:a="http://schemas.openxmlformats.org/drawingml/2006/main" xmlns:r="http://schemas.openxmlformats.org/officeDocument/2006/relationships" xmlns:p="http://schemas.openxmlformats.org/presentationml/2006/main">
+  <p:cSld>
+    <p:spTree>
+      <p:nvGrpSpPr>
+        <p:cNvPr id="1" name=""/>
+        <p:cNvGrpSpPr/>
+        <p:nvPr/>
+      </p:nvGrpSpPr>
+      <p:grpSpPr>
+        <a:xfrm>
+          <a:off x="0" y="0"/>
+          <a:ext cx="0" cy="0"/>
+          <a:chOff x="0" y="0"/>
+          <a:chExt cx="0" cy="0"/>
+        </a:xfrm>
+      </p:grpSpPr>
+      <p:sp>
+        <p:nvSpPr>
+          <p:cNvPr id="2" name="Title 1"/>
+          <p:cNvSpPr>
+            <a:spLocks noGrp="1"/>
+          </p:cNvSpPr>
+          <p:nvPr>
+            <p:ph type="title"/>
+            <p:custDataLst>
+              <p:tags r:id="rId1"/>
+            </p:custDataLst>
+          </p:nvPr>
+        </p:nvSpPr>
+        <p:spPr/>
+        <p:txBody>
+          <a:bodyPr>
+            <a:normAutofit/>
+          </a:bodyPr>
+          <a:lstStyle/>
+          <a:p>
+            <a:r>
+              <a:rPr lang="fr-CA" dirty="0" smtClean="0"/>
+              <a:t>WBS (1/3)</a:t>
+            </a:r>
+            <a:br>
+              <a:rPr lang="fr-CA" dirty="0" smtClean="0"/>
+            </a:br>
+            <a:r>
+              <a:rPr lang="fr-CA" sz="2200" i="1" dirty="0"/>
+              <a:t>*Voir les dernières pages du PDF pour plus de précision</a:t>
+            </a:r>
+            <a:endParaRPr lang="en-US" sz="2200" dirty="0"/>
+          </a:p>
+        </p:txBody>
+      </p:sp>
+      <p:pic>
+        <p:nvPicPr>
+          <p:cNvPr id="6" name="Picture 5"/>
+          <p:cNvPicPr>
+            <a:picLocks noChangeAspect="1"/>
+          </p:cNvPicPr>
+          <p:nvPr>
+            <p:custDataLst>
+              <p:tags r:id="rId2"/>
+            </p:custDataLst>
+          </p:nvPr>
+        </p:nvPicPr>
+        <p:blipFill rotWithShape="1">
+          <a:blip r:embed="rId4">
+            <a:extLst>
+              <a:ext uri="{28A0092B-C50C-407E-A947-70E740481C1C}">
+                <a14:useLocalDpi xmlns:a14="http://schemas.microsoft.com/office/drawing/2010/main" val="0"/>
+              </a:ext>
+            </a:extLst>
+          </a:blip>
+          <a:srcRect b="25568"/>
+          <a:stretch/>
+        </p:blipFill>
+        <p:spPr>
+          <a:xfrm>
+            <a:off x="351756" y="1930400"/>
+            <a:ext cx="11662659" cy="3984173"/>
+          </a:xfrm>
+          <a:prstGeom prst="rect">
+            <a:avLst/>
+          </a:prstGeom>
+          <a:ln w="28575">
+            <a:solidFill>
+              <a:schemeClr val="bg2">
+                <a:lumMod val="50000"/>
+              </a:schemeClr>
+            </a:solidFill>
+          </a:ln>
+        </p:spPr>
+      </p:pic>
+    </p:spTree>
+    <p:extLst>
+      <p:ext uri="{BB962C8B-B14F-4D97-AF65-F5344CB8AC3E}">
+        <p14:creationId xmlns:p14="http://schemas.microsoft.com/office/powerpoint/2010/main" val="1613278810"/>
+      </p:ext>
+    </p:extLst>
+  </p:cSld>
+  <p:clrMapOvr>
+    <a:masterClrMapping/>
+  </p:clrMapOvr>
+  <p:timing>
+    <p:tnLst>
+      <p:par>
+        <p:cTn id="1" dur="indefinite" restart="never" nodeType="tmRoot"/>
+      </p:par>
+    </p:tnLst>
+  </p:timing>
+</p:sld>
+</file>
+
+<file path=ppt/slides/slide32.xml><?xml version="1.0" encoding="utf-8"?>
+<p:sld xmlns:a="http://schemas.openxmlformats.org/drawingml/2006/main" xmlns:r="http://schemas.openxmlformats.org/officeDocument/2006/relationships" xmlns:p="http://schemas.openxmlformats.org/presentationml/2006/main">
+  <p:cSld>
+    <p:spTree>
+      <p:nvGrpSpPr>
+        <p:cNvPr id="1" name=""/>
+        <p:cNvGrpSpPr/>
+        <p:nvPr/>
+      </p:nvGrpSpPr>
+      <p:grpSpPr>
+        <a:xfrm>
+          <a:off x="0" y="0"/>
+          <a:ext cx="0" cy="0"/>
+          <a:chOff x="0" y="0"/>
+          <a:chExt cx="0" cy="0"/>
+        </a:xfrm>
+      </p:grpSpPr>
+      <p:sp>
+        <p:nvSpPr>
+          <p:cNvPr id="2" name="Title 1"/>
+          <p:cNvSpPr>
+            <a:spLocks noGrp="1"/>
+          </p:cNvSpPr>
+          <p:nvPr>
+            <p:ph type="title"/>
+            <p:custDataLst>
+              <p:tags r:id="rId1"/>
+            </p:custDataLst>
+          </p:nvPr>
+        </p:nvSpPr>
+        <p:spPr/>
+        <p:txBody>
+          <a:bodyPr/>
+          <a:lstStyle/>
+          <a:p>
+            <a:r>
+              <a:rPr lang="fr-CA" dirty="0" smtClean="0"/>
+              <a:t>WBS (2/3)</a:t>
+            </a:r>
+            <a:endParaRPr lang="en-US" dirty="0"/>
+          </a:p>
+        </p:txBody>
+      </p:sp>
+      <p:pic>
+        <p:nvPicPr>
+          <p:cNvPr id="4" name="Picture 3"/>
+          <p:cNvPicPr>
+            <a:picLocks noChangeAspect="1"/>
+          </p:cNvPicPr>
+          <p:nvPr>
+            <p:custDataLst>
+              <p:tags r:id="rId2"/>
+            </p:custDataLst>
+          </p:nvPr>
+        </p:nvPicPr>
+        <p:blipFill rotWithShape="1">
+          <a:blip r:embed="rId4">
+            <a:extLst>
+              <a:ext uri="{28A0092B-C50C-407E-A947-70E740481C1C}">
+                <a14:useLocalDpi xmlns:a14="http://schemas.microsoft.com/office/drawing/2010/main" val="0"/>
+              </a:ext>
+            </a:extLst>
+          </a:blip>
+          <a:srcRect b="5536"/>
+          <a:stretch/>
+        </p:blipFill>
+        <p:spPr>
+          <a:xfrm>
+            <a:off x="341087" y="85779"/>
+            <a:ext cx="11611026" cy="6590791"/>
+          </a:xfrm>
+          <a:prstGeom prst="rect">
+            <a:avLst/>
+          </a:prstGeom>
+          <a:ln w="28575">
+            <a:solidFill>
+              <a:schemeClr val="bg2">
+                <a:lumMod val="50000"/>
+              </a:schemeClr>
+            </a:solidFill>
+          </a:ln>
+        </p:spPr>
+      </p:pic>
+    </p:spTree>
+    <p:extLst>
+      <p:ext uri="{BB962C8B-B14F-4D97-AF65-F5344CB8AC3E}">
+        <p14:creationId xmlns:p14="http://schemas.microsoft.com/office/powerpoint/2010/main" val="3474926127"/>
+      </p:ext>
+    </p:extLst>
+  </p:cSld>
+  <p:clrMapOvr>
+    <a:masterClrMapping/>
+  </p:clrMapOvr>
+  <p:timing>
+    <p:tnLst>
+      <p:par>
+        <p:cTn id="1" dur="indefinite" restart="never" nodeType="tmRoot"/>
+      </p:par>
+    </p:tnLst>
+  </p:timing>
+</p:sld>
+</file>
+
+<file path=ppt/slides/slide33.xml><?xml version="1.0" encoding="utf-8"?>
+<p:sld xmlns:a="http://schemas.openxmlformats.org/drawingml/2006/main" xmlns:r="http://schemas.openxmlformats.org/officeDocument/2006/relationships" xmlns:p="http://schemas.openxmlformats.org/presentationml/2006/main">
+  <p:cSld>
+    <p:spTree>
+      <p:nvGrpSpPr>
+        <p:cNvPr id="1" name=""/>
+        <p:cNvGrpSpPr/>
+        <p:nvPr/>
+      </p:nvGrpSpPr>
+      <p:grpSpPr>
+        <a:xfrm>
+          <a:off x="0" y="0"/>
+          <a:ext cx="0" cy="0"/>
+          <a:chOff x="0" y="0"/>
+          <a:chExt cx="0" cy="0"/>
+        </a:xfrm>
+      </p:grpSpPr>
+      <p:sp>
+        <p:nvSpPr>
+          <p:cNvPr id="2" name="Title 1"/>
+          <p:cNvSpPr>
+            <a:spLocks noGrp="1"/>
+          </p:cNvSpPr>
+          <p:nvPr>
+            <p:ph type="title"/>
+            <p:custDataLst>
+              <p:tags r:id="rId1"/>
+            </p:custDataLst>
+          </p:nvPr>
+        </p:nvSpPr>
+        <p:spPr/>
+        <p:txBody>
+          <a:bodyPr>
+            <a:normAutofit/>
+          </a:bodyPr>
+          <a:lstStyle/>
+          <a:p>
+            <a:r>
+              <a:rPr lang="fr-CA" dirty="0"/>
+              <a:t>WBS (1/3)</a:t>
+            </a:r>
+            <a:br>
+              <a:rPr lang="fr-CA" dirty="0"/>
+            </a:br>
+            <a:r>
+              <a:rPr lang="fr-CA" sz="2000" i="1" dirty="0"/>
+              <a:t>*Voir les dernières pages du PDF pour plus de précision</a:t>
+            </a:r>
+            <a:endParaRPr lang="en-US" dirty="0"/>
+          </a:p>
+        </p:txBody>
+      </p:sp>
+      <p:pic>
+        <p:nvPicPr>
+          <p:cNvPr id="7" name="Picture 6"/>
+          <p:cNvPicPr>
+            <a:picLocks noChangeAspect="1"/>
+          </p:cNvPicPr>
+          <p:nvPr>
+            <p:custDataLst>
+              <p:tags r:id="rId2"/>
+            </p:custDataLst>
+          </p:nvPr>
+        </p:nvPicPr>
+        <p:blipFill>
+          <a:blip r:embed="rId4">
+            <a:extLst>
+              <a:ext uri="{28A0092B-C50C-407E-A947-70E740481C1C}">
+                <a14:useLocalDpi xmlns:a14="http://schemas.microsoft.com/office/drawing/2010/main" val="0"/>
+              </a:ext>
+            </a:extLst>
+          </a:blip>
+          <a:stretch>
+            <a:fillRect/>
+          </a:stretch>
+        </p:blipFill>
+        <p:spPr>
+          <a:xfrm>
+            <a:off x="250371" y="1767113"/>
+            <a:ext cx="11638808" cy="4472523"/>
+          </a:xfrm>
+          <a:prstGeom prst="rect">
+            <a:avLst/>
+          </a:prstGeom>
+          <a:ln w="28575">
+            <a:solidFill>
+              <a:schemeClr val="bg2">
+                <a:lumMod val="50000"/>
+              </a:schemeClr>
+            </a:solidFill>
+          </a:ln>
+        </p:spPr>
+      </p:pic>
+    </p:spTree>
+    <p:extLst>
+      <p:ext uri="{BB962C8B-B14F-4D97-AF65-F5344CB8AC3E}">
+        <p14:creationId xmlns:p14="http://schemas.microsoft.com/office/powerpoint/2010/main" val="430662262"/>
       </p:ext>
     </p:extLst>
   </p:cSld>
@@ -12829,6 +13700,60 @@
 </p:tagLst>
 </file>
 
+<file path=ppt/tags/tag10.xml><?xml version="1.0" encoding="utf-8"?>
+<p:tagLst xmlns:a="http://schemas.openxmlformats.org/drawingml/2006/main" xmlns:r="http://schemas.openxmlformats.org/officeDocument/2006/relationships" xmlns:p="http://schemas.openxmlformats.org/presentationml/2006/main">
+  <p:tag name="NUM" val="1"/>
+</p:tagLst>
+</file>
+
+<file path=ppt/tags/tag11.xml><?xml version="1.0" encoding="utf-8"?>
+<p:tagLst xmlns:a="http://schemas.openxmlformats.org/drawingml/2006/main" xmlns:r="http://schemas.openxmlformats.org/officeDocument/2006/relationships" xmlns:p="http://schemas.openxmlformats.org/presentationml/2006/main">
+  <p:tag name="NUM" val="2"/>
+</p:tagLst>
+</file>
+
+<file path=ppt/tags/tag12.xml><?xml version="1.0" encoding="utf-8"?>
+<p:tagLst xmlns:a="http://schemas.openxmlformats.org/drawingml/2006/main" xmlns:r="http://schemas.openxmlformats.org/officeDocument/2006/relationships" xmlns:p="http://schemas.openxmlformats.org/presentationml/2006/main">
+  <p:tag name="NUM" val="3"/>
+</p:tagLst>
+</file>
+
+<file path=ppt/tags/tag13.xml><?xml version="1.0" encoding="utf-8"?>
+<p:tagLst xmlns:a="http://schemas.openxmlformats.org/drawingml/2006/main" xmlns:r="http://schemas.openxmlformats.org/officeDocument/2006/relationships" xmlns:p="http://schemas.openxmlformats.org/presentationml/2006/main">
+  <p:tag name="NUM" val="1"/>
+</p:tagLst>
+</file>
+
+<file path=ppt/tags/tag14.xml><?xml version="1.0" encoding="utf-8"?>
+<p:tagLst xmlns:a="http://schemas.openxmlformats.org/drawingml/2006/main" xmlns:r="http://schemas.openxmlformats.org/officeDocument/2006/relationships" xmlns:p="http://schemas.openxmlformats.org/presentationml/2006/main">
+  <p:tag name="NUM" val="2"/>
+</p:tagLst>
+</file>
+
+<file path=ppt/tags/tag15.xml><?xml version="1.0" encoding="utf-8"?>
+<p:tagLst xmlns:a="http://schemas.openxmlformats.org/drawingml/2006/main" xmlns:r="http://schemas.openxmlformats.org/officeDocument/2006/relationships" xmlns:p="http://schemas.openxmlformats.org/presentationml/2006/main">
+  <p:tag name="NUM" val="1"/>
+</p:tagLst>
+</file>
+
+<file path=ppt/tags/tag16.xml><?xml version="1.0" encoding="utf-8"?>
+<p:tagLst xmlns:a="http://schemas.openxmlformats.org/drawingml/2006/main" xmlns:r="http://schemas.openxmlformats.org/officeDocument/2006/relationships" xmlns:p="http://schemas.openxmlformats.org/presentationml/2006/main">
+  <p:tag name="NUM" val="2"/>
+</p:tagLst>
+</file>
+
+<file path=ppt/tags/tag17.xml><?xml version="1.0" encoding="utf-8"?>
+<p:tagLst xmlns:a="http://schemas.openxmlformats.org/drawingml/2006/main" xmlns:r="http://schemas.openxmlformats.org/officeDocument/2006/relationships" xmlns:p="http://schemas.openxmlformats.org/presentationml/2006/main">
+  <p:tag name="NUM" val="1"/>
+</p:tagLst>
+</file>
+
+<file path=ppt/tags/tag18.xml><?xml version="1.0" encoding="utf-8"?>
+<p:tagLst xmlns:a="http://schemas.openxmlformats.org/drawingml/2006/main" xmlns:r="http://schemas.openxmlformats.org/officeDocument/2006/relationships" xmlns:p="http://schemas.openxmlformats.org/presentationml/2006/main">
+  <p:tag name="NUM" val="2"/>
+</p:tagLst>
+</file>
+
 <file path=ppt/tags/tag2.xml><?xml version="1.0" encoding="utf-8"?>
 <p:tagLst xmlns:a="http://schemas.openxmlformats.org/drawingml/2006/main" xmlns:r="http://schemas.openxmlformats.org/officeDocument/2006/relationships" xmlns:p="http://schemas.openxmlformats.org/presentationml/2006/main">
   <p:tag name="NUM" val="2"/>
@@ -12862,6 +13787,18 @@
 <file path=ppt/tags/tag7.xml><?xml version="1.0" encoding="utf-8"?>
 <p:tagLst xmlns:a="http://schemas.openxmlformats.org/drawingml/2006/main" xmlns:r="http://schemas.openxmlformats.org/officeDocument/2006/relationships" xmlns:p="http://schemas.openxmlformats.org/presentationml/2006/main">
   <p:tag name="NUM" val="4"/>
+</p:tagLst>
+</file>
+
+<file path=ppt/tags/tag8.xml><?xml version="1.0" encoding="utf-8"?>
+<p:tagLst xmlns:a="http://schemas.openxmlformats.org/drawingml/2006/main" xmlns:r="http://schemas.openxmlformats.org/officeDocument/2006/relationships" xmlns:p="http://schemas.openxmlformats.org/presentationml/2006/main">
+  <p:tag name="NUM" val="1"/>
+</p:tagLst>
+</file>
+
+<file path=ppt/tags/tag9.xml><?xml version="1.0" encoding="utf-8"?>
+<p:tagLst xmlns:a="http://schemas.openxmlformats.org/drawingml/2006/main" xmlns:r="http://schemas.openxmlformats.org/officeDocument/2006/relationships" xmlns:p="http://schemas.openxmlformats.org/presentationml/2006/main">
+  <p:tag name="NUM" val="2"/>
 </p:tagLst>
 </file>
 

--- a/Remise/Remise 1/Presentation_Remise_1.pptx
+++ b/Remise/Remise 1/Presentation_Remise_1.pptx
@@ -138,7 +138,7 @@
   </p:defaultTextStyle>
   <p:extLst>
     <p:ext uri="{EFAFB233-063F-42B5-8137-9DF3F51BA10A}">
-      <p15:sldGuideLst xmlns:p15="http://schemas.microsoft.com/office/powerpoint/2012/main">
+      <p15:sldGuideLst xmlns:p15="http://schemas.microsoft.com/office/powerpoint/2012/main" xmlns="">
         <p15:guide id="1" orient="horz" pos="2160">
           <p15:clr>
             <a:srgbClr val="A4A3A4"/>
@@ -6606,7 +6606,7 @@
   <p:timing>
     <p:tnLst>
       <p:par>
-        <p:cTn id="1" dur="indefinite" restart="never" nodeType="tmRoot"/>
+        <p:cTn xmlns:p14="http://schemas.microsoft.com/office/powerpoint/2010/main" id="1" dur="indefinite" restart="never" nodeType="tmRoot"/>
       </p:par>
     </p:tnLst>
   </p:timing>
@@ -6751,6 +6751,40 @@
           </a:prstGeom>
         </p:spPr>
       </p:pic>
+      <p:sp>
+        <p:nvSpPr>
+          <p:cNvPr id="2" name="TextBox 1"/>
+          <p:cNvSpPr txBox="1"/>
+          <p:nvPr/>
+        </p:nvSpPr>
+        <p:spPr>
+          <a:xfrm>
+            <a:off x="2044700" y="5842000"/>
+            <a:ext cx="2013517" cy="369332"/>
+          </a:xfrm>
+          <a:prstGeom prst="rect">
+            <a:avLst/>
+          </a:prstGeom>
+          <a:noFill/>
+        </p:spPr>
+        <p:txBody>
+          <a:bodyPr wrap="none" rtlCol="0">
+            <a:spAutoFit/>
+          </a:bodyPr>
+          <a:lstStyle/>
+          <a:p>
+            <a:r>
+              <a:rPr lang="en-US" dirty="0" smtClean="0"/>
+              <a:t>Source </a:t>
+            </a:r>
+            <a:r>
+              <a:rPr lang="en-US" dirty="0" err="1" smtClean="0"/>
+              <a:t>P.Viarouge</a:t>
+            </a:r>
+            <a:endParaRPr lang="en-US" dirty="0"/>
+          </a:p>
+        </p:txBody>
+      </p:sp>
     </p:spTree>
     <p:extLst>
       <p:ext uri="{BB962C8B-B14F-4D97-AF65-F5344CB8AC3E}">
@@ -6764,7 +6798,7 @@
   <p:timing>
     <p:tnLst>
       <p:par>
-        <p:cTn id="1" dur="indefinite" restart="never" nodeType="tmRoot"/>
+        <p:cTn xmlns:p14="http://schemas.microsoft.com/office/powerpoint/2010/main" id="1" dur="indefinite" restart="never" nodeType="tmRoot"/>
       </p:par>
     </p:tnLst>
   </p:timing>
@@ -6869,13 +6903,8 @@
             <a:pPr lvl="1"/>
             <a:r>
               <a:rPr lang="fr-CA" dirty="0" smtClean="0"/>
-              <a:t>Vont comparer différents param</a:t>
-            </a:r>
-            <a:r>
-              <a:rPr lang="fr-CA" dirty="0" smtClean="0"/>
-              <a:t>ètres de dimensionnement</a:t>
-            </a:r>
-            <a:endParaRPr lang="fr-CA" dirty="0" smtClean="0"/>
+              <a:t>Vont comparer différents paramètres de dimensionnement</a:t>
+            </a:r>
           </a:p>
           <a:p>
             <a:pPr marL="742950" lvl="2" indent="-342900"/>
@@ -6958,7 +6987,7 @@
   <p:timing>
     <p:tnLst>
       <p:par>
-        <p:cTn id="1" dur="indefinite" restart="never" nodeType="tmRoot"/>
+        <p:cTn xmlns:p14="http://schemas.microsoft.com/office/powerpoint/2010/main" id="1" dur="indefinite" restart="never" nodeType="tmRoot"/>
       </p:par>
     </p:tnLst>
   </p:timing>
@@ -7133,7 +7162,7 @@
   <p:timing>
     <p:tnLst>
       <p:par>
-        <p:cTn id="1" dur="indefinite" restart="never" nodeType="tmRoot"/>
+        <p:cTn xmlns:p14="http://schemas.microsoft.com/office/powerpoint/2010/main" id="1" dur="indefinite" restart="never" nodeType="tmRoot"/>
       </p:par>
     </p:tnLst>
   </p:timing>
@@ -7270,7 +7299,7 @@
   <p:timing>
     <p:tnLst>
       <p:par>
-        <p:cTn id="1" dur="indefinite" restart="never" nodeType="tmRoot"/>
+        <p:cTn xmlns:p14="http://schemas.microsoft.com/office/powerpoint/2010/main" id="1" dur="indefinite" restart="never" nodeType="tmRoot"/>
       </p:par>
     </p:tnLst>
   </p:timing>
@@ -7997,7 +8026,7 @@
             </a:solidFill>
           </a:ln>
           <a:extLst>
-            <a:ext uri="{909E8E84-426E-40DD-AFC4-6F175D3DCCD1}">
+            <a:ext uri="{909E8E84-426E-40dd-AFC4-6F175D3DCCD1}">
               <a14:hiddenFill xmlns:a14="http://schemas.microsoft.com/office/drawing/2010/main">
                 <a:solidFill>
                   <a:srgbClr val="FFFFFF"/>
@@ -8265,7 +8294,7 @@
           </a:prstGeom>
           <a:noFill/>
           <a:extLst>
-            <a:ext uri="{909E8E84-426E-40DD-AFC4-6F175D3DCCD1}">
+            <a:ext uri="{909E8E84-426E-40dd-AFC4-6F175D3DCCD1}">
               <a14:hiddenFill xmlns:a14="http://schemas.microsoft.com/office/drawing/2010/main">
                 <a:solidFill>
                   <a:srgbClr val="FFFFFF"/>
@@ -8310,7 +8339,7 @@
           </a:prstGeom>
           <a:noFill/>
           <a:extLst>
-            <a:ext uri="{909E8E84-426E-40DD-AFC4-6F175D3DCCD1}">
+            <a:ext uri="{909E8E84-426E-40dd-AFC4-6F175D3DCCD1}">
               <a14:hiddenFill xmlns:a14="http://schemas.microsoft.com/office/drawing/2010/main">
                 <a:solidFill>
                   <a:srgbClr val="FFFFFF"/>
@@ -8525,14 +8554,14 @@
           </a:ln>
           <a:extLst>
             <a:ext uri="{909E8E84-426E-40dd-AFC4-6F175D3DCCD1}">
-              <a14:hiddenFill xmlns:a14="http://schemas.microsoft.com/office/drawing/2010/main" xmlns="">
+              <a14:hiddenFill xmlns:a14="http://schemas.microsoft.com/office/drawing/2010/main">
                 <a:solidFill>
                   <a:srgbClr val="FFFFFF"/>
                 </a:solidFill>
               </a14:hiddenFill>
             </a:ext>
             <a:ext uri="{91240B29-F687-4f45-9708-019B960494DF}">
-              <a14:hiddenLine xmlns:a14="http://schemas.microsoft.com/office/drawing/2010/main" xmlns="" w="9525">
+              <a14:hiddenLine xmlns:a14="http://schemas.microsoft.com/office/drawing/2010/main" w="9525">
                 <a:solidFill>
                   <a:srgbClr val="000000"/>
                 </a:solidFill>
@@ -8611,7 +8640,7 @@
   <p:timing>
     <p:tnLst>
       <p:par>
-        <p:cTn id="1" dur="indefinite" restart="never" nodeType="tmRoot"/>
+        <p:cTn xmlns:p14="http://schemas.microsoft.com/office/powerpoint/2010/main" id="1" dur="indefinite" restart="never" nodeType="tmRoot"/>
       </p:par>
     </p:tnLst>
   </p:timing>
@@ -8768,7 +8797,7 @@
         <p:spPr/>
         <p:txBody>
           <a:bodyPr>
-            <a:normAutofit fontScale="90000"/>
+            <a:normAutofit/>
           </a:bodyPr>
           <a:lstStyle/>
           <a:p>
@@ -8923,7 +8952,7 @@
         <p:spPr/>
         <p:txBody>
           <a:bodyPr>
-            <a:normAutofit fontScale="90000"/>
+            <a:normAutofit/>
           </a:bodyPr>
           <a:lstStyle/>
           <a:p>
@@ -9132,7 +9161,7 @@
         <p:spPr/>
         <p:txBody>
           <a:bodyPr>
-            <a:normAutofit fontScale="90000"/>
+            <a:normAutofit/>
           </a:bodyPr>
           <a:lstStyle/>
           <a:p>
@@ -9280,7 +9309,7 @@
         <p:spPr/>
         <p:txBody>
           <a:bodyPr>
-            <a:normAutofit fontScale="90000"/>
+            <a:normAutofit/>
           </a:bodyPr>
           <a:lstStyle/>
           <a:p>
@@ -11845,7 +11874,7 @@
               <a:tailEnd/>
             </a:ln>
             <a:extLst>
-              <a:ext uri="{909E8E84-426E-40DD-AFC4-6F175D3DCCD1}">
+              <a:ext uri="{909E8E84-426E-40dd-AFC4-6F175D3DCCD1}">
                 <a14:hiddenFill xmlns:a14="http://schemas.microsoft.com/office/drawing/2010/main">
                   <a:solidFill>
                     <a:srgbClr val="FFFFFF"/>
@@ -11905,7 +11934,7 @@
               <a:tailEnd/>
             </a:ln>
             <a:extLst>
-              <a:ext uri="{909E8E84-426E-40DD-AFC4-6F175D3DCCD1}">
+              <a:ext uri="{909E8E84-426E-40dd-AFC4-6F175D3DCCD1}">
                 <a14:hiddenFill xmlns:a14="http://schemas.microsoft.com/office/drawing/2010/main">
                   <a:solidFill>
                     <a:srgbClr val="FFFFFF"/>
@@ -12045,7 +12074,7 @@
         </p:blipFill>
         <p:spPr>
           <a:xfrm>
-            <a:off x="162703" y="1337121"/>
+            <a:off x="162703" y="1210121"/>
             <a:ext cx="5613712" cy="5126700"/>
           </a:xfrm>
           <a:prstGeom prst="rect">
@@ -12053,6 +12082,43 @@
           </a:prstGeom>
         </p:spPr>
       </p:pic>
+      <p:sp>
+        <p:nvSpPr>
+          <p:cNvPr id="5" name="Rectangle 4"/>
+          <p:cNvSpPr/>
+          <p:nvPr/>
+        </p:nvSpPr>
+        <p:spPr>
+          <a:xfrm>
+            <a:off x="5816600" y="5024735"/>
+            <a:ext cx="6096000" cy="923330"/>
+          </a:xfrm>
+          <a:prstGeom prst="rect">
+            <a:avLst/>
+          </a:prstGeom>
+        </p:spPr>
+        <p:txBody>
+          <a:bodyPr>
+            <a:spAutoFit/>
+          </a:bodyPr>
+          <a:lstStyle/>
+          <a:p>
+            <a:r>
+              <a:rPr lang="fr-FR" dirty="0" smtClean="0">
+                <a:hlinkClick r:id="rId3"/>
+              </a:rPr>
+              <a:t>Source: http</a:t>
+            </a:r>
+            <a:r>
+              <a:rPr lang="fr-FR" dirty="0">
+                <a:hlinkClick r:id="rId3"/>
+              </a:rPr>
+              <a:t>://project-integration-accelerateurs.web.cern.ch/project-Integration-Accelerateurs/frame_integration.htm</a:t>
+            </a:r>
+            <a:endParaRPr lang="en-US" dirty="0"/>
+          </a:p>
+        </p:txBody>
+      </p:sp>
     </p:spTree>
     <p:extLst>
       <p:ext uri="{BB962C8B-B14F-4D97-AF65-F5344CB8AC3E}">
@@ -12066,7 +12132,7 @@
   <p:timing>
     <p:tnLst>
       <p:par>
-        <p:cTn id="1" dur="indefinite" restart="never" nodeType="tmRoot"/>
+        <p:cTn xmlns:p14="http://schemas.microsoft.com/office/powerpoint/2010/main" id="1" dur="indefinite" restart="never" nodeType="tmRoot"/>
       </p:par>
     </p:tnLst>
   </p:timing>
@@ -12176,7 +12242,7 @@
               <a:tailEnd/>
             </a:ln>
             <a:extLst>
-              <a:ext uri="{909E8E84-426E-40DD-AFC4-6F175D3DCCD1}">
+              <a:ext uri="{909E8E84-426E-40dd-AFC4-6F175D3DCCD1}">
                 <a14:hiddenFill xmlns:a14="http://schemas.microsoft.com/office/drawing/2010/main">
                   <a:solidFill>
                     <a:srgbClr val="FFFFFF"/>
@@ -12236,7 +12302,7 @@
               <a:tailEnd/>
             </a:ln>
             <a:extLst>
-              <a:ext uri="{909E8E84-426E-40DD-AFC4-6F175D3DCCD1}">
+              <a:ext uri="{909E8E84-426E-40dd-AFC4-6F175D3DCCD1}">
                 <a14:hiddenFill xmlns:a14="http://schemas.microsoft.com/office/drawing/2010/main">
                   <a:solidFill>
                     <a:srgbClr val="FFFFFF"/>
@@ -12288,14 +12354,14 @@
               <a:noFill/>
             </a:ln>
             <a:extLst>
-              <a:ext uri="{909E8E84-426E-40DD-AFC4-6F175D3DCCD1}">
+              <a:ext uri="{909E8E84-426E-40dd-AFC4-6F175D3DCCD1}">
                 <a14:hiddenFill xmlns:a14="http://schemas.microsoft.com/office/drawing/2010/main">
                   <a:solidFill>
                     <a:srgbClr val="FFFFFF"/>
                   </a:solidFill>
                 </a14:hiddenFill>
               </a:ext>
-              <a:ext uri="{91240B29-F687-4F45-9708-019B960494DF}">
+              <a:ext uri="{91240B29-F687-4f45-9708-019B960494DF}">
                 <a14:hiddenLine xmlns:a14="http://schemas.microsoft.com/office/drawing/2010/main" w="9525">
                   <a:solidFill>
                     <a:srgbClr val="000000"/>
@@ -12358,7 +12424,7 @@
               <a:tailEnd/>
             </a:ln>
             <a:extLst>
-              <a:ext uri="{909E8E84-426E-40DD-AFC4-6F175D3DCCD1}">
+              <a:ext uri="{909E8E84-426E-40dd-AFC4-6F175D3DCCD1}">
                 <a14:hiddenFill xmlns:a14="http://schemas.microsoft.com/office/drawing/2010/main">
                   <a:solidFill>
                     <a:srgbClr val="FFFFFF"/>
@@ -12487,7 +12553,7 @@
   <p:timing>
     <p:tnLst>
       <p:par>
-        <p:cTn id="1" dur="indefinite" restart="never" nodeType="tmRoot"/>
+        <p:cTn xmlns:p14="http://schemas.microsoft.com/office/powerpoint/2010/main" id="1" dur="indefinite" restart="never" nodeType="tmRoot"/>
       </p:par>
     </p:tnLst>
   </p:timing>
@@ -12590,7 +12656,7 @@
   <p:timing>
     <p:tnLst>
       <p:par>
-        <p:cTn id="1" dur="indefinite" restart="never" nodeType="tmRoot"/>
+        <p:cTn xmlns:p14="http://schemas.microsoft.com/office/powerpoint/2010/main" id="1" dur="indefinite" restart="never" nodeType="tmRoot"/>
       </p:par>
     </p:tnLst>
   </p:timing>
@@ -12703,7 +12769,7 @@
   <p:timing>
     <p:tnLst>
       <p:par>
-        <p:cTn id="1" dur="indefinite" restart="never" nodeType="tmRoot"/>
+        <p:cTn xmlns:p14="http://schemas.microsoft.com/office/powerpoint/2010/main" id="1" dur="indefinite" restart="never" nodeType="tmRoot"/>
       </p:par>
     </p:tnLst>
   </p:timing>
@@ -12853,8 +12919,8 @@
         </p:blipFill>
         <p:spPr bwMode="auto">
           <a:xfrm>
-            <a:off x="241987" y="1241872"/>
-            <a:ext cx="4809621" cy="5390028"/>
+            <a:off x="1143688" y="1216472"/>
+            <a:ext cx="3991454" cy="4473128"/>
           </a:xfrm>
           <a:prstGeom prst="rect">
             <a:avLst/>
@@ -12866,14 +12932,14 @@
           <a:effectLst/>
           <a:extLst>
             <a:ext uri="{909E8E84-426E-40dd-AFC4-6F175D3DCCD1}">
-              <a14:hiddenFill xmlns:a14="http://schemas.microsoft.com/office/drawing/2010/main" xmlns="">
+              <a14:hiddenFill xmlns:a14="http://schemas.microsoft.com/office/drawing/2010/main">
                 <a:solidFill>
                   <a:schemeClr val="accent1"/>
                 </a:solidFill>
               </a14:hiddenFill>
             </a:ext>
             <a:ext uri="{91240B29-F687-4f45-9708-019B960494DF}">
-              <a14:hiddenLine xmlns:a14="http://schemas.microsoft.com/office/drawing/2010/main" xmlns="" w="9525">
+              <a14:hiddenLine xmlns:a14="http://schemas.microsoft.com/office/drawing/2010/main" w="9525">
                 <a:solidFill>
                   <a:schemeClr val="tx1"/>
                 </a:solidFill>
@@ -12883,7 +12949,7 @@
               </a14:hiddenLine>
             </a:ext>
             <a:ext uri="{AF507438-7753-43e0-B8FC-AC1667EBCBE1}">
-              <a14:hiddenEffects xmlns:a14="http://schemas.microsoft.com/office/drawing/2010/main" xmlns="">
+              <a14:hiddenEffects xmlns:a14="http://schemas.microsoft.com/office/drawing/2010/main">
                 <a:effectLst>
                   <a:outerShdw blurRad="63500" dist="38099" dir="2700000" algn="ctr" rotWithShape="0">
                     <a:schemeClr val="bg2">
@@ -12896,6 +12962,47 @@
           </a:extLst>
         </p:spPr>
       </p:pic>
+      <p:sp>
+        <p:nvSpPr>
+          <p:cNvPr id="2" name="TextBox 1"/>
+          <p:cNvSpPr txBox="1"/>
+          <p:nvPr/>
+        </p:nvSpPr>
+        <p:spPr>
+          <a:xfrm>
+            <a:off x="139700" y="5321300"/>
+            <a:ext cx="6149340" cy="646331"/>
+          </a:xfrm>
+          <a:prstGeom prst="rect">
+            <a:avLst/>
+          </a:prstGeom>
+          <a:noFill/>
+        </p:spPr>
+        <p:txBody>
+          <a:bodyPr wrap="none" rtlCol="0">
+            <a:spAutoFit/>
+          </a:bodyPr>
+          <a:lstStyle/>
+          <a:p>
+            <a:endParaRPr lang="en-US" dirty="0"/>
+          </a:p>
+          <a:p>
+            <a:r>
+              <a:rPr lang="de-DE" dirty="0" smtClean="0">
+                <a:hlinkClick r:id="rId3"/>
+              </a:rPr>
+              <a:t>Source: http</a:t>
+            </a:r>
+            <a:r>
+              <a:rPr lang="de-DE" dirty="0">
+                <a:hlinkClick r:id="rId3"/>
+              </a:rPr>
+              <a:t>://psb-machine.web.cern.ch/psb-machine/</a:t>
+            </a:r>
+            <a:endParaRPr lang="en-US" dirty="0"/>
+          </a:p>
+        </p:txBody>
+      </p:sp>
     </p:spTree>
     <p:extLst>
       <p:ext uri="{BB962C8B-B14F-4D97-AF65-F5344CB8AC3E}">
@@ -12909,7 +13016,7 @@
   <p:timing>
     <p:tnLst>
       <p:par>
-        <p:cTn id="1" dur="indefinite" restart="never" nodeType="tmRoot"/>
+        <p:cTn xmlns:p14="http://schemas.microsoft.com/office/powerpoint/2010/main" id="1" dur="indefinite" restart="never" nodeType="tmRoot"/>
       </p:par>
     </p:tnLst>
   </p:timing>
@@ -12974,7 +13081,7 @@
         </p:spPr>
         <p:txBody>
           <a:bodyPr>
-            <a:normAutofit fontScale="62500" lnSpcReduction="20000"/>
+            <a:normAutofit fontScale="70000" lnSpcReduction="20000"/>
           </a:bodyPr>
           <a:lstStyle/>
           <a:p>
@@ -13078,14 +13185,48 @@
         </p:blipFill>
         <p:spPr>
           <a:xfrm>
-            <a:off x="1740950" y="1248332"/>
-            <a:ext cx="8647668" cy="2475889"/>
+            <a:off x="1982250" y="1222933"/>
+            <a:ext cx="8012650" cy="2294078"/>
           </a:xfrm>
           <a:prstGeom prst="rect">
             <a:avLst/>
           </a:prstGeom>
         </p:spPr>
       </p:pic>
+      <p:sp>
+        <p:nvSpPr>
+          <p:cNvPr id="5" name="TextBox 4"/>
+          <p:cNvSpPr txBox="1"/>
+          <p:nvPr/>
+        </p:nvSpPr>
+        <p:spPr>
+          <a:xfrm>
+            <a:off x="4864100" y="3467100"/>
+            <a:ext cx="2083060" cy="369332"/>
+          </a:xfrm>
+          <a:prstGeom prst="rect">
+            <a:avLst/>
+          </a:prstGeom>
+          <a:noFill/>
+        </p:spPr>
+        <p:txBody>
+          <a:bodyPr wrap="none" rtlCol="0">
+            <a:spAutoFit/>
+          </a:bodyPr>
+          <a:lstStyle/>
+          <a:p>
+            <a:r>
+              <a:rPr lang="en-US" dirty="0" smtClean="0"/>
+              <a:t>Source P. </a:t>
+            </a:r>
+            <a:r>
+              <a:rPr lang="en-US" dirty="0" err="1" smtClean="0"/>
+              <a:t>Viarouge</a:t>
+            </a:r>
+            <a:endParaRPr lang="en-US" dirty="0"/>
+          </a:p>
+        </p:txBody>
+      </p:sp>
     </p:spTree>
     <p:extLst>
       <p:ext uri="{BB962C8B-B14F-4D97-AF65-F5344CB8AC3E}">
@@ -13099,7 +13240,7 @@
   <p:timing>
     <p:tnLst>
       <p:par>
-        <p:cTn id="1" dur="indefinite" restart="never" nodeType="tmRoot"/>
+        <p:cTn xmlns:p14="http://schemas.microsoft.com/office/powerpoint/2010/main" id="1" dur="indefinite" restart="never" nodeType="tmRoot"/>
       </p:par>
     </p:tnLst>
   </p:timing>
@@ -13170,6 +13311,40 @@
           </a:prstGeom>
         </p:spPr>
       </p:pic>
+      <p:sp>
+        <p:nvSpPr>
+          <p:cNvPr id="4" name="TextBox 3"/>
+          <p:cNvSpPr txBox="1"/>
+          <p:nvPr/>
+        </p:nvSpPr>
+        <p:spPr>
+          <a:xfrm>
+            <a:off x="4876800" y="1282700"/>
+            <a:ext cx="2083060" cy="369332"/>
+          </a:xfrm>
+          <a:prstGeom prst="rect">
+            <a:avLst/>
+          </a:prstGeom>
+          <a:noFill/>
+        </p:spPr>
+        <p:txBody>
+          <a:bodyPr wrap="none" rtlCol="0">
+            <a:spAutoFit/>
+          </a:bodyPr>
+          <a:lstStyle/>
+          <a:p>
+            <a:r>
+              <a:rPr lang="en-US" dirty="0" smtClean="0"/>
+              <a:t>Source P. </a:t>
+            </a:r>
+            <a:r>
+              <a:rPr lang="en-US" dirty="0" err="1" smtClean="0"/>
+              <a:t>Viarouge</a:t>
+            </a:r>
+            <a:endParaRPr lang="en-US" dirty="0"/>
+          </a:p>
+        </p:txBody>
+      </p:sp>
     </p:spTree>
     <p:extLst>
       <p:ext uri="{BB962C8B-B14F-4D97-AF65-F5344CB8AC3E}">
@@ -13183,7 +13358,7 @@
   <p:timing>
     <p:tnLst>
       <p:par>
-        <p:cTn id="1" dur="indefinite" restart="never" nodeType="tmRoot"/>
+        <p:cTn xmlns:p14="http://schemas.microsoft.com/office/powerpoint/2010/main" id="1" dur="indefinite" restart="never" nodeType="tmRoot"/>
       </p:par>
     </p:tnLst>
   </p:timing>
@@ -13217,7 +13392,12 @@
             <p:ph type="title"/>
           </p:nvPr>
         </p:nvSpPr>
-        <p:spPr/>
+        <p:spPr>
+          <a:xfrm>
+            <a:off x="690034" y="101600"/>
+            <a:ext cx="8596668" cy="1320800"/>
+          </a:xfrm>
+        </p:spPr>
         <p:txBody>
           <a:bodyPr/>
           <a:lstStyle/>
@@ -13322,8 +13502,8 @@
         </p:blipFill>
         <p:spPr>
           <a:xfrm>
-            <a:off x="830694" y="1272014"/>
-            <a:ext cx="4130236" cy="3265503"/>
+            <a:off x="1237094" y="738615"/>
+            <a:ext cx="3665106" cy="2897756"/>
           </a:xfrm>
           <a:prstGeom prst="rect">
             <a:avLst/>
@@ -13352,7 +13532,7 @@
         </p:blipFill>
         <p:spPr>
           <a:xfrm>
-            <a:off x="200821" y="4548483"/>
+            <a:off x="442121" y="4015083"/>
             <a:ext cx="5270500" cy="2184400"/>
           </a:xfrm>
           <a:prstGeom prst="rect">
@@ -13360,6 +13540,135 @@
           </a:prstGeom>
         </p:spPr>
       </p:pic>
+      <p:sp>
+        <p:nvSpPr>
+          <p:cNvPr id="2" name="TextBox 1"/>
+          <p:cNvSpPr txBox="1"/>
+          <p:nvPr/>
+        </p:nvSpPr>
+        <p:spPr>
+          <a:xfrm>
+            <a:off x="393700" y="6299200"/>
+            <a:ext cx="6046660" cy="369332"/>
+          </a:xfrm>
+          <a:prstGeom prst="rect">
+            <a:avLst/>
+          </a:prstGeom>
+          <a:noFill/>
+        </p:spPr>
+        <p:txBody>
+          <a:bodyPr wrap="none" rtlCol="0">
+            <a:spAutoFit/>
+          </a:bodyPr>
+          <a:lstStyle/>
+          <a:p>
+            <a:r>
+              <a:rPr lang="en-US" dirty="0" smtClean="0"/>
+              <a:t>Figure 10 du document d3176, Techniques de </a:t>
+            </a:r>
+            <a:r>
+              <a:rPr lang="en-US" dirty="0" err="1" smtClean="0"/>
+              <a:t>l’ingénieur</a:t>
+            </a:r>
+            <a:r>
+              <a:rPr lang="en-US" dirty="0" smtClean="0"/>
+              <a:t> </a:t>
+            </a:r>
+            <a:endParaRPr lang="en-US" dirty="0"/>
+          </a:p>
+        </p:txBody>
+      </p:sp>
+      <p:sp>
+        <p:nvSpPr>
+          <p:cNvPr id="8" name="TextBox 7"/>
+          <p:cNvSpPr txBox="1"/>
+          <p:nvPr/>
+        </p:nvSpPr>
+        <p:spPr>
+          <a:xfrm>
+            <a:off x="4851400" y="533400"/>
+            <a:ext cx="6046660" cy="369332"/>
+          </a:xfrm>
+          <a:prstGeom prst="rect">
+            <a:avLst/>
+          </a:prstGeom>
+          <a:noFill/>
+        </p:spPr>
+        <p:txBody>
+          <a:bodyPr wrap="none" rtlCol="0">
+            <a:spAutoFit/>
+          </a:bodyPr>
+          <a:lstStyle/>
+          <a:p>
+            <a:r>
+              <a:rPr lang="en-US" dirty="0" smtClean="0"/>
+              <a:t>Figure 10 du document d3176, Techniques de </a:t>
+            </a:r>
+            <a:r>
+              <a:rPr lang="en-US" dirty="0" err="1" smtClean="0"/>
+              <a:t>l’ingénieur</a:t>
+            </a:r>
+            <a:r>
+              <a:rPr lang="en-US" dirty="0" smtClean="0"/>
+              <a:t> </a:t>
+            </a:r>
+            <a:endParaRPr lang="en-US" dirty="0"/>
+          </a:p>
+        </p:txBody>
+      </p:sp>
+      <p:sp>
+        <p:nvSpPr>
+          <p:cNvPr id="6" name="TextBox 5"/>
+          <p:cNvSpPr txBox="1"/>
+          <p:nvPr/>
+        </p:nvSpPr>
+        <p:spPr>
+          <a:xfrm>
+            <a:off x="495300" y="3606800"/>
+            <a:ext cx="5842000" cy="738664"/>
+          </a:xfrm>
+          <a:prstGeom prst="rect">
+            <a:avLst/>
+          </a:prstGeom>
+          <a:noFill/>
+        </p:spPr>
+        <p:txBody>
+          <a:bodyPr wrap="square" rtlCol="0">
+            <a:spAutoFit/>
+          </a:bodyPr>
+          <a:lstStyle/>
+          <a:p>
+            <a:r>
+              <a:rPr lang="en-US" sz="1200" dirty="0" smtClean="0"/>
+              <a:t>Figure 1 du document Modeling, </a:t>
+            </a:r>
+            <a:r>
+              <a:rPr lang="en-US" sz="1200" dirty="0"/>
+              <a:t>Simulation and Analysis of Three-Level Neutral Point Clamped Inverter Using </a:t>
+            </a:r>
+            <a:r>
+              <a:rPr lang="en-US" sz="1200" dirty="0" err="1"/>
+              <a:t>Matlab</a:t>
+            </a:r>
+            <a:r>
+              <a:rPr lang="en-US" sz="1200" dirty="0"/>
+              <a:t>/Simulink/Power System </a:t>
+            </a:r>
+            <a:r>
+              <a:rPr lang="en-US" sz="1200" dirty="0" err="1"/>
+              <a:t>Blockset</a:t>
+            </a:r>
+            <a:r>
+              <a:rPr lang="en-US" sz="1200" dirty="0"/>
+              <a:t> </a:t>
+            </a:r>
+            <a:endParaRPr lang="en-US" sz="1200" dirty="0"/>
+          </a:p>
+          <a:p>
+            <a:endParaRPr lang="en-US" dirty="0"/>
+          </a:p>
+        </p:txBody>
+      </p:sp>
     </p:spTree>
     <p:extLst>
       <p:ext uri="{BB962C8B-B14F-4D97-AF65-F5344CB8AC3E}">
@@ -13373,7 +13682,7 @@
   <p:timing>
     <p:tnLst>
       <p:par>
-        <p:cTn id="1" dur="indefinite" restart="never" nodeType="tmRoot"/>
+        <p:cTn xmlns:p14="http://schemas.microsoft.com/office/powerpoint/2010/main" id="1" dur="indefinite" restart="never" nodeType="tmRoot"/>
       </p:par>
     </p:tnLst>
   </p:timing>
@@ -13432,7 +13741,7 @@
         </p:nvSpPr>
         <p:spPr>
           <a:xfrm>
-            <a:off x="827664" y="4771802"/>
+            <a:off x="827664" y="4848002"/>
             <a:ext cx="8788819" cy="1706288"/>
           </a:xfrm>
         </p:spPr>
@@ -13522,6 +13831,60 @@
           </a:prstGeom>
         </p:spPr>
       </p:pic>
+      <p:sp>
+        <p:nvSpPr>
+          <p:cNvPr id="2" name="TextBox 1"/>
+          <p:cNvSpPr txBox="1"/>
+          <p:nvPr/>
+        </p:nvSpPr>
+        <p:spPr>
+          <a:xfrm>
+            <a:off x="8940801" y="1892300"/>
+            <a:ext cx="2057399" cy="2031325"/>
+          </a:xfrm>
+          <a:prstGeom prst="rect">
+            <a:avLst/>
+          </a:prstGeom>
+          <a:noFill/>
+        </p:spPr>
+        <p:txBody>
+          <a:bodyPr wrap="square" rtlCol="0">
+            <a:spAutoFit/>
+          </a:bodyPr>
+          <a:lstStyle/>
+          <a:p>
+            <a:r>
+              <a:rPr lang="en-US" dirty="0" smtClean="0"/>
+              <a:t>Figure 8.3-1 et 8.3-2 </a:t>
+            </a:r>
+            <a:r>
+              <a:rPr lang="en-US" dirty="0" err="1" smtClean="0"/>
+              <a:t>tirée</a:t>
+            </a:r>
+            <a:r>
+              <a:rPr lang="en-US" dirty="0" smtClean="0"/>
+              <a:t> du </a:t>
+            </a:r>
+            <a:r>
+              <a:rPr lang="en-US" dirty="0" err="1" smtClean="0"/>
+              <a:t>livre</a:t>
+            </a:r>
+            <a:r>
+              <a:rPr lang="en-US" dirty="0" smtClean="0"/>
+              <a:t> High Power Converters and AC Drives, Bin Wu, </a:t>
+            </a:r>
+            <a:r>
+              <a:rPr lang="en-US" dirty="0" err="1" smtClean="0"/>
+              <a:t>éditions</a:t>
+            </a:r>
+            <a:r>
+              <a:rPr lang="en-US" dirty="0" smtClean="0"/>
+              <a:t> IEEE press.</a:t>
+            </a:r>
+            <a:endParaRPr lang="en-US" dirty="0"/>
+          </a:p>
+        </p:txBody>
+      </p:sp>
     </p:spTree>
     <p:extLst>
       <p:ext uri="{BB962C8B-B14F-4D97-AF65-F5344CB8AC3E}">
@@ -13535,7 +13898,7 @@
   <p:timing>
     <p:tnLst>
       <p:par>
-        <p:cTn id="1" dur="indefinite" restart="never" nodeType="tmRoot"/>
+        <p:cTn xmlns:p14="http://schemas.microsoft.com/office/powerpoint/2010/main" id="1" dur="indefinite" restart="never" nodeType="tmRoot"/>
       </p:par>
     </p:tnLst>
   </p:timing>
@@ -13674,6 +14037,51 @@
           </a:prstGeom>
         </p:spPr>
       </p:pic>
+      <p:sp>
+        <p:nvSpPr>
+          <p:cNvPr id="3" name="Rectangle 2"/>
+          <p:cNvSpPr/>
+          <p:nvPr/>
+        </p:nvSpPr>
+        <p:spPr>
+          <a:xfrm>
+            <a:off x="5739670" y="5873234"/>
+            <a:ext cx="6046660" cy="369332"/>
+          </a:xfrm>
+          <a:prstGeom prst="rect">
+            <a:avLst/>
+          </a:prstGeom>
+        </p:spPr>
+        <p:txBody>
+          <a:bodyPr wrap="none">
+            <a:spAutoFit/>
+          </a:bodyPr>
+          <a:lstStyle/>
+          <a:p>
+            <a:r>
+              <a:rPr lang="en-US" dirty="0"/>
+              <a:t>Figure </a:t>
+            </a:r>
+            <a:r>
+              <a:rPr lang="en-US" dirty="0" smtClean="0"/>
+              <a:t>16 </a:t>
+            </a:r>
+            <a:r>
+              <a:rPr lang="en-US" dirty="0"/>
+              <a:t>du document d3176, Techniques de </a:t>
+            </a:r>
+            <a:r>
+              <a:rPr lang="en-US" dirty="0" err="1"/>
+              <a:t>l’ingénieur</a:t>
+            </a:r>
+            <a:r>
+              <a:rPr lang="en-US" dirty="0"/>
+              <a:t> </a:t>
+            </a:r>
+            <a:endParaRPr lang="en-US" dirty="0"/>
+          </a:p>
+        </p:txBody>
+      </p:sp>
     </p:spTree>
     <p:extLst>
       <p:ext uri="{BB962C8B-B14F-4D97-AF65-F5344CB8AC3E}">
@@ -13687,7 +14095,7 @@
   <p:timing>
     <p:tnLst>
       <p:par>
-        <p:cTn id="1" dur="indefinite" restart="never" nodeType="tmRoot"/>
+        <p:cTn xmlns:p14="http://schemas.microsoft.com/office/powerpoint/2010/main" id="1" dur="indefinite" restart="never" nodeType="tmRoot"/>
       </p:par>
     </p:tnLst>
   </p:timing>
@@ -14053,7 +14461,7 @@
   <a:extraClrSchemeLst/>
   <a:extLst>
     <a:ext uri="{05A4C25C-085E-4340-85A3-A5531E510DB2}">
-      <thm15:themeFamily xmlns:thm15="http://schemas.microsoft.com/office/thememl/2012/main" name="Facet" id="{C0C680CD-088A-49FC-A102-D699147F32B2}" vid="{CFBC31BA-B70F-4F30-BCAA-4F3011E16C4D}"/>
+      <thm15:themeFamily xmlns:thm15="http://schemas.microsoft.com/office/thememl/2012/main" xmlns="" name="Facet" id="{C0C680CD-088A-49FC-A102-D699147F32B2}" vid="{CFBC31BA-B70F-4F30-BCAA-4F3011E16C4D}"/>
     </a:ext>
   </a:extLst>
 </a:theme>

--- a/Remise/Remise 1/Presentation_Remise_1.pptx
+++ b/Remise/Remise 1/Presentation_Remise_1.pptx
@@ -138,7 +138,7 @@
   </p:defaultTextStyle>
   <p:extLst>
     <p:ext uri="{EFAFB233-063F-42B5-8137-9DF3F51BA10A}">
-      <p15:sldGuideLst xmlns:p15="http://schemas.microsoft.com/office/powerpoint/2012/main" xmlns="">
+      <p15:sldGuideLst xmlns:p15="http://schemas.microsoft.com/office/powerpoint/2012/main">
         <p15:guide id="1" orient="horz" pos="2160">
           <p15:clr>
             <a:srgbClr val="A4A3A4"/>
@@ -6540,9 +6540,17 @@
           </p:cNvSpPr>
           <p:nvPr>
             <p:ph type="ctrTitle"/>
-          </p:nvPr>
-        </p:nvSpPr>
-        <p:spPr/>
+            <p:custDataLst>
+              <p:tags r:id="rId1"/>
+            </p:custDataLst>
+          </p:nvPr>
+        </p:nvSpPr>
+        <p:spPr>
+          <a:xfrm>
+            <a:off x="1507067" y="2898145"/>
+            <a:ext cx="7766936" cy="1646302"/>
+          </a:xfrm>
+        </p:spPr>
         <p:txBody>
           <a:bodyPr/>
           <a:lstStyle/>
@@ -6574,9 +6582,17 @@
           </p:cNvSpPr>
           <p:nvPr>
             <p:ph type="subTitle" idx="1"/>
-          </p:nvPr>
-        </p:nvSpPr>
-        <p:spPr/>
+            <p:custDataLst>
+              <p:tags r:id="rId2"/>
+            </p:custDataLst>
+          </p:nvPr>
+        </p:nvSpPr>
+        <p:spPr>
+          <a:xfrm>
+            <a:off x="1507067" y="4544447"/>
+            <a:ext cx="7766936" cy="1096899"/>
+          </a:xfrm>
+        </p:spPr>
         <p:txBody>
           <a:bodyPr/>
           <a:lstStyle/>
@@ -6606,7 +6622,7 @@
   <p:timing>
     <p:tnLst>
       <p:par>
-        <p:cTn xmlns:p14="http://schemas.microsoft.com/office/powerpoint/2010/main" id="1" dur="indefinite" restart="never" nodeType="tmRoot"/>
+        <p:cTn id="1" dur="indefinite" restart="never" nodeType="tmRoot"/>
       </p:par>
     </p:tnLst>
   </p:timing>
@@ -6638,6 +6654,9 @@
           </p:cNvSpPr>
           <p:nvPr>
             <p:ph type="title"/>
+            <p:custDataLst>
+              <p:tags r:id="rId1"/>
+            </p:custDataLst>
           </p:nvPr>
         </p:nvSpPr>
         <p:spPr/>
@@ -6661,6 +6680,9 @@
           </p:cNvSpPr>
           <p:nvPr>
             <p:ph idx="1"/>
+            <p:custDataLst>
+              <p:tags r:id="rId2"/>
+            </p:custDataLst>
           </p:nvPr>
         </p:nvSpPr>
         <p:spPr>
@@ -6683,7 +6705,15 @@
           <a:p>
             <a:r>
               <a:rPr lang="fr-CA" dirty="0" smtClean="0"/>
-              <a:t>La courbe rouge présente le courant dans l’électroaimant contrôlée par le convertisseur CC-CC 4 quadrants.</a:t>
+              <a:t>La courbe rouge présente le courant dans l’électroaimant </a:t>
+            </a:r>
+            <a:r>
+              <a:rPr lang="fr-CA" dirty="0" smtClean="0"/>
+              <a:t>contrôlé </a:t>
+            </a:r>
+            <a:r>
+              <a:rPr lang="fr-CA" dirty="0" smtClean="0"/>
+              <a:t>par le convertisseur CC-CC 4 quadrants.</a:t>
             </a:r>
           </a:p>
           <a:p>
@@ -6696,7 +6726,15 @@
           <a:p>
             <a:r>
               <a:rPr lang="fr-CA" dirty="0" smtClean="0"/>
-              <a:t>La courbe verte foncée représente la tension aux bornes de l’aimant</a:t>
+              <a:t>La courbe </a:t>
+            </a:r>
+            <a:r>
+              <a:rPr lang="fr-CA" dirty="0" smtClean="0"/>
+              <a:t>vert </a:t>
+            </a:r>
+            <a:r>
+              <a:rPr lang="fr-CA" dirty="0" smtClean="0"/>
+              <a:t>foncée représente la tension aux bornes de l’aimant</a:t>
             </a:r>
           </a:p>
           <a:p>
@@ -6709,7 +6747,15 @@
           <a:p>
             <a:r>
               <a:rPr lang="fr-CA" dirty="0" smtClean="0"/>
-              <a:t>La courbe verte pâle représente la tension aux bornes du condensateur</a:t>
+              <a:t>La courbe </a:t>
+            </a:r>
+            <a:r>
+              <a:rPr lang="fr-CA" dirty="0" smtClean="0"/>
+              <a:t>vert </a:t>
+            </a:r>
+            <a:r>
+              <a:rPr lang="fr-CA" dirty="0" smtClean="0"/>
+              <a:t>pâle représente la tension aux bornes du condensateur</a:t>
             </a:r>
           </a:p>
           <a:p>
@@ -6727,40 +6773,52 @@
           <p:cNvPicPr>
             <a:picLocks noChangeAspect="1"/>
           </p:cNvPicPr>
-          <p:nvPr/>
+          <p:nvPr>
+            <p:custDataLst>
+              <p:tags r:id="rId3"/>
+            </p:custDataLst>
+          </p:nvPr>
         </p:nvPicPr>
-        <p:blipFill>
-          <a:blip r:embed="rId2">
+        <p:blipFill rotWithShape="1">
+          <a:blip r:embed="rId6">
             <a:extLst>
               <a:ext uri="{28A0092B-C50C-407E-A947-70E740481C1C}">
                 <a14:useLocalDpi xmlns:a14="http://schemas.microsoft.com/office/drawing/2010/main" val="0"/>
               </a:ext>
             </a:extLst>
           </a:blip>
-          <a:stretch>
-            <a:fillRect/>
-          </a:stretch>
+          <a:srcRect l="744" t="1762" r="1037" b="2869"/>
+          <a:stretch/>
         </p:blipFill>
         <p:spPr>
           <a:xfrm>
-            <a:off x="413832" y="1411450"/>
-            <a:ext cx="5281063" cy="4395207"/>
+            <a:off x="453154" y="1488935"/>
+            <a:ext cx="5186995" cy="4191674"/>
           </a:xfrm>
           <a:prstGeom prst="rect">
             <a:avLst/>
           </a:prstGeom>
+          <a:ln w="28575">
+            <a:solidFill>
+              <a:schemeClr val="accent1"/>
+            </a:solidFill>
+          </a:ln>
         </p:spPr>
       </p:pic>
       <p:sp>
         <p:nvSpPr>
           <p:cNvPr id="2" name="TextBox 1"/>
           <p:cNvSpPr txBox="1"/>
-          <p:nvPr/>
+          <p:nvPr>
+            <p:custDataLst>
+              <p:tags r:id="rId4"/>
+            </p:custDataLst>
+          </p:nvPr>
         </p:nvSpPr>
         <p:spPr>
           <a:xfrm>
-            <a:off x="2044700" y="5842000"/>
-            <a:ext cx="2013517" cy="369332"/>
+            <a:off x="2354075" y="5806657"/>
+            <a:ext cx="1400576" cy="276999"/>
           </a:xfrm>
           <a:prstGeom prst="rect">
             <a:avLst/>
@@ -6774,14 +6832,14 @@
           <a:lstStyle/>
           <a:p>
             <a:r>
-              <a:rPr lang="en-US" dirty="0" smtClean="0"/>
+              <a:rPr lang="en-US" sz="1200" dirty="0" smtClean="0"/>
               <a:t>Source </a:t>
             </a:r>
             <a:r>
-              <a:rPr lang="en-US" dirty="0" err="1" smtClean="0"/>
+              <a:rPr lang="en-US" sz="1200" dirty="0" err="1" smtClean="0"/>
               <a:t>P.Viarouge</a:t>
             </a:r>
-            <a:endParaRPr lang="en-US" dirty="0"/>
+            <a:endParaRPr lang="en-US" sz="1200" dirty="0"/>
           </a:p>
         </p:txBody>
       </p:sp>
@@ -6798,7 +6856,7 @@
   <p:timing>
     <p:tnLst>
       <p:par>
-        <p:cTn xmlns:p14="http://schemas.microsoft.com/office/powerpoint/2010/main" id="1" dur="indefinite" restart="never" nodeType="tmRoot"/>
+        <p:cTn id="1" dur="indefinite" restart="never" nodeType="tmRoot"/>
       </p:par>
     </p:tnLst>
   </p:timing>
@@ -6830,6 +6888,9 @@
           </p:cNvSpPr>
           <p:nvPr>
             <p:ph type="title"/>
+            <p:custDataLst>
+              <p:tags r:id="rId1"/>
+            </p:custDataLst>
           </p:nvPr>
         </p:nvSpPr>
         <p:spPr/>
@@ -6853,6 +6914,9 @@
           </p:cNvSpPr>
           <p:nvPr>
             <p:ph idx="1"/>
+            <p:custDataLst>
+              <p:tags r:id="rId2"/>
+            </p:custDataLst>
           </p:nvPr>
         </p:nvSpPr>
         <p:spPr>
@@ -6917,7 +6981,39 @@
             <a:pPr marL="1200150" lvl="3" indent="-342900"/>
             <a:r>
               <a:rPr lang="fr-CA" dirty="0" smtClean="0"/>
-              <a:t>Outil de simulation générique. Permet de simuler tout type de circuits, toutefois ce côté générique cause des temps de simulation beaucoup plus long pour une même précision comparé à des simulateurs spécifique. Problématique au niveau des variations rapides.</a:t>
+              <a:t>Outil de simulation générique. </a:t>
+            </a:r>
+            <a:r>
+              <a:rPr lang="fr-CA" dirty="0" smtClean="0"/>
+              <a:t>Permets </a:t>
+            </a:r>
+            <a:r>
+              <a:rPr lang="fr-CA" dirty="0" smtClean="0"/>
+              <a:t>de simuler tout type de circuits, toutefois ce côté générique cause des temps de simulation beaucoup plus </a:t>
+            </a:r>
+            <a:r>
+              <a:rPr lang="fr-CA" dirty="0" smtClean="0"/>
+              <a:t>longs </a:t>
+            </a:r>
+            <a:r>
+              <a:rPr lang="fr-CA" dirty="0" smtClean="0"/>
+              <a:t>pour une même précision </a:t>
+            </a:r>
+            <a:r>
+              <a:rPr lang="fr-CA" dirty="0" smtClean="0"/>
+              <a:t>comparée </a:t>
+            </a:r>
+            <a:r>
+              <a:rPr lang="fr-CA" dirty="0" smtClean="0"/>
+              <a:t>à des simulateurs </a:t>
+            </a:r>
+            <a:r>
+              <a:rPr lang="fr-CA" dirty="0" smtClean="0"/>
+              <a:t>spécifiques. </a:t>
+            </a:r>
+            <a:r>
+              <a:rPr lang="fr-CA" dirty="0" smtClean="0"/>
+              <a:t>Problématique au niveau des variations rapides.</a:t>
             </a:r>
           </a:p>
           <a:p>
@@ -6931,7 +7027,39 @@
             <a:pPr marL="1200150" lvl="3" indent="-342900"/>
             <a:r>
               <a:rPr lang="fr-CA" dirty="0"/>
-              <a:t>PSIM est spécialement conçu pour les circuit d’électronique de puissance et des contrôle de moteur tandis que les simulateurs génériques sont conçu pour les circuit électrique de base. Ceci permet une meilleure rapidité et une meilleure précision. </a:t>
+              <a:t>PSIM est spécialement conçu pour les </a:t>
+            </a:r>
+            <a:r>
+              <a:rPr lang="fr-CA" dirty="0" smtClean="0"/>
+              <a:t>circuits </a:t>
+            </a:r>
+            <a:r>
+              <a:rPr lang="fr-CA" dirty="0"/>
+              <a:t>d’électronique de puissance et des </a:t>
+            </a:r>
+            <a:r>
+              <a:rPr lang="fr-CA" dirty="0" smtClean="0"/>
+              <a:t>contrôles </a:t>
+            </a:r>
+            <a:r>
+              <a:rPr lang="fr-CA" dirty="0"/>
+              <a:t>de moteur tandis que les simulateurs génériques sont </a:t>
+            </a:r>
+            <a:r>
+              <a:rPr lang="fr-CA" dirty="0" smtClean="0"/>
+              <a:t>conçus </a:t>
+            </a:r>
+            <a:r>
+              <a:rPr lang="fr-CA" dirty="0"/>
+              <a:t>pour les </a:t>
+            </a:r>
+            <a:r>
+              <a:rPr lang="fr-CA" dirty="0" smtClean="0"/>
+              <a:t>circuits électriques </a:t>
+            </a:r>
+            <a:r>
+              <a:rPr lang="fr-CA" dirty="0"/>
+              <a:t>de base. Ceci permet une meilleure rapidité et une meilleure précision. </a:t>
             </a:r>
             <a:endParaRPr lang="fr-CA" dirty="0" smtClean="0"/>
           </a:p>
@@ -6950,7 +7078,15 @@
             <a:pPr marL="1200150" lvl="3" indent="-342900"/>
             <a:r>
               <a:rPr lang="fr-CA" dirty="0" smtClean="0"/>
-              <a:t>Simulateur en temps-réel, permet une comparaison directe avec le procédé implanté. Meilleur pour </a:t>
+              <a:t>Simulateur en </a:t>
+            </a:r>
+            <a:r>
+              <a:rPr lang="fr-CA" dirty="0" smtClean="0"/>
+              <a:t>temps réel, </a:t>
+            </a:r>
+            <a:r>
+              <a:rPr lang="fr-CA" dirty="0" smtClean="0"/>
+              <a:t>permet une comparaison directe avec le procédé implanté. Meilleur pour </a:t>
             </a:r>
             <a:r>
               <a:rPr lang="fr-CA" dirty="0"/>
@@ -6958,7 +7094,23 @@
             </a:r>
             <a:r>
               <a:rPr lang="fr-CA" dirty="0" smtClean="0"/>
-              <a:t>es tests d’intégration (Pas de simulation : &gt; 10 µs dans le cas du HYPERSIM). Permet de réaliser une simulation en temps-réel à partir d’un fichier de simulation Matlab.</a:t>
+              <a:t>es tests d’intégration (Pas de simulation : &gt; 10 µs dans le cas du HYPERSIM). </a:t>
+            </a:r>
+            <a:r>
+              <a:rPr lang="fr-CA" dirty="0" smtClean="0"/>
+              <a:t>Permets </a:t>
+            </a:r>
+            <a:r>
+              <a:rPr lang="fr-CA" dirty="0" smtClean="0"/>
+              <a:t>de réaliser une simulation en </a:t>
+            </a:r>
+            <a:r>
+              <a:rPr lang="fr-CA" dirty="0" smtClean="0"/>
+              <a:t>temps réel </a:t>
+            </a:r>
+            <a:r>
+              <a:rPr lang="fr-CA" dirty="0" smtClean="0"/>
+              <a:t>à partir d’un fichier de simulation Matlab.</a:t>
             </a:r>
           </a:p>
           <a:p>
@@ -6987,7 +7139,7 @@
   <p:timing>
     <p:tnLst>
       <p:par>
-        <p:cTn xmlns:p14="http://schemas.microsoft.com/office/powerpoint/2010/main" id="1" dur="indefinite" restart="never" nodeType="tmRoot"/>
+        <p:cTn id="1" dur="indefinite" restart="never" nodeType="tmRoot"/>
       </p:par>
     </p:tnLst>
   </p:timing>
@@ -7019,6 +7171,9 @@
           </p:cNvSpPr>
           <p:nvPr>
             <p:ph type="title"/>
+            <p:custDataLst>
+              <p:tags r:id="rId1"/>
+            </p:custDataLst>
           </p:nvPr>
         </p:nvSpPr>
         <p:spPr/>
@@ -7042,6 +7197,9 @@
           </p:cNvSpPr>
           <p:nvPr>
             <p:ph idx="1"/>
+            <p:custDataLst>
+              <p:tags r:id="rId2"/>
+            </p:custDataLst>
           </p:nvPr>
         </p:nvSpPr>
         <p:spPr>
@@ -7077,8 +7235,12 @@
           <a:p>
             <a:pPr lvl="1"/>
             <a:r>
+              <a:rPr lang="fr-CA" dirty="0" smtClean="0"/>
+              <a:t>Permets </a:t>
+            </a:r>
+            <a:r>
               <a:rPr lang="fr-CA" dirty="0"/>
-              <a:t>Permet de compenser les faiblesses de chacun des simulateurs</a:t>
+              <a:t>de compenser les faiblesses de chacun des simulateurs</a:t>
             </a:r>
           </a:p>
           <a:p>
@@ -7117,8 +7279,12 @@
           <a:p>
             <a:pPr lvl="2"/>
             <a:r>
+              <a:rPr lang="fr-CA" dirty="0" smtClean="0"/>
+              <a:t>Permets </a:t>
+            </a:r>
+            <a:r>
               <a:rPr lang="fr-CA" dirty="0"/>
-              <a:t>Permet de valider les modèles mathématiques utilisés dans la conception de l’alimentation</a:t>
+              <a:t>de valider les modèles mathématiques utilisés dans la conception de l’alimentation</a:t>
             </a:r>
           </a:p>
           <a:p>
@@ -7162,7 +7328,7 @@
   <p:timing>
     <p:tnLst>
       <p:par>
-        <p:cTn xmlns:p14="http://schemas.microsoft.com/office/powerpoint/2010/main" id="1" dur="indefinite" restart="never" nodeType="tmRoot"/>
+        <p:cTn id="1" dur="indefinite" restart="never" nodeType="tmRoot"/>
       </p:par>
     </p:tnLst>
   </p:timing>
@@ -7194,6 +7360,9 @@
           </p:cNvSpPr>
           <p:nvPr>
             <p:ph type="title"/>
+            <p:custDataLst>
+              <p:tags r:id="rId1"/>
+            </p:custDataLst>
           </p:nvPr>
         </p:nvSpPr>
         <p:spPr/>
@@ -7221,6 +7390,9 @@
           </p:cNvSpPr>
           <p:nvPr>
             <p:ph idx="1"/>
+            <p:custDataLst>
+              <p:tags r:id="rId2"/>
+            </p:custDataLst>
           </p:nvPr>
         </p:nvSpPr>
         <p:spPr>
@@ -7299,7 +7471,7 @@
   <p:timing>
     <p:tnLst>
       <p:par>
-        <p:cTn xmlns:p14="http://schemas.microsoft.com/office/powerpoint/2010/main" id="1" dur="indefinite" restart="never" nodeType="tmRoot"/>
+        <p:cTn id="1" dur="indefinite" restart="never" nodeType="tmRoot"/>
       </p:par>
     </p:tnLst>
   </p:timing>
@@ -7331,6 +7503,9 @@
           </p:cNvSpPr>
           <p:nvPr>
             <p:ph type="title"/>
+            <p:custDataLst>
+              <p:tags r:id="rId1"/>
+            </p:custDataLst>
           </p:nvPr>
         </p:nvSpPr>
         <p:spPr/>
@@ -7358,6 +7533,9 @@
           </p:cNvSpPr>
           <p:nvPr>
             <p:ph idx="1"/>
+            <p:custDataLst>
+              <p:tags r:id="rId2"/>
+            </p:custDataLst>
           </p:nvPr>
         </p:nvSpPr>
         <p:spPr>
@@ -7475,6 +7653,9 @@
           </p:cNvSpPr>
           <p:nvPr>
             <p:ph type="title"/>
+            <p:custDataLst>
+              <p:tags r:id="rId1"/>
+            </p:custDataLst>
           </p:nvPr>
         </p:nvSpPr>
         <p:spPr/>
@@ -7510,6 +7691,9 @@
           </p:cNvSpPr>
           <p:nvPr>
             <p:ph idx="1"/>
+            <p:custDataLst>
+              <p:tags r:id="rId2"/>
+            </p:custDataLst>
           </p:nvPr>
         </p:nvSpPr>
         <p:spPr/>
@@ -7637,6 +7821,13 @@
   <p:clrMapOvr>
     <a:masterClrMapping/>
   </p:clrMapOvr>
+  <p:timing>
+    <p:tnLst>
+      <p:par>
+        <p:cTn id="1" dur="indefinite" restart="never" nodeType="tmRoot"/>
+      </p:par>
+    </p:tnLst>
+  </p:timing>
 </p:sld>
 </file>
 
@@ -7665,6 +7856,9 @@
           </p:cNvSpPr>
           <p:nvPr>
             <p:ph type="title"/>
+            <p:custDataLst>
+              <p:tags r:id="rId1"/>
+            </p:custDataLst>
           </p:nvPr>
         </p:nvSpPr>
         <p:spPr/>
@@ -7688,6 +7882,9 @@
           </p:cNvSpPr>
           <p:nvPr>
             <p:ph idx="1"/>
+            <p:custDataLst>
+              <p:tags r:id="rId2"/>
+            </p:custDataLst>
           </p:nvPr>
         </p:nvSpPr>
         <p:spPr>
@@ -7841,6 +8038,9 @@
           </p:cNvSpPr>
           <p:nvPr>
             <p:ph type="title"/>
+            <p:custDataLst>
+              <p:tags r:id="rId1"/>
+            </p:custDataLst>
           </p:nvPr>
         </p:nvSpPr>
         <p:spPr/>
@@ -7872,6 +8072,9 @@
           </p:cNvSpPr>
           <p:nvPr>
             <p:ph idx="1"/>
+            <p:custDataLst>
+              <p:tags r:id="rId2"/>
+            </p:custDataLst>
           </p:nvPr>
         </p:nvSpPr>
         <p:spPr/>
@@ -8027,7 +8230,7 @@
           </a:ln>
           <a:extLst>
             <a:ext uri="{909E8E84-426E-40dd-AFC4-6F175D3DCCD1}">
-              <a14:hiddenFill xmlns:a14="http://schemas.microsoft.com/office/drawing/2010/main">
+              <a14:hiddenFill xmlns:a14="http://schemas.microsoft.com/office/drawing/2010/main" xmlns="">
                 <a:solidFill>
                   <a:srgbClr val="FFFFFF"/>
                 </a:solidFill>
@@ -8227,128 +8430,115 @@
           </a:p>
         </p:txBody>
       </p:sp>
-      <p:sp>
-        <p:nvSpPr>
-          <p:cNvPr id="5" name="Content Placeholder 2"/>
-          <p:cNvSpPr>
-            <a:spLocks noGrp="1"/>
-          </p:cNvSpPr>
-          <p:nvPr>
-            <p:ph idx="1"/>
+      <p:grpSp>
+        <p:nvGrpSpPr>
+          <p:cNvPr id="2" name="Group 1"/>
+          <p:cNvGrpSpPr/>
+          <p:nvPr>
             <p:custDataLst>
               <p:tags r:id="rId2"/>
             </p:custDataLst>
           </p:nvPr>
-        </p:nvSpPr>
-        <p:spPr>
+        </p:nvGrpSpPr>
+        <p:grpSpPr>
           <a:xfrm>
-            <a:off x="677334" y="2160589"/>
-            <a:ext cx="8596668" cy="3880773"/>
+            <a:off x="304799" y="1473201"/>
+            <a:ext cx="11774931" cy="5149850"/>
+            <a:chOff x="304799" y="1473201"/>
+            <a:chExt cx="11774931" cy="5149850"/>
           </a:xfrm>
-        </p:spPr>
-        <p:txBody>
-          <a:bodyPr>
-            <a:normAutofit/>
-          </a:bodyPr>
-          <a:lstStyle/>
-          <a:p>
-            <a:pPr marL="0" indent="0">
-              <a:buNone/>
-            </a:pPr>
-            <a:endParaRPr lang="en-US" sz="2800" dirty="0"/>
-          </a:p>
-        </p:txBody>
-      </p:sp>
-      <p:pic>
-        <p:nvPicPr>
-          <p:cNvPr id="2050" name="Picture 2" descr="D:\LiberT\Desktop\simu.png"/>
-          <p:cNvPicPr>
-            <a:picLocks noChangeAspect="1" noChangeArrowheads="1"/>
-          </p:cNvPicPr>
-          <p:nvPr>
-            <p:custDataLst>
-              <p:tags r:id="rId3"/>
-            </p:custDataLst>
-          </p:nvPr>
-        </p:nvPicPr>
-        <p:blipFill>
-          <a:blip r:embed="rId6">
+        </p:grpSpPr>
+        <p:pic>
+          <p:nvPicPr>
+            <p:cNvPr id="2050" name="Picture 2" descr="D:\LiberT\Desktop\simu.png"/>
+            <p:cNvPicPr>
+              <a:picLocks noChangeAspect="1" noChangeArrowheads="1"/>
+            </p:cNvPicPr>
+            <p:nvPr>
+              <p:custDataLst>
+                <p:tags r:id="rId3"/>
+              </p:custDataLst>
+            </p:nvPr>
+          </p:nvPicPr>
+          <p:blipFill>
+            <a:blip r:embed="rId6">
+              <a:extLst>
+                <a:ext uri="{28A0092B-C50C-407E-A947-70E740481C1C}">
+                  <a14:useLocalDpi xmlns:a14="http://schemas.microsoft.com/office/drawing/2010/main" val="0"/>
+                </a:ext>
+              </a:extLst>
+            </a:blip>
+            <a:srcRect/>
+            <a:stretch>
+              <a:fillRect/>
+            </a:stretch>
+          </p:blipFill>
+          <p:spPr bwMode="auto">
+            <a:xfrm>
+              <a:off x="304799" y="1473201"/>
+              <a:ext cx="6950628" cy="3589866"/>
+            </a:xfrm>
+            <a:prstGeom prst="rect">
+              <a:avLst/>
+            </a:prstGeom>
+            <a:noFill/>
             <a:extLst>
-              <a:ext uri="{28A0092B-C50C-407E-A947-70E740481C1C}">
-                <a14:useLocalDpi xmlns:a14="http://schemas.microsoft.com/office/drawing/2010/main" val="0"/>
+              <a:ext uri="{909E8E84-426E-40dd-AFC4-6F175D3DCCD1}">
+                <a14:hiddenFill xmlns:a14="http://schemas.microsoft.com/office/drawing/2010/main" xmlns="">
+                  <a:solidFill>
+                    <a:srgbClr val="FFFFFF"/>
+                  </a:solidFill>
+                </a14:hiddenFill>
               </a:ext>
             </a:extLst>
-          </a:blip>
-          <a:srcRect/>
-          <a:stretch>
-            <a:fillRect/>
-          </a:stretch>
-        </p:blipFill>
-        <p:spPr bwMode="auto">
-          <a:xfrm>
-            <a:off x="304799" y="1473201"/>
-            <a:ext cx="6950628" cy="3589866"/>
-          </a:xfrm>
-          <a:prstGeom prst="rect">
-            <a:avLst/>
-          </a:prstGeom>
-          <a:noFill/>
-          <a:extLst>
-            <a:ext uri="{909E8E84-426E-40dd-AFC4-6F175D3DCCD1}">
-              <a14:hiddenFill xmlns:a14="http://schemas.microsoft.com/office/drawing/2010/main">
-                <a:solidFill>
-                  <a:srgbClr val="FFFFFF"/>
-                </a:solidFill>
-              </a14:hiddenFill>
-            </a:ext>
-          </a:extLst>
-        </p:spPr>
-      </p:pic>
-      <p:pic>
-        <p:nvPicPr>
-          <p:cNvPr id="2051" name="Picture 3" descr="D:\LiberT\Desktop\à la source.JPG"/>
-          <p:cNvPicPr>
-            <a:picLocks noChangeAspect="1" noChangeArrowheads="1"/>
-          </p:cNvPicPr>
-          <p:nvPr>
-            <p:custDataLst>
-              <p:tags r:id="rId4"/>
-            </p:custDataLst>
-          </p:nvPr>
-        </p:nvPicPr>
-        <p:blipFill>
-          <a:blip r:embed="rId7">
+          </p:spPr>
+        </p:pic>
+        <p:pic>
+          <p:nvPicPr>
+            <p:cNvPr id="2051" name="Picture 3" descr="D:\LiberT\Desktop\à la source.JPG"/>
+            <p:cNvPicPr>
+              <a:picLocks noChangeAspect="1" noChangeArrowheads="1"/>
+            </p:cNvPicPr>
+            <p:nvPr>
+              <p:custDataLst>
+                <p:tags r:id="rId4"/>
+              </p:custDataLst>
+            </p:nvPr>
+          </p:nvPicPr>
+          <p:blipFill>
+            <a:blip r:embed="rId7">
+              <a:extLst>
+                <a:ext uri="{28A0092B-C50C-407E-A947-70E740481C1C}">
+                  <a14:useLocalDpi xmlns:a14="http://schemas.microsoft.com/office/drawing/2010/main" val="0"/>
+                </a:ext>
+              </a:extLst>
+            </a:blip>
+            <a:srcRect/>
+            <a:stretch>
+              <a:fillRect/>
+            </a:stretch>
+          </p:blipFill>
+          <p:spPr bwMode="auto">
+            <a:xfrm>
+              <a:off x="4975668" y="2794001"/>
+              <a:ext cx="7104062" cy="3829050"/>
+            </a:xfrm>
+            <a:prstGeom prst="rect">
+              <a:avLst/>
+            </a:prstGeom>
+            <a:noFill/>
             <a:extLst>
-              <a:ext uri="{28A0092B-C50C-407E-A947-70E740481C1C}">
-                <a14:useLocalDpi xmlns:a14="http://schemas.microsoft.com/office/drawing/2010/main" val="0"/>
+              <a:ext uri="{909E8E84-426E-40dd-AFC4-6F175D3DCCD1}">
+                <a14:hiddenFill xmlns:a14="http://schemas.microsoft.com/office/drawing/2010/main" xmlns="">
+                  <a:solidFill>
+                    <a:srgbClr val="FFFFFF"/>
+                  </a:solidFill>
+                </a14:hiddenFill>
               </a:ext>
             </a:extLst>
-          </a:blip>
-          <a:srcRect/>
-          <a:stretch>
-            <a:fillRect/>
-          </a:stretch>
-        </p:blipFill>
-        <p:spPr bwMode="auto">
-          <a:xfrm>
-            <a:off x="4975668" y="2794001"/>
-            <a:ext cx="7104062" cy="3829050"/>
-          </a:xfrm>
-          <a:prstGeom prst="rect">
-            <a:avLst/>
-          </a:prstGeom>
-          <a:noFill/>
-          <a:extLst>
-            <a:ext uri="{909E8E84-426E-40dd-AFC4-6F175D3DCCD1}">
-              <a14:hiddenFill xmlns:a14="http://schemas.microsoft.com/office/drawing/2010/main">
-                <a:solidFill>
-                  <a:srgbClr val="FFFFFF"/>
-                </a:solidFill>
-              </a14:hiddenFill>
-            </a:ext>
-          </a:extLst>
-        </p:spPr>
-      </p:pic>
+          </p:spPr>
+        </p:pic>
+      </p:grpSp>
     </p:spTree>
     <p:extLst>
       <p:ext uri="{BB962C8B-B14F-4D97-AF65-F5344CB8AC3E}">
@@ -8387,6 +8577,9 @@
           </p:cNvSpPr>
           <p:nvPr>
             <p:ph type="title"/>
+            <p:custDataLst>
+              <p:tags r:id="rId1"/>
+            </p:custDataLst>
           </p:nvPr>
         </p:nvSpPr>
         <p:spPr/>
@@ -8410,6 +8603,9 @@
           </p:cNvSpPr>
           <p:nvPr>
             <p:ph idx="1"/>
+            <p:custDataLst>
+              <p:tags r:id="rId2"/>
+            </p:custDataLst>
           </p:nvPr>
         </p:nvSpPr>
         <p:spPr>
@@ -8471,7 +8667,15 @@
           <a:p>
             <a:r>
               <a:rPr lang="fr-CA" dirty="0" smtClean="0"/>
-              <a:t>OPAL-RT est une compagnie spécialisée dans la développement de simulateurs temps réel PC/FPGA</a:t>
+              <a:t>OPAL-RT est une compagnie spécialisée dans </a:t>
+            </a:r>
+            <a:r>
+              <a:rPr lang="fr-CA" dirty="0" smtClean="0"/>
+              <a:t>le </a:t>
+            </a:r>
+            <a:r>
+              <a:rPr lang="fr-CA" dirty="0" smtClean="0"/>
+              <a:t>développement de simulateurs temps réel PC/FPGA</a:t>
             </a:r>
           </a:p>
           <a:p>
@@ -8493,10 +8697,14 @@
           <p:cNvPicPr>
             <a:picLocks noChangeAspect="1" noChangeArrowheads="1"/>
           </p:cNvPicPr>
-          <p:nvPr/>
+          <p:nvPr>
+            <p:custDataLst>
+              <p:tags r:id="rId3"/>
+            </p:custDataLst>
+          </p:nvPr>
         </p:nvPicPr>
         <p:blipFill>
-          <a:blip r:embed="rId2" cstate="print"/>
+          <a:blip r:embed="rId8" cstate="print"/>
           <a:srcRect/>
           <a:stretch>
             <a:fillRect/>
@@ -8525,10 +8733,14 @@
           <p:cNvPicPr>
             <a:picLocks noChangeAspect="1"/>
           </p:cNvPicPr>
-          <p:nvPr/>
+          <p:nvPr>
+            <p:custDataLst>
+              <p:tags r:id="rId4"/>
+            </p:custDataLst>
+          </p:nvPr>
         </p:nvPicPr>
         <p:blipFill>
-          <a:blip r:embed="rId3" cstate="print">
+          <a:blip r:embed="rId9" cstate="print">
             <a:extLst>
               <a:ext uri="{28A0092B-C50C-407E-A947-70E740481C1C}">
                 <a14:useLocalDpi xmlns:a14="http://schemas.microsoft.com/office/drawing/2010/main" val="0"/>
@@ -8554,14 +8766,14 @@
           </a:ln>
           <a:extLst>
             <a:ext uri="{909E8E84-426E-40dd-AFC4-6F175D3DCCD1}">
-              <a14:hiddenFill xmlns:a14="http://schemas.microsoft.com/office/drawing/2010/main">
+              <a14:hiddenFill xmlns:a14="http://schemas.microsoft.com/office/drawing/2010/main" xmlns="">
                 <a:solidFill>
                   <a:srgbClr val="FFFFFF"/>
                 </a:solidFill>
               </a14:hiddenFill>
             </a:ext>
             <a:ext uri="{91240B29-F687-4f45-9708-019B960494DF}">
-              <a14:hiddenLine xmlns:a14="http://schemas.microsoft.com/office/drawing/2010/main" w="9525">
+              <a14:hiddenLine xmlns:a14="http://schemas.microsoft.com/office/drawing/2010/main" xmlns="" w="9525">
                 <a:solidFill>
                   <a:srgbClr val="000000"/>
                 </a:solidFill>
@@ -8579,10 +8791,14 @@
           <p:cNvPicPr>
             <a:picLocks noChangeAspect="1"/>
           </p:cNvPicPr>
-          <p:nvPr/>
+          <p:nvPr>
+            <p:custDataLst>
+              <p:tags r:id="rId5"/>
+            </p:custDataLst>
+          </p:nvPr>
         </p:nvPicPr>
         <p:blipFill>
-          <a:blip r:embed="rId4"/>
+          <a:blip r:embed="rId10"/>
           <a:stretch>
             <a:fillRect/>
           </a:stretch>
@@ -8601,7 +8817,11 @@
         <p:nvSpPr>
           <p:cNvPr id="2" name="TextBox 1"/>
           <p:cNvSpPr txBox="1"/>
-          <p:nvPr/>
+          <p:nvPr>
+            <p:custDataLst>
+              <p:tags r:id="rId6"/>
+            </p:custDataLst>
+          </p:nvPr>
         </p:nvSpPr>
         <p:spPr>
           <a:xfrm>
@@ -8640,7 +8860,7 @@
   <p:timing>
     <p:tnLst>
       <p:par>
-        <p:cTn xmlns:p14="http://schemas.microsoft.com/office/powerpoint/2010/main" id="1" dur="indefinite" restart="never" nodeType="tmRoot"/>
+        <p:cTn id="1" dur="indefinite" restart="never" nodeType="tmRoot"/>
       </p:par>
     </p:tnLst>
   </p:timing>
@@ -8672,6 +8892,9 @@
           </p:cNvSpPr>
           <p:nvPr>
             <p:ph type="title"/>
+            <p:custDataLst>
+              <p:tags r:id="rId1"/>
+            </p:custDataLst>
           </p:nvPr>
         </p:nvSpPr>
         <p:spPr/>
@@ -8702,7 +8925,11 @@
         <p:nvSpPr>
           <p:cNvPr id="4" name="TextBox 3"/>
           <p:cNvSpPr txBox="1"/>
-          <p:nvPr/>
+          <p:nvPr>
+            <p:custDataLst>
+              <p:tags r:id="rId2"/>
+            </p:custDataLst>
+          </p:nvPr>
         </p:nvSpPr>
         <p:spPr>
           <a:xfrm flipH="1">
@@ -8730,10 +8957,14 @@
           <p:cNvPicPr>
             <a:picLocks noChangeAspect="1"/>
           </p:cNvPicPr>
-          <p:nvPr/>
+          <p:nvPr>
+            <p:custDataLst>
+              <p:tags r:id="rId3"/>
+            </p:custDataLst>
+          </p:nvPr>
         </p:nvPicPr>
         <p:blipFill>
-          <a:blip r:embed="rId2" cstate="print">
+          <a:blip r:embed="rId5" cstate="print">
             <a:extLst>
               <a:ext uri="{28A0092B-C50C-407E-A947-70E740481C1C}">
                 <a14:useLocalDpi xmlns:a14="http://schemas.microsoft.com/office/drawing/2010/main" val="0"/>
@@ -8792,12 +9023,15 @@
           </p:cNvSpPr>
           <p:nvPr>
             <p:ph type="title"/>
+            <p:custDataLst>
+              <p:tags r:id="rId1"/>
+            </p:custDataLst>
           </p:nvPr>
         </p:nvSpPr>
         <p:spPr/>
         <p:txBody>
           <a:bodyPr>
-            <a:normAutofit/>
+            <a:normAutofit fontScale="90000"/>
           </a:bodyPr>
           <a:lstStyle/>
           <a:p>
@@ -8825,6 +9059,9 @@
           </p:cNvSpPr>
           <p:nvPr>
             <p:ph idx="1"/>
+            <p:custDataLst>
+              <p:tags r:id="rId2"/>
+            </p:custDataLst>
           </p:nvPr>
         </p:nvSpPr>
         <p:spPr>
@@ -8947,12 +9184,15 @@
           </p:cNvSpPr>
           <p:nvPr>
             <p:ph type="title"/>
+            <p:custDataLst>
+              <p:tags r:id="rId1"/>
+            </p:custDataLst>
           </p:nvPr>
         </p:nvSpPr>
         <p:spPr/>
         <p:txBody>
           <a:bodyPr>
-            <a:normAutofit/>
+            <a:normAutofit fontScale="90000"/>
           </a:bodyPr>
           <a:lstStyle/>
           <a:p>
@@ -8980,6 +9220,9 @@
           </p:cNvSpPr>
           <p:nvPr>
             <p:ph idx="1"/>
+            <p:custDataLst>
+              <p:tags r:id="rId2"/>
+            </p:custDataLst>
           </p:nvPr>
         </p:nvSpPr>
         <p:spPr>
@@ -9156,12 +9399,15 @@
           </p:cNvSpPr>
           <p:nvPr>
             <p:ph type="title"/>
+            <p:custDataLst>
+              <p:tags r:id="rId1"/>
+            </p:custDataLst>
           </p:nvPr>
         </p:nvSpPr>
         <p:spPr/>
         <p:txBody>
           <a:bodyPr>
-            <a:normAutofit/>
+            <a:normAutofit fontScale="90000"/>
           </a:bodyPr>
           <a:lstStyle/>
           <a:p>
@@ -9189,6 +9435,9 @@
           </p:cNvSpPr>
           <p:nvPr>
             <p:ph idx="1"/>
+            <p:custDataLst>
+              <p:tags r:id="rId2"/>
+            </p:custDataLst>
           </p:nvPr>
         </p:nvSpPr>
         <p:spPr>
@@ -9304,12 +9553,15 @@
           </p:cNvSpPr>
           <p:nvPr>
             <p:ph type="title"/>
+            <p:custDataLst>
+              <p:tags r:id="rId1"/>
+            </p:custDataLst>
           </p:nvPr>
         </p:nvSpPr>
         <p:spPr/>
         <p:txBody>
           <a:bodyPr>
-            <a:normAutofit/>
+            <a:normAutofit fontScale="90000"/>
           </a:bodyPr>
           <a:lstStyle/>
           <a:p>
@@ -9337,6 +9589,9 @@
           </p:cNvSpPr>
           <p:nvPr>
             <p:ph idx="1"/>
+            <p:custDataLst>
+              <p:tags r:id="rId2"/>
+            </p:custDataLst>
           </p:nvPr>
         </p:nvSpPr>
         <p:spPr>
@@ -9445,6 +9700,9 @@
           </p:cNvSpPr>
           <p:nvPr>
             <p:ph type="title"/>
+            <p:custDataLst>
+              <p:tags r:id="rId1"/>
+            </p:custDataLst>
           </p:nvPr>
         </p:nvSpPr>
         <p:spPr/>
@@ -9468,6 +9726,9 @@
           </p:cNvSpPr>
           <p:nvPr>
             <p:ph idx="1"/>
+            <p:custDataLst>
+              <p:tags r:id="rId2"/>
+            </p:custDataLst>
           </p:nvPr>
         </p:nvSpPr>
         <p:spPr/>
@@ -9554,6 +9815,9 @@
           </p:cNvSpPr>
           <p:nvPr>
             <p:ph type="title"/>
+            <p:custDataLst>
+              <p:tags r:id="rId1"/>
+            </p:custDataLst>
           </p:nvPr>
         </p:nvSpPr>
         <p:spPr/>
@@ -9589,6 +9853,9 @@
           </p:cNvGraphicFramePr>
           <p:nvPr>
             <p:ph idx="1"/>
+            <p:custDataLst>
+              <p:tags r:id="rId2"/>
+            </p:custDataLst>
             <p:extLst>
               <p:ext uri="{D42A27DB-BD31-4B8C-83A1-F6EECF244321}">
                 <p14:modId xmlns:p14="http://schemas.microsoft.com/office/powerpoint/2010/main" val="1921849713"/>
@@ -10452,6 +10719,9 @@
           </p:cNvSpPr>
           <p:nvPr>
             <p:ph type="title"/>
+            <p:custDataLst>
+              <p:tags r:id="rId1"/>
+            </p:custDataLst>
           </p:nvPr>
         </p:nvSpPr>
         <p:spPr/>
@@ -10491,6 +10761,9 @@
           </p:cNvGraphicFramePr>
           <p:nvPr>
             <p:ph idx="1"/>
+            <p:custDataLst>
+              <p:tags r:id="rId2"/>
+            </p:custDataLst>
             <p:extLst>
               <p:ext uri="{D42A27DB-BD31-4B8C-83A1-F6EECF244321}">
                 <p14:modId xmlns:p14="http://schemas.microsoft.com/office/powerpoint/2010/main" val="4126102908"/>
@@ -11127,6 +11400,9 @@
           </p:cNvSpPr>
           <p:nvPr>
             <p:ph type="title"/>
+            <p:custDataLst>
+              <p:tags r:id="rId1"/>
+            </p:custDataLst>
           </p:nvPr>
         </p:nvSpPr>
         <p:spPr/>
@@ -11162,6 +11438,9 @@
           </p:cNvGraphicFramePr>
           <p:nvPr>
             <p:ph idx="1"/>
+            <p:custDataLst>
+              <p:tags r:id="rId2"/>
+            </p:custDataLst>
             <p:extLst>
               <p:ext uri="{D42A27DB-BD31-4B8C-83A1-F6EECF244321}">
                 <p14:modId xmlns:p14="http://schemas.microsoft.com/office/powerpoint/2010/main" val="317251936"/>
@@ -11875,7 +12154,7 @@
             </a:ln>
             <a:extLst>
               <a:ext uri="{909E8E84-426E-40dd-AFC4-6F175D3DCCD1}">
-                <a14:hiddenFill xmlns:a14="http://schemas.microsoft.com/office/drawing/2010/main">
+                <a14:hiddenFill xmlns:a14="http://schemas.microsoft.com/office/drawing/2010/main" xmlns="">
                   <a:solidFill>
                     <a:srgbClr val="FFFFFF"/>
                   </a:solidFill>
@@ -11935,7 +12214,7 @@
             </a:ln>
             <a:extLst>
               <a:ext uri="{909E8E84-426E-40dd-AFC4-6F175D3DCCD1}">
-                <a14:hiddenFill xmlns:a14="http://schemas.microsoft.com/office/drawing/2010/main">
+                <a14:hiddenFill xmlns:a14="http://schemas.microsoft.com/office/drawing/2010/main" xmlns="">
                   <a:solidFill>
                     <a:srgbClr val="FFFFFF"/>
                   </a:solidFill>
@@ -11983,6 +12262,9 @@
           </p:cNvSpPr>
           <p:nvPr>
             <p:ph type="title"/>
+            <p:custDataLst>
+              <p:tags r:id="rId1"/>
+            </p:custDataLst>
           </p:nvPr>
         </p:nvSpPr>
         <p:spPr/>
@@ -12006,12 +12288,15 @@
           </p:cNvSpPr>
           <p:nvPr>
             <p:ph idx="1"/>
+            <p:custDataLst>
+              <p:tags r:id="rId2"/>
+            </p:custDataLst>
           </p:nvPr>
         </p:nvSpPr>
         <p:spPr>
           <a:xfrm>
-            <a:off x="5456151" y="2578184"/>
-            <a:ext cx="5794202" cy="2415939"/>
+            <a:off x="5885029" y="2565501"/>
+            <a:ext cx="5241520" cy="2415939"/>
           </a:xfrm>
         </p:spPr>
         <p:txBody>
@@ -12059,10 +12344,14 @@
           <p:cNvPicPr>
             <a:picLocks noChangeAspect="1"/>
           </p:cNvPicPr>
-          <p:nvPr/>
+          <p:nvPr>
+            <p:custDataLst>
+              <p:tags r:id="rId3"/>
+            </p:custDataLst>
+          </p:nvPr>
         </p:nvPicPr>
         <p:blipFill rotWithShape="1">
-          <a:blip r:embed="rId2" cstate="screen">
+          <a:blip r:embed="rId6" cstate="screen">
             <a:extLst>
               <a:ext uri="{28A0092B-C50C-407E-A947-70E740481C1C}">
                 <a14:useLocalDpi xmlns:a14="http://schemas.microsoft.com/office/drawing/2010/main"/>
@@ -12080,42 +12369,48 @@
           <a:prstGeom prst="rect">
             <a:avLst/>
           </a:prstGeom>
+          <a:ln w="28575">
+            <a:solidFill>
+              <a:schemeClr val="accent1"/>
+            </a:solidFill>
+          </a:ln>
         </p:spPr>
       </p:pic>
       <p:sp>
         <p:nvSpPr>
           <p:cNvPr id="5" name="Rectangle 4"/>
           <p:cNvSpPr/>
-          <p:nvPr/>
+          <p:nvPr>
+            <p:custDataLst>
+              <p:tags r:id="rId4"/>
+            </p:custDataLst>
+          </p:nvPr>
         </p:nvSpPr>
         <p:spPr>
           <a:xfrm>
-            <a:off x="5816600" y="5024735"/>
-            <a:ext cx="6096000" cy="923330"/>
+            <a:off x="645828" y="6336821"/>
+            <a:ext cx="5130587" cy="461665"/>
           </a:xfrm>
           <a:prstGeom prst="rect">
             <a:avLst/>
           </a:prstGeom>
         </p:spPr>
         <p:txBody>
-          <a:bodyPr>
+          <a:bodyPr wrap="square">
             <a:spAutoFit/>
           </a:bodyPr>
           <a:lstStyle/>
           <a:p>
-            <a:r>
-              <a:rPr lang="fr-FR" dirty="0" smtClean="0">
-                <a:hlinkClick r:id="rId3"/>
-              </a:rPr>
+            <a:pPr algn="r"/>
+            <a:r>
+              <a:rPr lang="fr-FR" sz="1200" dirty="0" smtClean="0"/>
               <a:t>Source: http</a:t>
             </a:r>
             <a:r>
-              <a:rPr lang="fr-FR" dirty="0">
-                <a:hlinkClick r:id="rId3"/>
-              </a:rPr>
+              <a:rPr lang="fr-FR" sz="1200" dirty="0"/>
               <a:t>://project-integration-accelerateurs.web.cern.ch/project-Integration-Accelerateurs/frame_integration.htm</a:t>
             </a:r>
-            <a:endParaRPr lang="en-US" dirty="0"/>
+            <a:endParaRPr lang="en-US" sz="1200" dirty="0"/>
           </a:p>
         </p:txBody>
       </p:sp>
@@ -12132,7 +12427,7 @@
   <p:timing>
     <p:tnLst>
       <p:par>
-        <p:cTn xmlns:p14="http://schemas.microsoft.com/office/powerpoint/2010/main" id="1" dur="indefinite" restart="never" nodeType="tmRoot"/>
+        <p:cTn id="1" dur="indefinite" restart="never" nodeType="tmRoot"/>
       </p:par>
     </p:tnLst>
   </p:timing>
@@ -12243,7 +12538,7 @@
             </a:ln>
             <a:extLst>
               <a:ext uri="{909E8E84-426E-40dd-AFC4-6F175D3DCCD1}">
-                <a14:hiddenFill xmlns:a14="http://schemas.microsoft.com/office/drawing/2010/main">
+                <a14:hiddenFill xmlns:a14="http://schemas.microsoft.com/office/drawing/2010/main" xmlns="">
                   <a:solidFill>
                     <a:srgbClr val="FFFFFF"/>
                   </a:solidFill>
@@ -12303,7 +12598,7 @@
             </a:ln>
             <a:extLst>
               <a:ext uri="{909E8E84-426E-40dd-AFC4-6F175D3DCCD1}">
-                <a14:hiddenFill xmlns:a14="http://schemas.microsoft.com/office/drawing/2010/main">
+                <a14:hiddenFill xmlns:a14="http://schemas.microsoft.com/office/drawing/2010/main" xmlns="">
                   <a:solidFill>
                     <a:srgbClr val="FFFFFF"/>
                   </a:solidFill>
@@ -12355,14 +12650,14 @@
             </a:ln>
             <a:extLst>
               <a:ext uri="{909E8E84-426E-40dd-AFC4-6F175D3DCCD1}">
-                <a14:hiddenFill xmlns:a14="http://schemas.microsoft.com/office/drawing/2010/main">
+                <a14:hiddenFill xmlns:a14="http://schemas.microsoft.com/office/drawing/2010/main" xmlns="">
                   <a:solidFill>
                     <a:srgbClr val="FFFFFF"/>
                   </a:solidFill>
                 </a14:hiddenFill>
               </a:ext>
               <a:ext uri="{91240B29-F687-4f45-9708-019B960494DF}">
-                <a14:hiddenLine xmlns:a14="http://schemas.microsoft.com/office/drawing/2010/main" w="9525">
+                <a14:hiddenLine xmlns:a14="http://schemas.microsoft.com/office/drawing/2010/main" xmlns="" w="9525">
                   <a:solidFill>
                     <a:srgbClr val="000000"/>
                   </a:solidFill>
@@ -12425,7 +12720,7 @@
             </a:ln>
             <a:extLst>
               <a:ext uri="{909E8E84-426E-40dd-AFC4-6F175D3DCCD1}">
-                <a14:hiddenFill xmlns:a14="http://schemas.microsoft.com/office/drawing/2010/main">
+                <a14:hiddenFill xmlns:a14="http://schemas.microsoft.com/office/drawing/2010/main" xmlns="">
                   <a:solidFill>
                     <a:srgbClr val="FFFFFF"/>
                   </a:solidFill>
@@ -12553,7 +12848,7 @@
   <p:timing>
     <p:tnLst>
       <p:par>
-        <p:cTn xmlns:p14="http://schemas.microsoft.com/office/powerpoint/2010/main" id="1" dur="indefinite" restart="never" nodeType="tmRoot"/>
+        <p:cTn id="1" dur="indefinite" restart="never" nodeType="tmRoot"/>
       </p:par>
     </p:tnLst>
   </p:timing>
@@ -12656,7 +12951,7 @@
   <p:timing>
     <p:tnLst>
       <p:par>
-        <p:cTn xmlns:p14="http://schemas.microsoft.com/office/powerpoint/2010/main" id="1" dur="indefinite" restart="never" nodeType="tmRoot"/>
+        <p:cTn id="1" dur="indefinite" restart="never" nodeType="tmRoot"/>
       </p:par>
     </p:tnLst>
   </p:timing>
@@ -12769,7 +13064,7 @@
   <p:timing>
     <p:tnLst>
       <p:par>
-        <p:cTn xmlns:p14="http://schemas.microsoft.com/office/powerpoint/2010/main" id="1" dur="indefinite" restart="never" nodeType="tmRoot"/>
+        <p:cTn id="1" dur="indefinite" restart="never" nodeType="tmRoot"/>
       </p:par>
     </p:tnLst>
   </p:timing>
@@ -12801,6 +13096,9 @@
           </p:cNvSpPr>
           <p:nvPr>
             <p:ph type="title"/>
+            <p:custDataLst>
+              <p:tags r:id="rId1"/>
+            </p:custDataLst>
           </p:nvPr>
         </p:nvSpPr>
         <p:spPr>
@@ -12829,6 +13127,9 @@
           </p:cNvSpPr>
           <p:nvPr>
             <p:ph idx="1"/>
+            <p:custDataLst>
+              <p:tags r:id="rId2"/>
+            </p:custDataLst>
           </p:nvPr>
         </p:nvSpPr>
         <p:spPr>
@@ -12902,10 +13203,14 @@
           <p:cNvPicPr>
             <a:picLocks noChangeAspect="1" noChangeArrowheads="1"/>
           </p:cNvPicPr>
-          <p:nvPr/>
+          <p:nvPr>
+            <p:custDataLst>
+              <p:tags r:id="rId3"/>
+            </p:custDataLst>
+          </p:nvPr>
         </p:nvPicPr>
         <p:blipFill>
-          <a:blip r:embed="rId2" cstate="screen">
+          <a:blip r:embed="rId6" cstate="screen">
             <a:extLst>
               <a:ext uri="{28A0092B-C50C-407E-A947-70E740481C1C}">
                 <a14:useLocalDpi xmlns:a14="http://schemas.microsoft.com/office/drawing/2010/main"/>
@@ -12919,27 +13224,29 @@
         </p:blipFill>
         <p:spPr bwMode="auto">
           <a:xfrm>
-            <a:off x="1143688" y="1216472"/>
+            <a:off x="1143688" y="1564428"/>
             <a:ext cx="3991454" cy="4473128"/>
           </a:xfrm>
           <a:prstGeom prst="rect">
             <a:avLst/>
           </a:prstGeom>
           <a:noFill/>
-          <a:ln>
-            <a:noFill/>
+          <a:ln w="28575">
+            <a:solidFill>
+              <a:schemeClr val="accent1"/>
+            </a:solidFill>
           </a:ln>
           <a:effectLst/>
           <a:extLst>
             <a:ext uri="{909E8E84-426E-40dd-AFC4-6F175D3DCCD1}">
-              <a14:hiddenFill xmlns:a14="http://schemas.microsoft.com/office/drawing/2010/main">
+              <a14:hiddenFill xmlns:a14="http://schemas.microsoft.com/office/drawing/2010/main" xmlns="">
                 <a:solidFill>
                   <a:schemeClr val="accent1"/>
                 </a:solidFill>
               </a14:hiddenFill>
             </a:ext>
             <a:ext uri="{91240B29-F687-4f45-9708-019B960494DF}">
-              <a14:hiddenLine xmlns:a14="http://schemas.microsoft.com/office/drawing/2010/main" w="9525">
+              <a14:hiddenLine xmlns:a14="http://schemas.microsoft.com/office/drawing/2010/main" xmlns="" w="9525">
                 <a:solidFill>
                   <a:schemeClr val="tx1"/>
                 </a:solidFill>
@@ -12949,7 +13256,7 @@
               </a14:hiddenLine>
             </a:ext>
             <a:ext uri="{AF507438-7753-43e0-B8FC-AC1667EBCBE1}">
-              <a14:hiddenEffects xmlns:a14="http://schemas.microsoft.com/office/drawing/2010/main">
+              <a14:hiddenEffects xmlns:a14="http://schemas.microsoft.com/office/drawing/2010/main" xmlns="">
                 <a:effectLst>
                   <a:outerShdw blurRad="63500" dist="38099" dir="2700000" algn="ctr" rotWithShape="0">
                     <a:schemeClr val="bg2">
@@ -12966,12 +13273,16 @@
         <p:nvSpPr>
           <p:cNvPr id="2" name="TextBox 1"/>
           <p:cNvSpPr txBox="1"/>
-          <p:nvPr/>
+          <p:nvPr>
+            <p:custDataLst>
+              <p:tags r:id="rId4"/>
+            </p:custDataLst>
+          </p:nvPr>
         </p:nvSpPr>
         <p:spPr>
           <a:xfrm>
-            <a:off x="139700" y="5321300"/>
-            <a:ext cx="6149340" cy="646331"/>
+            <a:off x="1143688" y="6073501"/>
+            <a:ext cx="3991454" cy="461665"/>
           </a:xfrm>
           <a:prstGeom prst="rect">
             <a:avLst/>
@@ -12979,27 +13290,24 @@
           <a:noFill/>
         </p:spPr>
         <p:txBody>
-          <a:bodyPr wrap="none" rtlCol="0">
+          <a:bodyPr wrap="square" rtlCol="0">
             <a:spAutoFit/>
           </a:bodyPr>
           <a:lstStyle/>
           <a:p>
-            <a:endParaRPr lang="en-US" dirty="0"/>
-          </a:p>
-          <a:p>
-            <a:r>
-              <a:rPr lang="de-DE" dirty="0" smtClean="0">
-                <a:hlinkClick r:id="rId3"/>
-              </a:rPr>
-              <a:t>Source: http</a:t>
-            </a:r>
-            <a:r>
-              <a:rPr lang="de-DE" dirty="0">
-                <a:hlinkClick r:id="rId3"/>
-              </a:rPr>
+            <a:r>
+              <a:rPr lang="de-DE" sz="1200" dirty="0" smtClean="0"/>
+              <a:t>Source</a:t>
+            </a:r>
+            <a:r>
+              <a:rPr lang="de-DE" sz="1200" dirty="0" smtClean="0"/>
+              <a:t>: http</a:t>
+            </a:r>
+            <a:r>
+              <a:rPr lang="de-DE" sz="1200" dirty="0"/>
               <a:t>://psb-machine.web.cern.ch/psb-machine/</a:t>
             </a:r>
-            <a:endParaRPr lang="en-US" dirty="0"/>
+            <a:endParaRPr lang="en-US" sz="1200" dirty="0"/>
           </a:p>
         </p:txBody>
       </p:sp>
@@ -13016,7 +13324,7 @@
   <p:timing>
     <p:tnLst>
       <p:par>
-        <p:cTn xmlns:p14="http://schemas.microsoft.com/office/powerpoint/2010/main" id="1" dur="indefinite" restart="never" nodeType="tmRoot"/>
+        <p:cTn id="1" dur="indefinite" restart="never" nodeType="tmRoot"/>
       </p:par>
     </p:tnLst>
   </p:timing>
@@ -13048,6 +13356,9 @@
           </p:cNvSpPr>
           <p:nvPr>
             <p:ph type="title"/>
+            <p:custDataLst>
+              <p:tags r:id="rId1"/>
+            </p:custDataLst>
           </p:nvPr>
         </p:nvSpPr>
         <p:spPr/>
@@ -13071,17 +13382,20 @@
           </p:cNvSpPr>
           <p:nvPr>
             <p:ph idx="1"/>
+            <p:custDataLst>
+              <p:tags r:id="rId2"/>
+            </p:custDataLst>
           </p:nvPr>
         </p:nvSpPr>
         <p:spPr>
           <a:xfrm>
-            <a:off x="242591" y="3766995"/>
+            <a:off x="242591" y="3823639"/>
             <a:ext cx="11007762" cy="3091005"/>
           </a:xfrm>
         </p:spPr>
         <p:txBody>
           <a:bodyPr>
-            <a:normAutofit fontScale="70000" lnSpcReduction="20000"/>
+            <a:normAutofit fontScale="62500" lnSpcReduction="20000"/>
           </a:bodyPr>
           <a:lstStyle/>
           <a:p>
@@ -13093,7 +13407,15 @@
           <a:p>
             <a:r>
               <a:rPr lang="fr-CA" sz="2600" dirty="0" smtClean="0"/>
-              <a:t>L’AFE (Active Front End) est un redresseur constituée de cellules de base NPC (</a:t>
+              <a:t>L’AFE (Active Front End) est un redresseur </a:t>
+            </a:r>
+            <a:r>
+              <a:rPr lang="fr-CA" sz="2600" dirty="0" smtClean="0"/>
+              <a:t>constitué </a:t>
+            </a:r>
+            <a:r>
+              <a:rPr lang="fr-CA" sz="2600" dirty="0" smtClean="0"/>
+              <a:t>de cellules de base NPC (</a:t>
             </a:r>
             <a:r>
               <a:rPr lang="fr-CA" sz="2600" dirty="0" err="1" smtClean="0"/>
@@ -13149,13 +13471,29 @@
             </a:r>
             <a:r>
               <a:rPr lang="fr-CA" sz="2600" dirty="0" smtClean="0"/>
-              <a:t> constituent un convertisseur CC-CC à 4 quadrants permettant d’aliment les électroaimants du PS-Booster avec forme de courant précise (détaillée plus loin). Doit fournir une puissance crête de 18MW à une série d’électroaimants correspondant à une charge de 0.1H et de 0.28Ω.</a:t>
-            </a:r>
-          </a:p>
-          <a:p>
+              <a:t> constituent un convertisseur CC-CC à 4 quadrants permettant d’aliment les électroaimants du PS-Booster avec forme de courant précise (détaillée plus loin). </a:t>
+            </a:r>
             <a:r>
               <a:rPr lang="fr-CA" sz="2600" dirty="0" smtClean="0"/>
-              <a:t>Les 3 phases des cellules NPC du convertisseur CC-CC sont associée par les inductances de découplage (permettant aux différentes cellules d’alimenter simultanément l’électroaimant)</a:t>
+              <a:t>Dois </a:t>
+            </a:r>
+            <a:r>
+              <a:rPr lang="fr-CA" sz="2600" dirty="0" smtClean="0"/>
+              <a:t>fournir une puissance crête de 18MW à une série d’électroaimants correspondant à une charge de 0.1H et de 0.28Ω.</a:t>
+            </a:r>
+          </a:p>
+          <a:p>
+            <a:r>
+              <a:rPr lang="fr-CA" sz="2600" dirty="0" smtClean="0"/>
+              <a:t>Les 3 phases des cellules NPC du convertisseur CC-CC sont </a:t>
+            </a:r>
+            <a:r>
+              <a:rPr lang="fr-CA" sz="2600" dirty="0" smtClean="0"/>
+              <a:t>associées </a:t>
+            </a:r>
+            <a:r>
+              <a:rPr lang="fr-CA" sz="2600" dirty="0" smtClean="0"/>
+              <a:t>par les inductances de découplage (permettant aux différentes cellules d’alimenter simultanément l’électroaimant)</a:t>
             </a:r>
           </a:p>
           <a:p>
@@ -13169,10 +13507,14 @@
           <p:cNvPicPr>
             <a:picLocks noChangeAspect="1"/>
           </p:cNvPicPr>
-          <p:nvPr/>
+          <p:nvPr>
+            <p:custDataLst>
+              <p:tags r:id="rId3"/>
+            </p:custDataLst>
+          </p:nvPr>
         </p:nvPicPr>
         <p:blipFill>
-          <a:blip r:embed="rId2">
+          <a:blip r:embed="rId6">
             <a:extLst>
               <a:ext uri="{28A0092B-C50C-407E-A947-70E740481C1C}">
                 <a14:useLocalDpi xmlns:a14="http://schemas.microsoft.com/office/drawing/2010/main" val="0"/>
@@ -13185,24 +13527,33 @@
         </p:blipFill>
         <p:spPr>
           <a:xfrm>
-            <a:off x="1982250" y="1222933"/>
+            <a:off x="1740146" y="1270000"/>
             <a:ext cx="8012650" cy="2294078"/>
           </a:xfrm>
           <a:prstGeom prst="rect">
             <a:avLst/>
           </a:prstGeom>
+          <a:ln w="28575">
+            <a:solidFill>
+              <a:schemeClr val="accent1"/>
+            </a:solidFill>
+          </a:ln>
         </p:spPr>
       </p:pic>
       <p:sp>
         <p:nvSpPr>
           <p:cNvPr id="5" name="TextBox 4"/>
           <p:cNvSpPr txBox="1"/>
-          <p:nvPr/>
+          <p:nvPr>
+            <p:custDataLst>
+              <p:tags r:id="rId4"/>
+            </p:custDataLst>
+          </p:nvPr>
         </p:nvSpPr>
         <p:spPr>
           <a:xfrm>
-            <a:off x="4864100" y="3467100"/>
-            <a:ext cx="2083060" cy="369332"/>
+            <a:off x="5022940" y="3562824"/>
+            <a:ext cx="1447063" cy="276999"/>
           </a:xfrm>
           <a:prstGeom prst="rect">
             <a:avLst/>
@@ -13216,14 +13567,14 @@
           <a:lstStyle/>
           <a:p>
             <a:r>
-              <a:rPr lang="en-US" dirty="0" smtClean="0"/>
+              <a:rPr lang="en-US" sz="1200" dirty="0" smtClean="0"/>
               <a:t>Source P. </a:t>
             </a:r>
             <a:r>
-              <a:rPr lang="en-US" dirty="0" err="1" smtClean="0"/>
+              <a:rPr lang="en-US" sz="1200" dirty="0" err="1" smtClean="0"/>
               <a:t>Viarouge</a:t>
             </a:r>
-            <a:endParaRPr lang="en-US" dirty="0"/>
+            <a:endParaRPr lang="en-US" sz="1200" dirty="0"/>
           </a:p>
         </p:txBody>
       </p:sp>
@@ -13240,7 +13591,7 @@
   <p:timing>
     <p:tnLst>
       <p:par>
-        <p:cTn xmlns:p14="http://schemas.microsoft.com/office/powerpoint/2010/main" id="1" dur="indefinite" restart="never" nodeType="tmRoot"/>
+        <p:cTn id="1" dur="indefinite" restart="never" nodeType="tmRoot"/>
       </p:par>
     </p:tnLst>
   </p:timing>
@@ -13272,6 +13623,9 @@
           </p:cNvSpPr>
           <p:nvPr>
             <p:ph type="title"/>
+            <p:custDataLst>
+              <p:tags r:id="rId1"/>
+            </p:custDataLst>
           </p:nvPr>
         </p:nvSpPr>
         <p:spPr/>
@@ -13293,34 +13647,47 @@
           <p:cNvPicPr>
             <a:picLocks noChangeAspect="1"/>
           </p:cNvPicPr>
-          <p:nvPr/>
+          <p:nvPr>
+            <p:custDataLst>
+              <p:tags r:id="rId2"/>
+            </p:custDataLst>
+          </p:nvPr>
         </p:nvPicPr>
         <p:blipFill>
-          <a:blip r:embed="rId2"/>
+          <a:blip r:embed="rId5"/>
           <a:stretch>
             <a:fillRect/>
           </a:stretch>
         </p:blipFill>
         <p:spPr>
           <a:xfrm>
-            <a:off x="766762" y="1647824"/>
-            <a:ext cx="10592440" cy="4276725"/>
+            <a:off x="483541" y="1631191"/>
+            <a:ext cx="9971369" cy="4025966"/>
           </a:xfrm>
           <a:prstGeom prst="rect">
             <a:avLst/>
           </a:prstGeom>
+          <a:ln w="28575">
+            <a:solidFill>
+              <a:schemeClr val="accent1"/>
+            </a:solidFill>
+          </a:ln>
         </p:spPr>
       </p:pic>
       <p:sp>
         <p:nvSpPr>
           <p:cNvPr id="4" name="TextBox 3"/>
           <p:cNvSpPr txBox="1"/>
-          <p:nvPr/>
+          <p:nvPr>
+            <p:custDataLst>
+              <p:tags r:id="rId3"/>
+            </p:custDataLst>
+          </p:nvPr>
         </p:nvSpPr>
         <p:spPr>
           <a:xfrm>
-            <a:off x="4876800" y="1282700"/>
-            <a:ext cx="2083060" cy="369332"/>
+            <a:off x="4745693" y="5826995"/>
+            <a:ext cx="1447063" cy="276999"/>
           </a:xfrm>
           <a:prstGeom prst="rect">
             <a:avLst/>
@@ -13334,14 +13701,14 @@
           <a:lstStyle/>
           <a:p>
             <a:r>
-              <a:rPr lang="en-US" dirty="0" smtClean="0"/>
+              <a:rPr lang="en-US" sz="1200" dirty="0" smtClean="0"/>
               <a:t>Source P. </a:t>
             </a:r>
             <a:r>
-              <a:rPr lang="en-US" dirty="0" err="1" smtClean="0"/>
+              <a:rPr lang="en-US" sz="1200" dirty="0" err="1" smtClean="0"/>
               <a:t>Viarouge</a:t>
             </a:r>
-            <a:endParaRPr lang="en-US" dirty="0"/>
+            <a:endParaRPr lang="en-US" sz="1200" dirty="0"/>
           </a:p>
         </p:txBody>
       </p:sp>
@@ -13358,7 +13725,7 @@
   <p:timing>
     <p:tnLst>
       <p:par>
-        <p:cTn xmlns:p14="http://schemas.microsoft.com/office/powerpoint/2010/main" id="1" dur="indefinite" restart="never" nodeType="tmRoot"/>
+        <p:cTn id="1" dur="indefinite" restart="never" nodeType="tmRoot"/>
       </p:par>
     </p:tnLst>
   </p:timing>
@@ -13390,6 +13757,9 @@
           </p:cNvSpPr>
           <p:nvPr>
             <p:ph type="title"/>
+            <p:custDataLst>
+              <p:tags r:id="rId1"/>
+            </p:custDataLst>
           </p:nvPr>
         </p:nvSpPr>
         <p:spPr>
@@ -13418,6 +13788,9 @@
           </p:cNvSpPr>
           <p:nvPr>
             <p:ph idx="1"/>
+            <p:custDataLst>
+              <p:tags r:id="rId2"/>
+            </p:custDataLst>
           </p:nvPr>
         </p:nvSpPr>
         <p:spPr>
@@ -13486,10 +13859,14 @@
           <p:cNvPicPr>
             <a:picLocks noChangeAspect="1"/>
           </p:cNvPicPr>
-          <p:nvPr/>
+          <p:nvPr>
+            <p:custDataLst>
+              <p:tags r:id="rId3"/>
+            </p:custDataLst>
+          </p:nvPr>
         </p:nvPicPr>
         <p:blipFill>
-          <a:blip r:embed="rId2">
+          <a:blip r:embed="rId8">
             <a:extLst>
               <a:ext uri="{28A0092B-C50C-407E-A947-70E740481C1C}">
                 <a14:useLocalDpi xmlns:a14="http://schemas.microsoft.com/office/drawing/2010/main" val="0"/>
@@ -13508,6 +13885,11 @@
           <a:prstGeom prst="rect">
             <a:avLst/>
           </a:prstGeom>
+          <a:ln w="28575">
+            <a:solidFill>
+              <a:schemeClr val="accent1"/>
+            </a:solidFill>
+          </a:ln>
         </p:spPr>
       </p:pic>
       <p:pic>
@@ -13516,40 +13898,52 @@
           <p:cNvPicPr>
             <a:picLocks noChangeAspect="1"/>
           </p:cNvPicPr>
-          <p:nvPr/>
+          <p:nvPr>
+            <p:custDataLst>
+              <p:tags r:id="rId4"/>
+            </p:custDataLst>
+          </p:nvPr>
         </p:nvPicPr>
-        <p:blipFill>
-          <a:blip r:embed="rId3">
+        <p:blipFill rotWithShape="1">
+          <a:blip r:embed="rId9">
             <a:extLst>
               <a:ext uri="{28A0092B-C50C-407E-A947-70E740481C1C}">
                 <a14:useLocalDpi xmlns:a14="http://schemas.microsoft.com/office/drawing/2010/main" val="0"/>
               </a:ext>
             </a:extLst>
           </a:blip>
-          <a:stretch>
-            <a:fillRect/>
-          </a:stretch>
+          <a:srcRect l="9114" t="5491" r="5827" b="5972"/>
+          <a:stretch/>
         </p:blipFill>
         <p:spPr>
           <a:xfrm>
-            <a:off x="442121" y="4015083"/>
-            <a:ext cx="5270500" cy="2184400"/>
+            <a:off x="922491" y="4240227"/>
+            <a:ext cx="4482989" cy="1933996"/>
           </a:xfrm>
           <a:prstGeom prst="rect">
             <a:avLst/>
           </a:prstGeom>
+          <a:ln w="28575">
+            <a:solidFill>
+              <a:schemeClr val="accent1"/>
+            </a:solidFill>
+          </a:ln>
         </p:spPr>
       </p:pic>
       <p:sp>
         <p:nvSpPr>
           <p:cNvPr id="2" name="TextBox 1"/>
           <p:cNvSpPr txBox="1"/>
-          <p:nvPr/>
+          <p:nvPr>
+            <p:custDataLst>
+              <p:tags r:id="rId5"/>
+            </p:custDataLst>
+          </p:nvPr>
         </p:nvSpPr>
         <p:spPr>
           <a:xfrm>
-            <a:off x="393700" y="6299200"/>
-            <a:ext cx="6046660" cy="369332"/>
+            <a:off x="1013088" y="6313754"/>
+            <a:ext cx="4128566" cy="276999"/>
           </a:xfrm>
           <a:prstGeom prst="rect">
             <a:avLst/>
@@ -13562,69 +13956,44 @@
           </a:bodyPr>
           <a:lstStyle/>
           <a:p>
-            <a:r>
-              <a:rPr lang="en-US" dirty="0" smtClean="0"/>
-              <a:t>Figure 10 du document d3176, Techniques de </a:t>
-            </a:r>
-            <a:r>
-              <a:rPr lang="en-US" dirty="0" err="1" smtClean="0"/>
+            <a:pPr algn="ctr"/>
+            <a:r>
+              <a:rPr lang="en-US" sz="1200" dirty="0" smtClean="0"/>
+              <a:t>Figure 10 du document </a:t>
+            </a:r>
+            <a:r>
+              <a:rPr lang="en-US" sz="1200" dirty="0" smtClean="0"/>
+              <a:t>D3176</a:t>
+            </a:r>
+            <a:r>
+              <a:rPr lang="en-US" sz="1200" dirty="0" smtClean="0"/>
+              <a:t>, Techniques de </a:t>
+            </a:r>
+            <a:r>
+              <a:rPr lang="en-US" sz="1200" dirty="0" err="1" smtClean="0"/>
               <a:t>l’ingénieur</a:t>
             </a:r>
             <a:r>
-              <a:rPr lang="en-US" dirty="0" smtClean="0"/>
+              <a:rPr lang="en-US" sz="1200" dirty="0" smtClean="0"/>
               <a:t> </a:t>
             </a:r>
-            <a:endParaRPr lang="en-US" dirty="0"/>
-          </a:p>
-        </p:txBody>
-      </p:sp>
-      <p:sp>
-        <p:nvSpPr>
-          <p:cNvPr id="8" name="TextBox 7"/>
+            <a:endParaRPr lang="en-US" sz="1200" dirty="0"/>
+          </a:p>
+        </p:txBody>
+      </p:sp>
+      <p:sp>
+        <p:nvSpPr>
+          <p:cNvPr id="6" name="TextBox 5"/>
           <p:cNvSpPr txBox="1"/>
-          <p:nvPr/>
+          <p:nvPr>
+            <p:custDataLst>
+              <p:tags r:id="rId6"/>
+            </p:custDataLst>
+          </p:nvPr>
         </p:nvSpPr>
         <p:spPr>
           <a:xfrm>
-            <a:off x="4851400" y="533400"/>
-            <a:ext cx="6046660" cy="369332"/>
-          </a:xfrm>
-          <a:prstGeom prst="rect">
-            <a:avLst/>
-          </a:prstGeom>
-          <a:noFill/>
-        </p:spPr>
-        <p:txBody>
-          <a:bodyPr wrap="none" rtlCol="0">
-            <a:spAutoFit/>
-          </a:bodyPr>
-          <a:lstStyle/>
-          <a:p>
-            <a:r>
-              <a:rPr lang="en-US" dirty="0" smtClean="0"/>
-              <a:t>Figure 10 du document d3176, Techniques de </a:t>
-            </a:r>
-            <a:r>
-              <a:rPr lang="en-US" dirty="0" err="1" smtClean="0"/>
-              <a:t>l’ingénieur</a:t>
-            </a:r>
-            <a:r>
-              <a:rPr lang="en-US" dirty="0" smtClean="0"/>
-              <a:t> </a:t>
-            </a:r>
-            <a:endParaRPr lang="en-US" dirty="0"/>
-          </a:p>
-        </p:txBody>
-      </p:sp>
-      <p:sp>
-        <p:nvSpPr>
-          <p:cNvPr id="6" name="TextBox 5"/>
-          <p:cNvSpPr txBox="1"/>
-          <p:nvPr/>
-        </p:nvSpPr>
-        <p:spPr>
-          <a:xfrm>
-            <a:off x="495300" y="3606800"/>
+            <a:off x="148647" y="3630300"/>
             <a:ext cx="5842000" cy="738664"/>
           </a:xfrm>
           <a:prstGeom prst="rect">
@@ -13638,6 +14007,7 @@
           </a:bodyPr>
           <a:lstStyle/>
           <a:p>
+            <a:pPr algn="ctr"/>
             <a:r>
               <a:rPr lang="en-US" sz="1200" dirty="0" smtClean="0"/>
               <a:t>Figure 1 du document Modeling, </a:t>
@@ -13662,7 +14032,6 @@
               <a:rPr lang="en-US" sz="1200" dirty="0"/>
               <a:t> </a:t>
             </a:r>
-            <a:endParaRPr lang="en-US" sz="1200" dirty="0"/>
           </a:p>
           <a:p>
             <a:endParaRPr lang="en-US" dirty="0"/>
@@ -13682,7 +14051,7 @@
   <p:timing>
     <p:tnLst>
       <p:par>
-        <p:cTn xmlns:p14="http://schemas.microsoft.com/office/powerpoint/2010/main" id="1" dur="indefinite" restart="never" nodeType="tmRoot"/>
+        <p:cTn id="1" dur="indefinite" restart="never" nodeType="tmRoot"/>
       </p:par>
     </p:tnLst>
   </p:timing>
@@ -13714,9 +14083,17 @@
           </p:cNvSpPr>
           <p:nvPr>
             <p:ph type="title"/>
-          </p:nvPr>
-        </p:nvSpPr>
-        <p:spPr/>
+            <p:custDataLst>
+              <p:tags r:id="rId1"/>
+            </p:custDataLst>
+          </p:nvPr>
+        </p:nvSpPr>
+        <p:spPr>
+          <a:xfrm>
+            <a:off x="295581" y="204998"/>
+            <a:ext cx="8596668" cy="1320800"/>
+          </a:xfrm>
+        </p:spPr>
         <p:txBody>
           <a:bodyPr/>
           <a:lstStyle/>
@@ -13737,6 +14114,9 @@
           </p:cNvSpPr>
           <p:nvPr>
             <p:ph idx="1"/>
+            <p:custDataLst>
+              <p:tags r:id="rId2"/>
+            </p:custDataLst>
           </p:nvPr>
         </p:nvSpPr>
         <p:spPr>
@@ -13777,10 +14157,14 @@
           <p:cNvPicPr>
             <a:picLocks noChangeAspect="1"/>
           </p:cNvPicPr>
-          <p:nvPr/>
+          <p:nvPr>
+            <p:custDataLst>
+              <p:tags r:id="rId3"/>
+            </p:custDataLst>
+          </p:nvPr>
         </p:nvPicPr>
         <p:blipFill>
-          <a:blip r:embed="rId2">
+          <a:blip r:embed="rId7">
             <a:extLst>
               <a:ext uri="{28A0092B-C50C-407E-A947-70E740481C1C}">
                 <a14:useLocalDpi xmlns:a14="http://schemas.microsoft.com/office/drawing/2010/main" val="0"/>
@@ -13793,12 +14177,17 @@
         </p:blipFill>
         <p:spPr>
           <a:xfrm>
-            <a:off x="853965" y="1272989"/>
+            <a:off x="788756" y="876090"/>
             <a:ext cx="4026402" cy="3388184"/>
           </a:xfrm>
           <a:prstGeom prst="rect">
             <a:avLst/>
           </a:prstGeom>
+          <a:ln w="28575">
+            <a:solidFill>
+              <a:schemeClr val="accent1"/>
+            </a:solidFill>
+          </a:ln>
         </p:spPr>
       </p:pic>
       <p:pic>
@@ -13807,10 +14196,14 @@
           <p:cNvPicPr>
             <a:picLocks noChangeAspect="1"/>
           </p:cNvPicPr>
-          <p:nvPr/>
+          <p:nvPr>
+            <p:custDataLst>
+              <p:tags r:id="rId4"/>
+            </p:custDataLst>
+          </p:nvPr>
         </p:nvPicPr>
         <p:blipFill>
-          <a:blip r:embed="rId3">
+          <a:blip r:embed="rId8">
             <a:extLst>
               <a:ext uri="{28A0092B-C50C-407E-A947-70E740481C1C}">
                 <a14:useLocalDpi xmlns:a14="http://schemas.microsoft.com/office/drawing/2010/main" val="0"/>
@@ -13823,24 +14216,33 @@
         </p:blipFill>
         <p:spPr>
           <a:xfrm>
-            <a:off x="4894638" y="1255435"/>
-            <a:ext cx="3838651" cy="3427366"/>
+            <a:off x="5026818" y="879154"/>
+            <a:ext cx="3791336" cy="3385120"/>
           </a:xfrm>
           <a:prstGeom prst="rect">
             <a:avLst/>
           </a:prstGeom>
+          <a:ln w="28575">
+            <a:solidFill>
+              <a:schemeClr val="accent1"/>
+            </a:solidFill>
+          </a:ln>
         </p:spPr>
       </p:pic>
       <p:sp>
         <p:nvSpPr>
           <p:cNvPr id="2" name="TextBox 1"/>
           <p:cNvSpPr txBox="1"/>
-          <p:nvPr/>
+          <p:nvPr>
+            <p:custDataLst>
+              <p:tags r:id="rId5"/>
+            </p:custDataLst>
+          </p:nvPr>
         </p:nvSpPr>
         <p:spPr>
           <a:xfrm>
-            <a:off x="8940801" y="1892300"/>
-            <a:ext cx="2057399" cy="2031325"/>
+            <a:off x="788756" y="4279138"/>
+            <a:ext cx="8029398" cy="276999"/>
           </a:xfrm>
           <a:prstGeom prst="rect">
             <a:avLst/>
@@ -13853,35 +14255,40 @@
           </a:bodyPr>
           <a:lstStyle/>
           <a:p>
-            <a:r>
-              <a:rPr lang="en-US" dirty="0" smtClean="0"/>
+            <a:pPr algn="ctr"/>
+            <a:r>
+              <a:rPr lang="en-US" sz="1200" dirty="0" smtClean="0"/>
               <a:t>Figure 8.3-1 et 8.3-2 </a:t>
             </a:r>
             <a:r>
-              <a:rPr lang="en-US" dirty="0" err="1" smtClean="0"/>
-              <a:t>tirée</a:t>
-            </a:r>
-            <a:r>
-              <a:rPr lang="en-US" dirty="0" smtClean="0"/>
-              <a:t> du </a:t>
-            </a:r>
-            <a:r>
-              <a:rPr lang="en-US" dirty="0" err="1" smtClean="0"/>
+              <a:rPr lang="en-US" sz="1200" dirty="0" err="1" smtClean="0"/>
+              <a:t>tirées</a:t>
+            </a:r>
+            <a:r>
+              <a:rPr lang="en-US" sz="1200" dirty="0" smtClean="0"/>
+              <a:t> </a:t>
+            </a:r>
+            <a:r>
+              <a:rPr lang="en-US" sz="1200" dirty="0" smtClean="0"/>
+              <a:t>du </a:t>
+            </a:r>
+            <a:r>
+              <a:rPr lang="en-US" sz="1200" dirty="0" err="1" smtClean="0"/>
               <a:t>livre</a:t>
             </a:r>
             <a:r>
-              <a:rPr lang="en-US" dirty="0" smtClean="0"/>
+              <a:rPr lang="en-US" sz="1200" dirty="0" smtClean="0"/>
               <a:t> High Power Converters and AC Drives, Bin Wu, </a:t>
             </a:r>
             <a:r>
-              <a:rPr lang="en-US" dirty="0" err="1" smtClean="0"/>
+              <a:rPr lang="en-US" sz="1200" dirty="0" err="1" smtClean="0"/>
               <a:t>éditions</a:t>
             </a:r>
             <a:r>
-              <a:rPr lang="en-US" dirty="0" smtClean="0"/>
+              <a:rPr lang="en-US" sz="1200" dirty="0" smtClean="0"/>
               <a:t> IEEE press.</a:t>
             </a:r>
-            <a:endParaRPr lang="en-US" dirty="0"/>
+            <a:endParaRPr lang="en-US" sz="1200" dirty="0"/>
           </a:p>
         </p:txBody>
       </p:sp>
@@ -13898,7 +14305,7 @@
   <p:timing>
     <p:tnLst>
       <p:par>
-        <p:cTn xmlns:p14="http://schemas.microsoft.com/office/powerpoint/2010/main" id="1" dur="indefinite" restart="never" nodeType="tmRoot"/>
+        <p:cTn id="1" dur="indefinite" restart="never" nodeType="tmRoot"/>
       </p:par>
     </p:tnLst>
   </p:timing>
@@ -13930,6 +14337,9 @@
           </p:cNvSpPr>
           <p:nvPr>
             <p:ph type="title"/>
+            <p:custDataLst>
+              <p:tags r:id="rId1"/>
+            </p:custDataLst>
           </p:nvPr>
         </p:nvSpPr>
         <p:spPr/>
@@ -13953,6 +14363,9 @@
           </p:cNvSpPr>
           <p:nvPr>
             <p:ph idx="1"/>
+            <p:custDataLst>
+              <p:tags r:id="rId2"/>
+            </p:custDataLst>
           </p:nvPr>
         </p:nvSpPr>
         <p:spPr>
@@ -14013,10 +14426,14 @@
           <p:cNvPicPr>
             <a:picLocks noChangeAspect="1"/>
           </p:cNvPicPr>
-          <p:nvPr/>
+          <p:nvPr>
+            <p:custDataLst>
+              <p:tags r:id="rId3"/>
+            </p:custDataLst>
+          </p:nvPr>
         </p:nvPicPr>
         <p:blipFill>
-          <a:blip r:embed="rId2">
+          <a:blip r:embed="rId6">
             <a:extLst>
               <a:ext uri="{28A0092B-C50C-407E-A947-70E740481C1C}">
                 <a14:useLocalDpi xmlns:a14="http://schemas.microsoft.com/office/drawing/2010/main" val="0"/>
@@ -14029,56 +14446,73 @@
         </p:blipFill>
         <p:spPr>
           <a:xfrm>
-            <a:off x="598360" y="1272016"/>
-            <a:ext cx="4928043" cy="5277419"/>
+            <a:off x="598360" y="1272017"/>
+            <a:ext cx="4928043" cy="5047864"/>
+          </a:xfrm>
+          <a:prstGeom prst="rect">
+            <a:avLst/>
+          </a:prstGeom>
+          <a:ln w="28575">
+            <a:solidFill>
+              <a:schemeClr val="accent1"/>
+            </a:solidFill>
+          </a:ln>
+        </p:spPr>
+      </p:pic>
+      <p:sp>
+        <p:nvSpPr>
+          <p:cNvPr id="3" name="Rectangle 2"/>
+          <p:cNvSpPr/>
+          <p:nvPr>
+            <p:custDataLst>
+              <p:tags r:id="rId4"/>
+            </p:custDataLst>
+          </p:nvPr>
+        </p:nvSpPr>
+        <p:spPr>
+          <a:xfrm>
+            <a:off x="1002907" y="6319881"/>
+            <a:ext cx="4118948" cy="276999"/>
           </a:xfrm>
           <a:prstGeom prst="rect">
             <a:avLst/>
           </a:prstGeom>
         </p:spPr>
-      </p:pic>
-      <p:sp>
-        <p:nvSpPr>
-          <p:cNvPr id="3" name="Rectangle 2"/>
-          <p:cNvSpPr/>
-          <p:nvPr/>
-        </p:nvSpPr>
-        <p:spPr>
-          <a:xfrm>
-            <a:off x="5739670" y="5873234"/>
-            <a:ext cx="6046660" cy="369332"/>
-          </a:xfrm>
-          <a:prstGeom prst="rect">
-            <a:avLst/>
-          </a:prstGeom>
-        </p:spPr>
         <p:txBody>
           <a:bodyPr wrap="none">
             <a:spAutoFit/>
           </a:bodyPr>
           <a:lstStyle/>
           <a:p>
-            <a:r>
-              <a:rPr lang="en-US" dirty="0"/>
+            <a:pPr algn="ctr"/>
+            <a:r>
+              <a:rPr lang="en-US" sz="1200" dirty="0"/>
               <a:t>Figure </a:t>
             </a:r>
             <a:r>
-              <a:rPr lang="en-US" dirty="0" smtClean="0"/>
+              <a:rPr lang="en-US" sz="1200" dirty="0" smtClean="0"/>
               <a:t>16 </a:t>
             </a:r>
             <a:r>
-              <a:rPr lang="en-US" dirty="0"/>
-              <a:t>du document d3176, Techniques de </a:t>
-            </a:r>
-            <a:r>
-              <a:rPr lang="en-US" dirty="0" err="1"/>
+              <a:rPr lang="en-US" sz="1200" dirty="0"/>
+              <a:t>du document </a:t>
+            </a:r>
+            <a:r>
+              <a:rPr lang="en-US" sz="1200" dirty="0" smtClean="0"/>
+              <a:t>D3176</a:t>
+            </a:r>
+            <a:r>
+              <a:rPr lang="en-US" sz="1200" dirty="0"/>
+              <a:t>, Techniques de </a:t>
+            </a:r>
+            <a:r>
+              <a:rPr lang="en-US" sz="1200" dirty="0" err="1"/>
               <a:t>l’ingénieur</a:t>
             </a:r>
             <a:r>
-              <a:rPr lang="en-US" dirty="0"/>
+              <a:rPr lang="en-US" sz="1200" dirty="0"/>
               <a:t> </a:t>
             </a:r>
-            <a:endParaRPr lang="en-US" dirty="0"/>
           </a:p>
         </p:txBody>
       </p:sp>
@@ -14095,7 +14529,7 @@
   <p:timing>
     <p:tnLst>
       <p:par>
-        <p:cTn xmlns:p14="http://schemas.microsoft.com/office/powerpoint/2010/main" id="1" dur="indefinite" restart="never" nodeType="tmRoot"/>
+        <p:cTn id="1" dur="indefinite" restart="never" nodeType="tmRoot"/>
       </p:par>
     </p:tnLst>
   </p:timing>
@@ -14110,19 +14544,19 @@
 
 <file path=ppt/tags/tag10.xml><?xml version="1.0" encoding="utf-8"?>
 <p:tagLst xmlns:a="http://schemas.openxmlformats.org/drawingml/2006/main" xmlns:r="http://schemas.openxmlformats.org/officeDocument/2006/relationships" xmlns:p="http://schemas.openxmlformats.org/presentationml/2006/main">
-  <p:tag name="NUM" val="1"/>
+  <p:tag name="NUM" val="2"/>
 </p:tagLst>
 </file>
 
 <file path=ppt/tags/tag11.xml><?xml version="1.0" encoding="utf-8"?>
 <p:tagLst xmlns:a="http://schemas.openxmlformats.org/drawingml/2006/main" xmlns:r="http://schemas.openxmlformats.org/officeDocument/2006/relationships" xmlns:p="http://schemas.openxmlformats.org/presentationml/2006/main">
-  <p:tag name="NUM" val="2"/>
+  <p:tag name="NUM" val="3"/>
 </p:tagLst>
 </file>
 
 <file path=ppt/tags/tag12.xml><?xml version="1.0" encoding="utf-8"?>
 <p:tagLst xmlns:a="http://schemas.openxmlformats.org/drawingml/2006/main" xmlns:r="http://schemas.openxmlformats.org/officeDocument/2006/relationships" xmlns:p="http://schemas.openxmlformats.org/presentationml/2006/main">
-  <p:tag name="NUM" val="3"/>
+  <p:tag name="NUM" val="4"/>
 </p:tagLst>
 </file>
 
@@ -14140,13 +14574,13 @@
 
 <file path=ppt/tags/tag15.xml><?xml version="1.0" encoding="utf-8"?>
 <p:tagLst xmlns:a="http://schemas.openxmlformats.org/drawingml/2006/main" xmlns:r="http://schemas.openxmlformats.org/officeDocument/2006/relationships" xmlns:p="http://schemas.openxmlformats.org/presentationml/2006/main">
-  <p:tag name="NUM" val="1"/>
+  <p:tag name="NUM" val="3"/>
 </p:tagLst>
 </file>
 
 <file path=ppt/tags/tag16.xml><?xml version="1.0" encoding="utf-8"?>
 <p:tagLst xmlns:a="http://schemas.openxmlformats.org/drawingml/2006/main" xmlns:r="http://schemas.openxmlformats.org/officeDocument/2006/relationships" xmlns:p="http://schemas.openxmlformats.org/presentationml/2006/main">
-  <p:tag name="NUM" val="2"/>
+  <p:tag name="NUM" val="4"/>
 </p:tagLst>
 </file>
 
@@ -14162,19 +14596,205 @@
 </p:tagLst>
 </file>
 
+<file path=ppt/tags/tag19.xml><?xml version="1.0" encoding="utf-8"?>
+<p:tagLst xmlns:a="http://schemas.openxmlformats.org/drawingml/2006/main" xmlns:r="http://schemas.openxmlformats.org/officeDocument/2006/relationships" xmlns:p="http://schemas.openxmlformats.org/presentationml/2006/main">
+  <p:tag name="NUM" val="3"/>
+</p:tagLst>
+</file>
+
 <file path=ppt/tags/tag2.xml><?xml version="1.0" encoding="utf-8"?>
 <p:tagLst xmlns:a="http://schemas.openxmlformats.org/drawingml/2006/main" xmlns:r="http://schemas.openxmlformats.org/officeDocument/2006/relationships" xmlns:p="http://schemas.openxmlformats.org/presentationml/2006/main">
   <p:tag name="NUM" val="2"/>
 </p:tagLst>
 </file>
 
-<file path=ppt/tags/tag3.xml><?xml version="1.0" encoding="utf-8"?>
+<file path=ppt/tags/tag20.xml><?xml version="1.0" encoding="utf-8"?>
+<p:tagLst xmlns:a="http://schemas.openxmlformats.org/drawingml/2006/main" xmlns:r="http://schemas.openxmlformats.org/officeDocument/2006/relationships" xmlns:p="http://schemas.openxmlformats.org/presentationml/2006/main">
+  <p:tag name="NUM" val="4"/>
+</p:tagLst>
+</file>
+
+<file path=ppt/tags/tag21.xml><?xml version="1.0" encoding="utf-8"?>
+<p:tagLst xmlns:a="http://schemas.openxmlformats.org/drawingml/2006/main" xmlns:r="http://schemas.openxmlformats.org/officeDocument/2006/relationships" xmlns:p="http://schemas.openxmlformats.org/presentationml/2006/main">
+  <p:tag name="NUM" val="1"/>
+</p:tagLst>
+</file>
+
+<file path=ppt/tags/tag22.xml><?xml version="1.0" encoding="utf-8"?>
+<p:tagLst xmlns:a="http://schemas.openxmlformats.org/drawingml/2006/main" xmlns:r="http://schemas.openxmlformats.org/officeDocument/2006/relationships" xmlns:p="http://schemas.openxmlformats.org/presentationml/2006/main">
+  <p:tag name="NUM" val="2"/>
+</p:tagLst>
+</file>
+
+<file path=ppt/tags/tag23.xml><?xml version="1.0" encoding="utf-8"?>
 <p:tagLst xmlns:a="http://schemas.openxmlformats.org/drawingml/2006/main" xmlns:r="http://schemas.openxmlformats.org/officeDocument/2006/relationships" xmlns:p="http://schemas.openxmlformats.org/presentationml/2006/main">
   <p:tag name="NUM" val="3"/>
 </p:tagLst>
 </file>
 
+<file path=ppt/tags/tag24.xml><?xml version="1.0" encoding="utf-8"?>
+<p:tagLst xmlns:a="http://schemas.openxmlformats.org/drawingml/2006/main" xmlns:r="http://schemas.openxmlformats.org/officeDocument/2006/relationships" xmlns:p="http://schemas.openxmlformats.org/presentationml/2006/main">
+  <p:tag name="NUM" val="1"/>
+</p:tagLst>
+</file>
+
+<file path=ppt/tags/tag25.xml><?xml version="1.0" encoding="utf-8"?>
+<p:tagLst xmlns:a="http://schemas.openxmlformats.org/drawingml/2006/main" xmlns:r="http://schemas.openxmlformats.org/officeDocument/2006/relationships" xmlns:p="http://schemas.openxmlformats.org/presentationml/2006/main">
+  <p:tag name="NUM" val="2"/>
+</p:tagLst>
+</file>
+
+<file path=ppt/tags/tag26.xml><?xml version="1.0" encoding="utf-8"?>
+<p:tagLst xmlns:a="http://schemas.openxmlformats.org/drawingml/2006/main" xmlns:r="http://schemas.openxmlformats.org/officeDocument/2006/relationships" xmlns:p="http://schemas.openxmlformats.org/presentationml/2006/main">
+  <p:tag name="NUM" val="3"/>
+</p:tagLst>
+</file>
+
+<file path=ppt/tags/tag27.xml><?xml version="1.0" encoding="utf-8"?>
+<p:tagLst xmlns:a="http://schemas.openxmlformats.org/drawingml/2006/main" xmlns:r="http://schemas.openxmlformats.org/officeDocument/2006/relationships" xmlns:p="http://schemas.openxmlformats.org/presentationml/2006/main">
+  <p:tag name="NUM" val="4"/>
+</p:tagLst>
+</file>
+
+<file path=ppt/tags/tag28.xml><?xml version="1.0" encoding="utf-8"?>
+<p:tagLst xmlns:a="http://schemas.openxmlformats.org/drawingml/2006/main" xmlns:r="http://schemas.openxmlformats.org/officeDocument/2006/relationships" xmlns:p="http://schemas.openxmlformats.org/presentationml/2006/main">
+  <p:tag name="NUM" val="5"/>
+</p:tagLst>
+</file>
+
+<file path=ppt/tags/tag29.xml><?xml version="1.0" encoding="utf-8"?>
+<p:tagLst xmlns:a="http://schemas.openxmlformats.org/drawingml/2006/main" xmlns:r="http://schemas.openxmlformats.org/officeDocument/2006/relationships" xmlns:p="http://schemas.openxmlformats.org/presentationml/2006/main">
+  <p:tag name="NUM" val="6"/>
+</p:tagLst>
+</file>
+
+<file path=ppt/tags/tag3.xml><?xml version="1.0" encoding="utf-8"?>
+<p:tagLst xmlns:a="http://schemas.openxmlformats.org/drawingml/2006/main" xmlns:r="http://schemas.openxmlformats.org/officeDocument/2006/relationships" xmlns:p="http://schemas.openxmlformats.org/presentationml/2006/main">
+  <p:tag name="NUM" val="1"/>
+</p:tagLst>
+</file>
+
+<file path=ppt/tags/tag30.xml><?xml version="1.0" encoding="utf-8"?>
+<p:tagLst xmlns:a="http://schemas.openxmlformats.org/drawingml/2006/main" xmlns:r="http://schemas.openxmlformats.org/officeDocument/2006/relationships" xmlns:p="http://schemas.openxmlformats.org/presentationml/2006/main">
+  <p:tag name="NUM" val="1"/>
+</p:tagLst>
+</file>
+
+<file path=ppt/tags/tag31.xml><?xml version="1.0" encoding="utf-8"?>
+<p:tagLst xmlns:a="http://schemas.openxmlformats.org/drawingml/2006/main" xmlns:r="http://schemas.openxmlformats.org/officeDocument/2006/relationships" xmlns:p="http://schemas.openxmlformats.org/presentationml/2006/main">
+  <p:tag name="NUM" val="2"/>
+</p:tagLst>
+</file>
+
+<file path=ppt/tags/tag32.xml><?xml version="1.0" encoding="utf-8"?>
+<p:tagLst xmlns:a="http://schemas.openxmlformats.org/drawingml/2006/main" xmlns:r="http://schemas.openxmlformats.org/officeDocument/2006/relationships" xmlns:p="http://schemas.openxmlformats.org/presentationml/2006/main">
+  <p:tag name="NUM" val="3"/>
+</p:tagLst>
+</file>
+
+<file path=ppt/tags/tag33.xml><?xml version="1.0" encoding="utf-8"?>
+<p:tagLst xmlns:a="http://schemas.openxmlformats.org/drawingml/2006/main" xmlns:r="http://schemas.openxmlformats.org/officeDocument/2006/relationships" xmlns:p="http://schemas.openxmlformats.org/presentationml/2006/main">
+  <p:tag name="NUM" val="4"/>
+</p:tagLst>
+</file>
+
+<file path=ppt/tags/tag34.xml><?xml version="1.0" encoding="utf-8"?>
+<p:tagLst xmlns:a="http://schemas.openxmlformats.org/drawingml/2006/main" xmlns:r="http://schemas.openxmlformats.org/officeDocument/2006/relationships" xmlns:p="http://schemas.openxmlformats.org/presentationml/2006/main">
+  <p:tag name="NUM" val="5"/>
+</p:tagLst>
+</file>
+
+<file path=ppt/tags/tag35.xml><?xml version="1.0" encoding="utf-8"?>
+<p:tagLst xmlns:a="http://schemas.openxmlformats.org/drawingml/2006/main" xmlns:r="http://schemas.openxmlformats.org/officeDocument/2006/relationships" xmlns:p="http://schemas.openxmlformats.org/presentationml/2006/main">
+  <p:tag name="NUM" val="1"/>
+</p:tagLst>
+</file>
+
+<file path=ppt/tags/tag36.xml><?xml version="1.0" encoding="utf-8"?>
+<p:tagLst xmlns:a="http://schemas.openxmlformats.org/drawingml/2006/main" xmlns:r="http://schemas.openxmlformats.org/officeDocument/2006/relationships" xmlns:p="http://schemas.openxmlformats.org/presentationml/2006/main">
+  <p:tag name="NUM" val="2"/>
+</p:tagLst>
+</file>
+
+<file path=ppt/tags/tag37.xml><?xml version="1.0" encoding="utf-8"?>
+<p:tagLst xmlns:a="http://schemas.openxmlformats.org/drawingml/2006/main" xmlns:r="http://schemas.openxmlformats.org/officeDocument/2006/relationships" xmlns:p="http://schemas.openxmlformats.org/presentationml/2006/main">
+  <p:tag name="NUM" val="3"/>
+</p:tagLst>
+</file>
+
+<file path=ppt/tags/tag38.xml><?xml version="1.0" encoding="utf-8"?>
+<p:tagLst xmlns:a="http://schemas.openxmlformats.org/drawingml/2006/main" xmlns:r="http://schemas.openxmlformats.org/officeDocument/2006/relationships" xmlns:p="http://schemas.openxmlformats.org/presentationml/2006/main">
+  <p:tag name="NUM" val="4"/>
+</p:tagLst>
+</file>
+
+<file path=ppt/tags/tag39.xml><?xml version="1.0" encoding="utf-8"?>
+<p:tagLst xmlns:a="http://schemas.openxmlformats.org/drawingml/2006/main" xmlns:r="http://schemas.openxmlformats.org/officeDocument/2006/relationships" xmlns:p="http://schemas.openxmlformats.org/presentationml/2006/main">
+  <p:tag name="NUM" val="1"/>
+</p:tagLst>
+</file>
+
 <file path=ppt/tags/tag4.xml><?xml version="1.0" encoding="utf-8"?>
+<p:tagLst xmlns:a="http://schemas.openxmlformats.org/drawingml/2006/main" xmlns:r="http://schemas.openxmlformats.org/officeDocument/2006/relationships" xmlns:p="http://schemas.openxmlformats.org/presentationml/2006/main">
+  <p:tag name="NUM" val="2"/>
+</p:tagLst>
+</file>
+
+<file path=ppt/tags/tag40.xml><?xml version="1.0" encoding="utf-8"?>
+<p:tagLst xmlns:a="http://schemas.openxmlformats.org/drawingml/2006/main" xmlns:r="http://schemas.openxmlformats.org/officeDocument/2006/relationships" xmlns:p="http://schemas.openxmlformats.org/presentationml/2006/main">
+  <p:tag name="NUM" val="2"/>
+</p:tagLst>
+</file>
+
+<file path=ppt/tags/tag41.xml><?xml version="1.0" encoding="utf-8"?>
+<p:tagLst xmlns:a="http://schemas.openxmlformats.org/drawingml/2006/main" xmlns:r="http://schemas.openxmlformats.org/officeDocument/2006/relationships" xmlns:p="http://schemas.openxmlformats.org/presentationml/2006/main">
+  <p:tag name="NUM" val="3"/>
+</p:tagLst>
+</file>
+
+<file path=ppt/tags/tag42.xml><?xml version="1.0" encoding="utf-8"?>
+<p:tagLst xmlns:a="http://schemas.openxmlformats.org/drawingml/2006/main" xmlns:r="http://schemas.openxmlformats.org/officeDocument/2006/relationships" xmlns:p="http://schemas.openxmlformats.org/presentationml/2006/main">
+  <p:tag name="NUM" val="4"/>
+</p:tagLst>
+</file>
+
+<file path=ppt/tags/tag43.xml><?xml version="1.0" encoding="utf-8"?>
+<p:tagLst xmlns:a="http://schemas.openxmlformats.org/drawingml/2006/main" xmlns:r="http://schemas.openxmlformats.org/officeDocument/2006/relationships" xmlns:p="http://schemas.openxmlformats.org/presentationml/2006/main">
+  <p:tag name="NUM" val="1"/>
+</p:tagLst>
+</file>
+
+<file path=ppt/tags/tag44.xml><?xml version="1.0" encoding="utf-8"?>
+<p:tagLst xmlns:a="http://schemas.openxmlformats.org/drawingml/2006/main" xmlns:r="http://schemas.openxmlformats.org/officeDocument/2006/relationships" xmlns:p="http://schemas.openxmlformats.org/presentationml/2006/main">
+  <p:tag name="NUM" val="2"/>
+</p:tagLst>
+</file>
+
+<file path=ppt/tags/tag45.xml><?xml version="1.0" encoding="utf-8"?>
+<p:tagLst xmlns:a="http://schemas.openxmlformats.org/drawingml/2006/main" xmlns:r="http://schemas.openxmlformats.org/officeDocument/2006/relationships" xmlns:p="http://schemas.openxmlformats.org/presentationml/2006/main">
+  <p:tag name="NUM" val="1"/>
+</p:tagLst>
+</file>
+
+<file path=ppt/tags/tag46.xml><?xml version="1.0" encoding="utf-8"?>
+<p:tagLst xmlns:a="http://schemas.openxmlformats.org/drawingml/2006/main" xmlns:r="http://schemas.openxmlformats.org/officeDocument/2006/relationships" xmlns:p="http://schemas.openxmlformats.org/presentationml/2006/main">
+  <p:tag name="NUM" val="2"/>
+</p:tagLst>
+</file>
+
+<file path=ppt/tags/tag47.xml><?xml version="1.0" encoding="utf-8"?>
+<p:tagLst xmlns:a="http://schemas.openxmlformats.org/drawingml/2006/main" xmlns:r="http://schemas.openxmlformats.org/officeDocument/2006/relationships" xmlns:p="http://schemas.openxmlformats.org/presentationml/2006/main">
+  <p:tag name="NUM" val="1"/>
+</p:tagLst>
+</file>
+
+<file path=ppt/tags/tag48.xml><?xml version="1.0" encoding="utf-8"?>
+<p:tagLst xmlns:a="http://schemas.openxmlformats.org/drawingml/2006/main" xmlns:r="http://schemas.openxmlformats.org/officeDocument/2006/relationships" xmlns:p="http://schemas.openxmlformats.org/presentationml/2006/main">
+  <p:tag name="NUM" val="2"/>
+</p:tagLst>
+</file>
+
+<file path=ppt/tags/tag49.xml><?xml version="1.0" encoding="utf-8"?>
 <p:tagLst xmlns:a="http://schemas.openxmlformats.org/drawingml/2006/main" xmlns:r="http://schemas.openxmlformats.org/officeDocument/2006/relationships" xmlns:p="http://schemas.openxmlformats.org/presentationml/2006/main">
   <p:tag name="NUM" val="1"/>
 </p:tagLst>
@@ -14182,29 +14802,293 @@
 
 <file path=ppt/tags/tag5.xml><?xml version="1.0" encoding="utf-8"?>
 <p:tagLst xmlns:a="http://schemas.openxmlformats.org/drawingml/2006/main" xmlns:r="http://schemas.openxmlformats.org/officeDocument/2006/relationships" xmlns:p="http://schemas.openxmlformats.org/presentationml/2006/main">
+  <p:tag name="NUM" val="3"/>
+</p:tagLst>
+</file>
+
+<file path=ppt/tags/tag50.xml><?xml version="1.0" encoding="utf-8"?>
+<p:tagLst xmlns:a="http://schemas.openxmlformats.org/drawingml/2006/main" xmlns:r="http://schemas.openxmlformats.org/officeDocument/2006/relationships" xmlns:p="http://schemas.openxmlformats.org/presentationml/2006/main">
   <p:tag name="NUM" val="2"/>
+</p:tagLst>
+</file>
+
+<file path=ppt/tags/tag51.xml><?xml version="1.0" encoding="utf-8"?>
+<p:tagLst xmlns:a="http://schemas.openxmlformats.org/drawingml/2006/main" xmlns:r="http://schemas.openxmlformats.org/officeDocument/2006/relationships" xmlns:p="http://schemas.openxmlformats.org/presentationml/2006/main">
+  <p:tag name="NUM" val="1"/>
+</p:tagLst>
+</file>
+
+<file path=ppt/tags/tag52.xml><?xml version="1.0" encoding="utf-8"?>
+<p:tagLst xmlns:a="http://schemas.openxmlformats.org/drawingml/2006/main" xmlns:r="http://schemas.openxmlformats.org/officeDocument/2006/relationships" xmlns:p="http://schemas.openxmlformats.org/presentationml/2006/main">
+  <p:tag name="NUM" val="2"/>
+</p:tagLst>
+</file>
+
+<file path=ppt/tags/tag53.xml><?xml version="1.0" encoding="utf-8"?>
+<p:tagLst xmlns:a="http://schemas.openxmlformats.org/drawingml/2006/main" xmlns:r="http://schemas.openxmlformats.org/officeDocument/2006/relationships" xmlns:p="http://schemas.openxmlformats.org/presentationml/2006/main">
+  <p:tag name="NUM" val="1"/>
+</p:tagLst>
+</file>
+
+<file path=ppt/tags/tag54.xml><?xml version="1.0" encoding="utf-8"?>
+<p:tagLst xmlns:a="http://schemas.openxmlformats.org/drawingml/2006/main" xmlns:r="http://schemas.openxmlformats.org/officeDocument/2006/relationships" xmlns:p="http://schemas.openxmlformats.org/presentationml/2006/main">
+  <p:tag name="NUM" val="2"/>
+</p:tagLst>
+</file>
+
+<file path=ppt/tags/tag55.xml><?xml version="1.0" encoding="utf-8"?>
+<p:tagLst xmlns:a="http://schemas.openxmlformats.org/drawingml/2006/main" xmlns:r="http://schemas.openxmlformats.org/officeDocument/2006/relationships" xmlns:p="http://schemas.openxmlformats.org/presentationml/2006/main">
+  <p:tag name="NUM" val="1"/>
+</p:tagLst>
+</file>
+
+<file path=ppt/tags/tag56.xml><?xml version="1.0" encoding="utf-8"?>
+<p:tagLst xmlns:a="http://schemas.openxmlformats.org/drawingml/2006/main" xmlns:r="http://schemas.openxmlformats.org/officeDocument/2006/relationships" xmlns:p="http://schemas.openxmlformats.org/presentationml/2006/main">
+  <p:tag name="NUM" val="2"/>
+</p:tagLst>
+</file>
+
+<file path=ppt/tags/tag57.xml><?xml version="1.0" encoding="utf-8"?>
+<p:tagLst xmlns:a="http://schemas.openxmlformats.org/drawingml/2006/main" xmlns:r="http://schemas.openxmlformats.org/officeDocument/2006/relationships" xmlns:p="http://schemas.openxmlformats.org/presentationml/2006/main">
+  <p:tag name="NUM" val="1"/>
+</p:tagLst>
+</file>
+
+<file path=ppt/tags/tag58.xml><?xml version="1.0" encoding="utf-8"?>
+<p:tagLst xmlns:a="http://schemas.openxmlformats.org/drawingml/2006/main" xmlns:r="http://schemas.openxmlformats.org/officeDocument/2006/relationships" xmlns:p="http://schemas.openxmlformats.org/presentationml/2006/main">
+  <p:tag name="NUM" val="2"/>
+</p:tagLst>
+</file>
+
+<file path=ppt/tags/tag59.xml><?xml version="1.0" encoding="utf-8"?>
+<p:tagLst xmlns:a="http://schemas.openxmlformats.org/drawingml/2006/main" xmlns:r="http://schemas.openxmlformats.org/officeDocument/2006/relationships" xmlns:p="http://schemas.openxmlformats.org/presentationml/2006/main">
+  <p:tag name="NUM" val="3"/>
 </p:tagLst>
 </file>
 
 <file path=ppt/tags/tag6.xml><?xml version="1.0" encoding="utf-8"?>
 <p:tagLst xmlns:a="http://schemas.openxmlformats.org/drawingml/2006/main" xmlns:r="http://schemas.openxmlformats.org/officeDocument/2006/relationships" xmlns:p="http://schemas.openxmlformats.org/presentationml/2006/main">
+  <p:tag name="NUM" val="4"/>
+</p:tagLst>
+</file>
+
+<file path=ppt/tags/tag60.xml><?xml version="1.0" encoding="utf-8"?>
+<p:tagLst xmlns:a="http://schemas.openxmlformats.org/drawingml/2006/main" xmlns:r="http://schemas.openxmlformats.org/officeDocument/2006/relationships" xmlns:p="http://schemas.openxmlformats.org/presentationml/2006/main">
+  <p:tag name="NUM" val="1"/>
+</p:tagLst>
+</file>
+
+<file path=ppt/tags/tag61.xml><?xml version="1.0" encoding="utf-8"?>
+<p:tagLst xmlns:a="http://schemas.openxmlformats.org/drawingml/2006/main" xmlns:r="http://schemas.openxmlformats.org/officeDocument/2006/relationships" xmlns:p="http://schemas.openxmlformats.org/presentationml/2006/main">
+  <p:tag name="NUM" val="2"/>
+</p:tagLst>
+</file>
+
+<file path=ppt/tags/tag62.xml><?xml version="1.0" encoding="utf-8"?>
+<p:tagLst xmlns:a="http://schemas.openxmlformats.org/drawingml/2006/main" xmlns:r="http://schemas.openxmlformats.org/officeDocument/2006/relationships" xmlns:p="http://schemas.openxmlformats.org/presentationml/2006/main">
   <p:tag name="NUM" val="3"/>
+</p:tagLst>
+</file>
+
+<file path=ppt/tags/tag63.xml><?xml version="1.0" encoding="utf-8"?>
+<p:tagLst xmlns:a="http://schemas.openxmlformats.org/drawingml/2006/main" xmlns:r="http://schemas.openxmlformats.org/officeDocument/2006/relationships" xmlns:p="http://schemas.openxmlformats.org/presentationml/2006/main">
+  <p:tag name="NUM" val="4"/>
+</p:tagLst>
+</file>
+
+<file path=ppt/tags/tag64.xml><?xml version="1.0" encoding="utf-8"?>
+<p:tagLst xmlns:a="http://schemas.openxmlformats.org/drawingml/2006/main" xmlns:r="http://schemas.openxmlformats.org/officeDocument/2006/relationships" xmlns:p="http://schemas.openxmlformats.org/presentationml/2006/main">
+  <p:tag name="NUM" val="1"/>
+</p:tagLst>
+</file>
+
+<file path=ppt/tags/tag65.xml><?xml version="1.0" encoding="utf-8"?>
+<p:tagLst xmlns:a="http://schemas.openxmlformats.org/drawingml/2006/main" xmlns:r="http://schemas.openxmlformats.org/officeDocument/2006/relationships" xmlns:p="http://schemas.openxmlformats.org/presentationml/2006/main">
+  <p:tag name="NUM" val="2"/>
+</p:tagLst>
+</file>
+
+<file path=ppt/tags/tag66.xml><?xml version="1.0" encoding="utf-8"?>
+<p:tagLst xmlns:a="http://schemas.openxmlformats.org/drawingml/2006/main" xmlns:r="http://schemas.openxmlformats.org/officeDocument/2006/relationships" xmlns:p="http://schemas.openxmlformats.org/presentationml/2006/main">
+  <p:tag name="NUM" val="3"/>
+</p:tagLst>
+</file>
+
+<file path=ppt/tags/tag67.xml><?xml version="1.0" encoding="utf-8"?>
+<p:tagLst xmlns:a="http://schemas.openxmlformats.org/drawingml/2006/main" xmlns:r="http://schemas.openxmlformats.org/officeDocument/2006/relationships" xmlns:p="http://schemas.openxmlformats.org/presentationml/2006/main">
+  <p:tag name="NUM" val="1"/>
+</p:tagLst>
+</file>
+
+<file path=ppt/tags/tag68.xml><?xml version="1.0" encoding="utf-8"?>
+<p:tagLst xmlns:a="http://schemas.openxmlformats.org/drawingml/2006/main" xmlns:r="http://schemas.openxmlformats.org/officeDocument/2006/relationships" xmlns:p="http://schemas.openxmlformats.org/presentationml/2006/main">
+  <p:tag name="NUM" val="2"/>
+</p:tagLst>
+</file>
+
+<file path=ppt/tags/tag69.xml><?xml version="1.0" encoding="utf-8"?>
+<p:tagLst xmlns:a="http://schemas.openxmlformats.org/drawingml/2006/main" xmlns:r="http://schemas.openxmlformats.org/officeDocument/2006/relationships" xmlns:p="http://schemas.openxmlformats.org/presentationml/2006/main">
+  <p:tag name="NUM" val="1"/>
 </p:tagLst>
 </file>
 
 <file path=ppt/tags/tag7.xml><?xml version="1.0" encoding="utf-8"?>
 <p:tagLst xmlns:a="http://schemas.openxmlformats.org/drawingml/2006/main" xmlns:r="http://schemas.openxmlformats.org/officeDocument/2006/relationships" xmlns:p="http://schemas.openxmlformats.org/presentationml/2006/main">
-  <p:tag name="NUM" val="4"/>
+  <p:tag name="NUM" val="5"/>
+</p:tagLst>
+</file>
+
+<file path=ppt/tags/tag70.xml><?xml version="1.0" encoding="utf-8"?>
+<p:tagLst xmlns:a="http://schemas.openxmlformats.org/drawingml/2006/main" xmlns:r="http://schemas.openxmlformats.org/officeDocument/2006/relationships" xmlns:p="http://schemas.openxmlformats.org/presentationml/2006/main">
+  <p:tag name="NUM" val="2"/>
+</p:tagLst>
+</file>
+
+<file path=ppt/tags/tag71.xml><?xml version="1.0" encoding="utf-8"?>
+<p:tagLst xmlns:a="http://schemas.openxmlformats.org/drawingml/2006/main" xmlns:r="http://schemas.openxmlformats.org/officeDocument/2006/relationships" xmlns:p="http://schemas.openxmlformats.org/presentationml/2006/main">
+  <p:tag name="NUM" val="1"/>
+</p:tagLst>
+</file>
+
+<file path=ppt/tags/tag72.xml><?xml version="1.0" encoding="utf-8"?>
+<p:tagLst xmlns:a="http://schemas.openxmlformats.org/drawingml/2006/main" xmlns:r="http://schemas.openxmlformats.org/officeDocument/2006/relationships" xmlns:p="http://schemas.openxmlformats.org/presentationml/2006/main">
+  <p:tag name="NUM" val="2"/>
+</p:tagLst>
+</file>
+
+<file path=ppt/tags/tag73.xml><?xml version="1.0" encoding="utf-8"?>
+<p:tagLst xmlns:a="http://schemas.openxmlformats.org/drawingml/2006/main" xmlns:r="http://schemas.openxmlformats.org/officeDocument/2006/relationships" xmlns:p="http://schemas.openxmlformats.org/presentationml/2006/main">
+  <p:tag name="NUM" val="1"/>
+</p:tagLst>
+</file>
+
+<file path=ppt/tags/tag74.xml><?xml version="1.0" encoding="utf-8"?>
+<p:tagLst xmlns:a="http://schemas.openxmlformats.org/drawingml/2006/main" xmlns:r="http://schemas.openxmlformats.org/officeDocument/2006/relationships" xmlns:p="http://schemas.openxmlformats.org/presentationml/2006/main">
+  <p:tag name="NUM" val="2"/>
+</p:tagLst>
+</file>
+
+<file path=ppt/tags/tag75.xml><?xml version="1.0" encoding="utf-8"?>
+<p:tagLst xmlns:a="http://schemas.openxmlformats.org/drawingml/2006/main" xmlns:r="http://schemas.openxmlformats.org/officeDocument/2006/relationships" xmlns:p="http://schemas.openxmlformats.org/presentationml/2006/main">
+  <p:tag name="NUM" val="1"/>
+</p:tagLst>
+</file>
+
+<file path=ppt/tags/tag76.xml><?xml version="1.0" encoding="utf-8"?>
+<p:tagLst xmlns:a="http://schemas.openxmlformats.org/drawingml/2006/main" xmlns:r="http://schemas.openxmlformats.org/officeDocument/2006/relationships" xmlns:p="http://schemas.openxmlformats.org/presentationml/2006/main">
+  <p:tag name="NUM" val="2"/>
+</p:tagLst>
+</file>
+
+<file path=ppt/tags/tag77.xml><?xml version="1.0" encoding="utf-8"?>
+<p:tagLst xmlns:a="http://schemas.openxmlformats.org/drawingml/2006/main" xmlns:r="http://schemas.openxmlformats.org/officeDocument/2006/relationships" xmlns:p="http://schemas.openxmlformats.org/presentationml/2006/main">
+  <p:tag name="NUM" val="1"/>
+</p:tagLst>
+</file>
+
+<file path=ppt/tags/tag78.xml><?xml version="1.0" encoding="utf-8"?>
+<p:tagLst xmlns:a="http://schemas.openxmlformats.org/drawingml/2006/main" xmlns:r="http://schemas.openxmlformats.org/officeDocument/2006/relationships" xmlns:p="http://schemas.openxmlformats.org/presentationml/2006/main">
+  <p:tag name="NUM" val="2"/>
+</p:tagLst>
+</file>
+
+<file path=ppt/tags/tag79.xml><?xml version="1.0" encoding="utf-8"?>
+<p:tagLst xmlns:a="http://schemas.openxmlformats.org/drawingml/2006/main" xmlns:r="http://schemas.openxmlformats.org/officeDocument/2006/relationships" xmlns:p="http://schemas.openxmlformats.org/presentationml/2006/main">
+  <p:tag name="NUM" val="1"/>
 </p:tagLst>
 </file>
 
 <file path=ppt/tags/tag8.xml><?xml version="1.0" encoding="utf-8"?>
 <p:tagLst xmlns:a="http://schemas.openxmlformats.org/drawingml/2006/main" xmlns:r="http://schemas.openxmlformats.org/officeDocument/2006/relationships" xmlns:p="http://schemas.openxmlformats.org/presentationml/2006/main">
+  <p:tag name="NUM" val="6"/>
+</p:tagLst>
+</file>
+
+<file path=ppt/tags/tag80.xml><?xml version="1.0" encoding="utf-8"?>
+<p:tagLst xmlns:a="http://schemas.openxmlformats.org/drawingml/2006/main" xmlns:r="http://schemas.openxmlformats.org/officeDocument/2006/relationships" xmlns:p="http://schemas.openxmlformats.org/presentationml/2006/main">
+  <p:tag name="NUM" val="2"/>
+</p:tagLst>
+</file>
+
+<file path=ppt/tags/tag81.xml><?xml version="1.0" encoding="utf-8"?>
+<p:tagLst xmlns:a="http://schemas.openxmlformats.org/drawingml/2006/main" xmlns:r="http://schemas.openxmlformats.org/officeDocument/2006/relationships" xmlns:p="http://schemas.openxmlformats.org/presentationml/2006/main">
   <p:tag name="NUM" val="1"/>
 </p:tagLst>
 </file>
 
+<file path=ppt/tags/tag82.xml><?xml version="1.0" encoding="utf-8"?>
+<p:tagLst xmlns:a="http://schemas.openxmlformats.org/drawingml/2006/main" xmlns:r="http://schemas.openxmlformats.org/officeDocument/2006/relationships" xmlns:p="http://schemas.openxmlformats.org/presentationml/2006/main">
+  <p:tag name="NUM" val="2"/>
+</p:tagLst>
+</file>
+
+<file path=ppt/tags/tag83.xml><?xml version="1.0" encoding="utf-8"?>
+<p:tagLst xmlns:a="http://schemas.openxmlformats.org/drawingml/2006/main" xmlns:r="http://schemas.openxmlformats.org/officeDocument/2006/relationships" xmlns:p="http://schemas.openxmlformats.org/presentationml/2006/main">
+  <p:tag name="NUM" val="1"/>
+</p:tagLst>
+</file>
+
+<file path=ppt/tags/tag84.xml><?xml version="1.0" encoding="utf-8"?>
+<p:tagLst xmlns:a="http://schemas.openxmlformats.org/drawingml/2006/main" xmlns:r="http://schemas.openxmlformats.org/officeDocument/2006/relationships" xmlns:p="http://schemas.openxmlformats.org/presentationml/2006/main">
+  <p:tag name="NUM" val="2"/>
+</p:tagLst>
+</file>
+
+<file path=ppt/tags/tag85.xml><?xml version="1.0" encoding="utf-8"?>
+<p:tagLst xmlns:a="http://schemas.openxmlformats.org/drawingml/2006/main" xmlns:r="http://schemas.openxmlformats.org/officeDocument/2006/relationships" xmlns:p="http://schemas.openxmlformats.org/presentationml/2006/main">
+  <p:tag name="NUM" val="1"/>
+</p:tagLst>
+</file>
+
+<file path=ppt/tags/tag86.xml><?xml version="1.0" encoding="utf-8"?>
+<p:tagLst xmlns:a="http://schemas.openxmlformats.org/drawingml/2006/main" xmlns:r="http://schemas.openxmlformats.org/officeDocument/2006/relationships" xmlns:p="http://schemas.openxmlformats.org/presentationml/2006/main">
+  <p:tag name="NUM" val="2"/>
+</p:tagLst>
+</file>
+
+<file path=ppt/tags/tag87.xml><?xml version="1.0" encoding="utf-8"?>
+<p:tagLst xmlns:a="http://schemas.openxmlformats.org/drawingml/2006/main" xmlns:r="http://schemas.openxmlformats.org/officeDocument/2006/relationships" xmlns:p="http://schemas.openxmlformats.org/presentationml/2006/main">
+  <p:tag name="NUM" val="3"/>
+</p:tagLst>
+</file>
+
+<file path=ppt/tags/tag88.xml><?xml version="1.0" encoding="utf-8"?>
+<p:tagLst xmlns:a="http://schemas.openxmlformats.org/drawingml/2006/main" xmlns:r="http://schemas.openxmlformats.org/officeDocument/2006/relationships" xmlns:p="http://schemas.openxmlformats.org/presentationml/2006/main">
+  <p:tag name="NUM" val="1"/>
+</p:tagLst>
+</file>
+
+<file path=ppt/tags/tag89.xml><?xml version="1.0" encoding="utf-8"?>
+<p:tagLst xmlns:a="http://schemas.openxmlformats.org/drawingml/2006/main" xmlns:r="http://schemas.openxmlformats.org/officeDocument/2006/relationships" xmlns:p="http://schemas.openxmlformats.org/presentationml/2006/main">
+  <p:tag name="NUM" val="2"/>
+</p:tagLst>
+</file>
+
 <file path=ppt/tags/tag9.xml><?xml version="1.0" encoding="utf-8"?>
+<p:tagLst xmlns:a="http://schemas.openxmlformats.org/drawingml/2006/main" xmlns:r="http://schemas.openxmlformats.org/officeDocument/2006/relationships" xmlns:p="http://schemas.openxmlformats.org/presentationml/2006/main">
+  <p:tag name="NUM" val="1"/>
+</p:tagLst>
+</file>
+
+<file path=ppt/tags/tag90.xml><?xml version="1.0" encoding="utf-8"?>
+<p:tagLst xmlns:a="http://schemas.openxmlformats.org/drawingml/2006/main" xmlns:r="http://schemas.openxmlformats.org/officeDocument/2006/relationships" xmlns:p="http://schemas.openxmlformats.org/presentationml/2006/main">
+  <p:tag name="NUM" val="1"/>
+</p:tagLst>
+</file>
+
+<file path=ppt/tags/tag91.xml><?xml version="1.0" encoding="utf-8"?>
+<p:tagLst xmlns:a="http://schemas.openxmlformats.org/drawingml/2006/main" xmlns:r="http://schemas.openxmlformats.org/officeDocument/2006/relationships" xmlns:p="http://schemas.openxmlformats.org/presentationml/2006/main">
+  <p:tag name="NUM" val="2"/>
+</p:tagLst>
+</file>
+
+<file path=ppt/tags/tag92.xml><?xml version="1.0" encoding="utf-8"?>
+<p:tagLst xmlns:a="http://schemas.openxmlformats.org/drawingml/2006/main" xmlns:r="http://schemas.openxmlformats.org/officeDocument/2006/relationships" xmlns:p="http://schemas.openxmlformats.org/presentationml/2006/main">
+  <p:tag name="NUM" val="1"/>
+</p:tagLst>
+</file>
+
+<file path=ppt/tags/tag93.xml><?xml version="1.0" encoding="utf-8"?>
 <p:tagLst xmlns:a="http://schemas.openxmlformats.org/drawingml/2006/main" xmlns:r="http://schemas.openxmlformats.org/officeDocument/2006/relationships" xmlns:p="http://schemas.openxmlformats.org/presentationml/2006/main">
   <p:tag name="NUM" val="2"/>
 </p:tagLst>
@@ -14461,7 +15345,7 @@
   <a:extraClrSchemeLst/>
   <a:extLst>
     <a:ext uri="{05A4C25C-085E-4340-85A3-A5531E510DB2}">
-      <thm15:themeFamily xmlns:thm15="http://schemas.microsoft.com/office/thememl/2012/main" xmlns="" name="Facet" id="{C0C680CD-088A-49FC-A102-D699147F32B2}" vid="{CFBC31BA-B70F-4F30-BCAA-4F3011E16C4D}"/>
+      <thm15:themeFamily xmlns:thm15="http://schemas.microsoft.com/office/thememl/2012/main" name="Facet" id="{C0C680CD-088A-49FC-A102-D699147F32B2}" vid="{CFBC31BA-B70F-4F30-BCAA-4F3011E16C4D}"/>
     </a:ext>
   </a:extLst>
 </a:theme>

--- a/Remise/Remise 1/Presentation_Remise_1.pptx
+++ b/Remise/Remise 1/Presentation_Remise_1.pptx
@@ -39,7 +39,7 @@
     <p:sldId id="289" r:id="rId33"/>
     <p:sldId id="290" r:id="rId34"/>
   </p:sldIdLst>
-  <p:sldSz cx="12192000" cy="6858000"/>
+  <p:sldSz cx="9144000" cy="6858000" type="screen4x3"/>
   <p:notesSz cx="6858000" cy="9144000"/>
   <p:defaultTextStyle>
     <a:defPPr>
@@ -138,7 +138,7 @@
   </p:defaultTextStyle>
   <p:extLst>
     <p:ext uri="{EFAFB233-063F-42B5-8137-9DF3F51BA10A}">
-      <p15:sldGuideLst xmlns:p15="http://schemas.microsoft.com/office/powerpoint/2012/main">
+      <p15:sldGuideLst xmlns:p15="http://schemas.microsoft.com/office/powerpoint/2012/main" xmlns="">
         <p15:guide id="1" orient="horz" pos="2160">
           <p15:clr>
             <a:srgbClr val="A4A3A4"/>
@@ -181,7 +181,7 @@
         <p:grpSpPr>
           <a:xfrm>
             <a:off x="0" y="-8467"/>
-            <a:ext cx="12192000" cy="6866467"/>
+            <a:ext cx="9144000" cy="6866467"/>
             <a:chOff x="0" y="-8467"/>
             <a:chExt cx="12192000" cy="6866467"/>
           </a:xfrm>
@@ -714,8 +714,8 @@
         </p:nvSpPr>
         <p:spPr>
           <a:xfrm>
-            <a:off x="1507067" y="2404534"/>
-            <a:ext cx="7766936" cy="1646302"/>
+            <a:off x="1130300" y="2404534"/>
+            <a:ext cx="5825202" cy="1646302"/>
           </a:xfrm>
         </p:spPr>
         <p:txBody>
@@ -752,8 +752,8 @@
         </p:nvSpPr>
         <p:spPr>
           <a:xfrm>
-            <a:off x="1507067" y="4050833"/>
-            <a:ext cx="7766936" cy="1096899"/>
+            <a:off x="1130300" y="4050834"/>
+            <a:ext cx="5825202" cy="1096899"/>
           </a:xfrm>
         </p:spPr>
         <p:txBody>
@@ -877,7 +877,7 @@
           <a:p>
             <a:fld id="{5C8908A9-1E53-4D85-A76B-A28D8BCB5503}" type="datetimeFigureOut">
               <a:rPr lang="en-US" smtClean="0"/>
-              <a:t>1/27/2014</a:t>
+              <a:t>2014-01-29</a:t>
             </a:fld>
             <a:endParaRPr lang="en-US"/>
           </a:p>
@@ -967,8 +967,8 @@
         </p:nvSpPr>
         <p:spPr>
           <a:xfrm>
-            <a:off x="677334" y="4800600"/>
-            <a:ext cx="8596667" cy="566738"/>
+            <a:off x="508001" y="4800600"/>
+            <a:ext cx="6447500" cy="566738"/>
           </a:xfrm>
         </p:spPr>
         <p:txBody>
@@ -1001,8 +1001,8 @@
         </p:nvSpPr>
         <p:spPr>
           <a:xfrm>
-            <a:off x="677334" y="609600"/>
-            <a:ext cx="8596668" cy="3845718"/>
+            <a:off x="508001" y="609600"/>
+            <a:ext cx="6447501" cy="3845718"/>
           </a:xfrm>
         </p:spPr>
         <p:txBody>
@@ -1068,8 +1068,8 @@
         </p:nvSpPr>
         <p:spPr>
           <a:xfrm>
-            <a:off x="677334" y="5367338"/>
-            <a:ext cx="8596667" cy="674024"/>
+            <a:off x="508001" y="5367338"/>
+            <a:ext cx="6447500" cy="674024"/>
           </a:xfrm>
         </p:spPr>
         <p:txBody>
@@ -1140,7 +1140,7 @@
           <a:p>
             <a:fld id="{5C8908A9-1E53-4D85-A76B-A28D8BCB5503}" type="datetimeFigureOut">
               <a:rPr lang="en-US" smtClean="0"/>
-              <a:t>1/27/2014</a:t>
+              <a:t>2014-01-29</a:t>
             </a:fld>
             <a:endParaRPr lang="en-US"/>
           </a:p>
@@ -1230,8 +1230,8 @@
         </p:nvSpPr>
         <p:spPr>
           <a:xfrm>
-            <a:off x="677335" y="609600"/>
-            <a:ext cx="8596668" cy="3403600"/>
+            <a:off x="508001" y="609600"/>
+            <a:ext cx="6447501" cy="3403600"/>
           </a:xfrm>
         </p:spPr>
         <p:txBody>
@@ -1264,8 +1264,8 @@
         </p:nvSpPr>
         <p:spPr>
           <a:xfrm>
-            <a:off x="677335" y="4470400"/>
-            <a:ext cx="8596668" cy="1570962"/>
+            <a:off x="508001" y="4470400"/>
+            <a:ext cx="6447501" cy="1570962"/>
           </a:xfrm>
         </p:spPr>
         <p:txBody>
@@ -1391,7 +1391,7 @@
           <a:p>
             <a:fld id="{5C8908A9-1E53-4D85-A76B-A28D8BCB5503}" type="datetimeFigureOut">
               <a:rPr lang="en-US" smtClean="0"/>
-              <a:t>1/27/2014</a:t>
+              <a:t>2014-01-29</a:t>
             </a:fld>
             <a:endParaRPr lang="en-US"/>
           </a:p>
@@ -1481,8 +1481,8 @@
         </p:nvSpPr>
         <p:spPr>
           <a:xfrm>
-            <a:off x="931334" y="609600"/>
-            <a:ext cx="8094134" cy="3022600"/>
+            <a:off x="698500" y="609600"/>
+            <a:ext cx="6070601" cy="3022600"/>
           </a:xfrm>
         </p:spPr>
         <p:txBody>
@@ -1515,8 +1515,8 @@
         </p:nvSpPr>
         <p:spPr>
           <a:xfrm>
-            <a:off x="1366139" y="3632200"/>
-            <a:ext cx="7224524" cy="381000"/>
+            <a:off x="1024604" y="3632200"/>
+            <a:ext cx="5418393" cy="381000"/>
           </a:xfrm>
         </p:spPr>
         <p:txBody>
@@ -1578,8 +1578,8 @@
         </p:nvSpPr>
         <p:spPr>
           <a:xfrm>
-            <a:off x="677335" y="4470400"/>
-            <a:ext cx="8596668" cy="1570962"/>
+            <a:off x="508001" y="4470400"/>
+            <a:ext cx="6447501" cy="1570962"/>
           </a:xfrm>
         </p:spPr>
         <p:txBody>
@@ -1705,7 +1705,7 @@
           <a:p>
             <a:fld id="{5C8908A9-1E53-4D85-A76B-A28D8BCB5503}" type="datetimeFigureOut">
               <a:rPr lang="en-US" smtClean="0"/>
-              <a:t>1/27/2014</a:t>
+              <a:t>2014-01-29</a:t>
             </a:fld>
             <a:endParaRPr lang="en-US"/>
           </a:p>
@@ -1761,8 +1761,8 @@
         </p:nvSpPr>
         <p:spPr>
           <a:xfrm>
-            <a:off x="541870" y="790378"/>
-            <a:ext cx="609600" cy="584776"/>
+            <a:off x="406403" y="790378"/>
+            <a:ext cx="457200" cy="584776"/>
           </a:xfrm>
           <a:prstGeom prst="rect">
             <a:avLst/>
@@ -1802,8 +1802,8 @@
         </p:nvSpPr>
         <p:spPr>
           <a:xfrm>
-            <a:off x="8893011" y="2886556"/>
-            <a:ext cx="609600" cy="584776"/>
+            <a:off x="6669758" y="2886556"/>
+            <a:ext cx="457200" cy="584776"/>
           </a:xfrm>
           <a:prstGeom prst="rect">
             <a:avLst/>
@@ -1885,8 +1885,8 @@
         </p:nvSpPr>
         <p:spPr>
           <a:xfrm>
-            <a:off x="677335" y="1931988"/>
-            <a:ext cx="8596668" cy="2595460"/>
+            <a:off x="508001" y="1931988"/>
+            <a:ext cx="6447501" cy="2595460"/>
           </a:xfrm>
         </p:spPr>
         <p:txBody>
@@ -1919,8 +1919,8 @@
         </p:nvSpPr>
         <p:spPr>
           <a:xfrm>
-            <a:off x="677335" y="4527448"/>
-            <a:ext cx="8596668" cy="1513914"/>
+            <a:off x="508001" y="4527448"/>
+            <a:ext cx="6447501" cy="1513914"/>
           </a:xfrm>
         </p:spPr>
         <p:txBody>
@@ -2046,7 +2046,7 @@
           <a:p>
             <a:fld id="{5C8908A9-1E53-4D85-A76B-A28D8BCB5503}" type="datetimeFigureOut">
               <a:rPr lang="en-US" smtClean="0"/>
-              <a:t>1/27/2014</a:t>
+              <a:t>2014-01-29</a:t>
             </a:fld>
             <a:endParaRPr lang="en-US"/>
           </a:p>
@@ -2136,8 +2136,8 @@
         </p:nvSpPr>
         <p:spPr>
           <a:xfrm>
-            <a:off x="931334" y="609600"/>
-            <a:ext cx="8094134" cy="3022600"/>
+            <a:off x="698500" y="609600"/>
+            <a:ext cx="6070601" cy="3022600"/>
           </a:xfrm>
         </p:spPr>
         <p:txBody>
@@ -2170,8 +2170,8 @@
         </p:nvSpPr>
         <p:spPr>
           <a:xfrm>
-            <a:off x="677332" y="4013200"/>
-            <a:ext cx="8596669" cy="514248"/>
+            <a:off x="507999" y="4013200"/>
+            <a:ext cx="6447502" cy="514248"/>
           </a:xfrm>
         </p:spPr>
         <p:txBody>
@@ -2233,8 +2233,8 @@
         </p:nvSpPr>
         <p:spPr>
           <a:xfrm>
-            <a:off x="677335" y="4527448"/>
-            <a:ext cx="8596668" cy="1513914"/>
+            <a:off x="508001" y="4527448"/>
+            <a:ext cx="6447501" cy="1513914"/>
           </a:xfrm>
         </p:spPr>
         <p:txBody>
@@ -2360,7 +2360,7 @@
           <a:p>
             <a:fld id="{5C8908A9-1E53-4D85-A76B-A28D8BCB5503}" type="datetimeFigureOut">
               <a:rPr lang="en-US" smtClean="0"/>
-              <a:t>1/27/2014</a:t>
+              <a:t>2014-01-29</a:t>
             </a:fld>
             <a:endParaRPr lang="en-US"/>
           </a:p>
@@ -2416,8 +2416,8 @@
         </p:nvSpPr>
         <p:spPr>
           <a:xfrm>
-            <a:off x="541870" y="790378"/>
-            <a:ext cx="609600" cy="584776"/>
+            <a:off x="406403" y="790378"/>
+            <a:ext cx="457200" cy="584776"/>
           </a:xfrm>
           <a:prstGeom prst="rect">
             <a:avLst/>
@@ -2457,8 +2457,8 @@
         </p:nvSpPr>
         <p:spPr>
           <a:xfrm>
-            <a:off x="8893011" y="2886556"/>
-            <a:ext cx="609600" cy="584776"/>
+            <a:off x="6669758" y="2886556"/>
+            <a:ext cx="457200" cy="584776"/>
           </a:xfrm>
           <a:prstGeom prst="rect">
             <a:avLst/>
@@ -2532,8 +2532,8 @@
         </p:nvSpPr>
         <p:spPr>
           <a:xfrm>
-            <a:off x="685799" y="609600"/>
-            <a:ext cx="8588203" cy="3022600"/>
+            <a:off x="514350" y="609600"/>
+            <a:ext cx="6441152" cy="3022600"/>
           </a:xfrm>
         </p:spPr>
         <p:txBody>
@@ -2566,8 +2566,8 @@
         </p:nvSpPr>
         <p:spPr>
           <a:xfrm>
-            <a:off x="677332" y="4013200"/>
-            <a:ext cx="8596669" cy="514248"/>
+            <a:off x="507999" y="4013200"/>
+            <a:ext cx="6447502" cy="514248"/>
           </a:xfrm>
         </p:spPr>
         <p:txBody>
@@ -2626,8 +2626,8 @@
         </p:nvSpPr>
         <p:spPr>
           <a:xfrm>
-            <a:off x="677335" y="4527448"/>
-            <a:ext cx="8596668" cy="1513914"/>
+            <a:off x="508001" y="4527448"/>
+            <a:ext cx="6447501" cy="1513914"/>
           </a:xfrm>
         </p:spPr>
         <p:txBody>
@@ -2753,7 +2753,7 @@
           <a:p>
             <a:fld id="{5C8908A9-1E53-4D85-A76B-A28D8BCB5503}" type="datetimeFigureOut">
               <a:rPr lang="en-US" smtClean="0"/>
-              <a:t>1/27/2014</a:t>
+              <a:t>2014-01-29</a:t>
             </a:fld>
             <a:endParaRPr lang="en-US"/>
           </a:p>
@@ -2923,7 +2923,7 @@
           <a:p>
             <a:fld id="{5C8908A9-1E53-4D85-A76B-A28D8BCB5503}" type="datetimeFigureOut">
               <a:rPr lang="en-US" smtClean="0"/>
-              <a:t>1/27/2014</a:t>
+              <a:t>2014-01-29</a:t>
             </a:fld>
             <a:endParaRPr lang="en-US"/>
           </a:p>
@@ -3013,8 +3013,8 @@
         </p:nvSpPr>
         <p:spPr>
           <a:xfrm>
-            <a:off x="7967673" y="609599"/>
-            <a:ext cx="1304743" cy="5251451"/>
+            <a:off x="5975755" y="609600"/>
+            <a:ext cx="978557" cy="5251451"/>
           </a:xfrm>
         </p:spPr>
         <p:txBody>
@@ -3041,8 +3041,8 @@
         </p:nvSpPr>
         <p:spPr>
           <a:xfrm>
-            <a:off x="677335" y="609600"/>
-            <a:ext cx="7060150" cy="5251450"/>
+            <a:off x="508001" y="609600"/>
+            <a:ext cx="5295113" cy="5251450"/>
           </a:xfrm>
         </p:spPr>
         <p:txBody>
@@ -3103,7 +3103,7 @@
           <a:p>
             <a:fld id="{5C8908A9-1E53-4D85-A76B-A28D8BCB5503}" type="datetimeFigureOut">
               <a:rPr lang="en-US" smtClean="0"/>
-              <a:t>1/27/2014</a:t>
+              <a:t>2014-01-29</a:t>
             </a:fld>
             <a:endParaRPr lang="en-US"/>
           </a:p>
@@ -3279,7 +3279,7 @@
           <a:p>
             <a:fld id="{5C8908A9-1E53-4D85-A76B-A28D8BCB5503}" type="datetimeFigureOut">
               <a:rPr lang="en-US" smtClean="0"/>
-              <a:t>1/27/2014</a:t>
+              <a:t>2014-01-29</a:t>
             </a:fld>
             <a:endParaRPr lang="en-US"/>
           </a:p>
@@ -3369,8 +3369,8 @@
         </p:nvSpPr>
         <p:spPr>
           <a:xfrm>
-            <a:off x="677335" y="2700867"/>
-            <a:ext cx="8596668" cy="1826581"/>
+            <a:off x="508001" y="2700868"/>
+            <a:ext cx="6447501" cy="1826581"/>
           </a:xfrm>
         </p:spPr>
         <p:txBody>
@@ -3401,8 +3401,8 @@
         </p:nvSpPr>
         <p:spPr>
           <a:xfrm>
-            <a:off x="677335" y="4527448"/>
-            <a:ext cx="8596668" cy="860400"/>
+            <a:off x="508001" y="4527448"/>
+            <a:ext cx="6447501" cy="860400"/>
           </a:xfrm>
         </p:spPr>
         <p:txBody>
@@ -3526,7 +3526,7 @@
           <a:p>
             <a:fld id="{5C8908A9-1E53-4D85-A76B-A28D8BCB5503}" type="datetimeFigureOut">
               <a:rPr lang="en-US" smtClean="0"/>
-              <a:t>1/27/2014</a:t>
+              <a:t>2014-01-29</a:t>
             </a:fld>
             <a:endParaRPr lang="en-US"/>
           </a:p>
@@ -3639,8 +3639,8 @@
         </p:nvSpPr>
         <p:spPr>
           <a:xfrm>
-            <a:off x="677334" y="2160589"/>
-            <a:ext cx="4184035" cy="3880772"/>
+            <a:off x="508001" y="2160589"/>
+            <a:ext cx="3138026" cy="3880772"/>
           </a:xfrm>
         </p:spPr>
         <p:txBody>
@@ -3696,8 +3696,8 @@
         </p:nvSpPr>
         <p:spPr>
           <a:xfrm>
-            <a:off x="5089970" y="2160589"/>
-            <a:ext cx="4184034" cy="3880773"/>
+            <a:off x="3817477" y="2160590"/>
+            <a:ext cx="3138026" cy="3880773"/>
           </a:xfrm>
         </p:spPr>
         <p:txBody>
@@ -3758,7 +3758,7 @@
           <a:p>
             <a:fld id="{5C8908A9-1E53-4D85-A76B-A28D8BCB5503}" type="datetimeFigureOut">
               <a:rPr lang="en-US" smtClean="0"/>
-              <a:t>1/27/2014</a:t>
+              <a:t>2014-01-29</a:t>
             </a:fld>
             <a:endParaRPr lang="en-US"/>
           </a:p>
@@ -3875,8 +3875,8 @@
         </p:nvSpPr>
         <p:spPr>
           <a:xfrm>
-            <a:off x="675745" y="2160983"/>
-            <a:ext cx="4185623" cy="576262"/>
+            <a:off x="506809" y="2160983"/>
+            <a:ext cx="3139217" cy="576262"/>
           </a:xfrm>
         </p:spPr>
         <p:txBody>
@@ -3942,8 +3942,8 @@
         </p:nvSpPr>
         <p:spPr>
           <a:xfrm>
-            <a:off x="675745" y="2737245"/>
-            <a:ext cx="4185623" cy="3304117"/>
+            <a:off x="506809" y="2737246"/>
+            <a:ext cx="3139217" cy="3304117"/>
           </a:xfrm>
         </p:spPr>
         <p:txBody>
@@ -4001,8 +4001,8 @@
         </p:nvSpPr>
         <p:spPr>
           <a:xfrm>
-            <a:off x="5088383" y="2160983"/>
-            <a:ext cx="4185618" cy="576262"/>
+            <a:off x="3816287" y="2160983"/>
+            <a:ext cx="3139214" cy="576262"/>
           </a:xfrm>
         </p:spPr>
         <p:txBody>
@@ -4068,8 +4068,8 @@
         </p:nvSpPr>
         <p:spPr>
           <a:xfrm>
-            <a:off x="5088384" y="2737245"/>
-            <a:ext cx="4185617" cy="3304117"/>
+            <a:off x="3816288" y="2737246"/>
+            <a:ext cx="3139213" cy="3304117"/>
           </a:xfrm>
         </p:spPr>
         <p:txBody>
@@ -4132,7 +4132,7 @@
           <a:p>
             <a:fld id="{5C8908A9-1E53-4D85-A76B-A28D8BCB5503}" type="datetimeFigureOut">
               <a:rPr lang="en-US" smtClean="0"/>
-              <a:t>1/27/2014</a:t>
+              <a:t>2014-01-29</a:t>
             </a:fld>
             <a:endParaRPr lang="en-US"/>
           </a:p>
@@ -4222,8 +4222,8 @@
         </p:nvSpPr>
         <p:spPr>
           <a:xfrm>
-            <a:off x="677334" y="609600"/>
-            <a:ext cx="8596668" cy="1320800"/>
+            <a:off x="508001" y="609600"/>
+            <a:ext cx="6447501" cy="1320800"/>
           </a:xfrm>
         </p:spPr>
         <p:txBody>
@@ -4255,7 +4255,7 @@
           <a:p>
             <a:fld id="{5C8908A9-1E53-4D85-A76B-A28D8BCB5503}" type="datetimeFigureOut">
               <a:rPr lang="en-US" smtClean="0"/>
-              <a:t>1/27/2014</a:t>
+              <a:t>2014-01-29</a:t>
             </a:fld>
             <a:endParaRPr lang="en-US"/>
           </a:p>
@@ -4350,7 +4350,7 @@
           <a:p>
             <a:fld id="{5C8908A9-1E53-4D85-A76B-A28D8BCB5503}" type="datetimeFigureOut">
               <a:rPr lang="en-US" smtClean="0"/>
-              <a:t>1/27/2014</a:t>
+              <a:t>2014-01-29</a:t>
             </a:fld>
             <a:endParaRPr lang="en-US"/>
           </a:p>
@@ -4440,8 +4440,8 @@
         </p:nvSpPr>
         <p:spPr>
           <a:xfrm>
-            <a:off x="9670039" y="6041362"/>
-            <a:ext cx="911939" cy="365125"/>
+            <a:off x="7252530" y="6041363"/>
+            <a:ext cx="683954" cy="365125"/>
           </a:xfrm>
         </p:spPr>
         <p:txBody>
@@ -4450,7 +4450,7 @@
           <a:p>
             <a:fld id="{5C8908A9-1E53-4D85-A76B-A28D8BCB5503}" type="datetimeFigureOut">
               <a:rPr lang="en-US" smtClean="0"/>
-              <a:t>1/27/2014</a:t>
+              <a:t>2014-01-29</a:t>
             </a:fld>
             <a:endParaRPr lang="en-US" dirty="0"/>
           </a:p>
@@ -4468,8 +4468,8 @@
         </p:nvSpPr>
         <p:spPr>
           <a:xfrm>
-            <a:off x="3142240" y="6041362"/>
-            <a:ext cx="6297612" cy="365125"/>
+            <a:off x="2356680" y="6041363"/>
+            <a:ext cx="4723209" cy="365125"/>
           </a:xfrm>
         </p:spPr>
         <p:txBody>
@@ -4492,8 +4492,8 @@
         </p:nvSpPr>
         <p:spPr>
           <a:xfrm>
-            <a:off x="11055569" y="6041362"/>
-            <a:ext cx="683339" cy="365125"/>
+            <a:off x="8291677" y="6041363"/>
+            <a:ext cx="512504" cy="365125"/>
           </a:xfrm>
         </p:spPr>
         <p:txBody>
@@ -4516,8 +4516,8 @@
         </p:nvGrpSpPr>
         <p:grpSpPr>
           <a:xfrm flipH="1">
-            <a:off x="-1224508" y="-8467"/>
-            <a:ext cx="13416502" cy="6866467"/>
+            <a:off x="-918381" y="-8467"/>
+            <a:ext cx="10062377" cy="6866467"/>
             <a:chOff x="-1216551" y="-8467"/>
             <a:chExt cx="13416502" cy="6866467"/>
           </a:xfrm>
@@ -5080,8 +5080,8 @@
         </p:nvSpPr>
         <p:spPr>
           <a:xfrm>
-            <a:off x="677334" y="1498604"/>
-            <a:ext cx="3854528" cy="1278466"/>
+            <a:off x="508001" y="1498604"/>
+            <a:ext cx="2890896" cy="1278466"/>
           </a:xfrm>
         </p:spPr>
         <p:txBody>
@@ -5114,8 +5114,8 @@
         </p:nvSpPr>
         <p:spPr>
           <a:xfrm>
-            <a:off x="4760461" y="514924"/>
-            <a:ext cx="4513541" cy="5526437"/>
+            <a:off x="3570346" y="514925"/>
+            <a:ext cx="3385156" cy="5526437"/>
           </a:xfrm>
         </p:spPr>
         <p:txBody>
@@ -5173,8 +5173,8 @@
         </p:nvSpPr>
         <p:spPr>
           <a:xfrm>
-            <a:off x="677334" y="2777069"/>
-            <a:ext cx="3854528" cy="2584449"/>
+            <a:off x="508001" y="2777069"/>
+            <a:ext cx="2890896" cy="2584449"/>
           </a:xfrm>
         </p:spPr>
         <p:txBody>
@@ -5245,7 +5245,7 @@
           <a:p>
             <a:fld id="{5C8908A9-1E53-4D85-A76B-A28D8BCB5503}" type="datetimeFigureOut">
               <a:rPr lang="en-US" smtClean="0"/>
-              <a:t>1/27/2014</a:t>
+              <a:t>2014-01-29</a:t>
             </a:fld>
             <a:endParaRPr lang="en-US"/>
           </a:p>
@@ -5356,7 +5356,7 @@
         <p:grpSpPr>
           <a:xfrm>
             <a:off x="-3" y="-8467"/>
-            <a:ext cx="13416502" cy="6866467"/>
+            <a:ext cx="10062377" cy="6866467"/>
             <a:chOff x="-1216551" y="-8467"/>
             <a:chExt cx="13416502" cy="6866467"/>
           </a:xfrm>
@@ -5889,8 +5889,8 @@
         </p:nvSpPr>
         <p:spPr>
           <a:xfrm>
-            <a:off x="677334" y="609600"/>
-            <a:ext cx="8596668" cy="1320800"/>
+            <a:off x="508001" y="609600"/>
+            <a:ext cx="6447501" cy="1320800"/>
           </a:xfrm>
           <a:prstGeom prst="rect">
             <a:avLst/>
@@ -5922,8 +5922,8 @@
         </p:nvSpPr>
         <p:spPr>
           <a:xfrm>
-            <a:off x="677334" y="2160589"/>
-            <a:ext cx="8596668" cy="3880773"/>
+            <a:off x="508001" y="2160590"/>
+            <a:ext cx="6447501" cy="3880773"/>
           </a:xfrm>
           <a:prstGeom prst="rect">
             <a:avLst/>
@@ -5984,8 +5984,8 @@
         </p:nvSpPr>
         <p:spPr>
           <a:xfrm>
-            <a:off x="7205133" y="6041362"/>
-            <a:ext cx="911939" cy="365125"/>
+            <a:off x="5403850" y="6041363"/>
+            <a:ext cx="683954" cy="365125"/>
           </a:xfrm>
           <a:prstGeom prst="rect">
             <a:avLst/>
@@ -6007,7 +6007,7 @@
           <a:p>
             <a:fld id="{5C8908A9-1E53-4D85-A76B-A28D8BCB5503}" type="datetimeFigureOut">
               <a:rPr lang="en-US" smtClean="0"/>
-              <a:t>1/27/2014</a:t>
+              <a:t>2014-01-29</a:t>
             </a:fld>
             <a:endParaRPr lang="en-US"/>
           </a:p>
@@ -6025,8 +6025,8 @@
         </p:nvSpPr>
         <p:spPr>
           <a:xfrm>
-            <a:off x="677334" y="6041362"/>
-            <a:ext cx="6297612" cy="365125"/>
+            <a:off x="508001" y="6041363"/>
+            <a:ext cx="4723209" cy="365125"/>
           </a:xfrm>
           <a:prstGeom prst="rect">
             <a:avLst/>
@@ -6062,8 +6062,8 @@
         </p:nvSpPr>
         <p:spPr>
           <a:xfrm>
-            <a:off x="8590663" y="6041362"/>
-            <a:ext cx="683339" cy="365125"/>
+            <a:off x="6442998" y="6041363"/>
+            <a:ext cx="512504" cy="365125"/>
           </a:xfrm>
           <a:prstGeom prst="rect">
             <a:avLst/>
@@ -6547,8 +6547,8 @@
         </p:nvSpPr>
         <p:spPr>
           <a:xfrm>
-            <a:off x="1507067" y="2898145"/>
-            <a:ext cx="7766936" cy="1646302"/>
+            <a:off x="1130300" y="2898145"/>
+            <a:ext cx="5825202" cy="1646302"/>
           </a:xfrm>
         </p:spPr>
         <p:txBody>
@@ -6589,8 +6589,8 @@
         </p:nvSpPr>
         <p:spPr>
           <a:xfrm>
-            <a:off x="1507067" y="4544447"/>
-            <a:ext cx="7766936" cy="1096899"/>
+            <a:off x="1130300" y="4544448"/>
+            <a:ext cx="5825202" cy="1096899"/>
           </a:xfrm>
         </p:spPr>
         <p:txBody>
@@ -6622,7 +6622,7 @@
   <p:timing>
     <p:tnLst>
       <p:par>
-        <p:cTn id="1" dur="indefinite" restart="never" nodeType="tmRoot"/>
+        <p:cTn xmlns:p14="http://schemas.microsoft.com/office/powerpoint/2010/main" id="1" dur="indefinite" restart="never" nodeType="tmRoot"/>
       </p:par>
     </p:tnLst>
   </p:timing>
@@ -6659,7 +6659,12 @@
             </p:custDataLst>
           </p:nvPr>
         </p:nvSpPr>
-        <p:spPr/>
+        <p:spPr>
+          <a:xfrm>
+            <a:off x="478118" y="430306"/>
+            <a:ext cx="7231528" cy="1320800"/>
+          </a:xfrm>
+        </p:spPr>
         <p:txBody>
           <a:bodyPr/>
           <a:lstStyle/>
@@ -6687,13 +6692,13 @@
         </p:nvSpPr>
         <p:spPr>
           <a:xfrm>
-            <a:off x="5936355" y="1270566"/>
-            <a:ext cx="5578050" cy="5487551"/>
+            <a:off x="4452266" y="1270566"/>
+            <a:ext cx="4183538" cy="5487551"/>
           </a:xfrm>
         </p:spPr>
         <p:txBody>
           <a:bodyPr>
-            <a:normAutofit lnSpcReduction="10000"/>
+            <a:normAutofit fontScale="92500" lnSpcReduction="10000"/>
           </a:bodyPr>
           <a:lstStyle/>
           <a:p>
@@ -6705,15 +6710,7 @@
           <a:p>
             <a:r>
               <a:rPr lang="fr-CA" dirty="0" smtClean="0"/>
-              <a:t>La courbe rouge présente le courant dans l’électroaimant </a:t>
-            </a:r>
-            <a:r>
-              <a:rPr lang="fr-CA" dirty="0" smtClean="0"/>
-              <a:t>contrôlé </a:t>
-            </a:r>
-            <a:r>
-              <a:rPr lang="fr-CA" dirty="0" smtClean="0"/>
-              <a:t>par le convertisseur CC-CC 4 quadrants.</a:t>
+              <a:t>La courbe rouge présente le courant dans l’électroaimant contrôlé par le convertisseur CC-CC 4 quadrants.</a:t>
             </a:r>
           </a:p>
           <a:p>
@@ -6726,15 +6723,7 @@
           <a:p>
             <a:r>
               <a:rPr lang="fr-CA" dirty="0" smtClean="0"/>
-              <a:t>La courbe </a:t>
-            </a:r>
-            <a:r>
-              <a:rPr lang="fr-CA" dirty="0" smtClean="0"/>
-              <a:t>vert </a:t>
-            </a:r>
-            <a:r>
-              <a:rPr lang="fr-CA" dirty="0" smtClean="0"/>
-              <a:t>foncée représente la tension aux bornes de l’aimant</a:t>
+              <a:t>La courbe vert foncée représente la tension aux bornes de l’aimant</a:t>
             </a:r>
           </a:p>
           <a:p>
@@ -6747,15 +6736,7 @@
           <a:p>
             <a:r>
               <a:rPr lang="fr-CA" dirty="0" smtClean="0"/>
-              <a:t>La courbe </a:t>
-            </a:r>
-            <a:r>
-              <a:rPr lang="fr-CA" dirty="0" smtClean="0"/>
-              <a:t>vert </a:t>
-            </a:r>
-            <a:r>
-              <a:rPr lang="fr-CA" dirty="0" smtClean="0"/>
-              <a:t>pâle représente la tension aux bornes du condensateur</a:t>
+              <a:t>La courbe vert pâle représente la tension aux bornes du condensateur</a:t>
             </a:r>
           </a:p>
           <a:p>
@@ -6792,8 +6773,8 @@
         </p:blipFill>
         <p:spPr>
           <a:xfrm>
-            <a:off x="453154" y="1488935"/>
-            <a:ext cx="5186995" cy="4191674"/>
+            <a:off x="339866" y="1488935"/>
+            <a:ext cx="3890246" cy="4191674"/>
           </a:xfrm>
           <a:prstGeom prst="rect">
             <a:avLst/>
@@ -6817,8 +6798,8 @@
         </p:nvSpPr>
         <p:spPr>
           <a:xfrm>
-            <a:off x="2354075" y="5806657"/>
-            <a:ext cx="1400576" cy="276999"/>
+            <a:off x="1765556" y="5806658"/>
+            <a:ext cx="1403900" cy="276999"/>
           </a:xfrm>
           <a:prstGeom prst="rect">
             <a:avLst/>
@@ -6856,7 +6837,7 @@
   <p:timing>
     <p:tnLst>
       <p:par>
-        <p:cTn id="1" dur="indefinite" restart="never" nodeType="tmRoot"/>
+        <p:cTn xmlns:p14="http://schemas.microsoft.com/office/powerpoint/2010/main" id="1" dur="indefinite" restart="never" nodeType="tmRoot"/>
       </p:par>
     </p:tnLst>
   </p:timing>
@@ -6921,13 +6902,13 @@
         </p:nvSpPr>
         <p:spPr>
           <a:xfrm>
-            <a:off x="677334" y="1360489"/>
-            <a:ext cx="8596668" cy="5497511"/>
+            <a:off x="508001" y="1360490"/>
+            <a:ext cx="6447501" cy="5497511"/>
           </a:xfrm>
         </p:spPr>
         <p:txBody>
           <a:bodyPr>
-            <a:normAutofit lnSpcReduction="10000"/>
+            <a:normAutofit fontScale="92500" lnSpcReduction="20000"/>
           </a:bodyPr>
           <a:lstStyle/>
           <a:p>
@@ -6981,39 +6962,7 @@
             <a:pPr marL="1200150" lvl="3" indent="-342900"/>
             <a:r>
               <a:rPr lang="fr-CA" dirty="0" smtClean="0"/>
-              <a:t>Outil de simulation générique. </a:t>
-            </a:r>
-            <a:r>
-              <a:rPr lang="fr-CA" dirty="0" smtClean="0"/>
-              <a:t>Permets </a:t>
-            </a:r>
-            <a:r>
-              <a:rPr lang="fr-CA" dirty="0" smtClean="0"/>
-              <a:t>de simuler tout type de circuits, toutefois ce côté générique cause des temps de simulation beaucoup plus </a:t>
-            </a:r>
-            <a:r>
-              <a:rPr lang="fr-CA" dirty="0" smtClean="0"/>
-              <a:t>longs </a:t>
-            </a:r>
-            <a:r>
-              <a:rPr lang="fr-CA" dirty="0" smtClean="0"/>
-              <a:t>pour une même précision </a:t>
-            </a:r>
-            <a:r>
-              <a:rPr lang="fr-CA" dirty="0" smtClean="0"/>
-              <a:t>comparée </a:t>
-            </a:r>
-            <a:r>
-              <a:rPr lang="fr-CA" dirty="0" smtClean="0"/>
-              <a:t>à des simulateurs </a:t>
-            </a:r>
-            <a:r>
-              <a:rPr lang="fr-CA" dirty="0" smtClean="0"/>
-              <a:t>spécifiques. </a:t>
-            </a:r>
-            <a:r>
-              <a:rPr lang="fr-CA" dirty="0" smtClean="0"/>
-              <a:t>Problématique au niveau des variations rapides.</a:t>
+              <a:t>Outil de simulation générique. Permets de simuler tout type de circuits, toutefois ce côté générique cause des temps de simulation beaucoup plus longs pour une même précision comparée à des simulateurs spécifiques. Problématique au niveau des variations rapides.</a:t>
             </a:r>
           </a:p>
           <a:p>
@@ -7078,15 +7027,7 @@
             <a:pPr marL="1200150" lvl="3" indent="-342900"/>
             <a:r>
               <a:rPr lang="fr-CA" dirty="0" smtClean="0"/>
-              <a:t>Simulateur en </a:t>
-            </a:r>
-            <a:r>
-              <a:rPr lang="fr-CA" dirty="0" smtClean="0"/>
-              <a:t>temps réel, </a:t>
-            </a:r>
-            <a:r>
-              <a:rPr lang="fr-CA" dirty="0" smtClean="0"/>
-              <a:t>permet une comparaison directe avec le procédé implanté. Meilleur pour </a:t>
+              <a:t>Simulateur en temps réel, permet une comparaison directe avec le procédé implanté. Meilleur pour </a:t>
             </a:r>
             <a:r>
               <a:rPr lang="fr-CA" dirty="0"/>
@@ -7094,23 +7035,7 @@
             </a:r>
             <a:r>
               <a:rPr lang="fr-CA" dirty="0" smtClean="0"/>
-              <a:t>es tests d’intégration (Pas de simulation : &gt; 10 µs dans le cas du HYPERSIM). </a:t>
-            </a:r>
-            <a:r>
-              <a:rPr lang="fr-CA" dirty="0" smtClean="0"/>
-              <a:t>Permets </a:t>
-            </a:r>
-            <a:r>
-              <a:rPr lang="fr-CA" dirty="0" smtClean="0"/>
-              <a:t>de réaliser une simulation en </a:t>
-            </a:r>
-            <a:r>
-              <a:rPr lang="fr-CA" dirty="0" smtClean="0"/>
-              <a:t>temps réel </a:t>
-            </a:r>
-            <a:r>
-              <a:rPr lang="fr-CA" dirty="0" smtClean="0"/>
-              <a:t>à partir d’un fichier de simulation Matlab.</a:t>
+              <a:t>es tests d’intégration (Pas de simulation : &gt; 10 µs dans le cas du HYPERSIM). Permets de réaliser une simulation en temps réel à partir d’un fichier de simulation Matlab.</a:t>
             </a:r>
           </a:p>
           <a:p>
@@ -7139,7 +7064,7 @@
   <p:timing>
     <p:tnLst>
       <p:par>
-        <p:cTn id="1" dur="indefinite" restart="never" nodeType="tmRoot"/>
+        <p:cTn xmlns:p14="http://schemas.microsoft.com/office/powerpoint/2010/main" id="1" dur="indefinite" restart="never" nodeType="tmRoot"/>
       </p:par>
     </p:tnLst>
   </p:timing>
@@ -7204,8 +7129,8 @@
         </p:nvSpPr>
         <p:spPr>
           <a:xfrm>
-            <a:off x="677334" y="1360489"/>
-            <a:ext cx="8596668" cy="5173661"/>
+            <a:off x="508001" y="1360490"/>
+            <a:ext cx="6447501" cy="5173661"/>
           </a:xfrm>
         </p:spPr>
         <p:txBody>
@@ -7328,7 +7253,7 @@
   <p:timing>
     <p:tnLst>
       <p:par>
-        <p:cTn id="1" dur="indefinite" restart="never" nodeType="tmRoot"/>
+        <p:cTn xmlns:p14="http://schemas.microsoft.com/office/powerpoint/2010/main" id="1" dur="indefinite" restart="never" nodeType="tmRoot"/>
       </p:par>
     </p:tnLst>
   </p:timing>
@@ -7397,8 +7322,8 @@
         </p:nvSpPr>
         <p:spPr>
           <a:xfrm>
-            <a:off x="677334" y="1801726"/>
-            <a:ext cx="10811388" cy="5419942"/>
+            <a:off x="298827" y="1801726"/>
+            <a:ext cx="8108541" cy="5419942"/>
           </a:xfrm>
         </p:spPr>
         <p:txBody>
@@ -7471,7 +7396,7 @@
   <p:timing>
     <p:tnLst>
       <p:par>
-        <p:cTn id="1" dur="indefinite" restart="never" nodeType="tmRoot"/>
+        <p:cTn xmlns:p14="http://schemas.microsoft.com/office/powerpoint/2010/main" id="1" dur="indefinite" restart="never" nodeType="tmRoot"/>
       </p:par>
     </p:tnLst>
   </p:timing>
@@ -7540,13 +7465,13 @@
         </p:nvSpPr>
         <p:spPr>
           <a:xfrm>
-            <a:off x="677333" y="1683575"/>
-            <a:ext cx="9378989" cy="4932595"/>
+            <a:off x="508000" y="1653694"/>
+            <a:ext cx="7034242" cy="4932595"/>
           </a:xfrm>
         </p:spPr>
         <p:txBody>
           <a:bodyPr>
-            <a:normAutofit/>
+            <a:normAutofit fontScale="92500"/>
           </a:bodyPr>
           <a:lstStyle/>
           <a:p>
@@ -7625,6 +7550,13 @@
   <p:clrMapOvr>
     <a:masterClrMapping/>
   </p:clrMapOvr>
+  <p:timing>
+    <p:tnLst>
+      <p:par>
+        <p:cTn xmlns:p14="http://schemas.microsoft.com/office/powerpoint/2010/main" id="1" dur="indefinite" restart="never" nodeType="tmRoot"/>
+      </p:par>
+    </p:tnLst>
+  </p:timing>
 </p:sld>
 </file>
 
@@ -7699,7 +7631,7 @@
         <p:spPr/>
         <p:txBody>
           <a:bodyPr>
-            <a:normAutofit fontScale="92500" lnSpcReduction="10000"/>
+            <a:normAutofit fontScale="92500" lnSpcReduction="20000"/>
           </a:bodyPr>
           <a:lstStyle/>
           <a:p>
@@ -7824,7 +7756,7 @@
   <p:timing>
     <p:tnLst>
       <p:par>
-        <p:cTn id="1" dur="indefinite" restart="never" nodeType="tmRoot"/>
+        <p:cTn xmlns:p14="http://schemas.microsoft.com/office/powerpoint/2010/main" id="1" dur="indefinite" restart="never" nodeType="tmRoot"/>
       </p:par>
     </p:tnLst>
   </p:timing>
@@ -7889,13 +7821,13 @@
         </p:nvSpPr>
         <p:spPr>
           <a:xfrm>
-            <a:off x="573965" y="1314373"/>
-            <a:ext cx="9925368" cy="5543627"/>
+            <a:off x="430474" y="1314374"/>
+            <a:ext cx="7444026" cy="5543627"/>
           </a:xfrm>
         </p:spPr>
         <p:txBody>
           <a:bodyPr>
-            <a:normAutofit lnSpcReduction="10000"/>
+            <a:normAutofit fontScale="92500" lnSpcReduction="20000"/>
           </a:bodyPr>
           <a:lstStyle/>
           <a:p>
@@ -8010,6 +7942,13 @@
   <p:clrMapOvr>
     <a:masterClrMapping/>
   </p:clrMapOvr>
+  <p:timing>
+    <p:tnLst>
+      <p:par>
+        <p:cTn xmlns:p14="http://schemas.microsoft.com/office/powerpoint/2010/main" id="1" dur="indefinite" restart="never" nodeType="tmRoot"/>
+      </p:par>
+    </p:tnLst>
+  </p:timing>
 </p:sld>
 </file>
 
@@ -8080,7 +8019,7 @@
         <p:spPr/>
         <p:txBody>
           <a:bodyPr>
-            <a:normAutofit lnSpcReduction="10000"/>
+            <a:normAutofit fontScale="85000" lnSpcReduction="20000"/>
           </a:bodyPr>
           <a:lstStyle/>
           <a:p>
@@ -8136,6 +8075,13 @@
   <p:clrMapOvr>
     <a:masterClrMapping/>
   </p:clrMapOvr>
+  <p:timing>
+    <p:tnLst>
+      <p:par>
+        <p:cTn xmlns:p14="http://schemas.microsoft.com/office/powerpoint/2010/main" id="1" dur="indefinite" restart="never" nodeType="tmRoot"/>
+      </p:par>
+    </p:tnLst>
+  </p:timing>
 </p:sld>
 </file>
 
@@ -8213,8 +8159,8 @@
         </p:blipFill>
         <p:spPr bwMode="auto">
           <a:xfrm>
-            <a:off x="1193800" y="1930400"/>
-            <a:ext cx="9245600" cy="4720393"/>
+            <a:off x="895350" y="1930401"/>
+            <a:ext cx="6934200" cy="4720393"/>
           </a:xfrm>
           <a:prstGeom prst="rect">
             <a:avLst/>
@@ -8230,7 +8176,7 @@
           </a:ln>
           <a:extLst>
             <a:ext uri="{909E8E84-426E-40dd-AFC4-6F175D3DCCD1}">
-              <a14:hiddenFill xmlns:a14="http://schemas.microsoft.com/office/drawing/2010/main" xmlns="">
+              <a14:hiddenFill xmlns:a14="http://schemas.microsoft.com/office/drawing/2010/main">
                 <a:solidFill>
                   <a:srgbClr val="FFFFFF"/>
                 </a:solidFill>
@@ -8253,8 +8199,8 @@
         </p:nvSpPr>
         <p:spPr>
           <a:xfrm>
-            <a:off x="1200476" y="1426029"/>
-            <a:ext cx="9238924" cy="1320800"/>
+            <a:off x="900357" y="1426029"/>
+            <a:ext cx="6929193" cy="1320800"/>
           </a:xfrm>
           <a:prstGeom prst="rect">
             <a:avLst/>
@@ -8375,6 +8321,13 @@
   <p:clrMapOvr>
     <a:masterClrMapping/>
   </p:clrMapOvr>
+  <p:timing>
+    <p:tnLst>
+      <p:par>
+        <p:cTn xmlns:p14="http://schemas.microsoft.com/office/powerpoint/2010/main" id="1" dur="indefinite" restart="never" nodeType="tmRoot"/>
+      </p:par>
+    </p:tnLst>
+  </p:timing>
 </p:sld>
 </file>
 
@@ -8410,8 +8363,8 @@
         </p:nvSpPr>
         <p:spPr>
           <a:xfrm>
-            <a:off x="677334" y="609600"/>
-            <a:ext cx="8596668" cy="1320800"/>
+            <a:off x="508001" y="609600"/>
+            <a:ext cx="6447501" cy="1320800"/>
           </a:xfrm>
         </p:spPr>
         <p:txBody>
@@ -8442,8 +8395,8 @@
         </p:nvGrpSpPr>
         <p:grpSpPr>
           <a:xfrm>
-            <a:off x="304799" y="1473201"/>
-            <a:ext cx="11774931" cy="5149850"/>
+            <a:off x="228600" y="1473201"/>
+            <a:ext cx="8831198" cy="5149850"/>
             <a:chOff x="304799" y="1473201"/>
             <a:chExt cx="11774931" cy="5149850"/>
           </a:xfrm>
@@ -8484,7 +8437,7 @@
             <a:noFill/>
             <a:extLst>
               <a:ext uri="{909E8E84-426E-40dd-AFC4-6F175D3DCCD1}">
-                <a14:hiddenFill xmlns:a14="http://schemas.microsoft.com/office/drawing/2010/main" xmlns="">
+                <a14:hiddenFill xmlns:a14="http://schemas.microsoft.com/office/drawing/2010/main">
                   <a:solidFill>
                     <a:srgbClr val="FFFFFF"/>
                   </a:solidFill>
@@ -8529,7 +8482,7 @@
             <a:noFill/>
             <a:extLst>
               <a:ext uri="{909E8E84-426E-40dd-AFC4-6F175D3DCCD1}">
-                <a14:hiddenFill xmlns:a14="http://schemas.microsoft.com/office/drawing/2010/main" xmlns="">
+                <a14:hiddenFill xmlns:a14="http://schemas.microsoft.com/office/drawing/2010/main">
                   <a:solidFill>
                     <a:srgbClr val="FFFFFF"/>
                   </a:solidFill>
@@ -8549,6 +8502,13 @@
   <p:clrMapOvr>
     <a:masterClrMapping/>
   </p:clrMapOvr>
+  <p:timing>
+    <p:tnLst>
+      <p:par>
+        <p:cTn xmlns:p14="http://schemas.microsoft.com/office/powerpoint/2010/main" id="1" dur="indefinite" restart="never" nodeType="tmRoot"/>
+      </p:par>
+    </p:tnLst>
+  </p:timing>
 </p:sld>
 </file>
 
@@ -8610,12 +8570,14 @@
         </p:nvSpPr>
         <p:spPr>
           <a:xfrm>
-            <a:off x="4779748" y="1398354"/>
-            <a:ext cx="6236753" cy="4842773"/>
+            <a:off x="3584811" y="1398355"/>
+            <a:ext cx="4677565" cy="4842773"/>
           </a:xfrm>
         </p:spPr>
         <p:txBody>
-          <a:bodyPr/>
+          <a:bodyPr>
+            <a:normAutofit fontScale="92500" lnSpcReduction="20000"/>
+          </a:bodyPr>
           <a:lstStyle/>
           <a:p>
             <a:r>
@@ -8627,7 +8589,15 @@
             <a:pPr lvl="1"/>
             <a:r>
               <a:rPr lang="fr-CA" dirty="0" smtClean="0"/>
-              <a:t>Le CERN est situé en Suisse (Genève)</a:t>
+              <a:t>Le CERN est situé </a:t>
+            </a:r>
+            <a:r>
+              <a:rPr lang="fr-CA" dirty="0" smtClean="0"/>
+              <a:t>à la frontière Franco-Suisse </a:t>
+            </a:r>
+            <a:r>
+              <a:rPr lang="fr-CA" dirty="0" smtClean="0"/>
+              <a:t>(Genève)</a:t>
             </a:r>
           </a:p>
           <a:p>
@@ -8647,35 +8617,40 @@
             <a:pPr lvl="1"/>
             <a:r>
               <a:rPr lang="fr-CA" dirty="0" smtClean="0"/>
-              <a:t>simulation de réseaux électriques;</a:t>
+              <a:t>modélisation </a:t>
+            </a:r>
+            <a:r>
+              <a:rPr lang="fr-CA" dirty="0" smtClean="0"/>
+              <a:t>et conception de machines électriques;</a:t>
             </a:r>
           </a:p>
           <a:p>
             <a:pPr lvl="1"/>
             <a:r>
               <a:rPr lang="fr-CA" dirty="0" smtClean="0"/>
-              <a:t>modélisation et conception de machines électriques;</a:t>
+              <a:t>modélisation et conception de convertisseurs d’électronique de puissance</a:t>
+            </a:r>
+            <a:r>
+              <a:rPr lang="fr-CA" dirty="0" smtClean="0"/>
+              <a:t>.</a:t>
             </a:r>
           </a:p>
           <a:p>
             <a:pPr lvl="1"/>
             <a:r>
+              <a:rPr lang="fr-CA" dirty="0"/>
+              <a:t>simulation et commande des réseaux électriques</a:t>
+            </a:r>
+            <a:r>
               <a:rPr lang="fr-CA" dirty="0" smtClean="0"/>
-              <a:t>modélisation et conception de convertisseurs d’électronique de puissance.</a:t>
-            </a:r>
+              <a:t>;</a:t>
+            </a:r>
+            <a:endParaRPr lang="fr-CA" dirty="0" smtClean="0"/>
           </a:p>
           <a:p>
             <a:r>
               <a:rPr lang="fr-CA" dirty="0" smtClean="0"/>
-              <a:t>OPAL-RT est une compagnie spécialisée dans </a:t>
-            </a:r>
-            <a:r>
-              <a:rPr lang="fr-CA" dirty="0" smtClean="0"/>
-              <a:t>le </a:t>
-            </a:r>
-            <a:r>
-              <a:rPr lang="fr-CA" dirty="0" smtClean="0"/>
-              <a:t>développement de simulateurs temps réel PC/FPGA</a:t>
+              <a:t>OPAL-RT est une compagnie spécialisée dans le développement de simulateurs temps réel PC/FPGA</a:t>
             </a:r>
           </a:p>
           <a:p>
@@ -8712,8 +8687,8 @@
         </p:blipFill>
         <p:spPr bwMode="auto">
           <a:xfrm>
-            <a:off x="1200351" y="3498478"/>
-            <a:ext cx="434975" cy="489522"/>
+            <a:off x="1318618" y="4006477"/>
+            <a:ext cx="549029" cy="823839"/>
           </a:xfrm>
           <a:prstGeom prst="rect">
             <a:avLst/>
@@ -8754,8 +8729,8 @@
         </p:blipFill>
         <p:spPr bwMode="auto">
           <a:xfrm>
-            <a:off x="1867380" y="3512747"/>
-            <a:ext cx="1833298" cy="412750"/>
+            <a:off x="1176415" y="3243804"/>
+            <a:ext cx="2085227" cy="625959"/>
           </a:xfrm>
           <a:prstGeom prst="rect">
             <a:avLst/>
@@ -8766,14 +8741,14 @@
           </a:ln>
           <a:extLst>
             <a:ext uri="{909E8E84-426E-40dd-AFC4-6F175D3DCCD1}">
-              <a14:hiddenFill xmlns:a14="http://schemas.microsoft.com/office/drawing/2010/main" xmlns="">
+              <a14:hiddenFill xmlns:a14="http://schemas.microsoft.com/office/drawing/2010/main">
                 <a:solidFill>
                   <a:srgbClr val="FFFFFF"/>
                 </a:solidFill>
               </a14:hiddenFill>
             </a:ext>
             <a:ext uri="{91240B29-F687-4f45-9708-019B960494DF}">
-              <a14:hiddenLine xmlns:a14="http://schemas.microsoft.com/office/drawing/2010/main" xmlns="" w="9525">
+              <a14:hiddenLine xmlns:a14="http://schemas.microsoft.com/office/drawing/2010/main" w="9525">
                 <a:solidFill>
                   <a:srgbClr val="000000"/>
                 </a:solidFill>
@@ -8805,8 +8780,8 @@
         </p:blipFill>
         <p:spPr>
           <a:xfrm>
-            <a:off x="3927588" y="3441402"/>
-            <a:ext cx="655695" cy="606423"/>
+            <a:off x="2392869" y="4009167"/>
+            <a:ext cx="699955" cy="863143"/>
           </a:xfrm>
           <a:prstGeom prst="rect">
             <a:avLst/>
@@ -8825,7 +8800,7 @@
         </p:nvSpPr>
         <p:spPr>
           <a:xfrm>
-            <a:off x="1441278" y="2639750"/>
+            <a:off x="737312" y="2639750"/>
             <a:ext cx="2903359" cy="523220"/>
           </a:xfrm>
           <a:prstGeom prst="rect">
@@ -8860,7 +8835,7 @@
   <p:timing>
     <p:tnLst>
       <p:par>
-        <p:cTn id="1" dur="indefinite" restart="never" nodeType="tmRoot"/>
+        <p:cTn xmlns:p14="http://schemas.microsoft.com/office/powerpoint/2010/main" id="1" dur="indefinite" restart="never" nodeType="tmRoot"/>
       </p:par>
     </p:tnLst>
   </p:timing>
@@ -8933,8 +8908,8 @@
         </p:nvSpPr>
         <p:spPr>
           <a:xfrm flipH="1">
-            <a:off x="4806735" y="-989472"/>
-            <a:ext cx="3521850" cy="4179537"/>
+            <a:off x="3605051" y="-989472"/>
+            <a:ext cx="2641388" cy="369332"/>
           </a:xfrm>
           <a:prstGeom prst="rect">
             <a:avLst/>
@@ -8977,8 +8952,8 @@
         </p:blipFill>
         <p:spPr>
           <a:xfrm>
-            <a:off x="343790" y="1314373"/>
-            <a:ext cx="9839897" cy="4982184"/>
+            <a:off x="257843" y="1314373"/>
+            <a:ext cx="7379923" cy="4982184"/>
           </a:xfrm>
           <a:prstGeom prst="rect">
             <a:avLst/>
@@ -8995,6 +8970,13 @@
   <p:clrMapOvr>
     <a:masterClrMapping/>
   </p:clrMapOvr>
+  <p:timing>
+    <p:tnLst>
+      <p:par>
+        <p:cTn xmlns:p14="http://schemas.microsoft.com/office/powerpoint/2010/main" id="1" dur="indefinite" restart="never" nodeType="tmRoot"/>
+      </p:par>
+    </p:tnLst>
+  </p:timing>
 </p:sld>
 </file>
 
@@ -9028,7 +9010,12 @@
             </p:custDataLst>
           </p:nvPr>
         </p:nvSpPr>
-        <p:spPr/>
+        <p:spPr>
+          <a:xfrm>
+            <a:off x="313767" y="609600"/>
+            <a:ext cx="7739529" cy="1320800"/>
+          </a:xfrm>
+        </p:spPr>
         <p:txBody>
           <a:bodyPr>
             <a:normAutofit fontScale="90000"/>
@@ -9066,13 +9053,13 @@
         </p:nvSpPr>
         <p:spPr>
           <a:xfrm>
-            <a:off x="618265" y="1835687"/>
-            <a:ext cx="10087805" cy="4810020"/>
+            <a:off x="463699" y="1835687"/>
+            <a:ext cx="7565854" cy="4810020"/>
           </a:xfrm>
         </p:spPr>
         <p:txBody>
           <a:bodyPr>
-            <a:normAutofit lnSpcReduction="10000"/>
+            <a:normAutofit fontScale="92500" lnSpcReduction="10000"/>
           </a:bodyPr>
           <a:lstStyle/>
           <a:p>
@@ -9156,6 +9143,13 @@
   <p:clrMapOvr>
     <a:masterClrMapping/>
   </p:clrMapOvr>
+  <p:timing>
+    <p:tnLst>
+      <p:par>
+        <p:cTn xmlns:p14="http://schemas.microsoft.com/office/powerpoint/2010/main" id="1" dur="indefinite" restart="never" nodeType="tmRoot"/>
+      </p:par>
+    </p:tnLst>
+  </p:timing>
 </p:sld>
 </file>
 
@@ -9189,7 +9183,12 @@
             </p:custDataLst>
           </p:nvPr>
         </p:nvSpPr>
-        <p:spPr/>
+        <p:spPr>
+          <a:xfrm>
+            <a:off x="89649" y="594659"/>
+            <a:ext cx="7814234" cy="1320800"/>
+          </a:xfrm>
+        </p:spPr>
         <p:txBody>
           <a:bodyPr>
             <a:normAutofit fontScale="90000"/>
@@ -9227,8 +9226,8 @@
         </p:nvSpPr>
         <p:spPr>
           <a:xfrm>
-            <a:off x="618265" y="1835687"/>
-            <a:ext cx="10087805" cy="4810020"/>
+            <a:off x="463699" y="1835687"/>
+            <a:ext cx="7565854" cy="4810020"/>
           </a:xfrm>
         </p:spPr>
         <p:txBody>
@@ -9371,6 +9370,13 @@
   <p:clrMapOvr>
     <a:masterClrMapping/>
   </p:clrMapOvr>
+  <p:timing>
+    <p:tnLst>
+      <p:par>
+        <p:cTn xmlns:p14="http://schemas.microsoft.com/office/powerpoint/2010/main" id="1" dur="indefinite" restart="never" nodeType="tmRoot"/>
+      </p:par>
+    </p:tnLst>
+  </p:timing>
 </p:sld>
 </file>
 
@@ -9404,7 +9410,12 @@
             </p:custDataLst>
           </p:nvPr>
         </p:nvSpPr>
-        <p:spPr/>
+        <p:spPr>
+          <a:xfrm>
+            <a:off x="104594" y="609600"/>
+            <a:ext cx="7933764" cy="1320800"/>
+          </a:xfrm>
+        </p:spPr>
         <p:txBody>
           <a:bodyPr>
             <a:normAutofit fontScale="90000"/>
@@ -9442,13 +9453,13 @@
         </p:nvSpPr>
         <p:spPr>
           <a:xfrm>
-            <a:off x="618265" y="1835687"/>
-            <a:ext cx="10087805" cy="4810020"/>
+            <a:off x="463699" y="1835687"/>
+            <a:ext cx="7565854" cy="4810020"/>
           </a:xfrm>
         </p:spPr>
         <p:txBody>
           <a:bodyPr>
-            <a:normAutofit lnSpcReduction="10000"/>
+            <a:normAutofit fontScale="85000" lnSpcReduction="10000"/>
           </a:bodyPr>
           <a:lstStyle/>
           <a:p>
@@ -9525,6 +9536,13 @@
   <p:clrMapOvr>
     <a:masterClrMapping/>
   </p:clrMapOvr>
+  <p:timing>
+    <p:tnLst>
+      <p:par>
+        <p:cTn xmlns:p14="http://schemas.microsoft.com/office/powerpoint/2010/main" id="1" dur="indefinite" restart="never" nodeType="tmRoot"/>
+      </p:par>
+    </p:tnLst>
+  </p:timing>
 </p:sld>
 </file>
 
@@ -9558,7 +9576,12 @@
             </p:custDataLst>
           </p:nvPr>
         </p:nvSpPr>
-        <p:spPr/>
+        <p:spPr>
+          <a:xfrm>
+            <a:off x="328708" y="609600"/>
+            <a:ext cx="7694705" cy="1320800"/>
+          </a:xfrm>
+        </p:spPr>
         <p:txBody>
           <a:bodyPr>
             <a:normAutofit fontScale="90000"/>
@@ -9596,13 +9619,13 @@
         </p:nvSpPr>
         <p:spPr>
           <a:xfrm>
-            <a:off x="618265" y="1835687"/>
-            <a:ext cx="10087805" cy="4810020"/>
+            <a:off x="463699" y="1835687"/>
+            <a:ext cx="7565854" cy="4810020"/>
           </a:xfrm>
         </p:spPr>
         <p:txBody>
           <a:bodyPr>
-            <a:normAutofit lnSpcReduction="10000"/>
+            <a:normAutofit fontScale="92500"/>
           </a:bodyPr>
           <a:lstStyle/>
           <a:p>
@@ -9672,6 +9695,13 @@
   <p:clrMapOvr>
     <a:masterClrMapping/>
   </p:clrMapOvr>
+  <p:timing>
+    <p:tnLst>
+      <p:par>
+        <p:cTn xmlns:p14="http://schemas.microsoft.com/office/powerpoint/2010/main" id="1" dur="indefinite" restart="never" nodeType="tmRoot"/>
+      </p:par>
+    </p:tnLst>
+  </p:timing>
 </p:sld>
 </file>
 
@@ -9705,7 +9735,12 @@
             </p:custDataLst>
           </p:nvPr>
         </p:nvSpPr>
-        <p:spPr/>
+        <p:spPr>
+          <a:xfrm>
+            <a:off x="343650" y="609600"/>
+            <a:ext cx="7903879" cy="1320800"/>
+          </a:xfrm>
+        </p:spPr>
         <p:txBody>
           <a:bodyPr/>
           <a:lstStyle/>
@@ -9734,7 +9769,7 @@
         <p:spPr/>
         <p:txBody>
           <a:bodyPr>
-            <a:normAutofit/>
+            <a:normAutofit lnSpcReduction="10000"/>
           </a:bodyPr>
           <a:lstStyle/>
           <a:p>
@@ -9787,6 +9822,13 @@
   <p:clrMapOvr>
     <a:masterClrMapping/>
   </p:clrMapOvr>
+  <p:timing>
+    <p:tnLst>
+      <p:par>
+        <p:cTn xmlns:p14="http://schemas.microsoft.com/office/powerpoint/2010/main" id="1" dur="indefinite" restart="never" nodeType="tmRoot"/>
+      </p:par>
+    </p:tnLst>
+  </p:timing>
 </p:sld>
 </file>
 
@@ -9864,8 +9906,8 @@
           </p:nvPr>
         </p:nvGraphicFramePr>
         <p:xfrm>
-          <a:off x="677863" y="1314373"/>
-          <a:ext cx="10382617" cy="5360871"/>
+          <a:off x="508398" y="1314374"/>
+          <a:ext cx="7786961" cy="5457627"/>
         </p:xfrm>
         <a:graphic>
           <a:graphicData uri="http://schemas.openxmlformats.org/drawingml/2006/table">
@@ -9874,13 +9916,13 @@
                 <a:tableStyleId>{5C22544A-7EE6-4342-B048-85BDC9FD1C3A}</a:tableStyleId>
               </a:tblPr>
               <a:tblGrid>
-                <a:gridCol w="1483231"/>
-                <a:gridCol w="1483231"/>
-                <a:gridCol w="1483231"/>
-                <a:gridCol w="1483231"/>
-                <a:gridCol w="1483231"/>
-                <a:gridCol w="1483231"/>
-                <a:gridCol w="1483231"/>
+                <a:gridCol w="1112423"/>
+                <a:gridCol w="1112423"/>
+                <a:gridCol w="1112423"/>
+                <a:gridCol w="1112423"/>
+                <a:gridCol w="1112423"/>
+                <a:gridCol w="1112423"/>
+                <a:gridCol w="1112423"/>
               </a:tblGrid>
               <a:tr h="906127">
                 <a:tc>
@@ -9901,7 +9943,7 @@
                       </a:r>
                     </a:p>
                   </a:txBody>
-                  <a:tcPr marL="12700" marR="12700" marT="12700" marB="0" anchor="ctr"/>
+                  <a:tcPr marL="9525" marR="9525" marT="12700" marB="0" anchor="ctr"/>
                 </a:tc>
                 <a:tc>
                   <a:txBody>
@@ -9940,7 +9982,7 @@
                       </a:r>
                     </a:p>
                   </a:txBody>
-                  <a:tcPr marL="12700" marR="12700" marT="12700" marB="0" anchor="ctr"/>
+                  <a:tcPr marL="9525" marR="9525" marT="12700" marB="0" anchor="ctr"/>
                 </a:tc>
                 <a:tc>
                   <a:txBody>
@@ -9979,7 +10021,7 @@
                       </a:r>
                     </a:p>
                   </a:txBody>
-                  <a:tcPr marL="12700" marR="12700" marT="12700" marB="0" anchor="ctr"/>
+                  <a:tcPr marL="9525" marR="9525" marT="12700" marB="0" anchor="ctr"/>
                 </a:tc>
                 <a:tc>
                   <a:txBody>
@@ -10018,7 +10060,7 @@
                       </a:r>
                     </a:p>
                   </a:txBody>
-                  <a:tcPr marL="12700" marR="12700" marT="12700" marB="0" anchor="ctr"/>
+                  <a:tcPr marL="9525" marR="9525" marT="12700" marB="0" anchor="ctr"/>
                 </a:tc>
                 <a:tc>
                   <a:txBody>
@@ -10038,7 +10080,7 @@
                       </a:r>
                     </a:p>
                   </a:txBody>
-                  <a:tcPr marL="12700" marR="12700" marT="12700" marB="0" anchor="ctr"/>
+                  <a:tcPr marL="9525" marR="9525" marT="12700" marB="0" anchor="ctr"/>
                 </a:tc>
                 <a:tc>
                   <a:txBody>
@@ -10077,7 +10119,7 @@
                       </a:r>
                     </a:p>
                   </a:txBody>
-                  <a:tcPr marL="12700" marR="12700" marT="12700" marB="0" anchor="ctr"/>
+                  <a:tcPr marL="9525" marR="9525" marT="12700" marB="0" anchor="ctr"/>
                 </a:tc>
                 <a:tc>
                   <a:txBody>
@@ -10097,7 +10139,7 @@
                       </a:r>
                     </a:p>
                   </a:txBody>
-                  <a:tcPr marL="12700" marR="12700" marT="12700" marB="0" anchor="ctr"/>
+                  <a:tcPr marL="9525" marR="9525" marT="12700" marB="0" anchor="ctr"/>
                 </a:tc>
               </a:tr>
               <a:tr h="906127">
@@ -10138,7 +10180,7 @@
                       </a:r>
                     </a:p>
                   </a:txBody>
-                  <a:tcPr marL="12700" marR="12700" marT="12700" marB="0" anchor="ctr"/>
+                  <a:tcPr marL="9525" marR="9525" marT="12700" marB="0" anchor="ctr"/>
                 </a:tc>
                 <a:tc>
                   <a:txBody>
@@ -10158,7 +10200,7 @@
                       </a:r>
                     </a:p>
                   </a:txBody>
-                  <a:tcPr marL="12700" marR="12700" marT="12700" marB="0" anchor="ctr"/>
+                  <a:tcPr marL="9525" marR="9525" marT="12700" marB="0" anchor="ctr"/>
                 </a:tc>
                 <a:tc>
                   <a:txBody>
@@ -10197,7 +10239,7 @@
                       </a:r>
                     </a:p>
                   </a:txBody>
-                  <a:tcPr marL="12700" marR="12700" marT="12700" marB="0" anchor="ctr"/>
+                  <a:tcPr marL="9525" marR="9525" marT="12700" marB="0" anchor="ctr"/>
                 </a:tc>
                 <a:tc>
                   <a:txBody>
@@ -10217,7 +10259,7 @@
                       </a:r>
                     </a:p>
                   </a:txBody>
-                  <a:tcPr marL="12700" marR="12700" marT="12700" marB="0" anchor="ctr"/>
+                  <a:tcPr marL="9525" marR="9525" marT="12700" marB="0" anchor="ctr"/>
                 </a:tc>
                 <a:tc>
                   <a:txBody>
@@ -10237,7 +10279,7 @@
                       </a:r>
                     </a:p>
                   </a:txBody>
-                  <a:tcPr marL="12700" marR="12700" marT="12700" marB="0" anchor="ctr"/>
+                  <a:tcPr marL="9525" marR="9525" marT="12700" marB="0" anchor="ctr"/>
                 </a:tc>
                 <a:tc>
                   <a:txBody>
@@ -10276,7 +10318,7 @@
                       </a:r>
                     </a:p>
                   </a:txBody>
-                  <a:tcPr marL="12700" marR="12700" marT="12700" marB="0" anchor="ctr"/>
+                  <a:tcPr marL="9525" marR="9525" marT="12700" marB="0" anchor="ctr"/>
                 </a:tc>
                 <a:tc>
                   <a:txBody>
@@ -10296,7 +10338,7 @@
                       </a:r>
                     </a:p>
                   </a:txBody>
-                  <a:tcPr marL="12700" marR="12700" marT="12700" marB="0" anchor="ctr"/>
+                  <a:tcPr marL="9525" marR="9525" marT="12700" marB="0" anchor="ctr"/>
                 </a:tc>
               </a:tr>
               <a:tr h="1257063">
@@ -10337,7 +10379,7 @@
                       </a:r>
                     </a:p>
                   </a:txBody>
-                  <a:tcPr marL="12700" marR="12700" marT="12700" marB="0" anchor="ctr"/>
+                  <a:tcPr marL="9525" marR="9525" marT="12700" marB="0" anchor="ctr"/>
                 </a:tc>
                 <a:tc>
                   <a:txBody>
@@ -10357,7 +10399,7 @@
                       </a:r>
                     </a:p>
                   </a:txBody>
-                  <a:tcPr marL="12700" marR="12700" marT="12700" marB="0" anchor="ctr"/>
+                  <a:tcPr marL="9525" marR="9525" marT="12700" marB="0" anchor="ctr"/>
                 </a:tc>
                 <a:tc>
                   <a:txBody>
@@ -10396,7 +10438,7 @@
                       </a:r>
                     </a:p>
                   </a:txBody>
-                  <a:tcPr marL="12700" marR="12700" marT="12700" marB="0" anchor="ctr"/>
+                  <a:tcPr marL="9525" marR="9525" marT="12700" marB="0" anchor="ctr"/>
                 </a:tc>
                 <a:tc>
                   <a:txBody>
@@ -10435,7 +10477,7 @@
                       </a:r>
                     </a:p>
                   </a:txBody>
-                  <a:tcPr marL="12700" marR="12700" marT="12700" marB="0" anchor="ctr"/>
+                  <a:tcPr marL="9525" marR="9525" marT="12700" marB="0" anchor="ctr"/>
                 </a:tc>
                 <a:tc>
                   <a:txBody>
@@ -10455,7 +10497,7 @@
                       </a:r>
                     </a:p>
                   </a:txBody>
-                  <a:tcPr marL="12700" marR="12700" marT="12700" marB="0" anchor="ctr"/>
+                  <a:tcPr marL="9525" marR="9525" marT="12700" marB="0" anchor="ctr"/>
                 </a:tc>
                 <a:tc>
                   <a:txBody>
@@ -10475,7 +10517,7 @@
                       </a:r>
                     </a:p>
                   </a:txBody>
-                  <a:tcPr marL="12700" marR="12700" marT="12700" marB="0" anchor="ctr"/>
+                  <a:tcPr marL="9525" marR="9525" marT="12700" marB="0" anchor="ctr"/>
                 </a:tc>
                 <a:tc>
                   <a:txBody>
@@ -10495,7 +10537,7 @@
                       </a:r>
                     </a:p>
                   </a:txBody>
-                  <a:tcPr marL="12700" marR="12700" marT="12700" marB="0" anchor="ctr"/>
+                  <a:tcPr marL="9525" marR="9525" marT="12700" marB="0" anchor="ctr"/>
                 </a:tc>
               </a:tr>
               <a:tr h="2291554">
@@ -10517,7 +10559,7 @@
                       </a:r>
                     </a:p>
                   </a:txBody>
-                  <a:tcPr marL="12700" marR="12700" marT="12700" marB="0" anchor="ctr"/>
+                  <a:tcPr marL="9525" marR="9525" marT="12700" marB="0" anchor="ctr"/>
                 </a:tc>
                 <a:tc>
                   <a:txBody>
@@ -10537,7 +10579,7 @@
                       </a:r>
                     </a:p>
                   </a:txBody>
-                  <a:tcPr marL="12700" marR="12700" marT="12700" marB="0" anchor="ctr"/>
+                  <a:tcPr marL="9525" marR="9525" marT="12700" marB="0" anchor="ctr"/>
                 </a:tc>
                 <a:tc>
                   <a:txBody>
@@ -10557,7 +10599,7 @@
                       </a:r>
                     </a:p>
                   </a:txBody>
-                  <a:tcPr marL="12700" marR="12700" marT="12700" marB="0" anchor="ctr"/>
+                  <a:tcPr marL="9525" marR="9525" marT="12700" marB="0" anchor="ctr"/>
                 </a:tc>
                 <a:tc>
                   <a:txBody>
@@ -10577,7 +10619,7 @@
                       </a:r>
                     </a:p>
                   </a:txBody>
-                  <a:tcPr marL="12700" marR="12700" marT="12700" marB="0" anchor="ctr"/>
+                  <a:tcPr marL="9525" marR="9525" marT="12700" marB="0" anchor="ctr"/>
                 </a:tc>
                 <a:tc>
                   <a:txBody>
@@ -10597,7 +10639,7 @@
                       </a:r>
                     </a:p>
                   </a:txBody>
-                  <a:tcPr marL="12700" marR="12700" marT="12700" marB="0" anchor="ctr"/>
+                  <a:tcPr marL="9525" marR="9525" marT="12700" marB="0" anchor="ctr"/>
                 </a:tc>
                 <a:tc>
                   <a:txBody>
@@ -10637,7 +10679,7 @@
                       </a:r>
                     </a:p>
                   </a:txBody>
-                  <a:tcPr marL="12700" marR="12700" marT="12700" marB="0" anchor="ctr"/>
+                  <a:tcPr marL="9525" marR="9525" marT="12700" marB="0" anchor="ctr"/>
                 </a:tc>
                 <a:tc>
                   <a:txBody>
@@ -10674,7 +10716,7 @@
                       </a:endParaRPr>
                     </a:p>
                   </a:txBody>
-                  <a:tcPr marL="12700" marR="12700" marT="12700" marB="0" anchor="ctr"/>
+                  <a:tcPr marL="9525" marR="9525" marT="12700" marB="0" anchor="ctr"/>
                 </a:tc>
               </a:tr>
             </a:tbl>
@@ -10691,6 +10733,13 @@
   <p:clrMapOvr>
     <a:masterClrMapping/>
   </p:clrMapOvr>
+  <p:timing>
+    <p:tnLst>
+      <p:par>
+        <p:cTn xmlns:p14="http://schemas.microsoft.com/office/powerpoint/2010/main" id="1" dur="indefinite" restart="never" nodeType="tmRoot"/>
+      </p:par>
+    </p:tnLst>
+  </p:timing>
 </p:sld>
 </file>
 
@@ -10724,7 +10773,12 @@
             </p:custDataLst>
           </p:nvPr>
         </p:nvSpPr>
-        <p:spPr/>
+        <p:spPr>
+          <a:xfrm>
+            <a:off x="508001" y="310776"/>
+            <a:ext cx="6447501" cy="1320800"/>
+          </a:xfrm>
+        </p:spPr>
         <p:txBody>
           <a:bodyPr/>
           <a:lstStyle/>
@@ -10766,14 +10820,14 @@
             </p:custDataLst>
             <p:extLst>
               <p:ext uri="{D42A27DB-BD31-4B8C-83A1-F6EECF244321}">
-                <p14:modId xmlns:p14="http://schemas.microsoft.com/office/powerpoint/2010/main" val="4126102908"/>
+                <p14:modId xmlns:p14="http://schemas.microsoft.com/office/powerpoint/2010/main" val="1120902027"/>
               </p:ext>
             </p:extLst>
           </p:nvPr>
         </p:nvGraphicFramePr>
         <p:xfrm>
-          <a:off x="677863" y="1373443"/>
-          <a:ext cx="10766560" cy="5257496"/>
+          <a:off x="478515" y="1044737"/>
+          <a:ext cx="8074920" cy="5509413"/>
         </p:xfrm>
         <a:graphic>
           <a:graphicData uri="http://schemas.openxmlformats.org/drawingml/2006/table">
@@ -10782,13 +10836,13 @@
                 <a:tableStyleId>{5C22544A-7EE6-4342-B048-85BDC9FD1C3A}</a:tableStyleId>
               </a:tblPr>
               <a:tblGrid>
-                <a:gridCol w="1538080"/>
-                <a:gridCol w="1538080"/>
-                <a:gridCol w="1538080"/>
-                <a:gridCol w="1538080"/>
-                <a:gridCol w="1538080"/>
-                <a:gridCol w="1538080"/>
-                <a:gridCol w="1538080"/>
+                <a:gridCol w="1153560"/>
+                <a:gridCol w="833219"/>
+                <a:gridCol w="1165412"/>
+                <a:gridCol w="1462049"/>
+                <a:gridCol w="1153560"/>
+                <a:gridCol w="1153560"/>
+                <a:gridCol w="1153560"/>
               </a:tblGrid>
               <a:tr h="1125374">
                 <a:tc>
@@ -10809,7 +10863,7 @@
                       </a:r>
                     </a:p>
                   </a:txBody>
-                  <a:tcPr marL="12700" marR="12700" marT="12700" marB="0" anchor="ctr"/>
+                  <a:tcPr marL="9525" marR="9525" marT="12700" marB="0" anchor="ctr"/>
                 </a:tc>
                 <a:tc>
                   <a:txBody>
@@ -10848,7 +10902,7 @@
                       </a:r>
                     </a:p>
                   </a:txBody>
-                  <a:tcPr marL="12700" marR="12700" marT="12700" marB="0" anchor="ctr"/>
+                  <a:tcPr marL="9525" marR="9525" marT="12700" marB="0" anchor="ctr"/>
                 </a:tc>
                 <a:tc>
                   <a:txBody>
@@ -10887,7 +10941,7 @@
                       </a:r>
                     </a:p>
                   </a:txBody>
-                  <a:tcPr marL="12700" marR="12700" marT="12700" marB="0" anchor="ctr"/>
+                  <a:tcPr marL="9525" marR="9525" marT="12700" marB="0" anchor="ctr"/>
                 </a:tc>
                 <a:tc>
                   <a:txBody>
@@ -10926,7 +10980,7 @@
                       </a:r>
                     </a:p>
                   </a:txBody>
-                  <a:tcPr marL="12700" marR="12700" marT="12700" marB="0" anchor="ctr"/>
+                  <a:tcPr marL="9525" marR="9525" marT="12700" marB="0" anchor="ctr"/>
                 </a:tc>
                 <a:tc>
                   <a:txBody>
@@ -10935,7 +10989,7 @@
                     <a:p>
                       <a:pPr algn="ctr" fontAlgn="ctr"/>
                       <a:r>
-                        <a:rPr lang="fr-FR" sz="1100" b="1" i="0" u="none" strike="noStrike">
+                        <a:rPr lang="fr-FR" sz="1100" b="1" i="0" u="none" strike="noStrike" dirty="0">
                           <a:solidFill>
                             <a:srgbClr val="000000"/>
                           </a:solidFill>
@@ -10946,7 +11000,7 @@
                       </a:r>
                     </a:p>
                   </a:txBody>
-                  <a:tcPr marL="12700" marR="12700" marT="12700" marB="0" anchor="ctr"/>
+                  <a:tcPr marL="9525" marR="9525" marT="12700" marB="0" anchor="ctr"/>
                 </a:tc>
                 <a:tc>
                   <a:txBody>
@@ -10985,7 +11039,7 @@
                       </a:r>
                     </a:p>
                   </a:txBody>
-                  <a:tcPr marL="12700" marR="12700" marT="12700" marB="0" anchor="ctr"/>
+                  <a:tcPr marL="9525" marR="9525" marT="12700" marB="0" anchor="ctr"/>
                 </a:tc>
                 <a:tc>
                   <a:txBody>
@@ -11005,7 +11059,7 @@
                       </a:r>
                     </a:p>
                   </a:txBody>
-                  <a:tcPr marL="12700" marR="12700" marT="12700" marB="0" anchor="ctr"/>
+                  <a:tcPr marL="9525" marR="9525" marT="12700" marB="0" anchor="ctr"/>
                 </a:tc>
               </a:tr>
               <a:tr h="1879522">
@@ -11027,7 +11081,7 @@
                       </a:r>
                     </a:p>
                   </a:txBody>
-                  <a:tcPr marL="12700" marR="12700" marT="12700" marB="0" anchor="ctr"/>
+                  <a:tcPr marL="9525" marR="9525" marT="12700" marB="0" anchor="ctr"/>
                 </a:tc>
                 <a:tc>
                   <a:txBody>
@@ -11047,7 +11101,7 @@
                       </a:r>
                     </a:p>
                   </a:txBody>
-                  <a:tcPr marL="12700" marR="12700" marT="12700" marB="0" anchor="ctr"/>
+                  <a:tcPr marL="9525" marR="9525" marT="12700" marB="0" anchor="ctr"/>
                 </a:tc>
                 <a:tc>
                   <a:txBody>
@@ -11067,7 +11121,7 @@
                       </a:r>
                     </a:p>
                   </a:txBody>
-                  <a:tcPr marL="12700" marR="12700" marT="12700" marB="0" anchor="ctr"/>
+                  <a:tcPr marL="9525" marR="9525" marT="12700" marB="0" anchor="ctr"/>
                 </a:tc>
                 <a:tc>
                   <a:txBody>
@@ -11087,7 +11141,7 @@
                       </a:r>
                     </a:p>
                   </a:txBody>
-                  <a:tcPr marL="12700" marR="12700" marT="12700" marB="0" anchor="ctr"/>
+                  <a:tcPr marL="9525" marR="9525" marT="12700" marB="0" anchor="ctr"/>
                 </a:tc>
                 <a:tc>
                   <a:txBody>
@@ -11107,7 +11161,7 @@
                       </a:r>
                     </a:p>
                   </a:txBody>
-                  <a:tcPr marL="12700" marR="12700" marT="12700" marB="0" anchor="ctr"/>
+                  <a:tcPr marL="9525" marR="9525" marT="12700" marB="0" anchor="ctr"/>
                 </a:tc>
                 <a:tc>
                   <a:txBody>
@@ -11127,7 +11181,7 @@
                       </a:r>
                     </a:p>
                   </a:txBody>
-                  <a:tcPr marL="12700" marR="12700" marT="12700" marB="0" anchor="ctr"/>
+                  <a:tcPr marL="9525" marR="9525" marT="12700" marB="0" anchor="ctr"/>
                 </a:tc>
                 <a:tc>
                   <a:txBody>
@@ -11164,7 +11218,7 @@
                       </a:endParaRPr>
                     </a:p>
                   </a:txBody>
-                  <a:tcPr marL="12700" marR="12700" marT="12700" marB="0" anchor="ctr"/>
+                  <a:tcPr marL="9525" marR="9525" marT="12700" marB="0" anchor="ctr"/>
                 </a:tc>
               </a:tr>
               <a:tr h="2252600">
@@ -11186,7 +11240,7 @@
                       </a:r>
                     </a:p>
                   </a:txBody>
-                  <a:tcPr marL="12700" marR="12700" marT="12700" marB="0" anchor="ctr"/>
+                  <a:tcPr marL="9525" marR="9525" marT="12700" marB="0" anchor="ctr"/>
                 </a:tc>
                 <a:tc>
                   <a:txBody>
@@ -11206,7 +11260,7 @@
                       </a:r>
                     </a:p>
                   </a:txBody>
-                  <a:tcPr marL="12700" marR="12700" marT="12700" marB="0" anchor="ctr"/>
+                  <a:tcPr marL="9525" marR="9525" marT="12700" marB="0" anchor="ctr"/>
                 </a:tc>
                 <a:tc>
                   <a:txBody>
@@ -11242,7 +11296,7 @@
                       </a:endParaRPr>
                     </a:p>
                   </a:txBody>
-                  <a:tcPr marL="12700" marR="12700" marT="12700" marB="0" anchor="ctr"/>
+                  <a:tcPr marL="9525" marR="9525" marT="12700" marB="0" anchor="ctr"/>
                 </a:tc>
                 <a:tc>
                   <a:txBody>
@@ -11278,7 +11332,7 @@
                       </a:endParaRPr>
                     </a:p>
                   </a:txBody>
-                  <a:tcPr marL="12700" marR="12700" marT="12700" marB="0" anchor="ctr"/>
+                  <a:tcPr marL="9525" marR="9525" marT="12700" marB="0" anchor="ctr"/>
                 </a:tc>
                 <a:tc>
                   <a:txBody>
@@ -11298,7 +11352,7 @@
                       </a:r>
                     </a:p>
                   </a:txBody>
-                  <a:tcPr marL="12700" marR="12700" marT="12700" marB="0" anchor="ctr"/>
+                  <a:tcPr marL="9525" marR="9525" marT="12700" marB="0" anchor="ctr"/>
                 </a:tc>
                 <a:tc>
                   <a:txBody>
@@ -11318,7 +11372,7 @@
                       </a:r>
                     </a:p>
                   </a:txBody>
-                  <a:tcPr marL="12700" marR="12700" marT="12700" marB="0" anchor="ctr"/>
+                  <a:tcPr marL="9525" marR="9525" marT="12700" marB="0" anchor="ctr"/>
                 </a:tc>
                 <a:tc>
                   <a:txBody>
@@ -11355,7 +11409,7 @@
                       </a:endParaRPr>
                     </a:p>
                   </a:txBody>
-                  <a:tcPr marL="12700" marR="12700" marT="12700" marB="0" anchor="ctr"/>
+                  <a:tcPr marL="9525" marR="9525" marT="12700" marB="0" anchor="ctr"/>
                 </a:tc>
               </a:tr>
             </a:tbl>
@@ -11372,6 +11426,13 @@
   <p:clrMapOvr>
     <a:masterClrMapping/>
   </p:clrMapOvr>
+  <p:timing>
+    <p:tnLst>
+      <p:par>
+        <p:cTn xmlns:p14="http://schemas.microsoft.com/office/powerpoint/2010/main" id="1" dur="indefinite" restart="never" nodeType="tmRoot"/>
+      </p:par>
+    </p:tnLst>
+  </p:timing>
 </p:sld>
 </file>
 
@@ -11449,8 +11510,8 @@
           </p:nvPr>
         </p:nvGraphicFramePr>
         <p:xfrm>
-          <a:off x="677863" y="1314373"/>
-          <a:ext cx="11091430" cy="5331333"/>
+          <a:off x="508397" y="1314374"/>
+          <a:ext cx="8318576" cy="5331333"/>
         </p:xfrm>
         <a:graphic>
           <a:graphicData uri="http://schemas.openxmlformats.org/drawingml/2006/table">
@@ -11459,13 +11520,13 @@
                 <a:tableStyleId>{5C22544A-7EE6-4342-B048-85BDC9FD1C3A}</a:tableStyleId>
               </a:tblPr>
               <a:tblGrid>
-                <a:gridCol w="1584490"/>
-                <a:gridCol w="1584490"/>
-                <a:gridCol w="1584490"/>
-                <a:gridCol w="1584490"/>
-                <a:gridCol w="1584490"/>
-                <a:gridCol w="1584490"/>
-                <a:gridCol w="1584490"/>
+                <a:gridCol w="1188368"/>
+                <a:gridCol w="1188368"/>
+                <a:gridCol w="1188368"/>
+                <a:gridCol w="1188368"/>
+                <a:gridCol w="1188368"/>
+                <a:gridCol w="1188368"/>
+                <a:gridCol w="1188368"/>
               </a:tblGrid>
               <a:tr h="650006">
                 <a:tc>
@@ -11486,7 +11547,7 @@
                       </a:r>
                     </a:p>
                   </a:txBody>
-                  <a:tcPr marL="12700" marR="12700" marT="12700" marB="0" anchor="ctr"/>
+                  <a:tcPr marL="9525" marR="9525" marT="12700" marB="0" anchor="ctr"/>
                 </a:tc>
                 <a:tc>
                   <a:txBody>
@@ -11525,7 +11586,7 @@
                       </a:r>
                     </a:p>
                   </a:txBody>
-                  <a:tcPr marL="12700" marR="12700" marT="12700" marB="0" anchor="ctr"/>
+                  <a:tcPr marL="9525" marR="9525" marT="12700" marB="0" anchor="ctr"/>
                 </a:tc>
                 <a:tc>
                   <a:txBody>
@@ -11564,7 +11625,7 @@
                       </a:r>
                     </a:p>
                   </a:txBody>
-                  <a:tcPr marL="12700" marR="12700" marT="12700" marB="0" anchor="ctr"/>
+                  <a:tcPr marL="9525" marR="9525" marT="12700" marB="0" anchor="ctr"/>
                 </a:tc>
                 <a:tc>
                   <a:txBody>
@@ -11603,7 +11664,7 @@
                       </a:r>
                     </a:p>
                   </a:txBody>
-                  <a:tcPr marL="12700" marR="12700" marT="12700" marB="0" anchor="ctr"/>
+                  <a:tcPr marL="9525" marR="9525" marT="12700" marB="0" anchor="ctr"/>
                 </a:tc>
                 <a:tc>
                   <a:txBody>
@@ -11623,7 +11684,7 @@
                       </a:r>
                     </a:p>
                   </a:txBody>
-                  <a:tcPr marL="12700" marR="12700" marT="12700" marB="0" anchor="ctr"/>
+                  <a:tcPr marL="9525" marR="9525" marT="12700" marB="0" anchor="ctr"/>
                 </a:tc>
                 <a:tc>
                   <a:txBody>
@@ -11662,7 +11723,7 @@
                       </a:r>
                     </a:p>
                   </a:txBody>
-                  <a:tcPr marL="12700" marR="12700" marT="12700" marB="0" anchor="ctr"/>
+                  <a:tcPr marL="9525" marR="9525" marT="12700" marB="0" anchor="ctr"/>
                 </a:tc>
                 <a:tc>
                   <a:txBody>
@@ -11682,7 +11743,7 @@
                       </a:r>
                     </a:p>
                   </a:txBody>
-                  <a:tcPr marL="12700" marR="12700" marT="12700" marB="0" anchor="ctr"/>
+                  <a:tcPr marL="9525" marR="9525" marT="12700" marB="0" anchor="ctr"/>
                 </a:tc>
               </a:tr>
               <a:tr h="1917999">
@@ -11714,7 +11775,7 @@
                       </a:r>
                     </a:p>
                   </a:txBody>
-                  <a:tcPr marL="12700" marR="12700" marT="12700" marB="0" anchor="ctr"/>
+                  <a:tcPr marL="9525" marR="9525" marT="12700" marB="0" anchor="ctr"/>
                 </a:tc>
                 <a:tc>
                   <a:txBody>
@@ -11734,7 +11795,7 @@
                       </a:r>
                     </a:p>
                   </a:txBody>
-                  <a:tcPr marL="12700" marR="12700" marT="12700" marB="0" anchor="ctr"/>
+                  <a:tcPr marL="9525" marR="9525" marT="12700" marB="0" anchor="ctr"/>
                 </a:tc>
                 <a:tc>
                   <a:txBody>
@@ -11770,7 +11831,7 @@
                       </a:endParaRPr>
                     </a:p>
                   </a:txBody>
-                  <a:tcPr marL="12700" marR="12700" marT="12700" marB="0" anchor="ctr"/>
+                  <a:tcPr marL="9525" marR="9525" marT="12700" marB="0" anchor="ctr"/>
                 </a:tc>
                 <a:tc>
                   <a:txBody>
@@ -11790,7 +11851,7 @@
                       </a:r>
                     </a:p>
                   </a:txBody>
-                  <a:tcPr marL="12700" marR="12700" marT="12700" marB="0" anchor="ctr"/>
+                  <a:tcPr marL="9525" marR="9525" marT="12700" marB="0" anchor="ctr"/>
                 </a:tc>
                 <a:tc>
                   <a:txBody>
@@ -11810,7 +11871,7 @@
                       </a:r>
                     </a:p>
                   </a:txBody>
-                  <a:tcPr marL="12700" marR="12700" marT="12700" marB="0" anchor="ctr"/>
+                  <a:tcPr marL="9525" marR="9525" marT="12700" marB="0" anchor="ctr"/>
                 </a:tc>
                 <a:tc>
                   <a:txBody>
@@ -11830,7 +11891,7 @@
                       </a:r>
                     </a:p>
                   </a:txBody>
-                  <a:tcPr marL="12700" marR="12700" marT="12700" marB="0" anchor="ctr"/>
+                  <a:tcPr marL="9525" marR="9525" marT="12700" marB="0" anchor="ctr"/>
                 </a:tc>
                 <a:tc>
                   <a:txBody>
@@ -11850,7 +11911,7 @@
                       </a:r>
                     </a:p>
                   </a:txBody>
-                  <a:tcPr marL="12700" marR="12700" marT="12700" marB="0" anchor="ctr"/>
+                  <a:tcPr marL="9525" marR="9525" marT="12700" marB="0" anchor="ctr"/>
                 </a:tc>
               </a:tr>
               <a:tr h="2763328">
@@ -11891,7 +11952,7 @@
                       </a:r>
                     </a:p>
                   </a:txBody>
-                  <a:tcPr marL="12700" marR="12700" marT="12700" marB="0" anchor="ctr"/>
+                  <a:tcPr marL="9525" marR="9525" marT="12700" marB="0" anchor="ctr"/>
                 </a:tc>
                 <a:tc>
                   <a:txBody>
@@ -11911,7 +11972,7 @@
                       </a:r>
                     </a:p>
                   </a:txBody>
-                  <a:tcPr marL="12700" marR="12700" marT="12700" marB="0" anchor="ctr"/>
+                  <a:tcPr marL="9525" marR="9525" marT="12700" marB="0" anchor="ctr"/>
                 </a:tc>
                 <a:tc>
                   <a:txBody>
@@ -11950,7 +12011,7 @@
                       </a:r>
                     </a:p>
                   </a:txBody>
-                  <a:tcPr marL="12700" marR="12700" marT="12700" marB="0" anchor="ctr"/>
+                  <a:tcPr marL="9525" marR="9525" marT="12700" marB="0" anchor="ctr"/>
                 </a:tc>
                 <a:tc>
                   <a:txBody>
@@ -11970,7 +12031,7 @@
                       </a:r>
                     </a:p>
                   </a:txBody>
-                  <a:tcPr marL="12700" marR="12700" marT="12700" marB="0" anchor="ctr"/>
+                  <a:tcPr marL="9525" marR="9525" marT="12700" marB="0" anchor="ctr"/>
                 </a:tc>
                 <a:tc>
                   <a:txBody>
@@ -11990,7 +12051,7 @@
                       </a:r>
                     </a:p>
                   </a:txBody>
-                  <a:tcPr marL="12700" marR="12700" marT="12700" marB="0" anchor="ctr"/>
+                  <a:tcPr marL="9525" marR="9525" marT="12700" marB="0" anchor="ctr"/>
                 </a:tc>
                 <a:tc>
                   <a:txBody>
@@ -12010,7 +12071,7 @@
                       </a:r>
                     </a:p>
                   </a:txBody>
-                  <a:tcPr marL="12700" marR="12700" marT="12700" marB="0" anchor="ctr"/>
+                  <a:tcPr marL="9525" marR="9525" marT="12700" marB="0" anchor="ctr"/>
                 </a:tc>
                 <a:tc>
                   <a:txBody>
@@ -12030,7 +12091,7 @@
                       </a:r>
                     </a:p>
                   </a:txBody>
-                  <a:tcPr marL="12700" marR="12700" marT="12700" marB="0" anchor="ctr"/>
+                  <a:tcPr marL="9525" marR="9525" marT="12700" marB="0" anchor="ctr"/>
                 </a:tc>
               </a:tr>
             </a:tbl>
@@ -12047,6 +12108,13 @@
   <p:clrMapOvr>
     <a:masterClrMapping/>
   </p:clrMapOvr>
+  <p:timing>
+    <p:tnLst>
+      <p:par>
+        <p:cTn xmlns:p14="http://schemas.microsoft.com/office/powerpoint/2010/main" id="1" dur="indefinite" restart="never" nodeType="tmRoot"/>
+      </p:par>
+    </p:tnLst>
+  </p:timing>
 </p:sld>
 </file>
 
@@ -12082,8 +12150,8 @@
         </p:nvSpPr>
         <p:spPr>
           <a:xfrm>
-            <a:off x="677333" y="609600"/>
-            <a:ext cx="10832495" cy="1320800"/>
+            <a:off x="508000" y="609600"/>
+            <a:ext cx="8124371" cy="1320800"/>
           </a:xfrm>
         </p:spPr>
         <p:txBody>
@@ -12121,8 +12189,8 @@
         </p:nvGrpSpPr>
         <p:grpSpPr bwMode="auto">
           <a:xfrm>
-            <a:off x="194734" y="1930400"/>
-            <a:ext cx="11790625" cy="3771900"/>
+            <a:off x="146051" y="1930400"/>
+            <a:ext cx="8842969" cy="3771900"/>
             <a:chOff x="-877" y="651"/>
             <a:chExt cx="9434" cy="3018"/>
           </a:xfrm>
@@ -12154,7 +12222,7 @@
             </a:ln>
             <a:extLst>
               <a:ext uri="{909E8E84-426E-40dd-AFC4-6F175D3DCCD1}">
-                <a14:hiddenFill xmlns:a14="http://schemas.microsoft.com/office/drawing/2010/main" xmlns="">
+                <a14:hiddenFill xmlns:a14="http://schemas.microsoft.com/office/drawing/2010/main">
                   <a:solidFill>
                     <a:srgbClr val="FFFFFF"/>
                   </a:solidFill>
@@ -12214,7 +12282,7 @@
             </a:ln>
             <a:extLst>
               <a:ext uri="{909E8E84-426E-40dd-AFC4-6F175D3DCCD1}">
-                <a14:hiddenFill xmlns:a14="http://schemas.microsoft.com/office/drawing/2010/main" xmlns="">
+                <a14:hiddenFill xmlns:a14="http://schemas.microsoft.com/office/drawing/2010/main">
                   <a:solidFill>
                     <a:srgbClr val="FFFFFF"/>
                   </a:solidFill>
@@ -12234,6 +12302,13 @@
   <p:clrMapOvr>
     <a:masterClrMapping/>
   </p:clrMapOvr>
+  <p:timing>
+    <p:tnLst>
+      <p:par>
+        <p:cTn xmlns:p14="http://schemas.microsoft.com/office/powerpoint/2010/main" id="1" dur="indefinite" restart="never" nodeType="tmRoot"/>
+      </p:par>
+    </p:tnLst>
+  </p:timing>
 </p:sld>
 </file>
 
@@ -12295,13 +12370,13 @@
         </p:nvSpPr>
         <p:spPr>
           <a:xfrm>
-            <a:off x="5885029" y="2565501"/>
-            <a:ext cx="5241520" cy="2415939"/>
+            <a:off x="4413772" y="2565502"/>
+            <a:ext cx="3931140" cy="2415939"/>
           </a:xfrm>
         </p:spPr>
         <p:txBody>
           <a:bodyPr>
-            <a:normAutofit/>
+            <a:normAutofit fontScale="85000" lnSpcReduction="10000"/>
           </a:bodyPr>
           <a:lstStyle/>
           <a:p>
@@ -12333,6 +12408,10 @@
             <a:r>
               <a:rPr lang="fr-CA" dirty="0" err="1" smtClean="0"/>
               <a:t>TeV</a:t>
+            </a:r>
+            <a:r>
+              <a:rPr lang="fr-CA" dirty="0" smtClean="0"/>
+              <a:t> pour étudier la structure de la matière</a:t>
             </a:r>
             <a:endParaRPr lang="fr-CA" dirty="0" smtClean="0"/>
           </a:p>
@@ -12363,8 +12442,8 @@
         </p:blipFill>
         <p:spPr>
           <a:xfrm>
-            <a:off x="162703" y="1210121"/>
-            <a:ext cx="5613712" cy="5126700"/>
+            <a:off x="211673" y="1210121"/>
+            <a:ext cx="4210284" cy="4900820"/>
           </a:xfrm>
           <a:prstGeom prst="rect">
             <a:avLst/>
@@ -12388,8 +12467,8 @@
         </p:nvSpPr>
         <p:spPr>
           <a:xfrm>
-            <a:off x="645828" y="6336821"/>
-            <a:ext cx="5130587" cy="461665"/>
+            <a:off x="499313" y="6142586"/>
+            <a:ext cx="3847940" cy="646331"/>
           </a:xfrm>
           <a:prstGeom prst="rect">
             <a:avLst/>
@@ -12427,7 +12506,7 @@
   <p:timing>
     <p:tnLst>
       <p:par>
-        <p:cTn id="1" dur="indefinite" restart="never" nodeType="tmRoot"/>
+        <p:cTn xmlns:p14="http://schemas.microsoft.com/office/powerpoint/2010/main" id="1" dur="indefinite" restart="never" nodeType="tmRoot"/>
       </p:par>
     </p:tnLst>
   </p:timing>
@@ -12466,8 +12545,8 @@
         </p:nvSpPr>
         <p:spPr>
           <a:xfrm>
-            <a:off x="239549" y="127000"/>
-            <a:ext cx="10979993" cy="1320800"/>
+            <a:off x="179662" y="127000"/>
+            <a:ext cx="8234995" cy="1320800"/>
           </a:xfrm>
         </p:spPr>
         <p:txBody>
@@ -12505,8 +12584,8 @@
         </p:nvGrpSpPr>
         <p:grpSpPr bwMode="auto">
           <a:xfrm>
-            <a:off x="239550" y="1195615"/>
-            <a:ext cx="11838150" cy="3684588"/>
+            <a:off x="179662" y="1195615"/>
+            <a:ext cx="8878613" cy="3684588"/>
             <a:chOff x="134" y="1143"/>
             <a:chExt cx="8180" cy="2546"/>
           </a:xfrm>
@@ -12538,7 +12617,7 @@
             </a:ln>
             <a:extLst>
               <a:ext uri="{909E8E84-426E-40dd-AFC4-6F175D3DCCD1}">
-                <a14:hiddenFill xmlns:a14="http://schemas.microsoft.com/office/drawing/2010/main" xmlns="">
+                <a14:hiddenFill xmlns:a14="http://schemas.microsoft.com/office/drawing/2010/main">
                   <a:solidFill>
                     <a:srgbClr val="FFFFFF"/>
                   </a:solidFill>
@@ -12598,7 +12677,7 @@
             </a:ln>
             <a:extLst>
               <a:ext uri="{909E8E84-426E-40dd-AFC4-6F175D3DCCD1}">
-                <a14:hiddenFill xmlns:a14="http://schemas.microsoft.com/office/drawing/2010/main" xmlns="">
+                <a14:hiddenFill xmlns:a14="http://schemas.microsoft.com/office/drawing/2010/main">
                   <a:solidFill>
                     <a:srgbClr val="FFFFFF"/>
                   </a:solidFill>
@@ -12622,8 +12701,8 @@
         </p:nvGrpSpPr>
         <p:grpSpPr bwMode="auto">
           <a:xfrm>
-            <a:off x="271935" y="4972029"/>
-            <a:ext cx="11805765" cy="2037010"/>
+            <a:off x="203952" y="4972029"/>
+            <a:ext cx="8854324" cy="2037010"/>
             <a:chOff x="125" y="2942"/>
             <a:chExt cx="8763" cy="1512"/>
           </a:xfrm>
@@ -12650,14 +12729,14 @@
             </a:ln>
             <a:extLst>
               <a:ext uri="{909E8E84-426E-40dd-AFC4-6F175D3DCCD1}">
-                <a14:hiddenFill xmlns:a14="http://schemas.microsoft.com/office/drawing/2010/main" xmlns="">
+                <a14:hiddenFill xmlns:a14="http://schemas.microsoft.com/office/drawing/2010/main">
                   <a:solidFill>
                     <a:srgbClr val="FFFFFF"/>
                   </a:solidFill>
                 </a14:hiddenFill>
               </a:ext>
               <a:ext uri="{91240B29-F687-4f45-9708-019B960494DF}">
-                <a14:hiddenLine xmlns:a14="http://schemas.microsoft.com/office/drawing/2010/main" xmlns="" w="9525">
+                <a14:hiddenLine xmlns:a14="http://schemas.microsoft.com/office/drawing/2010/main" w="9525">
                   <a:solidFill>
                     <a:srgbClr val="000000"/>
                   </a:solidFill>
@@ -12720,7 +12799,7 @@
             </a:ln>
             <a:extLst>
               <a:ext uri="{909E8E84-426E-40dd-AFC4-6F175D3DCCD1}">
-                <a14:hiddenFill xmlns:a14="http://schemas.microsoft.com/office/drawing/2010/main" xmlns="">
+                <a14:hiddenFill xmlns:a14="http://schemas.microsoft.com/office/drawing/2010/main">
                   <a:solidFill>
                     <a:srgbClr val="FFFFFF"/>
                   </a:solidFill>
@@ -12740,6 +12819,13 @@
   <p:clrMapOvr>
     <a:masterClrMapping/>
   </p:clrMapOvr>
+  <p:timing>
+    <p:tnLst>
+      <p:par>
+        <p:cTn xmlns:p14="http://schemas.microsoft.com/office/powerpoint/2010/main" id="1" dur="indefinite" restart="never" nodeType="tmRoot"/>
+      </p:par>
+    </p:tnLst>
+  </p:timing>
 </p:sld>
 </file>
 
@@ -12820,8 +12906,8 @@
         </p:blipFill>
         <p:spPr>
           <a:xfrm>
-            <a:off x="351756" y="1930400"/>
-            <a:ext cx="11662659" cy="3984173"/>
+            <a:off x="263818" y="1930401"/>
+            <a:ext cx="8746994" cy="3984173"/>
           </a:xfrm>
           <a:prstGeom prst="rect">
             <a:avLst/>
@@ -12848,7 +12934,7 @@
   <p:timing>
     <p:tnLst>
       <p:par>
-        <p:cTn id="1" dur="indefinite" restart="never" nodeType="tmRoot"/>
+        <p:cTn xmlns:p14="http://schemas.microsoft.com/office/powerpoint/2010/main" id="1" dur="indefinite" restart="never" nodeType="tmRoot"/>
       </p:par>
     </p:tnLst>
   </p:timing>
@@ -12923,8 +13009,8 @@
         </p:blipFill>
         <p:spPr>
           <a:xfrm>
-            <a:off x="341087" y="85779"/>
-            <a:ext cx="11611026" cy="6590791"/>
+            <a:off x="255815" y="85780"/>
+            <a:ext cx="8708270" cy="6590791"/>
           </a:xfrm>
           <a:prstGeom prst="rect">
             <a:avLst/>
@@ -12951,7 +13037,7 @@
   <p:timing>
     <p:tnLst>
       <p:par>
-        <p:cTn id="1" dur="indefinite" restart="never" nodeType="tmRoot"/>
+        <p:cTn xmlns:p14="http://schemas.microsoft.com/office/powerpoint/2010/main" id="1" dur="indefinite" restart="never" nodeType="tmRoot"/>
       </p:par>
     </p:tnLst>
   </p:timing>
@@ -13036,8 +13122,8 @@
         </p:blipFill>
         <p:spPr>
           <a:xfrm>
-            <a:off x="250371" y="1767113"/>
-            <a:ext cx="11638808" cy="4472523"/>
+            <a:off x="187778" y="1767114"/>
+            <a:ext cx="8729106" cy="4472523"/>
           </a:xfrm>
           <a:prstGeom prst="rect">
             <a:avLst/>
@@ -13064,7 +13150,7 @@
   <p:timing>
     <p:tnLst>
       <p:par>
-        <p:cTn id="1" dur="indefinite" restart="never" nodeType="tmRoot"/>
+        <p:cTn xmlns:p14="http://schemas.microsoft.com/office/powerpoint/2010/main" id="1" dur="indefinite" restart="never" nodeType="tmRoot"/>
       </p:par>
     </p:tnLst>
   </p:timing>
@@ -13103,8 +13189,8 @@
         </p:nvSpPr>
         <p:spPr>
           <a:xfrm>
-            <a:off x="677334" y="609600"/>
-            <a:ext cx="10239278" cy="1320800"/>
+            <a:off x="508000" y="609600"/>
+            <a:ext cx="7679459" cy="1320800"/>
           </a:xfrm>
         </p:spPr>
         <p:txBody>
@@ -13134,13 +13220,13 @@
         </p:nvSpPr>
         <p:spPr>
           <a:xfrm>
-            <a:off x="5456151" y="1236905"/>
-            <a:ext cx="5794202" cy="5298261"/>
+            <a:off x="4092113" y="1236905"/>
+            <a:ext cx="4345652" cy="5298261"/>
           </a:xfrm>
         </p:spPr>
         <p:txBody>
           <a:bodyPr>
-            <a:normAutofit fontScale="92500" lnSpcReduction="10000"/>
+            <a:normAutofit fontScale="85000" lnSpcReduction="20000"/>
           </a:bodyPr>
           <a:lstStyle/>
           <a:p>
@@ -13194,6 +13280,7 @@
               <a:rPr lang="fr-CA" dirty="0" smtClean="0"/>
               <a:t>Les électroaimants de l’accélérateur doivent être modifiés pour remplir la nouvelle spécification</a:t>
             </a:r>
+            <a:endParaRPr lang="fr-CA" dirty="0" smtClean="0"/>
           </a:p>
         </p:txBody>
       </p:sp>
@@ -13224,8 +13311,8 @@
         </p:blipFill>
         <p:spPr bwMode="auto">
           <a:xfrm>
-            <a:off x="1143688" y="1564428"/>
-            <a:ext cx="3991454" cy="4473128"/>
+            <a:off x="678472" y="2121647"/>
+            <a:ext cx="2993591" cy="3751556"/>
           </a:xfrm>
           <a:prstGeom prst="rect">
             <a:avLst/>
@@ -13239,24 +13326,14 @@
           <a:effectLst/>
           <a:extLst>
             <a:ext uri="{909E8E84-426E-40dd-AFC4-6F175D3DCCD1}">
-              <a14:hiddenFill xmlns:a14="http://schemas.microsoft.com/office/drawing/2010/main" xmlns="">
+              <a14:hiddenFill xmlns:a14="http://schemas.microsoft.com/office/drawing/2010/main">
                 <a:solidFill>
                   <a:schemeClr val="accent1"/>
                 </a:solidFill>
               </a14:hiddenFill>
             </a:ext>
-            <a:ext uri="{91240B29-F687-4f45-9708-019B960494DF}">
-              <a14:hiddenLine xmlns:a14="http://schemas.microsoft.com/office/drawing/2010/main" xmlns="" w="9525">
-                <a:solidFill>
-                  <a:schemeClr val="tx1"/>
-                </a:solidFill>
-                <a:miter lim="800000"/>
-                <a:headEnd/>
-                <a:tailEnd/>
-              </a14:hiddenLine>
-            </a:ext>
             <a:ext uri="{AF507438-7753-43e0-B8FC-AC1667EBCBE1}">
-              <a14:hiddenEffects xmlns:a14="http://schemas.microsoft.com/office/drawing/2010/main" xmlns="">
+              <a14:hiddenEffects xmlns:a14="http://schemas.microsoft.com/office/drawing/2010/main">
                 <a:effectLst>
                   <a:outerShdw blurRad="63500" dist="38099" dir="2700000" algn="ctr" rotWithShape="0">
                     <a:schemeClr val="bg2">
@@ -13281,8 +13358,8 @@
         </p:nvSpPr>
         <p:spPr>
           <a:xfrm>
-            <a:off x="1143688" y="6073501"/>
-            <a:ext cx="3991454" cy="461665"/>
+            <a:off x="857766" y="6073502"/>
+            <a:ext cx="2993591" cy="461665"/>
           </a:xfrm>
           <a:prstGeom prst="rect">
             <a:avLst/>
@@ -13297,11 +13374,7 @@
           <a:p>
             <a:r>
               <a:rPr lang="de-DE" sz="1200" dirty="0" smtClean="0"/>
-              <a:t>Source</a:t>
-            </a:r>
-            <a:r>
-              <a:rPr lang="de-DE" sz="1200" dirty="0" smtClean="0"/>
-              <a:t>: http</a:t>
+              <a:t>Source: http</a:t>
             </a:r>
             <a:r>
               <a:rPr lang="de-DE" sz="1200" dirty="0"/>
@@ -13324,7 +13397,7 @@
   <p:timing>
     <p:tnLst>
       <p:par>
-        <p:cTn id="1" dur="indefinite" restart="never" nodeType="tmRoot"/>
+        <p:cTn xmlns:p14="http://schemas.microsoft.com/office/powerpoint/2010/main" id="1" dur="indefinite" restart="never" nodeType="tmRoot"/>
       </p:par>
     </p:tnLst>
   </p:timing>
@@ -13361,7 +13434,12 @@
             </p:custDataLst>
           </p:nvPr>
         </p:nvSpPr>
-        <p:spPr/>
+        <p:spPr>
+          <a:xfrm>
+            <a:off x="493060" y="161365"/>
+            <a:ext cx="6447501" cy="1320800"/>
+          </a:xfrm>
+        </p:spPr>
         <p:txBody>
           <a:bodyPr/>
           <a:lstStyle/>
@@ -13389,13 +13467,13 @@
         </p:nvSpPr>
         <p:spPr>
           <a:xfrm>
-            <a:off x="242591" y="3823639"/>
-            <a:ext cx="11007762" cy="3091005"/>
+            <a:off x="181943" y="3823640"/>
+            <a:ext cx="8255822" cy="3091005"/>
           </a:xfrm>
         </p:spPr>
         <p:txBody>
           <a:bodyPr>
-            <a:normAutofit fontScale="62500" lnSpcReduction="20000"/>
+            <a:normAutofit fontScale="55000" lnSpcReduction="20000"/>
           </a:bodyPr>
           <a:lstStyle/>
           <a:p>
@@ -13407,15 +13485,7 @@
           <a:p>
             <a:r>
               <a:rPr lang="fr-CA" sz="2600" dirty="0" smtClean="0"/>
-              <a:t>L’AFE (Active Front End) est un redresseur </a:t>
-            </a:r>
-            <a:r>
-              <a:rPr lang="fr-CA" sz="2600" dirty="0" smtClean="0"/>
-              <a:t>constitué </a:t>
-            </a:r>
-            <a:r>
-              <a:rPr lang="fr-CA" sz="2600" dirty="0" smtClean="0"/>
-              <a:t>de cellules de base NPC (</a:t>
+              <a:t>L’AFE (Active Front End) est un redresseur constitué de cellules de base NPC (</a:t>
             </a:r>
             <a:r>
               <a:rPr lang="fr-CA" sz="2600" dirty="0" err="1" smtClean="0"/>
@@ -13471,29 +13541,13 @@
             </a:r>
             <a:r>
               <a:rPr lang="fr-CA" sz="2600" dirty="0" smtClean="0"/>
-              <a:t> constituent un convertisseur CC-CC à 4 quadrants permettant d’aliment les électroaimants du PS-Booster avec forme de courant précise (détaillée plus loin). </a:t>
-            </a:r>
+              <a:t> constituent un convertisseur CC-CC à 4 quadrants permettant d’aliment les électroaimants du PS-Booster avec forme de courant précise (détaillée plus loin). Dois fournir une puissance crête de 18MW à une série d’électroaimants correspondant à une charge de 0.1H et de 0.28Ω.</a:t>
+            </a:r>
+          </a:p>
+          <a:p>
             <a:r>
               <a:rPr lang="fr-CA" sz="2600" dirty="0" smtClean="0"/>
-              <a:t>Dois </a:t>
-            </a:r>
-            <a:r>
-              <a:rPr lang="fr-CA" sz="2600" dirty="0" smtClean="0"/>
-              <a:t>fournir une puissance crête de 18MW à une série d’électroaimants correspondant à une charge de 0.1H et de 0.28Ω.</a:t>
-            </a:r>
-          </a:p>
-          <a:p>
-            <a:r>
-              <a:rPr lang="fr-CA" sz="2600" dirty="0" smtClean="0"/>
-              <a:t>Les 3 phases des cellules NPC du convertisseur CC-CC sont </a:t>
-            </a:r>
-            <a:r>
-              <a:rPr lang="fr-CA" sz="2600" dirty="0" smtClean="0"/>
-              <a:t>associées </a:t>
-            </a:r>
-            <a:r>
-              <a:rPr lang="fr-CA" sz="2600" dirty="0" smtClean="0"/>
-              <a:t>par les inductances de découplage (permettant aux différentes cellules d’alimenter simultanément l’électroaimant)</a:t>
+              <a:t>Les 3 phases des cellules NPC du convertisseur CC-CC sont associées par les inductances de découplage (permettant aux différentes cellules d’alimenter simultanément l’électroaimant)</a:t>
             </a:r>
           </a:p>
           <a:p>
@@ -13527,8 +13581,8 @@
         </p:blipFill>
         <p:spPr>
           <a:xfrm>
-            <a:off x="1740146" y="1270000"/>
-            <a:ext cx="8012650" cy="2294078"/>
+            <a:off x="1305109" y="1374588"/>
+            <a:ext cx="6009488" cy="2189490"/>
           </a:xfrm>
           <a:prstGeom prst="rect">
             <a:avLst/>
@@ -13552,8 +13606,8 @@
         </p:nvSpPr>
         <p:spPr>
           <a:xfrm>
-            <a:off x="5022940" y="3562824"/>
-            <a:ext cx="1447063" cy="276999"/>
+            <a:off x="3767206" y="3562825"/>
+            <a:ext cx="1450262" cy="276999"/>
           </a:xfrm>
           <a:prstGeom prst="rect">
             <a:avLst/>
@@ -13591,7 +13645,7 @@
   <p:timing>
     <p:tnLst>
       <p:par>
-        <p:cTn id="1" dur="indefinite" restart="never" nodeType="tmRoot"/>
+        <p:cTn xmlns:p14="http://schemas.microsoft.com/office/powerpoint/2010/main" id="1" dur="indefinite" restart="never" nodeType="tmRoot"/>
       </p:par>
     </p:tnLst>
   </p:timing>
@@ -13628,7 +13682,12 @@
             </p:custDataLst>
           </p:nvPr>
         </p:nvSpPr>
-        <p:spPr/>
+        <p:spPr>
+          <a:xfrm>
+            <a:off x="493060" y="325717"/>
+            <a:ext cx="6447501" cy="1320800"/>
+          </a:xfrm>
+        </p:spPr>
         <p:txBody>
           <a:bodyPr/>
           <a:lstStyle/>
@@ -13661,8 +13720,8 @@
         </p:blipFill>
         <p:spPr>
           <a:xfrm>
-            <a:off x="483541" y="1631191"/>
-            <a:ext cx="9971369" cy="4025966"/>
+            <a:off x="467243" y="1631191"/>
+            <a:ext cx="7478527" cy="4025966"/>
           </a:xfrm>
           <a:prstGeom prst="rect">
             <a:avLst/>
@@ -13686,8 +13745,8 @@
         </p:nvSpPr>
         <p:spPr>
           <a:xfrm>
-            <a:off x="4745693" y="5826995"/>
-            <a:ext cx="1447063" cy="276999"/>
+            <a:off x="3559270" y="5826996"/>
+            <a:ext cx="1450262" cy="276999"/>
           </a:xfrm>
           <a:prstGeom prst="rect">
             <a:avLst/>
@@ -13725,7 +13784,7 @@
   <p:timing>
     <p:tnLst>
       <p:par>
-        <p:cTn id="1" dur="indefinite" restart="never" nodeType="tmRoot"/>
+        <p:cTn xmlns:p14="http://schemas.microsoft.com/office/powerpoint/2010/main" id="1" dur="indefinite" restart="never" nodeType="tmRoot"/>
       </p:par>
     </p:tnLst>
   </p:timing>
@@ -13764,8 +13823,8 @@
         </p:nvSpPr>
         <p:spPr>
           <a:xfrm>
-            <a:off x="690034" y="101600"/>
-            <a:ext cx="8596668" cy="1320800"/>
+            <a:off x="517526" y="101600"/>
+            <a:ext cx="6447501" cy="1320800"/>
           </a:xfrm>
         </p:spPr>
         <p:txBody>
@@ -13795,13 +13854,13 @@
         </p:nvSpPr>
         <p:spPr>
           <a:xfrm>
-            <a:off x="5793653" y="1398354"/>
-            <a:ext cx="5456700" cy="5165350"/>
+            <a:off x="4345240" y="1398354"/>
+            <a:ext cx="4092525" cy="5165350"/>
           </a:xfrm>
         </p:spPr>
         <p:txBody>
           <a:bodyPr>
-            <a:normAutofit lnSpcReduction="10000"/>
+            <a:normAutofit fontScale="92500" lnSpcReduction="10000"/>
           </a:bodyPr>
           <a:lstStyle/>
           <a:p>
@@ -13879,8 +13938,8 @@
         </p:blipFill>
         <p:spPr>
           <a:xfrm>
-            <a:off x="1237094" y="738615"/>
-            <a:ext cx="3665106" cy="2897756"/>
+            <a:off x="927820" y="738615"/>
+            <a:ext cx="2748830" cy="2897756"/>
           </a:xfrm>
           <a:prstGeom prst="rect">
             <a:avLst/>
@@ -13917,8 +13976,8 @@
         </p:blipFill>
         <p:spPr>
           <a:xfrm>
-            <a:off x="922491" y="4240227"/>
-            <a:ext cx="4482989" cy="1933996"/>
+            <a:off x="691869" y="4314932"/>
+            <a:ext cx="3362242" cy="1933996"/>
           </a:xfrm>
           <a:prstGeom prst="rect">
             <a:avLst/>
@@ -13942,8 +14001,8 @@
         </p:nvSpPr>
         <p:spPr>
           <a:xfrm>
-            <a:off x="1013088" y="6313754"/>
-            <a:ext cx="4128566" cy="276999"/>
+            <a:off x="253620" y="6313755"/>
+            <a:ext cx="4108817" cy="276999"/>
           </a:xfrm>
           <a:prstGeom prst="rect">
             <a:avLst/>
@@ -13959,15 +14018,7 @@
             <a:pPr algn="ctr"/>
             <a:r>
               <a:rPr lang="en-US" sz="1200" dirty="0" smtClean="0"/>
-              <a:t>Figure 10 du document </a:t>
-            </a:r>
-            <a:r>
-              <a:rPr lang="en-US" sz="1200" dirty="0" smtClean="0"/>
-              <a:t>D3176</a:t>
-            </a:r>
-            <a:r>
-              <a:rPr lang="en-US" sz="1200" dirty="0" smtClean="0"/>
-              <a:t>, Techniques de </a:t>
+              <a:t>Figure 10 du document D3176, Techniques de </a:t>
             </a:r>
             <a:r>
               <a:rPr lang="en-US" sz="1200" dirty="0" err="1" smtClean="0"/>
@@ -13993,8 +14044,8 @@
         </p:nvSpPr>
         <p:spPr>
           <a:xfrm>
-            <a:off x="148647" y="3630300"/>
-            <a:ext cx="5842000" cy="738664"/>
+            <a:off x="111485" y="3630300"/>
+            <a:ext cx="4381500" cy="923330"/>
           </a:xfrm>
           <a:prstGeom prst="rect">
             <a:avLst/>
@@ -14051,7 +14102,7 @@
   <p:timing>
     <p:tnLst>
       <p:par>
-        <p:cTn id="1" dur="indefinite" restart="never" nodeType="tmRoot"/>
+        <p:cTn xmlns:p14="http://schemas.microsoft.com/office/powerpoint/2010/main" id="1" dur="indefinite" restart="never" nodeType="tmRoot"/>
       </p:par>
     </p:tnLst>
   </p:timing>
@@ -14090,8 +14141,8 @@
         </p:nvSpPr>
         <p:spPr>
           <a:xfrm>
-            <a:off x="295581" y="204998"/>
-            <a:ext cx="8596668" cy="1320800"/>
+            <a:off x="221686" y="204998"/>
+            <a:ext cx="6447501" cy="1320800"/>
           </a:xfrm>
         </p:spPr>
         <p:txBody>
@@ -14121,13 +14172,13 @@
         </p:nvSpPr>
         <p:spPr>
           <a:xfrm>
-            <a:off x="827664" y="4848002"/>
-            <a:ext cx="8788819" cy="1706288"/>
+            <a:off x="620749" y="4848002"/>
+            <a:ext cx="6591614" cy="1706288"/>
           </a:xfrm>
         </p:spPr>
         <p:txBody>
           <a:bodyPr>
-            <a:normAutofit fontScale="92500"/>
+            <a:normAutofit fontScale="85000" lnSpcReduction="20000"/>
           </a:bodyPr>
           <a:lstStyle/>
           <a:p>
@@ -14177,8 +14228,8 @@
         </p:blipFill>
         <p:spPr>
           <a:xfrm>
-            <a:off x="788756" y="876090"/>
-            <a:ext cx="4026402" cy="3388184"/>
+            <a:off x="591567" y="876090"/>
+            <a:ext cx="3019802" cy="3388184"/>
           </a:xfrm>
           <a:prstGeom prst="rect">
             <a:avLst/>
@@ -14216,8 +14267,8 @@
         </p:blipFill>
         <p:spPr>
           <a:xfrm>
-            <a:off x="5026818" y="879154"/>
-            <a:ext cx="3791336" cy="3385120"/>
+            <a:off x="3770114" y="879154"/>
+            <a:ext cx="2843502" cy="3385120"/>
           </a:xfrm>
           <a:prstGeom prst="rect">
             <a:avLst/>
@@ -14241,8 +14292,8 @@
         </p:nvSpPr>
         <p:spPr>
           <a:xfrm>
-            <a:off x="788756" y="4279138"/>
-            <a:ext cx="8029398" cy="276999"/>
+            <a:off x="591567" y="4279139"/>
+            <a:ext cx="6022049" cy="461665"/>
           </a:xfrm>
           <a:prstGeom prst="rect">
             <a:avLst/>
@@ -14266,11 +14317,7 @@
             </a:r>
             <a:r>
               <a:rPr lang="en-US" sz="1200" dirty="0" smtClean="0"/>
-              <a:t> </a:t>
-            </a:r>
-            <a:r>
-              <a:rPr lang="en-US" sz="1200" dirty="0" smtClean="0"/>
-              <a:t>du </a:t>
+              <a:t> du </a:t>
             </a:r>
             <a:r>
               <a:rPr lang="en-US" sz="1200" dirty="0" err="1" smtClean="0"/>
@@ -14305,7 +14352,7 @@
   <p:timing>
     <p:tnLst>
       <p:par>
-        <p:cTn id="1" dur="indefinite" restart="never" nodeType="tmRoot"/>
+        <p:cTn xmlns:p14="http://schemas.microsoft.com/office/powerpoint/2010/main" id="1" dur="indefinite" restart="never" nodeType="tmRoot"/>
       </p:par>
     </p:tnLst>
   </p:timing>
@@ -14370,8 +14417,8 @@
         </p:nvSpPr>
         <p:spPr>
           <a:xfrm>
-            <a:off x="5936355" y="1270566"/>
-            <a:ext cx="5578050" cy="5487551"/>
+            <a:off x="4452266" y="1270566"/>
+            <a:ext cx="4183538" cy="5487551"/>
           </a:xfrm>
         </p:spPr>
         <p:txBody>
@@ -14446,8 +14493,8 @@
         </p:blipFill>
         <p:spPr>
           <a:xfrm>
-            <a:off x="598360" y="1272017"/>
-            <a:ext cx="4928043" cy="5047864"/>
+            <a:off x="448771" y="1272017"/>
+            <a:ext cx="3696032" cy="5047864"/>
           </a:xfrm>
           <a:prstGeom prst="rect">
             <a:avLst/>
@@ -14471,8 +14518,8 @@
         </p:nvSpPr>
         <p:spPr>
           <a:xfrm>
-            <a:off x="1002907" y="6319881"/>
-            <a:ext cx="4118948" cy="276999"/>
+            <a:off x="242377" y="6319882"/>
+            <a:ext cx="4108817" cy="276999"/>
           </a:xfrm>
           <a:prstGeom prst="rect">
             <a:avLst/>
@@ -14529,7 +14576,7 @@
   <p:timing>
     <p:tnLst>
       <p:par>
-        <p:cTn id="1" dur="indefinite" restart="never" nodeType="tmRoot"/>
+        <p:cTn xmlns:p14="http://schemas.microsoft.com/office/powerpoint/2010/main" id="1" dur="indefinite" restart="never" nodeType="tmRoot"/>
       </p:par>
     </p:tnLst>
   </p:timing>
@@ -15345,7 +15392,7 @@
   <a:extraClrSchemeLst/>
   <a:extLst>
     <a:ext uri="{05A4C25C-085E-4340-85A3-A5531E510DB2}">
-      <thm15:themeFamily xmlns:thm15="http://schemas.microsoft.com/office/thememl/2012/main" name="Facet" id="{C0C680CD-088A-49FC-A102-D699147F32B2}" vid="{CFBC31BA-B70F-4F30-BCAA-4F3011E16C4D}"/>
+      <thm15:themeFamily xmlns:thm15="http://schemas.microsoft.com/office/thememl/2012/main" xmlns="" name="Facet" id="{C0C680CD-088A-49FC-A102-D699147F32B2}" vid="{CFBC31BA-B70F-4F30-BCAA-4F3011E16C4D}"/>
     </a:ext>
   </a:extLst>
 </a:theme>
